--- a/presentation.pptx
+++ b/presentation.pptx
@@ -2,16 +2,16 @@
 <file path=ppt/presentation.xml><?xml version="1.0" encoding="utf-8"?>
 <p:presentation xmlns:a="http://schemas.openxmlformats.org/drawingml/2006/main" xmlns:r="http://schemas.openxmlformats.org/officeDocument/2006/relationships" xmlns:p="http://schemas.openxmlformats.org/presentationml/2006/main" saveSubsetFonts="1">
   <p:sldMasterIdLst>
-    <p:sldMasterId id="2147483648" r:id="rId1"/>
+    <p:sldMasterId id="2147483672" r:id="rId1"/>
   </p:sldMasterIdLst>
   <p:sldIdLst>
     <p:sldId id="256" r:id="rId2"/>
     <p:sldId id="257" r:id="rId3"/>
     <p:sldId id="259" r:id="rId4"/>
     <p:sldId id="260" r:id="rId5"/>
-    <p:sldId id="261" r:id="rId6"/>
-    <p:sldId id="263" r:id="rId7"/>
-    <p:sldId id="264" r:id="rId8"/>
+    <p:sldId id="269" r:id="rId6"/>
+    <p:sldId id="270" r:id="rId7"/>
+    <p:sldId id="271" r:id="rId8"/>
     <p:sldId id="266" r:id="rId9"/>
     <p:sldId id="262" r:id="rId10"/>
     <p:sldId id="265" r:id="rId11"/>
@@ -19,13 +19,13 @@
     <p:sldId id="267" r:id="rId13"/>
     <p:sldId id="258" r:id="rId14"/>
   </p:sldIdLst>
-  <p:sldSz cx="12192000" cy="6858000"/>
+  <p:sldSz cx="12239625" cy="6840538"/>
   <p:notesSz cx="6858000" cy="9144000"/>
   <p:defaultTextStyle>
     <a:defPPr>
-      <a:defRPr lang="ru-RU"/>
+      <a:defRPr lang="en-US"/>
     </a:defPPr>
-    <a:lvl1pPr marL="0" algn="l" defTabSz="914400" rtl="0" eaLnBrk="1" latinLnBrk="0" hangingPunct="1">
+    <a:lvl1pPr marL="0" algn="l" defTabSz="457200" rtl="0" eaLnBrk="1" latinLnBrk="0" hangingPunct="1">
       <a:defRPr sz="1800" kern="1200">
         <a:solidFill>
           <a:schemeClr val="tx1"/>
@@ -35,7 +35,7 @@
         <a:cs typeface="+mn-cs"/>
       </a:defRPr>
     </a:lvl1pPr>
-    <a:lvl2pPr marL="457200" algn="l" defTabSz="914400" rtl="0" eaLnBrk="1" latinLnBrk="0" hangingPunct="1">
+    <a:lvl2pPr marL="457200" algn="l" defTabSz="457200" rtl="0" eaLnBrk="1" latinLnBrk="0" hangingPunct="1">
       <a:defRPr sz="1800" kern="1200">
         <a:solidFill>
           <a:schemeClr val="tx1"/>
@@ -45,7 +45,7 @@
         <a:cs typeface="+mn-cs"/>
       </a:defRPr>
     </a:lvl2pPr>
-    <a:lvl3pPr marL="914400" algn="l" defTabSz="914400" rtl="0" eaLnBrk="1" latinLnBrk="0" hangingPunct="1">
+    <a:lvl3pPr marL="914400" algn="l" defTabSz="457200" rtl="0" eaLnBrk="1" latinLnBrk="0" hangingPunct="1">
       <a:defRPr sz="1800" kern="1200">
         <a:solidFill>
           <a:schemeClr val="tx1"/>
@@ -55,7 +55,7 @@
         <a:cs typeface="+mn-cs"/>
       </a:defRPr>
     </a:lvl3pPr>
-    <a:lvl4pPr marL="1371600" algn="l" defTabSz="914400" rtl="0" eaLnBrk="1" latinLnBrk="0" hangingPunct="1">
+    <a:lvl4pPr marL="1371600" algn="l" defTabSz="457200" rtl="0" eaLnBrk="1" latinLnBrk="0" hangingPunct="1">
       <a:defRPr sz="1800" kern="1200">
         <a:solidFill>
           <a:schemeClr val="tx1"/>
@@ -65,7 +65,7 @@
         <a:cs typeface="+mn-cs"/>
       </a:defRPr>
     </a:lvl4pPr>
-    <a:lvl5pPr marL="1828800" algn="l" defTabSz="914400" rtl="0" eaLnBrk="1" latinLnBrk="0" hangingPunct="1">
+    <a:lvl5pPr marL="1828800" algn="l" defTabSz="457200" rtl="0" eaLnBrk="1" latinLnBrk="0" hangingPunct="1">
       <a:defRPr sz="1800" kern="1200">
         <a:solidFill>
           <a:schemeClr val="tx1"/>
@@ -75,7 +75,7 @@
         <a:cs typeface="+mn-cs"/>
       </a:defRPr>
     </a:lvl5pPr>
-    <a:lvl6pPr marL="2286000" algn="l" defTabSz="914400" rtl="0" eaLnBrk="1" latinLnBrk="0" hangingPunct="1">
+    <a:lvl6pPr marL="2286000" algn="l" defTabSz="457200" rtl="0" eaLnBrk="1" latinLnBrk="0" hangingPunct="1">
       <a:defRPr sz="1800" kern="1200">
         <a:solidFill>
           <a:schemeClr val="tx1"/>
@@ -85,7 +85,7 @@
         <a:cs typeface="+mn-cs"/>
       </a:defRPr>
     </a:lvl6pPr>
-    <a:lvl7pPr marL="2743200" algn="l" defTabSz="914400" rtl="0" eaLnBrk="1" latinLnBrk="0" hangingPunct="1">
+    <a:lvl7pPr marL="2743200" algn="l" defTabSz="457200" rtl="0" eaLnBrk="1" latinLnBrk="0" hangingPunct="1">
       <a:defRPr sz="1800" kern="1200">
         <a:solidFill>
           <a:schemeClr val="tx1"/>
@@ -95,7 +95,7 @@
         <a:cs typeface="+mn-cs"/>
       </a:defRPr>
     </a:lvl7pPr>
-    <a:lvl8pPr marL="3200400" algn="l" defTabSz="914400" rtl="0" eaLnBrk="1" latinLnBrk="0" hangingPunct="1">
+    <a:lvl8pPr marL="3200400" algn="l" defTabSz="457200" rtl="0" eaLnBrk="1" latinLnBrk="0" hangingPunct="1">
       <a:defRPr sz="1800" kern="1200">
         <a:solidFill>
           <a:schemeClr val="tx1"/>
@@ -105,7 +105,7 @@
         <a:cs typeface="+mn-cs"/>
       </a:defRPr>
     </a:lvl8pPr>
-    <a:lvl9pPr marL="3657600" algn="l" defTabSz="914400" rtl="0" eaLnBrk="1" latinLnBrk="0" hangingPunct="1">
+    <a:lvl9pPr marL="3657600" algn="l" defTabSz="457200" rtl="0" eaLnBrk="1" latinLnBrk="0" hangingPunct="1">
       <a:defRPr sz="1800" kern="1200">
         <a:solidFill>
           <a:schemeClr val="tx1"/>
@@ -129,9 +129,9 @@
           <p14:sldIdLst>
             <p14:sldId id="259"/>
             <p14:sldId id="260"/>
-            <p14:sldId id="261"/>
-            <p14:sldId id="263"/>
-            <p14:sldId id="264"/>
+            <p14:sldId id="269"/>
+            <p14:sldId id="270"/>
+            <p14:sldId id="271"/>
           </p14:sldIdLst>
         </p14:section>
         <p14:section name="Уровень-обучение" id="{21E96361-2ECB-4823-AA28-FD0D6A78B50F}">
@@ -158,6 +158,9 @@
         </p14:section>
       </p14:sectionLst>
     </p:ext>
+    <p:ext uri="{EFAFB233-063F-42B5-8137-9DF3F51BA10A}">
+      <p15:sldGuideLst xmlns:p15="http://schemas.microsoft.com/office/powerpoint/2012/main"/>
+    </p:ext>
   </p:extLst>
 </p:presentation>
 </file>
@@ -181,13 +184,7 @@
       </p:grpSpPr>
       <p:sp>
         <p:nvSpPr>
-          <p:cNvPr id="2" name="Заголовок 1">
-            <a:extLst>
-              <a:ext uri="{FF2B5EF4-FFF2-40B4-BE49-F238E27FC236}">
-                <a16:creationId xmlns:a16="http://schemas.microsoft.com/office/drawing/2014/main" id="{C3E8A66F-A70F-420D-A681-56AB233589BA}"/>
-              </a:ext>
-            </a:extLst>
-          </p:cNvPr>
+          <p:cNvPr id="2" name="Title 1"/>
           <p:cNvSpPr>
             <a:spLocks noGrp="1"/>
           </p:cNvSpPr>
@@ -197,34 +194,29 @@
         </p:nvSpPr>
         <p:spPr>
           <a:xfrm>
-            <a:off x="1524000" y="1122363"/>
-            <a:ext cx="9144000" cy="2387600"/>
+            <a:off x="1529953" y="1119505"/>
+            <a:ext cx="9179719" cy="2381521"/>
           </a:xfrm>
         </p:spPr>
         <p:txBody>
           <a:bodyPr anchor="b"/>
           <a:lstStyle>
             <a:lvl1pPr algn="ctr">
-              <a:defRPr sz="6000"/>
+              <a:defRPr sz="5985"/>
             </a:lvl1pPr>
           </a:lstStyle>
           <a:p>
             <a:r>
-              <a:rPr lang="ru-RU"/>
+              <a:rPr lang="ru-RU" smtClean="0"/>
               <a:t>Образец заголовка</a:t>
             </a:r>
-          </a:p>
-        </p:txBody>
-      </p:sp>
-      <p:sp>
-        <p:nvSpPr>
-          <p:cNvPr id="3" name="Подзаголовок 2">
-            <a:extLst>
-              <a:ext uri="{FF2B5EF4-FFF2-40B4-BE49-F238E27FC236}">
-                <a16:creationId xmlns:a16="http://schemas.microsoft.com/office/drawing/2014/main" id="{EBDAEEDC-24D7-4399-A410-98A00038EEDB}"/>
-              </a:ext>
-            </a:extLst>
-          </p:cNvPr>
+            <a:endParaRPr lang="en-US" dirty="0"/>
+          </a:p>
+        </p:txBody>
+      </p:sp>
+      <p:sp>
+        <p:nvSpPr>
+          <p:cNvPr id="3" name="Subtitle 2"/>
           <p:cNvSpPr>
             <a:spLocks noGrp="1"/>
           </p:cNvSpPr>
@@ -234,8 +226,8 @@
         </p:nvSpPr>
         <p:spPr>
           <a:xfrm>
-            <a:off x="1524000" y="3602038"/>
-            <a:ext cx="9144000" cy="1655762"/>
+            <a:off x="1529953" y="3592866"/>
+            <a:ext cx="9179719" cy="1651546"/>
           </a:xfrm>
         </p:spPr>
         <p:txBody>
@@ -243,58 +235,53 @@
           <a:lstStyle>
             <a:lvl1pPr marL="0" indent="0" algn="ctr">
               <a:buNone/>
-              <a:defRPr sz="2400"/>
+              <a:defRPr sz="2394"/>
             </a:lvl1pPr>
-            <a:lvl2pPr marL="457200" indent="0" algn="ctr">
-              <a:buNone/>
-              <a:defRPr sz="2000"/>
+            <a:lvl2pPr marL="456057" indent="0" algn="ctr">
+              <a:buNone/>
+              <a:defRPr sz="1995"/>
             </a:lvl2pPr>
-            <a:lvl3pPr marL="914400" indent="0" algn="ctr">
-              <a:buNone/>
-              <a:defRPr sz="1800"/>
+            <a:lvl3pPr marL="912114" indent="0" algn="ctr">
+              <a:buNone/>
+              <a:defRPr sz="1795"/>
             </a:lvl3pPr>
-            <a:lvl4pPr marL="1371600" indent="0" algn="ctr">
-              <a:buNone/>
-              <a:defRPr sz="1600"/>
+            <a:lvl4pPr marL="1368171" indent="0" algn="ctr">
+              <a:buNone/>
+              <a:defRPr sz="1596"/>
             </a:lvl4pPr>
-            <a:lvl5pPr marL="1828800" indent="0" algn="ctr">
-              <a:buNone/>
-              <a:defRPr sz="1600"/>
+            <a:lvl5pPr marL="1824228" indent="0" algn="ctr">
+              <a:buNone/>
+              <a:defRPr sz="1596"/>
             </a:lvl5pPr>
-            <a:lvl6pPr marL="2286000" indent="0" algn="ctr">
-              <a:buNone/>
-              <a:defRPr sz="1600"/>
+            <a:lvl6pPr marL="2280285" indent="0" algn="ctr">
+              <a:buNone/>
+              <a:defRPr sz="1596"/>
             </a:lvl6pPr>
-            <a:lvl7pPr marL="2743200" indent="0" algn="ctr">
-              <a:buNone/>
-              <a:defRPr sz="1600"/>
+            <a:lvl7pPr marL="2736342" indent="0" algn="ctr">
+              <a:buNone/>
+              <a:defRPr sz="1596"/>
             </a:lvl7pPr>
-            <a:lvl8pPr marL="3200400" indent="0" algn="ctr">
-              <a:buNone/>
-              <a:defRPr sz="1600"/>
+            <a:lvl8pPr marL="3192399" indent="0" algn="ctr">
+              <a:buNone/>
+              <a:defRPr sz="1596"/>
             </a:lvl8pPr>
-            <a:lvl9pPr marL="3657600" indent="0" algn="ctr">
-              <a:buNone/>
-              <a:defRPr sz="1600"/>
+            <a:lvl9pPr marL="3648456" indent="0" algn="ctr">
+              <a:buNone/>
+              <a:defRPr sz="1596"/>
             </a:lvl9pPr>
           </a:lstStyle>
           <a:p>
             <a:r>
-              <a:rPr lang="ru-RU"/>
+              <a:rPr lang="ru-RU" smtClean="0"/>
               <a:t>Образец подзаголовка</a:t>
             </a:r>
-          </a:p>
-        </p:txBody>
-      </p:sp>
-      <p:sp>
-        <p:nvSpPr>
-          <p:cNvPr id="4" name="Дата 3">
-            <a:extLst>
-              <a:ext uri="{FF2B5EF4-FFF2-40B4-BE49-F238E27FC236}">
-                <a16:creationId xmlns:a16="http://schemas.microsoft.com/office/drawing/2014/main" id="{4EE682C2-36C3-4648-BE64-A1887E1C3314}"/>
-              </a:ext>
-            </a:extLst>
-          </p:cNvPr>
+            <a:endParaRPr lang="en-US" dirty="0"/>
+          </a:p>
+        </p:txBody>
+      </p:sp>
+      <p:sp>
+        <p:nvSpPr>
+          <p:cNvPr id="4" name="Date Placeholder 3"/>
           <p:cNvSpPr>
             <a:spLocks noGrp="1"/>
           </p:cNvSpPr>
@@ -309,7 +296,7 @@
           <a:p>
             <a:fld id="{07504AD1-F626-4EEE-A1F0-4F98A55EE3A4}" type="datetimeFigureOut">
               <a:rPr lang="ru-RU" smtClean="0"/>
-              <a:t>17.01.2022</a:t>
+              <a:t>19.01.2022</a:t>
             </a:fld>
             <a:endParaRPr lang="ru-RU"/>
           </a:p>
@@ -317,13 +304,7 @@
       </p:sp>
       <p:sp>
         <p:nvSpPr>
-          <p:cNvPr id="5" name="Нижний колонтитул 4">
-            <a:extLst>
-              <a:ext uri="{FF2B5EF4-FFF2-40B4-BE49-F238E27FC236}">
-                <a16:creationId xmlns:a16="http://schemas.microsoft.com/office/drawing/2014/main" id="{53E3103E-7800-4EA9-B549-FED85C3A3CCF}"/>
-              </a:ext>
-            </a:extLst>
-          </p:cNvPr>
+          <p:cNvPr id="5" name="Footer Placeholder 4"/>
           <p:cNvSpPr>
             <a:spLocks noGrp="1"/>
           </p:cNvSpPr>
@@ -342,13 +323,7 @@
       </p:sp>
       <p:sp>
         <p:nvSpPr>
-          <p:cNvPr id="6" name="Номер слайда 5">
-            <a:extLst>
-              <a:ext uri="{FF2B5EF4-FFF2-40B4-BE49-F238E27FC236}">
-                <a16:creationId xmlns:a16="http://schemas.microsoft.com/office/drawing/2014/main" id="{408C4CD4-5DA4-412C-90E2-E28994770408}"/>
-              </a:ext>
-            </a:extLst>
-          </p:cNvPr>
+          <p:cNvPr id="6" name="Slide Number Placeholder 5"/>
           <p:cNvSpPr>
             <a:spLocks noGrp="1"/>
           </p:cNvSpPr>
@@ -372,7 +347,7 @@
     </p:spTree>
     <p:extLst>
       <p:ext uri="{BB962C8B-B14F-4D97-AF65-F5344CB8AC3E}">
-        <p14:creationId xmlns:p14="http://schemas.microsoft.com/office/powerpoint/2010/main" val="3405315650"/>
+        <p14:creationId xmlns:p14="http://schemas.microsoft.com/office/powerpoint/2010/main" val="925963394"/>
       </p:ext>
     </p:extLst>
   </p:cSld>
@@ -401,13 +376,7 @@
       </p:grpSpPr>
       <p:sp>
         <p:nvSpPr>
-          <p:cNvPr id="2" name="Заголовок 1">
-            <a:extLst>
-              <a:ext uri="{FF2B5EF4-FFF2-40B4-BE49-F238E27FC236}">
-                <a16:creationId xmlns:a16="http://schemas.microsoft.com/office/drawing/2014/main" id="{B04419DF-E818-49C5-B073-46D80B8C364E}"/>
-              </a:ext>
-            </a:extLst>
-          </p:cNvPr>
+          <p:cNvPr id="2" name="Title 1"/>
           <p:cNvSpPr>
             <a:spLocks noGrp="1"/>
           </p:cNvSpPr>
@@ -421,21 +390,16 @@
           <a:lstStyle/>
           <a:p>
             <a:r>
-              <a:rPr lang="ru-RU"/>
+              <a:rPr lang="ru-RU" smtClean="0"/>
               <a:t>Образец заголовка</a:t>
             </a:r>
-          </a:p>
-        </p:txBody>
-      </p:sp>
-      <p:sp>
-        <p:nvSpPr>
-          <p:cNvPr id="3" name="Вертикальный текст 2">
-            <a:extLst>
-              <a:ext uri="{FF2B5EF4-FFF2-40B4-BE49-F238E27FC236}">
-                <a16:creationId xmlns:a16="http://schemas.microsoft.com/office/drawing/2014/main" id="{47209B82-F353-4000-9268-BA94333AA43E}"/>
-              </a:ext>
-            </a:extLst>
-          </p:cNvPr>
+            <a:endParaRPr lang="en-US" dirty="0"/>
+          </a:p>
+        </p:txBody>
+      </p:sp>
+      <p:sp>
+        <p:nvSpPr>
+          <p:cNvPr id="3" name="Vertical Text Placeholder 2"/>
           <p:cNvSpPr>
             <a:spLocks noGrp="1"/>
           </p:cNvSpPr>
@@ -450,49 +414,44 @@
           <a:p>
             <a:pPr lvl="0"/>
             <a:r>
-              <a:rPr lang="ru-RU"/>
+              <a:rPr lang="ru-RU" smtClean="0"/>
               <a:t>Образец текста</a:t>
             </a:r>
           </a:p>
           <a:p>
             <a:pPr lvl="1"/>
             <a:r>
-              <a:rPr lang="ru-RU"/>
+              <a:rPr lang="ru-RU" smtClean="0"/>
               <a:t>Второй уровень</a:t>
             </a:r>
           </a:p>
           <a:p>
             <a:pPr lvl="2"/>
             <a:r>
-              <a:rPr lang="ru-RU"/>
+              <a:rPr lang="ru-RU" smtClean="0"/>
               <a:t>Третий уровень</a:t>
             </a:r>
           </a:p>
           <a:p>
             <a:pPr lvl="3"/>
             <a:r>
-              <a:rPr lang="ru-RU"/>
+              <a:rPr lang="ru-RU" smtClean="0"/>
               <a:t>Четвертый уровень</a:t>
             </a:r>
           </a:p>
           <a:p>
             <a:pPr lvl="4"/>
             <a:r>
-              <a:rPr lang="ru-RU"/>
+              <a:rPr lang="ru-RU" smtClean="0"/>
               <a:t>Пятый уровень</a:t>
             </a:r>
-          </a:p>
-        </p:txBody>
-      </p:sp>
-      <p:sp>
-        <p:nvSpPr>
-          <p:cNvPr id="4" name="Дата 3">
-            <a:extLst>
-              <a:ext uri="{FF2B5EF4-FFF2-40B4-BE49-F238E27FC236}">
-                <a16:creationId xmlns:a16="http://schemas.microsoft.com/office/drawing/2014/main" id="{844C0C2B-C19D-452B-B211-1AF43D16184F}"/>
-              </a:ext>
-            </a:extLst>
-          </p:cNvPr>
+            <a:endParaRPr lang="en-US" dirty="0"/>
+          </a:p>
+        </p:txBody>
+      </p:sp>
+      <p:sp>
+        <p:nvSpPr>
+          <p:cNvPr id="4" name="Date Placeholder 3"/>
           <p:cNvSpPr>
             <a:spLocks noGrp="1"/>
           </p:cNvSpPr>
@@ -507,7 +466,7 @@
           <a:p>
             <a:fld id="{07504AD1-F626-4EEE-A1F0-4F98A55EE3A4}" type="datetimeFigureOut">
               <a:rPr lang="ru-RU" smtClean="0"/>
-              <a:t>17.01.2022</a:t>
+              <a:t>19.01.2022</a:t>
             </a:fld>
             <a:endParaRPr lang="ru-RU"/>
           </a:p>
@@ -515,13 +474,7 @@
       </p:sp>
       <p:sp>
         <p:nvSpPr>
-          <p:cNvPr id="5" name="Нижний колонтитул 4">
-            <a:extLst>
-              <a:ext uri="{FF2B5EF4-FFF2-40B4-BE49-F238E27FC236}">
-                <a16:creationId xmlns:a16="http://schemas.microsoft.com/office/drawing/2014/main" id="{B955436E-27E5-4696-A58B-8B22DEE0C6A0}"/>
-              </a:ext>
-            </a:extLst>
-          </p:cNvPr>
+          <p:cNvPr id="5" name="Footer Placeholder 4"/>
           <p:cNvSpPr>
             <a:spLocks noGrp="1"/>
           </p:cNvSpPr>
@@ -540,13 +493,7 @@
       </p:sp>
       <p:sp>
         <p:nvSpPr>
-          <p:cNvPr id="6" name="Номер слайда 5">
-            <a:extLst>
-              <a:ext uri="{FF2B5EF4-FFF2-40B4-BE49-F238E27FC236}">
-                <a16:creationId xmlns:a16="http://schemas.microsoft.com/office/drawing/2014/main" id="{2C3577FB-49B1-4331-AE47-C8E8127FAE20}"/>
-              </a:ext>
-            </a:extLst>
-          </p:cNvPr>
+          <p:cNvPr id="6" name="Slide Number Placeholder 5"/>
           <p:cNvSpPr>
             <a:spLocks noGrp="1"/>
           </p:cNvSpPr>
@@ -570,7 +517,7 @@
     </p:spTree>
     <p:extLst>
       <p:ext uri="{BB962C8B-B14F-4D97-AF65-F5344CB8AC3E}">
-        <p14:creationId xmlns:p14="http://schemas.microsoft.com/office/powerpoint/2010/main" val="493625600"/>
+        <p14:creationId xmlns:p14="http://schemas.microsoft.com/office/powerpoint/2010/main" val="3499394070"/>
       </p:ext>
     </p:extLst>
   </p:cSld>
@@ -599,13 +546,7 @@
       </p:grpSpPr>
       <p:sp>
         <p:nvSpPr>
-          <p:cNvPr id="2" name="Вертикальный заголовок 1">
-            <a:extLst>
-              <a:ext uri="{FF2B5EF4-FFF2-40B4-BE49-F238E27FC236}">
-                <a16:creationId xmlns:a16="http://schemas.microsoft.com/office/drawing/2014/main" id="{AC7830F2-C485-4E30-A6A5-1CB4A29E6A0F}"/>
-              </a:ext>
-            </a:extLst>
-          </p:cNvPr>
+          <p:cNvPr id="2" name="Vertical Title 1"/>
           <p:cNvSpPr>
             <a:spLocks noGrp="1"/>
           </p:cNvSpPr>
@@ -615,8 +556,8 @@
         </p:nvSpPr>
         <p:spPr>
           <a:xfrm>
-            <a:off x="8724900" y="365125"/>
-            <a:ext cx="2628900" cy="5811838"/>
+            <a:off x="8758982" y="364195"/>
+            <a:ext cx="2639169" cy="5797040"/>
           </a:xfrm>
         </p:spPr>
         <p:txBody>
@@ -624,21 +565,16 @@
           <a:lstStyle/>
           <a:p>
             <a:r>
-              <a:rPr lang="ru-RU"/>
+              <a:rPr lang="ru-RU" smtClean="0"/>
               <a:t>Образец заголовка</a:t>
             </a:r>
-          </a:p>
-        </p:txBody>
-      </p:sp>
-      <p:sp>
-        <p:nvSpPr>
-          <p:cNvPr id="3" name="Вертикальный текст 2">
-            <a:extLst>
-              <a:ext uri="{FF2B5EF4-FFF2-40B4-BE49-F238E27FC236}">
-                <a16:creationId xmlns:a16="http://schemas.microsoft.com/office/drawing/2014/main" id="{C19DB4D9-F830-43BA-BF5B-6CD4431227F3}"/>
-              </a:ext>
-            </a:extLst>
-          </p:cNvPr>
+            <a:endParaRPr lang="en-US" dirty="0"/>
+          </a:p>
+        </p:txBody>
+      </p:sp>
+      <p:sp>
+        <p:nvSpPr>
+          <p:cNvPr id="3" name="Vertical Text Placeholder 2"/>
           <p:cNvSpPr>
             <a:spLocks noGrp="1"/>
           </p:cNvSpPr>
@@ -648,8 +584,8 @@
         </p:nvSpPr>
         <p:spPr>
           <a:xfrm>
-            <a:off x="838200" y="365125"/>
-            <a:ext cx="7734300" cy="5811838"/>
+            <a:off x="841474" y="364195"/>
+            <a:ext cx="7764512" cy="5797040"/>
           </a:xfrm>
         </p:spPr>
         <p:txBody>
@@ -658,49 +594,44 @@
           <a:p>
             <a:pPr lvl="0"/>
             <a:r>
-              <a:rPr lang="ru-RU"/>
+              <a:rPr lang="ru-RU" smtClean="0"/>
               <a:t>Образец текста</a:t>
             </a:r>
           </a:p>
           <a:p>
             <a:pPr lvl="1"/>
             <a:r>
-              <a:rPr lang="ru-RU"/>
+              <a:rPr lang="ru-RU" smtClean="0"/>
               <a:t>Второй уровень</a:t>
             </a:r>
           </a:p>
           <a:p>
             <a:pPr lvl="2"/>
             <a:r>
-              <a:rPr lang="ru-RU"/>
+              <a:rPr lang="ru-RU" smtClean="0"/>
               <a:t>Третий уровень</a:t>
             </a:r>
           </a:p>
           <a:p>
             <a:pPr lvl="3"/>
             <a:r>
-              <a:rPr lang="ru-RU"/>
+              <a:rPr lang="ru-RU" smtClean="0"/>
               <a:t>Четвертый уровень</a:t>
             </a:r>
           </a:p>
           <a:p>
             <a:pPr lvl="4"/>
             <a:r>
-              <a:rPr lang="ru-RU"/>
+              <a:rPr lang="ru-RU" smtClean="0"/>
               <a:t>Пятый уровень</a:t>
             </a:r>
-          </a:p>
-        </p:txBody>
-      </p:sp>
-      <p:sp>
-        <p:nvSpPr>
-          <p:cNvPr id="4" name="Дата 3">
-            <a:extLst>
-              <a:ext uri="{FF2B5EF4-FFF2-40B4-BE49-F238E27FC236}">
-                <a16:creationId xmlns:a16="http://schemas.microsoft.com/office/drawing/2014/main" id="{2D768053-97BF-458C-BB32-C153889E6B3E}"/>
-              </a:ext>
-            </a:extLst>
-          </p:cNvPr>
+            <a:endParaRPr lang="en-US" dirty="0"/>
+          </a:p>
+        </p:txBody>
+      </p:sp>
+      <p:sp>
+        <p:nvSpPr>
+          <p:cNvPr id="4" name="Date Placeholder 3"/>
           <p:cNvSpPr>
             <a:spLocks noGrp="1"/>
           </p:cNvSpPr>
@@ -715,7 +646,7 @@
           <a:p>
             <a:fld id="{07504AD1-F626-4EEE-A1F0-4F98A55EE3A4}" type="datetimeFigureOut">
               <a:rPr lang="ru-RU" smtClean="0"/>
-              <a:t>17.01.2022</a:t>
+              <a:t>19.01.2022</a:t>
             </a:fld>
             <a:endParaRPr lang="ru-RU"/>
           </a:p>
@@ -723,13 +654,7 @@
       </p:sp>
       <p:sp>
         <p:nvSpPr>
-          <p:cNvPr id="5" name="Нижний колонтитул 4">
-            <a:extLst>
-              <a:ext uri="{FF2B5EF4-FFF2-40B4-BE49-F238E27FC236}">
-                <a16:creationId xmlns:a16="http://schemas.microsoft.com/office/drawing/2014/main" id="{524281E9-F63C-4416-9E80-229447B1FB6D}"/>
-              </a:ext>
-            </a:extLst>
-          </p:cNvPr>
+          <p:cNvPr id="5" name="Footer Placeholder 4"/>
           <p:cNvSpPr>
             <a:spLocks noGrp="1"/>
           </p:cNvSpPr>
@@ -748,13 +673,7 @@
       </p:sp>
       <p:sp>
         <p:nvSpPr>
-          <p:cNvPr id="6" name="Номер слайда 5">
-            <a:extLst>
-              <a:ext uri="{FF2B5EF4-FFF2-40B4-BE49-F238E27FC236}">
-                <a16:creationId xmlns:a16="http://schemas.microsoft.com/office/drawing/2014/main" id="{B87846A1-8252-4C30-B610-319032DA8D87}"/>
-              </a:ext>
-            </a:extLst>
-          </p:cNvPr>
+          <p:cNvPr id="6" name="Slide Number Placeholder 5"/>
           <p:cNvSpPr>
             <a:spLocks noGrp="1"/>
           </p:cNvSpPr>
@@ -778,7 +697,7 @@
     </p:spTree>
     <p:extLst>
       <p:ext uri="{BB962C8B-B14F-4D97-AF65-F5344CB8AC3E}">
-        <p14:creationId xmlns:p14="http://schemas.microsoft.com/office/powerpoint/2010/main" val="2094010428"/>
+        <p14:creationId xmlns:p14="http://schemas.microsoft.com/office/powerpoint/2010/main" val="3464473940"/>
       </p:ext>
     </p:extLst>
   </p:cSld>
@@ -807,13 +726,7 @@
       </p:grpSpPr>
       <p:sp>
         <p:nvSpPr>
-          <p:cNvPr id="2" name="Заголовок 1">
-            <a:extLst>
-              <a:ext uri="{FF2B5EF4-FFF2-40B4-BE49-F238E27FC236}">
-                <a16:creationId xmlns:a16="http://schemas.microsoft.com/office/drawing/2014/main" id="{CB8D0BBB-6C4E-4F77-A0EC-97669D049488}"/>
-              </a:ext>
-            </a:extLst>
-          </p:cNvPr>
+          <p:cNvPr id="2" name="Title 1"/>
           <p:cNvSpPr>
             <a:spLocks noGrp="1"/>
           </p:cNvSpPr>
@@ -827,21 +740,16 @@
           <a:lstStyle/>
           <a:p>
             <a:r>
-              <a:rPr lang="ru-RU"/>
+              <a:rPr lang="ru-RU" smtClean="0"/>
               <a:t>Образец заголовка</a:t>
             </a:r>
-          </a:p>
-        </p:txBody>
-      </p:sp>
-      <p:sp>
-        <p:nvSpPr>
-          <p:cNvPr id="3" name="Объект 2">
-            <a:extLst>
-              <a:ext uri="{FF2B5EF4-FFF2-40B4-BE49-F238E27FC236}">
-                <a16:creationId xmlns:a16="http://schemas.microsoft.com/office/drawing/2014/main" id="{41CD20D0-7761-4011-B65B-C4ED0FF8FDE2}"/>
-              </a:ext>
-            </a:extLst>
-          </p:cNvPr>
+            <a:endParaRPr lang="en-US" dirty="0"/>
+          </a:p>
+        </p:txBody>
+      </p:sp>
+      <p:sp>
+        <p:nvSpPr>
+          <p:cNvPr id="3" name="Content Placeholder 2"/>
           <p:cNvSpPr>
             <a:spLocks noGrp="1"/>
           </p:cNvSpPr>
@@ -856,49 +764,44 @@
           <a:p>
             <a:pPr lvl="0"/>
             <a:r>
-              <a:rPr lang="ru-RU"/>
+              <a:rPr lang="ru-RU" smtClean="0"/>
               <a:t>Образец текста</a:t>
             </a:r>
           </a:p>
           <a:p>
             <a:pPr lvl="1"/>
             <a:r>
-              <a:rPr lang="ru-RU"/>
+              <a:rPr lang="ru-RU" smtClean="0"/>
               <a:t>Второй уровень</a:t>
             </a:r>
           </a:p>
           <a:p>
             <a:pPr lvl="2"/>
             <a:r>
-              <a:rPr lang="ru-RU"/>
+              <a:rPr lang="ru-RU" smtClean="0"/>
               <a:t>Третий уровень</a:t>
             </a:r>
           </a:p>
           <a:p>
             <a:pPr lvl="3"/>
             <a:r>
-              <a:rPr lang="ru-RU"/>
+              <a:rPr lang="ru-RU" smtClean="0"/>
               <a:t>Четвертый уровень</a:t>
             </a:r>
           </a:p>
           <a:p>
             <a:pPr lvl="4"/>
             <a:r>
-              <a:rPr lang="ru-RU"/>
+              <a:rPr lang="ru-RU" smtClean="0"/>
               <a:t>Пятый уровень</a:t>
             </a:r>
-          </a:p>
-        </p:txBody>
-      </p:sp>
-      <p:sp>
-        <p:nvSpPr>
-          <p:cNvPr id="4" name="Дата 3">
-            <a:extLst>
-              <a:ext uri="{FF2B5EF4-FFF2-40B4-BE49-F238E27FC236}">
-                <a16:creationId xmlns:a16="http://schemas.microsoft.com/office/drawing/2014/main" id="{2BC277D1-C78D-49EB-80C2-5ABC3B0053C4}"/>
-              </a:ext>
-            </a:extLst>
-          </p:cNvPr>
+            <a:endParaRPr lang="en-US" dirty="0"/>
+          </a:p>
+        </p:txBody>
+      </p:sp>
+      <p:sp>
+        <p:nvSpPr>
+          <p:cNvPr id="4" name="Date Placeholder 3"/>
           <p:cNvSpPr>
             <a:spLocks noGrp="1"/>
           </p:cNvSpPr>
@@ -913,7 +816,7 @@
           <a:p>
             <a:fld id="{07504AD1-F626-4EEE-A1F0-4F98A55EE3A4}" type="datetimeFigureOut">
               <a:rPr lang="ru-RU" smtClean="0"/>
-              <a:t>17.01.2022</a:t>
+              <a:t>19.01.2022</a:t>
             </a:fld>
             <a:endParaRPr lang="ru-RU"/>
           </a:p>
@@ -921,13 +824,7 @@
       </p:sp>
       <p:sp>
         <p:nvSpPr>
-          <p:cNvPr id="5" name="Нижний колонтитул 4">
-            <a:extLst>
-              <a:ext uri="{FF2B5EF4-FFF2-40B4-BE49-F238E27FC236}">
-                <a16:creationId xmlns:a16="http://schemas.microsoft.com/office/drawing/2014/main" id="{6CA98840-5522-457B-8FDE-32FE75E13E92}"/>
-              </a:ext>
-            </a:extLst>
-          </p:cNvPr>
+          <p:cNvPr id="5" name="Footer Placeholder 4"/>
           <p:cNvSpPr>
             <a:spLocks noGrp="1"/>
           </p:cNvSpPr>
@@ -946,13 +843,7 @@
       </p:sp>
       <p:sp>
         <p:nvSpPr>
-          <p:cNvPr id="6" name="Номер слайда 5">
-            <a:extLst>
-              <a:ext uri="{FF2B5EF4-FFF2-40B4-BE49-F238E27FC236}">
-                <a16:creationId xmlns:a16="http://schemas.microsoft.com/office/drawing/2014/main" id="{88B664D5-C91C-4754-86AE-F093B2DE804D}"/>
-              </a:ext>
-            </a:extLst>
-          </p:cNvPr>
+          <p:cNvPr id="6" name="Slide Number Placeholder 5"/>
           <p:cNvSpPr>
             <a:spLocks noGrp="1"/>
           </p:cNvSpPr>
@@ -976,7 +867,7 @@
     </p:spTree>
     <p:extLst>
       <p:ext uri="{BB962C8B-B14F-4D97-AF65-F5344CB8AC3E}">
-        <p14:creationId xmlns:p14="http://schemas.microsoft.com/office/powerpoint/2010/main" val="2813526867"/>
+        <p14:creationId xmlns:p14="http://schemas.microsoft.com/office/powerpoint/2010/main" val="83571294"/>
       </p:ext>
     </p:extLst>
   </p:cSld>
@@ -1005,13 +896,7 @@
       </p:grpSpPr>
       <p:sp>
         <p:nvSpPr>
-          <p:cNvPr id="2" name="Заголовок 1">
-            <a:extLst>
-              <a:ext uri="{FF2B5EF4-FFF2-40B4-BE49-F238E27FC236}">
-                <a16:creationId xmlns:a16="http://schemas.microsoft.com/office/drawing/2014/main" id="{149B79DD-87D2-4280-96C4-21EADBA2CABA}"/>
-              </a:ext>
-            </a:extLst>
-          </p:cNvPr>
+          <p:cNvPr id="2" name="Title 1"/>
           <p:cNvSpPr>
             <a:spLocks noGrp="1"/>
           </p:cNvSpPr>
@@ -1021,34 +906,29 @@
         </p:nvSpPr>
         <p:spPr>
           <a:xfrm>
-            <a:off x="831850" y="1709738"/>
-            <a:ext cx="10515600" cy="2852737"/>
+            <a:off x="835099" y="1705385"/>
+            <a:ext cx="10556677" cy="2845473"/>
           </a:xfrm>
         </p:spPr>
         <p:txBody>
           <a:bodyPr anchor="b"/>
           <a:lstStyle>
             <a:lvl1pPr>
-              <a:defRPr sz="6000"/>
+              <a:defRPr sz="5985"/>
             </a:lvl1pPr>
           </a:lstStyle>
           <a:p>
             <a:r>
-              <a:rPr lang="ru-RU"/>
+              <a:rPr lang="ru-RU" smtClean="0"/>
               <a:t>Образец заголовка</a:t>
             </a:r>
-          </a:p>
-        </p:txBody>
-      </p:sp>
-      <p:sp>
-        <p:nvSpPr>
-          <p:cNvPr id="3" name="Текст 2">
-            <a:extLst>
-              <a:ext uri="{FF2B5EF4-FFF2-40B4-BE49-F238E27FC236}">
-                <a16:creationId xmlns:a16="http://schemas.microsoft.com/office/drawing/2014/main" id="{9457EB47-B122-49E4-8EF1-86366C7B684F}"/>
-              </a:ext>
-            </a:extLst>
-          </p:cNvPr>
+            <a:endParaRPr lang="en-US" dirty="0"/>
+          </a:p>
+        </p:txBody>
+      </p:sp>
+      <p:sp>
+        <p:nvSpPr>
+          <p:cNvPr id="3" name="Text Placeholder 2"/>
           <p:cNvSpPr>
             <a:spLocks noGrp="1"/>
           </p:cNvSpPr>
@@ -1058,8 +938,8 @@
         </p:nvSpPr>
         <p:spPr>
           <a:xfrm>
-            <a:off x="831850" y="4589463"/>
-            <a:ext cx="10515600" cy="1500187"/>
+            <a:off x="835099" y="4577778"/>
+            <a:ext cx="10556677" cy="1496367"/>
           </a:xfrm>
         </p:spPr>
         <p:txBody>
@@ -1067,7 +947,7 @@
           <a:lstStyle>
             <a:lvl1pPr marL="0" indent="0">
               <a:buNone/>
-              <a:defRPr sz="2400">
+              <a:defRPr sz="2394">
                 <a:solidFill>
                   <a:schemeClr val="tx1">
                     <a:tint val="75000"/>
@@ -1075,9 +955,9 @@
                 </a:solidFill>
               </a:defRPr>
             </a:lvl1pPr>
-            <a:lvl2pPr marL="457200" indent="0">
-              <a:buNone/>
-              <a:defRPr sz="2000">
+            <a:lvl2pPr marL="456057" indent="0">
+              <a:buNone/>
+              <a:defRPr sz="1995">
                 <a:solidFill>
                   <a:schemeClr val="tx1">
                     <a:tint val="75000"/>
@@ -1085,9 +965,9 @@
                 </a:solidFill>
               </a:defRPr>
             </a:lvl2pPr>
-            <a:lvl3pPr marL="914400" indent="0">
-              <a:buNone/>
-              <a:defRPr sz="1800">
+            <a:lvl3pPr marL="912114" indent="0">
+              <a:buNone/>
+              <a:defRPr sz="1795">
                 <a:solidFill>
                   <a:schemeClr val="tx1">
                     <a:tint val="75000"/>
@@ -1095,9 +975,9 @@
                 </a:solidFill>
               </a:defRPr>
             </a:lvl3pPr>
-            <a:lvl4pPr marL="1371600" indent="0">
-              <a:buNone/>
-              <a:defRPr sz="1600">
+            <a:lvl4pPr marL="1368171" indent="0">
+              <a:buNone/>
+              <a:defRPr sz="1596">
                 <a:solidFill>
                   <a:schemeClr val="tx1">
                     <a:tint val="75000"/>
@@ -1105,9 +985,9 @@
                 </a:solidFill>
               </a:defRPr>
             </a:lvl4pPr>
-            <a:lvl5pPr marL="1828800" indent="0">
-              <a:buNone/>
-              <a:defRPr sz="1600">
+            <a:lvl5pPr marL="1824228" indent="0">
+              <a:buNone/>
+              <a:defRPr sz="1596">
                 <a:solidFill>
                   <a:schemeClr val="tx1">
                     <a:tint val="75000"/>
@@ -1115,9 +995,9 @@
                 </a:solidFill>
               </a:defRPr>
             </a:lvl5pPr>
-            <a:lvl6pPr marL="2286000" indent="0">
-              <a:buNone/>
-              <a:defRPr sz="1600">
+            <a:lvl6pPr marL="2280285" indent="0">
+              <a:buNone/>
+              <a:defRPr sz="1596">
                 <a:solidFill>
                   <a:schemeClr val="tx1">
                     <a:tint val="75000"/>
@@ -1125,9 +1005,9 @@
                 </a:solidFill>
               </a:defRPr>
             </a:lvl6pPr>
-            <a:lvl7pPr marL="2743200" indent="0">
-              <a:buNone/>
-              <a:defRPr sz="1600">
+            <a:lvl7pPr marL="2736342" indent="0">
+              <a:buNone/>
+              <a:defRPr sz="1596">
                 <a:solidFill>
                   <a:schemeClr val="tx1">
                     <a:tint val="75000"/>
@@ -1135,9 +1015,9 @@
                 </a:solidFill>
               </a:defRPr>
             </a:lvl7pPr>
-            <a:lvl8pPr marL="3200400" indent="0">
-              <a:buNone/>
-              <a:defRPr sz="1600">
+            <a:lvl8pPr marL="3192399" indent="0">
+              <a:buNone/>
+              <a:defRPr sz="1596">
                 <a:solidFill>
                   <a:schemeClr val="tx1">
                     <a:tint val="75000"/>
@@ -1145,9 +1025,9 @@
                 </a:solidFill>
               </a:defRPr>
             </a:lvl8pPr>
-            <a:lvl9pPr marL="3657600" indent="0">
-              <a:buNone/>
-              <a:defRPr sz="1600">
+            <a:lvl9pPr marL="3648456" indent="0">
+              <a:buNone/>
+              <a:defRPr sz="1596">
                 <a:solidFill>
                   <a:schemeClr val="tx1">
                     <a:tint val="75000"/>
@@ -1159,7 +1039,7 @@
           <a:p>
             <a:pPr lvl="0"/>
             <a:r>
-              <a:rPr lang="ru-RU"/>
+              <a:rPr lang="ru-RU" smtClean="0"/>
               <a:t>Образец текста</a:t>
             </a:r>
           </a:p>
@@ -1167,13 +1047,7 @@
       </p:sp>
       <p:sp>
         <p:nvSpPr>
-          <p:cNvPr id="4" name="Дата 3">
-            <a:extLst>
-              <a:ext uri="{FF2B5EF4-FFF2-40B4-BE49-F238E27FC236}">
-                <a16:creationId xmlns:a16="http://schemas.microsoft.com/office/drawing/2014/main" id="{D8A05F85-E7A3-4F87-93B9-CDCF86742D9F}"/>
-              </a:ext>
-            </a:extLst>
-          </p:cNvPr>
+          <p:cNvPr id="4" name="Date Placeholder 3"/>
           <p:cNvSpPr>
             <a:spLocks noGrp="1"/>
           </p:cNvSpPr>
@@ -1188,7 +1062,7 @@
           <a:p>
             <a:fld id="{07504AD1-F626-4EEE-A1F0-4F98A55EE3A4}" type="datetimeFigureOut">
               <a:rPr lang="ru-RU" smtClean="0"/>
-              <a:t>17.01.2022</a:t>
+              <a:t>19.01.2022</a:t>
             </a:fld>
             <a:endParaRPr lang="ru-RU"/>
           </a:p>
@@ -1196,13 +1070,7 @@
       </p:sp>
       <p:sp>
         <p:nvSpPr>
-          <p:cNvPr id="5" name="Нижний колонтитул 4">
-            <a:extLst>
-              <a:ext uri="{FF2B5EF4-FFF2-40B4-BE49-F238E27FC236}">
-                <a16:creationId xmlns:a16="http://schemas.microsoft.com/office/drawing/2014/main" id="{9DCA5328-57FC-4BEF-BC2C-780D9504E928}"/>
-              </a:ext>
-            </a:extLst>
-          </p:cNvPr>
+          <p:cNvPr id="5" name="Footer Placeholder 4"/>
           <p:cNvSpPr>
             <a:spLocks noGrp="1"/>
           </p:cNvSpPr>
@@ -1221,13 +1089,7 @@
       </p:sp>
       <p:sp>
         <p:nvSpPr>
-          <p:cNvPr id="6" name="Номер слайда 5">
-            <a:extLst>
-              <a:ext uri="{FF2B5EF4-FFF2-40B4-BE49-F238E27FC236}">
-                <a16:creationId xmlns:a16="http://schemas.microsoft.com/office/drawing/2014/main" id="{C9ADF8F0-2982-4801-AC3D-663A81921830}"/>
-              </a:ext>
-            </a:extLst>
-          </p:cNvPr>
+          <p:cNvPr id="6" name="Slide Number Placeholder 5"/>
           <p:cNvSpPr>
             <a:spLocks noGrp="1"/>
           </p:cNvSpPr>
@@ -1251,7 +1113,7 @@
     </p:spTree>
     <p:extLst>
       <p:ext uri="{BB962C8B-B14F-4D97-AF65-F5344CB8AC3E}">
-        <p14:creationId xmlns:p14="http://schemas.microsoft.com/office/powerpoint/2010/main" val="3992575180"/>
+        <p14:creationId xmlns:p14="http://schemas.microsoft.com/office/powerpoint/2010/main" val="4171360727"/>
       </p:ext>
     </p:extLst>
   </p:cSld>
@@ -1280,13 +1142,7 @@
       </p:grpSpPr>
       <p:sp>
         <p:nvSpPr>
-          <p:cNvPr id="2" name="Заголовок 1">
-            <a:extLst>
-              <a:ext uri="{FF2B5EF4-FFF2-40B4-BE49-F238E27FC236}">
-                <a16:creationId xmlns:a16="http://schemas.microsoft.com/office/drawing/2014/main" id="{A95BEEEF-EC88-487D-9817-072EFEBE1526}"/>
-              </a:ext>
-            </a:extLst>
-          </p:cNvPr>
+          <p:cNvPr id="2" name="Title 1"/>
           <p:cNvSpPr>
             <a:spLocks noGrp="1"/>
           </p:cNvSpPr>
@@ -1300,21 +1156,16 @@
           <a:lstStyle/>
           <a:p>
             <a:r>
-              <a:rPr lang="ru-RU"/>
+              <a:rPr lang="ru-RU" smtClean="0"/>
               <a:t>Образец заголовка</a:t>
             </a:r>
-          </a:p>
-        </p:txBody>
-      </p:sp>
-      <p:sp>
-        <p:nvSpPr>
-          <p:cNvPr id="3" name="Объект 2">
-            <a:extLst>
-              <a:ext uri="{FF2B5EF4-FFF2-40B4-BE49-F238E27FC236}">
-                <a16:creationId xmlns:a16="http://schemas.microsoft.com/office/drawing/2014/main" id="{FB489B55-F7A2-4407-AE64-2872B75748FE}"/>
-              </a:ext>
-            </a:extLst>
-          </p:cNvPr>
+            <a:endParaRPr lang="en-US" dirty="0"/>
+          </a:p>
+        </p:txBody>
+      </p:sp>
+      <p:sp>
+        <p:nvSpPr>
+          <p:cNvPr id="3" name="Content Placeholder 2"/>
           <p:cNvSpPr>
             <a:spLocks noGrp="1"/>
           </p:cNvSpPr>
@@ -1324,8 +1175,8 @@
         </p:nvSpPr>
         <p:spPr>
           <a:xfrm>
-            <a:off x="838200" y="1825625"/>
-            <a:ext cx="5181600" cy="4351338"/>
+            <a:off x="841474" y="1820976"/>
+            <a:ext cx="5201841" cy="4340259"/>
           </a:xfrm>
         </p:spPr>
         <p:txBody>
@@ -1334,49 +1185,44 @@
           <a:p>
             <a:pPr lvl="0"/>
             <a:r>
-              <a:rPr lang="ru-RU"/>
+              <a:rPr lang="ru-RU" smtClean="0"/>
               <a:t>Образец текста</a:t>
             </a:r>
           </a:p>
           <a:p>
             <a:pPr lvl="1"/>
             <a:r>
-              <a:rPr lang="ru-RU"/>
+              <a:rPr lang="ru-RU" smtClean="0"/>
               <a:t>Второй уровень</a:t>
             </a:r>
           </a:p>
           <a:p>
             <a:pPr lvl="2"/>
             <a:r>
-              <a:rPr lang="ru-RU"/>
+              <a:rPr lang="ru-RU" smtClean="0"/>
               <a:t>Третий уровень</a:t>
             </a:r>
           </a:p>
           <a:p>
             <a:pPr lvl="3"/>
             <a:r>
-              <a:rPr lang="ru-RU"/>
+              <a:rPr lang="ru-RU" smtClean="0"/>
               <a:t>Четвертый уровень</a:t>
             </a:r>
           </a:p>
           <a:p>
             <a:pPr lvl="4"/>
             <a:r>
-              <a:rPr lang="ru-RU"/>
+              <a:rPr lang="ru-RU" smtClean="0"/>
               <a:t>Пятый уровень</a:t>
             </a:r>
-          </a:p>
-        </p:txBody>
-      </p:sp>
-      <p:sp>
-        <p:nvSpPr>
-          <p:cNvPr id="4" name="Объект 3">
-            <a:extLst>
-              <a:ext uri="{FF2B5EF4-FFF2-40B4-BE49-F238E27FC236}">
-                <a16:creationId xmlns:a16="http://schemas.microsoft.com/office/drawing/2014/main" id="{1B0F9C55-A5A4-4294-80F9-37196EC5AD03}"/>
-              </a:ext>
-            </a:extLst>
-          </p:cNvPr>
+            <a:endParaRPr lang="en-US" dirty="0"/>
+          </a:p>
+        </p:txBody>
+      </p:sp>
+      <p:sp>
+        <p:nvSpPr>
+          <p:cNvPr id="4" name="Content Placeholder 3"/>
           <p:cNvSpPr>
             <a:spLocks noGrp="1"/>
           </p:cNvSpPr>
@@ -1386,8 +1232,8 @@
         </p:nvSpPr>
         <p:spPr>
           <a:xfrm>
-            <a:off x="6172200" y="1825625"/>
-            <a:ext cx="5181600" cy="4351338"/>
+            <a:off x="6196310" y="1820976"/>
+            <a:ext cx="5201841" cy="4340259"/>
           </a:xfrm>
         </p:spPr>
         <p:txBody>
@@ -1396,49 +1242,44 @@
           <a:p>
             <a:pPr lvl="0"/>
             <a:r>
-              <a:rPr lang="ru-RU"/>
+              <a:rPr lang="ru-RU" smtClean="0"/>
               <a:t>Образец текста</a:t>
             </a:r>
           </a:p>
           <a:p>
             <a:pPr lvl="1"/>
             <a:r>
-              <a:rPr lang="ru-RU"/>
+              <a:rPr lang="ru-RU" smtClean="0"/>
               <a:t>Второй уровень</a:t>
             </a:r>
           </a:p>
           <a:p>
             <a:pPr lvl="2"/>
             <a:r>
-              <a:rPr lang="ru-RU"/>
+              <a:rPr lang="ru-RU" smtClean="0"/>
               <a:t>Третий уровень</a:t>
             </a:r>
           </a:p>
           <a:p>
             <a:pPr lvl="3"/>
             <a:r>
-              <a:rPr lang="ru-RU"/>
+              <a:rPr lang="ru-RU" smtClean="0"/>
               <a:t>Четвертый уровень</a:t>
             </a:r>
           </a:p>
           <a:p>
             <a:pPr lvl="4"/>
             <a:r>
-              <a:rPr lang="ru-RU"/>
+              <a:rPr lang="ru-RU" smtClean="0"/>
               <a:t>Пятый уровень</a:t>
             </a:r>
-          </a:p>
-        </p:txBody>
-      </p:sp>
-      <p:sp>
-        <p:nvSpPr>
-          <p:cNvPr id="5" name="Дата 4">
-            <a:extLst>
-              <a:ext uri="{FF2B5EF4-FFF2-40B4-BE49-F238E27FC236}">
-                <a16:creationId xmlns:a16="http://schemas.microsoft.com/office/drawing/2014/main" id="{1A6A0EAE-91CA-4A0C-97EE-0A05F007823D}"/>
-              </a:ext>
-            </a:extLst>
-          </p:cNvPr>
+            <a:endParaRPr lang="en-US" dirty="0"/>
+          </a:p>
+        </p:txBody>
+      </p:sp>
+      <p:sp>
+        <p:nvSpPr>
+          <p:cNvPr id="5" name="Date Placeholder 4"/>
           <p:cNvSpPr>
             <a:spLocks noGrp="1"/>
           </p:cNvSpPr>
@@ -1453,7 +1294,7 @@
           <a:p>
             <a:fld id="{07504AD1-F626-4EEE-A1F0-4F98A55EE3A4}" type="datetimeFigureOut">
               <a:rPr lang="ru-RU" smtClean="0"/>
-              <a:t>17.01.2022</a:t>
+              <a:t>19.01.2022</a:t>
             </a:fld>
             <a:endParaRPr lang="ru-RU"/>
           </a:p>
@@ -1461,13 +1302,7 @@
       </p:sp>
       <p:sp>
         <p:nvSpPr>
-          <p:cNvPr id="6" name="Нижний колонтитул 5">
-            <a:extLst>
-              <a:ext uri="{FF2B5EF4-FFF2-40B4-BE49-F238E27FC236}">
-                <a16:creationId xmlns:a16="http://schemas.microsoft.com/office/drawing/2014/main" id="{4E85005B-78B9-4717-AA53-12BB49AD5BF8}"/>
-              </a:ext>
-            </a:extLst>
-          </p:cNvPr>
+          <p:cNvPr id="6" name="Footer Placeholder 5"/>
           <p:cNvSpPr>
             <a:spLocks noGrp="1"/>
           </p:cNvSpPr>
@@ -1486,13 +1321,7 @@
       </p:sp>
       <p:sp>
         <p:nvSpPr>
-          <p:cNvPr id="7" name="Номер слайда 6">
-            <a:extLst>
-              <a:ext uri="{FF2B5EF4-FFF2-40B4-BE49-F238E27FC236}">
-                <a16:creationId xmlns:a16="http://schemas.microsoft.com/office/drawing/2014/main" id="{04E960D4-3D3E-40E3-B1AB-7F037B1829E8}"/>
-              </a:ext>
-            </a:extLst>
-          </p:cNvPr>
+          <p:cNvPr id="7" name="Slide Number Placeholder 6"/>
           <p:cNvSpPr>
             <a:spLocks noGrp="1"/>
           </p:cNvSpPr>
@@ -1516,7 +1345,7 @@
     </p:spTree>
     <p:extLst>
       <p:ext uri="{BB962C8B-B14F-4D97-AF65-F5344CB8AC3E}">
-        <p14:creationId xmlns:p14="http://schemas.microsoft.com/office/powerpoint/2010/main" val="358126237"/>
+        <p14:creationId xmlns:p14="http://schemas.microsoft.com/office/powerpoint/2010/main" val="1838729053"/>
       </p:ext>
     </p:extLst>
   </p:cSld>
@@ -1545,13 +1374,7 @@
       </p:grpSpPr>
       <p:sp>
         <p:nvSpPr>
-          <p:cNvPr id="2" name="Заголовок 1">
-            <a:extLst>
-              <a:ext uri="{FF2B5EF4-FFF2-40B4-BE49-F238E27FC236}">
-                <a16:creationId xmlns:a16="http://schemas.microsoft.com/office/drawing/2014/main" id="{8D8FDB71-C4CD-4B0E-A4EA-C7B1403AF289}"/>
-              </a:ext>
-            </a:extLst>
-          </p:cNvPr>
+          <p:cNvPr id="2" name="Title 1"/>
           <p:cNvSpPr>
             <a:spLocks noGrp="1"/>
           </p:cNvSpPr>
@@ -1561,8 +1384,8 @@
         </p:nvSpPr>
         <p:spPr>
           <a:xfrm>
-            <a:off x="839788" y="365125"/>
-            <a:ext cx="10515600" cy="1325563"/>
+            <a:off x="843068" y="364196"/>
+            <a:ext cx="10556677" cy="1322188"/>
           </a:xfrm>
         </p:spPr>
         <p:txBody>
@@ -1570,21 +1393,16 @@
           <a:lstStyle/>
           <a:p>
             <a:r>
-              <a:rPr lang="ru-RU"/>
+              <a:rPr lang="ru-RU" smtClean="0"/>
               <a:t>Образец заголовка</a:t>
             </a:r>
-          </a:p>
-        </p:txBody>
-      </p:sp>
-      <p:sp>
-        <p:nvSpPr>
-          <p:cNvPr id="3" name="Текст 2">
-            <a:extLst>
-              <a:ext uri="{FF2B5EF4-FFF2-40B4-BE49-F238E27FC236}">
-                <a16:creationId xmlns:a16="http://schemas.microsoft.com/office/drawing/2014/main" id="{26B6E010-00D0-48B9-9197-60B4E1B15E2F}"/>
-              </a:ext>
-            </a:extLst>
-          </p:cNvPr>
+            <a:endParaRPr lang="en-US" dirty="0"/>
+          </a:p>
+        </p:txBody>
+      </p:sp>
+      <p:sp>
+        <p:nvSpPr>
+          <p:cNvPr id="3" name="Text Placeholder 2"/>
           <p:cNvSpPr>
             <a:spLocks noGrp="1"/>
           </p:cNvSpPr>
@@ -1594,8 +1412,8 @@
         </p:nvSpPr>
         <p:spPr>
           <a:xfrm>
-            <a:off x="839788" y="1681163"/>
-            <a:ext cx="5157787" cy="823912"/>
+            <a:off x="843069" y="1676882"/>
+            <a:ext cx="5177935" cy="821814"/>
           </a:xfrm>
         </p:spPr>
         <p:txBody>
@@ -1603,45 +1421,45 @@
           <a:lstStyle>
             <a:lvl1pPr marL="0" indent="0">
               <a:buNone/>
-              <a:defRPr sz="2400" b="1"/>
+              <a:defRPr sz="2394" b="1"/>
             </a:lvl1pPr>
-            <a:lvl2pPr marL="457200" indent="0">
-              <a:buNone/>
-              <a:defRPr sz="2000" b="1"/>
+            <a:lvl2pPr marL="456057" indent="0">
+              <a:buNone/>
+              <a:defRPr sz="1995" b="1"/>
             </a:lvl2pPr>
-            <a:lvl3pPr marL="914400" indent="0">
-              <a:buNone/>
-              <a:defRPr sz="1800" b="1"/>
+            <a:lvl3pPr marL="912114" indent="0">
+              <a:buNone/>
+              <a:defRPr sz="1795" b="1"/>
             </a:lvl3pPr>
-            <a:lvl4pPr marL="1371600" indent="0">
-              <a:buNone/>
-              <a:defRPr sz="1600" b="1"/>
+            <a:lvl4pPr marL="1368171" indent="0">
+              <a:buNone/>
+              <a:defRPr sz="1596" b="1"/>
             </a:lvl4pPr>
-            <a:lvl5pPr marL="1828800" indent="0">
-              <a:buNone/>
-              <a:defRPr sz="1600" b="1"/>
+            <a:lvl5pPr marL="1824228" indent="0">
+              <a:buNone/>
+              <a:defRPr sz="1596" b="1"/>
             </a:lvl5pPr>
-            <a:lvl6pPr marL="2286000" indent="0">
-              <a:buNone/>
-              <a:defRPr sz="1600" b="1"/>
+            <a:lvl6pPr marL="2280285" indent="0">
+              <a:buNone/>
+              <a:defRPr sz="1596" b="1"/>
             </a:lvl6pPr>
-            <a:lvl7pPr marL="2743200" indent="0">
-              <a:buNone/>
-              <a:defRPr sz="1600" b="1"/>
+            <a:lvl7pPr marL="2736342" indent="0">
+              <a:buNone/>
+              <a:defRPr sz="1596" b="1"/>
             </a:lvl7pPr>
-            <a:lvl8pPr marL="3200400" indent="0">
-              <a:buNone/>
-              <a:defRPr sz="1600" b="1"/>
+            <a:lvl8pPr marL="3192399" indent="0">
+              <a:buNone/>
+              <a:defRPr sz="1596" b="1"/>
             </a:lvl8pPr>
-            <a:lvl9pPr marL="3657600" indent="0">
-              <a:buNone/>
-              <a:defRPr sz="1600" b="1"/>
+            <a:lvl9pPr marL="3648456" indent="0">
+              <a:buNone/>
+              <a:defRPr sz="1596" b="1"/>
             </a:lvl9pPr>
           </a:lstStyle>
           <a:p>
             <a:pPr lvl="0"/>
             <a:r>
-              <a:rPr lang="ru-RU"/>
+              <a:rPr lang="ru-RU" smtClean="0"/>
               <a:t>Образец текста</a:t>
             </a:r>
           </a:p>
@@ -1649,13 +1467,7 @@
       </p:sp>
       <p:sp>
         <p:nvSpPr>
-          <p:cNvPr id="4" name="Объект 3">
-            <a:extLst>
-              <a:ext uri="{FF2B5EF4-FFF2-40B4-BE49-F238E27FC236}">
-                <a16:creationId xmlns:a16="http://schemas.microsoft.com/office/drawing/2014/main" id="{69ED64FD-DE34-4C10-AA29-27CBFB85F8E7}"/>
-              </a:ext>
-            </a:extLst>
-          </p:cNvPr>
+          <p:cNvPr id="4" name="Content Placeholder 3"/>
           <p:cNvSpPr>
             <a:spLocks noGrp="1"/>
           </p:cNvSpPr>
@@ -1665,8 +1477,8 @@
         </p:nvSpPr>
         <p:spPr>
           <a:xfrm>
-            <a:off x="839788" y="2505075"/>
-            <a:ext cx="5157787" cy="3684588"/>
+            <a:off x="843069" y="2498697"/>
+            <a:ext cx="5177935" cy="3675206"/>
           </a:xfrm>
         </p:spPr>
         <p:txBody>
@@ -1675,49 +1487,44 @@
           <a:p>
             <a:pPr lvl="0"/>
             <a:r>
-              <a:rPr lang="ru-RU"/>
+              <a:rPr lang="ru-RU" smtClean="0"/>
               <a:t>Образец текста</a:t>
             </a:r>
           </a:p>
           <a:p>
             <a:pPr lvl="1"/>
             <a:r>
-              <a:rPr lang="ru-RU"/>
+              <a:rPr lang="ru-RU" smtClean="0"/>
               <a:t>Второй уровень</a:t>
             </a:r>
           </a:p>
           <a:p>
             <a:pPr lvl="2"/>
             <a:r>
-              <a:rPr lang="ru-RU"/>
+              <a:rPr lang="ru-RU" smtClean="0"/>
               <a:t>Третий уровень</a:t>
             </a:r>
           </a:p>
           <a:p>
             <a:pPr lvl="3"/>
             <a:r>
-              <a:rPr lang="ru-RU"/>
+              <a:rPr lang="ru-RU" smtClean="0"/>
               <a:t>Четвертый уровень</a:t>
             </a:r>
           </a:p>
           <a:p>
             <a:pPr lvl="4"/>
             <a:r>
-              <a:rPr lang="ru-RU"/>
+              <a:rPr lang="ru-RU" smtClean="0"/>
               <a:t>Пятый уровень</a:t>
             </a:r>
-          </a:p>
-        </p:txBody>
-      </p:sp>
-      <p:sp>
-        <p:nvSpPr>
-          <p:cNvPr id="5" name="Текст 4">
-            <a:extLst>
-              <a:ext uri="{FF2B5EF4-FFF2-40B4-BE49-F238E27FC236}">
-                <a16:creationId xmlns:a16="http://schemas.microsoft.com/office/drawing/2014/main" id="{28D17947-2FE4-4CDF-A8EE-E9F766B51492}"/>
-              </a:ext>
-            </a:extLst>
-          </p:cNvPr>
+            <a:endParaRPr lang="en-US" dirty="0"/>
+          </a:p>
+        </p:txBody>
+      </p:sp>
+      <p:sp>
+        <p:nvSpPr>
+          <p:cNvPr id="5" name="Text Placeholder 4"/>
           <p:cNvSpPr>
             <a:spLocks noGrp="1"/>
           </p:cNvSpPr>
@@ -1727,8 +1534,8 @@
         </p:nvSpPr>
         <p:spPr>
           <a:xfrm>
-            <a:off x="6172200" y="1681163"/>
-            <a:ext cx="5183188" cy="823912"/>
+            <a:off x="6196310" y="1676882"/>
+            <a:ext cx="5203435" cy="821814"/>
           </a:xfrm>
         </p:spPr>
         <p:txBody>
@@ -1736,45 +1543,45 @@
           <a:lstStyle>
             <a:lvl1pPr marL="0" indent="0">
               <a:buNone/>
-              <a:defRPr sz="2400" b="1"/>
+              <a:defRPr sz="2394" b="1"/>
             </a:lvl1pPr>
-            <a:lvl2pPr marL="457200" indent="0">
-              <a:buNone/>
-              <a:defRPr sz="2000" b="1"/>
+            <a:lvl2pPr marL="456057" indent="0">
+              <a:buNone/>
+              <a:defRPr sz="1995" b="1"/>
             </a:lvl2pPr>
-            <a:lvl3pPr marL="914400" indent="0">
-              <a:buNone/>
-              <a:defRPr sz="1800" b="1"/>
+            <a:lvl3pPr marL="912114" indent="0">
+              <a:buNone/>
+              <a:defRPr sz="1795" b="1"/>
             </a:lvl3pPr>
-            <a:lvl4pPr marL="1371600" indent="0">
-              <a:buNone/>
-              <a:defRPr sz="1600" b="1"/>
+            <a:lvl4pPr marL="1368171" indent="0">
+              <a:buNone/>
+              <a:defRPr sz="1596" b="1"/>
             </a:lvl4pPr>
-            <a:lvl5pPr marL="1828800" indent="0">
-              <a:buNone/>
-              <a:defRPr sz="1600" b="1"/>
+            <a:lvl5pPr marL="1824228" indent="0">
+              <a:buNone/>
+              <a:defRPr sz="1596" b="1"/>
             </a:lvl5pPr>
-            <a:lvl6pPr marL="2286000" indent="0">
-              <a:buNone/>
-              <a:defRPr sz="1600" b="1"/>
+            <a:lvl6pPr marL="2280285" indent="0">
+              <a:buNone/>
+              <a:defRPr sz="1596" b="1"/>
             </a:lvl6pPr>
-            <a:lvl7pPr marL="2743200" indent="0">
-              <a:buNone/>
-              <a:defRPr sz="1600" b="1"/>
+            <a:lvl7pPr marL="2736342" indent="0">
+              <a:buNone/>
+              <a:defRPr sz="1596" b="1"/>
             </a:lvl7pPr>
-            <a:lvl8pPr marL="3200400" indent="0">
-              <a:buNone/>
-              <a:defRPr sz="1600" b="1"/>
+            <a:lvl8pPr marL="3192399" indent="0">
+              <a:buNone/>
+              <a:defRPr sz="1596" b="1"/>
             </a:lvl8pPr>
-            <a:lvl9pPr marL="3657600" indent="0">
-              <a:buNone/>
-              <a:defRPr sz="1600" b="1"/>
+            <a:lvl9pPr marL="3648456" indent="0">
+              <a:buNone/>
+              <a:defRPr sz="1596" b="1"/>
             </a:lvl9pPr>
           </a:lstStyle>
           <a:p>
             <a:pPr lvl="0"/>
             <a:r>
-              <a:rPr lang="ru-RU"/>
+              <a:rPr lang="ru-RU" smtClean="0"/>
               <a:t>Образец текста</a:t>
             </a:r>
           </a:p>
@@ -1782,13 +1589,7 @@
       </p:sp>
       <p:sp>
         <p:nvSpPr>
-          <p:cNvPr id="6" name="Объект 5">
-            <a:extLst>
-              <a:ext uri="{FF2B5EF4-FFF2-40B4-BE49-F238E27FC236}">
-                <a16:creationId xmlns:a16="http://schemas.microsoft.com/office/drawing/2014/main" id="{49977366-A737-486A-AFA7-0FFE5D2683B5}"/>
-              </a:ext>
-            </a:extLst>
-          </p:cNvPr>
+          <p:cNvPr id="6" name="Content Placeholder 5"/>
           <p:cNvSpPr>
             <a:spLocks noGrp="1"/>
           </p:cNvSpPr>
@@ -1798,8 +1599,8 @@
         </p:nvSpPr>
         <p:spPr>
           <a:xfrm>
-            <a:off x="6172200" y="2505075"/>
-            <a:ext cx="5183188" cy="3684588"/>
+            <a:off x="6196310" y="2498697"/>
+            <a:ext cx="5203435" cy="3675206"/>
           </a:xfrm>
         </p:spPr>
         <p:txBody>
@@ -1808,49 +1609,44 @@
           <a:p>
             <a:pPr lvl="0"/>
             <a:r>
-              <a:rPr lang="ru-RU"/>
+              <a:rPr lang="ru-RU" smtClean="0"/>
               <a:t>Образец текста</a:t>
             </a:r>
           </a:p>
           <a:p>
             <a:pPr lvl="1"/>
             <a:r>
-              <a:rPr lang="ru-RU"/>
+              <a:rPr lang="ru-RU" smtClean="0"/>
               <a:t>Второй уровень</a:t>
             </a:r>
           </a:p>
           <a:p>
             <a:pPr lvl="2"/>
             <a:r>
-              <a:rPr lang="ru-RU"/>
+              <a:rPr lang="ru-RU" smtClean="0"/>
               <a:t>Третий уровень</a:t>
             </a:r>
           </a:p>
           <a:p>
             <a:pPr lvl="3"/>
             <a:r>
-              <a:rPr lang="ru-RU"/>
+              <a:rPr lang="ru-RU" smtClean="0"/>
               <a:t>Четвертый уровень</a:t>
             </a:r>
           </a:p>
           <a:p>
             <a:pPr lvl="4"/>
             <a:r>
-              <a:rPr lang="ru-RU"/>
+              <a:rPr lang="ru-RU" smtClean="0"/>
               <a:t>Пятый уровень</a:t>
             </a:r>
-          </a:p>
-        </p:txBody>
-      </p:sp>
-      <p:sp>
-        <p:nvSpPr>
-          <p:cNvPr id="7" name="Дата 6">
-            <a:extLst>
-              <a:ext uri="{FF2B5EF4-FFF2-40B4-BE49-F238E27FC236}">
-                <a16:creationId xmlns:a16="http://schemas.microsoft.com/office/drawing/2014/main" id="{2C79C36D-5FA6-4095-97D5-0004325FC982}"/>
-              </a:ext>
-            </a:extLst>
-          </p:cNvPr>
+            <a:endParaRPr lang="en-US" dirty="0"/>
+          </a:p>
+        </p:txBody>
+      </p:sp>
+      <p:sp>
+        <p:nvSpPr>
+          <p:cNvPr id="7" name="Date Placeholder 6"/>
           <p:cNvSpPr>
             <a:spLocks noGrp="1"/>
           </p:cNvSpPr>
@@ -1865,7 +1661,7 @@
           <a:p>
             <a:fld id="{07504AD1-F626-4EEE-A1F0-4F98A55EE3A4}" type="datetimeFigureOut">
               <a:rPr lang="ru-RU" smtClean="0"/>
-              <a:t>17.01.2022</a:t>
+              <a:t>19.01.2022</a:t>
             </a:fld>
             <a:endParaRPr lang="ru-RU"/>
           </a:p>
@@ -1873,13 +1669,7 @@
       </p:sp>
       <p:sp>
         <p:nvSpPr>
-          <p:cNvPr id="8" name="Нижний колонтитул 7">
-            <a:extLst>
-              <a:ext uri="{FF2B5EF4-FFF2-40B4-BE49-F238E27FC236}">
-                <a16:creationId xmlns:a16="http://schemas.microsoft.com/office/drawing/2014/main" id="{ABE3C0B5-291F-449F-80BF-BBBF532857A5}"/>
-              </a:ext>
-            </a:extLst>
-          </p:cNvPr>
+          <p:cNvPr id="8" name="Footer Placeholder 7"/>
           <p:cNvSpPr>
             <a:spLocks noGrp="1"/>
           </p:cNvSpPr>
@@ -1898,13 +1688,7 @@
       </p:sp>
       <p:sp>
         <p:nvSpPr>
-          <p:cNvPr id="9" name="Номер слайда 8">
-            <a:extLst>
-              <a:ext uri="{FF2B5EF4-FFF2-40B4-BE49-F238E27FC236}">
-                <a16:creationId xmlns:a16="http://schemas.microsoft.com/office/drawing/2014/main" id="{C3A2AA35-1278-41D9-BAC2-F3F83DE9C94F}"/>
-              </a:ext>
-            </a:extLst>
-          </p:cNvPr>
+          <p:cNvPr id="9" name="Slide Number Placeholder 8"/>
           <p:cNvSpPr>
             <a:spLocks noGrp="1"/>
           </p:cNvSpPr>
@@ -1928,7 +1712,7 @@
     </p:spTree>
     <p:extLst>
       <p:ext uri="{BB962C8B-B14F-4D97-AF65-F5344CB8AC3E}">
-        <p14:creationId xmlns:p14="http://schemas.microsoft.com/office/powerpoint/2010/main" val="1919077105"/>
+        <p14:creationId xmlns:p14="http://schemas.microsoft.com/office/powerpoint/2010/main" val="1230440083"/>
       </p:ext>
     </p:extLst>
   </p:cSld>
@@ -1957,13 +1741,7 @@
       </p:grpSpPr>
       <p:sp>
         <p:nvSpPr>
-          <p:cNvPr id="2" name="Заголовок 1">
-            <a:extLst>
-              <a:ext uri="{FF2B5EF4-FFF2-40B4-BE49-F238E27FC236}">
-                <a16:creationId xmlns:a16="http://schemas.microsoft.com/office/drawing/2014/main" id="{B5114F3A-40BF-4FCF-AAB8-8CA0EFA02723}"/>
-              </a:ext>
-            </a:extLst>
-          </p:cNvPr>
+          <p:cNvPr id="2" name="Title 1"/>
           <p:cNvSpPr>
             <a:spLocks noGrp="1"/>
           </p:cNvSpPr>
@@ -1977,21 +1755,16 @@
           <a:lstStyle/>
           <a:p>
             <a:r>
-              <a:rPr lang="ru-RU"/>
+              <a:rPr lang="ru-RU" smtClean="0"/>
               <a:t>Образец заголовка</a:t>
             </a:r>
-          </a:p>
-        </p:txBody>
-      </p:sp>
-      <p:sp>
-        <p:nvSpPr>
-          <p:cNvPr id="3" name="Дата 2">
-            <a:extLst>
-              <a:ext uri="{FF2B5EF4-FFF2-40B4-BE49-F238E27FC236}">
-                <a16:creationId xmlns:a16="http://schemas.microsoft.com/office/drawing/2014/main" id="{CDE6ED5E-519A-425F-8B8A-415613CD4BBA}"/>
-              </a:ext>
-            </a:extLst>
-          </p:cNvPr>
+            <a:endParaRPr lang="en-US" dirty="0"/>
+          </a:p>
+        </p:txBody>
+      </p:sp>
+      <p:sp>
+        <p:nvSpPr>
+          <p:cNvPr id="3" name="Date Placeholder 2"/>
           <p:cNvSpPr>
             <a:spLocks noGrp="1"/>
           </p:cNvSpPr>
@@ -2006,7 +1779,7 @@
           <a:p>
             <a:fld id="{07504AD1-F626-4EEE-A1F0-4F98A55EE3A4}" type="datetimeFigureOut">
               <a:rPr lang="ru-RU" smtClean="0"/>
-              <a:t>17.01.2022</a:t>
+              <a:t>19.01.2022</a:t>
             </a:fld>
             <a:endParaRPr lang="ru-RU"/>
           </a:p>
@@ -2014,13 +1787,7 @@
       </p:sp>
       <p:sp>
         <p:nvSpPr>
-          <p:cNvPr id="4" name="Нижний колонтитул 3">
-            <a:extLst>
-              <a:ext uri="{FF2B5EF4-FFF2-40B4-BE49-F238E27FC236}">
-                <a16:creationId xmlns:a16="http://schemas.microsoft.com/office/drawing/2014/main" id="{70EFA7B3-EFBE-403B-9558-33F63AC37DA5}"/>
-              </a:ext>
-            </a:extLst>
-          </p:cNvPr>
+          <p:cNvPr id="4" name="Footer Placeholder 3"/>
           <p:cNvSpPr>
             <a:spLocks noGrp="1"/>
           </p:cNvSpPr>
@@ -2039,13 +1806,7 @@
       </p:sp>
       <p:sp>
         <p:nvSpPr>
-          <p:cNvPr id="5" name="Номер слайда 4">
-            <a:extLst>
-              <a:ext uri="{FF2B5EF4-FFF2-40B4-BE49-F238E27FC236}">
-                <a16:creationId xmlns:a16="http://schemas.microsoft.com/office/drawing/2014/main" id="{50B0B78F-D121-4266-8464-D6539B9F820B}"/>
-              </a:ext>
-            </a:extLst>
-          </p:cNvPr>
+          <p:cNvPr id="5" name="Slide Number Placeholder 4"/>
           <p:cNvSpPr>
             <a:spLocks noGrp="1"/>
           </p:cNvSpPr>
@@ -2069,7 +1830,7 @@
     </p:spTree>
     <p:extLst>
       <p:ext uri="{BB962C8B-B14F-4D97-AF65-F5344CB8AC3E}">
-        <p14:creationId xmlns:p14="http://schemas.microsoft.com/office/powerpoint/2010/main" val="109760821"/>
+        <p14:creationId xmlns:p14="http://schemas.microsoft.com/office/powerpoint/2010/main" val="2742492703"/>
       </p:ext>
     </p:extLst>
   </p:cSld>
@@ -2098,13 +1859,7 @@
       </p:grpSpPr>
       <p:sp>
         <p:nvSpPr>
-          <p:cNvPr id="2" name="Дата 1">
-            <a:extLst>
-              <a:ext uri="{FF2B5EF4-FFF2-40B4-BE49-F238E27FC236}">
-                <a16:creationId xmlns:a16="http://schemas.microsoft.com/office/drawing/2014/main" id="{2BB3A3A3-5D2D-4E5D-8927-8BB827FFEFFD}"/>
-              </a:ext>
-            </a:extLst>
-          </p:cNvPr>
+          <p:cNvPr id="2" name="Date Placeholder 1"/>
           <p:cNvSpPr>
             <a:spLocks noGrp="1"/>
           </p:cNvSpPr>
@@ -2119,7 +1874,7 @@
           <a:p>
             <a:fld id="{07504AD1-F626-4EEE-A1F0-4F98A55EE3A4}" type="datetimeFigureOut">
               <a:rPr lang="ru-RU" smtClean="0"/>
-              <a:t>17.01.2022</a:t>
+              <a:t>19.01.2022</a:t>
             </a:fld>
             <a:endParaRPr lang="ru-RU"/>
           </a:p>
@@ -2127,13 +1882,7 @@
       </p:sp>
       <p:sp>
         <p:nvSpPr>
-          <p:cNvPr id="3" name="Нижний колонтитул 2">
-            <a:extLst>
-              <a:ext uri="{FF2B5EF4-FFF2-40B4-BE49-F238E27FC236}">
-                <a16:creationId xmlns:a16="http://schemas.microsoft.com/office/drawing/2014/main" id="{F3B7D4C5-FBB1-4B5F-918A-BA3D6F252EF6}"/>
-              </a:ext>
-            </a:extLst>
-          </p:cNvPr>
+          <p:cNvPr id="3" name="Footer Placeholder 2"/>
           <p:cNvSpPr>
             <a:spLocks noGrp="1"/>
           </p:cNvSpPr>
@@ -2152,13 +1901,7 @@
       </p:sp>
       <p:sp>
         <p:nvSpPr>
-          <p:cNvPr id="4" name="Номер слайда 3">
-            <a:extLst>
-              <a:ext uri="{FF2B5EF4-FFF2-40B4-BE49-F238E27FC236}">
-                <a16:creationId xmlns:a16="http://schemas.microsoft.com/office/drawing/2014/main" id="{40DEE051-CB89-44CF-A448-1780BAB57ECF}"/>
-              </a:ext>
-            </a:extLst>
-          </p:cNvPr>
+          <p:cNvPr id="4" name="Slide Number Placeholder 3"/>
           <p:cNvSpPr>
             <a:spLocks noGrp="1"/>
           </p:cNvSpPr>
@@ -2182,7 +1925,7 @@
     </p:spTree>
     <p:extLst>
       <p:ext uri="{BB962C8B-B14F-4D97-AF65-F5344CB8AC3E}">
-        <p14:creationId xmlns:p14="http://schemas.microsoft.com/office/powerpoint/2010/main" val="246892265"/>
+        <p14:creationId xmlns:p14="http://schemas.microsoft.com/office/powerpoint/2010/main" val="2810867558"/>
       </p:ext>
     </p:extLst>
   </p:cSld>
@@ -2211,13 +1954,7 @@
       </p:grpSpPr>
       <p:sp>
         <p:nvSpPr>
-          <p:cNvPr id="2" name="Заголовок 1">
-            <a:extLst>
-              <a:ext uri="{FF2B5EF4-FFF2-40B4-BE49-F238E27FC236}">
-                <a16:creationId xmlns:a16="http://schemas.microsoft.com/office/drawing/2014/main" id="{2AD45B50-F85E-47C8-B03F-EC9594AEDF86}"/>
-              </a:ext>
-            </a:extLst>
-          </p:cNvPr>
+          <p:cNvPr id="2" name="Title 1"/>
           <p:cNvSpPr>
             <a:spLocks noGrp="1"/>
           </p:cNvSpPr>
@@ -2227,34 +1964,29 @@
         </p:nvSpPr>
         <p:spPr>
           <a:xfrm>
-            <a:off x="839788" y="457200"/>
-            <a:ext cx="3932237" cy="1600200"/>
+            <a:off x="843069" y="456036"/>
+            <a:ext cx="3947597" cy="1596126"/>
           </a:xfrm>
         </p:spPr>
         <p:txBody>
           <a:bodyPr anchor="b"/>
           <a:lstStyle>
             <a:lvl1pPr>
-              <a:defRPr sz="3200"/>
+              <a:defRPr sz="3192"/>
             </a:lvl1pPr>
           </a:lstStyle>
           <a:p>
             <a:r>
-              <a:rPr lang="ru-RU"/>
+              <a:rPr lang="ru-RU" smtClean="0"/>
               <a:t>Образец заголовка</a:t>
             </a:r>
-          </a:p>
-        </p:txBody>
-      </p:sp>
-      <p:sp>
-        <p:nvSpPr>
-          <p:cNvPr id="3" name="Объект 2">
-            <a:extLst>
-              <a:ext uri="{FF2B5EF4-FFF2-40B4-BE49-F238E27FC236}">
-                <a16:creationId xmlns:a16="http://schemas.microsoft.com/office/drawing/2014/main" id="{19B86AAA-63EA-45D6-A0A6-30D28B5C3B90}"/>
-              </a:ext>
-            </a:extLst>
-          </p:cNvPr>
+            <a:endParaRPr lang="en-US" dirty="0"/>
+          </a:p>
+        </p:txBody>
+      </p:sp>
+      <p:sp>
+        <p:nvSpPr>
+          <p:cNvPr id="3" name="Content Placeholder 2"/>
           <p:cNvSpPr>
             <a:spLocks noGrp="1"/>
           </p:cNvSpPr>
@@ -2264,87 +1996,82 @@
         </p:nvSpPr>
         <p:spPr>
           <a:xfrm>
-            <a:off x="5183188" y="987425"/>
-            <a:ext cx="6172200" cy="4873625"/>
+            <a:off x="5203435" y="984911"/>
+            <a:ext cx="6196310" cy="4861216"/>
           </a:xfrm>
         </p:spPr>
         <p:txBody>
           <a:bodyPr/>
           <a:lstStyle>
             <a:lvl1pPr>
-              <a:defRPr sz="3200"/>
+              <a:defRPr sz="3192"/>
             </a:lvl1pPr>
             <a:lvl2pPr>
-              <a:defRPr sz="2800"/>
+              <a:defRPr sz="2793"/>
             </a:lvl2pPr>
             <a:lvl3pPr>
-              <a:defRPr sz="2400"/>
+              <a:defRPr sz="2394"/>
             </a:lvl3pPr>
             <a:lvl4pPr>
-              <a:defRPr sz="2000"/>
+              <a:defRPr sz="1995"/>
             </a:lvl4pPr>
             <a:lvl5pPr>
-              <a:defRPr sz="2000"/>
+              <a:defRPr sz="1995"/>
             </a:lvl5pPr>
             <a:lvl6pPr>
-              <a:defRPr sz="2000"/>
+              <a:defRPr sz="1995"/>
             </a:lvl6pPr>
             <a:lvl7pPr>
-              <a:defRPr sz="2000"/>
+              <a:defRPr sz="1995"/>
             </a:lvl7pPr>
             <a:lvl8pPr>
-              <a:defRPr sz="2000"/>
+              <a:defRPr sz="1995"/>
             </a:lvl8pPr>
             <a:lvl9pPr>
-              <a:defRPr sz="2000"/>
+              <a:defRPr sz="1995"/>
             </a:lvl9pPr>
           </a:lstStyle>
           <a:p>
             <a:pPr lvl="0"/>
             <a:r>
-              <a:rPr lang="ru-RU"/>
+              <a:rPr lang="ru-RU" smtClean="0"/>
               <a:t>Образец текста</a:t>
             </a:r>
           </a:p>
           <a:p>
             <a:pPr lvl="1"/>
             <a:r>
-              <a:rPr lang="ru-RU"/>
+              <a:rPr lang="ru-RU" smtClean="0"/>
               <a:t>Второй уровень</a:t>
             </a:r>
           </a:p>
           <a:p>
             <a:pPr lvl="2"/>
             <a:r>
-              <a:rPr lang="ru-RU"/>
+              <a:rPr lang="ru-RU" smtClean="0"/>
               <a:t>Третий уровень</a:t>
             </a:r>
           </a:p>
           <a:p>
             <a:pPr lvl="3"/>
             <a:r>
-              <a:rPr lang="ru-RU"/>
+              <a:rPr lang="ru-RU" smtClean="0"/>
               <a:t>Четвертый уровень</a:t>
             </a:r>
           </a:p>
           <a:p>
             <a:pPr lvl="4"/>
             <a:r>
-              <a:rPr lang="ru-RU"/>
+              <a:rPr lang="ru-RU" smtClean="0"/>
               <a:t>Пятый уровень</a:t>
             </a:r>
-          </a:p>
-        </p:txBody>
-      </p:sp>
-      <p:sp>
-        <p:nvSpPr>
-          <p:cNvPr id="4" name="Текст 3">
-            <a:extLst>
-              <a:ext uri="{FF2B5EF4-FFF2-40B4-BE49-F238E27FC236}">
-                <a16:creationId xmlns:a16="http://schemas.microsoft.com/office/drawing/2014/main" id="{22D94DF1-6888-47A0-9B46-4AE782259DB0}"/>
-              </a:ext>
-            </a:extLst>
-          </p:cNvPr>
+            <a:endParaRPr lang="en-US" dirty="0"/>
+          </a:p>
+        </p:txBody>
+      </p:sp>
+      <p:sp>
+        <p:nvSpPr>
+          <p:cNvPr id="4" name="Text Placeholder 3"/>
           <p:cNvSpPr>
             <a:spLocks noGrp="1"/>
           </p:cNvSpPr>
@@ -2354,8 +2081,8 @@
         </p:nvSpPr>
         <p:spPr>
           <a:xfrm>
-            <a:off x="839788" y="2057400"/>
-            <a:ext cx="3932237" cy="3811588"/>
+            <a:off x="843069" y="2052161"/>
+            <a:ext cx="3947597" cy="3801883"/>
           </a:xfrm>
         </p:spPr>
         <p:txBody>
@@ -2363,45 +2090,45 @@
           <a:lstStyle>
             <a:lvl1pPr marL="0" indent="0">
               <a:buNone/>
-              <a:defRPr sz="1600"/>
+              <a:defRPr sz="1596"/>
             </a:lvl1pPr>
-            <a:lvl2pPr marL="457200" indent="0">
-              <a:buNone/>
-              <a:defRPr sz="1400"/>
+            <a:lvl2pPr marL="456057" indent="0">
+              <a:buNone/>
+              <a:defRPr sz="1397"/>
             </a:lvl2pPr>
-            <a:lvl3pPr marL="914400" indent="0">
-              <a:buNone/>
-              <a:defRPr sz="1200"/>
+            <a:lvl3pPr marL="912114" indent="0">
+              <a:buNone/>
+              <a:defRPr sz="1197"/>
             </a:lvl3pPr>
-            <a:lvl4pPr marL="1371600" indent="0">
-              <a:buNone/>
-              <a:defRPr sz="1000"/>
+            <a:lvl4pPr marL="1368171" indent="0">
+              <a:buNone/>
+              <a:defRPr sz="998"/>
             </a:lvl4pPr>
-            <a:lvl5pPr marL="1828800" indent="0">
-              <a:buNone/>
-              <a:defRPr sz="1000"/>
+            <a:lvl5pPr marL="1824228" indent="0">
+              <a:buNone/>
+              <a:defRPr sz="998"/>
             </a:lvl5pPr>
-            <a:lvl6pPr marL="2286000" indent="0">
-              <a:buNone/>
-              <a:defRPr sz="1000"/>
+            <a:lvl6pPr marL="2280285" indent="0">
+              <a:buNone/>
+              <a:defRPr sz="998"/>
             </a:lvl6pPr>
-            <a:lvl7pPr marL="2743200" indent="0">
-              <a:buNone/>
-              <a:defRPr sz="1000"/>
+            <a:lvl7pPr marL="2736342" indent="0">
+              <a:buNone/>
+              <a:defRPr sz="998"/>
             </a:lvl7pPr>
-            <a:lvl8pPr marL="3200400" indent="0">
-              <a:buNone/>
-              <a:defRPr sz="1000"/>
+            <a:lvl8pPr marL="3192399" indent="0">
+              <a:buNone/>
+              <a:defRPr sz="998"/>
             </a:lvl8pPr>
-            <a:lvl9pPr marL="3657600" indent="0">
-              <a:buNone/>
-              <a:defRPr sz="1000"/>
+            <a:lvl9pPr marL="3648456" indent="0">
+              <a:buNone/>
+              <a:defRPr sz="998"/>
             </a:lvl9pPr>
           </a:lstStyle>
           <a:p>
             <a:pPr lvl="0"/>
             <a:r>
-              <a:rPr lang="ru-RU"/>
+              <a:rPr lang="ru-RU" smtClean="0"/>
               <a:t>Образец текста</a:t>
             </a:r>
           </a:p>
@@ -2409,13 +2136,7 @@
       </p:sp>
       <p:sp>
         <p:nvSpPr>
-          <p:cNvPr id="5" name="Дата 4">
-            <a:extLst>
-              <a:ext uri="{FF2B5EF4-FFF2-40B4-BE49-F238E27FC236}">
-                <a16:creationId xmlns:a16="http://schemas.microsoft.com/office/drawing/2014/main" id="{6786D9B6-8F42-4839-874D-DCB166065E03}"/>
-              </a:ext>
-            </a:extLst>
-          </p:cNvPr>
+          <p:cNvPr id="5" name="Date Placeholder 4"/>
           <p:cNvSpPr>
             <a:spLocks noGrp="1"/>
           </p:cNvSpPr>
@@ -2430,7 +2151,7 @@
           <a:p>
             <a:fld id="{07504AD1-F626-4EEE-A1F0-4F98A55EE3A4}" type="datetimeFigureOut">
               <a:rPr lang="ru-RU" smtClean="0"/>
-              <a:t>17.01.2022</a:t>
+              <a:t>19.01.2022</a:t>
             </a:fld>
             <a:endParaRPr lang="ru-RU"/>
           </a:p>
@@ -2438,13 +2159,7 @@
       </p:sp>
       <p:sp>
         <p:nvSpPr>
-          <p:cNvPr id="6" name="Нижний колонтитул 5">
-            <a:extLst>
-              <a:ext uri="{FF2B5EF4-FFF2-40B4-BE49-F238E27FC236}">
-                <a16:creationId xmlns:a16="http://schemas.microsoft.com/office/drawing/2014/main" id="{B8532F82-4186-4209-98F3-31565A5D5C9F}"/>
-              </a:ext>
-            </a:extLst>
-          </p:cNvPr>
+          <p:cNvPr id="6" name="Footer Placeholder 5"/>
           <p:cNvSpPr>
             <a:spLocks noGrp="1"/>
           </p:cNvSpPr>
@@ -2463,13 +2178,7 @@
       </p:sp>
       <p:sp>
         <p:nvSpPr>
-          <p:cNvPr id="7" name="Номер слайда 6">
-            <a:extLst>
-              <a:ext uri="{FF2B5EF4-FFF2-40B4-BE49-F238E27FC236}">
-                <a16:creationId xmlns:a16="http://schemas.microsoft.com/office/drawing/2014/main" id="{8BB89A03-599A-4AAB-9878-4D7E513AA940}"/>
-              </a:ext>
-            </a:extLst>
-          </p:cNvPr>
+          <p:cNvPr id="7" name="Slide Number Placeholder 6"/>
           <p:cNvSpPr>
             <a:spLocks noGrp="1"/>
           </p:cNvSpPr>
@@ -2493,7 +2202,7 @@
     </p:spTree>
     <p:extLst>
       <p:ext uri="{BB962C8B-B14F-4D97-AF65-F5344CB8AC3E}">
-        <p14:creationId xmlns:p14="http://schemas.microsoft.com/office/powerpoint/2010/main" val="1150085495"/>
+        <p14:creationId xmlns:p14="http://schemas.microsoft.com/office/powerpoint/2010/main" val="1913818877"/>
       </p:ext>
     </p:extLst>
   </p:cSld>
@@ -2522,13 +2231,7 @@
       </p:grpSpPr>
       <p:sp>
         <p:nvSpPr>
-          <p:cNvPr id="2" name="Заголовок 1">
-            <a:extLst>
-              <a:ext uri="{FF2B5EF4-FFF2-40B4-BE49-F238E27FC236}">
-                <a16:creationId xmlns:a16="http://schemas.microsoft.com/office/drawing/2014/main" id="{19E8A92C-8583-4E93-BB1B-80AEEC04BDEE}"/>
-              </a:ext>
-            </a:extLst>
-          </p:cNvPr>
+          <p:cNvPr id="2" name="Title 1"/>
           <p:cNvSpPr>
             <a:spLocks noGrp="1"/>
           </p:cNvSpPr>
@@ -2538,36 +2241,31 @@
         </p:nvSpPr>
         <p:spPr>
           <a:xfrm>
-            <a:off x="839788" y="457200"/>
-            <a:ext cx="3932237" cy="1600200"/>
+            <a:off x="843069" y="456036"/>
+            <a:ext cx="3947597" cy="1596126"/>
           </a:xfrm>
         </p:spPr>
         <p:txBody>
           <a:bodyPr anchor="b"/>
           <a:lstStyle>
             <a:lvl1pPr>
-              <a:defRPr sz="3200"/>
+              <a:defRPr sz="3192"/>
             </a:lvl1pPr>
           </a:lstStyle>
           <a:p>
             <a:r>
-              <a:rPr lang="ru-RU"/>
+              <a:rPr lang="ru-RU" smtClean="0"/>
               <a:t>Образец заголовка</a:t>
             </a:r>
-          </a:p>
-        </p:txBody>
-      </p:sp>
-      <p:sp>
-        <p:nvSpPr>
-          <p:cNvPr id="3" name="Рисунок 2">
-            <a:extLst>
-              <a:ext uri="{FF2B5EF4-FFF2-40B4-BE49-F238E27FC236}">
-                <a16:creationId xmlns:a16="http://schemas.microsoft.com/office/drawing/2014/main" id="{96DB03C3-BA0D-4DCB-85E5-4DA7FA190AE0}"/>
-              </a:ext>
-            </a:extLst>
-          </p:cNvPr>
-          <p:cNvSpPr>
-            <a:spLocks noGrp="1"/>
+            <a:endParaRPr lang="en-US" dirty="0"/>
+          </a:p>
+        </p:txBody>
+      </p:sp>
+      <p:sp>
+        <p:nvSpPr>
+          <p:cNvPr id="3" name="Picture Placeholder 2"/>
+          <p:cNvSpPr>
+            <a:spLocks noGrp="1" noChangeAspect="1"/>
           </p:cNvSpPr>
           <p:nvPr>
             <p:ph type="pic" idx="1"/>
@@ -2575,8 +2273,73 @@
         </p:nvSpPr>
         <p:spPr>
           <a:xfrm>
-            <a:off x="5183188" y="987425"/>
-            <a:ext cx="6172200" cy="4873625"/>
+            <a:off x="5203435" y="984911"/>
+            <a:ext cx="6196310" cy="4861216"/>
+          </a:xfrm>
+        </p:spPr>
+        <p:txBody>
+          <a:bodyPr anchor="t"/>
+          <a:lstStyle>
+            <a:lvl1pPr marL="0" indent="0">
+              <a:buNone/>
+              <a:defRPr sz="3192"/>
+            </a:lvl1pPr>
+            <a:lvl2pPr marL="456057" indent="0">
+              <a:buNone/>
+              <a:defRPr sz="2793"/>
+            </a:lvl2pPr>
+            <a:lvl3pPr marL="912114" indent="0">
+              <a:buNone/>
+              <a:defRPr sz="2394"/>
+            </a:lvl3pPr>
+            <a:lvl4pPr marL="1368171" indent="0">
+              <a:buNone/>
+              <a:defRPr sz="1995"/>
+            </a:lvl4pPr>
+            <a:lvl5pPr marL="1824228" indent="0">
+              <a:buNone/>
+              <a:defRPr sz="1995"/>
+            </a:lvl5pPr>
+            <a:lvl6pPr marL="2280285" indent="0">
+              <a:buNone/>
+              <a:defRPr sz="1995"/>
+            </a:lvl6pPr>
+            <a:lvl7pPr marL="2736342" indent="0">
+              <a:buNone/>
+              <a:defRPr sz="1995"/>
+            </a:lvl7pPr>
+            <a:lvl8pPr marL="3192399" indent="0">
+              <a:buNone/>
+              <a:defRPr sz="1995"/>
+            </a:lvl8pPr>
+            <a:lvl9pPr marL="3648456" indent="0">
+              <a:buNone/>
+              <a:defRPr sz="1995"/>
+            </a:lvl9pPr>
+          </a:lstStyle>
+          <a:p>
+            <a:r>
+              <a:rPr lang="ru-RU" smtClean="0"/>
+              <a:t>Вставка рисунка</a:t>
+            </a:r>
+            <a:endParaRPr lang="en-US" dirty="0"/>
+          </a:p>
+        </p:txBody>
+      </p:sp>
+      <p:sp>
+        <p:nvSpPr>
+          <p:cNvPr id="4" name="Text Placeholder 3"/>
+          <p:cNvSpPr>
+            <a:spLocks noGrp="1"/>
+          </p:cNvSpPr>
+          <p:nvPr>
+            <p:ph type="body" sz="half" idx="2"/>
+          </p:nvPr>
+        </p:nvSpPr>
+        <p:spPr>
+          <a:xfrm>
+            <a:off x="843069" y="2052161"/>
+            <a:ext cx="3947597" cy="3801883"/>
           </a:xfrm>
         </p:spPr>
         <p:txBody>
@@ -2584,141 +2347,68 @@
           <a:lstStyle>
             <a:lvl1pPr marL="0" indent="0">
               <a:buNone/>
-              <a:defRPr sz="3200"/>
+              <a:defRPr sz="1596"/>
             </a:lvl1pPr>
-            <a:lvl2pPr marL="457200" indent="0">
-              <a:buNone/>
-              <a:defRPr sz="2800"/>
+            <a:lvl2pPr marL="456057" indent="0">
+              <a:buNone/>
+              <a:defRPr sz="1397"/>
             </a:lvl2pPr>
-            <a:lvl3pPr marL="914400" indent="0">
-              <a:buNone/>
-              <a:defRPr sz="2400"/>
+            <a:lvl3pPr marL="912114" indent="0">
+              <a:buNone/>
+              <a:defRPr sz="1197"/>
             </a:lvl3pPr>
-            <a:lvl4pPr marL="1371600" indent="0">
-              <a:buNone/>
-              <a:defRPr sz="2000"/>
+            <a:lvl4pPr marL="1368171" indent="0">
+              <a:buNone/>
+              <a:defRPr sz="998"/>
             </a:lvl4pPr>
-            <a:lvl5pPr marL="1828800" indent="0">
-              <a:buNone/>
-              <a:defRPr sz="2000"/>
+            <a:lvl5pPr marL="1824228" indent="0">
+              <a:buNone/>
+              <a:defRPr sz="998"/>
             </a:lvl5pPr>
-            <a:lvl6pPr marL="2286000" indent="0">
-              <a:buNone/>
-              <a:defRPr sz="2000"/>
+            <a:lvl6pPr marL="2280285" indent="0">
+              <a:buNone/>
+              <a:defRPr sz="998"/>
             </a:lvl6pPr>
-            <a:lvl7pPr marL="2743200" indent="0">
-              <a:buNone/>
-              <a:defRPr sz="2000"/>
+            <a:lvl7pPr marL="2736342" indent="0">
+              <a:buNone/>
+              <a:defRPr sz="998"/>
             </a:lvl7pPr>
-            <a:lvl8pPr marL="3200400" indent="0">
-              <a:buNone/>
-              <a:defRPr sz="2000"/>
+            <a:lvl8pPr marL="3192399" indent="0">
+              <a:buNone/>
+              <a:defRPr sz="998"/>
             </a:lvl8pPr>
-            <a:lvl9pPr marL="3657600" indent="0">
-              <a:buNone/>
-              <a:defRPr sz="2000"/>
+            <a:lvl9pPr marL="3648456" indent="0">
+              <a:buNone/>
+              <a:defRPr sz="998"/>
             </a:lvl9pPr>
           </a:lstStyle>
           <a:p>
-            <a:endParaRPr lang="ru-RU"/>
-          </a:p>
-        </p:txBody>
-      </p:sp>
-      <p:sp>
-        <p:nvSpPr>
-          <p:cNvPr id="4" name="Текст 3">
-            <a:extLst>
-              <a:ext uri="{FF2B5EF4-FFF2-40B4-BE49-F238E27FC236}">
-                <a16:creationId xmlns:a16="http://schemas.microsoft.com/office/drawing/2014/main" id="{5D40E439-E558-4471-89A1-16826D6DAD5A}"/>
-              </a:ext>
-            </a:extLst>
-          </p:cNvPr>
-          <p:cNvSpPr>
-            <a:spLocks noGrp="1"/>
-          </p:cNvSpPr>
-          <p:nvPr>
-            <p:ph type="body" sz="half" idx="2"/>
-          </p:nvPr>
-        </p:nvSpPr>
-        <p:spPr>
-          <a:xfrm>
-            <a:off x="839788" y="2057400"/>
-            <a:ext cx="3932237" cy="3811588"/>
-          </a:xfrm>
-        </p:spPr>
+            <a:pPr lvl="0"/>
+            <a:r>
+              <a:rPr lang="ru-RU" smtClean="0"/>
+              <a:t>Образец текста</a:t>
+            </a:r>
+          </a:p>
+        </p:txBody>
+      </p:sp>
+      <p:sp>
+        <p:nvSpPr>
+          <p:cNvPr id="5" name="Date Placeholder 4"/>
+          <p:cNvSpPr>
+            <a:spLocks noGrp="1"/>
+          </p:cNvSpPr>
+          <p:nvPr>
+            <p:ph type="dt" sz="half" idx="10"/>
+          </p:nvPr>
+        </p:nvSpPr>
+        <p:spPr/>
         <p:txBody>
           <a:bodyPr/>
-          <a:lstStyle>
-            <a:lvl1pPr marL="0" indent="0">
-              <a:buNone/>
-              <a:defRPr sz="1600"/>
-            </a:lvl1pPr>
-            <a:lvl2pPr marL="457200" indent="0">
-              <a:buNone/>
-              <a:defRPr sz="1400"/>
-            </a:lvl2pPr>
-            <a:lvl3pPr marL="914400" indent="0">
-              <a:buNone/>
-              <a:defRPr sz="1200"/>
-            </a:lvl3pPr>
-            <a:lvl4pPr marL="1371600" indent="0">
-              <a:buNone/>
-              <a:defRPr sz="1000"/>
-            </a:lvl4pPr>
-            <a:lvl5pPr marL="1828800" indent="0">
-              <a:buNone/>
-              <a:defRPr sz="1000"/>
-            </a:lvl5pPr>
-            <a:lvl6pPr marL="2286000" indent="0">
-              <a:buNone/>
-              <a:defRPr sz="1000"/>
-            </a:lvl6pPr>
-            <a:lvl7pPr marL="2743200" indent="0">
-              <a:buNone/>
-              <a:defRPr sz="1000"/>
-            </a:lvl7pPr>
-            <a:lvl8pPr marL="3200400" indent="0">
-              <a:buNone/>
-              <a:defRPr sz="1000"/>
-            </a:lvl8pPr>
-            <a:lvl9pPr marL="3657600" indent="0">
-              <a:buNone/>
-              <a:defRPr sz="1000"/>
-            </a:lvl9pPr>
-          </a:lstStyle>
-          <a:p>
-            <a:pPr lvl="0"/>
-            <a:r>
-              <a:rPr lang="ru-RU"/>
-              <a:t>Образец текста</a:t>
-            </a:r>
-          </a:p>
-        </p:txBody>
-      </p:sp>
-      <p:sp>
-        <p:nvSpPr>
-          <p:cNvPr id="5" name="Дата 4">
-            <a:extLst>
-              <a:ext uri="{FF2B5EF4-FFF2-40B4-BE49-F238E27FC236}">
-                <a16:creationId xmlns:a16="http://schemas.microsoft.com/office/drawing/2014/main" id="{A0E7C210-C22D-4557-8B6E-3E73F3B5E423}"/>
-              </a:ext>
-            </a:extLst>
-          </p:cNvPr>
-          <p:cNvSpPr>
-            <a:spLocks noGrp="1"/>
-          </p:cNvSpPr>
-          <p:nvPr>
-            <p:ph type="dt" sz="half" idx="10"/>
-          </p:nvPr>
-        </p:nvSpPr>
-        <p:spPr/>
-        <p:txBody>
-          <a:bodyPr/>
           <a:lstStyle/>
           <a:p>
             <a:fld id="{07504AD1-F626-4EEE-A1F0-4F98A55EE3A4}" type="datetimeFigureOut">
               <a:rPr lang="ru-RU" smtClean="0"/>
-              <a:t>17.01.2022</a:t>
+              <a:t>19.01.2022</a:t>
             </a:fld>
             <a:endParaRPr lang="ru-RU"/>
           </a:p>
@@ -2726,13 +2416,7 @@
       </p:sp>
       <p:sp>
         <p:nvSpPr>
-          <p:cNvPr id="6" name="Нижний колонтитул 5">
-            <a:extLst>
-              <a:ext uri="{FF2B5EF4-FFF2-40B4-BE49-F238E27FC236}">
-                <a16:creationId xmlns:a16="http://schemas.microsoft.com/office/drawing/2014/main" id="{06010A6E-8499-45D0-9778-853B73D3152A}"/>
-              </a:ext>
-            </a:extLst>
-          </p:cNvPr>
+          <p:cNvPr id="6" name="Footer Placeholder 5"/>
           <p:cNvSpPr>
             <a:spLocks noGrp="1"/>
           </p:cNvSpPr>
@@ -2751,13 +2435,7 @@
       </p:sp>
       <p:sp>
         <p:nvSpPr>
-          <p:cNvPr id="7" name="Номер слайда 6">
-            <a:extLst>
-              <a:ext uri="{FF2B5EF4-FFF2-40B4-BE49-F238E27FC236}">
-                <a16:creationId xmlns:a16="http://schemas.microsoft.com/office/drawing/2014/main" id="{0F1F70C6-BF7F-4306-885A-5969F3037644}"/>
-              </a:ext>
-            </a:extLst>
-          </p:cNvPr>
+          <p:cNvPr id="7" name="Slide Number Placeholder 6"/>
           <p:cNvSpPr>
             <a:spLocks noGrp="1"/>
           </p:cNvSpPr>
@@ -2781,7 +2459,7 @@
     </p:spTree>
     <p:extLst>
       <p:ext uri="{BB962C8B-B14F-4D97-AF65-F5344CB8AC3E}">
-        <p14:creationId xmlns:p14="http://schemas.microsoft.com/office/powerpoint/2010/main" val="1082478575"/>
+        <p14:creationId xmlns:p14="http://schemas.microsoft.com/office/powerpoint/2010/main" val="1206885498"/>
       </p:ext>
     </p:extLst>
   </p:cSld>
@@ -2815,13 +2493,7 @@
       </p:grpSpPr>
       <p:sp>
         <p:nvSpPr>
-          <p:cNvPr id="2" name="Заголовок 1">
-            <a:extLst>
-              <a:ext uri="{FF2B5EF4-FFF2-40B4-BE49-F238E27FC236}">
-                <a16:creationId xmlns:a16="http://schemas.microsoft.com/office/drawing/2014/main" id="{6D34ED75-B041-4D3D-843A-484CFEC9D0BE}"/>
-              </a:ext>
-            </a:extLst>
-          </p:cNvPr>
+          <p:cNvPr id="2" name="Title Placeholder 1"/>
           <p:cNvSpPr>
             <a:spLocks noGrp="1"/>
           </p:cNvSpPr>
@@ -2831,8 +2503,8 @@
         </p:nvSpPr>
         <p:spPr>
           <a:xfrm>
-            <a:off x="838200" y="365125"/>
-            <a:ext cx="10515600" cy="1325563"/>
+            <a:off x="841474" y="364196"/>
+            <a:ext cx="10556677" cy="1322188"/>
           </a:xfrm>
           <a:prstGeom prst="rect">
             <a:avLst/>
@@ -2845,21 +2517,16 @@
           <a:lstStyle/>
           <a:p>
             <a:r>
-              <a:rPr lang="ru-RU"/>
+              <a:rPr lang="ru-RU" smtClean="0"/>
               <a:t>Образец заголовка</a:t>
             </a:r>
-          </a:p>
-        </p:txBody>
-      </p:sp>
-      <p:sp>
-        <p:nvSpPr>
-          <p:cNvPr id="3" name="Текст 2">
-            <a:extLst>
-              <a:ext uri="{FF2B5EF4-FFF2-40B4-BE49-F238E27FC236}">
-                <a16:creationId xmlns:a16="http://schemas.microsoft.com/office/drawing/2014/main" id="{85451BC7-75CC-4943-B8BF-D1D6CA53E0CC}"/>
-              </a:ext>
-            </a:extLst>
-          </p:cNvPr>
+            <a:endParaRPr lang="en-US" dirty="0"/>
+          </a:p>
+        </p:txBody>
+      </p:sp>
+      <p:sp>
+        <p:nvSpPr>
+          <p:cNvPr id="3" name="Text Placeholder 2"/>
           <p:cNvSpPr>
             <a:spLocks noGrp="1"/>
           </p:cNvSpPr>
@@ -2869,8 +2536,8 @@
         </p:nvSpPr>
         <p:spPr>
           <a:xfrm>
-            <a:off x="838200" y="1825625"/>
-            <a:ext cx="10515600" cy="4351338"/>
+            <a:off x="841474" y="1820976"/>
+            <a:ext cx="10556677" cy="4340259"/>
           </a:xfrm>
           <a:prstGeom prst="rect">
             <a:avLst/>
@@ -2884,49 +2551,44 @@
           <a:p>
             <a:pPr lvl="0"/>
             <a:r>
-              <a:rPr lang="ru-RU"/>
+              <a:rPr lang="ru-RU" smtClean="0"/>
               <a:t>Образец текста</a:t>
             </a:r>
           </a:p>
           <a:p>
             <a:pPr lvl="1"/>
             <a:r>
-              <a:rPr lang="ru-RU"/>
+              <a:rPr lang="ru-RU" smtClean="0"/>
               <a:t>Второй уровень</a:t>
             </a:r>
           </a:p>
           <a:p>
             <a:pPr lvl="2"/>
             <a:r>
-              <a:rPr lang="ru-RU"/>
+              <a:rPr lang="ru-RU" smtClean="0"/>
               <a:t>Третий уровень</a:t>
             </a:r>
           </a:p>
           <a:p>
             <a:pPr lvl="3"/>
             <a:r>
-              <a:rPr lang="ru-RU"/>
+              <a:rPr lang="ru-RU" smtClean="0"/>
               <a:t>Четвертый уровень</a:t>
             </a:r>
           </a:p>
           <a:p>
             <a:pPr lvl="4"/>
             <a:r>
-              <a:rPr lang="ru-RU"/>
+              <a:rPr lang="ru-RU" smtClean="0"/>
               <a:t>Пятый уровень</a:t>
             </a:r>
-          </a:p>
-        </p:txBody>
-      </p:sp>
-      <p:sp>
-        <p:nvSpPr>
-          <p:cNvPr id="4" name="Дата 3">
-            <a:extLst>
-              <a:ext uri="{FF2B5EF4-FFF2-40B4-BE49-F238E27FC236}">
-                <a16:creationId xmlns:a16="http://schemas.microsoft.com/office/drawing/2014/main" id="{9C91DBD3-8693-4884-AB04-E204199A6648}"/>
-              </a:ext>
-            </a:extLst>
-          </p:cNvPr>
+            <a:endParaRPr lang="en-US" dirty="0"/>
+          </a:p>
+        </p:txBody>
+      </p:sp>
+      <p:sp>
+        <p:nvSpPr>
+          <p:cNvPr id="4" name="Date Placeholder 3"/>
           <p:cNvSpPr>
             <a:spLocks noGrp="1"/>
           </p:cNvSpPr>
@@ -2936,8 +2598,8 @@
         </p:nvSpPr>
         <p:spPr>
           <a:xfrm>
-            <a:off x="838200" y="6356350"/>
-            <a:ext cx="2743200" cy="365125"/>
+            <a:off x="841474" y="6340166"/>
+            <a:ext cx="2753916" cy="364195"/>
           </a:xfrm>
           <a:prstGeom prst="rect">
             <a:avLst/>
@@ -2947,7 +2609,7 @@
           <a:bodyPr vert="horz" lIns="91440" tIns="45720" rIns="91440" bIns="45720" rtlCol="0" anchor="ctr"/>
           <a:lstStyle>
             <a:lvl1pPr algn="l">
-              <a:defRPr sz="1200">
+              <a:defRPr sz="1197">
                 <a:solidFill>
                   <a:schemeClr val="tx1">
                     <a:tint val="75000"/>
@@ -2959,7 +2621,7 @@
           <a:p>
             <a:fld id="{07504AD1-F626-4EEE-A1F0-4F98A55EE3A4}" type="datetimeFigureOut">
               <a:rPr lang="ru-RU" smtClean="0"/>
-              <a:t>17.01.2022</a:t>
+              <a:t>19.01.2022</a:t>
             </a:fld>
             <a:endParaRPr lang="ru-RU"/>
           </a:p>
@@ -2967,13 +2629,7 @@
       </p:sp>
       <p:sp>
         <p:nvSpPr>
-          <p:cNvPr id="5" name="Нижний колонтитул 4">
-            <a:extLst>
-              <a:ext uri="{FF2B5EF4-FFF2-40B4-BE49-F238E27FC236}">
-                <a16:creationId xmlns:a16="http://schemas.microsoft.com/office/drawing/2014/main" id="{FD98D435-A3A1-4604-9284-654A0E533801}"/>
-              </a:ext>
-            </a:extLst>
-          </p:cNvPr>
+          <p:cNvPr id="5" name="Footer Placeholder 4"/>
           <p:cNvSpPr>
             <a:spLocks noGrp="1"/>
           </p:cNvSpPr>
@@ -2983,8 +2639,8 @@
         </p:nvSpPr>
         <p:spPr>
           <a:xfrm>
-            <a:off x="4038600" y="6356350"/>
-            <a:ext cx="4114800" cy="365125"/>
+            <a:off x="4054376" y="6340166"/>
+            <a:ext cx="4130873" cy="364195"/>
           </a:xfrm>
           <a:prstGeom prst="rect">
             <a:avLst/>
@@ -2994,7 +2650,7 @@
           <a:bodyPr vert="horz" lIns="91440" tIns="45720" rIns="91440" bIns="45720" rtlCol="0" anchor="ctr"/>
           <a:lstStyle>
             <a:lvl1pPr algn="ctr">
-              <a:defRPr sz="1200">
+              <a:defRPr sz="1197">
                 <a:solidFill>
                   <a:schemeClr val="tx1">
                     <a:tint val="75000"/>
@@ -3010,13 +2666,7 @@
       </p:sp>
       <p:sp>
         <p:nvSpPr>
-          <p:cNvPr id="6" name="Номер слайда 5">
-            <a:extLst>
-              <a:ext uri="{FF2B5EF4-FFF2-40B4-BE49-F238E27FC236}">
-                <a16:creationId xmlns:a16="http://schemas.microsoft.com/office/drawing/2014/main" id="{5811299A-5F12-4261-B3A3-BD1DE79E94BE}"/>
-              </a:ext>
-            </a:extLst>
-          </p:cNvPr>
+          <p:cNvPr id="6" name="Slide Number Placeholder 5"/>
           <p:cNvSpPr>
             <a:spLocks noGrp="1"/>
           </p:cNvSpPr>
@@ -3026,8 +2676,8 @@
         </p:nvSpPr>
         <p:spPr>
           <a:xfrm>
-            <a:off x="8610600" y="6356350"/>
-            <a:ext cx="2743200" cy="365125"/>
+            <a:off x="8644235" y="6340166"/>
+            <a:ext cx="2753916" cy="364195"/>
           </a:xfrm>
           <a:prstGeom prst="rect">
             <a:avLst/>
@@ -3037,7 +2687,7 @@
           <a:bodyPr vert="horz" lIns="91440" tIns="45720" rIns="91440" bIns="45720" rtlCol="0" anchor="ctr"/>
           <a:lstStyle>
             <a:lvl1pPr algn="r">
-              <a:defRPr sz="1200">
+              <a:defRPr sz="1197">
                 <a:solidFill>
                   <a:schemeClr val="tx1">
                     <a:tint val="75000"/>
@@ -3058,27 +2708,27 @@
     </p:spTree>
     <p:extLst>
       <p:ext uri="{BB962C8B-B14F-4D97-AF65-F5344CB8AC3E}">
-        <p14:creationId xmlns:p14="http://schemas.microsoft.com/office/powerpoint/2010/main" val="4085606944"/>
+        <p14:creationId xmlns:p14="http://schemas.microsoft.com/office/powerpoint/2010/main" val="1770243397"/>
       </p:ext>
     </p:extLst>
   </p:cSld>
   <p:clrMap bg1="lt1" tx1="dk1" bg2="lt2" tx2="dk2" accent1="accent1" accent2="accent2" accent3="accent3" accent4="accent4" accent5="accent5" accent6="accent6" hlink="hlink" folHlink="folHlink"/>
   <p:sldLayoutIdLst>
-    <p:sldLayoutId id="2147483649" r:id="rId1"/>
-    <p:sldLayoutId id="2147483650" r:id="rId2"/>
-    <p:sldLayoutId id="2147483651" r:id="rId3"/>
-    <p:sldLayoutId id="2147483652" r:id="rId4"/>
-    <p:sldLayoutId id="2147483653" r:id="rId5"/>
-    <p:sldLayoutId id="2147483654" r:id="rId6"/>
-    <p:sldLayoutId id="2147483655" r:id="rId7"/>
-    <p:sldLayoutId id="2147483656" r:id="rId8"/>
-    <p:sldLayoutId id="2147483657" r:id="rId9"/>
-    <p:sldLayoutId id="2147483658" r:id="rId10"/>
-    <p:sldLayoutId id="2147483659" r:id="rId11"/>
+    <p:sldLayoutId id="2147483673" r:id="rId1"/>
+    <p:sldLayoutId id="2147483674" r:id="rId2"/>
+    <p:sldLayoutId id="2147483675" r:id="rId3"/>
+    <p:sldLayoutId id="2147483676" r:id="rId4"/>
+    <p:sldLayoutId id="2147483677" r:id="rId5"/>
+    <p:sldLayoutId id="2147483678" r:id="rId6"/>
+    <p:sldLayoutId id="2147483679" r:id="rId7"/>
+    <p:sldLayoutId id="2147483680" r:id="rId8"/>
+    <p:sldLayoutId id="2147483681" r:id="rId9"/>
+    <p:sldLayoutId id="2147483682" r:id="rId10"/>
+    <p:sldLayoutId id="2147483683" r:id="rId11"/>
   </p:sldLayoutIdLst>
   <p:txStyles>
     <p:titleStyle>
-      <a:lvl1pPr algn="l" defTabSz="914400" rtl="0" eaLnBrk="1" latinLnBrk="0" hangingPunct="1">
+      <a:lvl1pPr algn="l" defTabSz="912114" rtl="0" eaLnBrk="1" latinLnBrk="0" hangingPunct="1">
         <a:lnSpc>
           <a:spcPct val="90000"/>
         </a:lnSpc>
@@ -3086,7 +2736,7 @@
           <a:spcPct val="0"/>
         </a:spcBef>
         <a:buNone/>
-        <a:defRPr sz="4400" kern="1200">
+        <a:defRPr sz="4389" kern="1200">
           <a:solidFill>
             <a:schemeClr val="tx1"/>
           </a:solidFill>
@@ -3097,16 +2747,16 @@
       </a:lvl1pPr>
     </p:titleStyle>
     <p:bodyStyle>
-      <a:lvl1pPr marL="228600" indent="-228600" algn="l" defTabSz="914400" rtl="0" eaLnBrk="1" latinLnBrk="0" hangingPunct="1">
+      <a:lvl1pPr marL="228029" indent="-228029" algn="l" defTabSz="912114" rtl="0" eaLnBrk="1" latinLnBrk="0" hangingPunct="1">
         <a:lnSpc>
           <a:spcPct val="90000"/>
         </a:lnSpc>
         <a:spcBef>
-          <a:spcPts val="1000"/>
+          <a:spcPts val="998"/>
         </a:spcBef>
         <a:buFont typeface="Arial" panose="020B0604020202020204" pitchFamily="34" charset="0"/>
         <a:buChar char="•"/>
-        <a:defRPr sz="2800" kern="1200">
+        <a:defRPr sz="2793" kern="1200">
           <a:solidFill>
             <a:schemeClr val="tx1"/>
           </a:solidFill>
@@ -3115,16 +2765,16 @@
           <a:cs typeface="+mn-cs"/>
         </a:defRPr>
       </a:lvl1pPr>
-      <a:lvl2pPr marL="685800" indent="-228600" algn="l" defTabSz="914400" rtl="0" eaLnBrk="1" latinLnBrk="0" hangingPunct="1">
+      <a:lvl2pPr marL="684086" indent="-228029" algn="l" defTabSz="912114" rtl="0" eaLnBrk="1" latinLnBrk="0" hangingPunct="1">
         <a:lnSpc>
           <a:spcPct val="90000"/>
         </a:lnSpc>
         <a:spcBef>
-          <a:spcPts val="500"/>
+          <a:spcPts val="499"/>
         </a:spcBef>
         <a:buFont typeface="Arial" panose="020B0604020202020204" pitchFamily="34" charset="0"/>
         <a:buChar char="•"/>
-        <a:defRPr sz="2400" kern="1200">
+        <a:defRPr sz="2394" kern="1200">
           <a:solidFill>
             <a:schemeClr val="tx1"/>
           </a:solidFill>
@@ -3133,16 +2783,16 @@
           <a:cs typeface="+mn-cs"/>
         </a:defRPr>
       </a:lvl2pPr>
-      <a:lvl3pPr marL="1143000" indent="-228600" algn="l" defTabSz="914400" rtl="0" eaLnBrk="1" latinLnBrk="0" hangingPunct="1">
+      <a:lvl3pPr marL="1140143" indent="-228029" algn="l" defTabSz="912114" rtl="0" eaLnBrk="1" latinLnBrk="0" hangingPunct="1">
         <a:lnSpc>
           <a:spcPct val="90000"/>
         </a:lnSpc>
         <a:spcBef>
-          <a:spcPts val="500"/>
+          <a:spcPts val="499"/>
         </a:spcBef>
         <a:buFont typeface="Arial" panose="020B0604020202020204" pitchFamily="34" charset="0"/>
         <a:buChar char="•"/>
-        <a:defRPr sz="2000" kern="1200">
+        <a:defRPr sz="1995" kern="1200">
           <a:solidFill>
             <a:schemeClr val="tx1"/>
           </a:solidFill>
@@ -3151,16 +2801,16 @@
           <a:cs typeface="+mn-cs"/>
         </a:defRPr>
       </a:lvl3pPr>
-      <a:lvl4pPr marL="1600200" indent="-228600" algn="l" defTabSz="914400" rtl="0" eaLnBrk="1" latinLnBrk="0" hangingPunct="1">
+      <a:lvl4pPr marL="1596200" indent="-228029" algn="l" defTabSz="912114" rtl="0" eaLnBrk="1" latinLnBrk="0" hangingPunct="1">
         <a:lnSpc>
           <a:spcPct val="90000"/>
         </a:lnSpc>
         <a:spcBef>
-          <a:spcPts val="500"/>
+          <a:spcPts val="499"/>
         </a:spcBef>
         <a:buFont typeface="Arial" panose="020B0604020202020204" pitchFamily="34" charset="0"/>
         <a:buChar char="•"/>
-        <a:defRPr sz="1800" kern="1200">
+        <a:defRPr sz="1795" kern="1200">
           <a:solidFill>
             <a:schemeClr val="tx1"/>
           </a:solidFill>
@@ -3169,16 +2819,16 @@
           <a:cs typeface="+mn-cs"/>
         </a:defRPr>
       </a:lvl4pPr>
-      <a:lvl5pPr marL="2057400" indent="-228600" algn="l" defTabSz="914400" rtl="0" eaLnBrk="1" latinLnBrk="0" hangingPunct="1">
+      <a:lvl5pPr marL="2052257" indent="-228029" algn="l" defTabSz="912114" rtl="0" eaLnBrk="1" latinLnBrk="0" hangingPunct="1">
         <a:lnSpc>
           <a:spcPct val="90000"/>
         </a:lnSpc>
         <a:spcBef>
-          <a:spcPts val="500"/>
+          <a:spcPts val="499"/>
         </a:spcBef>
         <a:buFont typeface="Arial" panose="020B0604020202020204" pitchFamily="34" charset="0"/>
         <a:buChar char="•"/>
-        <a:defRPr sz="1800" kern="1200">
+        <a:defRPr sz="1795" kern="1200">
           <a:solidFill>
             <a:schemeClr val="tx1"/>
           </a:solidFill>
@@ -3187,16 +2837,16 @@
           <a:cs typeface="+mn-cs"/>
         </a:defRPr>
       </a:lvl5pPr>
-      <a:lvl6pPr marL="2514600" indent="-228600" algn="l" defTabSz="914400" rtl="0" eaLnBrk="1" latinLnBrk="0" hangingPunct="1">
+      <a:lvl6pPr marL="2508314" indent="-228029" algn="l" defTabSz="912114" rtl="0" eaLnBrk="1" latinLnBrk="0" hangingPunct="1">
         <a:lnSpc>
           <a:spcPct val="90000"/>
         </a:lnSpc>
         <a:spcBef>
-          <a:spcPts val="500"/>
+          <a:spcPts val="499"/>
         </a:spcBef>
         <a:buFont typeface="Arial" panose="020B0604020202020204" pitchFamily="34" charset="0"/>
         <a:buChar char="•"/>
-        <a:defRPr sz="1800" kern="1200">
+        <a:defRPr sz="1795" kern="1200">
           <a:solidFill>
             <a:schemeClr val="tx1"/>
           </a:solidFill>
@@ -3205,16 +2855,16 @@
           <a:cs typeface="+mn-cs"/>
         </a:defRPr>
       </a:lvl6pPr>
-      <a:lvl7pPr marL="2971800" indent="-228600" algn="l" defTabSz="914400" rtl="0" eaLnBrk="1" latinLnBrk="0" hangingPunct="1">
+      <a:lvl7pPr marL="2964371" indent="-228029" algn="l" defTabSz="912114" rtl="0" eaLnBrk="1" latinLnBrk="0" hangingPunct="1">
         <a:lnSpc>
           <a:spcPct val="90000"/>
         </a:lnSpc>
         <a:spcBef>
-          <a:spcPts val="500"/>
+          <a:spcPts val="499"/>
         </a:spcBef>
         <a:buFont typeface="Arial" panose="020B0604020202020204" pitchFamily="34" charset="0"/>
         <a:buChar char="•"/>
-        <a:defRPr sz="1800" kern="1200">
+        <a:defRPr sz="1795" kern="1200">
           <a:solidFill>
             <a:schemeClr val="tx1"/>
           </a:solidFill>
@@ -3223,16 +2873,16 @@
           <a:cs typeface="+mn-cs"/>
         </a:defRPr>
       </a:lvl7pPr>
-      <a:lvl8pPr marL="3429000" indent="-228600" algn="l" defTabSz="914400" rtl="0" eaLnBrk="1" latinLnBrk="0" hangingPunct="1">
+      <a:lvl8pPr marL="3420428" indent="-228029" algn="l" defTabSz="912114" rtl="0" eaLnBrk="1" latinLnBrk="0" hangingPunct="1">
         <a:lnSpc>
           <a:spcPct val="90000"/>
         </a:lnSpc>
         <a:spcBef>
-          <a:spcPts val="500"/>
+          <a:spcPts val="499"/>
         </a:spcBef>
         <a:buFont typeface="Arial" panose="020B0604020202020204" pitchFamily="34" charset="0"/>
         <a:buChar char="•"/>
-        <a:defRPr sz="1800" kern="1200">
+        <a:defRPr sz="1795" kern="1200">
           <a:solidFill>
             <a:schemeClr val="tx1"/>
           </a:solidFill>
@@ -3241,16 +2891,16 @@
           <a:cs typeface="+mn-cs"/>
         </a:defRPr>
       </a:lvl8pPr>
-      <a:lvl9pPr marL="3886200" indent="-228600" algn="l" defTabSz="914400" rtl="0" eaLnBrk="1" latinLnBrk="0" hangingPunct="1">
+      <a:lvl9pPr marL="3876485" indent="-228029" algn="l" defTabSz="912114" rtl="0" eaLnBrk="1" latinLnBrk="0" hangingPunct="1">
         <a:lnSpc>
           <a:spcPct val="90000"/>
         </a:lnSpc>
         <a:spcBef>
-          <a:spcPts val="500"/>
+          <a:spcPts val="499"/>
         </a:spcBef>
         <a:buFont typeface="Arial" panose="020B0604020202020204" pitchFamily="34" charset="0"/>
         <a:buChar char="•"/>
-        <a:defRPr sz="1800" kern="1200">
+        <a:defRPr sz="1795" kern="1200">
           <a:solidFill>
             <a:schemeClr val="tx1"/>
           </a:solidFill>
@@ -3262,10 +2912,10 @@
     </p:bodyStyle>
     <p:otherStyle>
       <a:defPPr>
-        <a:defRPr lang="ru-RU"/>
+        <a:defRPr lang="en-US"/>
       </a:defPPr>
-      <a:lvl1pPr marL="0" algn="l" defTabSz="914400" rtl="0" eaLnBrk="1" latinLnBrk="0" hangingPunct="1">
-        <a:defRPr sz="1800" kern="1200">
+      <a:lvl1pPr marL="0" algn="l" defTabSz="912114" rtl="0" eaLnBrk="1" latinLnBrk="0" hangingPunct="1">
+        <a:defRPr sz="1795" kern="1200">
           <a:solidFill>
             <a:schemeClr val="tx1"/>
           </a:solidFill>
@@ -3274,8 +2924,8 @@
           <a:cs typeface="+mn-cs"/>
         </a:defRPr>
       </a:lvl1pPr>
-      <a:lvl2pPr marL="457200" algn="l" defTabSz="914400" rtl="0" eaLnBrk="1" latinLnBrk="0" hangingPunct="1">
-        <a:defRPr sz="1800" kern="1200">
+      <a:lvl2pPr marL="456057" algn="l" defTabSz="912114" rtl="0" eaLnBrk="1" latinLnBrk="0" hangingPunct="1">
+        <a:defRPr sz="1795" kern="1200">
           <a:solidFill>
             <a:schemeClr val="tx1"/>
           </a:solidFill>
@@ -3284,8 +2934,8 @@
           <a:cs typeface="+mn-cs"/>
         </a:defRPr>
       </a:lvl2pPr>
-      <a:lvl3pPr marL="914400" algn="l" defTabSz="914400" rtl="0" eaLnBrk="1" latinLnBrk="0" hangingPunct="1">
-        <a:defRPr sz="1800" kern="1200">
+      <a:lvl3pPr marL="912114" algn="l" defTabSz="912114" rtl="0" eaLnBrk="1" latinLnBrk="0" hangingPunct="1">
+        <a:defRPr sz="1795" kern="1200">
           <a:solidFill>
             <a:schemeClr val="tx1"/>
           </a:solidFill>
@@ -3294,8 +2944,8 @@
           <a:cs typeface="+mn-cs"/>
         </a:defRPr>
       </a:lvl3pPr>
-      <a:lvl4pPr marL="1371600" algn="l" defTabSz="914400" rtl="0" eaLnBrk="1" latinLnBrk="0" hangingPunct="1">
-        <a:defRPr sz="1800" kern="1200">
+      <a:lvl4pPr marL="1368171" algn="l" defTabSz="912114" rtl="0" eaLnBrk="1" latinLnBrk="0" hangingPunct="1">
+        <a:defRPr sz="1795" kern="1200">
           <a:solidFill>
             <a:schemeClr val="tx1"/>
           </a:solidFill>
@@ -3304,8 +2954,8 @@
           <a:cs typeface="+mn-cs"/>
         </a:defRPr>
       </a:lvl4pPr>
-      <a:lvl5pPr marL="1828800" algn="l" defTabSz="914400" rtl="0" eaLnBrk="1" latinLnBrk="0" hangingPunct="1">
-        <a:defRPr sz="1800" kern="1200">
+      <a:lvl5pPr marL="1824228" algn="l" defTabSz="912114" rtl="0" eaLnBrk="1" latinLnBrk="0" hangingPunct="1">
+        <a:defRPr sz="1795" kern="1200">
           <a:solidFill>
             <a:schemeClr val="tx1"/>
           </a:solidFill>
@@ -3314,8 +2964,8 @@
           <a:cs typeface="+mn-cs"/>
         </a:defRPr>
       </a:lvl5pPr>
-      <a:lvl6pPr marL="2286000" algn="l" defTabSz="914400" rtl="0" eaLnBrk="1" latinLnBrk="0" hangingPunct="1">
-        <a:defRPr sz="1800" kern="1200">
+      <a:lvl6pPr marL="2280285" algn="l" defTabSz="912114" rtl="0" eaLnBrk="1" latinLnBrk="0" hangingPunct="1">
+        <a:defRPr sz="1795" kern="1200">
           <a:solidFill>
             <a:schemeClr val="tx1"/>
           </a:solidFill>
@@ -3324,8 +2974,8 @@
           <a:cs typeface="+mn-cs"/>
         </a:defRPr>
       </a:lvl6pPr>
-      <a:lvl7pPr marL="2743200" algn="l" defTabSz="914400" rtl="0" eaLnBrk="1" latinLnBrk="0" hangingPunct="1">
-        <a:defRPr sz="1800" kern="1200">
+      <a:lvl7pPr marL="2736342" algn="l" defTabSz="912114" rtl="0" eaLnBrk="1" latinLnBrk="0" hangingPunct="1">
+        <a:defRPr sz="1795" kern="1200">
           <a:solidFill>
             <a:schemeClr val="tx1"/>
           </a:solidFill>
@@ -3334,8 +2984,8 @@
           <a:cs typeface="+mn-cs"/>
         </a:defRPr>
       </a:lvl7pPr>
-      <a:lvl8pPr marL="3200400" algn="l" defTabSz="914400" rtl="0" eaLnBrk="1" latinLnBrk="0" hangingPunct="1">
-        <a:defRPr sz="1800" kern="1200">
+      <a:lvl8pPr marL="3192399" algn="l" defTabSz="912114" rtl="0" eaLnBrk="1" latinLnBrk="0" hangingPunct="1">
+        <a:defRPr sz="1795" kern="1200">
           <a:solidFill>
             <a:schemeClr val="tx1"/>
           </a:solidFill>
@@ -3344,8 +2994,8 @@
           <a:cs typeface="+mn-cs"/>
         </a:defRPr>
       </a:lvl8pPr>
-      <a:lvl9pPr marL="3657600" algn="l" defTabSz="914400" rtl="0" eaLnBrk="1" latinLnBrk="0" hangingPunct="1">
-        <a:defRPr sz="1800" kern="1200">
+      <a:lvl9pPr marL="3648456" algn="l" defTabSz="912114" rtl="0" eaLnBrk="1" latinLnBrk="0" hangingPunct="1">
+        <a:defRPr sz="1795" kern="1200">
           <a:solidFill>
             <a:schemeClr val="tx1"/>
           </a:solidFill>
@@ -3362,6 +3012,21 @@
 <file path=ppt/slides/slide1.xml><?xml version="1.0" encoding="utf-8"?>
 <p:sld xmlns:a="http://schemas.openxmlformats.org/drawingml/2006/main" xmlns:r="http://schemas.openxmlformats.org/officeDocument/2006/relationships" xmlns:p="http://schemas.openxmlformats.org/presentationml/2006/main">
   <p:cSld>
+    <p:bg>
+      <p:bgPr>
+        <a:blipFill dpi="0" rotWithShape="1">
+          <a:blip r:embed="rId2">
+            <a:alphaModFix amt="20000"/>
+            <a:lum/>
+          </a:blip>
+          <a:srcRect/>
+          <a:stretch>
+            <a:fillRect/>
+          </a:stretch>
+        </a:blipFill>
+        <a:effectLst/>
+      </p:bgPr>
+    </p:bg>
     <p:spTree>
       <p:nvGrpSpPr>
         <p:cNvPr id="1" name=""/>
@@ -3394,8 +3059,8 @@
         </p:nvSpPr>
         <p:spPr>
           <a:xfrm>
-            <a:off x="2268453" y="2646947"/>
-            <a:ext cx="7655094" cy="1564106"/>
+            <a:off x="2277315" y="2635161"/>
+            <a:ext cx="7684997" cy="1570216"/>
           </a:xfrm>
         </p:spPr>
         <p:txBody>
@@ -3411,6 +3076,10 @@
             <a:r>
               <a:rPr lang="en-US" dirty="0" err="1"/>
               <a:t>pygame</a:t>
+            </a:r>
+            <a:r>
+              <a:rPr lang="en-US" dirty="0"/>
+              <a:t/>
             </a:r>
             <a:br>
               <a:rPr lang="en-US" dirty="0"/>
@@ -3440,8 +3109,8 @@
         </p:nvSpPr>
         <p:spPr>
           <a:xfrm>
-            <a:off x="6280483" y="6292516"/>
-            <a:ext cx="5795211" cy="457200"/>
+            <a:off x="6305017" y="6294971"/>
+            <a:ext cx="5817849" cy="458986"/>
           </a:xfrm>
         </p:spPr>
         <p:txBody>
@@ -3465,6 +3134,13 @@
   <p:clrMapOvr>
     <a:masterClrMapping/>
   </p:clrMapOvr>
+  <p:timing>
+    <p:tnLst>
+      <p:par>
+        <p:cTn id="1" dur="indefinite" restart="never" nodeType="tmRoot"/>
+      </p:par>
+    </p:tnLst>
+  </p:timing>
 </p:sld>
 </file>
 
@@ -3503,8 +3179,8 @@
         </p:nvSpPr>
         <p:spPr>
           <a:xfrm>
-            <a:off x="3227470" y="0"/>
-            <a:ext cx="5844341" cy="1325563"/>
+            <a:off x="3240078" y="-22125"/>
+            <a:ext cx="5867170" cy="1330741"/>
           </a:xfrm>
         </p:spPr>
         <p:txBody>
@@ -3568,8 +3244,8 @@
         </p:nvSpPr>
         <p:spPr>
           <a:xfrm>
-            <a:off x="2660984" y="0"/>
-            <a:ext cx="6870032" cy="1325563"/>
+            <a:off x="2671378" y="-22125"/>
+            <a:ext cx="6896868" cy="1330741"/>
           </a:xfrm>
         </p:spPr>
         <p:txBody>
@@ -3633,8 +3309,8 @@
         </p:nvSpPr>
         <p:spPr>
           <a:xfrm>
-            <a:off x="4284746" y="0"/>
-            <a:ext cx="3622508" cy="1325563"/>
+            <a:off x="4301483" y="-22125"/>
+            <a:ext cx="3636658" cy="1330741"/>
           </a:xfrm>
         </p:spPr>
         <p:txBody>
@@ -3664,8 +3340,8 @@
         </p:nvGrpSpPr>
         <p:grpSpPr>
           <a:xfrm>
-            <a:off x="1643915" y="1776649"/>
-            <a:ext cx="8466443" cy="1746204"/>
+            <a:off x="1650338" y="1761465"/>
+            <a:ext cx="8499515" cy="1753025"/>
             <a:chOff x="1643915" y="1776649"/>
             <a:chExt cx="8466443" cy="1746204"/>
           </a:xfrm>
@@ -3718,7 +3394,7 @@
             <a:lstStyle/>
             <a:p>
               <a:pPr algn="ctr"/>
-              <a:endParaRPr lang="ru-RU" dirty="0"/>
+              <a:endParaRPr lang="ru-RU" sz="1807" dirty="0"/>
             </a:p>
           </p:txBody>
         </p:sp>
@@ -3756,7 +3432,7 @@
             <a:lstStyle/>
             <a:p>
               <a:r>
-                <a:rPr lang="ru-RU" sz="4000" dirty="0"/>
+                <a:rPr lang="ru-RU" sz="4016" dirty="0"/>
                 <a:t>Сходства</a:t>
               </a:r>
             </a:p>
@@ -3796,7 +3472,7 @@
             <a:lstStyle/>
             <a:p>
               <a:r>
-                <a:rPr lang="ru-RU" sz="4000" dirty="0"/>
+                <a:rPr lang="ru-RU" sz="4016" dirty="0"/>
                 <a:t>Различия</a:t>
               </a:r>
             </a:p>
@@ -3832,8 +3508,8 @@
         </p:blipFill>
         <p:spPr bwMode="auto">
           <a:xfrm>
-            <a:off x="4180050" y="-12032"/>
-            <a:ext cx="3357928" cy="1642351"/>
+            <a:off x="4196379" y="-34204"/>
+            <a:ext cx="3371045" cy="1648766"/>
           </a:xfrm>
           <a:prstGeom prst="rect">
             <a:avLst/>
@@ -4080,8 +3756,8 @@
         </p:nvSpPr>
         <p:spPr>
           <a:xfrm>
-            <a:off x="2376237" y="2766218"/>
-            <a:ext cx="7439526" cy="1325563"/>
+            <a:off x="2385520" y="2754900"/>
+            <a:ext cx="7468587" cy="1330741"/>
           </a:xfrm>
         </p:spPr>
         <p:txBody>
@@ -4111,6 +3787,21 @@
 <file path=ppt/slides/slide2.xml><?xml version="1.0" encoding="utf-8"?>
 <p:sld xmlns:a="http://schemas.openxmlformats.org/drawingml/2006/main" xmlns:r="http://schemas.openxmlformats.org/officeDocument/2006/relationships" xmlns:p="http://schemas.openxmlformats.org/presentationml/2006/main">
   <p:cSld>
+    <p:bg>
+      <p:bgPr>
+        <a:blipFill dpi="0" rotWithShape="1">
+          <a:blip r:embed="rId2">
+            <a:alphaModFix amt="10000"/>
+            <a:lum/>
+          </a:blip>
+          <a:srcRect/>
+          <a:stretch>
+            <a:fillRect/>
+          </a:stretch>
+        </a:blipFill>
+        <a:effectLst/>
+      </p:bgPr>
+    </p:bg>
     <p:spTree>
       <p:nvGrpSpPr>
         <p:cNvPr id="1" name=""/>
@@ -4143,8 +3834,8 @@
         </p:nvSpPr>
         <p:spPr>
           <a:xfrm>
-            <a:off x="3713246" y="190624"/>
-            <a:ext cx="4765508" cy="619877"/>
+            <a:off x="3727752" y="169244"/>
+            <a:ext cx="4784123" cy="622298"/>
           </a:xfrm>
         </p:spPr>
         <p:txBody>
@@ -4154,7 +3845,7 @@
           <a:lstStyle/>
           <a:p>
             <a:r>
-              <a:rPr lang="ru-RU" sz="6000" dirty="0"/>
+              <a:rPr lang="ru-RU" sz="6023" dirty="0"/>
               <a:t>Вводная часть</a:t>
             </a:r>
           </a:p>
@@ -4178,8 +3869,8 @@
         </p:nvSpPr>
         <p:spPr>
           <a:xfrm>
-            <a:off x="2589200" y="3777477"/>
-            <a:ext cx="7013600" cy="2468024"/>
+            <a:off x="2599315" y="3770108"/>
+            <a:ext cx="7040997" cy="2477665"/>
           </a:xfrm>
         </p:spPr>
         <p:txBody>
@@ -4233,8 +3924,8 @@
         </p:nvSpPr>
         <p:spPr>
           <a:xfrm>
-            <a:off x="5468136" y="964120"/>
-            <a:ext cx="1255728" cy="707886"/>
+            <a:off x="5489497" y="945762"/>
+            <a:ext cx="1260633" cy="710651"/>
           </a:xfrm>
           <a:prstGeom prst="rect">
             <a:avLst/>
@@ -4248,7 +3939,7 @@
           <a:lstStyle/>
           <a:p>
             <a:r>
-              <a:rPr lang="ru-RU" sz="4000" dirty="0"/>
+              <a:rPr lang="ru-RU" sz="4016" dirty="0"/>
               <a:t>Цель</a:t>
             </a:r>
           </a:p>
@@ -4268,8 +3959,8 @@
         </p:nvSpPr>
         <p:spPr>
           <a:xfrm>
-            <a:off x="2053771" y="1794698"/>
-            <a:ext cx="8084457" cy="954107"/>
+            <a:off x="2061795" y="1779584"/>
+            <a:ext cx="8116037" cy="957834"/>
           </a:xfrm>
           <a:prstGeom prst="rect">
             <a:avLst/>
@@ -4283,13 +3974,13 @@
           <a:lstStyle/>
           <a:p>
             <a:r>
-              <a:rPr lang="ru-RU" sz="2800" dirty="0"/>
+              <a:rPr lang="ru-RU" sz="2811" dirty="0"/>
               <a:t>Реализовать игру, основанную на двоичной логике </a:t>
             </a:r>
           </a:p>
           <a:p>
             <a:r>
-              <a:rPr lang="ru-RU" sz="2800" dirty="0"/>
+              <a:rPr lang="ru-RU" sz="2811" dirty="0"/>
               <a:t>и построении блок-схем на простейших операция</a:t>
             </a:r>
           </a:p>
@@ -4309,8 +4000,8 @@
         </p:nvSpPr>
         <p:spPr>
           <a:xfrm>
-            <a:off x="5171167" y="2871497"/>
-            <a:ext cx="1849663" cy="707886"/>
+            <a:off x="5191367" y="2860589"/>
+            <a:ext cx="1856888" cy="710651"/>
           </a:xfrm>
           <a:prstGeom prst="rect">
             <a:avLst/>
@@ -4324,7 +4015,7 @@
           <a:lstStyle/>
           <a:p>
             <a:r>
-              <a:rPr lang="ru-RU" sz="4000" dirty="0"/>
+              <a:rPr lang="ru-RU" sz="4016" dirty="0"/>
               <a:t>Задачи</a:t>
             </a:r>
           </a:p>
@@ -4340,12 +4031,34 @@
   <p:clrMapOvr>
     <a:masterClrMapping/>
   </p:clrMapOvr>
+  <p:timing>
+    <p:tnLst>
+      <p:par>
+        <p:cTn id="1" dur="indefinite" restart="never" nodeType="tmRoot"/>
+      </p:par>
+    </p:tnLst>
+  </p:timing>
 </p:sld>
 </file>
 
 <file path=ppt/slides/slide3.xml><?xml version="1.0" encoding="utf-8"?>
 <p:sld xmlns:a="http://schemas.openxmlformats.org/drawingml/2006/main" xmlns:r="http://schemas.openxmlformats.org/officeDocument/2006/relationships" xmlns:p="http://schemas.openxmlformats.org/presentationml/2006/main">
   <p:cSld>
+    <p:bg>
+      <p:bgPr>
+        <a:blipFill dpi="0" rotWithShape="1">
+          <a:blip r:embed="rId2">
+            <a:alphaModFix amt="10000"/>
+            <a:lum/>
+          </a:blip>
+          <a:srcRect/>
+          <a:stretch>
+            <a:fillRect/>
+          </a:stretch>
+        </a:blipFill>
+        <a:effectLst/>
+      </p:bgPr>
+    </p:bg>
     <p:spTree>
       <p:nvGrpSpPr>
         <p:cNvPr id="1" name=""/>
@@ -4378,8 +4091,8 @@
         </p:nvSpPr>
         <p:spPr>
           <a:xfrm>
-            <a:off x="2394284" y="0"/>
-            <a:ext cx="7403432" cy="1325563"/>
+            <a:off x="2403636" y="-22125"/>
+            <a:ext cx="7432352" cy="1330741"/>
           </a:xfrm>
         </p:spPr>
         <p:txBody>
@@ -4403,12 +4116,33 @@
   <p:clrMapOvr>
     <a:masterClrMapping/>
   </p:clrMapOvr>
+  <p:timing>
+    <p:tnLst>
+      <p:par>
+        <p:cTn id="1" dur="indefinite" restart="never" nodeType="tmRoot"/>
+      </p:par>
+    </p:tnLst>
+  </p:timing>
 </p:sld>
 </file>
 
 <file path=ppt/slides/slide4.xml><?xml version="1.0" encoding="utf-8"?>
 <p:sld xmlns:a="http://schemas.openxmlformats.org/drawingml/2006/main" xmlns:r="http://schemas.openxmlformats.org/officeDocument/2006/relationships" xmlns:p="http://schemas.openxmlformats.org/presentationml/2006/main">
   <p:cSld>
+    <p:bg>
+      <p:bgPr>
+        <a:blipFill dpi="0" rotWithShape="1">
+          <a:blip r:embed="rId2">
+            <a:lum/>
+          </a:blip>
+          <a:srcRect/>
+          <a:stretch>
+            <a:fillRect t="-20000" b="-20000"/>
+          </a:stretch>
+        </a:blipFill>
+        <a:effectLst/>
+      </p:bgPr>
+    </p:bg>
     <p:spTree>
       <p:nvGrpSpPr>
         <p:cNvPr id="1" name=""/>
@@ -4425,7 +4159,62 @@
       </p:grpSpPr>
       <p:sp>
         <p:nvSpPr>
-          <p:cNvPr id="2" name="Заголовок 1">
+          <p:cNvPr id="4" name="Прямоугольник 3"/>
+          <p:cNvSpPr/>
+          <p:nvPr/>
+        </p:nvSpPr>
+        <p:spPr>
+          <a:xfrm>
+            <a:off x="539813" y="540268"/>
+            <a:ext cx="11160000" cy="5760000"/>
+          </a:xfrm>
+          <a:prstGeom prst="rect">
+            <a:avLst/>
+          </a:prstGeom>
+          <a:solidFill>
+            <a:schemeClr val="tx1"/>
+          </a:solidFill>
+          <a:ln w="63500">
+            <a:solidFill>
+              <a:schemeClr val="accent6">
+                <a:lumMod val="75000"/>
+              </a:schemeClr>
+            </a:solidFill>
+          </a:ln>
+        </p:spPr>
+        <p:style>
+          <a:lnRef idx="2">
+            <a:schemeClr val="accent1">
+              <a:shade val="50000"/>
+            </a:schemeClr>
+          </a:lnRef>
+          <a:fillRef idx="1">
+            <a:schemeClr val="accent1"/>
+          </a:fillRef>
+          <a:effectRef idx="0">
+            <a:schemeClr val="accent1"/>
+          </a:effectRef>
+          <a:fontRef idx="minor">
+            <a:schemeClr val="lt1"/>
+          </a:fontRef>
+        </p:style>
+        <p:txBody>
+          <a:bodyPr rot="0" spcFirstLastPara="0" vertOverflow="overflow" horzOverflow="overflow" vert="horz" wrap="square" lIns="91797" tIns="45899" rIns="91797" bIns="45899" numCol="1" spcCol="0" rtlCol="0" fromWordArt="0" anchor="ctr" anchorCtr="0" forceAA="0" compatLnSpc="1">
+            <a:prstTxWarp prst="textNoShape">
+              <a:avLst/>
+            </a:prstTxWarp>
+            <a:noAutofit/>
+          </a:bodyPr>
+          <a:lstStyle/>
+          <a:p>
+            <a:pPr algn="ctr"/>
+            <a:endParaRPr lang="ru-RU" sz="1807" dirty="0"/>
+          </a:p>
+        </p:txBody>
+      </p:sp>
+      <p:sp>
+        <p:nvSpPr>
+          <p:cNvPr id="5" name="Заголовок 1">
             <a:extLst>
               <a:ext uri="{FF2B5EF4-FFF2-40B4-BE49-F238E27FC236}">
                 <a16:creationId xmlns:a16="http://schemas.microsoft.com/office/drawing/2014/main" id="{6D8728E5-634E-46B1-9637-28E8C9DBD738}"/>
@@ -4441,8 +4230,8 @@
         </p:nvSpPr>
         <p:spPr>
           <a:xfrm>
-            <a:off x="4146884" y="0"/>
-            <a:ext cx="3898232" cy="1325563"/>
+            <a:off x="3959813" y="540268"/>
+            <a:ext cx="4320000" cy="1080000"/>
           </a:xfrm>
         </p:spPr>
         <p:txBody>
@@ -4451,10 +4240,663 @@
           </a:bodyPr>
           <a:lstStyle/>
           <a:p>
-            <a:r>
-              <a:rPr lang="ru-RU" dirty="0"/>
-              <a:t>Базовые блоки</a:t>
-            </a:r>
+            <a:pPr algn="ctr"/>
+            <a:r>
+              <a:rPr lang="ru-RU" sz="4400" dirty="0" smtClean="0">
+                <a:solidFill>
+                  <a:srgbClr val="77F531"/>
+                </a:solidFill>
+                <a:latin typeface="RodchenkoCTT" pitchFamily="2" charset="0"/>
+                <a:cs typeface="Courier New" panose="02070309020205020404" pitchFamily="49" charset="0"/>
+              </a:rPr>
+              <a:t>БАЗОВЫЕ БЛОКИ</a:t>
+            </a:r>
+            <a:endParaRPr lang="ru-RU" sz="4400" dirty="0">
+              <a:solidFill>
+                <a:srgbClr val="77F531"/>
+              </a:solidFill>
+              <a:latin typeface="RodchenkoCTT" pitchFamily="2" charset="0"/>
+              <a:cs typeface="Courier New" panose="02070309020205020404" pitchFamily="49" charset="0"/>
+            </a:endParaRPr>
+          </a:p>
+        </p:txBody>
+      </p:sp>
+      <p:pic>
+        <p:nvPicPr>
+          <p:cNvPr id="6" name="Рисунок 5"/>
+          <p:cNvPicPr>
+            <a:picLocks noChangeAspect="1"/>
+          </p:cNvPicPr>
+          <p:nvPr/>
+        </p:nvPicPr>
+        <p:blipFill>
+          <a:blip r:embed="rId3" cstate="hqprint">
+            <a:duotone>
+              <a:prstClr val="black"/>
+              <a:schemeClr val="accent6">
+                <a:tint val="45000"/>
+                <a:satMod val="400000"/>
+              </a:schemeClr>
+            </a:duotone>
+            <a:extLst>
+              <a:ext uri="{BEBA8EAE-BF5A-486C-A8C5-ECC9F3942E4B}">
+                <a14:imgProps xmlns:a14="http://schemas.microsoft.com/office/drawing/2010/main">
+                  <a14:imgLayer r:embed="rId4">
+                    <a14:imgEffect>
+                      <a14:colorTemperature colorTemp="7200"/>
+                    </a14:imgEffect>
+                  </a14:imgLayer>
+                </a14:imgProps>
+              </a:ext>
+              <a:ext uri="{28A0092B-C50C-407E-A947-70E740481C1C}">
+                <a14:useLocalDpi xmlns:a14="http://schemas.microsoft.com/office/drawing/2010/main" val="0"/>
+              </a:ext>
+            </a:extLst>
+          </a:blip>
+          <a:stretch>
+            <a:fillRect/>
+          </a:stretch>
+        </p:blipFill>
+        <p:spPr>
+          <a:xfrm>
+            <a:off x="1799813" y="1800000"/>
+            <a:ext cx="1080000" cy="1080000"/>
+          </a:xfrm>
+          <a:prstGeom prst="rect">
+            <a:avLst/>
+          </a:prstGeom>
+        </p:spPr>
+      </p:pic>
+      <p:pic>
+        <p:nvPicPr>
+          <p:cNvPr id="7" name="Рисунок 6"/>
+          <p:cNvPicPr>
+            <a:picLocks noChangeAspect="1"/>
+          </p:cNvPicPr>
+          <p:nvPr/>
+        </p:nvPicPr>
+        <p:blipFill>
+          <a:blip r:embed="rId5" cstate="hqprint">
+            <a:duotone>
+              <a:prstClr val="black"/>
+              <a:schemeClr val="accent6">
+                <a:tint val="45000"/>
+                <a:satMod val="400000"/>
+              </a:schemeClr>
+            </a:duotone>
+            <a:extLst>
+              <a:ext uri="{28A0092B-C50C-407E-A947-70E740481C1C}">
+                <a14:useLocalDpi xmlns:a14="http://schemas.microsoft.com/office/drawing/2010/main" val="0"/>
+              </a:ext>
+            </a:extLst>
+          </a:blip>
+          <a:stretch>
+            <a:fillRect/>
+          </a:stretch>
+        </p:blipFill>
+        <p:spPr>
+          <a:xfrm>
+            <a:off x="4319813" y="1800000"/>
+            <a:ext cx="1080000" cy="1080000"/>
+          </a:xfrm>
+          <a:prstGeom prst="rect">
+            <a:avLst/>
+          </a:prstGeom>
+        </p:spPr>
+      </p:pic>
+      <p:pic>
+        <p:nvPicPr>
+          <p:cNvPr id="8" name="Рисунок 7"/>
+          <p:cNvPicPr>
+            <a:picLocks noChangeAspect="1"/>
+          </p:cNvPicPr>
+          <p:nvPr/>
+        </p:nvPicPr>
+        <p:blipFill>
+          <a:blip r:embed="rId6" cstate="print">
+            <a:duotone>
+              <a:prstClr val="black"/>
+              <a:schemeClr val="accent6">
+                <a:tint val="45000"/>
+                <a:satMod val="400000"/>
+              </a:schemeClr>
+            </a:duotone>
+            <a:extLst>
+              <a:ext uri="{28A0092B-C50C-407E-A947-70E740481C1C}">
+                <a14:useLocalDpi xmlns:a14="http://schemas.microsoft.com/office/drawing/2010/main" val="0"/>
+              </a:ext>
+            </a:extLst>
+          </a:blip>
+          <a:stretch>
+            <a:fillRect/>
+          </a:stretch>
+        </p:blipFill>
+        <p:spPr>
+          <a:xfrm>
+            <a:off x="9359813" y="1800000"/>
+            <a:ext cx="1080000" cy="1080000"/>
+          </a:xfrm>
+          <a:prstGeom prst="rect">
+            <a:avLst/>
+          </a:prstGeom>
+        </p:spPr>
+      </p:pic>
+      <p:pic>
+        <p:nvPicPr>
+          <p:cNvPr id="9" name="Рисунок 8"/>
+          <p:cNvPicPr>
+            <a:picLocks noChangeAspect="1"/>
+          </p:cNvPicPr>
+          <p:nvPr/>
+        </p:nvPicPr>
+        <p:blipFill>
+          <a:blip r:embed="rId7" cstate="hqprint">
+            <a:duotone>
+              <a:prstClr val="black"/>
+              <a:schemeClr val="accent6">
+                <a:tint val="45000"/>
+                <a:satMod val="400000"/>
+              </a:schemeClr>
+            </a:duotone>
+            <a:extLst>
+              <a:ext uri="{28A0092B-C50C-407E-A947-70E740481C1C}">
+                <a14:useLocalDpi xmlns:a14="http://schemas.microsoft.com/office/drawing/2010/main" val="0"/>
+              </a:ext>
+            </a:extLst>
+          </a:blip>
+          <a:stretch>
+            <a:fillRect/>
+          </a:stretch>
+        </p:blipFill>
+        <p:spPr>
+          <a:xfrm>
+            <a:off x="6839813" y="1800000"/>
+            <a:ext cx="1080000" cy="1080000"/>
+          </a:xfrm>
+          <a:prstGeom prst="rect">
+            <a:avLst/>
+          </a:prstGeom>
+        </p:spPr>
+      </p:pic>
+      <p:pic>
+        <p:nvPicPr>
+          <p:cNvPr id="10" name="Рисунок 9"/>
+          <p:cNvPicPr>
+            <a:picLocks noChangeAspect="1"/>
+          </p:cNvPicPr>
+          <p:nvPr/>
+        </p:nvPicPr>
+        <p:blipFill>
+          <a:blip r:embed="rId8" cstate="print">
+            <a:duotone>
+              <a:prstClr val="black"/>
+              <a:schemeClr val="accent6">
+                <a:tint val="45000"/>
+                <a:satMod val="400000"/>
+              </a:schemeClr>
+            </a:duotone>
+            <a:extLst>
+              <a:ext uri="{28A0092B-C50C-407E-A947-70E740481C1C}">
+                <a14:useLocalDpi xmlns:a14="http://schemas.microsoft.com/office/drawing/2010/main" val="0"/>
+              </a:ext>
+            </a:extLst>
+          </a:blip>
+          <a:stretch>
+            <a:fillRect/>
+          </a:stretch>
+        </p:blipFill>
+        <p:spPr>
+          <a:xfrm>
+            <a:off x="8099813" y="3960000"/>
+            <a:ext cx="1080000" cy="1080000"/>
+          </a:xfrm>
+          <a:prstGeom prst="rect">
+            <a:avLst/>
+          </a:prstGeom>
+        </p:spPr>
+      </p:pic>
+      <p:pic>
+        <p:nvPicPr>
+          <p:cNvPr id="11" name="Рисунок 10"/>
+          <p:cNvPicPr>
+            <a:picLocks noChangeAspect="1"/>
+          </p:cNvPicPr>
+          <p:nvPr/>
+        </p:nvPicPr>
+        <p:blipFill>
+          <a:blip r:embed="rId9" cstate="hqprint">
+            <a:duotone>
+              <a:prstClr val="black"/>
+              <a:schemeClr val="accent6">
+                <a:tint val="45000"/>
+                <a:satMod val="400000"/>
+              </a:schemeClr>
+            </a:duotone>
+            <a:extLst>
+              <a:ext uri="{28A0092B-C50C-407E-A947-70E740481C1C}">
+                <a14:useLocalDpi xmlns:a14="http://schemas.microsoft.com/office/drawing/2010/main" val="0"/>
+              </a:ext>
+            </a:extLst>
+          </a:blip>
+          <a:stretch>
+            <a:fillRect/>
+          </a:stretch>
+        </p:blipFill>
+        <p:spPr>
+          <a:xfrm>
+            <a:off x="5579813" y="3960000"/>
+            <a:ext cx="1080000" cy="1080000"/>
+          </a:xfrm>
+          <a:prstGeom prst="rect">
+            <a:avLst/>
+          </a:prstGeom>
+        </p:spPr>
+      </p:pic>
+      <p:pic>
+        <p:nvPicPr>
+          <p:cNvPr id="12" name="Рисунок 11"/>
+          <p:cNvPicPr>
+            <a:picLocks noChangeAspect="1"/>
+          </p:cNvPicPr>
+          <p:nvPr/>
+        </p:nvPicPr>
+        <p:blipFill>
+          <a:blip r:embed="rId10" cstate="hqprint">
+            <a:duotone>
+              <a:prstClr val="black"/>
+              <a:schemeClr val="accent6">
+                <a:tint val="45000"/>
+                <a:satMod val="400000"/>
+              </a:schemeClr>
+            </a:duotone>
+            <a:extLst>
+              <a:ext uri="{28A0092B-C50C-407E-A947-70E740481C1C}">
+                <a14:useLocalDpi xmlns:a14="http://schemas.microsoft.com/office/drawing/2010/main" val="0"/>
+              </a:ext>
+            </a:extLst>
+          </a:blip>
+          <a:stretch>
+            <a:fillRect/>
+          </a:stretch>
+        </p:blipFill>
+        <p:spPr>
+          <a:xfrm>
+            <a:off x="3059813" y="3960000"/>
+            <a:ext cx="1080000" cy="1080000"/>
+          </a:xfrm>
+          <a:prstGeom prst="rect">
+            <a:avLst/>
+          </a:prstGeom>
+        </p:spPr>
+      </p:pic>
+      <p:sp>
+        <p:nvSpPr>
+          <p:cNvPr id="13" name="TextBox 12"/>
+          <p:cNvSpPr txBox="1"/>
+          <p:nvPr/>
+        </p:nvSpPr>
+        <p:spPr>
+          <a:xfrm>
+            <a:off x="1439813" y="2880000"/>
+            <a:ext cx="1800000" cy="360000"/>
+          </a:xfrm>
+          <a:prstGeom prst="rect">
+            <a:avLst/>
+          </a:prstGeom>
+        </p:spPr>
+        <p:txBody>
+          <a:bodyPr vert="horz" lIns="91440" tIns="45720" rIns="91440" bIns="45720" rtlCol="0" anchor="ctr">
+            <a:normAutofit fontScale="85000" lnSpcReduction="20000"/>
+          </a:bodyPr>
+          <a:lstStyle>
+            <a:lvl1pPr algn="ctr" defTabSz="912114">
+              <a:lnSpc>
+                <a:spcPct val="90000"/>
+              </a:lnSpc>
+              <a:spcBef>
+                <a:spcPct val="0"/>
+              </a:spcBef>
+              <a:buNone/>
+              <a:defRPr sz="4400">
+                <a:solidFill>
+                  <a:srgbClr val="77F531"/>
+                </a:solidFill>
+                <a:latin typeface="RodchenkoCTT" pitchFamily="2" charset="0"/>
+                <a:ea typeface="+mj-ea"/>
+                <a:cs typeface="Courier New" panose="02070309020205020404" pitchFamily="49" charset="0"/>
+              </a:defRPr>
+            </a:lvl1pPr>
+          </a:lstStyle>
+          <a:p>
+            <a:r>
+              <a:rPr lang="ru-RU" sz="2800" dirty="0" smtClean="0"/>
+              <a:t>инвертор</a:t>
+            </a:r>
+            <a:endParaRPr lang="ru-RU" sz="2800" dirty="0"/>
+          </a:p>
+        </p:txBody>
+      </p:sp>
+      <p:sp>
+        <p:nvSpPr>
+          <p:cNvPr id="14" name="TextBox 13"/>
+          <p:cNvSpPr txBox="1"/>
+          <p:nvPr/>
+        </p:nvSpPr>
+        <p:spPr>
+          <a:xfrm>
+            <a:off x="2699813" y="5040000"/>
+            <a:ext cx="1800000" cy="360000"/>
+          </a:xfrm>
+          <a:prstGeom prst="rect">
+            <a:avLst/>
+          </a:prstGeom>
+        </p:spPr>
+        <p:txBody>
+          <a:bodyPr vert="horz" lIns="91440" tIns="45720" rIns="91440" bIns="45720" rtlCol="0" anchor="ctr">
+            <a:normAutofit fontScale="85000" lnSpcReduction="20000"/>
+          </a:bodyPr>
+          <a:lstStyle>
+            <a:lvl1pPr algn="ctr" defTabSz="912114">
+              <a:lnSpc>
+                <a:spcPct val="90000"/>
+              </a:lnSpc>
+              <a:spcBef>
+                <a:spcPct val="0"/>
+              </a:spcBef>
+              <a:buNone/>
+              <a:defRPr sz="4400">
+                <a:solidFill>
+                  <a:srgbClr val="77F531"/>
+                </a:solidFill>
+                <a:latin typeface="RodchenkoCTT" pitchFamily="2" charset="0"/>
+                <a:ea typeface="+mj-ea"/>
+                <a:cs typeface="Courier New" panose="02070309020205020404" pitchFamily="49" charset="0"/>
+              </a:defRPr>
+            </a:lvl1pPr>
+          </a:lstStyle>
+          <a:p>
+            <a:r>
+              <a:rPr lang="ru-RU" sz="2800" dirty="0" err="1" smtClean="0"/>
+              <a:t>конъюнктор</a:t>
+            </a:r>
+            <a:endParaRPr lang="ru-RU" sz="2800" dirty="0"/>
+          </a:p>
+        </p:txBody>
+      </p:sp>
+      <p:sp>
+        <p:nvSpPr>
+          <p:cNvPr id="15" name="Прямоугольник 14"/>
+          <p:cNvSpPr/>
+          <p:nvPr/>
+        </p:nvSpPr>
+        <p:spPr>
+          <a:xfrm>
+            <a:off x="5219813" y="5039732"/>
+            <a:ext cx="1800000" cy="360000"/>
+          </a:xfrm>
+          <a:prstGeom prst="rect">
+            <a:avLst/>
+          </a:prstGeom>
+        </p:spPr>
+        <p:txBody>
+          <a:bodyPr vert="horz" lIns="91440" tIns="45720" rIns="91440" bIns="45720" rtlCol="0" anchor="ctr">
+            <a:noAutofit/>
+          </a:bodyPr>
+          <a:lstStyle/>
+          <a:p>
+            <a:pPr algn="ctr" defTabSz="912114">
+              <a:lnSpc>
+                <a:spcPct val="90000"/>
+              </a:lnSpc>
+              <a:spcBef>
+                <a:spcPct val="0"/>
+              </a:spcBef>
+            </a:pPr>
+            <a:r>
+              <a:rPr lang="ru-RU" sz="2400" dirty="0" err="1">
+                <a:solidFill>
+                  <a:srgbClr val="77F531"/>
+                </a:solidFill>
+                <a:latin typeface="RodchenkoCTT" pitchFamily="2" charset="0"/>
+                <a:ea typeface="+mj-ea"/>
+                <a:cs typeface="Courier New" panose="02070309020205020404" pitchFamily="49" charset="0"/>
+              </a:rPr>
+              <a:t>дизъюнктор</a:t>
+            </a:r>
+            <a:endParaRPr lang="ru-RU" sz="2400" dirty="0">
+              <a:solidFill>
+                <a:srgbClr val="77F531"/>
+              </a:solidFill>
+              <a:latin typeface="RodchenkoCTT" pitchFamily="2" charset="0"/>
+              <a:ea typeface="+mj-ea"/>
+              <a:cs typeface="Courier New" panose="02070309020205020404" pitchFamily="49" charset="0"/>
+            </a:endParaRPr>
+          </a:p>
+        </p:txBody>
+      </p:sp>
+      <p:sp>
+        <p:nvSpPr>
+          <p:cNvPr id="18" name="Прямоугольник 17"/>
+          <p:cNvSpPr/>
+          <p:nvPr/>
+        </p:nvSpPr>
+        <p:spPr>
+          <a:xfrm>
+            <a:off x="3960000" y="2879464"/>
+            <a:ext cx="1800000" cy="757130"/>
+          </a:xfrm>
+          <a:prstGeom prst="rect">
+            <a:avLst/>
+          </a:prstGeom>
+        </p:spPr>
+        <p:txBody>
+          <a:bodyPr vert="horz" lIns="91440" tIns="45720" rIns="91440" bIns="45720" rtlCol="0" anchor="ctr">
+            <a:spAutoFit/>
+          </a:bodyPr>
+          <a:lstStyle/>
+          <a:p>
+            <a:pPr algn="ctr" defTabSz="912114">
+              <a:lnSpc>
+                <a:spcPct val="90000"/>
+              </a:lnSpc>
+              <a:spcBef>
+                <a:spcPct val="0"/>
+              </a:spcBef>
+            </a:pPr>
+            <a:r>
+              <a:rPr lang="ru-RU" sz="2400" dirty="0" smtClean="0">
+                <a:solidFill>
+                  <a:srgbClr val="77F531"/>
+                </a:solidFill>
+                <a:latin typeface="RodchenkoCTT" pitchFamily="2" charset="0"/>
+                <a:ea typeface="+mj-ea"/>
+                <a:cs typeface="Courier New" panose="02070309020205020404" pitchFamily="49" charset="0"/>
+              </a:rPr>
+              <a:t>инверсный </a:t>
+            </a:r>
+            <a:r>
+              <a:rPr lang="ru-RU" sz="2400" dirty="0" err="1" smtClean="0">
+                <a:solidFill>
+                  <a:srgbClr val="77F531"/>
+                </a:solidFill>
+                <a:latin typeface="RodchenkoCTT" pitchFamily="2" charset="0"/>
+                <a:ea typeface="+mj-ea"/>
+                <a:cs typeface="Courier New" panose="02070309020205020404" pitchFamily="49" charset="0"/>
+              </a:rPr>
+              <a:t>конъюнктор</a:t>
+            </a:r>
+            <a:endParaRPr lang="ru-RU" sz="2400" dirty="0">
+              <a:solidFill>
+                <a:srgbClr val="77F531"/>
+              </a:solidFill>
+              <a:latin typeface="RodchenkoCTT" pitchFamily="2" charset="0"/>
+              <a:ea typeface="+mj-ea"/>
+              <a:cs typeface="Courier New" panose="02070309020205020404" pitchFamily="49" charset="0"/>
+            </a:endParaRPr>
+          </a:p>
+        </p:txBody>
+      </p:sp>
+      <p:sp>
+        <p:nvSpPr>
+          <p:cNvPr id="20" name="Прямоугольник 19"/>
+          <p:cNvSpPr/>
+          <p:nvPr/>
+        </p:nvSpPr>
+        <p:spPr>
+          <a:xfrm>
+            <a:off x="6480000" y="2879464"/>
+            <a:ext cx="1800000" cy="757130"/>
+          </a:xfrm>
+          <a:prstGeom prst="rect">
+            <a:avLst/>
+          </a:prstGeom>
+        </p:spPr>
+        <p:txBody>
+          <a:bodyPr vert="horz" lIns="91440" tIns="45720" rIns="91440" bIns="45720" rtlCol="0" anchor="ctr">
+            <a:spAutoFit/>
+          </a:bodyPr>
+          <a:lstStyle/>
+          <a:p>
+            <a:pPr algn="ctr" defTabSz="912114">
+              <a:lnSpc>
+                <a:spcPct val="90000"/>
+              </a:lnSpc>
+              <a:spcBef>
+                <a:spcPct val="0"/>
+              </a:spcBef>
+            </a:pPr>
+            <a:r>
+              <a:rPr lang="ru-RU" sz="2400" dirty="0" smtClean="0">
+                <a:solidFill>
+                  <a:srgbClr val="77F531"/>
+                </a:solidFill>
+                <a:latin typeface="RodchenkoCTT" pitchFamily="2" charset="0"/>
+                <a:ea typeface="+mj-ea"/>
+                <a:cs typeface="Courier New" panose="02070309020205020404" pitchFamily="49" charset="0"/>
+              </a:rPr>
+              <a:t>инверсный </a:t>
+            </a:r>
+            <a:r>
+              <a:rPr lang="ru-RU" sz="2400" dirty="0" err="1" smtClean="0">
+                <a:solidFill>
+                  <a:srgbClr val="77F531"/>
+                </a:solidFill>
+                <a:latin typeface="RodchenkoCTT" pitchFamily="2" charset="0"/>
+                <a:ea typeface="+mj-ea"/>
+                <a:cs typeface="Courier New" panose="02070309020205020404" pitchFamily="49" charset="0"/>
+              </a:rPr>
+              <a:t>конъюнктор</a:t>
+            </a:r>
+            <a:endParaRPr lang="ru-RU" sz="2400" dirty="0">
+              <a:solidFill>
+                <a:srgbClr val="77F531"/>
+              </a:solidFill>
+              <a:latin typeface="RodchenkoCTT" pitchFamily="2" charset="0"/>
+              <a:ea typeface="+mj-ea"/>
+              <a:cs typeface="Courier New" panose="02070309020205020404" pitchFamily="49" charset="0"/>
+            </a:endParaRPr>
+          </a:p>
+        </p:txBody>
+      </p:sp>
+      <p:sp>
+        <p:nvSpPr>
+          <p:cNvPr id="21" name="Прямоугольник 20"/>
+          <p:cNvSpPr/>
+          <p:nvPr/>
+        </p:nvSpPr>
+        <p:spPr>
+          <a:xfrm>
+            <a:off x="7739813" y="5039732"/>
+            <a:ext cx="1800000" cy="757130"/>
+          </a:xfrm>
+          <a:prstGeom prst="rect">
+            <a:avLst/>
+          </a:prstGeom>
+        </p:spPr>
+        <p:txBody>
+          <a:bodyPr vert="horz" lIns="91440" tIns="45720" rIns="91440" bIns="45720" rtlCol="0" anchor="ctr">
+            <a:spAutoFit/>
+          </a:bodyPr>
+          <a:lstStyle/>
+          <a:p>
+            <a:pPr algn="ctr" defTabSz="912114">
+              <a:lnSpc>
+                <a:spcPct val="90000"/>
+              </a:lnSpc>
+              <a:spcBef>
+                <a:spcPct val="0"/>
+              </a:spcBef>
+            </a:pPr>
+            <a:r>
+              <a:rPr lang="ru-RU" sz="2400" dirty="0" smtClean="0">
+                <a:solidFill>
+                  <a:srgbClr val="77F531"/>
+                </a:solidFill>
+                <a:latin typeface="RodchenkoCTT" pitchFamily="2" charset="0"/>
+                <a:ea typeface="+mj-ea"/>
+                <a:cs typeface="Courier New" panose="02070309020205020404" pitchFamily="49" charset="0"/>
+              </a:rPr>
+              <a:t>сумматор по модулю 2</a:t>
+            </a:r>
+            <a:endParaRPr lang="ru-RU" sz="2400" dirty="0">
+              <a:solidFill>
+                <a:srgbClr val="77F531"/>
+              </a:solidFill>
+              <a:latin typeface="RodchenkoCTT" pitchFamily="2" charset="0"/>
+              <a:ea typeface="+mj-ea"/>
+              <a:cs typeface="Courier New" panose="02070309020205020404" pitchFamily="49" charset="0"/>
+            </a:endParaRPr>
+          </a:p>
+        </p:txBody>
+      </p:sp>
+      <p:sp>
+        <p:nvSpPr>
+          <p:cNvPr id="22" name="Прямоугольник 21"/>
+          <p:cNvSpPr/>
+          <p:nvPr/>
+        </p:nvSpPr>
+        <p:spPr>
+          <a:xfrm>
+            <a:off x="8999813" y="2880000"/>
+            <a:ext cx="1800000" cy="1080000"/>
+          </a:xfrm>
+          <a:prstGeom prst="rect">
+            <a:avLst/>
+          </a:prstGeom>
+        </p:spPr>
+        <p:txBody>
+          <a:bodyPr vert="horz" lIns="91440" tIns="45720" rIns="91440" bIns="45720" rtlCol="0" anchor="ctr">
+            <a:spAutoFit/>
+          </a:bodyPr>
+          <a:lstStyle/>
+          <a:p>
+            <a:pPr algn="ctr" defTabSz="912114">
+              <a:lnSpc>
+                <a:spcPct val="90000"/>
+              </a:lnSpc>
+              <a:spcBef>
+                <a:spcPct val="0"/>
+              </a:spcBef>
+            </a:pPr>
+            <a:r>
+              <a:rPr lang="ru-RU" sz="2400" dirty="0" smtClean="0">
+                <a:solidFill>
+                  <a:srgbClr val="77F531"/>
+                </a:solidFill>
+                <a:latin typeface="RodchenkoCTT" pitchFamily="2" charset="0"/>
+                <a:ea typeface="+mj-ea"/>
+                <a:cs typeface="Courier New" panose="02070309020205020404" pitchFamily="49" charset="0"/>
+              </a:rPr>
+              <a:t>инверсный сумматор по модулю 2</a:t>
+            </a:r>
+            <a:endParaRPr lang="ru-RU" sz="2400" dirty="0">
+              <a:solidFill>
+                <a:srgbClr val="77F531"/>
+              </a:solidFill>
+              <a:latin typeface="RodchenkoCTT" pitchFamily="2" charset="0"/>
+              <a:ea typeface="+mj-ea"/>
+              <a:cs typeface="Courier New" panose="02070309020205020404" pitchFamily="49" charset="0"/>
+            </a:endParaRPr>
           </a:p>
         </p:txBody>
       </p:sp>
@@ -4468,12 +4910,33 @@
   <p:clrMapOvr>
     <a:masterClrMapping/>
   </p:clrMapOvr>
+  <p:timing>
+    <p:tnLst>
+      <p:par>
+        <p:cTn id="1" dur="indefinite" restart="never" nodeType="tmRoot"/>
+      </p:par>
+    </p:tnLst>
+  </p:timing>
 </p:sld>
 </file>
 
 <file path=ppt/slides/slide5.xml><?xml version="1.0" encoding="utf-8"?>
 <p:sld xmlns:a="http://schemas.openxmlformats.org/drawingml/2006/main" xmlns:r="http://schemas.openxmlformats.org/officeDocument/2006/relationships" xmlns:p="http://schemas.openxmlformats.org/presentationml/2006/main">
   <p:cSld>
+    <p:bg>
+      <p:bgPr>
+        <a:blipFill dpi="0" rotWithShape="1">
+          <a:blip r:embed="rId3">
+            <a:lum/>
+          </a:blip>
+          <a:srcRect/>
+          <a:stretch>
+            <a:fillRect t="-20000" b="-20000"/>
+          </a:stretch>
+        </a:blipFill>
+        <a:effectLst/>
+      </p:bgPr>
+    </p:bg>
     <p:spTree>
       <p:nvGrpSpPr>
         <p:cNvPr id="1" name=""/>
@@ -4490,7 +4953,62 @@
       </p:grpSpPr>
       <p:sp>
         <p:nvSpPr>
-          <p:cNvPr id="2" name="Заголовок 1">
+          <p:cNvPr id="4" name="Прямоугольник 3"/>
+          <p:cNvSpPr/>
+          <p:nvPr/>
+        </p:nvSpPr>
+        <p:spPr>
+          <a:xfrm>
+            <a:off x="539813" y="540269"/>
+            <a:ext cx="11160000" cy="5760000"/>
+          </a:xfrm>
+          <a:prstGeom prst="rect">
+            <a:avLst/>
+          </a:prstGeom>
+          <a:solidFill>
+            <a:schemeClr val="tx1"/>
+          </a:solidFill>
+          <a:ln w="63500">
+            <a:solidFill>
+              <a:schemeClr val="accent6">
+                <a:lumMod val="75000"/>
+              </a:schemeClr>
+            </a:solidFill>
+          </a:ln>
+        </p:spPr>
+        <p:style>
+          <a:lnRef idx="2">
+            <a:schemeClr val="accent1">
+              <a:shade val="50000"/>
+            </a:schemeClr>
+          </a:lnRef>
+          <a:fillRef idx="1">
+            <a:schemeClr val="accent1"/>
+          </a:fillRef>
+          <a:effectRef idx="0">
+            <a:schemeClr val="accent1"/>
+          </a:effectRef>
+          <a:fontRef idx="minor">
+            <a:schemeClr val="lt1"/>
+          </a:fontRef>
+        </p:style>
+        <p:txBody>
+          <a:bodyPr rot="0" spcFirstLastPara="0" vertOverflow="overflow" horzOverflow="overflow" vert="horz" wrap="square" lIns="91797" tIns="45899" rIns="91797" bIns="45899" numCol="1" spcCol="0" rtlCol="0" fromWordArt="0" anchor="ctr" anchorCtr="0" forceAA="0" compatLnSpc="1">
+            <a:prstTxWarp prst="textNoShape">
+              <a:avLst/>
+            </a:prstTxWarp>
+            <a:noAutofit/>
+          </a:bodyPr>
+          <a:lstStyle/>
+          <a:p>
+            <a:pPr algn="ctr"/>
+            <a:endParaRPr lang="ru-RU" sz="1807"/>
+          </a:p>
+        </p:txBody>
+      </p:sp>
+      <p:sp>
+        <p:nvSpPr>
+          <p:cNvPr id="5" name="Заголовок 1">
             <a:extLst>
               <a:ext uri="{FF2B5EF4-FFF2-40B4-BE49-F238E27FC236}">
                 <a16:creationId xmlns:a16="http://schemas.microsoft.com/office/drawing/2014/main" id="{6D8728E5-634E-46B1-9637-28E8C9DBD738}"/>
@@ -4506,8 +5024,8 @@
         </p:nvSpPr>
         <p:spPr>
           <a:xfrm>
-            <a:off x="2767262" y="0"/>
-            <a:ext cx="6657475" cy="1325563"/>
+            <a:off x="2519813" y="540268"/>
+            <a:ext cx="7200000" cy="1080000"/>
           </a:xfrm>
         </p:spPr>
         <p:txBody>
@@ -4517,28 +5035,62 @@
           <a:lstStyle/>
           <a:p>
             <a:r>
-              <a:rPr lang="ru-RU" dirty="0"/>
-              <a:t>Дополнительные действия</a:t>
-            </a:r>
+              <a:rPr lang="ru-RU" sz="4400" dirty="0" smtClean="0">
+                <a:solidFill>
+                  <a:srgbClr val="77F531"/>
+                </a:solidFill>
+                <a:latin typeface="RodchenkoCTT" pitchFamily="2" charset="0"/>
+                <a:cs typeface="Courier New" panose="02070309020205020404" pitchFamily="49" charset="0"/>
+              </a:rPr>
+              <a:t>ДОПОЛНИТЕЛЬНЫЕ ДЕЙСТВИЯ</a:t>
+            </a:r>
+            <a:endParaRPr lang="ru-RU" sz="4400" dirty="0">
+              <a:solidFill>
+                <a:srgbClr val="77F531"/>
+              </a:solidFill>
+              <a:latin typeface="RodchenkoCTT" pitchFamily="2" charset="0"/>
+              <a:cs typeface="Courier New" panose="02070309020205020404" pitchFamily="49" charset="0"/>
+            </a:endParaRPr>
           </a:p>
         </p:txBody>
       </p:sp>
     </p:spTree>
     <p:extLst>
       <p:ext uri="{BB962C8B-B14F-4D97-AF65-F5344CB8AC3E}">
-        <p14:creationId xmlns:p14="http://schemas.microsoft.com/office/powerpoint/2010/main" val="2512793425"/>
+        <p14:creationId xmlns:p14="http://schemas.microsoft.com/office/powerpoint/2010/main" val="2679122907"/>
       </p:ext>
     </p:extLst>
   </p:cSld>
   <p:clrMapOvr>
-    <a:masterClrMapping/>
+    <a:overrideClrMapping bg1="lt1" tx1="dk1" bg2="lt2" tx2="dk2" accent1="accent1" accent2="accent2" accent3="accent3" accent4="accent4" accent5="accent5" accent6="accent6" hlink="hlink" folHlink="folHlink"/>
   </p:clrMapOvr>
+  <p:timing>
+    <p:tnLst>
+      <p:par>
+        <p:cTn id="1" dur="indefinite" restart="never" nodeType="tmRoot"/>
+      </p:par>
+    </p:tnLst>
+  </p:timing>
 </p:sld>
 </file>
 
 <file path=ppt/slides/slide6.xml><?xml version="1.0" encoding="utf-8"?>
 <p:sld xmlns:a="http://schemas.openxmlformats.org/drawingml/2006/main" xmlns:r="http://schemas.openxmlformats.org/officeDocument/2006/relationships" xmlns:p="http://schemas.openxmlformats.org/presentationml/2006/main">
   <p:cSld>
+    <p:bg>
+      <p:bgPr>
+        <a:blipFill dpi="0" rotWithShape="1">
+          <a:blip r:embed="rId3">
+            <a:lum/>
+          </a:blip>
+          <a:srcRect/>
+          <a:stretch>
+            <a:fillRect t="-20000" b="-20000"/>
+          </a:stretch>
+        </a:blipFill>
+        <a:effectLst/>
+      </p:bgPr>
+    </p:bg>
     <p:spTree>
       <p:nvGrpSpPr>
         <p:cNvPr id="1" name=""/>
@@ -4555,7 +5107,62 @@
       </p:grpSpPr>
       <p:sp>
         <p:nvSpPr>
-          <p:cNvPr id="2" name="Заголовок 1">
+          <p:cNvPr id="4" name="Прямоугольник 3"/>
+          <p:cNvSpPr/>
+          <p:nvPr/>
+        </p:nvSpPr>
+        <p:spPr>
+          <a:xfrm>
+            <a:off x="539813" y="540269"/>
+            <a:ext cx="11160000" cy="5760000"/>
+          </a:xfrm>
+          <a:prstGeom prst="rect">
+            <a:avLst/>
+          </a:prstGeom>
+          <a:solidFill>
+            <a:schemeClr val="tx1"/>
+          </a:solidFill>
+          <a:ln w="63500">
+            <a:solidFill>
+              <a:schemeClr val="accent6">
+                <a:lumMod val="75000"/>
+              </a:schemeClr>
+            </a:solidFill>
+          </a:ln>
+        </p:spPr>
+        <p:style>
+          <a:lnRef idx="2">
+            <a:schemeClr val="accent1">
+              <a:shade val="50000"/>
+            </a:schemeClr>
+          </a:lnRef>
+          <a:fillRef idx="1">
+            <a:schemeClr val="accent1"/>
+          </a:fillRef>
+          <a:effectRef idx="0">
+            <a:schemeClr val="accent1"/>
+          </a:effectRef>
+          <a:fontRef idx="minor">
+            <a:schemeClr val="lt1"/>
+          </a:fontRef>
+        </p:style>
+        <p:txBody>
+          <a:bodyPr rot="0" spcFirstLastPara="0" vertOverflow="overflow" horzOverflow="overflow" vert="horz" wrap="square" lIns="91797" tIns="45899" rIns="91797" bIns="45899" numCol="1" spcCol="0" rtlCol="0" fromWordArt="0" anchor="ctr" anchorCtr="0" forceAA="0" compatLnSpc="1">
+            <a:prstTxWarp prst="textNoShape">
+              <a:avLst/>
+            </a:prstTxWarp>
+            <a:noAutofit/>
+          </a:bodyPr>
+          <a:lstStyle/>
+          <a:p>
+            <a:pPr algn="ctr"/>
+            <a:endParaRPr lang="ru-RU" sz="1807"/>
+          </a:p>
+        </p:txBody>
+      </p:sp>
+      <p:sp>
+        <p:nvSpPr>
+          <p:cNvPr id="5" name="Заголовок 1">
             <a:extLst>
               <a:ext uri="{FF2B5EF4-FFF2-40B4-BE49-F238E27FC236}">
                 <a16:creationId xmlns:a16="http://schemas.microsoft.com/office/drawing/2014/main" id="{6D8728E5-634E-46B1-9637-28E8C9DBD738}"/>
@@ -4571,8 +5178,8 @@
         </p:nvSpPr>
         <p:spPr>
           <a:xfrm>
-            <a:off x="4102768" y="0"/>
-            <a:ext cx="3986463" cy="1325563"/>
+            <a:off x="3959813" y="540268"/>
+            <a:ext cx="4320000" cy="1080000"/>
           </a:xfrm>
         </p:spPr>
         <p:txBody>
@@ -4581,29 +5188,64 @@
           </a:bodyPr>
           <a:lstStyle/>
           <a:p>
-            <a:r>
-              <a:rPr lang="ru-RU" dirty="0"/>
-              <a:t>Подсчёт очков</a:t>
-            </a:r>
+            <a:pPr algn="ctr"/>
+            <a:r>
+              <a:rPr lang="ru-RU" sz="4400" dirty="0" smtClean="0">
+                <a:solidFill>
+                  <a:srgbClr val="77F531"/>
+                </a:solidFill>
+                <a:latin typeface="RodchenkoCTT" pitchFamily="2" charset="0"/>
+                <a:cs typeface="Courier New" panose="02070309020205020404" pitchFamily="49" charset="0"/>
+              </a:rPr>
+              <a:t>ПОДСЧЁТ ОЧКОВ</a:t>
+            </a:r>
+            <a:endParaRPr lang="ru-RU" sz="4400" dirty="0">
+              <a:solidFill>
+                <a:srgbClr val="77F531"/>
+              </a:solidFill>
+              <a:latin typeface="RodchenkoCTT" pitchFamily="2" charset="0"/>
+              <a:cs typeface="Courier New" panose="02070309020205020404" pitchFamily="49" charset="0"/>
+            </a:endParaRPr>
           </a:p>
         </p:txBody>
       </p:sp>
     </p:spTree>
     <p:extLst>
       <p:ext uri="{BB962C8B-B14F-4D97-AF65-F5344CB8AC3E}">
-        <p14:creationId xmlns:p14="http://schemas.microsoft.com/office/powerpoint/2010/main" val="3552061907"/>
+        <p14:creationId xmlns:p14="http://schemas.microsoft.com/office/powerpoint/2010/main" val="1416624286"/>
       </p:ext>
     </p:extLst>
   </p:cSld>
   <p:clrMapOvr>
-    <a:masterClrMapping/>
+    <a:overrideClrMapping bg1="lt1" tx1="dk1" bg2="lt2" tx2="dk2" accent1="accent1" accent2="accent2" accent3="accent3" accent4="accent4" accent5="accent5" accent6="accent6" hlink="hlink" folHlink="folHlink"/>
   </p:clrMapOvr>
+  <p:timing>
+    <p:tnLst>
+      <p:par>
+        <p:cTn id="1" dur="indefinite" restart="never" nodeType="tmRoot"/>
+      </p:par>
+    </p:tnLst>
+  </p:timing>
 </p:sld>
 </file>
 
 <file path=ppt/slides/slide7.xml><?xml version="1.0" encoding="utf-8"?>
 <p:sld xmlns:a="http://schemas.openxmlformats.org/drawingml/2006/main" xmlns:r="http://schemas.openxmlformats.org/officeDocument/2006/relationships" xmlns:p="http://schemas.openxmlformats.org/presentationml/2006/main">
   <p:cSld>
+    <p:bg>
+      <p:bgPr>
+        <a:blipFill dpi="0" rotWithShape="1">
+          <a:blip r:embed="rId3">
+            <a:lum/>
+          </a:blip>
+          <a:srcRect/>
+          <a:stretch>
+            <a:fillRect t="-20000" b="-20000"/>
+          </a:stretch>
+        </a:blipFill>
+        <a:effectLst/>
+      </p:bgPr>
+    </p:bg>
     <p:spTree>
       <p:nvGrpSpPr>
         <p:cNvPr id="1" name=""/>
@@ -4620,7 +5262,62 @@
       </p:grpSpPr>
       <p:sp>
         <p:nvSpPr>
-          <p:cNvPr id="2" name="Заголовок 1">
+          <p:cNvPr id="4" name="Прямоугольник 3"/>
+          <p:cNvSpPr/>
+          <p:nvPr/>
+        </p:nvSpPr>
+        <p:spPr>
+          <a:xfrm>
+            <a:off x="539813" y="540269"/>
+            <a:ext cx="11160000" cy="5760000"/>
+          </a:xfrm>
+          <a:prstGeom prst="rect">
+            <a:avLst/>
+          </a:prstGeom>
+          <a:solidFill>
+            <a:schemeClr val="tx1"/>
+          </a:solidFill>
+          <a:ln w="63500">
+            <a:solidFill>
+              <a:schemeClr val="accent6">
+                <a:lumMod val="75000"/>
+              </a:schemeClr>
+            </a:solidFill>
+          </a:ln>
+        </p:spPr>
+        <p:style>
+          <a:lnRef idx="2">
+            <a:schemeClr val="accent1">
+              <a:shade val="50000"/>
+            </a:schemeClr>
+          </a:lnRef>
+          <a:fillRef idx="1">
+            <a:schemeClr val="accent1"/>
+          </a:fillRef>
+          <a:effectRef idx="0">
+            <a:schemeClr val="accent1"/>
+          </a:effectRef>
+          <a:fontRef idx="minor">
+            <a:schemeClr val="lt1"/>
+          </a:fontRef>
+        </p:style>
+        <p:txBody>
+          <a:bodyPr rot="0" spcFirstLastPara="0" vertOverflow="overflow" horzOverflow="overflow" vert="horz" wrap="square" lIns="91797" tIns="45899" rIns="91797" bIns="45899" numCol="1" spcCol="0" rtlCol="0" fromWordArt="0" anchor="ctr" anchorCtr="0" forceAA="0" compatLnSpc="1">
+            <a:prstTxWarp prst="textNoShape">
+              <a:avLst/>
+            </a:prstTxWarp>
+            <a:noAutofit/>
+          </a:bodyPr>
+          <a:lstStyle/>
+          <a:p>
+            <a:pPr algn="ctr"/>
+            <a:endParaRPr lang="ru-RU" sz="1807"/>
+          </a:p>
+        </p:txBody>
+      </p:sp>
+      <p:sp>
+        <p:nvSpPr>
+          <p:cNvPr id="5" name="Заголовок 1">
             <a:extLst>
               <a:ext uri="{FF2B5EF4-FFF2-40B4-BE49-F238E27FC236}">
                 <a16:creationId xmlns:a16="http://schemas.microsoft.com/office/drawing/2014/main" id="{6D8728E5-634E-46B1-9637-28E8C9DBD738}"/>
@@ -4636,8 +5333,8 @@
         </p:nvSpPr>
         <p:spPr>
           <a:xfrm>
-            <a:off x="4676273" y="0"/>
-            <a:ext cx="2839453" cy="1325563"/>
+            <a:off x="3959813" y="540268"/>
+            <a:ext cx="4320000" cy="1080000"/>
           </a:xfrm>
         </p:spPr>
         <p:txBody>
@@ -4646,23 +5343,44 @@
           </a:bodyPr>
           <a:lstStyle/>
           <a:p>
-            <a:r>
-              <a:rPr lang="ru-RU" dirty="0"/>
-              <a:t>Песочница</a:t>
-            </a:r>
+            <a:pPr algn="ctr"/>
+            <a:r>
+              <a:rPr lang="ru-RU" sz="4400" dirty="0" smtClean="0">
+                <a:solidFill>
+                  <a:srgbClr val="77F531"/>
+                </a:solidFill>
+                <a:latin typeface="RodchenkoCTT" pitchFamily="2" charset="0"/>
+                <a:cs typeface="Courier New" panose="02070309020205020404" pitchFamily="49" charset="0"/>
+              </a:rPr>
+              <a:t>ПЕСОЧНИЦА</a:t>
+            </a:r>
+            <a:endParaRPr lang="ru-RU" sz="4400" dirty="0">
+              <a:solidFill>
+                <a:srgbClr val="77F531"/>
+              </a:solidFill>
+              <a:latin typeface="RodchenkoCTT" pitchFamily="2" charset="0"/>
+              <a:cs typeface="Courier New" panose="02070309020205020404" pitchFamily="49" charset="0"/>
+            </a:endParaRPr>
           </a:p>
         </p:txBody>
       </p:sp>
     </p:spTree>
     <p:extLst>
       <p:ext uri="{BB962C8B-B14F-4D97-AF65-F5344CB8AC3E}">
-        <p14:creationId xmlns:p14="http://schemas.microsoft.com/office/powerpoint/2010/main" val="966595111"/>
+        <p14:creationId xmlns:p14="http://schemas.microsoft.com/office/powerpoint/2010/main" val="2329914447"/>
       </p:ext>
     </p:extLst>
   </p:cSld>
   <p:clrMapOvr>
-    <a:masterClrMapping/>
+    <a:overrideClrMapping bg1="lt1" tx1="dk1" bg2="lt2" tx2="dk2" accent1="accent1" accent2="accent2" accent3="accent3" accent4="accent4" accent5="accent5" accent6="accent6" hlink="hlink" folHlink="folHlink"/>
   </p:clrMapOvr>
+  <p:timing>
+    <p:tnLst>
+      <p:par>
+        <p:cTn id="1" dur="indefinite" restart="never" nodeType="tmRoot"/>
+      </p:par>
+    </p:tnLst>
+  </p:timing>
 </p:sld>
 </file>
 
@@ -4701,8 +5419,8 @@
         </p:nvSpPr>
         <p:spPr>
           <a:xfrm>
-            <a:off x="4676273" y="0"/>
-            <a:ext cx="2839453" cy="1325563"/>
+            <a:off x="4694541" y="-22125"/>
+            <a:ext cx="2850545" cy="1330741"/>
           </a:xfrm>
         </p:spPr>
         <p:txBody>
@@ -4728,6 +5446,13 @@
   <p:clrMapOvr>
     <a:masterClrMapping/>
   </p:clrMapOvr>
+  <p:timing>
+    <p:tnLst>
+      <p:par>
+        <p:cTn id="1" dur="indefinite" restart="never" nodeType="tmRoot"/>
+      </p:par>
+    </p:tnLst>
+  </p:timing>
 </p:sld>
 </file>
 
@@ -4766,8 +5491,8 @@
         </p:nvSpPr>
         <p:spPr>
           <a:xfrm>
-            <a:off x="3695699" y="0"/>
-            <a:ext cx="4800601" cy="1325563"/>
+            <a:off x="3710137" y="-22125"/>
+            <a:ext cx="4819353" cy="1330741"/>
           </a:xfrm>
         </p:spPr>
         <p:txBody>
@@ -4799,7 +5524,7 @@
 <file path=ppt/theme/theme1.xml><?xml version="1.0" encoding="utf-8"?>
 <a:theme xmlns:a="http://schemas.openxmlformats.org/drawingml/2006/main" name="Тема Office">
   <a:themeElements>
-    <a:clrScheme name="Стандартная">
+    <a:clrScheme name="Тема Office">
       <a:dk1>
         <a:sysClr val="windowText" lastClr="000000"/>
       </a:dk1>
@@ -4813,7 +5538,7 @@
         <a:srgbClr val="E7E6E6"/>
       </a:lt2>
       <a:accent1>
-        <a:srgbClr val="4472C4"/>
+        <a:srgbClr val="5B9BD5"/>
       </a:accent1>
       <a:accent2>
         <a:srgbClr val="ED7D31"/>
@@ -4825,7 +5550,7 @@
         <a:srgbClr val="FFC000"/>
       </a:accent4>
       <a:accent5>
-        <a:srgbClr val="5B9BD5"/>
+        <a:srgbClr val="4472C4"/>
       </a:accent5>
       <a:accent6>
         <a:srgbClr val="70AD47"/>
@@ -4837,7 +5562,7 @@
         <a:srgbClr val="954F72"/>
       </a:folHlink>
     </a:clrScheme>
-    <a:fontScheme name="Стандартная">
+    <a:fontScheme name="Тема Office">
       <a:majorFont>
         <a:latin typeface="Calibri Light" panose="020F0302020204030204"/>
         <a:ea typeface=""/>
@@ -4872,23 +5597,6 @@
         <a:font script="Viet" typeface="Times New Roman"/>
         <a:font script="Uigh" typeface="Microsoft Uighur"/>
         <a:font script="Geor" typeface="Sylfaen"/>
-        <a:font script="Armn" typeface="Arial"/>
-        <a:font script="Bugi" typeface="Leelawadee UI"/>
-        <a:font script="Bopo" typeface="Microsoft JhengHei"/>
-        <a:font script="Java" typeface="Javanese Text"/>
-        <a:font script="Lisu" typeface="Segoe UI"/>
-        <a:font script="Mymr" typeface="Myanmar Text"/>
-        <a:font script="Nkoo" typeface="Ebrima"/>
-        <a:font script="Olck" typeface="Nirmala UI"/>
-        <a:font script="Osma" typeface="Ebrima"/>
-        <a:font script="Phag" typeface="Phagspa"/>
-        <a:font script="Syrn" typeface="Estrangelo Edessa"/>
-        <a:font script="Syrj" typeface="Estrangelo Edessa"/>
-        <a:font script="Syre" typeface="Estrangelo Edessa"/>
-        <a:font script="Sora" typeface="Nirmala UI"/>
-        <a:font script="Tale" typeface="Microsoft Tai Le"/>
-        <a:font script="Talu" typeface="Microsoft New Tai Lue"/>
-        <a:font script="Tfng" typeface="Ebrima"/>
       </a:majorFont>
       <a:minorFont>
         <a:latin typeface="Calibri" panose="020F0502020204030204"/>
@@ -4924,26 +5632,9 @@
         <a:font script="Viet" typeface="Arial"/>
         <a:font script="Uigh" typeface="Microsoft Uighur"/>
         <a:font script="Geor" typeface="Sylfaen"/>
-        <a:font script="Armn" typeface="Arial"/>
-        <a:font script="Bugi" typeface="Leelawadee UI"/>
-        <a:font script="Bopo" typeface="Microsoft JhengHei"/>
-        <a:font script="Java" typeface="Javanese Text"/>
-        <a:font script="Lisu" typeface="Segoe UI"/>
-        <a:font script="Mymr" typeface="Myanmar Text"/>
-        <a:font script="Nkoo" typeface="Ebrima"/>
-        <a:font script="Olck" typeface="Nirmala UI"/>
-        <a:font script="Osma" typeface="Ebrima"/>
-        <a:font script="Phag" typeface="Phagspa"/>
-        <a:font script="Syrn" typeface="Estrangelo Edessa"/>
-        <a:font script="Syrj" typeface="Estrangelo Edessa"/>
-        <a:font script="Syre" typeface="Estrangelo Edessa"/>
-        <a:font script="Sora" typeface="Nirmala UI"/>
-        <a:font script="Tale" typeface="Microsoft Tai Le"/>
-        <a:font script="Talu" typeface="Microsoft New Tai Lue"/>
-        <a:font script="Tfng" typeface="Ebrima"/>
       </a:minorFont>
     </a:fontScheme>
-    <a:fmtScheme name="Стандартная">
+    <a:fmtScheme name="Тема Office">
       <a:fillStyleLst>
         <a:solidFill>
           <a:schemeClr val="phClr"/>
@@ -5089,4 +5780,133 @@
     </a:ext>
   </a:extLst>
 </a:theme>
+</file>
+
+<file path=ppt/theme/themeOverride1.xml><?xml version="1.0" encoding="utf-8"?>
+<a:themeOverride xmlns:a="http://schemas.openxmlformats.org/drawingml/2006/main">
+  <a:clrScheme name="Тема Office">
+    <a:dk1>
+      <a:sysClr val="windowText" lastClr="000000"/>
+    </a:dk1>
+    <a:lt1>
+      <a:sysClr val="window" lastClr="FFFFFF"/>
+    </a:lt1>
+    <a:dk2>
+      <a:srgbClr val="44546A"/>
+    </a:dk2>
+    <a:lt2>
+      <a:srgbClr val="E7E6E6"/>
+    </a:lt2>
+    <a:accent1>
+      <a:srgbClr val="5B9BD5"/>
+    </a:accent1>
+    <a:accent2>
+      <a:srgbClr val="ED7D31"/>
+    </a:accent2>
+    <a:accent3>
+      <a:srgbClr val="A5A5A5"/>
+    </a:accent3>
+    <a:accent4>
+      <a:srgbClr val="FFC000"/>
+    </a:accent4>
+    <a:accent5>
+      <a:srgbClr val="4472C4"/>
+    </a:accent5>
+    <a:accent6>
+      <a:srgbClr val="70AD47"/>
+    </a:accent6>
+    <a:hlink>
+      <a:srgbClr val="0563C1"/>
+    </a:hlink>
+    <a:folHlink>
+      <a:srgbClr val="954F72"/>
+    </a:folHlink>
+  </a:clrScheme>
+</a:themeOverride>
+</file>
+
+<file path=ppt/theme/themeOverride2.xml><?xml version="1.0" encoding="utf-8"?>
+<a:themeOverride xmlns:a="http://schemas.openxmlformats.org/drawingml/2006/main">
+  <a:clrScheme name="Тема Office">
+    <a:dk1>
+      <a:sysClr val="windowText" lastClr="000000"/>
+    </a:dk1>
+    <a:lt1>
+      <a:sysClr val="window" lastClr="FFFFFF"/>
+    </a:lt1>
+    <a:dk2>
+      <a:srgbClr val="44546A"/>
+    </a:dk2>
+    <a:lt2>
+      <a:srgbClr val="E7E6E6"/>
+    </a:lt2>
+    <a:accent1>
+      <a:srgbClr val="5B9BD5"/>
+    </a:accent1>
+    <a:accent2>
+      <a:srgbClr val="ED7D31"/>
+    </a:accent2>
+    <a:accent3>
+      <a:srgbClr val="A5A5A5"/>
+    </a:accent3>
+    <a:accent4>
+      <a:srgbClr val="FFC000"/>
+    </a:accent4>
+    <a:accent5>
+      <a:srgbClr val="4472C4"/>
+    </a:accent5>
+    <a:accent6>
+      <a:srgbClr val="70AD47"/>
+    </a:accent6>
+    <a:hlink>
+      <a:srgbClr val="0563C1"/>
+    </a:hlink>
+    <a:folHlink>
+      <a:srgbClr val="954F72"/>
+    </a:folHlink>
+  </a:clrScheme>
+</a:themeOverride>
+</file>
+
+<file path=ppt/theme/themeOverride3.xml><?xml version="1.0" encoding="utf-8"?>
+<a:themeOverride xmlns:a="http://schemas.openxmlformats.org/drawingml/2006/main">
+  <a:clrScheme name="Тема Office">
+    <a:dk1>
+      <a:sysClr val="windowText" lastClr="000000"/>
+    </a:dk1>
+    <a:lt1>
+      <a:sysClr val="window" lastClr="FFFFFF"/>
+    </a:lt1>
+    <a:dk2>
+      <a:srgbClr val="44546A"/>
+    </a:dk2>
+    <a:lt2>
+      <a:srgbClr val="E7E6E6"/>
+    </a:lt2>
+    <a:accent1>
+      <a:srgbClr val="5B9BD5"/>
+    </a:accent1>
+    <a:accent2>
+      <a:srgbClr val="ED7D31"/>
+    </a:accent2>
+    <a:accent3>
+      <a:srgbClr val="A5A5A5"/>
+    </a:accent3>
+    <a:accent4>
+      <a:srgbClr val="FFC000"/>
+    </a:accent4>
+    <a:accent5>
+      <a:srgbClr val="4472C4"/>
+    </a:accent5>
+    <a:accent6>
+      <a:srgbClr val="70AD47"/>
+    </a:accent6>
+    <a:hlink>
+      <a:srgbClr val="0563C1"/>
+    </a:hlink>
+    <a:folHlink>
+      <a:srgbClr val="954F72"/>
+    </a:folHlink>
+  </a:clrScheme>
+</a:themeOverride>
 </file>
--- a/presentation.pptx
+++ b/presentation.pptx
@@ -296,7 +296,7 @@
           <a:p>
             <a:fld id="{07504AD1-F626-4EEE-A1F0-4F98A55EE3A4}" type="datetimeFigureOut">
               <a:rPr lang="ru-RU" smtClean="0"/>
-              <a:t>19.01.2022</a:t>
+              <a:t>20.01.2022</a:t>
             </a:fld>
             <a:endParaRPr lang="ru-RU"/>
           </a:p>
@@ -466,7 +466,7 @@
           <a:p>
             <a:fld id="{07504AD1-F626-4EEE-A1F0-4F98A55EE3A4}" type="datetimeFigureOut">
               <a:rPr lang="ru-RU" smtClean="0"/>
-              <a:t>19.01.2022</a:t>
+              <a:t>20.01.2022</a:t>
             </a:fld>
             <a:endParaRPr lang="ru-RU"/>
           </a:p>
@@ -646,7 +646,7 @@
           <a:p>
             <a:fld id="{07504AD1-F626-4EEE-A1F0-4F98A55EE3A4}" type="datetimeFigureOut">
               <a:rPr lang="ru-RU" smtClean="0"/>
-              <a:t>19.01.2022</a:t>
+              <a:t>20.01.2022</a:t>
             </a:fld>
             <a:endParaRPr lang="ru-RU"/>
           </a:p>
@@ -816,7 +816,7 @@
           <a:p>
             <a:fld id="{07504AD1-F626-4EEE-A1F0-4F98A55EE3A4}" type="datetimeFigureOut">
               <a:rPr lang="ru-RU" smtClean="0"/>
-              <a:t>19.01.2022</a:t>
+              <a:t>20.01.2022</a:t>
             </a:fld>
             <a:endParaRPr lang="ru-RU"/>
           </a:p>
@@ -1062,7 +1062,7 @@
           <a:p>
             <a:fld id="{07504AD1-F626-4EEE-A1F0-4F98A55EE3A4}" type="datetimeFigureOut">
               <a:rPr lang="ru-RU" smtClean="0"/>
-              <a:t>19.01.2022</a:t>
+              <a:t>20.01.2022</a:t>
             </a:fld>
             <a:endParaRPr lang="ru-RU"/>
           </a:p>
@@ -1294,7 +1294,7 @@
           <a:p>
             <a:fld id="{07504AD1-F626-4EEE-A1F0-4F98A55EE3A4}" type="datetimeFigureOut">
               <a:rPr lang="ru-RU" smtClean="0"/>
-              <a:t>19.01.2022</a:t>
+              <a:t>20.01.2022</a:t>
             </a:fld>
             <a:endParaRPr lang="ru-RU"/>
           </a:p>
@@ -1661,7 +1661,7 @@
           <a:p>
             <a:fld id="{07504AD1-F626-4EEE-A1F0-4F98A55EE3A4}" type="datetimeFigureOut">
               <a:rPr lang="ru-RU" smtClean="0"/>
-              <a:t>19.01.2022</a:t>
+              <a:t>20.01.2022</a:t>
             </a:fld>
             <a:endParaRPr lang="ru-RU"/>
           </a:p>
@@ -1779,7 +1779,7 @@
           <a:p>
             <a:fld id="{07504AD1-F626-4EEE-A1F0-4F98A55EE3A4}" type="datetimeFigureOut">
               <a:rPr lang="ru-RU" smtClean="0"/>
-              <a:t>19.01.2022</a:t>
+              <a:t>20.01.2022</a:t>
             </a:fld>
             <a:endParaRPr lang="ru-RU"/>
           </a:p>
@@ -1874,7 +1874,7 @@
           <a:p>
             <a:fld id="{07504AD1-F626-4EEE-A1F0-4F98A55EE3A4}" type="datetimeFigureOut">
               <a:rPr lang="ru-RU" smtClean="0"/>
-              <a:t>19.01.2022</a:t>
+              <a:t>20.01.2022</a:t>
             </a:fld>
             <a:endParaRPr lang="ru-RU"/>
           </a:p>
@@ -2151,7 +2151,7 @@
           <a:p>
             <a:fld id="{07504AD1-F626-4EEE-A1F0-4F98A55EE3A4}" type="datetimeFigureOut">
               <a:rPr lang="ru-RU" smtClean="0"/>
-              <a:t>19.01.2022</a:t>
+              <a:t>20.01.2022</a:t>
             </a:fld>
             <a:endParaRPr lang="ru-RU"/>
           </a:p>
@@ -2408,7 +2408,7 @@
           <a:p>
             <a:fld id="{07504AD1-F626-4EEE-A1F0-4F98A55EE3A4}" type="datetimeFigureOut">
               <a:rPr lang="ru-RU" smtClean="0"/>
-              <a:t>19.01.2022</a:t>
+              <a:t>20.01.2022</a:t>
             </a:fld>
             <a:endParaRPr lang="ru-RU"/>
           </a:p>
@@ -2621,7 +2621,7 @@
           <a:p>
             <a:fld id="{07504AD1-F626-4EEE-A1F0-4F98A55EE3A4}" type="datetimeFigureOut">
               <a:rPr lang="ru-RU" smtClean="0"/>
-              <a:t>19.01.2022</a:t>
+              <a:t>20.01.2022</a:t>
             </a:fld>
             <a:endParaRPr lang="ru-RU"/>
           </a:p>
@@ -5024,16 +5024,17 @@
         </p:nvSpPr>
         <p:spPr>
           <a:xfrm>
-            <a:off x="2519813" y="540268"/>
-            <a:ext cx="7200000" cy="1080000"/>
+            <a:off x="3600000" y="540268"/>
+            <a:ext cx="5040000" cy="1080000"/>
           </a:xfrm>
         </p:spPr>
         <p:txBody>
           <a:bodyPr>
-            <a:normAutofit/>
+            <a:noAutofit/>
           </a:bodyPr>
           <a:lstStyle/>
           <a:p>
+            <a:pPr algn="ctr"/>
             <a:r>
               <a:rPr lang="ru-RU" sz="4400" dirty="0" smtClean="0">
                 <a:solidFill>
@@ -5042,8 +5043,312 @@
                 <a:latin typeface="RodchenkoCTT" pitchFamily="2" charset="0"/>
                 <a:cs typeface="Courier New" panose="02070309020205020404" pitchFamily="49" charset="0"/>
               </a:rPr>
-              <a:t>ДОПОЛНИТЕЛЬНЫЕ ДЕЙСТВИЯ</a:t>
-            </a:r>
+              <a:t>ДРУГИЕ ЭЛЕМЕНТЫ</a:t>
+            </a:r>
+            <a:endParaRPr lang="ru-RU" sz="4400" dirty="0">
+              <a:solidFill>
+                <a:srgbClr val="77F531"/>
+              </a:solidFill>
+              <a:latin typeface="RodchenkoCTT" pitchFamily="2" charset="0"/>
+              <a:cs typeface="Courier New" panose="02070309020205020404" pitchFamily="49" charset="0"/>
+            </a:endParaRPr>
+          </a:p>
+        </p:txBody>
+      </p:sp>
+      <p:sp>
+        <p:nvSpPr>
+          <p:cNvPr id="6" name="Заголовок 1">
+            <a:extLst>
+              <a:ext uri="{FF2B5EF4-FFF2-40B4-BE49-F238E27FC236}">
+                <a16:creationId xmlns:a16="http://schemas.microsoft.com/office/drawing/2014/main" id="{6D8728E5-634E-46B1-9637-28E8C9DBD738}"/>
+              </a:ext>
+            </a:extLst>
+          </p:cNvPr>
+          <p:cNvSpPr txBox="1">
+            <a:spLocks/>
+          </p:cNvSpPr>
+          <p:nvPr/>
+        </p:nvSpPr>
+        <p:spPr>
+          <a:xfrm>
+            <a:off x="1033670" y="1530627"/>
+            <a:ext cx="10197547" cy="3021495"/>
+          </a:xfrm>
+          <a:prstGeom prst="rect">
+            <a:avLst/>
+          </a:prstGeom>
+        </p:spPr>
+        <p:txBody>
+          <a:bodyPr vert="horz" lIns="91440" tIns="45720" rIns="91440" bIns="45720" rtlCol="0" anchor="t">
+            <a:normAutofit fontScale="92500"/>
+          </a:bodyPr>
+          <a:lstStyle>
+            <a:lvl1pPr algn="l" defTabSz="912114" rtl="0" eaLnBrk="1" latinLnBrk="0" hangingPunct="1">
+              <a:lnSpc>
+                <a:spcPct val="90000"/>
+              </a:lnSpc>
+              <a:spcBef>
+                <a:spcPct val="0"/>
+              </a:spcBef>
+              <a:buNone/>
+              <a:defRPr sz="4389" kern="1200">
+                <a:solidFill>
+                  <a:schemeClr val="tx1"/>
+                </a:solidFill>
+                <a:latin typeface="+mj-lt"/>
+                <a:ea typeface="+mj-ea"/>
+                <a:cs typeface="+mj-cs"/>
+              </a:defRPr>
+            </a:lvl1pPr>
+          </a:lstStyle>
+          <a:p>
+            <a:pPr marL="742950" indent="-742950" algn="just">
+              <a:buAutoNum type="arabicParenR"/>
+            </a:pPr>
+            <a:r>
+              <a:rPr lang="ru-RU" sz="4400" dirty="0" smtClean="0">
+                <a:solidFill>
+                  <a:srgbClr val="77F531"/>
+                </a:solidFill>
+                <a:latin typeface="RodchenkoCTT" pitchFamily="2" charset="0"/>
+                <a:cs typeface="Courier New" panose="02070309020205020404" pitchFamily="49" charset="0"/>
+              </a:rPr>
+              <a:t>Список доступных блоков (правая панель)</a:t>
+            </a:r>
+          </a:p>
+          <a:p>
+            <a:pPr marL="742950" indent="-742950" algn="just">
+              <a:buAutoNum type="arabicParenR"/>
+            </a:pPr>
+            <a:r>
+              <a:rPr lang="ru-RU" sz="4400" dirty="0" smtClean="0">
+                <a:solidFill>
+                  <a:srgbClr val="77F531"/>
+                </a:solidFill>
+                <a:latin typeface="RodchenkoCTT" pitchFamily="2" charset="0"/>
+                <a:cs typeface="Courier New" panose="02070309020205020404" pitchFamily="49" charset="0"/>
+              </a:rPr>
+              <a:t>Таблица тестов и проверки (левая панель)</a:t>
+            </a:r>
+          </a:p>
+          <a:p>
+            <a:pPr marL="742950" indent="-742950" algn="just">
+              <a:buFontTx/>
+              <a:buAutoNum type="arabicParenR"/>
+            </a:pPr>
+            <a:r>
+              <a:rPr lang="ru-RU" sz="4400" dirty="0" smtClean="0">
+                <a:solidFill>
+                  <a:srgbClr val="77F531"/>
+                </a:solidFill>
+                <a:latin typeface="RodchenkoCTT" pitchFamily="2" charset="0"/>
+                <a:cs typeface="Courier New" panose="02070309020205020404" pitchFamily="49" charset="0"/>
+              </a:rPr>
+              <a:t>Кнопки </a:t>
+            </a:r>
+            <a:r>
+              <a:rPr lang="en-US" sz="4400" dirty="0" smtClean="0">
+                <a:solidFill>
+                  <a:srgbClr val="77F531"/>
+                </a:solidFill>
+                <a:latin typeface="RodchenkoCTT" pitchFamily="2" charset="0"/>
+                <a:cs typeface="Courier New" panose="02070309020205020404" pitchFamily="49" charset="0"/>
+              </a:rPr>
+              <a:t>“</a:t>
+            </a:r>
+            <a:r>
+              <a:rPr lang="ru-RU" sz="4400" dirty="0" smtClean="0">
+                <a:solidFill>
+                  <a:srgbClr val="77F531"/>
+                </a:solidFill>
+                <a:latin typeface="RodchenkoCTT" pitchFamily="2" charset="0"/>
+                <a:cs typeface="Courier New" panose="02070309020205020404" pitchFamily="49" charset="0"/>
+              </a:rPr>
+              <a:t>Назад</a:t>
+            </a:r>
+            <a:r>
+              <a:rPr lang="en-US" sz="4400" dirty="0" smtClean="0">
+                <a:solidFill>
+                  <a:srgbClr val="77F531"/>
+                </a:solidFill>
+                <a:latin typeface="RodchenkoCTT" pitchFamily="2" charset="0"/>
+                <a:cs typeface="Courier New" panose="02070309020205020404" pitchFamily="49" charset="0"/>
+              </a:rPr>
+              <a:t>”</a:t>
+            </a:r>
+            <a:r>
+              <a:rPr lang="ru-RU" sz="4400" dirty="0" smtClean="0">
+                <a:solidFill>
+                  <a:srgbClr val="77F531"/>
+                </a:solidFill>
+                <a:latin typeface="RodchenkoCTT" pitchFamily="2" charset="0"/>
+                <a:cs typeface="Courier New" panose="02070309020205020404" pitchFamily="49" charset="0"/>
+              </a:rPr>
+              <a:t>, </a:t>
+            </a:r>
+            <a:r>
+              <a:rPr lang="en-US" sz="4400" dirty="0" smtClean="0">
+                <a:solidFill>
+                  <a:srgbClr val="77F531"/>
+                </a:solidFill>
+                <a:latin typeface="RodchenkoCTT" pitchFamily="2" charset="0"/>
+                <a:cs typeface="Courier New" panose="02070309020205020404" pitchFamily="49" charset="0"/>
+              </a:rPr>
+              <a:t>“</a:t>
+            </a:r>
+            <a:r>
+              <a:rPr lang="ru-RU" sz="4400" dirty="0" smtClean="0">
+                <a:solidFill>
+                  <a:srgbClr val="77F531"/>
+                </a:solidFill>
+                <a:latin typeface="RodchenkoCTT" pitchFamily="2" charset="0"/>
+                <a:cs typeface="Courier New" panose="02070309020205020404" pitchFamily="49" charset="0"/>
+              </a:rPr>
+              <a:t>Сохранить</a:t>
+            </a:r>
+            <a:r>
+              <a:rPr lang="en-US" sz="4400" dirty="0" smtClean="0">
+                <a:solidFill>
+                  <a:srgbClr val="77F531"/>
+                </a:solidFill>
+                <a:latin typeface="RodchenkoCTT" pitchFamily="2" charset="0"/>
+                <a:cs typeface="Courier New" panose="02070309020205020404" pitchFamily="49" charset="0"/>
+              </a:rPr>
+              <a:t>”</a:t>
+            </a:r>
+            <a:r>
+              <a:rPr lang="ru-RU" sz="4400" dirty="0" smtClean="0">
+                <a:solidFill>
+                  <a:srgbClr val="77F531"/>
+                </a:solidFill>
+                <a:latin typeface="RodchenkoCTT" pitchFamily="2" charset="0"/>
+                <a:cs typeface="Courier New" panose="02070309020205020404" pitchFamily="49" charset="0"/>
+              </a:rPr>
+              <a:t>, </a:t>
+            </a:r>
+            <a:r>
+              <a:rPr lang="en-US" sz="4400" dirty="0" smtClean="0">
+                <a:solidFill>
+                  <a:srgbClr val="77F531"/>
+                </a:solidFill>
+                <a:latin typeface="RodchenkoCTT" pitchFamily="2" charset="0"/>
+                <a:cs typeface="Courier New" panose="02070309020205020404" pitchFamily="49" charset="0"/>
+              </a:rPr>
+              <a:t>“</a:t>
+            </a:r>
+            <a:r>
+              <a:rPr lang="ru-RU" sz="4400" dirty="0" smtClean="0">
+                <a:solidFill>
+                  <a:srgbClr val="77F531"/>
+                </a:solidFill>
+                <a:latin typeface="RodchenkoCTT" pitchFamily="2" charset="0"/>
+                <a:cs typeface="Courier New" panose="02070309020205020404" pitchFamily="49" charset="0"/>
+              </a:rPr>
+              <a:t>Проверить</a:t>
+            </a:r>
+            <a:r>
+              <a:rPr lang="en-US" sz="4400" dirty="0" smtClean="0">
+                <a:solidFill>
+                  <a:srgbClr val="77F531"/>
+                </a:solidFill>
+                <a:latin typeface="RodchenkoCTT" pitchFamily="2" charset="0"/>
+                <a:cs typeface="Courier New" panose="02070309020205020404" pitchFamily="49" charset="0"/>
+              </a:rPr>
+              <a:t>”</a:t>
+            </a:r>
+            <a:r>
+              <a:rPr lang="ru-RU" sz="4400">
+                <a:solidFill>
+                  <a:srgbClr val="77F531"/>
+                </a:solidFill>
+                <a:latin typeface="RodchenkoCTT" pitchFamily="2" charset="0"/>
+                <a:cs typeface="Courier New" panose="02070309020205020404" pitchFamily="49" charset="0"/>
+              </a:rPr>
+              <a:t> </a:t>
+            </a:r>
+            <a:r>
+              <a:rPr lang="ru-RU" sz="4400" smtClean="0">
+                <a:solidFill>
+                  <a:srgbClr val="77F531"/>
+                </a:solidFill>
+                <a:latin typeface="RodchenkoCTT" pitchFamily="2" charset="0"/>
+                <a:cs typeface="Courier New" panose="02070309020205020404" pitchFamily="49" charset="0"/>
+              </a:rPr>
+              <a:t>(</a:t>
+            </a:r>
+            <a:r>
+              <a:rPr lang="ru-RU" sz="4400">
+                <a:solidFill>
+                  <a:srgbClr val="77F531"/>
+                </a:solidFill>
+                <a:latin typeface="RodchenkoCTT" pitchFamily="2" charset="0"/>
+                <a:cs typeface="Courier New" panose="02070309020205020404" pitchFamily="49" charset="0"/>
+              </a:rPr>
+              <a:t>левая </a:t>
+            </a:r>
+            <a:r>
+              <a:rPr lang="ru-RU" sz="4400">
+                <a:solidFill>
+                  <a:srgbClr val="77F531"/>
+                </a:solidFill>
+                <a:latin typeface="RodchenkoCTT" pitchFamily="2" charset="0"/>
+                <a:cs typeface="Courier New" panose="02070309020205020404" pitchFamily="49" charset="0"/>
+              </a:rPr>
+              <a:t>панель</a:t>
+            </a:r>
+            <a:r>
+              <a:rPr lang="ru-RU" sz="4400" smtClean="0">
+                <a:solidFill>
+                  <a:srgbClr val="77F531"/>
+                </a:solidFill>
+                <a:latin typeface="RodchenkoCTT" pitchFamily="2" charset="0"/>
+                <a:cs typeface="Courier New" panose="02070309020205020404" pitchFamily="49" charset="0"/>
+              </a:rPr>
+              <a:t>)</a:t>
+            </a:r>
+          </a:p>
+          <a:p>
+            <a:pPr marL="742950" indent="-742950" algn="just">
+              <a:buFontTx/>
+              <a:buAutoNum type="arabicParenR"/>
+            </a:pPr>
+            <a:endParaRPr lang="ru-RU" sz="4400" dirty="0">
+              <a:solidFill>
+                <a:srgbClr val="77F531"/>
+              </a:solidFill>
+              <a:latin typeface="RodchenkoCTT" pitchFamily="2" charset="0"/>
+              <a:cs typeface="Courier New" panose="02070309020205020404" pitchFamily="49" charset="0"/>
+            </a:endParaRPr>
+          </a:p>
+          <a:p>
+            <a:pPr marL="742950" indent="-742950" algn="just">
+              <a:buFontTx/>
+              <a:buAutoNum type="arabicParenR"/>
+            </a:pPr>
+            <a:endParaRPr lang="ru-RU" sz="4400" dirty="0">
+              <a:solidFill>
+                <a:srgbClr val="77F531"/>
+              </a:solidFill>
+              <a:latin typeface="RodchenkoCTT" pitchFamily="2" charset="0"/>
+              <a:cs typeface="Courier New" panose="02070309020205020404" pitchFamily="49" charset="0"/>
+            </a:endParaRPr>
+          </a:p>
+          <a:p>
+            <a:pPr marL="742950" indent="-742950" algn="just">
+              <a:buAutoNum type="arabicParenR"/>
+            </a:pPr>
+            <a:endParaRPr lang="ru-RU" sz="4400" dirty="0" smtClean="0">
+              <a:solidFill>
+                <a:srgbClr val="77F531"/>
+              </a:solidFill>
+              <a:latin typeface="RodchenkoCTT" pitchFamily="2" charset="0"/>
+              <a:cs typeface="Courier New" panose="02070309020205020404" pitchFamily="49" charset="0"/>
+            </a:endParaRPr>
+          </a:p>
+          <a:p>
+            <a:pPr marL="742950" indent="-742950" algn="just">
+              <a:buAutoNum type="arabicParenR"/>
+            </a:pPr>
             <a:endParaRPr lang="ru-RU" sz="4400" dirty="0">
               <a:solidFill>
                 <a:srgbClr val="77F531"/>
@@ -5209,6 +5514,104 @@
           </a:p>
         </p:txBody>
       </p:sp>
+      <p:sp>
+        <p:nvSpPr>
+          <p:cNvPr id="7" name="Заголовок 1">
+            <a:extLst>
+              <a:ext uri="{FF2B5EF4-FFF2-40B4-BE49-F238E27FC236}">
+                <a16:creationId xmlns:a16="http://schemas.microsoft.com/office/drawing/2014/main" id="{6D8728E5-634E-46B1-9637-28E8C9DBD738}"/>
+              </a:ext>
+            </a:extLst>
+          </p:cNvPr>
+          <p:cNvSpPr txBox="1">
+            <a:spLocks/>
+          </p:cNvSpPr>
+          <p:nvPr/>
+        </p:nvSpPr>
+        <p:spPr>
+          <a:xfrm>
+            <a:off x="1033670" y="1530627"/>
+            <a:ext cx="10197547" cy="3021495"/>
+          </a:xfrm>
+          <a:prstGeom prst="rect">
+            <a:avLst/>
+          </a:prstGeom>
+        </p:spPr>
+        <p:txBody>
+          <a:bodyPr vert="horz" lIns="91440" tIns="45720" rIns="91440" bIns="45720" rtlCol="0" anchor="t">
+            <a:normAutofit fontScale="62500" lnSpcReduction="20000"/>
+          </a:bodyPr>
+          <a:lstStyle>
+            <a:lvl1pPr algn="l" defTabSz="912114" rtl="0" eaLnBrk="1" latinLnBrk="0" hangingPunct="1">
+              <a:lnSpc>
+                <a:spcPct val="90000"/>
+              </a:lnSpc>
+              <a:spcBef>
+                <a:spcPct val="0"/>
+              </a:spcBef>
+              <a:buNone/>
+              <a:defRPr sz="4389" kern="1200">
+                <a:solidFill>
+                  <a:schemeClr val="tx1"/>
+                </a:solidFill>
+                <a:latin typeface="+mj-lt"/>
+                <a:ea typeface="+mj-ea"/>
+                <a:cs typeface="+mj-cs"/>
+              </a:defRPr>
+            </a:lvl1pPr>
+          </a:lstStyle>
+          <a:p>
+            <a:pPr algn="just"/>
+            <a:r>
+              <a:rPr lang="ru-RU" sz="4400" dirty="0" smtClean="0">
+                <a:solidFill>
+                  <a:srgbClr val="77F531"/>
+                </a:solidFill>
+                <a:latin typeface="RodchenkoCTT" pitchFamily="2" charset="0"/>
+                <a:cs typeface="Courier New" panose="02070309020205020404" pitchFamily="49" charset="0"/>
+              </a:rPr>
+              <a:t>Очки начисляются в соответствии с двумя параметрами:</a:t>
+            </a:r>
+          </a:p>
+          <a:p>
+            <a:pPr marL="742950" indent="-742950" algn="just">
+              <a:buAutoNum type="arabicParenR"/>
+            </a:pPr>
+            <a:r>
+              <a:rPr lang="ru-RU" sz="4400" dirty="0" smtClean="0">
+                <a:solidFill>
+                  <a:srgbClr val="77F531"/>
+                </a:solidFill>
+                <a:latin typeface="RodchenkoCTT" pitchFamily="2" charset="0"/>
+                <a:cs typeface="Courier New" panose="02070309020205020404" pitchFamily="49" charset="0"/>
+              </a:rPr>
+              <a:t>Максимальное количество очков за уровень. При  выборе этой величины авторы этого проекта руководствовались сложностью каждого уровня.</a:t>
+            </a:r>
+          </a:p>
+          <a:p>
+            <a:pPr marL="742950" indent="-742950" algn="just">
+              <a:buAutoNum type="arabicParenR"/>
+            </a:pPr>
+            <a:r>
+              <a:rPr lang="ru-RU" sz="4400" dirty="0" smtClean="0">
+                <a:solidFill>
+                  <a:srgbClr val="77F531"/>
+                </a:solidFill>
+                <a:latin typeface="RodchenkoCTT" pitchFamily="2" charset="0"/>
+                <a:cs typeface="Courier New" panose="02070309020205020404" pitchFamily="49" charset="0"/>
+              </a:rPr>
+              <a:t>Максимальное количество пройденных тестов. Вычисляется процент пройденных тестов от общего количества, а потом применяется к максимальному количеству очков. Результат этих вычислений (с округлением в пользу игрока) – это текущие очки за уровень.</a:t>
+            </a:r>
+            <a:endParaRPr lang="ru-RU" sz="4400" dirty="0">
+              <a:solidFill>
+                <a:srgbClr val="77F531"/>
+              </a:solidFill>
+              <a:latin typeface="RodchenkoCTT" pitchFamily="2" charset="0"/>
+              <a:cs typeface="Courier New" panose="02070309020205020404" pitchFamily="49" charset="0"/>
+            </a:endParaRPr>
+          </a:p>
+        </p:txBody>
+      </p:sp>
     </p:spTree>
     <p:extLst>
       <p:ext uri="{BB962C8B-B14F-4D97-AF65-F5344CB8AC3E}">
@@ -5353,6 +5756,94 @@
                 <a:cs typeface="Courier New" panose="02070309020205020404" pitchFamily="49" charset="0"/>
               </a:rPr>
               <a:t>ПЕСОЧНИЦА</a:t>
+            </a:r>
+            <a:endParaRPr lang="ru-RU" sz="4400" dirty="0">
+              <a:solidFill>
+                <a:srgbClr val="77F531"/>
+              </a:solidFill>
+              <a:latin typeface="RodchenkoCTT" pitchFamily="2" charset="0"/>
+              <a:cs typeface="Courier New" panose="02070309020205020404" pitchFamily="49" charset="0"/>
+            </a:endParaRPr>
+          </a:p>
+        </p:txBody>
+      </p:sp>
+      <p:sp>
+        <p:nvSpPr>
+          <p:cNvPr id="6" name="Заголовок 1">
+            <a:extLst>
+              <a:ext uri="{FF2B5EF4-FFF2-40B4-BE49-F238E27FC236}">
+                <a16:creationId xmlns:a16="http://schemas.microsoft.com/office/drawing/2014/main" id="{6D8728E5-634E-46B1-9637-28E8C9DBD738}"/>
+              </a:ext>
+            </a:extLst>
+          </p:cNvPr>
+          <p:cNvSpPr txBox="1">
+            <a:spLocks/>
+          </p:cNvSpPr>
+          <p:nvPr/>
+        </p:nvSpPr>
+        <p:spPr>
+          <a:xfrm>
+            <a:off x="1033670" y="1530628"/>
+            <a:ext cx="10197547" cy="765311"/>
+          </a:xfrm>
+          <a:prstGeom prst="rect">
+            <a:avLst/>
+          </a:prstGeom>
+        </p:spPr>
+        <p:txBody>
+          <a:bodyPr vert="horz" lIns="91440" tIns="45720" rIns="91440" bIns="45720" rtlCol="0" anchor="t">
+            <a:normAutofit fontScale="62500" lnSpcReduction="20000"/>
+          </a:bodyPr>
+          <a:lstStyle>
+            <a:lvl1pPr algn="l" defTabSz="912114" rtl="0" eaLnBrk="1" latinLnBrk="0" hangingPunct="1">
+              <a:lnSpc>
+                <a:spcPct val="90000"/>
+              </a:lnSpc>
+              <a:spcBef>
+                <a:spcPct val="0"/>
+              </a:spcBef>
+              <a:buNone/>
+              <a:defRPr sz="4389" kern="1200">
+                <a:solidFill>
+                  <a:schemeClr val="tx1"/>
+                </a:solidFill>
+                <a:latin typeface="+mj-lt"/>
+                <a:ea typeface="+mj-ea"/>
+                <a:cs typeface="+mj-cs"/>
+              </a:defRPr>
+            </a:lvl1pPr>
+          </a:lstStyle>
+          <a:p>
+            <a:pPr algn="just"/>
+            <a:r>
+              <a:rPr lang="ru-RU" sz="4400" dirty="0" smtClean="0">
+                <a:solidFill>
+                  <a:srgbClr val="77F531"/>
+                </a:solidFill>
+                <a:latin typeface="RodchenkoCTT" pitchFamily="2" charset="0"/>
+                <a:cs typeface="Courier New" panose="02070309020205020404" pitchFamily="49" charset="0"/>
+              </a:rPr>
+              <a:t>Песочница (</a:t>
+            </a:r>
+            <a:r>
+              <a:rPr lang="en-US" sz="4400" dirty="0" smtClean="0">
+                <a:solidFill>
+                  <a:srgbClr val="77F531"/>
+                </a:solidFill>
+                <a:latin typeface="RodchenkoCTT" pitchFamily="2" charset="0"/>
+                <a:cs typeface="Courier New" panose="02070309020205020404" pitchFamily="49" charset="0"/>
+              </a:rPr>
+              <a:t>sandbox, </a:t>
+            </a:r>
+            <a:r>
+              <a:rPr lang="ru-RU" sz="4400" dirty="0" smtClean="0">
+                <a:solidFill>
+                  <a:srgbClr val="77F531"/>
+                </a:solidFill>
+                <a:latin typeface="RodchenkoCTT" pitchFamily="2" charset="0"/>
+                <a:cs typeface="Courier New" panose="02070309020205020404" pitchFamily="49" charset="0"/>
+              </a:rPr>
+              <a:t>иначе - конструктор) – создана для того, что бы пользователь мог создавать свои собственные блоки из базовых.   </a:t>
             </a:r>
             <a:endParaRPr lang="ru-RU" sz="4400" dirty="0">
               <a:solidFill>

--- a/presentation.pptx
+++ b/presentation.pptx
@@ -16,8 +16,9 @@
     <p:sldId id="262" r:id="rId10"/>
     <p:sldId id="265" r:id="rId11"/>
     <p:sldId id="268" r:id="rId12"/>
-    <p:sldId id="267" r:id="rId13"/>
-    <p:sldId id="258" r:id="rId14"/>
+    <p:sldId id="272" r:id="rId13"/>
+    <p:sldId id="267" r:id="rId14"/>
+    <p:sldId id="258" r:id="rId15"/>
   </p:sldIdLst>
   <p:sldSz cx="12239625" cy="6840538"/>
   <p:notesSz cx="6858000" cy="9144000"/>
@@ -144,6 +145,7 @@
             <p14:sldId id="262"/>
             <p14:sldId id="265"/>
             <p14:sldId id="268"/>
+            <p14:sldId id="272"/>
           </p14:sldIdLst>
         </p14:section>
         <p14:section name="Похожее" id="{682D5F26-66C7-4678-BCD7-78FCB577605D}">
@@ -207,7 +209,7 @@
           </a:lstStyle>
           <a:p>
             <a:r>
-              <a:rPr lang="ru-RU" smtClean="0"/>
+              <a:rPr lang="ru-RU"/>
               <a:t>Образец заголовка</a:t>
             </a:r>
             <a:endParaRPr lang="en-US" dirty="0"/>
@@ -272,7 +274,7 @@
           </a:lstStyle>
           <a:p>
             <a:r>
-              <a:rPr lang="ru-RU" smtClean="0"/>
+              <a:rPr lang="ru-RU"/>
               <a:t>Образец подзаголовка</a:t>
             </a:r>
             <a:endParaRPr lang="en-US" dirty="0"/>
@@ -390,7 +392,7 @@
           <a:lstStyle/>
           <a:p>
             <a:r>
-              <a:rPr lang="ru-RU" smtClean="0"/>
+              <a:rPr lang="ru-RU"/>
               <a:t>Образец заголовка</a:t>
             </a:r>
             <a:endParaRPr lang="en-US" dirty="0"/>
@@ -414,35 +416,35 @@
           <a:p>
             <a:pPr lvl="0"/>
             <a:r>
-              <a:rPr lang="ru-RU" smtClean="0"/>
+              <a:rPr lang="ru-RU"/>
               <a:t>Образец текста</a:t>
             </a:r>
           </a:p>
           <a:p>
             <a:pPr lvl="1"/>
             <a:r>
-              <a:rPr lang="ru-RU" smtClean="0"/>
+              <a:rPr lang="ru-RU"/>
               <a:t>Второй уровень</a:t>
             </a:r>
           </a:p>
           <a:p>
             <a:pPr lvl="2"/>
             <a:r>
-              <a:rPr lang="ru-RU" smtClean="0"/>
+              <a:rPr lang="ru-RU"/>
               <a:t>Третий уровень</a:t>
             </a:r>
           </a:p>
           <a:p>
             <a:pPr lvl="3"/>
             <a:r>
-              <a:rPr lang="ru-RU" smtClean="0"/>
+              <a:rPr lang="ru-RU"/>
               <a:t>Четвертый уровень</a:t>
             </a:r>
           </a:p>
           <a:p>
             <a:pPr lvl="4"/>
             <a:r>
-              <a:rPr lang="ru-RU" smtClean="0"/>
+              <a:rPr lang="ru-RU"/>
               <a:t>Пятый уровень</a:t>
             </a:r>
             <a:endParaRPr lang="en-US" dirty="0"/>
@@ -565,7 +567,7 @@
           <a:lstStyle/>
           <a:p>
             <a:r>
-              <a:rPr lang="ru-RU" smtClean="0"/>
+              <a:rPr lang="ru-RU"/>
               <a:t>Образец заголовка</a:t>
             </a:r>
             <a:endParaRPr lang="en-US" dirty="0"/>
@@ -594,35 +596,35 @@
           <a:p>
             <a:pPr lvl="0"/>
             <a:r>
-              <a:rPr lang="ru-RU" smtClean="0"/>
+              <a:rPr lang="ru-RU"/>
               <a:t>Образец текста</a:t>
             </a:r>
           </a:p>
           <a:p>
             <a:pPr lvl="1"/>
             <a:r>
-              <a:rPr lang="ru-RU" smtClean="0"/>
+              <a:rPr lang="ru-RU"/>
               <a:t>Второй уровень</a:t>
             </a:r>
           </a:p>
           <a:p>
             <a:pPr lvl="2"/>
             <a:r>
-              <a:rPr lang="ru-RU" smtClean="0"/>
+              <a:rPr lang="ru-RU"/>
               <a:t>Третий уровень</a:t>
             </a:r>
           </a:p>
           <a:p>
             <a:pPr lvl="3"/>
             <a:r>
-              <a:rPr lang="ru-RU" smtClean="0"/>
+              <a:rPr lang="ru-RU"/>
               <a:t>Четвертый уровень</a:t>
             </a:r>
           </a:p>
           <a:p>
             <a:pPr lvl="4"/>
             <a:r>
-              <a:rPr lang="ru-RU" smtClean="0"/>
+              <a:rPr lang="ru-RU"/>
               <a:t>Пятый уровень</a:t>
             </a:r>
             <a:endParaRPr lang="en-US" dirty="0"/>
@@ -740,7 +742,7 @@
           <a:lstStyle/>
           <a:p>
             <a:r>
-              <a:rPr lang="ru-RU" smtClean="0"/>
+              <a:rPr lang="ru-RU"/>
               <a:t>Образец заголовка</a:t>
             </a:r>
             <a:endParaRPr lang="en-US" dirty="0"/>
@@ -764,35 +766,35 @@
           <a:p>
             <a:pPr lvl="0"/>
             <a:r>
-              <a:rPr lang="ru-RU" smtClean="0"/>
+              <a:rPr lang="ru-RU"/>
               <a:t>Образец текста</a:t>
             </a:r>
           </a:p>
           <a:p>
             <a:pPr lvl="1"/>
             <a:r>
-              <a:rPr lang="ru-RU" smtClean="0"/>
+              <a:rPr lang="ru-RU"/>
               <a:t>Второй уровень</a:t>
             </a:r>
           </a:p>
           <a:p>
             <a:pPr lvl="2"/>
             <a:r>
-              <a:rPr lang="ru-RU" smtClean="0"/>
+              <a:rPr lang="ru-RU"/>
               <a:t>Третий уровень</a:t>
             </a:r>
           </a:p>
           <a:p>
             <a:pPr lvl="3"/>
             <a:r>
-              <a:rPr lang="ru-RU" smtClean="0"/>
+              <a:rPr lang="ru-RU"/>
               <a:t>Четвертый уровень</a:t>
             </a:r>
           </a:p>
           <a:p>
             <a:pPr lvl="4"/>
             <a:r>
-              <a:rPr lang="ru-RU" smtClean="0"/>
+              <a:rPr lang="ru-RU"/>
               <a:t>Пятый уровень</a:t>
             </a:r>
             <a:endParaRPr lang="en-US" dirty="0"/>
@@ -919,7 +921,7 @@
           </a:lstStyle>
           <a:p>
             <a:r>
-              <a:rPr lang="ru-RU" smtClean="0"/>
+              <a:rPr lang="ru-RU"/>
               <a:t>Образец заголовка</a:t>
             </a:r>
             <a:endParaRPr lang="en-US" dirty="0"/>
@@ -1039,7 +1041,7 @@
           <a:p>
             <a:pPr lvl="0"/>
             <a:r>
-              <a:rPr lang="ru-RU" smtClean="0"/>
+              <a:rPr lang="ru-RU"/>
               <a:t>Образец текста</a:t>
             </a:r>
           </a:p>
@@ -1156,7 +1158,7 @@
           <a:lstStyle/>
           <a:p>
             <a:r>
-              <a:rPr lang="ru-RU" smtClean="0"/>
+              <a:rPr lang="ru-RU"/>
               <a:t>Образец заголовка</a:t>
             </a:r>
             <a:endParaRPr lang="en-US" dirty="0"/>
@@ -1185,35 +1187,35 @@
           <a:p>
             <a:pPr lvl="0"/>
             <a:r>
-              <a:rPr lang="ru-RU" smtClean="0"/>
+              <a:rPr lang="ru-RU"/>
               <a:t>Образец текста</a:t>
             </a:r>
           </a:p>
           <a:p>
             <a:pPr lvl="1"/>
             <a:r>
-              <a:rPr lang="ru-RU" smtClean="0"/>
+              <a:rPr lang="ru-RU"/>
               <a:t>Второй уровень</a:t>
             </a:r>
           </a:p>
           <a:p>
             <a:pPr lvl="2"/>
             <a:r>
-              <a:rPr lang="ru-RU" smtClean="0"/>
+              <a:rPr lang="ru-RU"/>
               <a:t>Третий уровень</a:t>
             </a:r>
           </a:p>
           <a:p>
             <a:pPr lvl="3"/>
             <a:r>
-              <a:rPr lang="ru-RU" smtClean="0"/>
+              <a:rPr lang="ru-RU"/>
               <a:t>Четвертый уровень</a:t>
             </a:r>
           </a:p>
           <a:p>
             <a:pPr lvl="4"/>
             <a:r>
-              <a:rPr lang="ru-RU" smtClean="0"/>
+              <a:rPr lang="ru-RU"/>
               <a:t>Пятый уровень</a:t>
             </a:r>
             <a:endParaRPr lang="en-US" dirty="0"/>
@@ -1242,35 +1244,35 @@
           <a:p>
             <a:pPr lvl="0"/>
             <a:r>
-              <a:rPr lang="ru-RU" smtClean="0"/>
+              <a:rPr lang="ru-RU"/>
               <a:t>Образец текста</a:t>
             </a:r>
           </a:p>
           <a:p>
             <a:pPr lvl="1"/>
             <a:r>
-              <a:rPr lang="ru-RU" smtClean="0"/>
+              <a:rPr lang="ru-RU"/>
               <a:t>Второй уровень</a:t>
             </a:r>
           </a:p>
           <a:p>
             <a:pPr lvl="2"/>
             <a:r>
-              <a:rPr lang="ru-RU" smtClean="0"/>
+              <a:rPr lang="ru-RU"/>
               <a:t>Третий уровень</a:t>
             </a:r>
           </a:p>
           <a:p>
             <a:pPr lvl="3"/>
             <a:r>
-              <a:rPr lang="ru-RU" smtClean="0"/>
+              <a:rPr lang="ru-RU"/>
               <a:t>Четвертый уровень</a:t>
             </a:r>
           </a:p>
           <a:p>
             <a:pPr lvl="4"/>
             <a:r>
-              <a:rPr lang="ru-RU" smtClean="0"/>
+              <a:rPr lang="ru-RU"/>
               <a:t>Пятый уровень</a:t>
             </a:r>
             <a:endParaRPr lang="en-US" dirty="0"/>
@@ -1393,7 +1395,7 @@
           <a:lstStyle/>
           <a:p>
             <a:r>
-              <a:rPr lang="ru-RU" smtClean="0"/>
+              <a:rPr lang="ru-RU"/>
               <a:t>Образец заголовка</a:t>
             </a:r>
             <a:endParaRPr lang="en-US" dirty="0"/>
@@ -1459,7 +1461,7 @@
           <a:p>
             <a:pPr lvl="0"/>
             <a:r>
-              <a:rPr lang="ru-RU" smtClean="0"/>
+              <a:rPr lang="ru-RU"/>
               <a:t>Образец текста</a:t>
             </a:r>
           </a:p>
@@ -1487,35 +1489,35 @@
           <a:p>
             <a:pPr lvl="0"/>
             <a:r>
-              <a:rPr lang="ru-RU" smtClean="0"/>
+              <a:rPr lang="ru-RU"/>
               <a:t>Образец текста</a:t>
             </a:r>
           </a:p>
           <a:p>
             <a:pPr lvl="1"/>
             <a:r>
-              <a:rPr lang="ru-RU" smtClean="0"/>
+              <a:rPr lang="ru-RU"/>
               <a:t>Второй уровень</a:t>
             </a:r>
           </a:p>
           <a:p>
             <a:pPr lvl="2"/>
             <a:r>
-              <a:rPr lang="ru-RU" smtClean="0"/>
+              <a:rPr lang="ru-RU"/>
               <a:t>Третий уровень</a:t>
             </a:r>
           </a:p>
           <a:p>
             <a:pPr lvl="3"/>
             <a:r>
-              <a:rPr lang="ru-RU" smtClean="0"/>
+              <a:rPr lang="ru-RU"/>
               <a:t>Четвертый уровень</a:t>
             </a:r>
           </a:p>
           <a:p>
             <a:pPr lvl="4"/>
             <a:r>
-              <a:rPr lang="ru-RU" smtClean="0"/>
+              <a:rPr lang="ru-RU"/>
               <a:t>Пятый уровень</a:t>
             </a:r>
             <a:endParaRPr lang="en-US" dirty="0"/>
@@ -1581,7 +1583,7 @@
           <a:p>
             <a:pPr lvl="0"/>
             <a:r>
-              <a:rPr lang="ru-RU" smtClean="0"/>
+              <a:rPr lang="ru-RU"/>
               <a:t>Образец текста</a:t>
             </a:r>
           </a:p>
@@ -1609,35 +1611,35 @@
           <a:p>
             <a:pPr lvl="0"/>
             <a:r>
-              <a:rPr lang="ru-RU" smtClean="0"/>
+              <a:rPr lang="ru-RU"/>
               <a:t>Образец текста</a:t>
             </a:r>
           </a:p>
           <a:p>
             <a:pPr lvl="1"/>
             <a:r>
-              <a:rPr lang="ru-RU" smtClean="0"/>
+              <a:rPr lang="ru-RU"/>
               <a:t>Второй уровень</a:t>
             </a:r>
           </a:p>
           <a:p>
             <a:pPr lvl="2"/>
             <a:r>
-              <a:rPr lang="ru-RU" smtClean="0"/>
+              <a:rPr lang="ru-RU"/>
               <a:t>Третий уровень</a:t>
             </a:r>
           </a:p>
           <a:p>
             <a:pPr lvl="3"/>
             <a:r>
-              <a:rPr lang="ru-RU" smtClean="0"/>
+              <a:rPr lang="ru-RU"/>
               <a:t>Четвертый уровень</a:t>
             </a:r>
           </a:p>
           <a:p>
             <a:pPr lvl="4"/>
             <a:r>
-              <a:rPr lang="ru-RU" smtClean="0"/>
+              <a:rPr lang="ru-RU"/>
               <a:t>Пятый уровень</a:t>
             </a:r>
             <a:endParaRPr lang="en-US" dirty="0"/>
@@ -1755,7 +1757,7 @@
           <a:lstStyle/>
           <a:p>
             <a:r>
-              <a:rPr lang="ru-RU" smtClean="0"/>
+              <a:rPr lang="ru-RU"/>
               <a:t>Образец заголовка</a:t>
             </a:r>
             <a:endParaRPr lang="en-US" dirty="0"/>
@@ -1977,7 +1979,7 @@
           </a:lstStyle>
           <a:p>
             <a:r>
-              <a:rPr lang="ru-RU" smtClean="0"/>
+              <a:rPr lang="ru-RU"/>
               <a:t>Образец заголовка</a:t>
             </a:r>
             <a:endParaRPr lang="en-US" dirty="0"/>
@@ -2034,35 +2036,35 @@
           <a:p>
             <a:pPr lvl="0"/>
             <a:r>
-              <a:rPr lang="ru-RU" smtClean="0"/>
+              <a:rPr lang="ru-RU"/>
               <a:t>Образец текста</a:t>
             </a:r>
           </a:p>
           <a:p>
             <a:pPr lvl="1"/>
             <a:r>
-              <a:rPr lang="ru-RU" smtClean="0"/>
+              <a:rPr lang="ru-RU"/>
               <a:t>Второй уровень</a:t>
             </a:r>
           </a:p>
           <a:p>
             <a:pPr lvl="2"/>
             <a:r>
-              <a:rPr lang="ru-RU" smtClean="0"/>
+              <a:rPr lang="ru-RU"/>
               <a:t>Третий уровень</a:t>
             </a:r>
           </a:p>
           <a:p>
             <a:pPr lvl="3"/>
             <a:r>
-              <a:rPr lang="ru-RU" smtClean="0"/>
+              <a:rPr lang="ru-RU"/>
               <a:t>Четвертый уровень</a:t>
             </a:r>
           </a:p>
           <a:p>
             <a:pPr lvl="4"/>
             <a:r>
-              <a:rPr lang="ru-RU" smtClean="0"/>
+              <a:rPr lang="ru-RU"/>
               <a:t>Пятый уровень</a:t>
             </a:r>
             <a:endParaRPr lang="en-US" dirty="0"/>
@@ -2128,7 +2130,7 @@
           <a:p>
             <a:pPr lvl="0"/>
             <a:r>
-              <a:rPr lang="ru-RU" smtClean="0"/>
+              <a:rPr lang="ru-RU"/>
               <a:t>Образец текста</a:t>
             </a:r>
           </a:p>
@@ -2254,7 +2256,7 @@
           </a:lstStyle>
           <a:p>
             <a:r>
-              <a:rPr lang="ru-RU" smtClean="0"/>
+              <a:rPr lang="ru-RU"/>
               <a:t>Образец заголовка</a:t>
             </a:r>
             <a:endParaRPr lang="en-US" dirty="0"/>
@@ -2319,7 +2321,7 @@
           </a:lstStyle>
           <a:p>
             <a:r>
-              <a:rPr lang="ru-RU" smtClean="0"/>
+              <a:rPr lang="ru-RU"/>
               <a:t>Вставка рисунка</a:t>
             </a:r>
             <a:endParaRPr lang="en-US" dirty="0"/>
@@ -2385,7 +2387,7 @@
           <a:p>
             <a:pPr lvl="0"/>
             <a:r>
-              <a:rPr lang="ru-RU" smtClean="0"/>
+              <a:rPr lang="ru-RU"/>
               <a:t>Образец текста</a:t>
             </a:r>
           </a:p>
@@ -2517,7 +2519,7 @@
           <a:lstStyle/>
           <a:p>
             <a:r>
-              <a:rPr lang="ru-RU" smtClean="0"/>
+              <a:rPr lang="ru-RU"/>
               <a:t>Образец заголовка</a:t>
             </a:r>
             <a:endParaRPr lang="en-US" dirty="0"/>
@@ -2551,35 +2553,35 @@
           <a:p>
             <a:pPr lvl="0"/>
             <a:r>
-              <a:rPr lang="ru-RU" smtClean="0"/>
+              <a:rPr lang="ru-RU"/>
               <a:t>Образец текста</a:t>
             </a:r>
           </a:p>
           <a:p>
             <a:pPr lvl="1"/>
             <a:r>
-              <a:rPr lang="ru-RU" smtClean="0"/>
+              <a:rPr lang="ru-RU"/>
               <a:t>Второй уровень</a:t>
             </a:r>
           </a:p>
           <a:p>
             <a:pPr lvl="2"/>
             <a:r>
-              <a:rPr lang="ru-RU" smtClean="0"/>
+              <a:rPr lang="ru-RU"/>
               <a:t>Третий уровень</a:t>
             </a:r>
           </a:p>
           <a:p>
             <a:pPr lvl="3"/>
             <a:r>
-              <a:rPr lang="ru-RU" smtClean="0"/>
+              <a:rPr lang="ru-RU"/>
               <a:t>Четвертый уровень</a:t>
             </a:r>
           </a:p>
           <a:p>
             <a:pPr lvl="4"/>
             <a:r>
-              <a:rPr lang="ru-RU" smtClean="0"/>
+              <a:rPr lang="ru-RU"/>
               <a:t>Пятый уровень</a:t>
             </a:r>
             <a:endParaRPr lang="en-US" dirty="0"/>
@@ -3077,10 +3079,6 @@
               <a:rPr lang="en-US" dirty="0" err="1"/>
               <a:t>pygame</a:t>
             </a:r>
-            <a:r>
-              <a:rPr lang="en-US" dirty="0"/>
-              <a:t/>
-            </a:r>
             <a:br>
               <a:rPr lang="en-US" dirty="0"/>
             </a:br>
@@ -3134,13 +3132,6 @@
   <p:clrMapOvr>
     <a:masterClrMapping/>
   </p:clrMapOvr>
-  <p:timing>
-    <p:tnLst>
-      <p:par>
-        <p:cTn id="1" dur="indefinite" restart="never" nodeType="tmRoot"/>
-      </p:par>
-    </p:tnLst>
-  </p:timing>
 </p:sld>
 </file>
 
@@ -3161,12 +3152,108 @@
           <a:chExt cx="0" cy="0"/>
         </a:xfrm>
       </p:grpSpPr>
+      <p:pic>
+        <p:nvPicPr>
+          <p:cNvPr id="5" name="Рисунок 4">
+            <a:extLst>
+              <a:ext uri="{FF2B5EF4-FFF2-40B4-BE49-F238E27FC236}">
+                <a16:creationId xmlns:a16="http://schemas.microsoft.com/office/drawing/2014/main" id="{0B6034CE-57D1-4B7B-8930-9F090CC6C8EC}"/>
+              </a:ext>
+            </a:extLst>
+          </p:cNvPr>
+          <p:cNvPicPr>
+            <a:picLocks noChangeAspect="1"/>
+          </p:cNvPicPr>
+          <p:nvPr/>
+        </p:nvPicPr>
+        <p:blipFill rotWithShape="1">
+          <a:blip r:embed="rId2">
+            <a:extLst>
+              <a:ext uri="{28A0092B-C50C-407E-A947-70E740481C1C}">
+                <a14:useLocalDpi xmlns:a14="http://schemas.microsoft.com/office/drawing/2010/main" val="0"/>
+              </a:ext>
+            </a:extLst>
+          </a:blip>
+          <a:srcRect l="8698" t="5123" r="11628" b="4507"/>
+          <a:stretch/>
+        </p:blipFill>
+        <p:spPr>
+          <a:xfrm>
+            <a:off x="0" y="0"/>
+            <a:ext cx="12239622" cy="6840537"/>
+          </a:xfrm>
+          <a:prstGeom prst="rect">
+            <a:avLst/>
+          </a:prstGeom>
+        </p:spPr>
+      </p:pic>
       <p:sp>
         <p:nvSpPr>
-          <p:cNvPr id="2" name="Заголовок 1">
+          <p:cNvPr id="6" name="Прямоугольник 5">
             <a:extLst>
               <a:ext uri="{FF2B5EF4-FFF2-40B4-BE49-F238E27FC236}">
-                <a16:creationId xmlns:a16="http://schemas.microsoft.com/office/drawing/2014/main" id="{6D8728E5-634E-46B1-9637-28E8C9DBD738}"/>
+                <a16:creationId xmlns:a16="http://schemas.microsoft.com/office/drawing/2014/main" id="{FB6F0110-83FD-4E31-8C7B-9E8426FADD0A}"/>
+              </a:ext>
+            </a:extLst>
+          </p:cNvPr>
+          <p:cNvSpPr/>
+          <p:nvPr/>
+        </p:nvSpPr>
+        <p:spPr>
+          <a:xfrm>
+            <a:off x="539811" y="540269"/>
+            <a:ext cx="11160000" cy="5760000"/>
+          </a:xfrm>
+          <a:prstGeom prst="rect">
+            <a:avLst/>
+          </a:prstGeom>
+          <a:solidFill>
+            <a:schemeClr val="tx1"/>
+          </a:solidFill>
+          <a:ln w="63500">
+            <a:solidFill>
+              <a:schemeClr val="accent6">
+                <a:lumMod val="75000"/>
+              </a:schemeClr>
+            </a:solidFill>
+          </a:ln>
+        </p:spPr>
+        <p:style>
+          <a:lnRef idx="2">
+            <a:schemeClr val="accent1">
+              <a:shade val="50000"/>
+            </a:schemeClr>
+          </a:lnRef>
+          <a:fillRef idx="1">
+            <a:schemeClr val="accent1"/>
+          </a:fillRef>
+          <a:effectRef idx="0">
+            <a:schemeClr val="accent1"/>
+          </a:effectRef>
+          <a:fontRef idx="minor">
+            <a:schemeClr val="lt1"/>
+          </a:fontRef>
+        </p:style>
+        <p:txBody>
+          <a:bodyPr rot="0" spcFirstLastPara="0" vertOverflow="overflow" horzOverflow="overflow" vert="horz" wrap="square" lIns="91797" tIns="45899" rIns="91797" bIns="45899" numCol="1" spcCol="0" rtlCol="0" fromWordArt="0" anchor="ctr" anchorCtr="0" forceAA="0" compatLnSpc="1">
+            <a:prstTxWarp prst="textNoShape">
+              <a:avLst/>
+            </a:prstTxWarp>
+            <a:noAutofit/>
+          </a:bodyPr>
+          <a:lstStyle/>
+          <a:p>
+            <a:pPr algn="ctr"/>
+            <a:endParaRPr lang="ru-RU" sz="1807"/>
+          </a:p>
+        </p:txBody>
+      </p:sp>
+      <p:sp>
+        <p:nvSpPr>
+          <p:cNvPr id="7" name="Заголовок 1">
+            <a:extLst>
+              <a:ext uri="{FF2B5EF4-FFF2-40B4-BE49-F238E27FC236}">
+                <a16:creationId xmlns:a16="http://schemas.microsoft.com/office/drawing/2014/main" id="{D8C68E9F-0BBA-48E0-AD2F-B2A2C7998DF6}"/>
               </a:ext>
             </a:extLst>
           </p:cNvPr>
@@ -3179,8 +3266,8 @@
         </p:nvSpPr>
         <p:spPr>
           <a:xfrm>
-            <a:off x="3240078" y="-22125"/>
-            <a:ext cx="5867170" cy="1330741"/>
+            <a:off x="3887823" y="540269"/>
+            <a:ext cx="4463976" cy="879456"/>
           </a:xfrm>
         </p:spPr>
         <p:txBody>
@@ -3190,148 +3277,53 @@
           <a:lstStyle/>
           <a:p>
             <a:r>
-              <a:rPr lang="ru-RU" dirty="0"/>
-              <a:t>Сохранение структуры.       	Первые попытки.</a:t>
+              <a:rPr lang="ru-RU" sz="4000" dirty="0">
+                <a:solidFill>
+                  <a:srgbClr val="5ECA8C"/>
+                </a:solidFill>
+                <a:latin typeface="RodchenkoCTT" pitchFamily="2" charset="0"/>
+              </a:rPr>
+              <a:t>Приближение/Зум</a:t>
             </a:r>
           </a:p>
         </p:txBody>
       </p:sp>
-    </p:spTree>
-    <p:extLst>
-      <p:ext uri="{BB962C8B-B14F-4D97-AF65-F5344CB8AC3E}">
-        <p14:creationId xmlns:p14="http://schemas.microsoft.com/office/powerpoint/2010/main" val="870532218"/>
-      </p:ext>
-    </p:extLst>
-  </p:cSld>
-  <p:clrMapOvr>
-    <a:masterClrMapping/>
-  </p:clrMapOvr>
-</p:sld>
-</file>
-
-<file path=ppt/slides/slide11.xml><?xml version="1.0" encoding="utf-8"?>
-<p:sld xmlns:a="http://schemas.openxmlformats.org/drawingml/2006/main" xmlns:r="http://schemas.openxmlformats.org/officeDocument/2006/relationships" xmlns:p="http://schemas.openxmlformats.org/presentationml/2006/main">
-  <p:cSld>
-    <p:spTree>
-      <p:nvGrpSpPr>
-        <p:cNvPr id="1" name=""/>
-        <p:cNvGrpSpPr/>
-        <p:nvPr/>
-      </p:nvGrpSpPr>
-      <p:grpSpPr>
-        <a:xfrm>
-          <a:off x="0" y="0"/>
-          <a:ext cx="0" cy="0"/>
-          <a:chOff x="0" y="0"/>
-          <a:chExt cx="0" cy="0"/>
-        </a:xfrm>
-      </p:grpSpPr>
-      <p:sp>
-        <p:nvSpPr>
-          <p:cNvPr id="2" name="Заголовок 1">
+      <p:pic>
+        <p:nvPicPr>
+          <p:cNvPr id="8" name="Рисунок 7">
             <a:extLst>
               <a:ext uri="{FF2B5EF4-FFF2-40B4-BE49-F238E27FC236}">
-                <a16:creationId xmlns:a16="http://schemas.microsoft.com/office/drawing/2014/main" id="{6D8728E5-634E-46B1-9637-28E8C9DBD738}"/>
+                <a16:creationId xmlns:a16="http://schemas.microsoft.com/office/drawing/2014/main" id="{C5C7DEAB-B1C3-48ED-8152-5C2E3D2E8D2D}"/>
               </a:ext>
             </a:extLst>
           </p:cNvPr>
-          <p:cNvSpPr>
-            <a:spLocks noGrp="1"/>
-          </p:cNvSpPr>
-          <p:nvPr>
-            <p:ph type="title"/>
-          </p:nvPr>
-        </p:nvSpPr>
+          <p:cNvPicPr>
+            <a:picLocks noChangeAspect="1"/>
+          </p:cNvPicPr>
+          <p:nvPr/>
+        </p:nvPicPr>
+        <p:blipFill>
+          <a:blip r:embed="rId3"/>
+          <a:stretch>
+            <a:fillRect/>
+          </a:stretch>
+        </p:blipFill>
         <p:spPr>
           <a:xfrm>
-            <a:off x="2671378" y="-22125"/>
-            <a:ext cx="6896868" cy="1330741"/>
+            <a:off x="4401514" y="1822487"/>
+            <a:ext cx="3065690" cy="3658895"/>
           </a:xfrm>
+          <a:prstGeom prst="rect">
+            <a:avLst/>
+          </a:prstGeom>
         </p:spPr>
-        <p:txBody>
-          <a:bodyPr>
-            <a:normAutofit fontScale="90000"/>
-          </a:bodyPr>
-          <a:lstStyle/>
-          <a:p>
-            <a:r>
-              <a:rPr lang="ru-RU" dirty="0"/>
-              <a:t>Сохранение структуры.       	Окончательное решение.</a:t>
-            </a:r>
-          </a:p>
-        </p:txBody>
-      </p:sp>
-    </p:spTree>
-    <p:extLst>
-      <p:ext uri="{BB962C8B-B14F-4D97-AF65-F5344CB8AC3E}">
-        <p14:creationId xmlns:p14="http://schemas.microsoft.com/office/powerpoint/2010/main" val="141687886"/>
-      </p:ext>
-    </p:extLst>
-  </p:cSld>
-  <p:clrMapOvr>
-    <a:masterClrMapping/>
-  </p:clrMapOvr>
-</p:sld>
-</file>
-
-<file path=ppt/slides/slide12.xml><?xml version="1.0" encoding="utf-8"?>
-<p:sld xmlns:a="http://schemas.openxmlformats.org/drawingml/2006/main" xmlns:r="http://schemas.openxmlformats.org/officeDocument/2006/relationships" xmlns:p="http://schemas.openxmlformats.org/presentationml/2006/main">
-  <p:cSld>
-    <p:spTree>
-      <p:nvGrpSpPr>
-        <p:cNvPr id="1" name=""/>
-        <p:cNvGrpSpPr/>
-        <p:nvPr/>
-      </p:nvGrpSpPr>
-      <p:grpSpPr>
-        <a:xfrm>
-          <a:off x="0" y="0"/>
-          <a:ext cx="0" cy="0"/>
-          <a:chOff x="0" y="0"/>
-          <a:chExt cx="0" cy="0"/>
-        </a:xfrm>
-      </p:grpSpPr>
-      <p:sp>
-        <p:nvSpPr>
-          <p:cNvPr id="2" name="Заголовок 1">
+      </p:pic>
+      <p:grpSp>
+        <p:nvGrpSpPr>
+          <p:cNvPr id="9" name="Группа 8">
             <a:extLst>
               <a:ext uri="{FF2B5EF4-FFF2-40B4-BE49-F238E27FC236}">
-                <a16:creationId xmlns:a16="http://schemas.microsoft.com/office/drawing/2014/main" id="{6D8728E5-634E-46B1-9637-28E8C9DBD738}"/>
-              </a:ext>
-            </a:extLst>
-          </p:cNvPr>
-          <p:cNvSpPr>
-            <a:spLocks noGrp="1"/>
-          </p:cNvSpPr>
-          <p:nvPr>
-            <p:ph type="title"/>
-          </p:nvPr>
-        </p:nvSpPr>
-        <p:spPr>
-          <a:xfrm>
-            <a:off x="4301483" y="-22125"/>
-            <a:ext cx="3636658" cy="1330741"/>
-          </a:xfrm>
-        </p:spPr>
-        <p:txBody>
-          <a:bodyPr>
-            <a:normAutofit/>
-          </a:bodyPr>
-          <a:lstStyle/>
-          <a:p>
-            <a:r>
-              <a:rPr lang="ru-RU" dirty="0"/>
-              <a:t>Похожая игра</a:t>
-            </a:r>
-          </a:p>
-        </p:txBody>
-      </p:sp>
-      <p:grpSp>
-        <p:nvGrpSpPr>
-          <p:cNvPr id="8" name="Группа 7">
-            <a:extLst>
-              <a:ext uri="{FF2B5EF4-FFF2-40B4-BE49-F238E27FC236}">
-                <a16:creationId xmlns:a16="http://schemas.microsoft.com/office/drawing/2014/main" id="{10EDBB06-031A-4E91-8294-4A5A06AB743E}"/>
+                <a16:creationId xmlns:a16="http://schemas.microsoft.com/office/drawing/2014/main" id="{31C2DDDB-A457-48AE-BBE0-3640944FBFBE}"/>
               </a:ext>
             </a:extLst>
           </p:cNvPr>
@@ -3340,38 +3332,429 @@
         </p:nvGrpSpPr>
         <p:grpSpPr>
           <a:xfrm>
-            <a:off x="1650338" y="1761465"/>
-            <a:ext cx="8499515" cy="1753025"/>
-            <a:chOff x="1643915" y="1776649"/>
-            <a:chExt cx="8466443" cy="1746204"/>
+            <a:off x="5562889" y="1565799"/>
+            <a:ext cx="1422586" cy="1607707"/>
+            <a:chOff x="5542990" y="1538905"/>
+            <a:chExt cx="1422586" cy="1607707"/>
           </a:xfrm>
         </p:grpSpPr>
-        <p:sp>
-          <p:nvSpPr>
-            <p:cNvPr id="5" name="Левая фигурная скобка 4">
+        <p:cxnSp>
+          <p:nvCxnSpPr>
+            <p:cNvPr id="10" name="Прямая со стрелкой 9">
               <a:extLst>
                 <a:ext uri="{FF2B5EF4-FFF2-40B4-BE49-F238E27FC236}">
-                  <a16:creationId xmlns:a16="http://schemas.microsoft.com/office/drawing/2014/main" id="{7B8918CE-9140-454B-8AA1-247864A6B4AD}"/>
+                  <a16:creationId xmlns:a16="http://schemas.microsoft.com/office/drawing/2014/main" id="{4FA8C419-7227-4FCD-9AA9-ABEC847FF9B7}"/>
                 </a:ext>
               </a:extLst>
             </p:cNvPr>
-            <p:cNvSpPr/>
+            <p:cNvCxnSpPr>
+              <a:cxnSpLocks/>
+            </p:cNvCxnSpPr>
             <p:nvPr/>
-          </p:nvSpPr>
+          </p:nvCxnSpPr>
           <p:spPr>
-            <a:xfrm rot="5400000">
-              <a:off x="5339855" y="-890079"/>
-              <a:ext cx="1038318" cy="6371774"/>
+            <a:xfrm flipV="1">
+              <a:off x="6696635" y="1538905"/>
+              <a:ext cx="268941" cy="371398"/>
             </a:xfrm>
-            <a:prstGeom prst="leftBrace">
+            <a:prstGeom prst="straightConnector1">
               <a:avLst/>
             </a:prstGeom>
             <a:ln w="38100">
               <a:solidFill>
-                <a:schemeClr val="tx1">
-                  <a:lumMod val="95000"/>
-                  <a:lumOff val="5000"/>
-                </a:schemeClr>
+                <a:srgbClr val="5ECA8C"/>
+              </a:solidFill>
+              <a:tailEnd type="triangle"/>
+            </a:ln>
+          </p:spPr>
+          <p:style>
+            <a:lnRef idx="1">
+              <a:schemeClr val="accent1"/>
+            </a:lnRef>
+            <a:fillRef idx="0">
+              <a:schemeClr val="accent1"/>
+            </a:fillRef>
+            <a:effectRef idx="0">
+              <a:schemeClr val="accent1"/>
+            </a:effectRef>
+            <a:fontRef idx="minor">
+              <a:schemeClr val="tx1"/>
+            </a:fontRef>
+          </p:style>
+        </p:cxnSp>
+        <p:cxnSp>
+          <p:nvCxnSpPr>
+            <p:cNvPr id="11" name="Прямая со стрелкой 10">
+              <a:extLst>
+                <a:ext uri="{FF2B5EF4-FFF2-40B4-BE49-F238E27FC236}">
+                  <a16:creationId xmlns:a16="http://schemas.microsoft.com/office/drawing/2014/main" id="{0497F085-A71E-477A-8CCB-4B3A5897A815}"/>
+                </a:ext>
+              </a:extLst>
+            </p:cNvPr>
+            <p:cNvCxnSpPr>
+              <a:cxnSpLocks/>
+            </p:cNvCxnSpPr>
+            <p:nvPr/>
+          </p:nvCxnSpPr>
+          <p:spPr>
+            <a:xfrm>
+              <a:off x="6696635" y="2821970"/>
+              <a:ext cx="268941" cy="324642"/>
+            </a:xfrm>
+            <a:prstGeom prst="straightConnector1">
+              <a:avLst/>
+            </a:prstGeom>
+            <a:ln w="38100">
+              <a:solidFill>
+                <a:srgbClr val="5ECA8C"/>
+              </a:solidFill>
+              <a:tailEnd type="triangle"/>
+            </a:ln>
+          </p:spPr>
+          <p:style>
+            <a:lnRef idx="1">
+              <a:schemeClr val="accent1"/>
+            </a:lnRef>
+            <a:fillRef idx="0">
+              <a:schemeClr val="accent1"/>
+            </a:fillRef>
+            <a:effectRef idx="0">
+              <a:schemeClr val="accent1"/>
+            </a:effectRef>
+            <a:fontRef idx="minor">
+              <a:schemeClr val="tx1"/>
+            </a:fontRef>
+          </p:style>
+        </p:cxnSp>
+        <p:cxnSp>
+          <p:nvCxnSpPr>
+            <p:cNvPr id="12" name="Прямая со стрелкой 11">
+              <a:extLst>
+                <a:ext uri="{FF2B5EF4-FFF2-40B4-BE49-F238E27FC236}">
+                  <a16:creationId xmlns:a16="http://schemas.microsoft.com/office/drawing/2014/main" id="{CDFC5040-8CFD-4A7B-A51D-C3879037207E}"/>
+                </a:ext>
+              </a:extLst>
+            </p:cNvPr>
+            <p:cNvCxnSpPr>
+              <a:cxnSpLocks/>
+            </p:cNvCxnSpPr>
+            <p:nvPr/>
+          </p:nvCxnSpPr>
+          <p:spPr>
+            <a:xfrm flipH="1">
+              <a:off x="5542990" y="2821970"/>
+              <a:ext cx="279586" cy="324642"/>
+            </a:xfrm>
+            <a:prstGeom prst="straightConnector1">
+              <a:avLst/>
+            </a:prstGeom>
+            <a:ln w="38100">
+              <a:solidFill>
+                <a:srgbClr val="5ECA8C"/>
+              </a:solidFill>
+              <a:tailEnd type="triangle"/>
+            </a:ln>
+          </p:spPr>
+          <p:style>
+            <a:lnRef idx="1">
+              <a:schemeClr val="accent1"/>
+            </a:lnRef>
+            <a:fillRef idx="0">
+              <a:schemeClr val="accent1"/>
+            </a:fillRef>
+            <a:effectRef idx="0">
+              <a:schemeClr val="accent1"/>
+            </a:effectRef>
+            <a:fontRef idx="minor">
+              <a:schemeClr val="tx1"/>
+            </a:fontRef>
+          </p:style>
+        </p:cxnSp>
+        <p:cxnSp>
+          <p:nvCxnSpPr>
+            <p:cNvPr id="13" name="Прямая со стрелкой 12">
+              <a:extLst>
+                <a:ext uri="{FF2B5EF4-FFF2-40B4-BE49-F238E27FC236}">
+                  <a16:creationId xmlns:a16="http://schemas.microsoft.com/office/drawing/2014/main" id="{0B8D0B5A-4B23-47C6-A220-DFF72851F861}"/>
+                </a:ext>
+              </a:extLst>
+            </p:cNvPr>
+            <p:cNvCxnSpPr>
+              <a:cxnSpLocks/>
+            </p:cNvCxnSpPr>
+            <p:nvPr/>
+          </p:nvCxnSpPr>
+          <p:spPr>
+            <a:xfrm flipH="1" flipV="1">
+              <a:off x="5542990" y="1538905"/>
+              <a:ext cx="279586" cy="371398"/>
+            </a:xfrm>
+            <a:prstGeom prst="straightConnector1">
+              <a:avLst/>
+            </a:prstGeom>
+            <a:ln w="38100">
+              <a:solidFill>
+                <a:srgbClr val="5ECA8C"/>
+              </a:solidFill>
+              <a:tailEnd type="triangle"/>
+            </a:ln>
+          </p:spPr>
+          <p:style>
+            <a:lnRef idx="1">
+              <a:schemeClr val="accent1"/>
+            </a:lnRef>
+            <a:fillRef idx="0">
+              <a:schemeClr val="accent1"/>
+            </a:fillRef>
+            <a:effectRef idx="0">
+              <a:schemeClr val="accent1"/>
+            </a:effectRef>
+            <a:fontRef idx="minor">
+              <a:schemeClr val="tx1"/>
+            </a:fontRef>
+          </p:style>
+        </p:cxnSp>
+      </p:grpSp>
+      <p:grpSp>
+        <p:nvGrpSpPr>
+          <p:cNvPr id="14" name="Группа 13">
+            <a:extLst>
+              <a:ext uri="{FF2B5EF4-FFF2-40B4-BE49-F238E27FC236}">
+                <a16:creationId xmlns:a16="http://schemas.microsoft.com/office/drawing/2014/main" id="{C3D95564-4B8F-4A5D-8571-FB6353602FD0}"/>
+              </a:ext>
+            </a:extLst>
+          </p:cNvPr>
+          <p:cNvGrpSpPr/>
+          <p:nvPr/>
+        </p:nvGrpSpPr>
+        <p:grpSpPr>
+          <a:xfrm>
+            <a:off x="4219750" y="4078161"/>
+            <a:ext cx="1422586" cy="1607707"/>
+            <a:chOff x="5542990" y="1538905"/>
+            <a:chExt cx="1422586" cy="1607707"/>
+          </a:xfrm>
+        </p:grpSpPr>
+        <p:cxnSp>
+          <p:nvCxnSpPr>
+            <p:cNvPr id="15" name="Прямая со стрелкой 14">
+              <a:extLst>
+                <a:ext uri="{FF2B5EF4-FFF2-40B4-BE49-F238E27FC236}">
+                  <a16:creationId xmlns:a16="http://schemas.microsoft.com/office/drawing/2014/main" id="{4D9ED824-5E8A-4664-867B-1A94F011C7B9}"/>
+                </a:ext>
+              </a:extLst>
+            </p:cNvPr>
+            <p:cNvCxnSpPr>
+              <a:cxnSpLocks/>
+            </p:cNvCxnSpPr>
+            <p:nvPr/>
+          </p:nvCxnSpPr>
+          <p:spPr>
+            <a:xfrm flipV="1">
+              <a:off x="6696635" y="1538905"/>
+              <a:ext cx="268941" cy="371398"/>
+            </a:xfrm>
+            <a:prstGeom prst="straightConnector1">
+              <a:avLst/>
+            </a:prstGeom>
+            <a:ln w="38100">
+              <a:solidFill>
+                <a:srgbClr val="5ECA8C"/>
+              </a:solidFill>
+              <a:tailEnd type="triangle"/>
+            </a:ln>
+          </p:spPr>
+          <p:style>
+            <a:lnRef idx="1">
+              <a:schemeClr val="accent1"/>
+            </a:lnRef>
+            <a:fillRef idx="0">
+              <a:schemeClr val="accent1"/>
+            </a:fillRef>
+            <a:effectRef idx="0">
+              <a:schemeClr val="accent1"/>
+            </a:effectRef>
+            <a:fontRef idx="minor">
+              <a:schemeClr val="tx1"/>
+            </a:fontRef>
+          </p:style>
+        </p:cxnSp>
+        <p:cxnSp>
+          <p:nvCxnSpPr>
+            <p:cNvPr id="16" name="Прямая со стрелкой 15">
+              <a:extLst>
+                <a:ext uri="{FF2B5EF4-FFF2-40B4-BE49-F238E27FC236}">
+                  <a16:creationId xmlns:a16="http://schemas.microsoft.com/office/drawing/2014/main" id="{AD4B055A-DBD5-454A-82D1-20505E3F887E}"/>
+                </a:ext>
+              </a:extLst>
+            </p:cNvPr>
+            <p:cNvCxnSpPr>
+              <a:cxnSpLocks/>
+            </p:cNvCxnSpPr>
+            <p:nvPr/>
+          </p:nvCxnSpPr>
+          <p:spPr>
+            <a:xfrm>
+              <a:off x="6696635" y="2821970"/>
+              <a:ext cx="268941" cy="324642"/>
+            </a:xfrm>
+            <a:prstGeom prst="straightConnector1">
+              <a:avLst/>
+            </a:prstGeom>
+            <a:ln w="38100">
+              <a:solidFill>
+                <a:srgbClr val="5ECA8C"/>
+              </a:solidFill>
+              <a:tailEnd type="triangle"/>
+            </a:ln>
+          </p:spPr>
+          <p:style>
+            <a:lnRef idx="1">
+              <a:schemeClr val="accent1"/>
+            </a:lnRef>
+            <a:fillRef idx="0">
+              <a:schemeClr val="accent1"/>
+            </a:fillRef>
+            <a:effectRef idx="0">
+              <a:schemeClr val="accent1"/>
+            </a:effectRef>
+            <a:fontRef idx="minor">
+              <a:schemeClr val="tx1"/>
+            </a:fontRef>
+          </p:style>
+        </p:cxnSp>
+        <p:cxnSp>
+          <p:nvCxnSpPr>
+            <p:cNvPr id="17" name="Прямая со стрелкой 16">
+              <a:extLst>
+                <a:ext uri="{FF2B5EF4-FFF2-40B4-BE49-F238E27FC236}">
+                  <a16:creationId xmlns:a16="http://schemas.microsoft.com/office/drawing/2014/main" id="{FD7577D8-2D69-43AA-925B-53E43CD18F0F}"/>
+                </a:ext>
+              </a:extLst>
+            </p:cNvPr>
+            <p:cNvCxnSpPr>
+              <a:cxnSpLocks/>
+            </p:cNvCxnSpPr>
+            <p:nvPr/>
+          </p:nvCxnSpPr>
+          <p:spPr>
+            <a:xfrm flipH="1">
+              <a:off x="5542990" y="2821970"/>
+              <a:ext cx="279586" cy="324642"/>
+            </a:xfrm>
+            <a:prstGeom prst="straightConnector1">
+              <a:avLst/>
+            </a:prstGeom>
+            <a:ln w="38100">
+              <a:solidFill>
+                <a:srgbClr val="5ECA8C"/>
+              </a:solidFill>
+              <a:tailEnd type="triangle"/>
+            </a:ln>
+          </p:spPr>
+          <p:style>
+            <a:lnRef idx="1">
+              <a:schemeClr val="accent1"/>
+            </a:lnRef>
+            <a:fillRef idx="0">
+              <a:schemeClr val="accent1"/>
+            </a:fillRef>
+            <a:effectRef idx="0">
+              <a:schemeClr val="accent1"/>
+            </a:effectRef>
+            <a:fontRef idx="minor">
+              <a:schemeClr val="tx1"/>
+            </a:fontRef>
+          </p:style>
+        </p:cxnSp>
+        <p:cxnSp>
+          <p:nvCxnSpPr>
+            <p:cNvPr id="18" name="Прямая со стрелкой 17">
+              <a:extLst>
+                <a:ext uri="{FF2B5EF4-FFF2-40B4-BE49-F238E27FC236}">
+                  <a16:creationId xmlns:a16="http://schemas.microsoft.com/office/drawing/2014/main" id="{78E1651D-D549-401D-9C14-35DFA0AE5DB9}"/>
+                </a:ext>
+              </a:extLst>
+            </p:cNvPr>
+            <p:cNvCxnSpPr>
+              <a:cxnSpLocks/>
+            </p:cNvCxnSpPr>
+            <p:nvPr/>
+          </p:nvCxnSpPr>
+          <p:spPr>
+            <a:xfrm flipH="1" flipV="1">
+              <a:off x="5542990" y="1538905"/>
+              <a:ext cx="279586" cy="371398"/>
+            </a:xfrm>
+            <a:prstGeom prst="straightConnector1">
+              <a:avLst/>
+            </a:prstGeom>
+            <a:ln w="38100">
+              <a:solidFill>
+                <a:srgbClr val="5ECA8C"/>
+              </a:solidFill>
+              <a:tailEnd type="triangle"/>
+            </a:ln>
+          </p:spPr>
+          <p:style>
+            <a:lnRef idx="1">
+              <a:schemeClr val="accent1"/>
+            </a:lnRef>
+            <a:fillRef idx="0">
+              <a:schemeClr val="accent1"/>
+            </a:fillRef>
+            <a:effectRef idx="0">
+              <a:schemeClr val="accent1"/>
+            </a:effectRef>
+            <a:fontRef idx="minor">
+              <a:schemeClr val="tx1"/>
+            </a:fontRef>
+          </p:style>
+        </p:cxnSp>
+      </p:grpSp>
+      <p:grpSp>
+        <p:nvGrpSpPr>
+          <p:cNvPr id="19" name="Группа 18">
+            <a:extLst>
+              <a:ext uri="{FF2B5EF4-FFF2-40B4-BE49-F238E27FC236}">
+                <a16:creationId xmlns:a16="http://schemas.microsoft.com/office/drawing/2014/main" id="{1B666619-5682-4BE7-B849-CB86905A647C}"/>
+              </a:ext>
+            </a:extLst>
+          </p:cNvPr>
+          <p:cNvGrpSpPr/>
+          <p:nvPr/>
+        </p:nvGrpSpPr>
+        <p:grpSpPr>
+          <a:xfrm>
+            <a:off x="3711388" y="1419725"/>
+            <a:ext cx="5535897" cy="4779369"/>
+            <a:chOff x="3711388" y="1419725"/>
+            <a:chExt cx="5535897" cy="4779369"/>
+          </a:xfrm>
+        </p:grpSpPr>
+        <p:cxnSp>
+          <p:nvCxnSpPr>
+            <p:cNvPr id="20" name="Прямая соединительная линия 19">
+              <a:extLst>
+                <a:ext uri="{FF2B5EF4-FFF2-40B4-BE49-F238E27FC236}">
+                  <a16:creationId xmlns:a16="http://schemas.microsoft.com/office/drawing/2014/main" id="{0554BABF-E3DA-4237-9688-4B8714CA0153}"/>
+                </a:ext>
+              </a:extLst>
+            </p:cNvPr>
+            <p:cNvCxnSpPr/>
+            <p:nvPr/>
+          </p:nvCxnSpPr>
+          <p:spPr>
+            <a:xfrm>
+              <a:off x="3711388" y="5481382"/>
+              <a:ext cx="3755816" cy="0"/>
+            </a:xfrm>
+            <a:prstGeom prst="line">
+              <a:avLst/>
+            </a:prstGeom>
+            <a:ln w="38100">
+              <a:solidFill>
+                <a:srgbClr val="5ECA8C"/>
               </a:solidFill>
             </a:ln>
           </p:spPr>
@@ -3389,147 +3772,260 @@
               <a:schemeClr val="tx1"/>
             </a:fontRef>
           </p:style>
+        </p:cxnSp>
+        <p:cxnSp>
+          <p:nvCxnSpPr>
+            <p:cNvPr id="21" name="Прямая соединительная линия 20">
+              <a:extLst>
+                <a:ext uri="{FF2B5EF4-FFF2-40B4-BE49-F238E27FC236}">
+                  <a16:creationId xmlns:a16="http://schemas.microsoft.com/office/drawing/2014/main" id="{CEC9158F-3D14-40E6-AEF9-5F1E2CADDA4A}"/>
+                </a:ext>
+              </a:extLst>
+            </p:cNvPr>
+            <p:cNvCxnSpPr>
+              <a:cxnSpLocks/>
+            </p:cNvCxnSpPr>
+            <p:nvPr/>
+          </p:nvCxnSpPr>
+          <p:spPr>
+            <a:xfrm flipV="1">
+              <a:off x="7467204" y="1419725"/>
+              <a:ext cx="0" cy="4061121"/>
+            </a:xfrm>
+            <a:prstGeom prst="line">
+              <a:avLst/>
+            </a:prstGeom>
+            <a:ln w="38100">
+              <a:solidFill>
+                <a:srgbClr val="5ECA8C"/>
+              </a:solidFill>
+            </a:ln>
+          </p:spPr>
+          <p:style>
+            <a:lnRef idx="1">
+              <a:schemeClr val="accent1"/>
+            </a:lnRef>
+            <a:fillRef idx="0">
+              <a:schemeClr val="accent1"/>
+            </a:fillRef>
+            <a:effectRef idx="0">
+              <a:schemeClr val="accent1"/>
+            </a:effectRef>
+            <a:fontRef idx="minor">
+              <a:schemeClr val="tx1"/>
+            </a:fontRef>
+          </p:style>
+        </p:cxnSp>
+        <p:cxnSp>
+          <p:nvCxnSpPr>
+            <p:cNvPr id="22" name="Прямая со стрелкой 21">
+              <a:extLst>
+                <a:ext uri="{FF2B5EF4-FFF2-40B4-BE49-F238E27FC236}">
+                  <a16:creationId xmlns:a16="http://schemas.microsoft.com/office/drawing/2014/main" id="{6CA08FE3-D65D-4A1E-A68D-73A0BAB22F4D}"/>
+                </a:ext>
+              </a:extLst>
+            </p:cNvPr>
+            <p:cNvCxnSpPr>
+              <a:cxnSpLocks/>
+            </p:cNvCxnSpPr>
+            <p:nvPr/>
+          </p:nvCxnSpPr>
+          <p:spPr>
+            <a:xfrm>
+              <a:off x="7456313" y="3409392"/>
+              <a:ext cx="1790972" cy="0"/>
+            </a:xfrm>
+            <a:prstGeom prst="straightConnector1">
+              <a:avLst/>
+            </a:prstGeom>
+            <a:ln w="38100">
+              <a:solidFill>
+                <a:srgbClr val="5ECA8C"/>
+              </a:solidFill>
+              <a:tailEnd type="triangle"/>
+            </a:ln>
+          </p:spPr>
+          <p:style>
+            <a:lnRef idx="1">
+              <a:schemeClr val="accent1"/>
+            </a:lnRef>
+            <a:fillRef idx="0">
+              <a:schemeClr val="accent1"/>
+            </a:fillRef>
+            <a:effectRef idx="0">
+              <a:schemeClr val="accent1"/>
+            </a:effectRef>
+            <a:fontRef idx="minor">
+              <a:schemeClr val="tx1"/>
+            </a:fontRef>
+          </p:style>
+        </p:cxnSp>
+        <p:cxnSp>
+          <p:nvCxnSpPr>
+            <p:cNvPr id="23" name="Прямая со стрелкой 22">
+              <a:extLst>
+                <a:ext uri="{FF2B5EF4-FFF2-40B4-BE49-F238E27FC236}">
+                  <a16:creationId xmlns:a16="http://schemas.microsoft.com/office/drawing/2014/main" id="{6DCEF4AD-781D-494E-A964-A75D62024A1F}"/>
+                </a:ext>
+              </a:extLst>
+            </p:cNvPr>
+            <p:cNvCxnSpPr>
+              <a:cxnSpLocks/>
+            </p:cNvCxnSpPr>
+            <p:nvPr/>
+          </p:nvCxnSpPr>
+          <p:spPr>
+            <a:xfrm>
+              <a:off x="5373395" y="5480846"/>
+              <a:ext cx="0" cy="718248"/>
+            </a:xfrm>
+            <a:prstGeom prst="straightConnector1">
+              <a:avLst/>
+            </a:prstGeom>
+            <a:ln w="38100">
+              <a:solidFill>
+                <a:srgbClr val="5ECA8C"/>
+              </a:solidFill>
+              <a:tailEnd type="triangle"/>
+            </a:ln>
+          </p:spPr>
+          <p:style>
+            <a:lnRef idx="1">
+              <a:schemeClr val="accent1"/>
+            </a:lnRef>
+            <a:fillRef idx="0">
+              <a:schemeClr val="accent1"/>
+            </a:fillRef>
+            <a:effectRef idx="0">
+              <a:schemeClr val="accent1"/>
+            </a:effectRef>
+            <a:fontRef idx="minor">
+              <a:schemeClr val="tx1"/>
+            </a:fontRef>
+          </p:style>
+        </p:cxnSp>
+      </p:grpSp>
+      <p:grpSp>
+        <p:nvGrpSpPr>
+          <p:cNvPr id="24" name="Группа 23">
+            <a:extLst>
+              <a:ext uri="{FF2B5EF4-FFF2-40B4-BE49-F238E27FC236}">
+                <a16:creationId xmlns:a16="http://schemas.microsoft.com/office/drawing/2014/main" id="{70816A0A-721A-46FC-A6CE-506DE7A70256}"/>
+              </a:ext>
+            </a:extLst>
+          </p:cNvPr>
+          <p:cNvGrpSpPr/>
+          <p:nvPr/>
+        </p:nvGrpSpPr>
+        <p:grpSpPr>
+          <a:xfrm>
+            <a:off x="7086547" y="5060349"/>
+            <a:ext cx="504236" cy="562053"/>
+            <a:chOff x="7086547" y="5060349"/>
+            <a:chExt cx="504236" cy="562053"/>
+          </a:xfrm>
+        </p:grpSpPr>
+        <p:sp>
+          <p:nvSpPr>
+            <p:cNvPr id="25" name="Овал 24">
+              <a:extLst>
+                <a:ext uri="{FF2B5EF4-FFF2-40B4-BE49-F238E27FC236}">
+                  <a16:creationId xmlns:a16="http://schemas.microsoft.com/office/drawing/2014/main" id="{C026F571-B33F-464E-A3D4-B041D7C62BC1}"/>
+                </a:ext>
+              </a:extLst>
+            </p:cNvPr>
+            <p:cNvSpPr/>
+            <p:nvPr/>
+          </p:nvSpPr>
+          <p:spPr>
+            <a:xfrm>
+              <a:off x="7086547" y="5060349"/>
+              <a:ext cx="279586" cy="324642"/>
+            </a:xfrm>
+            <a:prstGeom prst="ellipse">
+              <a:avLst/>
+            </a:prstGeom>
+            <a:noFill/>
+            <a:ln w="38100">
+              <a:solidFill>
+                <a:srgbClr val="5ECA8C"/>
+              </a:solidFill>
+            </a:ln>
+          </p:spPr>
+          <p:style>
+            <a:lnRef idx="2">
+              <a:schemeClr val="accent1">
+                <a:shade val="50000"/>
+              </a:schemeClr>
+            </a:lnRef>
+            <a:fillRef idx="1">
+              <a:schemeClr val="accent1"/>
+            </a:fillRef>
+            <a:effectRef idx="0">
+              <a:schemeClr val="accent1"/>
+            </a:effectRef>
+            <a:fontRef idx="minor">
+              <a:schemeClr val="lt1"/>
+            </a:fontRef>
+          </p:style>
           <p:txBody>
             <a:bodyPr rtlCol="0" anchor="ctr"/>
             <a:lstStyle/>
             <a:p>
               <a:pPr algn="ctr"/>
-              <a:endParaRPr lang="ru-RU" sz="1807" dirty="0"/>
+              <a:endParaRPr lang="ru-RU"/>
             </a:p>
           </p:txBody>
         </p:sp>
-        <p:sp>
-          <p:nvSpPr>
-            <p:cNvPr id="6" name="TextBox 5">
+        <p:cxnSp>
+          <p:nvCxnSpPr>
+            <p:cNvPr id="26" name="Прямая со стрелкой 25">
               <a:extLst>
                 <a:ext uri="{FF2B5EF4-FFF2-40B4-BE49-F238E27FC236}">
-                  <a16:creationId xmlns:a16="http://schemas.microsoft.com/office/drawing/2014/main" id="{96B8528D-B3A6-42B8-B5A1-64FB1C2A4D5C}"/>
+                  <a16:creationId xmlns:a16="http://schemas.microsoft.com/office/drawing/2014/main" id="{5C049987-0A48-43D5-A848-22037AAFF637}"/>
                 </a:ext>
               </a:extLst>
             </p:cNvPr>
-            <p:cNvSpPr txBox="1"/>
+            <p:cNvCxnSpPr>
+              <a:cxnSpLocks/>
+            </p:cNvCxnSpPr>
             <p:nvPr/>
-          </p:nvSpPr>
+          </p:nvCxnSpPr>
           <p:spPr>
             <a:xfrm>
-              <a:off x="1643915" y="2814967"/>
-              <a:ext cx="2117824" cy="707886"/>
+              <a:off x="7321842" y="5297760"/>
+              <a:ext cx="268941" cy="324642"/>
             </a:xfrm>
-            <a:prstGeom prst="rect">
+            <a:prstGeom prst="straightConnector1">
               <a:avLst/>
             </a:prstGeom>
-            <a:noFill/>
-            <a:ln w="28575">
+            <a:ln w="38100">
               <a:solidFill>
-                <a:schemeClr val="tx1"/>
+                <a:srgbClr val="5ECA8C"/>
               </a:solidFill>
+              <a:tailEnd type="triangle"/>
             </a:ln>
           </p:spPr>
-          <p:txBody>
-            <a:bodyPr wrap="none" rtlCol="0">
-              <a:spAutoFit/>
-            </a:bodyPr>
-            <a:lstStyle/>
-            <a:p>
-              <a:r>
-                <a:rPr lang="ru-RU" sz="4016" dirty="0"/>
-                <a:t>Сходства</a:t>
-              </a:r>
-            </a:p>
-          </p:txBody>
-        </p:sp>
-        <p:sp>
-          <p:nvSpPr>
-            <p:cNvPr id="7" name="TextBox 6">
-              <a:extLst>
-                <a:ext uri="{FF2B5EF4-FFF2-40B4-BE49-F238E27FC236}">
-                  <a16:creationId xmlns:a16="http://schemas.microsoft.com/office/drawing/2014/main" id="{7DEBC570-CD86-4ED0-934D-BF45D0F6A46C}"/>
-                </a:ext>
-              </a:extLst>
-            </p:cNvPr>
-            <p:cNvSpPr txBox="1"/>
-            <p:nvPr/>
-          </p:nvSpPr>
-          <p:spPr>
-            <a:xfrm>
-              <a:off x="7907254" y="2814967"/>
-              <a:ext cx="2203104" cy="707886"/>
-            </a:xfrm>
-            <a:prstGeom prst="rect">
-              <a:avLst/>
-            </a:prstGeom>
-            <a:noFill/>
-            <a:ln w="28575">
-              <a:solidFill>
-                <a:schemeClr val="tx1"/>
-              </a:solidFill>
-            </a:ln>
-          </p:spPr>
-          <p:txBody>
-            <a:bodyPr wrap="none" rtlCol="0">
-              <a:spAutoFit/>
-            </a:bodyPr>
-            <a:lstStyle/>
-            <a:p>
-              <a:r>
-                <a:rPr lang="ru-RU" sz="4016" dirty="0"/>
-                <a:t>Различия</a:t>
-              </a:r>
-            </a:p>
-          </p:txBody>
-        </p:sp>
+          <p:style>
+            <a:lnRef idx="1">
+              <a:schemeClr val="accent1"/>
+            </a:lnRef>
+            <a:fillRef idx="0">
+              <a:schemeClr val="accent1"/>
+            </a:fillRef>
+            <a:effectRef idx="0">
+              <a:schemeClr val="accent1"/>
+            </a:effectRef>
+            <a:fontRef idx="minor">
+              <a:schemeClr val="tx1"/>
+            </a:fontRef>
+          </p:style>
+        </p:cxnSp>
       </p:grpSp>
-      <p:pic>
-        <p:nvPicPr>
-          <p:cNvPr id="1026" name="Picture 2" descr="Make it True — Solve the Circuit - Apps on Google Play">
-            <a:extLst>
-              <a:ext uri="{FF2B5EF4-FFF2-40B4-BE49-F238E27FC236}">
-                <a16:creationId xmlns:a16="http://schemas.microsoft.com/office/drawing/2014/main" id="{71AE3B87-ABF2-4CD3-96EB-A2A22AE8B9DE}"/>
-              </a:ext>
-            </a:extLst>
-          </p:cNvPr>
-          <p:cNvPicPr>
-            <a:picLocks noChangeAspect="1" noChangeArrowheads="1"/>
-          </p:cNvPicPr>
-          <p:nvPr/>
-        </p:nvPicPr>
-        <p:blipFill>
-          <a:blip r:embed="rId2">
-            <a:extLst>
-              <a:ext uri="{28A0092B-C50C-407E-A947-70E740481C1C}">
-                <a14:useLocalDpi xmlns:a14="http://schemas.microsoft.com/office/drawing/2010/main" val="0"/>
-              </a:ext>
-            </a:extLst>
-          </a:blip>
-          <a:srcRect/>
-          <a:stretch>
-            <a:fillRect/>
-          </a:stretch>
-        </p:blipFill>
-        <p:spPr bwMode="auto">
-          <a:xfrm>
-            <a:off x="4196379" y="-34204"/>
-            <a:ext cx="3371045" cy="1648766"/>
-          </a:xfrm>
-          <a:prstGeom prst="rect">
-            <a:avLst/>
-          </a:prstGeom>
-          <a:noFill/>
-          <a:extLst>
-            <a:ext uri="{909E8E84-426E-40DD-AFC4-6F175D3DCCD1}">
-              <a14:hiddenFill xmlns:a14="http://schemas.microsoft.com/office/drawing/2010/main">
-                <a:solidFill>
-                  <a:srgbClr val="FFFFFF"/>
-                </a:solidFill>
-              </a14:hiddenFill>
-            </a:ext>
-          </a:extLst>
-        </p:spPr>
-      </p:pic>
     </p:spTree>
     <p:extLst>
       <p:ext uri="{BB962C8B-B14F-4D97-AF65-F5344CB8AC3E}">
-        <p14:creationId xmlns:p14="http://schemas.microsoft.com/office/powerpoint/2010/main" val="3526349449"/>
+        <p14:creationId xmlns:p14="http://schemas.microsoft.com/office/powerpoint/2010/main" val="870532218"/>
       </p:ext>
     </p:extLst>
   </p:cSld>
@@ -3557,7 +4053,7 @@
                             </p:stCondLst>
                             <p:childTnLst>
                               <p:par>
-                                <p:cTn id="5" presetID="16" presetClass="entr" presetSubtype="21" fill="hold" nodeType="clickEffect">
+                                <p:cTn id="5" presetID="10" presetClass="entr" presetSubtype="0" fill="hold" nodeType="clickEffect">
                                   <p:stCondLst>
                                     <p:cond delay="0"/>
                                   </p:stCondLst>
@@ -3570,7 +4066,7 @@
                                           </p:stCondLst>
                                         </p:cTn>
                                         <p:tgtEl>
-                                          <p:spTgt spid="1026"/>
+                                          <p:spTgt spid="14"/>
                                         </p:tgtEl>
                                         <p:attrNameLst>
                                           <p:attrName>style.visibility</p:attrName>
@@ -3580,11 +4076,46 @@
                                         <p:strVal val="visible"/>
                                       </p:to>
                                     </p:set>
-                                    <p:animEffect transition="in" filter="barn(inVertical)">
+                                    <p:animEffect transition="in" filter="fade">
                                       <p:cBhvr>
                                         <p:cTn id="7" dur="500"/>
                                         <p:tgtEl>
-                                          <p:spTgt spid="1026"/>
+                                          <p:spTgt spid="14"/>
+                                        </p:tgtEl>
+                                      </p:cBhvr>
+                                    </p:animEffect>
+                                  </p:childTnLst>
+                                </p:cTn>
+                              </p:par>
+                              <p:par>
+                                <p:cTn id="8" presetID="10" presetClass="entr" presetSubtype="0" fill="hold" nodeType="withEffect">
+                                  <p:stCondLst>
+                                    <p:cond delay="0"/>
+                                  </p:stCondLst>
+                                  <p:childTnLst>
+                                    <p:set>
+                                      <p:cBhvr>
+                                        <p:cTn id="9" dur="1" fill="hold">
+                                          <p:stCondLst>
+                                            <p:cond delay="0"/>
+                                          </p:stCondLst>
+                                        </p:cTn>
+                                        <p:tgtEl>
+                                          <p:spTgt spid="9"/>
+                                        </p:tgtEl>
+                                        <p:attrNameLst>
+                                          <p:attrName>style.visibility</p:attrName>
+                                        </p:attrNameLst>
+                                      </p:cBhvr>
+                                      <p:to>
+                                        <p:strVal val="visible"/>
+                                      </p:to>
+                                    </p:set>
+                                    <p:animEffect transition="in" filter="fade">
+                                      <p:cBhvr>
+                                        <p:cTn id="10" dur="500"/>
+                                        <p:tgtEl>
+                                          <p:spTgt spid="9"/>
                                         </p:tgtEl>
                                       </p:cBhvr>
                                     </p:animEffect>
@@ -3598,32 +4129,102 @@
                     </p:cTn>
                   </p:par>
                   <p:par>
-                    <p:cTn id="8" fill="hold">
+                    <p:cTn id="11" fill="hold">
                       <p:stCondLst>
                         <p:cond delay="indefinite"/>
                       </p:stCondLst>
                       <p:childTnLst>
                         <p:par>
-                          <p:cTn id="9" fill="hold">
+                          <p:cTn id="12" fill="hold">
                             <p:stCondLst>
                               <p:cond delay="0"/>
                             </p:stCondLst>
                             <p:childTnLst>
                               <p:par>
-                                <p:cTn id="10" presetID="42" presetClass="entr" presetSubtype="0" fill="hold" nodeType="clickEffect">
+                                <p:cTn id="13" presetID="10" presetClass="exit" presetSubtype="0" fill="hold" nodeType="clickEffect">
+                                  <p:stCondLst>
+                                    <p:cond delay="0"/>
+                                  </p:stCondLst>
+                                  <p:childTnLst>
+                                    <p:animEffect transition="out" filter="fade">
+                                      <p:cBhvr>
+                                        <p:cTn id="14" dur="500"/>
+                                        <p:tgtEl>
+                                          <p:spTgt spid="14"/>
+                                        </p:tgtEl>
+                                      </p:cBhvr>
+                                    </p:animEffect>
+                                    <p:set>
+                                      <p:cBhvr>
+                                        <p:cTn id="15" dur="1" fill="hold">
+                                          <p:stCondLst>
+                                            <p:cond delay="499"/>
+                                          </p:stCondLst>
+                                        </p:cTn>
+                                        <p:tgtEl>
+                                          <p:spTgt spid="14"/>
+                                        </p:tgtEl>
+                                        <p:attrNameLst>
+                                          <p:attrName>style.visibility</p:attrName>
+                                        </p:attrNameLst>
+                                      </p:cBhvr>
+                                      <p:to>
+                                        <p:strVal val="hidden"/>
+                                      </p:to>
+                                    </p:set>
+                                  </p:childTnLst>
+                                </p:cTn>
+                              </p:par>
+                              <p:par>
+                                <p:cTn id="16" presetID="10" presetClass="exit" presetSubtype="0" fill="hold" nodeType="withEffect">
+                                  <p:stCondLst>
+                                    <p:cond delay="0"/>
+                                  </p:stCondLst>
+                                  <p:childTnLst>
+                                    <p:animEffect transition="out" filter="fade">
+                                      <p:cBhvr>
+                                        <p:cTn id="17" dur="500"/>
+                                        <p:tgtEl>
+                                          <p:spTgt spid="9"/>
+                                        </p:tgtEl>
+                                      </p:cBhvr>
+                                    </p:animEffect>
+                                    <p:set>
+                                      <p:cBhvr>
+                                        <p:cTn id="18" dur="1" fill="hold">
+                                          <p:stCondLst>
+                                            <p:cond delay="499"/>
+                                          </p:stCondLst>
+                                        </p:cTn>
+                                        <p:tgtEl>
+                                          <p:spTgt spid="9"/>
+                                        </p:tgtEl>
+                                        <p:attrNameLst>
+                                          <p:attrName>style.visibility</p:attrName>
+                                        </p:attrNameLst>
+                                      </p:cBhvr>
+                                      <p:to>
+                                        <p:strVal val="hidden"/>
+                                      </p:to>
+                                    </p:set>
+                                  </p:childTnLst>
+                                </p:cTn>
+                              </p:par>
+                              <p:par>
+                                <p:cTn id="19" presetID="10" presetClass="entr" presetSubtype="0" fill="hold" nodeType="withEffect">
                                   <p:stCondLst>
                                     <p:cond delay="0"/>
                                   </p:stCondLst>
                                   <p:childTnLst>
                                     <p:set>
                                       <p:cBhvr>
-                                        <p:cTn id="11" dur="1" fill="hold">
+                                        <p:cTn id="20" dur="1" fill="hold">
                                           <p:stCondLst>
                                             <p:cond delay="0"/>
                                           </p:stCondLst>
                                         </p:cTn>
                                         <p:tgtEl>
-                                          <p:spTgt spid="8"/>
+                                          <p:spTgt spid="19"/>
                                         </p:tgtEl>
                                         <p:attrNameLst>
                                           <p:attrName>style.visibility</p:attrName>
@@ -3635,58 +4236,100 @@
                                     </p:set>
                                     <p:animEffect transition="in" filter="fade">
                                       <p:cBhvr>
-                                        <p:cTn id="12" dur="1000"/>
+                                        <p:cTn id="21" dur="500"/>
                                         <p:tgtEl>
-                                          <p:spTgt spid="8"/>
+                                          <p:spTgt spid="19"/>
                                         </p:tgtEl>
                                       </p:cBhvr>
                                     </p:animEffect>
-                                    <p:anim calcmode="lin" valueType="num">
+                                  </p:childTnLst>
+                                </p:cTn>
+                              </p:par>
+                            </p:childTnLst>
+                          </p:cTn>
+                        </p:par>
+                      </p:childTnLst>
+                    </p:cTn>
+                  </p:par>
+                  <p:par>
+                    <p:cTn id="22" fill="hold">
+                      <p:stCondLst>
+                        <p:cond delay="indefinite"/>
+                      </p:stCondLst>
+                      <p:childTnLst>
+                        <p:par>
+                          <p:cTn id="23" fill="hold">
+                            <p:stCondLst>
+                              <p:cond delay="0"/>
+                            </p:stCondLst>
+                            <p:childTnLst>
+                              <p:par>
+                                <p:cTn id="24" presetID="10" presetClass="exit" presetSubtype="0" fill="hold" nodeType="clickEffect">
+                                  <p:stCondLst>
+                                    <p:cond delay="0"/>
+                                  </p:stCondLst>
+                                  <p:childTnLst>
+                                    <p:animEffect transition="out" filter="fade">
                                       <p:cBhvr>
-                                        <p:cTn id="13" dur="1000" fill="hold"/>
+                                        <p:cTn id="25" dur="500"/>
                                         <p:tgtEl>
-                                          <p:spTgt spid="8"/>
+                                          <p:spTgt spid="19"/>
+                                        </p:tgtEl>
+                                      </p:cBhvr>
+                                    </p:animEffect>
+                                    <p:set>
+                                      <p:cBhvr>
+                                        <p:cTn id="26" dur="1" fill="hold">
+                                          <p:stCondLst>
+                                            <p:cond delay="499"/>
+                                          </p:stCondLst>
+                                        </p:cTn>
+                                        <p:tgtEl>
+                                          <p:spTgt spid="19"/>
                                         </p:tgtEl>
                                         <p:attrNameLst>
-                                          <p:attrName>ppt_x</p:attrName>
+                                          <p:attrName>style.visibility</p:attrName>
                                         </p:attrNameLst>
                                       </p:cBhvr>
-                                      <p:tavLst>
-                                        <p:tav tm="0">
-                                          <p:val>
-                                            <p:strVal val="#ppt_x"/>
-                                          </p:val>
-                                        </p:tav>
-                                        <p:tav tm="100000">
-                                          <p:val>
-                                            <p:strVal val="#ppt_x"/>
-                                          </p:val>
-                                        </p:tav>
-                                      </p:tavLst>
-                                    </p:anim>
-                                    <p:anim calcmode="lin" valueType="num">
+                                      <p:to>
+                                        <p:strVal val="hidden"/>
+                                      </p:to>
+                                    </p:set>
+                                  </p:childTnLst>
+                                </p:cTn>
+                              </p:par>
+                              <p:par>
+                                <p:cTn id="27" presetID="10" presetClass="entr" presetSubtype="0" fill="hold" nodeType="withEffect">
+                                  <p:stCondLst>
+                                    <p:cond delay="0"/>
+                                  </p:stCondLst>
+                                  <p:childTnLst>
+                                    <p:set>
                                       <p:cBhvr>
-                                        <p:cTn id="14" dur="1000" fill="hold"/>
+                                        <p:cTn id="28" dur="1" fill="hold">
+                                          <p:stCondLst>
+                                            <p:cond delay="0"/>
+                                          </p:stCondLst>
+                                        </p:cTn>
                                         <p:tgtEl>
-                                          <p:spTgt spid="8"/>
+                                          <p:spTgt spid="24"/>
                                         </p:tgtEl>
                                         <p:attrNameLst>
-                                          <p:attrName>ppt_y</p:attrName>
+                                          <p:attrName>style.visibility</p:attrName>
                                         </p:attrNameLst>
                                       </p:cBhvr>
-                                      <p:tavLst>
-                                        <p:tav tm="0">
-                                          <p:val>
-                                            <p:strVal val="#ppt_y+.1"/>
-                                          </p:val>
-                                        </p:tav>
-                                        <p:tav tm="100000">
-                                          <p:val>
-                                            <p:strVal val="#ppt_y"/>
-                                          </p:val>
-                                        </p:tav>
-                                      </p:tavLst>
-                                    </p:anim>
+                                      <p:to>
+                                        <p:strVal val="visible"/>
+                                      </p:to>
+                                    </p:set>
+                                    <p:animEffect transition="in" filter="fade">
+                                      <p:cBhvr>
+                                        <p:cTn id="29" dur="500"/>
+                                        <p:tgtEl>
+                                          <p:spTgt spid="24"/>
+                                        </p:tgtEl>
+                                      </p:cBhvr>
+                                    </p:animEffect>
                                   </p:childTnLst>
                                 </p:cTn>
                               </p:par>
@@ -3721,7 +4364,6099 @@
 </p:sld>
 </file>
 
+<file path=ppt/slides/slide11.xml><?xml version="1.0" encoding="utf-8"?>
+<p:sld xmlns:a="http://schemas.openxmlformats.org/drawingml/2006/main" xmlns:r="http://schemas.openxmlformats.org/officeDocument/2006/relationships" xmlns:p="http://schemas.openxmlformats.org/presentationml/2006/main">
+  <p:cSld>
+    <p:spTree>
+      <p:nvGrpSpPr>
+        <p:cNvPr id="1" name=""/>
+        <p:cNvGrpSpPr/>
+        <p:nvPr/>
+      </p:nvGrpSpPr>
+      <p:grpSpPr>
+        <a:xfrm>
+          <a:off x="0" y="0"/>
+          <a:ext cx="0" cy="0"/>
+          <a:chOff x="0" y="0"/>
+          <a:chExt cx="0" cy="0"/>
+        </a:xfrm>
+      </p:grpSpPr>
+      <p:pic>
+        <p:nvPicPr>
+          <p:cNvPr id="35" name="Рисунок 34">
+            <a:extLst>
+              <a:ext uri="{FF2B5EF4-FFF2-40B4-BE49-F238E27FC236}">
+                <a16:creationId xmlns:a16="http://schemas.microsoft.com/office/drawing/2014/main" id="{2D112A79-7931-448A-B141-40A65A07CF3A}"/>
+              </a:ext>
+            </a:extLst>
+          </p:cNvPr>
+          <p:cNvPicPr>
+            <a:picLocks noChangeAspect="1"/>
+          </p:cNvPicPr>
+          <p:nvPr/>
+        </p:nvPicPr>
+        <p:blipFill rotWithShape="1">
+          <a:blip r:embed="rId2">
+            <a:extLst>
+              <a:ext uri="{28A0092B-C50C-407E-A947-70E740481C1C}">
+                <a14:useLocalDpi xmlns:a14="http://schemas.microsoft.com/office/drawing/2010/main" val="0"/>
+              </a:ext>
+            </a:extLst>
+          </a:blip>
+          <a:srcRect l="8698" t="5123" r="11628" b="4507"/>
+          <a:stretch/>
+        </p:blipFill>
+        <p:spPr>
+          <a:xfrm>
+            <a:off x="0" y="0"/>
+            <a:ext cx="12239622" cy="6840537"/>
+          </a:xfrm>
+          <a:prstGeom prst="rect">
+            <a:avLst/>
+          </a:prstGeom>
+        </p:spPr>
+      </p:pic>
+      <p:sp>
+        <p:nvSpPr>
+          <p:cNvPr id="36" name="Прямоугольник 35">
+            <a:extLst>
+              <a:ext uri="{FF2B5EF4-FFF2-40B4-BE49-F238E27FC236}">
+                <a16:creationId xmlns:a16="http://schemas.microsoft.com/office/drawing/2014/main" id="{E4D3DB9F-8756-4D0B-9759-967FF6EE21A4}"/>
+              </a:ext>
+            </a:extLst>
+          </p:cNvPr>
+          <p:cNvSpPr/>
+          <p:nvPr/>
+        </p:nvSpPr>
+        <p:spPr>
+          <a:xfrm>
+            <a:off x="539812" y="540269"/>
+            <a:ext cx="11160000" cy="5760000"/>
+          </a:xfrm>
+          <a:prstGeom prst="rect">
+            <a:avLst/>
+          </a:prstGeom>
+          <a:solidFill>
+            <a:schemeClr val="tx1"/>
+          </a:solidFill>
+          <a:ln w="63500">
+            <a:solidFill>
+              <a:schemeClr val="accent6">
+                <a:lumMod val="75000"/>
+              </a:schemeClr>
+            </a:solidFill>
+          </a:ln>
+        </p:spPr>
+        <p:style>
+          <a:lnRef idx="2">
+            <a:schemeClr val="accent1">
+              <a:shade val="50000"/>
+            </a:schemeClr>
+          </a:lnRef>
+          <a:fillRef idx="1">
+            <a:schemeClr val="accent1"/>
+          </a:fillRef>
+          <a:effectRef idx="0">
+            <a:schemeClr val="accent1"/>
+          </a:effectRef>
+          <a:fontRef idx="minor">
+            <a:schemeClr val="lt1"/>
+          </a:fontRef>
+        </p:style>
+        <p:txBody>
+          <a:bodyPr rot="0" spcFirstLastPara="0" vertOverflow="overflow" horzOverflow="overflow" vert="horz" wrap="square" lIns="91797" tIns="45899" rIns="91797" bIns="45899" numCol="1" spcCol="0" rtlCol="0" fromWordArt="0" anchor="ctr" anchorCtr="0" forceAA="0" compatLnSpc="1">
+            <a:prstTxWarp prst="textNoShape">
+              <a:avLst/>
+            </a:prstTxWarp>
+            <a:noAutofit/>
+          </a:bodyPr>
+          <a:lstStyle/>
+          <a:p>
+            <a:pPr algn="ctr"/>
+            <a:endParaRPr lang="ru-RU" sz="1807"/>
+          </a:p>
+        </p:txBody>
+      </p:sp>
+      <p:sp>
+        <p:nvSpPr>
+          <p:cNvPr id="37" name="Заголовок 1">
+            <a:extLst>
+              <a:ext uri="{FF2B5EF4-FFF2-40B4-BE49-F238E27FC236}">
+                <a16:creationId xmlns:a16="http://schemas.microsoft.com/office/drawing/2014/main" id="{DEC03240-7398-459D-A008-6DABC675953D}"/>
+              </a:ext>
+            </a:extLst>
+          </p:cNvPr>
+          <p:cNvSpPr txBox="1">
+            <a:spLocks/>
+          </p:cNvSpPr>
+          <p:nvPr/>
+        </p:nvSpPr>
+        <p:spPr>
+          <a:xfrm>
+            <a:off x="3837023" y="540269"/>
+            <a:ext cx="4565576" cy="1056302"/>
+          </a:xfrm>
+          <a:prstGeom prst="rect">
+            <a:avLst/>
+          </a:prstGeom>
+        </p:spPr>
+        <p:txBody>
+          <a:bodyPr vert="horz" lIns="91440" tIns="45720" rIns="91440" bIns="45720" rtlCol="0" anchor="ctr">
+            <a:normAutofit fontScale="77500" lnSpcReduction="20000"/>
+          </a:bodyPr>
+          <a:lstStyle>
+            <a:lvl1pPr algn="l" defTabSz="912114" rtl="0" eaLnBrk="1" latinLnBrk="0" hangingPunct="1">
+              <a:lnSpc>
+                <a:spcPct val="90000"/>
+              </a:lnSpc>
+              <a:spcBef>
+                <a:spcPct val="0"/>
+              </a:spcBef>
+              <a:buNone/>
+              <a:defRPr sz="4389" kern="1200">
+                <a:solidFill>
+                  <a:schemeClr val="tx1"/>
+                </a:solidFill>
+                <a:latin typeface="+mj-lt"/>
+                <a:ea typeface="+mj-ea"/>
+                <a:cs typeface="+mj-cs"/>
+              </a:defRPr>
+            </a:lvl1pPr>
+          </a:lstStyle>
+          <a:p>
+            <a:r>
+              <a:rPr lang="ru-RU" dirty="0">
+                <a:solidFill>
+                  <a:srgbClr val="5ECA8C"/>
+                </a:solidFill>
+                <a:latin typeface="RodchenkoCTT" pitchFamily="2" charset="0"/>
+              </a:rPr>
+              <a:t>Сохранение структуры.       	Первые попытки.</a:t>
+            </a:r>
+          </a:p>
+        </p:txBody>
+      </p:sp>
+      <p:pic>
+        <p:nvPicPr>
+          <p:cNvPr id="38" name="Рисунок 37">
+            <a:extLst>
+              <a:ext uri="{FF2B5EF4-FFF2-40B4-BE49-F238E27FC236}">
+                <a16:creationId xmlns:a16="http://schemas.microsoft.com/office/drawing/2014/main" id="{E81D68B7-D95A-4674-8E5A-5B26121C35EC}"/>
+              </a:ext>
+            </a:extLst>
+          </p:cNvPr>
+          <p:cNvPicPr>
+            <a:picLocks noChangeAspect="1"/>
+          </p:cNvPicPr>
+          <p:nvPr/>
+        </p:nvPicPr>
+        <p:blipFill>
+          <a:blip r:embed="rId3"/>
+          <a:stretch>
+            <a:fillRect/>
+          </a:stretch>
+        </p:blipFill>
+        <p:spPr>
+          <a:xfrm>
+            <a:off x="1564151" y="1670206"/>
+            <a:ext cx="2443072" cy="3805066"/>
+          </a:xfrm>
+          <a:prstGeom prst="rect">
+            <a:avLst/>
+          </a:prstGeom>
+        </p:spPr>
+      </p:pic>
+      <p:grpSp>
+        <p:nvGrpSpPr>
+          <p:cNvPr id="39" name="Группа 38">
+            <a:extLst>
+              <a:ext uri="{FF2B5EF4-FFF2-40B4-BE49-F238E27FC236}">
+                <a16:creationId xmlns:a16="http://schemas.microsoft.com/office/drawing/2014/main" id="{6366A9F9-7E39-4AEE-BEAB-161F1D4EDC47}"/>
+              </a:ext>
+            </a:extLst>
+          </p:cNvPr>
+          <p:cNvGrpSpPr/>
+          <p:nvPr/>
+        </p:nvGrpSpPr>
+        <p:grpSpPr>
+          <a:xfrm>
+            <a:off x="1606757" y="1596571"/>
+            <a:ext cx="2272662" cy="3966884"/>
+            <a:chOff x="761172" y="1976716"/>
+            <a:chExt cx="1639592" cy="2897731"/>
+          </a:xfrm>
+        </p:grpSpPr>
+        <p:sp>
+          <p:nvSpPr>
+            <p:cNvPr id="40" name="Овал 39">
+              <a:extLst>
+                <a:ext uri="{FF2B5EF4-FFF2-40B4-BE49-F238E27FC236}">
+                  <a16:creationId xmlns:a16="http://schemas.microsoft.com/office/drawing/2014/main" id="{9B6C8A25-1E24-470C-BD49-AE4693BE2EDC}"/>
+                </a:ext>
+              </a:extLst>
+            </p:cNvPr>
+            <p:cNvSpPr/>
+            <p:nvPr/>
+          </p:nvSpPr>
+          <p:spPr>
+            <a:xfrm>
+              <a:off x="1788458" y="1976716"/>
+              <a:ext cx="578224" cy="591671"/>
+            </a:xfrm>
+            <a:prstGeom prst="ellipse">
+              <a:avLst/>
+            </a:prstGeom>
+            <a:noFill/>
+            <a:ln>
+              <a:solidFill>
+                <a:srgbClr val="5ECA8C"/>
+              </a:solidFill>
+            </a:ln>
+          </p:spPr>
+          <p:style>
+            <a:lnRef idx="2">
+              <a:schemeClr val="accent1">
+                <a:shade val="50000"/>
+              </a:schemeClr>
+            </a:lnRef>
+            <a:fillRef idx="1">
+              <a:schemeClr val="accent1"/>
+            </a:fillRef>
+            <a:effectRef idx="0">
+              <a:schemeClr val="accent1"/>
+            </a:effectRef>
+            <a:fontRef idx="minor">
+              <a:schemeClr val="lt1"/>
+            </a:fontRef>
+          </p:style>
+          <p:txBody>
+            <a:bodyPr rtlCol="0" anchor="ctr"/>
+            <a:lstStyle/>
+            <a:p>
+              <a:pPr algn="ctr"/>
+              <a:endParaRPr lang="ru-RU"/>
+            </a:p>
+          </p:txBody>
+        </p:sp>
+        <p:sp>
+          <p:nvSpPr>
+            <p:cNvPr id="41" name="Овал 40">
+              <a:extLst>
+                <a:ext uri="{FF2B5EF4-FFF2-40B4-BE49-F238E27FC236}">
+                  <a16:creationId xmlns:a16="http://schemas.microsoft.com/office/drawing/2014/main" id="{78116AF7-BE09-418A-AFEF-20409D2F8803}"/>
+                </a:ext>
+              </a:extLst>
+            </p:cNvPr>
+            <p:cNvSpPr/>
+            <p:nvPr/>
+          </p:nvSpPr>
+          <p:spPr>
+            <a:xfrm>
+              <a:off x="1795646" y="2568387"/>
+              <a:ext cx="578224" cy="591671"/>
+            </a:xfrm>
+            <a:prstGeom prst="ellipse">
+              <a:avLst/>
+            </a:prstGeom>
+            <a:noFill/>
+            <a:ln>
+              <a:solidFill>
+                <a:srgbClr val="5ECA8C"/>
+              </a:solidFill>
+            </a:ln>
+          </p:spPr>
+          <p:style>
+            <a:lnRef idx="2">
+              <a:schemeClr val="accent1">
+                <a:shade val="50000"/>
+              </a:schemeClr>
+            </a:lnRef>
+            <a:fillRef idx="1">
+              <a:schemeClr val="accent1"/>
+            </a:fillRef>
+            <a:effectRef idx="0">
+              <a:schemeClr val="accent1"/>
+            </a:effectRef>
+            <a:fontRef idx="minor">
+              <a:schemeClr val="lt1"/>
+            </a:fontRef>
+          </p:style>
+          <p:txBody>
+            <a:bodyPr rtlCol="0" anchor="ctr"/>
+            <a:lstStyle/>
+            <a:p>
+              <a:pPr algn="ctr"/>
+              <a:endParaRPr lang="ru-RU"/>
+            </a:p>
+          </p:txBody>
+        </p:sp>
+        <p:sp>
+          <p:nvSpPr>
+            <p:cNvPr id="42" name="Овал 41">
+              <a:extLst>
+                <a:ext uri="{FF2B5EF4-FFF2-40B4-BE49-F238E27FC236}">
+                  <a16:creationId xmlns:a16="http://schemas.microsoft.com/office/drawing/2014/main" id="{3A6CC50B-AF8F-4551-95F4-FE8DD041FF5A}"/>
+                </a:ext>
+              </a:extLst>
+            </p:cNvPr>
+            <p:cNvSpPr/>
+            <p:nvPr/>
+          </p:nvSpPr>
+          <p:spPr>
+            <a:xfrm>
+              <a:off x="1822540" y="3547634"/>
+              <a:ext cx="578224" cy="591671"/>
+            </a:xfrm>
+            <a:prstGeom prst="ellipse">
+              <a:avLst/>
+            </a:prstGeom>
+            <a:noFill/>
+            <a:ln>
+              <a:solidFill>
+                <a:srgbClr val="5ECA8C"/>
+              </a:solidFill>
+            </a:ln>
+          </p:spPr>
+          <p:style>
+            <a:lnRef idx="2">
+              <a:schemeClr val="accent1">
+                <a:shade val="50000"/>
+              </a:schemeClr>
+            </a:lnRef>
+            <a:fillRef idx="1">
+              <a:schemeClr val="accent1"/>
+            </a:fillRef>
+            <a:effectRef idx="0">
+              <a:schemeClr val="accent1"/>
+            </a:effectRef>
+            <a:fontRef idx="minor">
+              <a:schemeClr val="lt1"/>
+            </a:fontRef>
+          </p:style>
+          <p:txBody>
+            <a:bodyPr rtlCol="0" anchor="ctr"/>
+            <a:lstStyle/>
+            <a:p>
+              <a:pPr algn="ctr"/>
+              <a:endParaRPr lang="ru-RU"/>
+            </a:p>
+          </p:txBody>
+        </p:sp>
+        <p:sp>
+          <p:nvSpPr>
+            <p:cNvPr id="43" name="Овал 42">
+              <a:extLst>
+                <a:ext uri="{FF2B5EF4-FFF2-40B4-BE49-F238E27FC236}">
+                  <a16:creationId xmlns:a16="http://schemas.microsoft.com/office/drawing/2014/main" id="{E79269C8-DBC3-42D5-9ABC-D9E4A3882427}"/>
+                </a:ext>
+              </a:extLst>
+            </p:cNvPr>
+            <p:cNvSpPr/>
+            <p:nvPr/>
+          </p:nvSpPr>
+          <p:spPr>
+            <a:xfrm>
+              <a:off x="1809093" y="4255882"/>
+              <a:ext cx="578224" cy="591671"/>
+            </a:xfrm>
+            <a:prstGeom prst="ellipse">
+              <a:avLst/>
+            </a:prstGeom>
+            <a:noFill/>
+            <a:ln>
+              <a:solidFill>
+                <a:srgbClr val="5ECA8C"/>
+              </a:solidFill>
+            </a:ln>
+          </p:spPr>
+          <p:style>
+            <a:lnRef idx="2">
+              <a:schemeClr val="accent1">
+                <a:shade val="50000"/>
+              </a:schemeClr>
+            </a:lnRef>
+            <a:fillRef idx="1">
+              <a:schemeClr val="accent1"/>
+            </a:fillRef>
+            <a:effectRef idx="0">
+              <a:schemeClr val="accent1"/>
+            </a:effectRef>
+            <a:fontRef idx="minor">
+              <a:schemeClr val="lt1"/>
+            </a:fontRef>
+          </p:style>
+          <p:txBody>
+            <a:bodyPr rtlCol="0" anchor="ctr"/>
+            <a:lstStyle/>
+            <a:p>
+              <a:pPr algn="ctr"/>
+              <a:endParaRPr lang="ru-RU"/>
+            </a:p>
+          </p:txBody>
+        </p:sp>
+        <p:sp>
+          <p:nvSpPr>
+            <p:cNvPr id="44" name="Овал 43">
+              <a:extLst>
+                <a:ext uri="{FF2B5EF4-FFF2-40B4-BE49-F238E27FC236}">
+                  <a16:creationId xmlns:a16="http://schemas.microsoft.com/office/drawing/2014/main" id="{9BA33591-6878-4A54-8910-9F8CD2F429DA}"/>
+                </a:ext>
+              </a:extLst>
+            </p:cNvPr>
+            <p:cNvSpPr/>
+            <p:nvPr/>
+          </p:nvSpPr>
+          <p:spPr>
+            <a:xfrm>
+              <a:off x="834666" y="2003610"/>
+              <a:ext cx="578224" cy="591671"/>
+            </a:xfrm>
+            <a:prstGeom prst="ellipse">
+              <a:avLst/>
+            </a:prstGeom>
+            <a:noFill/>
+            <a:ln>
+              <a:solidFill>
+                <a:srgbClr val="5ECA8C"/>
+              </a:solidFill>
+            </a:ln>
+          </p:spPr>
+          <p:style>
+            <a:lnRef idx="2">
+              <a:schemeClr val="accent1">
+                <a:shade val="50000"/>
+              </a:schemeClr>
+            </a:lnRef>
+            <a:fillRef idx="1">
+              <a:schemeClr val="accent1"/>
+            </a:fillRef>
+            <a:effectRef idx="0">
+              <a:schemeClr val="accent1"/>
+            </a:effectRef>
+            <a:fontRef idx="minor">
+              <a:schemeClr val="lt1"/>
+            </a:fontRef>
+          </p:style>
+          <p:txBody>
+            <a:bodyPr rtlCol="0" anchor="ctr"/>
+            <a:lstStyle/>
+            <a:p>
+              <a:pPr algn="ctr"/>
+              <a:endParaRPr lang="ru-RU"/>
+            </a:p>
+          </p:txBody>
+        </p:sp>
+        <p:sp>
+          <p:nvSpPr>
+            <p:cNvPr id="45" name="Овал 44">
+              <a:extLst>
+                <a:ext uri="{FF2B5EF4-FFF2-40B4-BE49-F238E27FC236}">
+                  <a16:creationId xmlns:a16="http://schemas.microsoft.com/office/drawing/2014/main" id="{93EEA84F-39DC-401E-8D0C-94BACFC58749}"/>
+                </a:ext>
+              </a:extLst>
+            </p:cNvPr>
+            <p:cNvSpPr/>
+            <p:nvPr/>
+          </p:nvSpPr>
+          <p:spPr>
+            <a:xfrm>
+              <a:off x="814960" y="2595281"/>
+              <a:ext cx="578224" cy="591671"/>
+            </a:xfrm>
+            <a:prstGeom prst="ellipse">
+              <a:avLst/>
+            </a:prstGeom>
+            <a:noFill/>
+            <a:ln>
+              <a:solidFill>
+                <a:srgbClr val="5ECA8C"/>
+              </a:solidFill>
+            </a:ln>
+          </p:spPr>
+          <p:style>
+            <a:lnRef idx="2">
+              <a:schemeClr val="accent1">
+                <a:shade val="50000"/>
+              </a:schemeClr>
+            </a:lnRef>
+            <a:fillRef idx="1">
+              <a:schemeClr val="accent1"/>
+            </a:fillRef>
+            <a:effectRef idx="0">
+              <a:schemeClr val="accent1"/>
+            </a:effectRef>
+            <a:fontRef idx="minor">
+              <a:schemeClr val="lt1"/>
+            </a:fontRef>
+          </p:style>
+          <p:txBody>
+            <a:bodyPr rtlCol="0" anchor="ctr"/>
+            <a:lstStyle/>
+            <a:p>
+              <a:pPr algn="ctr"/>
+              <a:endParaRPr lang="ru-RU"/>
+            </a:p>
+          </p:txBody>
+        </p:sp>
+        <p:sp>
+          <p:nvSpPr>
+            <p:cNvPr id="46" name="Овал 45">
+              <a:extLst>
+                <a:ext uri="{FF2B5EF4-FFF2-40B4-BE49-F238E27FC236}">
+                  <a16:creationId xmlns:a16="http://schemas.microsoft.com/office/drawing/2014/main" id="{AC811DAF-2E3B-43D3-AAE8-7670AF54F04E}"/>
+                </a:ext>
+              </a:extLst>
+            </p:cNvPr>
+            <p:cNvSpPr/>
+            <p:nvPr/>
+          </p:nvSpPr>
+          <p:spPr>
+            <a:xfrm>
+              <a:off x="774619" y="3574528"/>
+              <a:ext cx="578224" cy="591671"/>
+            </a:xfrm>
+            <a:prstGeom prst="ellipse">
+              <a:avLst/>
+            </a:prstGeom>
+            <a:noFill/>
+            <a:ln>
+              <a:solidFill>
+                <a:srgbClr val="5ECA8C"/>
+              </a:solidFill>
+            </a:ln>
+          </p:spPr>
+          <p:style>
+            <a:lnRef idx="2">
+              <a:schemeClr val="accent1">
+                <a:shade val="50000"/>
+              </a:schemeClr>
+            </a:lnRef>
+            <a:fillRef idx="1">
+              <a:schemeClr val="accent1"/>
+            </a:fillRef>
+            <a:effectRef idx="0">
+              <a:schemeClr val="accent1"/>
+            </a:effectRef>
+            <a:fontRef idx="minor">
+              <a:schemeClr val="lt1"/>
+            </a:fontRef>
+          </p:style>
+          <p:txBody>
+            <a:bodyPr rtlCol="0" anchor="ctr"/>
+            <a:lstStyle/>
+            <a:p>
+              <a:pPr algn="ctr"/>
+              <a:endParaRPr lang="ru-RU"/>
+            </a:p>
+          </p:txBody>
+        </p:sp>
+        <p:sp>
+          <p:nvSpPr>
+            <p:cNvPr id="47" name="Овал 46">
+              <a:extLst>
+                <a:ext uri="{FF2B5EF4-FFF2-40B4-BE49-F238E27FC236}">
+                  <a16:creationId xmlns:a16="http://schemas.microsoft.com/office/drawing/2014/main" id="{6B9A2F78-C185-4982-B938-E9C4C6214B99}"/>
+                </a:ext>
+              </a:extLst>
+            </p:cNvPr>
+            <p:cNvSpPr/>
+            <p:nvPr/>
+          </p:nvSpPr>
+          <p:spPr>
+            <a:xfrm>
+              <a:off x="761172" y="4282776"/>
+              <a:ext cx="578224" cy="591671"/>
+            </a:xfrm>
+            <a:prstGeom prst="ellipse">
+              <a:avLst/>
+            </a:prstGeom>
+            <a:noFill/>
+            <a:ln>
+              <a:solidFill>
+                <a:srgbClr val="5ECA8C"/>
+              </a:solidFill>
+            </a:ln>
+          </p:spPr>
+          <p:style>
+            <a:lnRef idx="2">
+              <a:schemeClr val="accent1">
+                <a:shade val="50000"/>
+              </a:schemeClr>
+            </a:lnRef>
+            <a:fillRef idx="1">
+              <a:schemeClr val="accent1"/>
+            </a:fillRef>
+            <a:effectRef idx="0">
+              <a:schemeClr val="accent1"/>
+            </a:effectRef>
+            <a:fontRef idx="minor">
+              <a:schemeClr val="lt1"/>
+            </a:fontRef>
+          </p:style>
+          <p:txBody>
+            <a:bodyPr rtlCol="0" anchor="ctr"/>
+            <a:lstStyle/>
+            <a:p>
+              <a:pPr algn="ctr"/>
+              <a:endParaRPr lang="ru-RU"/>
+            </a:p>
+          </p:txBody>
+        </p:sp>
+        <p:sp>
+          <p:nvSpPr>
+            <p:cNvPr id="48" name="Овал 47">
+              <a:extLst>
+                <a:ext uri="{FF2B5EF4-FFF2-40B4-BE49-F238E27FC236}">
+                  <a16:creationId xmlns:a16="http://schemas.microsoft.com/office/drawing/2014/main" id="{0AD67820-3592-4474-9B46-913061FC67D9}"/>
+                </a:ext>
+              </a:extLst>
+            </p:cNvPr>
+            <p:cNvSpPr/>
+            <p:nvPr/>
+          </p:nvSpPr>
+          <p:spPr>
+            <a:xfrm>
+              <a:off x="1304329" y="3072540"/>
+              <a:ext cx="578224" cy="591671"/>
+            </a:xfrm>
+            <a:prstGeom prst="ellipse">
+              <a:avLst/>
+            </a:prstGeom>
+            <a:noFill/>
+            <a:ln>
+              <a:solidFill>
+                <a:srgbClr val="5ECA8C"/>
+              </a:solidFill>
+            </a:ln>
+          </p:spPr>
+          <p:style>
+            <a:lnRef idx="2">
+              <a:schemeClr val="accent1">
+                <a:shade val="50000"/>
+              </a:schemeClr>
+            </a:lnRef>
+            <a:fillRef idx="1">
+              <a:schemeClr val="accent1"/>
+            </a:fillRef>
+            <a:effectRef idx="0">
+              <a:schemeClr val="accent1"/>
+            </a:effectRef>
+            <a:fontRef idx="minor">
+              <a:schemeClr val="lt1"/>
+            </a:fontRef>
+          </p:style>
+          <p:txBody>
+            <a:bodyPr rtlCol="0" anchor="ctr"/>
+            <a:lstStyle/>
+            <a:p>
+              <a:pPr algn="ctr"/>
+              <a:endParaRPr lang="ru-RU"/>
+            </a:p>
+          </p:txBody>
+        </p:sp>
+      </p:grpSp>
+      <p:cxnSp>
+        <p:nvCxnSpPr>
+          <p:cNvPr id="49" name="Прямая со стрелкой 48">
+            <a:extLst>
+              <a:ext uri="{FF2B5EF4-FFF2-40B4-BE49-F238E27FC236}">
+                <a16:creationId xmlns:a16="http://schemas.microsoft.com/office/drawing/2014/main" id="{D7AAF4D6-A861-455E-8794-09A34A320E83}"/>
+              </a:ext>
+            </a:extLst>
+          </p:cNvPr>
+          <p:cNvCxnSpPr/>
+          <p:nvPr/>
+        </p:nvCxnSpPr>
+        <p:spPr>
+          <a:xfrm>
+            <a:off x="3811190" y="3538820"/>
+            <a:ext cx="1068577" cy="0"/>
+          </a:xfrm>
+          <a:prstGeom prst="straightConnector1">
+            <a:avLst/>
+          </a:prstGeom>
+          <a:ln w="38100">
+            <a:solidFill>
+              <a:srgbClr val="5ECA8C"/>
+            </a:solidFill>
+            <a:tailEnd type="triangle"/>
+          </a:ln>
+        </p:spPr>
+        <p:style>
+          <a:lnRef idx="1">
+            <a:schemeClr val="accent1"/>
+          </a:lnRef>
+          <a:fillRef idx="0">
+            <a:schemeClr val="accent1"/>
+          </a:fillRef>
+          <a:effectRef idx="0">
+            <a:schemeClr val="accent1"/>
+          </a:effectRef>
+          <a:fontRef idx="minor">
+            <a:schemeClr val="tx1"/>
+          </a:fontRef>
+        </p:style>
+      </p:cxnSp>
+      <p:pic>
+        <p:nvPicPr>
+          <p:cNvPr id="50" name="Рисунок 49">
+            <a:extLst>
+              <a:ext uri="{FF2B5EF4-FFF2-40B4-BE49-F238E27FC236}">
+                <a16:creationId xmlns:a16="http://schemas.microsoft.com/office/drawing/2014/main" id="{9D4455F0-3903-4F58-8495-9B39F302DE90}"/>
+              </a:ext>
+            </a:extLst>
+          </p:cNvPr>
+          <p:cNvPicPr>
+            <a:picLocks noChangeAspect="1"/>
+          </p:cNvPicPr>
+          <p:nvPr/>
+        </p:nvPicPr>
+        <p:blipFill>
+          <a:blip r:embed="rId3"/>
+          <a:stretch>
+            <a:fillRect/>
+          </a:stretch>
+        </p:blipFill>
+        <p:spPr>
+          <a:xfrm>
+            <a:off x="4999246" y="1670206"/>
+            <a:ext cx="2443072" cy="3805066"/>
+          </a:xfrm>
+          <a:prstGeom prst="rect">
+            <a:avLst/>
+          </a:prstGeom>
+        </p:spPr>
+      </p:pic>
+      <p:cxnSp>
+        <p:nvCxnSpPr>
+          <p:cNvPr id="51" name="Прямая со стрелкой 50">
+            <a:extLst>
+              <a:ext uri="{FF2B5EF4-FFF2-40B4-BE49-F238E27FC236}">
+                <a16:creationId xmlns:a16="http://schemas.microsoft.com/office/drawing/2014/main" id="{15C96879-72BA-4E9B-9726-81E7E9F4C6CE}"/>
+              </a:ext>
+            </a:extLst>
+          </p:cNvPr>
+          <p:cNvCxnSpPr>
+            <a:cxnSpLocks/>
+          </p:cNvCxnSpPr>
+          <p:nvPr/>
+        </p:nvCxnSpPr>
+        <p:spPr>
+          <a:xfrm flipV="1">
+            <a:off x="7100047" y="4437529"/>
+            <a:ext cx="0" cy="315951"/>
+          </a:xfrm>
+          <a:prstGeom prst="straightConnector1">
+            <a:avLst/>
+          </a:prstGeom>
+          <a:ln w="38100">
+            <a:solidFill>
+              <a:srgbClr val="5ECA8C"/>
+            </a:solidFill>
+            <a:tailEnd type="triangle"/>
+          </a:ln>
+        </p:spPr>
+        <p:style>
+          <a:lnRef idx="1">
+            <a:schemeClr val="accent1"/>
+          </a:lnRef>
+          <a:fillRef idx="0">
+            <a:schemeClr val="accent1"/>
+          </a:fillRef>
+          <a:effectRef idx="0">
+            <a:schemeClr val="accent1"/>
+          </a:effectRef>
+          <a:fontRef idx="minor">
+            <a:schemeClr val="tx1"/>
+          </a:fontRef>
+        </p:style>
+      </p:cxnSp>
+      <p:grpSp>
+        <p:nvGrpSpPr>
+          <p:cNvPr id="52" name="Группа 51">
+            <a:extLst>
+              <a:ext uri="{FF2B5EF4-FFF2-40B4-BE49-F238E27FC236}">
+                <a16:creationId xmlns:a16="http://schemas.microsoft.com/office/drawing/2014/main" id="{F3E2EA50-8BC8-4450-980E-861A9DC5DDE9}"/>
+              </a:ext>
+            </a:extLst>
+          </p:cNvPr>
+          <p:cNvGrpSpPr/>
+          <p:nvPr/>
+        </p:nvGrpSpPr>
+        <p:grpSpPr>
+          <a:xfrm>
+            <a:off x="9148897" y="2582691"/>
+            <a:ext cx="1212048" cy="2011199"/>
+            <a:chOff x="9148897" y="2582691"/>
+            <a:chExt cx="1212048" cy="2011199"/>
+          </a:xfrm>
+        </p:grpSpPr>
+        <p:cxnSp>
+          <p:nvCxnSpPr>
+            <p:cNvPr id="53" name="Прямая соединительная линия 52">
+              <a:extLst>
+                <a:ext uri="{FF2B5EF4-FFF2-40B4-BE49-F238E27FC236}">
+                  <a16:creationId xmlns:a16="http://schemas.microsoft.com/office/drawing/2014/main" id="{8C795BDF-1377-4C15-AD24-75712D0593EF}"/>
+                </a:ext>
+              </a:extLst>
+            </p:cNvPr>
+            <p:cNvCxnSpPr/>
+            <p:nvPr/>
+          </p:nvCxnSpPr>
+          <p:spPr>
+            <a:xfrm flipV="1">
+              <a:off x="9148897" y="2582691"/>
+              <a:ext cx="1212048" cy="2011199"/>
+            </a:xfrm>
+            <a:prstGeom prst="line">
+              <a:avLst/>
+            </a:prstGeom>
+            <a:ln w="57150">
+              <a:solidFill>
+                <a:srgbClr val="5ECA8C"/>
+              </a:solidFill>
+            </a:ln>
+          </p:spPr>
+          <p:style>
+            <a:lnRef idx="1">
+              <a:schemeClr val="accent1"/>
+            </a:lnRef>
+            <a:fillRef idx="0">
+              <a:schemeClr val="accent1"/>
+            </a:fillRef>
+            <a:effectRef idx="0">
+              <a:schemeClr val="accent1"/>
+            </a:effectRef>
+            <a:fontRef idx="minor">
+              <a:schemeClr val="tx1"/>
+            </a:fontRef>
+          </p:style>
+        </p:cxnSp>
+        <p:cxnSp>
+          <p:nvCxnSpPr>
+            <p:cNvPr id="54" name="Прямая соединительная линия 53">
+              <a:extLst>
+                <a:ext uri="{FF2B5EF4-FFF2-40B4-BE49-F238E27FC236}">
+                  <a16:creationId xmlns:a16="http://schemas.microsoft.com/office/drawing/2014/main" id="{4405F9CA-5291-4867-A3F2-2C27AAB3A430}"/>
+                </a:ext>
+              </a:extLst>
+            </p:cNvPr>
+            <p:cNvCxnSpPr>
+              <a:cxnSpLocks/>
+            </p:cNvCxnSpPr>
+            <p:nvPr/>
+          </p:nvCxnSpPr>
+          <p:spPr>
+            <a:xfrm flipH="1" flipV="1">
+              <a:off x="9148897" y="2582691"/>
+              <a:ext cx="1212048" cy="2011199"/>
+            </a:xfrm>
+            <a:prstGeom prst="line">
+              <a:avLst/>
+            </a:prstGeom>
+            <a:ln w="57150">
+              <a:solidFill>
+                <a:srgbClr val="5ECA8C"/>
+              </a:solidFill>
+            </a:ln>
+          </p:spPr>
+          <p:style>
+            <a:lnRef idx="1">
+              <a:schemeClr val="accent1"/>
+            </a:lnRef>
+            <a:fillRef idx="0">
+              <a:schemeClr val="accent1"/>
+            </a:fillRef>
+            <a:effectRef idx="0">
+              <a:schemeClr val="accent1"/>
+            </a:effectRef>
+            <a:fontRef idx="minor">
+              <a:schemeClr val="tx1"/>
+            </a:fontRef>
+          </p:style>
+        </p:cxnSp>
+      </p:grpSp>
+      <p:cxnSp>
+        <p:nvCxnSpPr>
+          <p:cNvPr id="55" name="Прямая со стрелкой 54">
+            <a:extLst>
+              <a:ext uri="{FF2B5EF4-FFF2-40B4-BE49-F238E27FC236}">
+                <a16:creationId xmlns:a16="http://schemas.microsoft.com/office/drawing/2014/main" id="{1167A92A-E16F-479F-A5AB-57FFD24F8C27}"/>
+              </a:ext>
+            </a:extLst>
+          </p:cNvPr>
+          <p:cNvCxnSpPr>
+            <a:cxnSpLocks/>
+          </p:cNvCxnSpPr>
+          <p:nvPr/>
+        </p:nvCxnSpPr>
+        <p:spPr>
+          <a:xfrm flipV="1">
+            <a:off x="5373429" y="4437529"/>
+            <a:ext cx="0" cy="315951"/>
+          </a:xfrm>
+          <a:prstGeom prst="straightConnector1">
+            <a:avLst/>
+          </a:prstGeom>
+          <a:ln w="38100">
+            <a:solidFill>
+              <a:srgbClr val="5ECA8C"/>
+            </a:solidFill>
+            <a:tailEnd type="triangle"/>
+          </a:ln>
+        </p:spPr>
+        <p:style>
+          <a:lnRef idx="1">
+            <a:schemeClr val="accent1"/>
+          </a:lnRef>
+          <a:fillRef idx="0">
+            <a:schemeClr val="accent1"/>
+          </a:fillRef>
+          <a:effectRef idx="0">
+            <a:schemeClr val="accent1"/>
+          </a:effectRef>
+          <a:fontRef idx="minor">
+            <a:schemeClr val="tx1"/>
+          </a:fontRef>
+        </p:style>
+      </p:cxnSp>
+      <p:cxnSp>
+        <p:nvCxnSpPr>
+          <p:cNvPr id="56" name="Прямая со стрелкой 55">
+            <a:extLst>
+              <a:ext uri="{FF2B5EF4-FFF2-40B4-BE49-F238E27FC236}">
+                <a16:creationId xmlns:a16="http://schemas.microsoft.com/office/drawing/2014/main" id="{412B5927-123B-4A9B-B5C9-D9008320856D}"/>
+              </a:ext>
+            </a:extLst>
+          </p:cNvPr>
+          <p:cNvCxnSpPr>
+            <a:cxnSpLocks/>
+          </p:cNvCxnSpPr>
+          <p:nvPr/>
+        </p:nvCxnSpPr>
+        <p:spPr>
+          <a:xfrm flipV="1">
+            <a:off x="5373429" y="3085509"/>
+            <a:ext cx="0" cy="758059"/>
+          </a:xfrm>
+          <a:prstGeom prst="straightConnector1">
+            <a:avLst/>
+          </a:prstGeom>
+          <a:ln w="38100">
+            <a:solidFill>
+              <a:srgbClr val="5ECA8C"/>
+            </a:solidFill>
+            <a:tailEnd type="triangle"/>
+          </a:ln>
+        </p:spPr>
+        <p:style>
+          <a:lnRef idx="1">
+            <a:schemeClr val="accent1"/>
+          </a:lnRef>
+          <a:fillRef idx="0">
+            <a:schemeClr val="accent1"/>
+          </a:fillRef>
+          <a:effectRef idx="0">
+            <a:schemeClr val="accent1"/>
+          </a:effectRef>
+          <a:fontRef idx="minor">
+            <a:schemeClr val="tx1"/>
+          </a:fontRef>
+        </p:style>
+      </p:cxnSp>
+      <p:cxnSp>
+        <p:nvCxnSpPr>
+          <p:cNvPr id="57" name="Прямая со стрелкой 56">
+            <a:extLst>
+              <a:ext uri="{FF2B5EF4-FFF2-40B4-BE49-F238E27FC236}">
+                <a16:creationId xmlns:a16="http://schemas.microsoft.com/office/drawing/2014/main" id="{65641173-13C0-4D2C-A83D-035D835EC887}"/>
+              </a:ext>
+            </a:extLst>
+          </p:cNvPr>
+          <p:cNvCxnSpPr>
+            <a:cxnSpLocks/>
+          </p:cNvCxnSpPr>
+          <p:nvPr/>
+        </p:nvCxnSpPr>
+        <p:spPr>
+          <a:xfrm flipV="1">
+            <a:off x="5380014" y="2285522"/>
+            <a:ext cx="0" cy="254540"/>
+          </a:xfrm>
+          <a:prstGeom prst="straightConnector1">
+            <a:avLst/>
+          </a:prstGeom>
+          <a:ln w="38100">
+            <a:solidFill>
+              <a:srgbClr val="5ECA8C"/>
+            </a:solidFill>
+            <a:tailEnd type="triangle"/>
+          </a:ln>
+        </p:spPr>
+        <p:style>
+          <a:lnRef idx="1">
+            <a:schemeClr val="accent1"/>
+          </a:lnRef>
+          <a:fillRef idx="0">
+            <a:schemeClr val="accent1"/>
+          </a:fillRef>
+          <a:effectRef idx="0">
+            <a:schemeClr val="accent1"/>
+          </a:effectRef>
+          <a:fontRef idx="minor">
+            <a:schemeClr val="tx1"/>
+          </a:fontRef>
+        </p:style>
+      </p:cxnSp>
+      <p:cxnSp>
+        <p:nvCxnSpPr>
+          <p:cNvPr id="58" name="Прямая со стрелкой 57">
+            <a:extLst>
+              <a:ext uri="{FF2B5EF4-FFF2-40B4-BE49-F238E27FC236}">
+                <a16:creationId xmlns:a16="http://schemas.microsoft.com/office/drawing/2014/main" id="{7DBC2127-314F-4D8E-B539-231A3A654626}"/>
+              </a:ext>
+            </a:extLst>
+          </p:cNvPr>
+          <p:cNvCxnSpPr>
+            <a:cxnSpLocks/>
+          </p:cNvCxnSpPr>
+          <p:nvPr/>
+        </p:nvCxnSpPr>
+        <p:spPr>
+          <a:xfrm flipV="1">
+            <a:off x="5660300" y="3783915"/>
+            <a:ext cx="565688" cy="969567"/>
+          </a:xfrm>
+          <a:prstGeom prst="straightConnector1">
+            <a:avLst/>
+          </a:prstGeom>
+          <a:ln w="38100">
+            <a:solidFill>
+              <a:srgbClr val="5ECA8C"/>
+            </a:solidFill>
+            <a:tailEnd type="triangle"/>
+          </a:ln>
+        </p:spPr>
+        <p:style>
+          <a:lnRef idx="1">
+            <a:schemeClr val="accent1"/>
+          </a:lnRef>
+          <a:fillRef idx="0">
+            <a:schemeClr val="accent1"/>
+          </a:fillRef>
+          <a:effectRef idx="0">
+            <a:schemeClr val="accent1"/>
+          </a:effectRef>
+          <a:fontRef idx="minor">
+            <a:schemeClr val="tx1"/>
+          </a:fontRef>
+        </p:style>
+      </p:cxnSp>
+      <p:cxnSp>
+        <p:nvCxnSpPr>
+          <p:cNvPr id="59" name="Прямая со стрелкой 58">
+            <a:extLst>
+              <a:ext uri="{FF2B5EF4-FFF2-40B4-BE49-F238E27FC236}">
+                <a16:creationId xmlns:a16="http://schemas.microsoft.com/office/drawing/2014/main" id="{FFF7A0BE-BDFD-42B8-9A3E-DB13CFDCAD57}"/>
+              </a:ext>
+            </a:extLst>
+          </p:cNvPr>
+          <p:cNvCxnSpPr>
+            <a:cxnSpLocks/>
+          </p:cNvCxnSpPr>
+          <p:nvPr/>
+        </p:nvCxnSpPr>
+        <p:spPr>
+          <a:xfrm>
+            <a:off x="6225988" y="3843568"/>
+            <a:ext cx="593233" cy="983549"/>
+          </a:xfrm>
+          <a:prstGeom prst="straightConnector1">
+            <a:avLst/>
+          </a:prstGeom>
+          <a:ln w="38100">
+            <a:solidFill>
+              <a:srgbClr val="5ECA8C"/>
+            </a:solidFill>
+            <a:tailEnd type="triangle"/>
+          </a:ln>
+        </p:spPr>
+        <p:style>
+          <a:lnRef idx="1">
+            <a:schemeClr val="accent1"/>
+          </a:lnRef>
+          <a:fillRef idx="0">
+            <a:schemeClr val="accent1"/>
+          </a:fillRef>
+          <a:effectRef idx="0">
+            <a:schemeClr val="accent1"/>
+          </a:effectRef>
+          <a:fontRef idx="minor">
+            <a:schemeClr val="tx1"/>
+          </a:fontRef>
+        </p:style>
+      </p:cxnSp>
+      <p:cxnSp>
+        <p:nvCxnSpPr>
+          <p:cNvPr id="60" name="Прямая со стрелкой 59">
+            <a:extLst>
+              <a:ext uri="{FF2B5EF4-FFF2-40B4-BE49-F238E27FC236}">
+                <a16:creationId xmlns:a16="http://schemas.microsoft.com/office/drawing/2014/main" id="{5D9A0FF4-0C82-4AE8-BE84-DD9FC8922CEC}"/>
+              </a:ext>
+            </a:extLst>
+          </p:cNvPr>
+          <p:cNvCxnSpPr>
+            <a:cxnSpLocks/>
+          </p:cNvCxnSpPr>
+          <p:nvPr/>
+        </p:nvCxnSpPr>
+        <p:spPr>
+          <a:xfrm>
+            <a:off x="5548720" y="3096713"/>
+            <a:ext cx="354932" cy="156625"/>
+          </a:xfrm>
+          <a:prstGeom prst="straightConnector1">
+            <a:avLst/>
+          </a:prstGeom>
+          <a:ln w="38100">
+            <a:solidFill>
+              <a:srgbClr val="5ECA8C"/>
+            </a:solidFill>
+            <a:tailEnd type="triangle"/>
+          </a:ln>
+        </p:spPr>
+        <p:style>
+          <a:lnRef idx="1">
+            <a:schemeClr val="accent1"/>
+          </a:lnRef>
+          <a:fillRef idx="0">
+            <a:schemeClr val="accent1"/>
+          </a:fillRef>
+          <a:effectRef idx="0">
+            <a:schemeClr val="accent1"/>
+          </a:effectRef>
+          <a:fontRef idx="minor">
+            <a:schemeClr val="tx1"/>
+          </a:fontRef>
+        </p:style>
+      </p:cxnSp>
+      <p:cxnSp>
+        <p:nvCxnSpPr>
+          <p:cNvPr id="61" name="Прямая со стрелкой 60">
+            <a:extLst>
+              <a:ext uri="{FF2B5EF4-FFF2-40B4-BE49-F238E27FC236}">
+                <a16:creationId xmlns:a16="http://schemas.microsoft.com/office/drawing/2014/main" id="{37F3CE0E-BD68-48FF-96EE-7DC8771A2414}"/>
+              </a:ext>
+            </a:extLst>
+          </p:cNvPr>
+          <p:cNvCxnSpPr>
+            <a:cxnSpLocks/>
+          </p:cNvCxnSpPr>
+          <p:nvPr/>
+        </p:nvCxnSpPr>
+        <p:spPr>
+          <a:xfrm flipV="1">
+            <a:off x="6518318" y="3096713"/>
+            <a:ext cx="347878" cy="156625"/>
+          </a:xfrm>
+          <a:prstGeom prst="straightConnector1">
+            <a:avLst/>
+          </a:prstGeom>
+          <a:ln w="38100">
+            <a:solidFill>
+              <a:srgbClr val="5ECA8C"/>
+            </a:solidFill>
+            <a:tailEnd type="triangle"/>
+          </a:ln>
+        </p:spPr>
+        <p:style>
+          <a:lnRef idx="1">
+            <a:schemeClr val="accent1"/>
+          </a:lnRef>
+          <a:fillRef idx="0">
+            <a:schemeClr val="accent1"/>
+          </a:fillRef>
+          <a:effectRef idx="0">
+            <a:schemeClr val="accent1"/>
+          </a:effectRef>
+          <a:fontRef idx="minor">
+            <a:schemeClr val="tx1"/>
+          </a:fontRef>
+        </p:style>
+      </p:cxnSp>
+      <p:cxnSp>
+        <p:nvCxnSpPr>
+          <p:cNvPr id="62" name="Прямая со стрелкой 61">
+            <a:extLst>
+              <a:ext uri="{FF2B5EF4-FFF2-40B4-BE49-F238E27FC236}">
+                <a16:creationId xmlns:a16="http://schemas.microsoft.com/office/drawing/2014/main" id="{171077F2-F63D-4278-A368-02825457D46C}"/>
+              </a:ext>
+            </a:extLst>
+          </p:cNvPr>
+          <p:cNvCxnSpPr>
+            <a:cxnSpLocks/>
+          </p:cNvCxnSpPr>
+          <p:nvPr/>
+        </p:nvCxnSpPr>
+        <p:spPr>
+          <a:xfrm flipV="1">
+            <a:off x="6969596" y="2285522"/>
+            <a:ext cx="0" cy="233196"/>
+          </a:xfrm>
+          <a:prstGeom prst="straightConnector1">
+            <a:avLst/>
+          </a:prstGeom>
+          <a:ln w="38100">
+            <a:solidFill>
+              <a:srgbClr val="5ECA8C"/>
+            </a:solidFill>
+            <a:tailEnd type="triangle"/>
+          </a:ln>
+        </p:spPr>
+        <p:style>
+          <a:lnRef idx="1">
+            <a:schemeClr val="accent1"/>
+          </a:lnRef>
+          <a:fillRef idx="0">
+            <a:schemeClr val="accent1"/>
+          </a:fillRef>
+          <a:effectRef idx="0">
+            <a:schemeClr val="accent1"/>
+          </a:effectRef>
+          <a:fontRef idx="minor">
+            <a:schemeClr val="tx1"/>
+          </a:fontRef>
+        </p:style>
+      </p:cxnSp>
+      <p:cxnSp>
+        <p:nvCxnSpPr>
+          <p:cNvPr id="63" name="Прямая со стрелкой 62">
+            <a:extLst>
+              <a:ext uri="{FF2B5EF4-FFF2-40B4-BE49-F238E27FC236}">
+                <a16:creationId xmlns:a16="http://schemas.microsoft.com/office/drawing/2014/main" id="{D4BC7985-B4BE-4372-9773-AF89B945C457}"/>
+              </a:ext>
+            </a:extLst>
+          </p:cNvPr>
+          <p:cNvCxnSpPr>
+            <a:cxnSpLocks/>
+          </p:cNvCxnSpPr>
+          <p:nvPr/>
+        </p:nvCxnSpPr>
+        <p:spPr>
+          <a:xfrm>
+            <a:off x="7084643" y="3175025"/>
+            <a:ext cx="15404" cy="668543"/>
+          </a:xfrm>
+          <a:prstGeom prst="straightConnector1">
+            <a:avLst/>
+          </a:prstGeom>
+          <a:ln w="38100">
+            <a:solidFill>
+              <a:srgbClr val="5ECA8C"/>
+            </a:solidFill>
+            <a:tailEnd type="triangle"/>
+          </a:ln>
+        </p:spPr>
+        <p:style>
+          <a:lnRef idx="1">
+            <a:schemeClr val="accent1"/>
+          </a:lnRef>
+          <a:fillRef idx="0">
+            <a:schemeClr val="accent1"/>
+          </a:fillRef>
+          <a:effectRef idx="0">
+            <a:schemeClr val="accent1"/>
+          </a:effectRef>
+          <a:fontRef idx="minor">
+            <a:schemeClr val="tx1"/>
+          </a:fontRef>
+        </p:style>
+      </p:cxnSp>
+      <p:cxnSp>
+        <p:nvCxnSpPr>
+          <p:cNvPr id="64" name="Прямая со стрелкой 63">
+            <a:extLst>
+              <a:ext uri="{FF2B5EF4-FFF2-40B4-BE49-F238E27FC236}">
+                <a16:creationId xmlns:a16="http://schemas.microsoft.com/office/drawing/2014/main" id="{1B16DEAD-759A-4DA5-A481-4141CB604854}"/>
+              </a:ext>
+            </a:extLst>
+          </p:cNvPr>
+          <p:cNvCxnSpPr/>
+          <p:nvPr/>
+        </p:nvCxnSpPr>
+        <p:spPr>
+          <a:xfrm>
+            <a:off x="7607743" y="3541228"/>
+            <a:ext cx="1068577" cy="0"/>
+          </a:xfrm>
+          <a:prstGeom prst="straightConnector1">
+            <a:avLst/>
+          </a:prstGeom>
+          <a:ln w="38100">
+            <a:solidFill>
+              <a:srgbClr val="5ECA8C"/>
+            </a:solidFill>
+            <a:tailEnd type="triangle"/>
+          </a:ln>
+        </p:spPr>
+        <p:style>
+          <a:lnRef idx="1">
+            <a:schemeClr val="accent1"/>
+          </a:lnRef>
+          <a:fillRef idx="0">
+            <a:schemeClr val="accent1"/>
+          </a:fillRef>
+          <a:effectRef idx="0">
+            <a:schemeClr val="accent1"/>
+          </a:effectRef>
+          <a:fontRef idx="minor">
+            <a:schemeClr val="tx1"/>
+          </a:fontRef>
+        </p:style>
+      </p:cxnSp>
+    </p:spTree>
+    <p:extLst>
+      <p:ext uri="{BB962C8B-B14F-4D97-AF65-F5344CB8AC3E}">
+        <p14:creationId xmlns:p14="http://schemas.microsoft.com/office/powerpoint/2010/main" val="141687886"/>
+      </p:ext>
+    </p:extLst>
+  </p:cSld>
+  <p:clrMapOvr>
+    <a:masterClrMapping/>
+  </p:clrMapOvr>
+  <p:timing>
+    <p:tnLst>
+      <p:par>
+        <p:cTn id="1" dur="indefinite" restart="never" nodeType="tmRoot">
+          <p:childTnLst>
+            <p:seq concurrent="1" nextAc="seek">
+              <p:cTn id="2" dur="indefinite" nodeType="mainSeq">
+                <p:childTnLst>
+                  <p:par>
+                    <p:cTn id="3" fill="hold">
+                      <p:stCondLst>
+                        <p:cond delay="indefinite"/>
+                      </p:stCondLst>
+                      <p:childTnLst>
+                        <p:par>
+                          <p:cTn id="4" fill="hold">
+                            <p:stCondLst>
+                              <p:cond delay="0"/>
+                            </p:stCondLst>
+                            <p:childTnLst>
+                              <p:par>
+                                <p:cTn id="5" presetID="10" presetClass="entr" presetSubtype="0" fill="hold" nodeType="clickEffect">
+                                  <p:stCondLst>
+                                    <p:cond delay="0"/>
+                                  </p:stCondLst>
+                                  <p:childTnLst>
+                                    <p:set>
+                                      <p:cBhvr>
+                                        <p:cTn id="6" dur="1" fill="hold">
+                                          <p:stCondLst>
+                                            <p:cond delay="0"/>
+                                          </p:stCondLst>
+                                        </p:cTn>
+                                        <p:tgtEl>
+                                          <p:spTgt spid="38"/>
+                                        </p:tgtEl>
+                                        <p:attrNameLst>
+                                          <p:attrName>style.visibility</p:attrName>
+                                        </p:attrNameLst>
+                                      </p:cBhvr>
+                                      <p:to>
+                                        <p:strVal val="visible"/>
+                                      </p:to>
+                                    </p:set>
+                                    <p:animEffect transition="in" filter="fade">
+                                      <p:cBhvr>
+                                        <p:cTn id="7" dur="500"/>
+                                        <p:tgtEl>
+                                          <p:spTgt spid="38"/>
+                                        </p:tgtEl>
+                                      </p:cBhvr>
+                                    </p:animEffect>
+                                  </p:childTnLst>
+                                </p:cTn>
+                              </p:par>
+                            </p:childTnLst>
+                          </p:cTn>
+                        </p:par>
+                      </p:childTnLst>
+                    </p:cTn>
+                  </p:par>
+                  <p:par>
+                    <p:cTn id="8" fill="hold">
+                      <p:stCondLst>
+                        <p:cond delay="indefinite"/>
+                      </p:stCondLst>
+                      <p:childTnLst>
+                        <p:par>
+                          <p:cTn id="9" fill="hold">
+                            <p:stCondLst>
+                              <p:cond delay="0"/>
+                            </p:stCondLst>
+                            <p:childTnLst>
+                              <p:par>
+                                <p:cTn id="10" presetID="10" presetClass="entr" presetSubtype="0" fill="hold" nodeType="clickEffect">
+                                  <p:stCondLst>
+                                    <p:cond delay="0"/>
+                                  </p:stCondLst>
+                                  <p:childTnLst>
+                                    <p:set>
+                                      <p:cBhvr>
+                                        <p:cTn id="11" dur="1" fill="hold">
+                                          <p:stCondLst>
+                                            <p:cond delay="0"/>
+                                          </p:stCondLst>
+                                        </p:cTn>
+                                        <p:tgtEl>
+                                          <p:spTgt spid="39"/>
+                                        </p:tgtEl>
+                                        <p:attrNameLst>
+                                          <p:attrName>style.visibility</p:attrName>
+                                        </p:attrNameLst>
+                                      </p:cBhvr>
+                                      <p:to>
+                                        <p:strVal val="visible"/>
+                                      </p:to>
+                                    </p:set>
+                                    <p:animEffect transition="in" filter="fade">
+                                      <p:cBhvr>
+                                        <p:cTn id="12" dur="500"/>
+                                        <p:tgtEl>
+                                          <p:spTgt spid="39"/>
+                                        </p:tgtEl>
+                                      </p:cBhvr>
+                                    </p:animEffect>
+                                  </p:childTnLst>
+                                </p:cTn>
+                              </p:par>
+                              <p:par>
+                                <p:cTn id="13" presetID="10" presetClass="entr" presetSubtype="0" fill="hold" nodeType="withEffect">
+                                  <p:stCondLst>
+                                    <p:cond delay="0"/>
+                                  </p:stCondLst>
+                                  <p:childTnLst>
+                                    <p:set>
+                                      <p:cBhvr>
+                                        <p:cTn id="14" dur="1" fill="hold">
+                                          <p:stCondLst>
+                                            <p:cond delay="0"/>
+                                          </p:stCondLst>
+                                        </p:cTn>
+                                        <p:tgtEl>
+                                          <p:spTgt spid="49"/>
+                                        </p:tgtEl>
+                                        <p:attrNameLst>
+                                          <p:attrName>style.visibility</p:attrName>
+                                        </p:attrNameLst>
+                                      </p:cBhvr>
+                                      <p:to>
+                                        <p:strVal val="visible"/>
+                                      </p:to>
+                                    </p:set>
+                                    <p:animEffect transition="in" filter="fade">
+                                      <p:cBhvr>
+                                        <p:cTn id="15" dur="500"/>
+                                        <p:tgtEl>
+                                          <p:spTgt spid="49"/>
+                                        </p:tgtEl>
+                                      </p:cBhvr>
+                                    </p:animEffect>
+                                  </p:childTnLst>
+                                </p:cTn>
+                              </p:par>
+                              <p:par>
+                                <p:cTn id="16" presetID="10" presetClass="entr" presetSubtype="0" fill="hold" nodeType="withEffect">
+                                  <p:stCondLst>
+                                    <p:cond delay="0"/>
+                                  </p:stCondLst>
+                                  <p:childTnLst>
+                                    <p:set>
+                                      <p:cBhvr>
+                                        <p:cTn id="17" dur="1" fill="hold">
+                                          <p:stCondLst>
+                                            <p:cond delay="0"/>
+                                          </p:stCondLst>
+                                        </p:cTn>
+                                        <p:tgtEl>
+                                          <p:spTgt spid="50"/>
+                                        </p:tgtEl>
+                                        <p:attrNameLst>
+                                          <p:attrName>style.visibility</p:attrName>
+                                        </p:attrNameLst>
+                                      </p:cBhvr>
+                                      <p:to>
+                                        <p:strVal val="visible"/>
+                                      </p:to>
+                                    </p:set>
+                                    <p:animEffect transition="in" filter="fade">
+                                      <p:cBhvr>
+                                        <p:cTn id="18" dur="500"/>
+                                        <p:tgtEl>
+                                          <p:spTgt spid="50"/>
+                                        </p:tgtEl>
+                                      </p:cBhvr>
+                                    </p:animEffect>
+                                  </p:childTnLst>
+                                </p:cTn>
+                              </p:par>
+                            </p:childTnLst>
+                          </p:cTn>
+                        </p:par>
+                      </p:childTnLst>
+                    </p:cTn>
+                  </p:par>
+                  <p:par>
+                    <p:cTn id="19" fill="hold">
+                      <p:stCondLst>
+                        <p:cond delay="indefinite"/>
+                      </p:stCondLst>
+                      <p:childTnLst>
+                        <p:par>
+                          <p:cTn id="20" fill="hold">
+                            <p:stCondLst>
+                              <p:cond delay="0"/>
+                            </p:stCondLst>
+                            <p:childTnLst>
+                              <p:par>
+                                <p:cTn id="21" presetID="10" presetClass="entr" presetSubtype="0" fill="hold" nodeType="clickEffect">
+                                  <p:stCondLst>
+                                    <p:cond delay="0"/>
+                                  </p:stCondLst>
+                                  <p:childTnLst>
+                                    <p:set>
+                                      <p:cBhvr>
+                                        <p:cTn id="22" dur="1" fill="hold">
+                                          <p:stCondLst>
+                                            <p:cond delay="0"/>
+                                          </p:stCondLst>
+                                        </p:cTn>
+                                        <p:tgtEl>
+                                          <p:spTgt spid="55"/>
+                                        </p:tgtEl>
+                                        <p:attrNameLst>
+                                          <p:attrName>style.visibility</p:attrName>
+                                        </p:attrNameLst>
+                                      </p:cBhvr>
+                                      <p:to>
+                                        <p:strVal val="visible"/>
+                                      </p:to>
+                                    </p:set>
+                                    <p:animEffect transition="in" filter="fade">
+                                      <p:cBhvr>
+                                        <p:cTn id="23" dur="500"/>
+                                        <p:tgtEl>
+                                          <p:spTgt spid="55"/>
+                                        </p:tgtEl>
+                                      </p:cBhvr>
+                                    </p:animEffect>
+                                  </p:childTnLst>
+                                </p:cTn>
+                              </p:par>
+                              <p:par>
+                                <p:cTn id="24" presetID="10" presetClass="entr" presetSubtype="0" fill="hold" nodeType="withEffect">
+                                  <p:stCondLst>
+                                    <p:cond delay="0"/>
+                                  </p:stCondLst>
+                                  <p:childTnLst>
+                                    <p:set>
+                                      <p:cBhvr>
+                                        <p:cTn id="25" dur="1" fill="hold">
+                                          <p:stCondLst>
+                                            <p:cond delay="0"/>
+                                          </p:stCondLst>
+                                        </p:cTn>
+                                        <p:tgtEl>
+                                          <p:spTgt spid="58"/>
+                                        </p:tgtEl>
+                                        <p:attrNameLst>
+                                          <p:attrName>style.visibility</p:attrName>
+                                        </p:attrNameLst>
+                                      </p:cBhvr>
+                                      <p:to>
+                                        <p:strVal val="visible"/>
+                                      </p:to>
+                                    </p:set>
+                                    <p:animEffect transition="in" filter="fade">
+                                      <p:cBhvr>
+                                        <p:cTn id="26" dur="500"/>
+                                        <p:tgtEl>
+                                          <p:spTgt spid="58"/>
+                                        </p:tgtEl>
+                                      </p:cBhvr>
+                                    </p:animEffect>
+                                  </p:childTnLst>
+                                </p:cTn>
+                              </p:par>
+                            </p:childTnLst>
+                          </p:cTn>
+                        </p:par>
+                        <p:par>
+                          <p:cTn id="27" fill="hold">
+                            <p:stCondLst>
+                              <p:cond delay="500"/>
+                            </p:stCondLst>
+                            <p:childTnLst>
+                              <p:par>
+                                <p:cTn id="28" presetID="10" presetClass="entr" presetSubtype="0" fill="hold" nodeType="afterEffect">
+                                  <p:stCondLst>
+                                    <p:cond delay="0"/>
+                                  </p:stCondLst>
+                                  <p:childTnLst>
+                                    <p:set>
+                                      <p:cBhvr>
+                                        <p:cTn id="29" dur="1" fill="hold">
+                                          <p:stCondLst>
+                                            <p:cond delay="0"/>
+                                          </p:stCondLst>
+                                        </p:cTn>
+                                        <p:tgtEl>
+                                          <p:spTgt spid="59"/>
+                                        </p:tgtEl>
+                                        <p:attrNameLst>
+                                          <p:attrName>style.visibility</p:attrName>
+                                        </p:attrNameLst>
+                                      </p:cBhvr>
+                                      <p:to>
+                                        <p:strVal val="visible"/>
+                                      </p:to>
+                                    </p:set>
+                                    <p:animEffect transition="in" filter="fade">
+                                      <p:cBhvr>
+                                        <p:cTn id="30" dur="500"/>
+                                        <p:tgtEl>
+                                          <p:spTgt spid="59"/>
+                                        </p:tgtEl>
+                                      </p:cBhvr>
+                                    </p:animEffect>
+                                  </p:childTnLst>
+                                </p:cTn>
+                              </p:par>
+                              <p:par>
+                                <p:cTn id="31" presetID="10" presetClass="entr" presetSubtype="0" fill="hold" nodeType="withEffect">
+                                  <p:stCondLst>
+                                    <p:cond delay="0"/>
+                                  </p:stCondLst>
+                                  <p:childTnLst>
+                                    <p:set>
+                                      <p:cBhvr>
+                                        <p:cTn id="32" dur="1" fill="hold">
+                                          <p:stCondLst>
+                                            <p:cond delay="0"/>
+                                          </p:stCondLst>
+                                        </p:cTn>
+                                        <p:tgtEl>
+                                          <p:spTgt spid="56"/>
+                                        </p:tgtEl>
+                                        <p:attrNameLst>
+                                          <p:attrName>style.visibility</p:attrName>
+                                        </p:attrNameLst>
+                                      </p:cBhvr>
+                                      <p:to>
+                                        <p:strVal val="visible"/>
+                                      </p:to>
+                                    </p:set>
+                                    <p:animEffect transition="in" filter="fade">
+                                      <p:cBhvr>
+                                        <p:cTn id="33" dur="500"/>
+                                        <p:tgtEl>
+                                          <p:spTgt spid="56"/>
+                                        </p:tgtEl>
+                                      </p:cBhvr>
+                                    </p:animEffect>
+                                  </p:childTnLst>
+                                </p:cTn>
+                              </p:par>
+                            </p:childTnLst>
+                          </p:cTn>
+                        </p:par>
+                        <p:par>
+                          <p:cTn id="34" fill="hold">
+                            <p:stCondLst>
+                              <p:cond delay="1000"/>
+                            </p:stCondLst>
+                            <p:childTnLst>
+                              <p:par>
+                                <p:cTn id="35" presetID="10" presetClass="entr" presetSubtype="0" fill="hold" nodeType="afterEffect">
+                                  <p:stCondLst>
+                                    <p:cond delay="0"/>
+                                  </p:stCondLst>
+                                  <p:childTnLst>
+                                    <p:set>
+                                      <p:cBhvr>
+                                        <p:cTn id="36" dur="1" fill="hold">
+                                          <p:stCondLst>
+                                            <p:cond delay="0"/>
+                                          </p:stCondLst>
+                                        </p:cTn>
+                                        <p:tgtEl>
+                                          <p:spTgt spid="57"/>
+                                        </p:tgtEl>
+                                        <p:attrNameLst>
+                                          <p:attrName>style.visibility</p:attrName>
+                                        </p:attrNameLst>
+                                      </p:cBhvr>
+                                      <p:to>
+                                        <p:strVal val="visible"/>
+                                      </p:to>
+                                    </p:set>
+                                    <p:animEffect transition="in" filter="fade">
+                                      <p:cBhvr>
+                                        <p:cTn id="37" dur="500"/>
+                                        <p:tgtEl>
+                                          <p:spTgt spid="57"/>
+                                        </p:tgtEl>
+                                      </p:cBhvr>
+                                    </p:animEffect>
+                                  </p:childTnLst>
+                                </p:cTn>
+                              </p:par>
+                              <p:par>
+                                <p:cTn id="38" presetID="10" presetClass="entr" presetSubtype="0" fill="hold" nodeType="withEffect">
+                                  <p:stCondLst>
+                                    <p:cond delay="0"/>
+                                  </p:stCondLst>
+                                  <p:childTnLst>
+                                    <p:set>
+                                      <p:cBhvr>
+                                        <p:cTn id="39" dur="1" fill="hold">
+                                          <p:stCondLst>
+                                            <p:cond delay="0"/>
+                                          </p:stCondLst>
+                                        </p:cTn>
+                                        <p:tgtEl>
+                                          <p:spTgt spid="60"/>
+                                        </p:tgtEl>
+                                        <p:attrNameLst>
+                                          <p:attrName>style.visibility</p:attrName>
+                                        </p:attrNameLst>
+                                      </p:cBhvr>
+                                      <p:to>
+                                        <p:strVal val="visible"/>
+                                      </p:to>
+                                    </p:set>
+                                    <p:animEffect transition="in" filter="fade">
+                                      <p:cBhvr>
+                                        <p:cTn id="40" dur="500"/>
+                                        <p:tgtEl>
+                                          <p:spTgt spid="60"/>
+                                        </p:tgtEl>
+                                      </p:cBhvr>
+                                    </p:animEffect>
+                                  </p:childTnLst>
+                                </p:cTn>
+                              </p:par>
+                              <p:par>
+                                <p:cTn id="41" presetID="10" presetClass="entr" presetSubtype="0" fill="hold" nodeType="withEffect">
+                                  <p:stCondLst>
+                                    <p:cond delay="0"/>
+                                  </p:stCondLst>
+                                  <p:childTnLst>
+                                    <p:set>
+                                      <p:cBhvr>
+                                        <p:cTn id="42" dur="1" fill="hold">
+                                          <p:stCondLst>
+                                            <p:cond delay="0"/>
+                                          </p:stCondLst>
+                                        </p:cTn>
+                                        <p:tgtEl>
+                                          <p:spTgt spid="61"/>
+                                        </p:tgtEl>
+                                        <p:attrNameLst>
+                                          <p:attrName>style.visibility</p:attrName>
+                                        </p:attrNameLst>
+                                      </p:cBhvr>
+                                      <p:to>
+                                        <p:strVal val="visible"/>
+                                      </p:to>
+                                    </p:set>
+                                    <p:animEffect transition="in" filter="fade">
+                                      <p:cBhvr>
+                                        <p:cTn id="43" dur="500"/>
+                                        <p:tgtEl>
+                                          <p:spTgt spid="61"/>
+                                        </p:tgtEl>
+                                      </p:cBhvr>
+                                    </p:animEffect>
+                                  </p:childTnLst>
+                                </p:cTn>
+                              </p:par>
+                              <p:par>
+                                <p:cTn id="44" presetID="10" presetClass="entr" presetSubtype="0" fill="hold" nodeType="withEffect">
+                                  <p:stCondLst>
+                                    <p:cond delay="0"/>
+                                  </p:stCondLst>
+                                  <p:childTnLst>
+                                    <p:set>
+                                      <p:cBhvr>
+                                        <p:cTn id="45" dur="1" fill="hold">
+                                          <p:stCondLst>
+                                            <p:cond delay="0"/>
+                                          </p:stCondLst>
+                                        </p:cTn>
+                                        <p:tgtEl>
+                                          <p:spTgt spid="51"/>
+                                        </p:tgtEl>
+                                        <p:attrNameLst>
+                                          <p:attrName>style.visibility</p:attrName>
+                                        </p:attrNameLst>
+                                      </p:cBhvr>
+                                      <p:to>
+                                        <p:strVal val="visible"/>
+                                      </p:to>
+                                    </p:set>
+                                    <p:animEffect transition="in" filter="fade">
+                                      <p:cBhvr>
+                                        <p:cTn id="46" dur="500"/>
+                                        <p:tgtEl>
+                                          <p:spTgt spid="51"/>
+                                        </p:tgtEl>
+                                      </p:cBhvr>
+                                    </p:animEffect>
+                                  </p:childTnLst>
+                                </p:cTn>
+                              </p:par>
+                            </p:childTnLst>
+                          </p:cTn>
+                        </p:par>
+                        <p:par>
+                          <p:cTn id="47" fill="hold">
+                            <p:stCondLst>
+                              <p:cond delay="1500"/>
+                            </p:stCondLst>
+                            <p:childTnLst>
+                              <p:par>
+                                <p:cTn id="48" presetID="10" presetClass="entr" presetSubtype="0" fill="hold" nodeType="afterEffect">
+                                  <p:stCondLst>
+                                    <p:cond delay="0"/>
+                                  </p:stCondLst>
+                                  <p:childTnLst>
+                                    <p:set>
+                                      <p:cBhvr>
+                                        <p:cTn id="49" dur="1" fill="hold">
+                                          <p:stCondLst>
+                                            <p:cond delay="0"/>
+                                          </p:stCondLst>
+                                        </p:cTn>
+                                        <p:tgtEl>
+                                          <p:spTgt spid="63"/>
+                                        </p:tgtEl>
+                                        <p:attrNameLst>
+                                          <p:attrName>style.visibility</p:attrName>
+                                        </p:attrNameLst>
+                                      </p:cBhvr>
+                                      <p:to>
+                                        <p:strVal val="visible"/>
+                                      </p:to>
+                                    </p:set>
+                                    <p:animEffect transition="in" filter="fade">
+                                      <p:cBhvr>
+                                        <p:cTn id="50" dur="500"/>
+                                        <p:tgtEl>
+                                          <p:spTgt spid="63"/>
+                                        </p:tgtEl>
+                                      </p:cBhvr>
+                                    </p:animEffect>
+                                  </p:childTnLst>
+                                </p:cTn>
+                              </p:par>
+                              <p:par>
+                                <p:cTn id="51" presetID="10" presetClass="entr" presetSubtype="0" fill="hold" nodeType="withEffect">
+                                  <p:stCondLst>
+                                    <p:cond delay="0"/>
+                                  </p:stCondLst>
+                                  <p:childTnLst>
+                                    <p:set>
+                                      <p:cBhvr>
+                                        <p:cTn id="52" dur="1" fill="hold">
+                                          <p:stCondLst>
+                                            <p:cond delay="0"/>
+                                          </p:stCondLst>
+                                        </p:cTn>
+                                        <p:tgtEl>
+                                          <p:spTgt spid="62"/>
+                                        </p:tgtEl>
+                                        <p:attrNameLst>
+                                          <p:attrName>style.visibility</p:attrName>
+                                        </p:attrNameLst>
+                                      </p:cBhvr>
+                                      <p:to>
+                                        <p:strVal val="visible"/>
+                                      </p:to>
+                                    </p:set>
+                                    <p:animEffect transition="in" filter="fade">
+                                      <p:cBhvr>
+                                        <p:cTn id="53" dur="500"/>
+                                        <p:tgtEl>
+                                          <p:spTgt spid="62"/>
+                                        </p:tgtEl>
+                                      </p:cBhvr>
+                                    </p:animEffect>
+                                  </p:childTnLst>
+                                </p:cTn>
+                              </p:par>
+                            </p:childTnLst>
+                          </p:cTn>
+                        </p:par>
+                      </p:childTnLst>
+                    </p:cTn>
+                  </p:par>
+                  <p:par>
+                    <p:cTn id="54" fill="hold">
+                      <p:stCondLst>
+                        <p:cond delay="indefinite"/>
+                      </p:stCondLst>
+                      <p:childTnLst>
+                        <p:par>
+                          <p:cTn id="55" fill="hold">
+                            <p:stCondLst>
+                              <p:cond delay="0"/>
+                            </p:stCondLst>
+                            <p:childTnLst>
+                              <p:par>
+                                <p:cTn id="56" presetID="10" presetClass="entr" presetSubtype="0" fill="hold" nodeType="clickEffect">
+                                  <p:stCondLst>
+                                    <p:cond delay="0"/>
+                                  </p:stCondLst>
+                                  <p:childTnLst>
+                                    <p:set>
+                                      <p:cBhvr>
+                                        <p:cTn id="57" dur="1" fill="hold">
+                                          <p:stCondLst>
+                                            <p:cond delay="0"/>
+                                          </p:stCondLst>
+                                        </p:cTn>
+                                        <p:tgtEl>
+                                          <p:spTgt spid="64"/>
+                                        </p:tgtEl>
+                                        <p:attrNameLst>
+                                          <p:attrName>style.visibility</p:attrName>
+                                        </p:attrNameLst>
+                                      </p:cBhvr>
+                                      <p:to>
+                                        <p:strVal val="visible"/>
+                                      </p:to>
+                                    </p:set>
+                                    <p:animEffect transition="in" filter="fade">
+                                      <p:cBhvr>
+                                        <p:cTn id="58" dur="500"/>
+                                        <p:tgtEl>
+                                          <p:spTgt spid="64"/>
+                                        </p:tgtEl>
+                                      </p:cBhvr>
+                                    </p:animEffect>
+                                  </p:childTnLst>
+                                </p:cTn>
+                              </p:par>
+                              <p:par>
+                                <p:cTn id="59" presetID="10" presetClass="entr" presetSubtype="0" fill="hold" nodeType="withEffect">
+                                  <p:stCondLst>
+                                    <p:cond delay="0"/>
+                                  </p:stCondLst>
+                                  <p:childTnLst>
+                                    <p:set>
+                                      <p:cBhvr>
+                                        <p:cTn id="60" dur="1" fill="hold">
+                                          <p:stCondLst>
+                                            <p:cond delay="0"/>
+                                          </p:stCondLst>
+                                        </p:cTn>
+                                        <p:tgtEl>
+                                          <p:spTgt spid="52"/>
+                                        </p:tgtEl>
+                                        <p:attrNameLst>
+                                          <p:attrName>style.visibility</p:attrName>
+                                        </p:attrNameLst>
+                                      </p:cBhvr>
+                                      <p:to>
+                                        <p:strVal val="visible"/>
+                                      </p:to>
+                                    </p:set>
+                                    <p:animEffect transition="in" filter="fade">
+                                      <p:cBhvr>
+                                        <p:cTn id="61" dur="500"/>
+                                        <p:tgtEl>
+                                          <p:spTgt spid="52"/>
+                                        </p:tgtEl>
+                                      </p:cBhvr>
+                                    </p:animEffect>
+                                  </p:childTnLst>
+                                </p:cTn>
+                              </p:par>
+                            </p:childTnLst>
+                          </p:cTn>
+                        </p:par>
+                      </p:childTnLst>
+                    </p:cTn>
+                  </p:par>
+                </p:childTnLst>
+              </p:cTn>
+              <p:prevCondLst>
+                <p:cond evt="onPrev" delay="0">
+                  <p:tgtEl>
+                    <p:sldTgt/>
+                  </p:tgtEl>
+                </p:cond>
+              </p:prevCondLst>
+              <p:nextCondLst>
+                <p:cond evt="onNext" delay="0">
+                  <p:tgtEl>
+                    <p:sldTgt/>
+                  </p:tgtEl>
+                </p:cond>
+              </p:nextCondLst>
+            </p:seq>
+          </p:childTnLst>
+        </p:cTn>
+      </p:par>
+    </p:tnLst>
+  </p:timing>
+</p:sld>
+</file>
+
+<file path=ppt/slides/slide12.xml><?xml version="1.0" encoding="utf-8"?>
+<p:sld xmlns:a="http://schemas.openxmlformats.org/drawingml/2006/main" xmlns:r="http://schemas.openxmlformats.org/officeDocument/2006/relationships" xmlns:p="http://schemas.openxmlformats.org/presentationml/2006/main">
+  <p:cSld>
+    <p:spTree>
+      <p:nvGrpSpPr>
+        <p:cNvPr id="1" name=""/>
+        <p:cNvGrpSpPr/>
+        <p:nvPr/>
+      </p:nvGrpSpPr>
+      <p:grpSpPr>
+        <a:xfrm>
+          <a:off x="0" y="0"/>
+          <a:ext cx="0" cy="0"/>
+          <a:chOff x="0" y="0"/>
+          <a:chExt cx="0" cy="0"/>
+        </a:xfrm>
+      </p:grpSpPr>
+      <p:pic>
+        <p:nvPicPr>
+          <p:cNvPr id="8" name="Рисунок 7">
+            <a:extLst>
+              <a:ext uri="{FF2B5EF4-FFF2-40B4-BE49-F238E27FC236}">
+                <a16:creationId xmlns:a16="http://schemas.microsoft.com/office/drawing/2014/main" id="{8B21EEB1-0A79-451F-AB57-4D833796429D}"/>
+              </a:ext>
+            </a:extLst>
+          </p:cNvPr>
+          <p:cNvPicPr>
+            <a:picLocks noChangeAspect="1"/>
+          </p:cNvPicPr>
+          <p:nvPr/>
+        </p:nvPicPr>
+        <p:blipFill rotWithShape="1">
+          <a:blip r:embed="rId2">
+            <a:extLst>
+              <a:ext uri="{28A0092B-C50C-407E-A947-70E740481C1C}">
+                <a14:useLocalDpi xmlns:a14="http://schemas.microsoft.com/office/drawing/2010/main" val="0"/>
+              </a:ext>
+            </a:extLst>
+          </a:blip>
+          <a:srcRect l="8698" t="5123" r="11628" b="4507"/>
+          <a:stretch/>
+        </p:blipFill>
+        <p:spPr>
+          <a:xfrm>
+            <a:off x="0" y="0"/>
+            <a:ext cx="12239622" cy="6840537"/>
+          </a:xfrm>
+          <a:prstGeom prst="rect">
+            <a:avLst/>
+          </a:prstGeom>
+        </p:spPr>
+      </p:pic>
+      <p:sp>
+        <p:nvSpPr>
+          <p:cNvPr id="9" name="Прямоугольник 8">
+            <a:extLst>
+              <a:ext uri="{FF2B5EF4-FFF2-40B4-BE49-F238E27FC236}">
+                <a16:creationId xmlns:a16="http://schemas.microsoft.com/office/drawing/2014/main" id="{2BD9BFA7-89CC-4A3E-AD38-1A49A71B9D31}"/>
+              </a:ext>
+            </a:extLst>
+          </p:cNvPr>
+          <p:cNvSpPr/>
+          <p:nvPr/>
+        </p:nvSpPr>
+        <p:spPr>
+          <a:xfrm>
+            <a:off x="539811" y="540268"/>
+            <a:ext cx="11160000" cy="5760000"/>
+          </a:xfrm>
+          <a:prstGeom prst="rect">
+            <a:avLst/>
+          </a:prstGeom>
+          <a:solidFill>
+            <a:schemeClr val="tx1"/>
+          </a:solidFill>
+          <a:ln w="63500">
+            <a:solidFill>
+              <a:schemeClr val="accent6">
+                <a:lumMod val="75000"/>
+              </a:schemeClr>
+            </a:solidFill>
+          </a:ln>
+        </p:spPr>
+        <p:style>
+          <a:lnRef idx="2">
+            <a:schemeClr val="accent1">
+              <a:shade val="50000"/>
+            </a:schemeClr>
+          </a:lnRef>
+          <a:fillRef idx="1">
+            <a:schemeClr val="accent1"/>
+          </a:fillRef>
+          <a:effectRef idx="0">
+            <a:schemeClr val="accent1"/>
+          </a:effectRef>
+          <a:fontRef idx="minor">
+            <a:schemeClr val="lt1"/>
+          </a:fontRef>
+        </p:style>
+        <p:txBody>
+          <a:bodyPr rot="0" spcFirstLastPara="0" vertOverflow="overflow" horzOverflow="overflow" vert="horz" wrap="square" lIns="91797" tIns="45899" rIns="91797" bIns="45899" numCol="1" spcCol="0" rtlCol="0" fromWordArt="0" anchor="ctr" anchorCtr="0" forceAA="0" compatLnSpc="1">
+            <a:prstTxWarp prst="textNoShape">
+              <a:avLst/>
+            </a:prstTxWarp>
+            <a:noAutofit/>
+          </a:bodyPr>
+          <a:lstStyle/>
+          <a:p>
+            <a:pPr algn="ctr"/>
+            <a:endParaRPr lang="ru-RU" sz="1807"/>
+          </a:p>
+        </p:txBody>
+      </p:sp>
+      <p:sp>
+        <p:nvSpPr>
+          <p:cNvPr id="10" name="Заголовок 1">
+            <a:extLst>
+              <a:ext uri="{FF2B5EF4-FFF2-40B4-BE49-F238E27FC236}">
+                <a16:creationId xmlns:a16="http://schemas.microsoft.com/office/drawing/2014/main" id="{096507BF-3E6C-4CBC-BCA4-D0D550100620}"/>
+              </a:ext>
+            </a:extLst>
+          </p:cNvPr>
+          <p:cNvSpPr txBox="1">
+            <a:spLocks/>
+          </p:cNvSpPr>
+          <p:nvPr/>
+        </p:nvSpPr>
+        <p:spPr>
+          <a:xfrm>
+            <a:off x="3147007" y="670897"/>
+            <a:ext cx="5945608" cy="954702"/>
+          </a:xfrm>
+          <a:prstGeom prst="rect">
+            <a:avLst/>
+          </a:prstGeom>
+        </p:spPr>
+        <p:txBody>
+          <a:bodyPr vert="horz" lIns="91440" tIns="45720" rIns="91440" bIns="45720" rtlCol="0" anchor="ctr">
+            <a:normAutofit fontScale="85000" lnSpcReduction="20000"/>
+          </a:bodyPr>
+          <a:lstStyle>
+            <a:lvl1pPr algn="l" defTabSz="912114" rtl="0" eaLnBrk="1" latinLnBrk="0" hangingPunct="1">
+              <a:lnSpc>
+                <a:spcPct val="90000"/>
+              </a:lnSpc>
+              <a:spcBef>
+                <a:spcPct val="0"/>
+              </a:spcBef>
+              <a:buNone/>
+              <a:defRPr sz="4389" kern="1200">
+                <a:solidFill>
+                  <a:schemeClr val="tx1"/>
+                </a:solidFill>
+                <a:latin typeface="+mj-lt"/>
+                <a:ea typeface="+mj-ea"/>
+                <a:cs typeface="+mj-cs"/>
+              </a:defRPr>
+            </a:lvl1pPr>
+          </a:lstStyle>
+          <a:p>
+            <a:r>
+              <a:rPr lang="ru-RU" dirty="0">
+                <a:solidFill>
+                  <a:srgbClr val="5ECA8C"/>
+                </a:solidFill>
+                <a:latin typeface="RodchenkoCTT" pitchFamily="2" charset="0"/>
+              </a:rPr>
+              <a:t>Сохранение структуры.       	Окончательное решение.</a:t>
+            </a:r>
+          </a:p>
+        </p:txBody>
+      </p:sp>
+      <p:sp>
+        <p:nvSpPr>
+          <p:cNvPr id="5" name="Заголовок 1">
+            <a:extLst>
+              <a:ext uri="{FF2B5EF4-FFF2-40B4-BE49-F238E27FC236}">
+                <a16:creationId xmlns:a16="http://schemas.microsoft.com/office/drawing/2014/main" id="{ECC2ADC5-FB99-4806-B728-31CF0C861F52}"/>
+              </a:ext>
+            </a:extLst>
+          </p:cNvPr>
+          <p:cNvSpPr txBox="1">
+            <a:spLocks/>
+          </p:cNvSpPr>
+          <p:nvPr/>
+        </p:nvSpPr>
+        <p:spPr>
+          <a:xfrm>
+            <a:off x="4127070" y="1559813"/>
+            <a:ext cx="3351204" cy="747486"/>
+          </a:xfrm>
+          <a:prstGeom prst="rect">
+            <a:avLst/>
+          </a:prstGeom>
+        </p:spPr>
+        <p:txBody>
+          <a:bodyPr vert="horz" lIns="91440" tIns="45720" rIns="91440" bIns="45720" rtlCol="0" anchor="ctr">
+            <a:normAutofit/>
+          </a:bodyPr>
+          <a:lstStyle>
+            <a:lvl1pPr algn="l" defTabSz="912114" rtl="0" eaLnBrk="1" latinLnBrk="0" hangingPunct="1">
+              <a:lnSpc>
+                <a:spcPct val="90000"/>
+              </a:lnSpc>
+              <a:spcBef>
+                <a:spcPct val="0"/>
+              </a:spcBef>
+              <a:buNone/>
+              <a:defRPr sz="4389" kern="1200">
+                <a:solidFill>
+                  <a:schemeClr val="tx1"/>
+                </a:solidFill>
+                <a:latin typeface="+mj-lt"/>
+                <a:ea typeface="+mj-ea"/>
+                <a:cs typeface="+mj-cs"/>
+              </a:defRPr>
+            </a:lvl1pPr>
+          </a:lstStyle>
+          <a:p>
+            <a:r>
+              <a:rPr lang="ru-RU" sz="3200" dirty="0">
+                <a:solidFill>
+                  <a:srgbClr val="5ECA8C"/>
+                </a:solidFill>
+                <a:latin typeface="RodchenkoCTT" pitchFamily="2" charset="0"/>
+              </a:rPr>
+              <a:t>Структура</a:t>
+            </a:r>
+            <a:r>
+              <a:rPr lang="en-US" sz="3200" dirty="0">
+                <a:solidFill>
+                  <a:srgbClr val="5ECA8C"/>
+                </a:solidFill>
+                <a:latin typeface="RodchenkoCTT" pitchFamily="2" charset="0"/>
+              </a:rPr>
+              <a:t> (</a:t>
+            </a:r>
+            <a:r>
+              <a:rPr lang="ru-RU" sz="3200" dirty="0">
+                <a:solidFill>
+                  <a:srgbClr val="5ECA8C"/>
+                </a:solidFill>
+                <a:latin typeface="RodchenkoCTT" pitchFamily="2" charset="0"/>
+              </a:rPr>
+              <a:t>строка</a:t>
+            </a:r>
+            <a:r>
+              <a:rPr lang="en-US" sz="3200" dirty="0">
+                <a:solidFill>
+                  <a:srgbClr val="5ECA8C"/>
+                </a:solidFill>
+                <a:latin typeface="RodchenkoCTT" pitchFamily="2" charset="0"/>
+              </a:rPr>
+              <a:t>)</a:t>
+            </a:r>
+            <a:endParaRPr lang="ru-RU" sz="3200" dirty="0">
+              <a:solidFill>
+                <a:srgbClr val="5ECA8C"/>
+              </a:solidFill>
+              <a:latin typeface="RodchenkoCTT" pitchFamily="2" charset="0"/>
+            </a:endParaRPr>
+          </a:p>
+        </p:txBody>
+      </p:sp>
+      <p:sp>
+        <p:nvSpPr>
+          <p:cNvPr id="2" name="Левая фигурная скобка 1">
+            <a:extLst>
+              <a:ext uri="{FF2B5EF4-FFF2-40B4-BE49-F238E27FC236}">
+                <a16:creationId xmlns:a16="http://schemas.microsoft.com/office/drawing/2014/main" id="{468A90B0-D895-4822-932A-83D21D1DB1D3}"/>
+              </a:ext>
+            </a:extLst>
+          </p:cNvPr>
+          <p:cNvSpPr/>
+          <p:nvPr/>
+        </p:nvSpPr>
+        <p:spPr>
+          <a:xfrm rot="5400000">
+            <a:off x="5609378" y="205447"/>
+            <a:ext cx="148564" cy="4338842"/>
+          </a:xfrm>
+          <a:prstGeom prst="leftBrace">
+            <a:avLst/>
+          </a:prstGeom>
+          <a:ln w="28575">
+            <a:solidFill>
+              <a:srgbClr val="5ECA8C"/>
+            </a:solidFill>
+          </a:ln>
+        </p:spPr>
+        <p:style>
+          <a:lnRef idx="1">
+            <a:schemeClr val="accent1"/>
+          </a:lnRef>
+          <a:fillRef idx="0">
+            <a:schemeClr val="accent1"/>
+          </a:fillRef>
+          <a:effectRef idx="0">
+            <a:schemeClr val="accent1"/>
+          </a:effectRef>
+          <a:fontRef idx="minor">
+            <a:schemeClr val="tx1"/>
+          </a:fontRef>
+        </p:style>
+        <p:txBody>
+          <a:bodyPr rtlCol="0" anchor="ctr"/>
+          <a:lstStyle/>
+          <a:p>
+            <a:pPr algn="ctr"/>
+            <a:endParaRPr lang="ru-RU"/>
+          </a:p>
+        </p:txBody>
+      </p:sp>
+      <p:sp>
+        <p:nvSpPr>
+          <p:cNvPr id="7" name="Заголовок 1">
+            <a:extLst>
+              <a:ext uri="{FF2B5EF4-FFF2-40B4-BE49-F238E27FC236}">
+                <a16:creationId xmlns:a16="http://schemas.microsoft.com/office/drawing/2014/main" id="{2EF35CBA-3756-4CA9-896B-E9C455584C98}"/>
+              </a:ext>
+            </a:extLst>
+          </p:cNvPr>
+          <p:cNvSpPr txBox="1">
+            <a:spLocks/>
+          </p:cNvSpPr>
+          <p:nvPr/>
+        </p:nvSpPr>
+        <p:spPr>
+          <a:xfrm>
+            <a:off x="7300068" y="2300586"/>
+            <a:ext cx="1283243" cy="747486"/>
+          </a:xfrm>
+          <a:prstGeom prst="rect">
+            <a:avLst/>
+          </a:prstGeom>
+        </p:spPr>
+        <p:txBody>
+          <a:bodyPr vert="horz" lIns="91440" tIns="45720" rIns="91440" bIns="45720" rtlCol="0" anchor="ctr">
+            <a:normAutofit/>
+          </a:bodyPr>
+          <a:lstStyle>
+            <a:lvl1pPr algn="l" defTabSz="912114" rtl="0" eaLnBrk="1" latinLnBrk="0" hangingPunct="1">
+              <a:lnSpc>
+                <a:spcPct val="90000"/>
+              </a:lnSpc>
+              <a:spcBef>
+                <a:spcPct val="0"/>
+              </a:spcBef>
+              <a:buNone/>
+              <a:defRPr sz="4389" kern="1200">
+                <a:solidFill>
+                  <a:schemeClr val="tx1"/>
+                </a:solidFill>
+                <a:latin typeface="+mj-lt"/>
+                <a:ea typeface="+mj-ea"/>
+                <a:cs typeface="+mj-cs"/>
+              </a:defRPr>
+            </a:lvl1pPr>
+          </a:lstStyle>
+          <a:p>
+            <a:r>
+              <a:rPr lang="ru-RU" sz="3200" dirty="0">
+                <a:solidFill>
+                  <a:srgbClr val="5ECA8C"/>
+                </a:solidFill>
+                <a:latin typeface="RodchenkoCTT" pitchFamily="2" charset="0"/>
+              </a:rPr>
+              <a:t>Блоки</a:t>
+            </a:r>
+          </a:p>
+        </p:txBody>
+      </p:sp>
+      <p:sp>
+        <p:nvSpPr>
+          <p:cNvPr id="11" name="Заголовок 1">
+            <a:extLst>
+              <a:ext uri="{FF2B5EF4-FFF2-40B4-BE49-F238E27FC236}">
+                <a16:creationId xmlns:a16="http://schemas.microsoft.com/office/drawing/2014/main" id="{6210D18E-3114-4B09-BEDD-3EC92A8C1160}"/>
+              </a:ext>
+            </a:extLst>
+          </p:cNvPr>
+          <p:cNvSpPr txBox="1">
+            <a:spLocks/>
+          </p:cNvSpPr>
+          <p:nvPr/>
+        </p:nvSpPr>
+        <p:spPr>
+          <a:xfrm>
+            <a:off x="2613164" y="2300586"/>
+            <a:ext cx="2190680" cy="747486"/>
+          </a:xfrm>
+          <a:prstGeom prst="rect">
+            <a:avLst/>
+          </a:prstGeom>
+        </p:spPr>
+        <p:txBody>
+          <a:bodyPr vert="horz" lIns="91440" tIns="45720" rIns="91440" bIns="45720" rtlCol="0" anchor="ctr">
+            <a:normAutofit fontScale="92500"/>
+          </a:bodyPr>
+          <a:lstStyle>
+            <a:lvl1pPr algn="l" defTabSz="912114" rtl="0" eaLnBrk="1" latinLnBrk="0" hangingPunct="1">
+              <a:lnSpc>
+                <a:spcPct val="90000"/>
+              </a:lnSpc>
+              <a:spcBef>
+                <a:spcPct val="0"/>
+              </a:spcBef>
+              <a:buNone/>
+              <a:defRPr sz="4389" kern="1200">
+                <a:solidFill>
+                  <a:schemeClr val="tx1"/>
+                </a:solidFill>
+                <a:latin typeface="+mj-lt"/>
+                <a:ea typeface="+mj-ea"/>
+                <a:cs typeface="+mj-cs"/>
+              </a:defRPr>
+            </a:lvl1pPr>
+          </a:lstStyle>
+          <a:p>
+            <a:r>
+              <a:rPr lang="ru-RU" sz="3200" dirty="0">
+                <a:solidFill>
+                  <a:srgbClr val="5ECA8C"/>
+                </a:solidFill>
+                <a:latin typeface="RodchenkoCTT" pitchFamily="2" charset="0"/>
+              </a:rPr>
+              <a:t>Коннекторы</a:t>
+            </a:r>
+          </a:p>
+        </p:txBody>
+      </p:sp>
+      <p:sp>
+        <p:nvSpPr>
+          <p:cNvPr id="12" name="Заголовок 1">
+            <a:extLst>
+              <a:ext uri="{FF2B5EF4-FFF2-40B4-BE49-F238E27FC236}">
+                <a16:creationId xmlns:a16="http://schemas.microsoft.com/office/drawing/2014/main" id="{35D593D4-E560-4C9C-92C4-D52D06C35404}"/>
+              </a:ext>
+            </a:extLst>
+          </p:cNvPr>
+          <p:cNvSpPr txBox="1">
+            <a:spLocks/>
+          </p:cNvSpPr>
+          <p:nvPr/>
+        </p:nvSpPr>
+        <p:spPr>
+          <a:xfrm>
+            <a:off x="5418299" y="2374868"/>
+            <a:ext cx="425141" cy="765343"/>
+          </a:xfrm>
+          <a:prstGeom prst="rect">
+            <a:avLst/>
+          </a:prstGeom>
+        </p:spPr>
+        <p:txBody>
+          <a:bodyPr vert="horz" lIns="91440" tIns="45720" rIns="91440" bIns="45720" rtlCol="0" anchor="ctr">
+            <a:normAutofit/>
+          </a:bodyPr>
+          <a:lstStyle>
+            <a:lvl1pPr algn="l" defTabSz="912114" rtl="0" eaLnBrk="1" latinLnBrk="0" hangingPunct="1">
+              <a:lnSpc>
+                <a:spcPct val="90000"/>
+              </a:lnSpc>
+              <a:spcBef>
+                <a:spcPct val="0"/>
+              </a:spcBef>
+              <a:buNone/>
+              <a:defRPr sz="4389" kern="1200">
+                <a:solidFill>
+                  <a:schemeClr val="tx1"/>
+                </a:solidFill>
+                <a:latin typeface="+mj-lt"/>
+                <a:ea typeface="+mj-ea"/>
+                <a:cs typeface="+mj-cs"/>
+              </a:defRPr>
+            </a:lvl1pPr>
+          </a:lstStyle>
+          <a:p>
+            <a:r>
+              <a:rPr lang="ru-RU" sz="3600" b="0" i="0" dirty="0">
+                <a:solidFill>
+                  <a:srgbClr val="5ECA8C"/>
+                </a:solidFill>
+                <a:effectLst/>
+                <a:latin typeface="arial" panose="020B0604020202020204" pitchFamily="34" charset="0"/>
+              </a:rPr>
+              <a:t>∈</a:t>
+            </a:r>
+            <a:endParaRPr lang="ru-RU" sz="3600" dirty="0">
+              <a:solidFill>
+                <a:srgbClr val="5ECA8C"/>
+              </a:solidFill>
+              <a:latin typeface="RodchenkoCTT" pitchFamily="2" charset="0"/>
+            </a:endParaRPr>
+          </a:p>
+        </p:txBody>
+      </p:sp>
+      <p:sp>
+        <p:nvSpPr>
+          <p:cNvPr id="13" name="Заголовок 1">
+            <a:extLst>
+              <a:ext uri="{FF2B5EF4-FFF2-40B4-BE49-F238E27FC236}">
+                <a16:creationId xmlns:a16="http://schemas.microsoft.com/office/drawing/2014/main" id="{3E4DDB86-E5BC-4F6A-89AD-FAE5C03EF390}"/>
+              </a:ext>
+            </a:extLst>
+          </p:cNvPr>
+          <p:cNvSpPr txBox="1">
+            <a:spLocks/>
+          </p:cNvSpPr>
+          <p:nvPr/>
+        </p:nvSpPr>
+        <p:spPr>
+          <a:xfrm>
+            <a:off x="2329911" y="2914302"/>
+            <a:ext cx="2748991" cy="954815"/>
+          </a:xfrm>
+          <a:prstGeom prst="rect">
+            <a:avLst/>
+          </a:prstGeom>
+        </p:spPr>
+        <p:txBody>
+          <a:bodyPr vert="horz" lIns="91440" tIns="45720" rIns="91440" bIns="45720" rtlCol="0" anchor="ctr">
+            <a:noAutofit/>
+          </a:bodyPr>
+          <a:lstStyle>
+            <a:lvl1pPr algn="l" defTabSz="912114" rtl="0" eaLnBrk="1" latinLnBrk="0" hangingPunct="1">
+              <a:lnSpc>
+                <a:spcPct val="90000"/>
+              </a:lnSpc>
+              <a:spcBef>
+                <a:spcPct val="0"/>
+              </a:spcBef>
+              <a:buNone/>
+              <a:defRPr sz="4389" kern="1200">
+                <a:solidFill>
+                  <a:schemeClr val="tx1"/>
+                </a:solidFill>
+                <a:latin typeface="+mj-lt"/>
+                <a:ea typeface="+mj-ea"/>
+                <a:cs typeface="+mj-cs"/>
+              </a:defRPr>
+            </a:lvl1pPr>
+          </a:lstStyle>
+          <a:p>
+            <a:r>
+              <a:rPr lang="en-US" sz="2500" dirty="0" err="1">
+                <a:solidFill>
+                  <a:srgbClr val="5ECA8C"/>
+                </a:solidFill>
+                <a:latin typeface="RodchenkoCTT" pitchFamily="2" charset="0"/>
+              </a:rPr>
+              <a:t>InputConnection</a:t>
+            </a:r>
+            <a:r>
+              <a:rPr lang="en-US" sz="2500" dirty="0">
+                <a:solidFill>
+                  <a:srgbClr val="5ECA8C"/>
+                </a:solidFill>
+                <a:latin typeface="RodchenkoCTT" pitchFamily="2" charset="0"/>
+              </a:rPr>
+              <a:t>/</a:t>
+            </a:r>
+          </a:p>
+          <a:p>
+            <a:r>
+              <a:rPr lang="en-US" sz="2500" dirty="0" err="1">
+                <a:solidFill>
+                  <a:srgbClr val="5ECA8C"/>
+                </a:solidFill>
+                <a:latin typeface="RodchenkoCTT" pitchFamily="2" charset="0"/>
+              </a:rPr>
+              <a:t>OutputConnection</a:t>
+            </a:r>
+            <a:endParaRPr lang="ru-RU" sz="2500" dirty="0">
+              <a:solidFill>
+                <a:srgbClr val="5ECA8C"/>
+              </a:solidFill>
+              <a:latin typeface="RodchenkoCTT" pitchFamily="2" charset="0"/>
+            </a:endParaRPr>
+          </a:p>
+        </p:txBody>
+      </p:sp>
+      <p:sp>
+        <p:nvSpPr>
+          <p:cNvPr id="14" name="Заголовок 1">
+            <a:extLst>
+              <a:ext uri="{FF2B5EF4-FFF2-40B4-BE49-F238E27FC236}">
+                <a16:creationId xmlns:a16="http://schemas.microsoft.com/office/drawing/2014/main" id="{BF4BF455-AFBA-491A-AEC1-CC4FF28F9A48}"/>
+              </a:ext>
+            </a:extLst>
+          </p:cNvPr>
+          <p:cNvSpPr txBox="1">
+            <a:spLocks/>
+          </p:cNvSpPr>
+          <p:nvPr/>
+        </p:nvSpPr>
+        <p:spPr>
+          <a:xfrm>
+            <a:off x="3206970" y="3792467"/>
+            <a:ext cx="614538" cy="570395"/>
+          </a:xfrm>
+          <a:prstGeom prst="rect">
+            <a:avLst/>
+          </a:prstGeom>
+        </p:spPr>
+        <p:txBody>
+          <a:bodyPr vert="horz" lIns="91440" tIns="45720" rIns="91440" bIns="45720" rtlCol="0" anchor="ctr">
+            <a:noAutofit/>
+          </a:bodyPr>
+          <a:lstStyle>
+            <a:lvl1pPr algn="l" defTabSz="912114" rtl="0" eaLnBrk="1" latinLnBrk="0" hangingPunct="1">
+              <a:lnSpc>
+                <a:spcPct val="90000"/>
+              </a:lnSpc>
+              <a:spcBef>
+                <a:spcPct val="0"/>
+              </a:spcBef>
+              <a:buNone/>
+              <a:defRPr sz="4389" kern="1200">
+                <a:solidFill>
+                  <a:schemeClr val="tx1"/>
+                </a:solidFill>
+                <a:latin typeface="+mj-lt"/>
+                <a:ea typeface="+mj-ea"/>
+                <a:cs typeface="+mj-cs"/>
+              </a:defRPr>
+            </a:lvl1pPr>
+          </a:lstStyle>
+          <a:p>
+            <a:r>
+              <a:rPr lang="en-US" sz="2500" dirty="0">
+                <a:solidFill>
+                  <a:srgbClr val="5ECA8C"/>
+                </a:solidFill>
+                <a:latin typeface="RodchenkoCTT" pitchFamily="2" charset="0"/>
+              </a:rPr>
+              <a:t>(id,</a:t>
+            </a:r>
+            <a:endParaRPr lang="ru-RU" sz="2500" dirty="0">
+              <a:solidFill>
+                <a:srgbClr val="5ECA8C"/>
+              </a:solidFill>
+              <a:latin typeface="RodchenkoCTT" pitchFamily="2" charset="0"/>
+            </a:endParaRPr>
+          </a:p>
+        </p:txBody>
+      </p:sp>
+      <p:sp>
+        <p:nvSpPr>
+          <p:cNvPr id="15" name="Заголовок 1">
+            <a:extLst>
+              <a:ext uri="{FF2B5EF4-FFF2-40B4-BE49-F238E27FC236}">
+                <a16:creationId xmlns:a16="http://schemas.microsoft.com/office/drawing/2014/main" id="{E9EB580A-A3AC-4A7D-8A14-634B7FB90CBE}"/>
+              </a:ext>
+            </a:extLst>
+          </p:cNvPr>
+          <p:cNvSpPr txBox="1">
+            <a:spLocks/>
+          </p:cNvSpPr>
+          <p:nvPr/>
+        </p:nvSpPr>
+        <p:spPr>
+          <a:xfrm>
+            <a:off x="1806181" y="4191883"/>
+            <a:ext cx="3796449" cy="698997"/>
+          </a:xfrm>
+          <a:prstGeom prst="rect">
+            <a:avLst/>
+          </a:prstGeom>
+        </p:spPr>
+        <p:txBody>
+          <a:bodyPr vert="horz" lIns="91440" tIns="45720" rIns="91440" bIns="45720" rtlCol="0" anchor="ctr">
+            <a:noAutofit/>
+          </a:bodyPr>
+          <a:lstStyle>
+            <a:lvl1pPr algn="l" defTabSz="912114" rtl="0" eaLnBrk="1" latinLnBrk="0" hangingPunct="1">
+              <a:lnSpc>
+                <a:spcPct val="90000"/>
+              </a:lnSpc>
+              <a:spcBef>
+                <a:spcPct val="0"/>
+              </a:spcBef>
+              <a:buNone/>
+              <a:defRPr sz="4389" kern="1200">
+                <a:solidFill>
+                  <a:schemeClr val="tx1"/>
+                </a:solidFill>
+                <a:latin typeface="+mj-lt"/>
+                <a:ea typeface="+mj-ea"/>
+                <a:cs typeface="+mj-cs"/>
+              </a:defRPr>
+            </a:lvl1pPr>
+          </a:lstStyle>
+          <a:p>
+            <a:r>
+              <a:rPr lang="en-US" sz="2500" dirty="0">
+                <a:solidFill>
+                  <a:srgbClr val="5ECA8C"/>
+                </a:solidFill>
+                <a:latin typeface="RodchenkoCTT" pitchFamily="2" charset="0"/>
+              </a:rPr>
+              <a:t>[attached connector`s ids],</a:t>
+            </a:r>
+            <a:endParaRPr lang="ru-RU" sz="2500" dirty="0">
+              <a:solidFill>
+                <a:srgbClr val="5ECA8C"/>
+              </a:solidFill>
+              <a:latin typeface="RodchenkoCTT" pitchFamily="2" charset="0"/>
+            </a:endParaRPr>
+          </a:p>
+        </p:txBody>
+      </p:sp>
+      <p:sp>
+        <p:nvSpPr>
+          <p:cNvPr id="16" name="Заголовок 1">
+            <a:extLst>
+              <a:ext uri="{FF2B5EF4-FFF2-40B4-BE49-F238E27FC236}">
+                <a16:creationId xmlns:a16="http://schemas.microsoft.com/office/drawing/2014/main" id="{F13FF77B-2E2D-4512-A6E2-F9BD25F50D9D}"/>
+              </a:ext>
+            </a:extLst>
+          </p:cNvPr>
+          <p:cNvSpPr txBox="1">
+            <a:spLocks/>
+          </p:cNvSpPr>
+          <p:nvPr/>
+        </p:nvSpPr>
+        <p:spPr>
+          <a:xfrm>
+            <a:off x="1806180" y="4854176"/>
+            <a:ext cx="3796449" cy="570395"/>
+          </a:xfrm>
+          <a:prstGeom prst="rect">
+            <a:avLst/>
+          </a:prstGeom>
+        </p:spPr>
+        <p:txBody>
+          <a:bodyPr vert="horz" lIns="91440" tIns="45720" rIns="91440" bIns="45720" rtlCol="0" anchor="ctr">
+            <a:noAutofit/>
+          </a:bodyPr>
+          <a:lstStyle>
+            <a:lvl1pPr algn="l" defTabSz="912114" rtl="0" eaLnBrk="1" latinLnBrk="0" hangingPunct="1">
+              <a:lnSpc>
+                <a:spcPct val="90000"/>
+              </a:lnSpc>
+              <a:spcBef>
+                <a:spcPct val="0"/>
+              </a:spcBef>
+              <a:buNone/>
+              <a:defRPr sz="4389" kern="1200">
+                <a:solidFill>
+                  <a:schemeClr val="tx1"/>
+                </a:solidFill>
+                <a:latin typeface="+mj-lt"/>
+                <a:ea typeface="+mj-ea"/>
+                <a:cs typeface="+mj-cs"/>
+              </a:defRPr>
+            </a:lvl1pPr>
+          </a:lstStyle>
+          <a:p>
+            <a:r>
+              <a:rPr lang="en-US" sz="2500" dirty="0" err="1">
+                <a:solidFill>
+                  <a:srgbClr val="5ECA8C"/>
+                </a:solidFill>
+                <a:latin typeface="RodchenkoCTT" pitchFamily="2" charset="0"/>
+              </a:rPr>
+              <a:t>local_cords_percents</a:t>
+            </a:r>
+            <a:r>
+              <a:rPr lang="en-US" sz="2500" dirty="0">
+                <a:solidFill>
+                  <a:srgbClr val="5ECA8C"/>
+                </a:solidFill>
+                <a:latin typeface="RodchenkoCTT" pitchFamily="2" charset="0"/>
+              </a:rPr>
+              <a:t>)</a:t>
+            </a:r>
+            <a:endParaRPr lang="ru-RU" sz="2500" dirty="0">
+              <a:solidFill>
+                <a:srgbClr val="5ECA8C"/>
+              </a:solidFill>
+              <a:latin typeface="RodchenkoCTT" pitchFamily="2" charset="0"/>
+            </a:endParaRPr>
+          </a:p>
+        </p:txBody>
+      </p:sp>
+      <p:sp>
+        <p:nvSpPr>
+          <p:cNvPr id="17" name="Заголовок 1">
+            <a:extLst>
+              <a:ext uri="{FF2B5EF4-FFF2-40B4-BE49-F238E27FC236}">
+                <a16:creationId xmlns:a16="http://schemas.microsoft.com/office/drawing/2014/main" id="{6C16A0FE-82A6-4A62-890E-FC2204CE1F39}"/>
+              </a:ext>
+            </a:extLst>
+          </p:cNvPr>
+          <p:cNvSpPr txBox="1">
+            <a:spLocks/>
+          </p:cNvSpPr>
+          <p:nvPr/>
+        </p:nvSpPr>
+        <p:spPr>
+          <a:xfrm>
+            <a:off x="7300066" y="3210914"/>
+            <a:ext cx="1283243" cy="434980"/>
+          </a:xfrm>
+          <a:prstGeom prst="rect">
+            <a:avLst/>
+          </a:prstGeom>
+        </p:spPr>
+        <p:txBody>
+          <a:bodyPr vert="horz" lIns="91440" tIns="45720" rIns="91440" bIns="45720" rtlCol="0" anchor="ctr">
+            <a:noAutofit/>
+          </a:bodyPr>
+          <a:lstStyle>
+            <a:lvl1pPr algn="l" defTabSz="912114" rtl="0" eaLnBrk="1" latinLnBrk="0" hangingPunct="1">
+              <a:lnSpc>
+                <a:spcPct val="90000"/>
+              </a:lnSpc>
+              <a:spcBef>
+                <a:spcPct val="0"/>
+              </a:spcBef>
+              <a:buNone/>
+              <a:defRPr sz="4389" kern="1200">
+                <a:solidFill>
+                  <a:schemeClr val="tx1"/>
+                </a:solidFill>
+                <a:latin typeface="+mj-lt"/>
+                <a:ea typeface="+mj-ea"/>
+                <a:cs typeface="+mj-cs"/>
+              </a:defRPr>
+            </a:lvl1pPr>
+          </a:lstStyle>
+          <a:p>
+            <a:r>
+              <a:rPr lang="en-US" sz="2500" dirty="0">
+                <a:solidFill>
+                  <a:srgbClr val="5ECA8C"/>
+                </a:solidFill>
+                <a:latin typeface="RodchenkoCTT" pitchFamily="2" charset="0"/>
+              </a:rPr>
+              <a:t>…Block</a:t>
+            </a:r>
+            <a:endParaRPr lang="ru-RU" sz="2500" dirty="0">
+              <a:solidFill>
+                <a:srgbClr val="5ECA8C"/>
+              </a:solidFill>
+              <a:latin typeface="RodchenkoCTT" pitchFamily="2" charset="0"/>
+            </a:endParaRPr>
+          </a:p>
+        </p:txBody>
+      </p:sp>
+      <p:sp>
+        <p:nvSpPr>
+          <p:cNvPr id="18" name="Заголовок 1">
+            <a:extLst>
+              <a:ext uri="{FF2B5EF4-FFF2-40B4-BE49-F238E27FC236}">
+                <a16:creationId xmlns:a16="http://schemas.microsoft.com/office/drawing/2014/main" id="{F1208ADD-E496-4C48-8042-1D9B61A4D178}"/>
+              </a:ext>
+            </a:extLst>
+          </p:cNvPr>
+          <p:cNvSpPr txBox="1">
+            <a:spLocks/>
+          </p:cNvSpPr>
+          <p:nvPr/>
+        </p:nvSpPr>
+        <p:spPr>
+          <a:xfrm>
+            <a:off x="7300065" y="3797095"/>
+            <a:ext cx="1283243" cy="434980"/>
+          </a:xfrm>
+          <a:prstGeom prst="rect">
+            <a:avLst/>
+          </a:prstGeom>
+        </p:spPr>
+        <p:txBody>
+          <a:bodyPr vert="horz" lIns="91440" tIns="45720" rIns="91440" bIns="45720" rtlCol="0" anchor="ctr">
+            <a:noAutofit/>
+          </a:bodyPr>
+          <a:lstStyle>
+            <a:lvl1pPr algn="l" defTabSz="912114" rtl="0" eaLnBrk="1" latinLnBrk="0" hangingPunct="1">
+              <a:lnSpc>
+                <a:spcPct val="90000"/>
+              </a:lnSpc>
+              <a:spcBef>
+                <a:spcPct val="0"/>
+              </a:spcBef>
+              <a:buNone/>
+              <a:defRPr sz="4389" kern="1200">
+                <a:solidFill>
+                  <a:schemeClr val="tx1"/>
+                </a:solidFill>
+                <a:latin typeface="+mj-lt"/>
+                <a:ea typeface="+mj-ea"/>
+                <a:cs typeface="+mj-cs"/>
+              </a:defRPr>
+            </a:lvl1pPr>
+          </a:lstStyle>
+          <a:p>
+            <a:r>
+              <a:rPr lang="en-US" sz="2500" dirty="0">
+                <a:solidFill>
+                  <a:srgbClr val="5ECA8C"/>
+                </a:solidFill>
+                <a:latin typeface="RodchenkoCTT" pitchFamily="2" charset="0"/>
+              </a:rPr>
+              <a:t>(name,</a:t>
+            </a:r>
+            <a:endParaRPr lang="ru-RU" sz="2500" dirty="0">
+              <a:solidFill>
+                <a:srgbClr val="5ECA8C"/>
+              </a:solidFill>
+              <a:latin typeface="RodchenkoCTT" pitchFamily="2" charset="0"/>
+            </a:endParaRPr>
+          </a:p>
+        </p:txBody>
+      </p:sp>
+      <p:sp>
+        <p:nvSpPr>
+          <p:cNvPr id="19" name="Заголовок 1">
+            <a:extLst>
+              <a:ext uri="{FF2B5EF4-FFF2-40B4-BE49-F238E27FC236}">
+                <a16:creationId xmlns:a16="http://schemas.microsoft.com/office/drawing/2014/main" id="{B32282DB-6D8C-4A3F-AFD3-FA07C3804E5B}"/>
+              </a:ext>
+            </a:extLst>
+          </p:cNvPr>
+          <p:cNvSpPr txBox="1">
+            <a:spLocks/>
+          </p:cNvSpPr>
+          <p:nvPr/>
+        </p:nvSpPr>
+        <p:spPr>
+          <a:xfrm>
+            <a:off x="6632897" y="4337363"/>
+            <a:ext cx="2701821" cy="434980"/>
+          </a:xfrm>
+          <a:prstGeom prst="rect">
+            <a:avLst/>
+          </a:prstGeom>
+        </p:spPr>
+        <p:txBody>
+          <a:bodyPr vert="horz" lIns="91440" tIns="45720" rIns="91440" bIns="45720" rtlCol="0" anchor="ctr">
+            <a:noAutofit/>
+          </a:bodyPr>
+          <a:lstStyle>
+            <a:lvl1pPr algn="l" defTabSz="912114" rtl="0" eaLnBrk="1" latinLnBrk="0" hangingPunct="1">
+              <a:lnSpc>
+                <a:spcPct val="90000"/>
+              </a:lnSpc>
+              <a:spcBef>
+                <a:spcPct val="0"/>
+              </a:spcBef>
+              <a:buNone/>
+              <a:defRPr sz="4389" kern="1200">
+                <a:solidFill>
+                  <a:schemeClr val="tx1"/>
+                </a:solidFill>
+                <a:latin typeface="+mj-lt"/>
+                <a:ea typeface="+mj-ea"/>
+                <a:cs typeface="+mj-cs"/>
+              </a:defRPr>
+            </a:lvl1pPr>
+          </a:lstStyle>
+          <a:p>
+            <a:r>
+              <a:rPr lang="en-US" sz="2500" dirty="0">
+                <a:solidFill>
+                  <a:srgbClr val="5ECA8C"/>
+                </a:solidFill>
+                <a:latin typeface="RodchenkoCTT" pitchFamily="2" charset="0"/>
+              </a:rPr>
+              <a:t>&lt;</a:t>
+            </a:r>
+            <a:r>
+              <a:rPr lang="en-US" sz="2500" dirty="0" err="1">
+                <a:solidFill>
+                  <a:srgbClr val="5ECA8C"/>
+                </a:solidFill>
+                <a:latin typeface="RodchenkoCTT" pitchFamily="2" charset="0"/>
+              </a:rPr>
+              <a:t>rect</a:t>
+            </a:r>
+            <a:r>
+              <a:rPr lang="en-US" sz="2500" dirty="0">
+                <a:solidFill>
+                  <a:srgbClr val="5ECA8C"/>
+                </a:solidFill>
+                <a:latin typeface="RodchenkoCTT" pitchFamily="2" charset="0"/>
+              </a:rPr>
+              <a:t>(x, y, w, h)&gt;</a:t>
+            </a:r>
+            <a:endParaRPr lang="ru-RU" sz="2500" dirty="0">
+              <a:solidFill>
+                <a:srgbClr val="5ECA8C"/>
+              </a:solidFill>
+              <a:latin typeface="RodchenkoCTT" pitchFamily="2" charset="0"/>
+            </a:endParaRPr>
+          </a:p>
+        </p:txBody>
+      </p:sp>
+      <p:sp>
+        <p:nvSpPr>
+          <p:cNvPr id="20" name="Заголовок 1">
+            <a:extLst>
+              <a:ext uri="{FF2B5EF4-FFF2-40B4-BE49-F238E27FC236}">
+                <a16:creationId xmlns:a16="http://schemas.microsoft.com/office/drawing/2014/main" id="{1CBA62F4-BE6B-45F3-A81F-0AAD5A3A9BCD}"/>
+              </a:ext>
+            </a:extLst>
+          </p:cNvPr>
+          <p:cNvSpPr txBox="1">
+            <a:spLocks/>
+          </p:cNvSpPr>
+          <p:nvPr/>
+        </p:nvSpPr>
+        <p:spPr>
+          <a:xfrm>
+            <a:off x="7067494" y="4921883"/>
+            <a:ext cx="1832626" cy="434980"/>
+          </a:xfrm>
+          <a:prstGeom prst="rect">
+            <a:avLst/>
+          </a:prstGeom>
+        </p:spPr>
+        <p:txBody>
+          <a:bodyPr vert="horz" lIns="91440" tIns="45720" rIns="91440" bIns="45720" rtlCol="0" anchor="ctr">
+            <a:noAutofit/>
+          </a:bodyPr>
+          <a:lstStyle>
+            <a:lvl1pPr algn="l" defTabSz="912114" rtl="0" eaLnBrk="1" latinLnBrk="0" hangingPunct="1">
+              <a:lnSpc>
+                <a:spcPct val="90000"/>
+              </a:lnSpc>
+              <a:spcBef>
+                <a:spcPct val="0"/>
+              </a:spcBef>
+              <a:buNone/>
+              <a:defRPr sz="4389" kern="1200">
+                <a:solidFill>
+                  <a:schemeClr val="tx1"/>
+                </a:solidFill>
+                <a:latin typeface="+mj-lt"/>
+                <a:ea typeface="+mj-ea"/>
+                <a:cs typeface="+mj-cs"/>
+              </a:defRPr>
+            </a:lvl1pPr>
+          </a:lstStyle>
+          <a:p>
+            <a:r>
+              <a:rPr lang="en-US" sz="2500" dirty="0">
+                <a:solidFill>
+                  <a:srgbClr val="5ECA8C"/>
+                </a:solidFill>
+                <a:latin typeface="RodchenkoCTT" pitchFamily="2" charset="0"/>
+              </a:rPr>
+              <a:t>connectors)</a:t>
+            </a:r>
+            <a:endParaRPr lang="ru-RU" sz="2500" dirty="0">
+              <a:solidFill>
+                <a:srgbClr val="5ECA8C"/>
+              </a:solidFill>
+              <a:latin typeface="RodchenkoCTT" pitchFamily="2" charset="0"/>
+            </a:endParaRPr>
+          </a:p>
+        </p:txBody>
+      </p:sp>
+      <p:cxnSp>
+        <p:nvCxnSpPr>
+          <p:cNvPr id="23" name="Прямая соединительная линия 22">
+            <a:extLst>
+              <a:ext uri="{FF2B5EF4-FFF2-40B4-BE49-F238E27FC236}">
+                <a16:creationId xmlns:a16="http://schemas.microsoft.com/office/drawing/2014/main" id="{BD87E320-CD54-4A6A-AC3D-880D0F04573D}"/>
+              </a:ext>
+            </a:extLst>
+          </p:cNvPr>
+          <p:cNvCxnSpPr>
+            <a:cxnSpLocks/>
+          </p:cNvCxnSpPr>
+          <p:nvPr/>
+        </p:nvCxnSpPr>
+        <p:spPr>
+          <a:xfrm>
+            <a:off x="1118162" y="2699587"/>
+            <a:ext cx="38374" cy="2724984"/>
+          </a:xfrm>
+          <a:prstGeom prst="line">
+            <a:avLst/>
+          </a:prstGeom>
+          <a:ln w="38100">
+            <a:solidFill>
+              <a:srgbClr val="5ECA8C"/>
+            </a:solidFill>
+          </a:ln>
+        </p:spPr>
+        <p:style>
+          <a:lnRef idx="1">
+            <a:schemeClr val="accent1"/>
+          </a:lnRef>
+          <a:fillRef idx="0">
+            <a:schemeClr val="accent1"/>
+          </a:fillRef>
+          <a:effectRef idx="0">
+            <a:schemeClr val="accent1"/>
+          </a:effectRef>
+          <a:fontRef idx="minor">
+            <a:schemeClr val="tx1"/>
+          </a:fontRef>
+        </p:style>
+      </p:cxnSp>
+      <p:cxnSp>
+        <p:nvCxnSpPr>
+          <p:cNvPr id="38" name="Прямая соединительная линия 37">
+            <a:extLst>
+              <a:ext uri="{FF2B5EF4-FFF2-40B4-BE49-F238E27FC236}">
+                <a16:creationId xmlns:a16="http://schemas.microsoft.com/office/drawing/2014/main" id="{392D74C4-9CE9-4F45-A452-1C0FD520D73D}"/>
+              </a:ext>
+            </a:extLst>
+          </p:cNvPr>
+          <p:cNvCxnSpPr>
+            <a:cxnSpLocks/>
+          </p:cNvCxnSpPr>
+          <p:nvPr/>
+        </p:nvCxnSpPr>
+        <p:spPr>
+          <a:xfrm>
+            <a:off x="1137349" y="4587331"/>
+            <a:ext cx="704774" cy="7045"/>
+          </a:xfrm>
+          <a:prstGeom prst="line">
+            <a:avLst/>
+          </a:prstGeom>
+          <a:ln w="38100">
+            <a:solidFill>
+              <a:srgbClr val="5ECA8C"/>
+            </a:solidFill>
+          </a:ln>
+        </p:spPr>
+        <p:style>
+          <a:lnRef idx="1">
+            <a:schemeClr val="accent1"/>
+          </a:lnRef>
+          <a:fillRef idx="0">
+            <a:schemeClr val="accent1"/>
+          </a:fillRef>
+          <a:effectRef idx="0">
+            <a:schemeClr val="accent1"/>
+          </a:effectRef>
+          <a:fontRef idx="minor">
+            <a:schemeClr val="tx1"/>
+          </a:fontRef>
+        </p:style>
+      </p:cxnSp>
+      <p:cxnSp>
+        <p:nvCxnSpPr>
+          <p:cNvPr id="40" name="Прямая соединительная линия 39">
+            <a:extLst>
+              <a:ext uri="{FF2B5EF4-FFF2-40B4-BE49-F238E27FC236}">
+                <a16:creationId xmlns:a16="http://schemas.microsoft.com/office/drawing/2014/main" id="{8DA1FE20-FE3B-4857-A1AC-3F8EFE8FFE33}"/>
+              </a:ext>
+            </a:extLst>
+          </p:cNvPr>
+          <p:cNvCxnSpPr>
+            <a:cxnSpLocks/>
+          </p:cNvCxnSpPr>
+          <p:nvPr/>
+        </p:nvCxnSpPr>
+        <p:spPr>
+          <a:xfrm flipV="1">
+            <a:off x="1173293" y="5157725"/>
+            <a:ext cx="668830" cy="1"/>
+          </a:xfrm>
+          <a:prstGeom prst="line">
+            <a:avLst/>
+          </a:prstGeom>
+          <a:ln w="38100">
+            <a:solidFill>
+              <a:srgbClr val="5ECA8C"/>
+            </a:solidFill>
+          </a:ln>
+        </p:spPr>
+        <p:style>
+          <a:lnRef idx="1">
+            <a:schemeClr val="accent1"/>
+          </a:lnRef>
+          <a:fillRef idx="0">
+            <a:schemeClr val="accent1"/>
+          </a:fillRef>
+          <a:effectRef idx="0">
+            <a:schemeClr val="accent1"/>
+          </a:effectRef>
+          <a:fontRef idx="minor">
+            <a:schemeClr val="tx1"/>
+          </a:fontRef>
+        </p:style>
+      </p:cxnSp>
+      <p:cxnSp>
+        <p:nvCxnSpPr>
+          <p:cNvPr id="49" name="Прямая соединительная линия 48">
+            <a:extLst>
+              <a:ext uri="{FF2B5EF4-FFF2-40B4-BE49-F238E27FC236}">
+                <a16:creationId xmlns:a16="http://schemas.microsoft.com/office/drawing/2014/main" id="{18BB208A-AF58-4EE1-93DC-9B3FB378E866}"/>
+              </a:ext>
+            </a:extLst>
+          </p:cNvPr>
+          <p:cNvCxnSpPr>
+            <a:cxnSpLocks/>
+          </p:cNvCxnSpPr>
+          <p:nvPr/>
+        </p:nvCxnSpPr>
+        <p:spPr>
+          <a:xfrm flipV="1">
+            <a:off x="1146943" y="4071852"/>
+            <a:ext cx="668830" cy="1"/>
+          </a:xfrm>
+          <a:prstGeom prst="line">
+            <a:avLst/>
+          </a:prstGeom>
+          <a:ln w="38100">
+            <a:solidFill>
+              <a:srgbClr val="5ECA8C"/>
+            </a:solidFill>
+          </a:ln>
+        </p:spPr>
+        <p:style>
+          <a:lnRef idx="1">
+            <a:schemeClr val="accent1"/>
+          </a:lnRef>
+          <a:fillRef idx="0">
+            <a:schemeClr val="accent1"/>
+          </a:fillRef>
+          <a:effectRef idx="0">
+            <a:schemeClr val="accent1"/>
+          </a:effectRef>
+          <a:fontRef idx="minor">
+            <a:schemeClr val="tx1"/>
+          </a:fontRef>
+        </p:style>
+      </p:cxnSp>
+      <p:cxnSp>
+        <p:nvCxnSpPr>
+          <p:cNvPr id="50" name="Прямая соединительная линия 49">
+            <a:extLst>
+              <a:ext uri="{FF2B5EF4-FFF2-40B4-BE49-F238E27FC236}">
+                <a16:creationId xmlns:a16="http://schemas.microsoft.com/office/drawing/2014/main" id="{60BFDF17-F608-4419-B20C-C17EA65F0A89}"/>
+              </a:ext>
+            </a:extLst>
+          </p:cNvPr>
+          <p:cNvCxnSpPr>
+            <a:cxnSpLocks/>
+          </p:cNvCxnSpPr>
+          <p:nvPr/>
+        </p:nvCxnSpPr>
+        <p:spPr>
+          <a:xfrm flipV="1">
+            <a:off x="1137770" y="3428404"/>
+            <a:ext cx="668830" cy="1"/>
+          </a:xfrm>
+          <a:prstGeom prst="line">
+            <a:avLst/>
+          </a:prstGeom>
+          <a:ln w="38100">
+            <a:solidFill>
+              <a:srgbClr val="5ECA8C"/>
+            </a:solidFill>
+          </a:ln>
+        </p:spPr>
+        <p:style>
+          <a:lnRef idx="1">
+            <a:schemeClr val="accent1"/>
+          </a:lnRef>
+          <a:fillRef idx="0">
+            <a:schemeClr val="accent1"/>
+          </a:fillRef>
+          <a:effectRef idx="0">
+            <a:schemeClr val="accent1"/>
+          </a:effectRef>
+          <a:fontRef idx="minor">
+            <a:schemeClr val="tx1"/>
+          </a:fontRef>
+        </p:style>
+      </p:cxnSp>
+      <p:cxnSp>
+        <p:nvCxnSpPr>
+          <p:cNvPr id="51" name="Прямая соединительная линия 50">
+            <a:extLst>
+              <a:ext uri="{FF2B5EF4-FFF2-40B4-BE49-F238E27FC236}">
+                <a16:creationId xmlns:a16="http://schemas.microsoft.com/office/drawing/2014/main" id="{A79C3521-B9DC-45A4-82E6-1BDF96A084AB}"/>
+              </a:ext>
+            </a:extLst>
+          </p:cNvPr>
+          <p:cNvCxnSpPr>
+            <a:cxnSpLocks/>
+          </p:cNvCxnSpPr>
+          <p:nvPr/>
+        </p:nvCxnSpPr>
+        <p:spPr>
+          <a:xfrm flipV="1">
+            <a:off x="1129349" y="2701173"/>
+            <a:ext cx="1434901" cy="1"/>
+          </a:xfrm>
+          <a:prstGeom prst="line">
+            <a:avLst/>
+          </a:prstGeom>
+          <a:ln w="38100">
+            <a:solidFill>
+              <a:srgbClr val="5ECA8C"/>
+            </a:solidFill>
+          </a:ln>
+        </p:spPr>
+        <p:style>
+          <a:lnRef idx="1">
+            <a:schemeClr val="accent1"/>
+          </a:lnRef>
+          <a:fillRef idx="0">
+            <a:schemeClr val="accent1"/>
+          </a:fillRef>
+          <a:effectRef idx="0">
+            <a:schemeClr val="accent1"/>
+          </a:effectRef>
+          <a:fontRef idx="minor">
+            <a:schemeClr val="tx1"/>
+          </a:fontRef>
+        </p:style>
+      </p:cxnSp>
+      <p:cxnSp>
+        <p:nvCxnSpPr>
+          <p:cNvPr id="53" name="Прямая соединительная линия 52">
+            <a:extLst>
+              <a:ext uri="{FF2B5EF4-FFF2-40B4-BE49-F238E27FC236}">
+                <a16:creationId xmlns:a16="http://schemas.microsoft.com/office/drawing/2014/main" id="{CE458FC5-BCC5-4901-A816-2D85B0D78888}"/>
+              </a:ext>
+            </a:extLst>
+          </p:cNvPr>
+          <p:cNvCxnSpPr>
+            <a:cxnSpLocks/>
+          </p:cNvCxnSpPr>
+          <p:nvPr/>
+        </p:nvCxnSpPr>
+        <p:spPr>
+          <a:xfrm>
+            <a:off x="9938824" y="2633139"/>
+            <a:ext cx="38374" cy="2724984"/>
+          </a:xfrm>
+          <a:prstGeom prst="line">
+            <a:avLst/>
+          </a:prstGeom>
+          <a:ln w="38100">
+            <a:solidFill>
+              <a:srgbClr val="5ECA8C"/>
+            </a:solidFill>
+          </a:ln>
+        </p:spPr>
+        <p:style>
+          <a:lnRef idx="1">
+            <a:schemeClr val="accent1"/>
+          </a:lnRef>
+          <a:fillRef idx="0">
+            <a:schemeClr val="accent1"/>
+          </a:fillRef>
+          <a:effectRef idx="0">
+            <a:schemeClr val="accent1"/>
+          </a:effectRef>
+          <a:fontRef idx="minor">
+            <a:schemeClr val="tx1"/>
+          </a:fontRef>
+        </p:style>
+      </p:cxnSp>
+      <p:cxnSp>
+        <p:nvCxnSpPr>
+          <p:cNvPr id="54" name="Прямая соединительная линия 53">
+            <a:extLst>
+              <a:ext uri="{FF2B5EF4-FFF2-40B4-BE49-F238E27FC236}">
+                <a16:creationId xmlns:a16="http://schemas.microsoft.com/office/drawing/2014/main" id="{CFC01541-1711-471B-AEFA-8C6C242EA91C}"/>
+              </a:ext>
+            </a:extLst>
+          </p:cNvPr>
+          <p:cNvCxnSpPr>
+            <a:cxnSpLocks/>
+          </p:cNvCxnSpPr>
+          <p:nvPr/>
+        </p:nvCxnSpPr>
+        <p:spPr>
+          <a:xfrm>
+            <a:off x="9298774" y="4511110"/>
+            <a:ext cx="704774" cy="7045"/>
+          </a:xfrm>
+          <a:prstGeom prst="line">
+            <a:avLst/>
+          </a:prstGeom>
+          <a:ln w="38100">
+            <a:solidFill>
+              <a:srgbClr val="5ECA8C"/>
+            </a:solidFill>
+          </a:ln>
+        </p:spPr>
+        <p:style>
+          <a:lnRef idx="1">
+            <a:schemeClr val="accent1"/>
+          </a:lnRef>
+          <a:fillRef idx="0">
+            <a:schemeClr val="accent1"/>
+          </a:fillRef>
+          <a:effectRef idx="0">
+            <a:schemeClr val="accent1"/>
+          </a:effectRef>
+          <a:fontRef idx="minor">
+            <a:schemeClr val="tx1"/>
+          </a:fontRef>
+        </p:style>
+      </p:cxnSp>
+      <p:cxnSp>
+        <p:nvCxnSpPr>
+          <p:cNvPr id="55" name="Прямая соединительная линия 54">
+            <a:extLst>
+              <a:ext uri="{FF2B5EF4-FFF2-40B4-BE49-F238E27FC236}">
+                <a16:creationId xmlns:a16="http://schemas.microsoft.com/office/drawing/2014/main" id="{12D4C6E1-389A-41A8-84BE-9EAA6218E131}"/>
+              </a:ext>
+            </a:extLst>
+          </p:cNvPr>
+          <p:cNvCxnSpPr>
+            <a:cxnSpLocks/>
+          </p:cNvCxnSpPr>
+          <p:nvPr/>
+        </p:nvCxnSpPr>
+        <p:spPr>
+          <a:xfrm flipV="1">
+            <a:off x="9334718" y="5081504"/>
+            <a:ext cx="668830" cy="1"/>
+          </a:xfrm>
+          <a:prstGeom prst="line">
+            <a:avLst/>
+          </a:prstGeom>
+          <a:ln w="38100">
+            <a:solidFill>
+              <a:srgbClr val="5ECA8C"/>
+            </a:solidFill>
+          </a:ln>
+        </p:spPr>
+        <p:style>
+          <a:lnRef idx="1">
+            <a:schemeClr val="accent1"/>
+          </a:lnRef>
+          <a:fillRef idx="0">
+            <a:schemeClr val="accent1"/>
+          </a:fillRef>
+          <a:effectRef idx="0">
+            <a:schemeClr val="accent1"/>
+          </a:effectRef>
+          <a:fontRef idx="minor">
+            <a:schemeClr val="tx1"/>
+          </a:fontRef>
+        </p:style>
+      </p:cxnSp>
+      <p:cxnSp>
+        <p:nvCxnSpPr>
+          <p:cNvPr id="56" name="Прямая соединительная линия 55">
+            <a:extLst>
+              <a:ext uri="{FF2B5EF4-FFF2-40B4-BE49-F238E27FC236}">
+                <a16:creationId xmlns:a16="http://schemas.microsoft.com/office/drawing/2014/main" id="{B3CADEB9-866A-41EF-8688-E8339BF33D2B}"/>
+              </a:ext>
+            </a:extLst>
+          </p:cNvPr>
+          <p:cNvCxnSpPr>
+            <a:cxnSpLocks/>
+          </p:cNvCxnSpPr>
+          <p:nvPr/>
+        </p:nvCxnSpPr>
+        <p:spPr>
+          <a:xfrm flipV="1">
+            <a:off x="9308368" y="3995631"/>
+            <a:ext cx="668830" cy="1"/>
+          </a:xfrm>
+          <a:prstGeom prst="line">
+            <a:avLst/>
+          </a:prstGeom>
+          <a:ln w="38100">
+            <a:solidFill>
+              <a:srgbClr val="5ECA8C"/>
+            </a:solidFill>
+          </a:ln>
+        </p:spPr>
+        <p:style>
+          <a:lnRef idx="1">
+            <a:schemeClr val="accent1"/>
+          </a:lnRef>
+          <a:fillRef idx="0">
+            <a:schemeClr val="accent1"/>
+          </a:fillRef>
+          <a:effectRef idx="0">
+            <a:schemeClr val="accent1"/>
+          </a:effectRef>
+          <a:fontRef idx="minor">
+            <a:schemeClr val="tx1"/>
+          </a:fontRef>
+        </p:style>
+      </p:cxnSp>
+      <p:cxnSp>
+        <p:nvCxnSpPr>
+          <p:cNvPr id="57" name="Прямая соединительная линия 56">
+            <a:extLst>
+              <a:ext uri="{FF2B5EF4-FFF2-40B4-BE49-F238E27FC236}">
+                <a16:creationId xmlns:a16="http://schemas.microsoft.com/office/drawing/2014/main" id="{6AE16553-89C3-4B38-823A-B96309E96A82}"/>
+              </a:ext>
+            </a:extLst>
+          </p:cNvPr>
+          <p:cNvCxnSpPr>
+            <a:cxnSpLocks/>
+          </p:cNvCxnSpPr>
+          <p:nvPr/>
+        </p:nvCxnSpPr>
+        <p:spPr>
+          <a:xfrm flipV="1">
+            <a:off x="9299195" y="3352183"/>
+            <a:ext cx="668830" cy="1"/>
+          </a:xfrm>
+          <a:prstGeom prst="line">
+            <a:avLst/>
+          </a:prstGeom>
+          <a:ln w="38100">
+            <a:solidFill>
+              <a:srgbClr val="5ECA8C"/>
+            </a:solidFill>
+          </a:ln>
+        </p:spPr>
+        <p:style>
+          <a:lnRef idx="1">
+            <a:schemeClr val="accent1"/>
+          </a:lnRef>
+          <a:fillRef idx="0">
+            <a:schemeClr val="accent1"/>
+          </a:fillRef>
+          <a:effectRef idx="0">
+            <a:schemeClr val="accent1"/>
+          </a:effectRef>
+          <a:fontRef idx="minor">
+            <a:schemeClr val="tx1"/>
+          </a:fontRef>
+        </p:style>
+      </p:cxnSp>
+      <p:cxnSp>
+        <p:nvCxnSpPr>
+          <p:cNvPr id="58" name="Прямая соединительная линия 57">
+            <a:extLst>
+              <a:ext uri="{FF2B5EF4-FFF2-40B4-BE49-F238E27FC236}">
+                <a16:creationId xmlns:a16="http://schemas.microsoft.com/office/drawing/2014/main" id="{EED9E8FB-6C36-42EE-AD03-11A459423643}"/>
+              </a:ext>
+            </a:extLst>
+          </p:cNvPr>
+          <p:cNvCxnSpPr>
+            <a:cxnSpLocks/>
+          </p:cNvCxnSpPr>
+          <p:nvPr/>
+        </p:nvCxnSpPr>
+        <p:spPr>
+          <a:xfrm flipV="1">
+            <a:off x="8542297" y="2678210"/>
+            <a:ext cx="1434901" cy="1"/>
+          </a:xfrm>
+          <a:prstGeom prst="line">
+            <a:avLst/>
+          </a:prstGeom>
+          <a:ln w="38100">
+            <a:solidFill>
+              <a:srgbClr val="5ECA8C"/>
+            </a:solidFill>
+          </a:ln>
+        </p:spPr>
+        <p:style>
+          <a:lnRef idx="1">
+            <a:schemeClr val="accent1"/>
+          </a:lnRef>
+          <a:fillRef idx="0">
+            <a:schemeClr val="accent1"/>
+          </a:fillRef>
+          <a:effectRef idx="0">
+            <a:schemeClr val="accent1"/>
+          </a:effectRef>
+          <a:fontRef idx="minor">
+            <a:schemeClr val="tx1"/>
+          </a:fontRef>
+        </p:style>
+      </p:cxnSp>
+    </p:spTree>
+    <p:extLst>
+      <p:ext uri="{BB962C8B-B14F-4D97-AF65-F5344CB8AC3E}">
+        <p14:creationId xmlns:p14="http://schemas.microsoft.com/office/powerpoint/2010/main" val="2278547266"/>
+      </p:ext>
+    </p:extLst>
+  </p:cSld>
+  <p:clrMapOvr>
+    <a:masterClrMapping/>
+  </p:clrMapOvr>
+  <p:timing>
+    <p:tnLst>
+      <p:par>
+        <p:cTn id="1" dur="indefinite" restart="never" nodeType="tmRoot">
+          <p:childTnLst>
+            <p:seq concurrent="1" nextAc="seek">
+              <p:cTn id="2" dur="indefinite" nodeType="mainSeq">
+                <p:childTnLst>
+                  <p:par>
+                    <p:cTn id="3" fill="hold">
+                      <p:stCondLst>
+                        <p:cond delay="indefinite"/>
+                      </p:stCondLst>
+                      <p:childTnLst>
+                        <p:par>
+                          <p:cTn id="4" fill="hold">
+                            <p:stCondLst>
+                              <p:cond delay="0"/>
+                            </p:stCondLst>
+                            <p:childTnLst>
+                              <p:par>
+                                <p:cTn id="5" presetID="10" presetClass="entr" presetSubtype="0" fill="hold" grpId="0" nodeType="clickEffect">
+                                  <p:stCondLst>
+                                    <p:cond delay="0"/>
+                                  </p:stCondLst>
+                                  <p:childTnLst>
+                                    <p:set>
+                                      <p:cBhvr>
+                                        <p:cTn id="6" dur="1" fill="hold">
+                                          <p:stCondLst>
+                                            <p:cond delay="0"/>
+                                          </p:stCondLst>
+                                        </p:cTn>
+                                        <p:tgtEl>
+                                          <p:spTgt spid="2"/>
+                                        </p:tgtEl>
+                                        <p:attrNameLst>
+                                          <p:attrName>style.visibility</p:attrName>
+                                        </p:attrNameLst>
+                                      </p:cBhvr>
+                                      <p:to>
+                                        <p:strVal val="visible"/>
+                                      </p:to>
+                                    </p:set>
+                                    <p:animEffect transition="in" filter="fade">
+                                      <p:cBhvr>
+                                        <p:cTn id="7" dur="500"/>
+                                        <p:tgtEl>
+                                          <p:spTgt spid="2"/>
+                                        </p:tgtEl>
+                                      </p:cBhvr>
+                                    </p:animEffect>
+                                  </p:childTnLst>
+                                </p:cTn>
+                              </p:par>
+                              <p:par>
+                                <p:cTn id="8" presetID="10" presetClass="entr" presetSubtype="0" fill="hold" grpId="0" nodeType="withEffect">
+                                  <p:stCondLst>
+                                    <p:cond delay="0"/>
+                                  </p:stCondLst>
+                                  <p:childTnLst>
+                                    <p:set>
+                                      <p:cBhvr>
+                                        <p:cTn id="9" dur="1" fill="hold">
+                                          <p:stCondLst>
+                                            <p:cond delay="0"/>
+                                          </p:stCondLst>
+                                        </p:cTn>
+                                        <p:tgtEl>
+                                          <p:spTgt spid="11"/>
+                                        </p:tgtEl>
+                                        <p:attrNameLst>
+                                          <p:attrName>style.visibility</p:attrName>
+                                        </p:attrNameLst>
+                                      </p:cBhvr>
+                                      <p:to>
+                                        <p:strVal val="visible"/>
+                                      </p:to>
+                                    </p:set>
+                                    <p:animEffect transition="in" filter="fade">
+                                      <p:cBhvr>
+                                        <p:cTn id="10" dur="500"/>
+                                        <p:tgtEl>
+                                          <p:spTgt spid="11"/>
+                                        </p:tgtEl>
+                                      </p:cBhvr>
+                                    </p:animEffect>
+                                  </p:childTnLst>
+                                </p:cTn>
+                              </p:par>
+                              <p:par>
+                                <p:cTn id="11" presetID="10" presetClass="entr" presetSubtype="0" fill="hold" grpId="0" nodeType="withEffect">
+                                  <p:stCondLst>
+                                    <p:cond delay="0"/>
+                                  </p:stCondLst>
+                                  <p:childTnLst>
+                                    <p:set>
+                                      <p:cBhvr>
+                                        <p:cTn id="12" dur="1" fill="hold">
+                                          <p:stCondLst>
+                                            <p:cond delay="0"/>
+                                          </p:stCondLst>
+                                        </p:cTn>
+                                        <p:tgtEl>
+                                          <p:spTgt spid="7"/>
+                                        </p:tgtEl>
+                                        <p:attrNameLst>
+                                          <p:attrName>style.visibility</p:attrName>
+                                        </p:attrNameLst>
+                                      </p:cBhvr>
+                                      <p:to>
+                                        <p:strVal val="visible"/>
+                                      </p:to>
+                                    </p:set>
+                                    <p:animEffect transition="in" filter="fade">
+                                      <p:cBhvr>
+                                        <p:cTn id="13" dur="500"/>
+                                        <p:tgtEl>
+                                          <p:spTgt spid="7"/>
+                                        </p:tgtEl>
+                                      </p:cBhvr>
+                                    </p:animEffect>
+                                  </p:childTnLst>
+                                </p:cTn>
+                              </p:par>
+                            </p:childTnLst>
+                          </p:cTn>
+                        </p:par>
+                      </p:childTnLst>
+                    </p:cTn>
+                  </p:par>
+                  <p:par>
+                    <p:cTn id="14" fill="hold">
+                      <p:stCondLst>
+                        <p:cond delay="indefinite"/>
+                      </p:stCondLst>
+                      <p:childTnLst>
+                        <p:par>
+                          <p:cTn id="15" fill="hold">
+                            <p:stCondLst>
+                              <p:cond delay="0"/>
+                            </p:stCondLst>
+                            <p:childTnLst>
+                              <p:par>
+                                <p:cTn id="16" presetID="10" presetClass="entr" presetSubtype="0" fill="hold" grpId="0" nodeType="clickEffect">
+                                  <p:stCondLst>
+                                    <p:cond delay="0"/>
+                                  </p:stCondLst>
+                                  <p:childTnLst>
+                                    <p:set>
+                                      <p:cBhvr>
+                                        <p:cTn id="17" dur="1" fill="hold">
+                                          <p:stCondLst>
+                                            <p:cond delay="0"/>
+                                          </p:stCondLst>
+                                        </p:cTn>
+                                        <p:tgtEl>
+                                          <p:spTgt spid="13"/>
+                                        </p:tgtEl>
+                                        <p:attrNameLst>
+                                          <p:attrName>style.visibility</p:attrName>
+                                        </p:attrNameLst>
+                                      </p:cBhvr>
+                                      <p:to>
+                                        <p:strVal val="visible"/>
+                                      </p:to>
+                                    </p:set>
+                                    <p:animEffect transition="in" filter="fade">
+                                      <p:cBhvr>
+                                        <p:cTn id="18" dur="500"/>
+                                        <p:tgtEl>
+                                          <p:spTgt spid="13"/>
+                                        </p:tgtEl>
+                                      </p:cBhvr>
+                                    </p:animEffect>
+                                  </p:childTnLst>
+                                </p:cTn>
+                              </p:par>
+                              <p:par>
+                                <p:cTn id="19" presetID="10" presetClass="entr" presetSubtype="0" fill="hold" grpId="0" nodeType="withEffect">
+                                  <p:stCondLst>
+                                    <p:cond delay="0"/>
+                                  </p:stCondLst>
+                                  <p:childTnLst>
+                                    <p:set>
+                                      <p:cBhvr>
+                                        <p:cTn id="20" dur="1" fill="hold">
+                                          <p:stCondLst>
+                                            <p:cond delay="0"/>
+                                          </p:stCondLst>
+                                        </p:cTn>
+                                        <p:tgtEl>
+                                          <p:spTgt spid="14"/>
+                                        </p:tgtEl>
+                                        <p:attrNameLst>
+                                          <p:attrName>style.visibility</p:attrName>
+                                        </p:attrNameLst>
+                                      </p:cBhvr>
+                                      <p:to>
+                                        <p:strVal val="visible"/>
+                                      </p:to>
+                                    </p:set>
+                                    <p:animEffect transition="in" filter="fade">
+                                      <p:cBhvr>
+                                        <p:cTn id="21" dur="500"/>
+                                        <p:tgtEl>
+                                          <p:spTgt spid="14"/>
+                                        </p:tgtEl>
+                                      </p:cBhvr>
+                                    </p:animEffect>
+                                  </p:childTnLst>
+                                </p:cTn>
+                              </p:par>
+                              <p:par>
+                                <p:cTn id="22" presetID="10" presetClass="entr" presetSubtype="0" fill="hold" grpId="0" nodeType="withEffect">
+                                  <p:stCondLst>
+                                    <p:cond delay="0"/>
+                                  </p:stCondLst>
+                                  <p:childTnLst>
+                                    <p:set>
+                                      <p:cBhvr>
+                                        <p:cTn id="23" dur="1" fill="hold">
+                                          <p:stCondLst>
+                                            <p:cond delay="0"/>
+                                          </p:stCondLst>
+                                        </p:cTn>
+                                        <p:tgtEl>
+                                          <p:spTgt spid="15"/>
+                                        </p:tgtEl>
+                                        <p:attrNameLst>
+                                          <p:attrName>style.visibility</p:attrName>
+                                        </p:attrNameLst>
+                                      </p:cBhvr>
+                                      <p:to>
+                                        <p:strVal val="visible"/>
+                                      </p:to>
+                                    </p:set>
+                                    <p:animEffect transition="in" filter="fade">
+                                      <p:cBhvr>
+                                        <p:cTn id="24" dur="500"/>
+                                        <p:tgtEl>
+                                          <p:spTgt spid="15"/>
+                                        </p:tgtEl>
+                                      </p:cBhvr>
+                                    </p:animEffect>
+                                  </p:childTnLst>
+                                </p:cTn>
+                              </p:par>
+                              <p:par>
+                                <p:cTn id="25" presetID="10" presetClass="entr" presetSubtype="0" fill="hold" grpId="0" nodeType="withEffect">
+                                  <p:stCondLst>
+                                    <p:cond delay="0"/>
+                                  </p:stCondLst>
+                                  <p:childTnLst>
+                                    <p:set>
+                                      <p:cBhvr>
+                                        <p:cTn id="26" dur="1" fill="hold">
+                                          <p:stCondLst>
+                                            <p:cond delay="0"/>
+                                          </p:stCondLst>
+                                        </p:cTn>
+                                        <p:tgtEl>
+                                          <p:spTgt spid="16"/>
+                                        </p:tgtEl>
+                                        <p:attrNameLst>
+                                          <p:attrName>style.visibility</p:attrName>
+                                        </p:attrNameLst>
+                                      </p:cBhvr>
+                                      <p:to>
+                                        <p:strVal val="visible"/>
+                                      </p:to>
+                                    </p:set>
+                                    <p:animEffect transition="in" filter="fade">
+                                      <p:cBhvr>
+                                        <p:cTn id="27" dur="500"/>
+                                        <p:tgtEl>
+                                          <p:spTgt spid="16"/>
+                                        </p:tgtEl>
+                                      </p:cBhvr>
+                                    </p:animEffect>
+                                  </p:childTnLst>
+                                </p:cTn>
+                              </p:par>
+                              <p:par>
+                                <p:cTn id="28" presetID="10" presetClass="entr" presetSubtype="0" fill="hold" nodeType="withEffect">
+                                  <p:stCondLst>
+                                    <p:cond delay="0"/>
+                                  </p:stCondLst>
+                                  <p:childTnLst>
+                                    <p:set>
+                                      <p:cBhvr>
+                                        <p:cTn id="29" dur="1" fill="hold">
+                                          <p:stCondLst>
+                                            <p:cond delay="0"/>
+                                          </p:stCondLst>
+                                        </p:cTn>
+                                        <p:tgtEl>
+                                          <p:spTgt spid="40"/>
+                                        </p:tgtEl>
+                                        <p:attrNameLst>
+                                          <p:attrName>style.visibility</p:attrName>
+                                        </p:attrNameLst>
+                                      </p:cBhvr>
+                                      <p:to>
+                                        <p:strVal val="visible"/>
+                                      </p:to>
+                                    </p:set>
+                                    <p:animEffect transition="in" filter="fade">
+                                      <p:cBhvr>
+                                        <p:cTn id="30" dur="500"/>
+                                        <p:tgtEl>
+                                          <p:spTgt spid="40"/>
+                                        </p:tgtEl>
+                                      </p:cBhvr>
+                                    </p:animEffect>
+                                  </p:childTnLst>
+                                </p:cTn>
+                              </p:par>
+                              <p:par>
+                                <p:cTn id="31" presetID="10" presetClass="entr" presetSubtype="0" fill="hold" nodeType="withEffect">
+                                  <p:stCondLst>
+                                    <p:cond delay="0"/>
+                                  </p:stCondLst>
+                                  <p:childTnLst>
+                                    <p:set>
+                                      <p:cBhvr>
+                                        <p:cTn id="32" dur="1" fill="hold">
+                                          <p:stCondLst>
+                                            <p:cond delay="0"/>
+                                          </p:stCondLst>
+                                        </p:cTn>
+                                        <p:tgtEl>
+                                          <p:spTgt spid="23"/>
+                                        </p:tgtEl>
+                                        <p:attrNameLst>
+                                          <p:attrName>style.visibility</p:attrName>
+                                        </p:attrNameLst>
+                                      </p:cBhvr>
+                                      <p:to>
+                                        <p:strVal val="visible"/>
+                                      </p:to>
+                                    </p:set>
+                                    <p:animEffect transition="in" filter="fade">
+                                      <p:cBhvr>
+                                        <p:cTn id="33" dur="500"/>
+                                        <p:tgtEl>
+                                          <p:spTgt spid="23"/>
+                                        </p:tgtEl>
+                                      </p:cBhvr>
+                                    </p:animEffect>
+                                  </p:childTnLst>
+                                </p:cTn>
+                              </p:par>
+                              <p:par>
+                                <p:cTn id="34" presetID="10" presetClass="entr" presetSubtype="0" fill="hold" nodeType="withEffect">
+                                  <p:stCondLst>
+                                    <p:cond delay="0"/>
+                                  </p:stCondLst>
+                                  <p:childTnLst>
+                                    <p:set>
+                                      <p:cBhvr>
+                                        <p:cTn id="35" dur="1" fill="hold">
+                                          <p:stCondLst>
+                                            <p:cond delay="0"/>
+                                          </p:stCondLst>
+                                        </p:cTn>
+                                        <p:tgtEl>
+                                          <p:spTgt spid="38"/>
+                                        </p:tgtEl>
+                                        <p:attrNameLst>
+                                          <p:attrName>style.visibility</p:attrName>
+                                        </p:attrNameLst>
+                                      </p:cBhvr>
+                                      <p:to>
+                                        <p:strVal val="visible"/>
+                                      </p:to>
+                                    </p:set>
+                                    <p:animEffect transition="in" filter="fade">
+                                      <p:cBhvr>
+                                        <p:cTn id="36" dur="500"/>
+                                        <p:tgtEl>
+                                          <p:spTgt spid="38"/>
+                                        </p:tgtEl>
+                                      </p:cBhvr>
+                                    </p:animEffect>
+                                  </p:childTnLst>
+                                </p:cTn>
+                              </p:par>
+                              <p:par>
+                                <p:cTn id="37" presetID="10" presetClass="entr" presetSubtype="0" fill="hold" nodeType="withEffect">
+                                  <p:stCondLst>
+                                    <p:cond delay="0"/>
+                                  </p:stCondLst>
+                                  <p:childTnLst>
+                                    <p:set>
+                                      <p:cBhvr>
+                                        <p:cTn id="38" dur="1" fill="hold">
+                                          <p:stCondLst>
+                                            <p:cond delay="0"/>
+                                          </p:stCondLst>
+                                        </p:cTn>
+                                        <p:tgtEl>
+                                          <p:spTgt spid="49"/>
+                                        </p:tgtEl>
+                                        <p:attrNameLst>
+                                          <p:attrName>style.visibility</p:attrName>
+                                        </p:attrNameLst>
+                                      </p:cBhvr>
+                                      <p:to>
+                                        <p:strVal val="visible"/>
+                                      </p:to>
+                                    </p:set>
+                                    <p:animEffect transition="in" filter="fade">
+                                      <p:cBhvr>
+                                        <p:cTn id="39" dur="500"/>
+                                        <p:tgtEl>
+                                          <p:spTgt spid="49"/>
+                                        </p:tgtEl>
+                                      </p:cBhvr>
+                                    </p:animEffect>
+                                  </p:childTnLst>
+                                </p:cTn>
+                              </p:par>
+                              <p:par>
+                                <p:cTn id="40" presetID="10" presetClass="entr" presetSubtype="0" fill="hold" nodeType="withEffect">
+                                  <p:stCondLst>
+                                    <p:cond delay="0"/>
+                                  </p:stCondLst>
+                                  <p:childTnLst>
+                                    <p:set>
+                                      <p:cBhvr>
+                                        <p:cTn id="41" dur="1" fill="hold">
+                                          <p:stCondLst>
+                                            <p:cond delay="0"/>
+                                          </p:stCondLst>
+                                        </p:cTn>
+                                        <p:tgtEl>
+                                          <p:spTgt spid="50"/>
+                                        </p:tgtEl>
+                                        <p:attrNameLst>
+                                          <p:attrName>style.visibility</p:attrName>
+                                        </p:attrNameLst>
+                                      </p:cBhvr>
+                                      <p:to>
+                                        <p:strVal val="visible"/>
+                                      </p:to>
+                                    </p:set>
+                                    <p:animEffect transition="in" filter="fade">
+                                      <p:cBhvr>
+                                        <p:cTn id="42" dur="500"/>
+                                        <p:tgtEl>
+                                          <p:spTgt spid="50"/>
+                                        </p:tgtEl>
+                                      </p:cBhvr>
+                                    </p:animEffect>
+                                  </p:childTnLst>
+                                </p:cTn>
+                              </p:par>
+                              <p:par>
+                                <p:cTn id="43" presetID="10" presetClass="entr" presetSubtype="0" fill="hold" nodeType="withEffect">
+                                  <p:stCondLst>
+                                    <p:cond delay="0"/>
+                                  </p:stCondLst>
+                                  <p:childTnLst>
+                                    <p:set>
+                                      <p:cBhvr>
+                                        <p:cTn id="44" dur="1" fill="hold">
+                                          <p:stCondLst>
+                                            <p:cond delay="0"/>
+                                          </p:stCondLst>
+                                        </p:cTn>
+                                        <p:tgtEl>
+                                          <p:spTgt spid="51"/>
+                                        </p:tgtEl>
+                                        <p:attrNameLst>
+                                          <p:attrName>style.visibility</p:attrName>
+                                        </p:attrNameLst>
+                                      </p:cBhvr>
+                                      <p:to>
+                                        <p:strVal val="visible"/>
+                                      </p:to>
+                                    </p:set>
+                                    <p:animEffect transition="in" filter="fade">
+                                      <p:cBhvr>
+                                        <p:cTn id="45" dur="500"/>
+                                        <p:tgtEl>
+                                          <p:spTgt spid="51"/>
+                                        </p:tgtEl>
+                                      </p:cBhvr>
+                                    </p:animEffect>
+                                  </p:childTnLst>
+                                </p:cTn>
+                              </p:par>
+                              <p:par>
+                                <p:cTn id="46" presetID="10" presetClass="entr" presetSubtype="0" fill="hold" grpId="0" nodeType="withEffect">
+                                  <p:stCondLst>
+                                    <p:cond delay="0"/>
+                                  </p:stCondLst>
+                                  <p:childTnLst>
+                                    <p:set>
+                                      <p:cBhvr>
+                                        <p:cTn id="47" dur="1" fill="hold">
+                                          <p:stCondLst>
+                                            <p:cond delay="0"/>
+                                          </p:stCondLst>
+                                        </p:cTn>
+                                        <p:tgtEl>
+                                          <p:spTgt spid="12"/>
+                                        </p:tgtEl>
+                                        <p:attrNameLst>
+                                          <p:attrName>style.visibility</p:attrName>
+                                        </p:attrNameLst>
+                                      </p:cBhvr>
+                                      <p:to>
+                                        <p:strVal val="visible"/>
+                                      </p:to>
+                                    </p:set>
+                                    <p:animEffect transition="in" filter="fade">
+                                      <p:cBhvr>
+                                        <p:cTn id="48" dur="500"/>
+                                        <p:tgtEl>
+                                          <p:spTgt spid="12"/>
+                                        </p:tgtEl>
+                                      </p:cBhvr>
+                                    </p:animEffect>
+                                  </p:childTnLst>
+                                </p:cTn>
+                              </p:par>
+                              <p:par>
+                                <p:cTn id="49" presetID="10" presetClass="entr" presetSubtype="0" fill="hold" grpId="0" nodeType="withEffect">
+                                  <p:stCondLst>
+                                    <p:cond delay="0"/>
+                                  </p:stCondLst>
+                                  <p:childTnLst>
+                                    <p:set>
+                                      <p:cBhvr>
+                                        <p:cTn id="50" dur="1" fill="hold">
+                                          <p:stCondLst>
+                                            <p:cond delay="0"/>
+                                          </p:stCondLst>
+                                        </p:cTn>
+                                        <p:tgtEl>
+                                          <p:spTgt spid="17"/>
+                                        </p:tgtEl>
+                                        <p:attrNameLst>
+                                          <p:attrName>style.visibility</p:attrName>
+                                        </p:attrNameLst>
+                                      </p:cBhvr>
+                                      <p:to>
+                                        <p:strVal val="visible"/>
+                                      </p:to>
+                                    </p:set>
+                                    <p:animEffect transition="in" filter="fade">
+                                      <p:cBhvr>
+                                        <p:cTn id="51" dur="500"/>
+                                        <p:tgtEl>
+                                          <p:spTgt spid="17"/>
+                                        </p:tgtEl>
+                                      </p:cBhvr>
+                                    </p:animEffect>
+                                  </p:childTnLst>
+                                </p:cTn>
+                              </p:par>
+                              <p:par>
+                                <p:cTn id="52" presetID="10" presetClass="entr" presetSubtype="0" fill="hold" grpId="0" nodeType="withEffect">
+                                  <p:stCondLst>
+                                    <p:cond delay="0"/>
+                                  </p:stCondLst>
+                                  <p:childTnLst>
+                                    <p:set>
+                                      <p:cBhvr>
+                                        <p:cTn id="53" dur="1" fill="hold">
+                                          <p:stCondLst>
+                                            <p:cond delay="0"/>
+                                          </p:stCondLst>
+                                        </p:cTn>
+                                        <p:tgtEl>
+                                          <p:spTgt spid="18"/>
+                                        </p:tgtEl>
+                                        <p:attrNameLst>
+                                          <p:attrName>style.visibility</p:attrName>
+                                        </p:attrNameLst>
+                                      </p:cBhvr>
+                                      <p:to>
+                                        <p:strVal val="visible"/>
+                                      </p:to>
+                                    </p:set>
+                                    <p:animEffect transition="in" filter="fade">
+                                      <p:cBhvr>
+                                        <p:cTn id="54" dur="500"/>
+                                        <p:tgtEl>
+                                          <p:spTgt spid="18"/>
+                                        </p:tgtEl>
+                                      </p:cBhvr>
+                                    </p:animEffect>
+                                  </p:childTnLst>
+                                </p:cTn>
+                              </p:par>
+                              <p:par>
+                                <p:cTn id="55" presetID="10" presetClass="entr" presetSubtype="0" fill="hold" grpId="0" nodeType="withEffect">
+                                  <p:stCondLst>
+                                    <p:cond delay="0"/>
+                                  </p:stCondLst>
+                                  <p:childTnLst>
+                                    <p:set>
+                                      <p:cBhvr>
+                                        <p:cTn id="56" dur="1" fill="hold">
+                                          <p:stCondLst>
+                                            <p:cond delay="0"/>
+                                          </p:stCondLst>
+                                        </p:cTn>
+                                        <p:tgtEl>
+                                          <p:spTgt spid="19"/>
+                                        </p:tgtEl>
+                                        <p:attrNameLst>
+                                          <p:attrName>style.visibility</p:attrName>
+                                        </p:attrNameLst>
+                                      </p:cBhvr>
+                                      <p:to>
+                                        <p:strVal val="visible"/>
+                                      </p:to>
+                                    </p:set>
+                                    <p:animEffect transition="in" filter="fade">
+                                      <p:cBhvr>
+                                        <p:cTn id="57" dur="500"/>
+                                        <p:tgtEl>
+                                          <p:spTgt spid="19"/>
+                                        </p:tgtEl>
+                                      </p:cBhvr>
+                                    </p:animEffect>
+                                  </p:childTnLst>
+                                </p:cTn>
+                              </p:par>
+                              <p:par>
+                                <p:cTn id="58" presetID="10" presetClass="entr" presetSubtype="0" fill="hold" grpId="0" nodeType="withEffect">
+                                  <p:stCondLst>
+                                    <p:cond delay="0"/>
+                                  </p:stCondLst>
+                                  <p:childTnLst>
+                                    <p:set>
+                                      <p:cBhvr>
+                                        <p:cTn id="59" dur="1" fill="hold">
+                                          <p:stCondLst>
+                                            <p:cond delay="0"/>
+                                          </p:stCondLst>
+                                        </p:cTn>
+                                        <p:tgtEl>
+                                          <p:spTgt spid="20"/>
+                                        </p:tgtEl>
+                                        <p:attrNameLst>
+                                          <p:attrName>style.visibility</p:attrName>
+                                        </p:attrNameLst>
+                                      </p:cBhvr>
+                                      <p:to>
+                                        <p:strVal val="visible"/>
+                                      </p:to>
+                                    </p:set>
+                                    <p:animEffect transition="in" filter="fade">
+                                      <p:cBhvr>
+                                        <p:cTn id="60" dur="500"/>
+                                        <p:tgtEl>
+                                          <p:spTgt spid="20"/>
+                                        </p:tgtEl>
+                                      </p:cBhvr>
+                                    </p:animEffect>
+                                  </p:childTnLst>
+                                </p:cTn>
+                              </p:par>
+                              <p:par>
+                                <p:cTn id="61" presetID="10" presetClass="entr" presetSubtype="0" fill="hold" nodeType="withEffect">
+                                  <p:stCondLst>
+                                    <p:cond delay="0"/>
+                                  </p:stCondLst>
+                                  <p:childTnLst>
+                                    <p:set>
+                                      <p:cBhvr>
+                                        <p:cTn id="62" dur="1" fill="hold">
+                                          <p:stCondLst>
+                                            <p:cond delay="0"/>
+                                          </p:stCondLst>
+                                        </p:cTn>
+                                        <p:tgtEl>
+                                          <p:spTgt spid="55"/>
+                                        </p:tgtEl>
+                                        <p:attrNameLst>
+                                          <p:attrName>style.visibility</p:attrName>
+                                        </p:attrNameLst>
+                                      </p:cBhvr>
+                                      <p:to>
+                                        <p:strVal val="visible"/>
+                                      </p:to>
+                                    </p:set>
+                                    <p:animEffect transition="in" filter="fade">
+                                      <p:cBhvr>
+                                        <p:cTn id="63" dur="500"/>
+                                        <p:tgtEl>
+                                          <p:spTgt spid="55"/>
+                                        </p:tgtEl>
+                                      </p:cBhvr>
+                                    </p:animEffect>
+                                  </p:childTnLst>
+                                </p:cTn>
+                              </p:par>
+                              <p:par>
+                                <p:cTn id="64" presetID="10" presetClass="entr" presetSubtype="0" fill="hold" nodeType="withEffect">
+                                  <p:stCondLst>
+                                    <p:cond delay="0"/>
+                                  </p:stCondLst>
+                                  <p:childTnLst>
+                                    <p:set>
+                                      <p:cBhvr>
+                                        <p:cTn id="65" dur="1" fill="hold">
+                                          <p:stCondLst>
+                                            <p:cond delay="0"/>
+                                          </p:stCondLst>
+                                        </p:cTn>
+                                        <p:tgtEl>
+                                          <p:spTgt spid="53"/>
+                                        </p:tgtEl>
+                                        <p:attrNameLst>
+                                          <p:attrName>style.visibility</p:attrName>
+                                        </p:attrNameLst>
+                                      </p:cBhvr>
+                                      <p:to>
+                                        <p:strVal val="visible"/>
+                                      </p:to>
+                                    </p:set>
+                                    <p:animEffect transition="in" filter="fade">
+                                      <p:cBhvr>
+                                        <p:cTn id="66" dur="500"/>
+                                        <p:tgtEl>
+                                          <p:spTgt spid="53"/>
+                                        </p:tgtEl>
+                                      </p:cBhvr>
+                                    </p:animEffect>
+                                  </p:childTnLst>
+                                </p:cTn>
+                              </p:par>
+                              <p:par>
+                                <p:cTn id="67" presetID="10" presetClass="entr" presetSubtype="0" fill="hold" nodeType="withEffect">
+                                  <p:stCondLst>
+                                    <p:cond delay="0"/>
+                                  </p:stCondLst>
+                                  <p:childTnLst>
+                                    <p:set>
+                                      <p:cBhvr>
+                                        <p:cTn id="68" dur="1" fill="hold">
+                                          <p:stCondLst>
+                                            <p:cond delay="0"/>
+                                          </p:stCondLst>
+                                        </p:cTn>
+                                        <p:tgtEl>
+                                          <p:spTgt spid="54"/>
+                                        </p:tgtEl>
+                                        <p:attrNameLst>
+                                          <p:attrName>style.visibility</p:attrName>
+                                        </p:attrNameLst>
+                                      </p:cBhvr>
+                                      <p:to>
+                                        <p:strVal val="visible"/>
+                                      </p:to>
+                                    </p:set>
+                                    <p:animEffect transition="in" filter="fade">
+                                      <p:cBhvr>
+                                        <p:cTn id="69" dur="500"/>
+                                        <p:tgtEl>
+                                          <p:spTgt spid="54"/>
+                                        </p:tgtEl>
+                                      </p:cBhvr>
+                                    </p:animEffect>
+                                  </p:childTnLst>
+                                </p:cTn>
+                              </p:par>
+                              <p:par>
+                                <p:cTn id="70" presetID="10" presetClass="entr" presetSubtype="0" fill="hold" nodeType="withEffect">
+                                  <p:stCondLst>
+                                    <p:cond delay="0"/>
+                                  </p:stCondLst>
+                                  <p:childTnLst>
+                                    <p:set>
+                                      <p:cBhvr>
+                                        <p:cTn id="71" dur="1" fill="hold">
+                                          <p:stCondLst>
+                                            <p:cond delay="0"/>
+                                          </p:stCondLst>
+                                        </p:cTn>
+                                        <p:tgtEl>
+                                          <p:spTgt spid="56"/>
+                                        </p:tgtEl>
+                                        <p:attrNameLst>
+                                          <p:attrName>style.visibility</p:attrName>
+                                        </p:attrNameLst>
+                                      </p:cBhvr>
+                                      <p:to>
+                                        <p:strVal val="visible"/>
+                                      </p:to>
+                                    </p:set>
+                                    <p:animEffect transition="in" filter="fade">
+                                      <p:cBhvr>
+                                        <p:cTn id="72" dur="500"/>
+                                        <p:tgtEl>
+                                          <p:spTgt spid="56"/>
+                                        </p:tgtEl>
+                                      </p:cBhvr>
+                                    </p:animEffect>
+                                  </p:childTnLst>
+                                </p:cTn>
+                              </p:par>
+                              <p:par>
+                                <p:cTn id="73" presetID="10" presetClass="entr" presetSubtype="0" fill="hold" nodeType="withEffect">
+                                  <p:stCondLst>
+                                    <p:cond delay="0"/>
+                                  </p:stCondLst>
+                                  <p:childTnLst>
+                                    <p:set>
+                                      <p:cBhvr>
+                                        <p:cTn id="74" dur="1" fill="hold">
+                                          <p:stCondLst>
+                                            <p:cond delay="0"/>
+                                          </p:stCondLst>
+                                        </p:cTn>
+                                        <p:tgtEl>
+                                          <p:spTgt spid="57"/>
+                                        </p:tgtEl>
+                                        <p:attrNameLst>
+                                          <p:attrName>style.visibility</p:attrName>
+                                        </p:attrNameLst>
+                                      </p:cBhvr>
+                                      <p:to>
+                                        <p:strVal val="visible"/>
+                                      </p:to>
+                                    </p:set>
+                                    <p:animEffect transition="in" filter="fade">
+                                      <p:cBhvr>
+                                        <p:cTn id="75" dur="500"/>
+                                        <p:tgtEl>
+                                          <p:spTgt spid="57"/>
+                                        </p:tgtEl>
+                                      </p:cBhvr>
+                                    </p:animEffect>
+                                  </p:childTnLst>
+                                </p:cTn>
+                              </p:par>
+                              <p:par>
+                                <p:cTn id="76" presetID="10" presetClass="entr" presetSubtype="0" fill="hold" nodeType="withEffect">
+                                  <p:stCondLst>
+                                    <p:cond delay="0"/>
+                                  </p:stCondLst>
+                                  <p:childTnLst>
+                                    <p:set>
+                                      <p:cBhvr>
+                                        <p:cTn id="77" dur="1" fill="hold">
+                                          <p:stCondLst>
+                                            <p:cond delay="0"/>
+                                          </p:stCondLst>
+                                        </p:cTn>
+                                        <p:tgtEl>
+                                          <p:spTgt spid="58"/>
+                                        </p:tgtEl>
+                                        <p:attrNameLst>
+                                          <p:attrName>style.visibility</p:attrName>
+                                        </p:attrNameLst>
+                                      </p:cBhvr>
+                                      <p:to>
+                                        <p:strVal val="visible"/>
+                                      </p:to>
+                                    </p:set>
+                                    <p:animEffect transition="in" filter="fade">
+                                      <p:cBhvr>
+                                        <p:cTn id="78" dur="500"/>
+                                        <p:tgtEl>
+                                          <p:spTgt spid="58"/>
+                                        </p:tgtEl>
+                                      </p:cBhvr>
+                                    </p:animEffect>
+                                  </p:childTnLst>
+                                </p:cTn>
+                              </p:par>
+                            </p:childTnLst>
+                          </p:cTn>
+                        </p:par>
+                      </p:childTnLst>
+                    </p:cTn>
+                  </p:par>
+                </p:childTnLst>
+              </p:cTn>
+              <p:prevCondLst>
+                <p:cond evt="onPrev" delay="0">
+                  <p:tgtEl>
+                    <p:sldTgt/>
+                  </p:tgtEl>
+                </p:cond>
+              </p:prevCondLst>
+              <p:nextCondLst>
+                <p:cond evt="onNext" delay="0">
+                  <p:tgtEl>
+                    <p:sldTgt/>
+                  </p:tgtEl>
+                </p:cond>
+              </p:nextCondLst>
+            </p:seq>
+          </p:childTnLst>
+        </p:cTn>
+      </p:par>
+    </p:tnLst>
+    <p:bldLst>
+      <p:bldP spid="2" grpId="0" animBg="1"/>
+      <p:bldP spid="7" grpId="0"/>
+      <p:bldP spid="11" grpId="0"/>
+      <p:bldP spid="12" grpId="0"/>
+      <p:bldP spid="13" grpId="0"/>
+      <p:bldP spid="14" grpId="0"/>
+      <p:bldP spid="15" grpId="0"/>
+      <p:bldP spid="16" grpId="0"/>
+      <p:bldP spid="17" grpId="0"/>
+      <p:bldP spid="18" grpId="0"/>
+      <p:bldP spid="19" grpId="0"/>
+      <p:bldP spid="20" grpId="0"/>
+    </p:bldLst>
+  </p:timing>
+</p:sld>
+</file>
+
 <file path=ppt/slides/slide13.xml><?xml version="1.0" encoding="utf-8"?>
+<p:sld xmlns:a="http://schemas.openxmlformats.org/drawingml/2006/main" xmlns:r="http://schemas.openxmlformats.org/officeDocument/2006/relationships" xmlns:p="http://schemas.openxmlformats.org/presentationml/2006/main">
+  <p:cSld>
+    <p:spTree>
+      <p:nvGrpSpPr>
+        <p:cNvPr id="1" name=""/>
+        <p:cNvGrpSpPr/>
+        <p:nvPr/>
+      </p:nvGrpSpPr>
+      <p:grpSpPr>
+        <a:xfrm>
+          <a:off x="0" y="0"/>
+          <a:ext cx="0" cy="0"/>
+          <a:chOff x="0" y="0"/>
+          <a:chExt cx="0" cy="0"/>
+        </a:xfrm>
+      </p:grpSpPr>
+      <p:pic>
+        <p:nvPicPr>
+          <p:cNvPr id="9" name="Рисунок 8">
+            <a:extLst>
+              <a:ext uri="{FF2B5EF4-FFF2-40B4-BE49-F238E27FC236}">
+                <a16:creationId xmlns:a16="http://schemas.microsoft.com/office/drawing/2014/main" id="{49FECB10-F20C-4F08-93F9-7468D6E32B65}"/>
+              </a:ext>
+            </a:extLst>
+          </p:cNvPr>
+          <p:cNvPicPr>
+            <a:picLocks noChangeAspect="1"/>
+          </p:cNvPicPr>
+          <p:nvPr/>
+        </p:nvPicPr>
+        <p:blipFill rotWithShape="1">
+          <a:blip r:embed="rId2">
+            <a:extLst>
+              <a:ext uri="{28A0092B-C50C-407E-A947-70E740481C1C}">
+                <a14:useLocalDpi xmlns:a14="http://schemas.microsoft.com/office/drawing/2010/main" val="0"/>
+              </a:ext>
+            </a:extLst>
+          </a:blip>
+          <a:srcRect l="8698" t="5123" r="11628" b="4507"/>
+          <a:stretch/>
+        </p:blipFill>
+        <p:spPr>
+          <a:xfrm>
+            <a:off x="0" y="0"/>
+            <a:ext cx="12239622" cy="6840537"/>
+          </a:xfrm>
+          <a:prstGeom prst="rect">
+            <a:avLst/>
+          </a:prstGeom>
+        </p:spPr>
+      </p:pic>
+      <p:sp>
+        <p:nvSpPr>
+          <p:cNvPr id="10" name="Прямоугольник 9">
+            <a:extLst>
+              <a:ext uri="{FF2B5EF4-FFF2-40B4-BE49-F238E27FC236}">
+                <a16:creationId xmlns:a16="http://schemas.microsoft.com/office/drawing/2014/main" id="{226FACE3-70C6-4738-AC02-5FFF247F729F}"/>
+              </a:ext>
+            </a:extLst>
+          </p:cNvPr>
+          <p:cNvSpPr/>
+          <p:nvPr/>
+        </p:nvSpPr>
+        <p:spPr>
+          <a:xfrm>
+            <a:off x="539812" y="540269"/>
+            <a:ext cx="11160000" cy="5760000"/>
+          </a:xfrm>
+          <a:prstGeom prst="rect">
+            <a:avLst/>
+          </a:prstGeom>
+          <a:solidFill>
+            <a:schemeClr val="tx1"/>
+          </a:solidFill>
+          <a:ln w="63500">
+            <a:solidFill>
+              <a:schemeClr val="accent6">
+                <a:lumMod val="75000"/>
+              </a:schemeClr>
+            </a:solidFill>
+          </a:ln>
+        </p:spPr>
+        <p:style>
+          <a:lnRef idx="2">
+            <a:schemeClr val="accent1">
+              <a:shade val="50000"/>
+            </a:schemeClr>
+          </a:lnRef>
+          <a:fillRef idx="1">
+            <a:schemeClr val="accent1"/>
+          </a:fillRef>
+          <a:effectRef idx="0">
+            <a:schemeClr val="accent1"/>
+          </a:effectRef>
+          <a:fontRef idx="minor">
+            <a:schemeClr val="lt1"/>
+          </a:fontRef>
+        </p:style>
+        <p:txBody>
+          <a:bodyPr rot="0" spcFirstLastPara="0" vertOverflow="overflow" horzOverflow="overflow" vert="horz" wrap="square" lIns="91797" tIns="45899" rIns="91797" bIns="45899" numCol="1" spcCol="0" rtlCol="0" fromWordArt="0" anchor="ctr" anchorCtr="0" forceAA="0" compatLnSpc="1">
+            <a:prstTxWarp prst="textNoShape">
+              <a:avLst/>
+            </a:prstTxWarp>
+            <a:noAutofit/>
+          </a:bodyPr>
+          <a:lstStyle/>
+          <a:p>
+            <a:pPr algn="ctr"/>
+            <a:endParaRPr lang="ru-RU" sz="1807" dirty="0"/>
+          </a:p>
+        </p:txBody>
+      </p:sp>
+      <p:grpSp>
+        <p:nvGrpSpPr>
+          <p:cNvPr id="11" name="Группа 10">
+            <a:extLst>
+              <a:ext uri="{FF2B5EF4-FFF2-40B4-BE49-F238E27FC236}">
+                <a16:creationId xmlns:a16="http://schemas.microsoft.com/office/drawing/2014/main" id="{54EDE0FE-6B00-4FF2-8D4E-A583EA523ADF}"/>
+              </a:ext>
+            </a:extLst>
+          </p:cNvPr>
+          <p:cNvGrpSpPr/>
+          <p:nvPr/>
+        </p:nvGrpSpPr>
+        <p:grpSpPr>
+          <a:xfrm>
+            <a:off x="2176451" y="927268"/>
+            <a:ext cx="7952702" cy="1461635"/>
+            <a:chOff x="1881604" y="1776649"/>
+            <a:chExt cx="8569324" cy="1702640"/>
+          </a:xfrm>
+        </p:grpSpPr>
+        <p:sp>
+          <p:nvSpPr>
+            <p:cNvPr id="12" name="Левая фигурная скобка 11">
+              <a:extLst>
+                <a:ext uri="{FF2B5EF4-FFF2-40B4-BE49-F238E27FC236}">
+                  <a16:creationId xmlns:a16="http://schemas.microsoft.com/office/drawing/2014/main" id="{480B03AD-81EF-4DE3-AD77-3D5046854819}"/>
+                </a:ext>
+              </a:extLst>
+            </p:cNvPr>
+            <p:cNvSpPr/>
+            <p:nvPr/>
+          </p:nvSpPr>
+          <p:spPr>
+            <a:xfrm rot="5400000">
+              <a:off x="5584893" y="-1135118"/>
+              <a:ext cx="1038318" cy="6861852"/>
+            </a:xfrm>
+            <a:prstGeom prst="leftBrace">
+              <a:avLst/>
+            </a:prstGeom>
+            <a:ln w="38100">
+              <a:solidFill>
+                <a:srgbClr val="5ECA8C"/>
+              </a:solidFill>
+            </a:ln>
+          </p:spPr>
+          <p:style>
+            <a:lnRef idx="1">
+              <a:schemeClr val="accent1"/>
+            </a:lnRef>
+            <a:fillRef idx="0">
+              <a:schemeClr val="accent1"/>
+            </a:fillRef>
+            <a:effectRef idx="0">
+              <a:schemeClr val="accent1"/>
+            </a:effectRef>
+            <a:fontRef idx="minor">
+              <a:schemeClr val="tx1"/>
+            </a:fontRef>
+          </p:style>
+          <p:txBody>
+            <a:bodyPr rtlCol="0" anchor="ctr"/>
+            <a:lstStyle/>
+            <a:p>
+              <a:pPr algn="ctr"/>
+              <a:endParaRPr lang="ru-RU" sz="1807" dirty="0">
+                <a:solidFill>
+                  <a:srgbClr val="5ECA8C"/>
+                </a:solidFill>
+              </a:endParaRPr>
+            </a:p>
+          </p:txBody>
+        </p:sp>
+        <p:sp>
+          <p:nvSpPr>
+            <p:cNvPr id="13" name="TextBox 12">
+              <a:extLst>
+                <a:ext uri="{FF2B5EF4-FFF2-40B4-BE49-F238E27FC236}">
+                  <a16:creationId xmlns:a16="http://schemas.microsoft.com/office/drawing/2014/main" id="{58339D1E-89E9-41F4-9F50-0753EFB7E449}"/>
+                </a:ext>
+              </a:extLst>
+            </p:cNvPr>
+            <p:cNvSpPr txBox="1"/>
+            <p:nvPr/>
+          </p:nvSpPr>
+          <p:spPr>
+            <a:xfrm>
+              <a:off x="1881604" y="2833944"/>
+              <a:ext cx="1760804" cy="645345"/>
+            </a:xfrm>
+            <a:prstGeom prst="rect">
+              <a:avLst/>
+            </a:prstGeom>
+            <a:noFill/>
+            <a:ln w="9525" cap="flat" cmpd="sng" algn="ctr">
+              <a:solidFill>
+                <a:srgbClr val="5ECA8C"/>
+              </a:solidFill>
+              <a:prstDash val="solid"/>
+              <a:round/>
+              <a:headEnd type="none" w="med" len="med"/>
+              <a:tailEnd type="none" w="med" len="med"/>
+            </a:ln>
+          </p:spPr>
+          <p:style>
+            <a:lnRef idx="0">
+              <a:scrgbClr r="0" g="0" b="0"/>
+            </a:lnRef>
+            <a:fillRef idx="0">
+              <a:scrgbClr r="0" g="0" b="0"/>
+            </a:fillRef>
+            <a:effectRef idx="0">
+              <a:scrgbClr r="0" g="0" b="0"/>
+            </a:effectRef>
+            <a:fontRef idx="minor">
+              <a:schemeClr val="accent6"/>
+            </a:fontRef>
+          </p:style>
+          <p:txBody>
+            <a:bodyPr wrap="none" rtlCol="0">
+              <a:spAutoFit/>
+            </a:bodyPr>
+            <a:lstStyle/>
+            <a:p>
+              <a:r>
+                <a:rPr lang="ru-RU" sz="3000" dirty="0">
+                  <a:solidFill>
+                    <a:srgbClr val="5ECA8C"/>
+                  </a:solidFill>
+                  <a:latin typeface="RodchenkoCTT" pitchFamily="2" charset="0"/>
+                </a:rPr>
+                <a:t>Сходства</a:t>
+              </a:r>
+            </a:p>
+          </p:txBody>
+        </p:sp>
+        <p:sp>
+          <p:nvSpPr>
+            <p:cNvPr id="14" name="TextBox 13">
+              <a:extLst>
+                <a:ext uri="{FF2B5EF4-FFF2-40B4-BE49-F238E27FC236}">
+                  <a16:creationId xmlns:a16="http://schemas.microsoft.com/office/drawing/2014/main" id="{19B14A81-6DC6-4694-BF3E-BC157F1CFB8C}"/>
+                </a:ext>
+              </a:extLst>
+            </p:cNvPr>
+            <p:cNvSpPr txBox="1"/>
+            <p:nvPr/>
+          </p:nvSpPr>
+          <p:spPr>
+            <a:xfrm>
+              <a:off x="8619029" y="2827036"/>
+              <a:ext cx="1831899" cy="645345"/>
+            </a:xfrm>
+            <a:prstGeom prst="rect">
+              <a:avLst/>
+            </a:prstGeom>
+            <a:noFill/>
+            <a:ln w="9525" cap="flat" cmpd="sng" algn="ctr">
+              <a:solidFill>
+                <a:srgbClr val="5ECA8C"/>
+              </a:solidFill>
+              <a:prstDash val="solid"/>
+              <a:round/>
+              <a:headEnd type="none" w="med" len="med"/>
+              <a:tailEnd type="none" w="med" len="med"/>
+            </a:ln>
+          </p:spPr>
+          <p:style>
+            <a:lnRef idx="0">
+              <a:scrgbClr r="0" g="0" b="0"/>
+            </a:lnRef>
+            <a:fillRef idx="0">
+              <a:scrgbClr r="0" g="0" b="0"/>
+            </a:fillRef>
+            <a:effectRef idx="0">
+              <a:scrgbClr r="0" g="0" b="0"/>
+            </a:effectRef>
+            <a:fontRef idx="minor">
+              <a:schemeClr val="accent6"/>
+            </a:fontRef>
+          </p:style>
+          <p:txBody>
+            <a:bodyPr wrap="none" rtlCol="0">
+              <a:spAutoFit/>
+            </a:bodyPr>
+            <a:lstStyle/>
+            <a:p>
+              <a:r>
+                <a:rPr lang="ru-RU" sz="3000" dirty="0">
+                  <a:solidFill>
+                    <a:srgbClr val="5ECA8C"/>
+                  </a:solidFill>
+                  <a:latin typeface="RodchenkoCTT" pitchFamily="2" charset="0"/>
+                </a:rPr>
+                <a:t>Различия</a:t>
+              </a:r>
+            </a:p>
+          </p:txBody>
+        </p:sp>
+      </p:grpSp>
+      <p:pic>
+        <p:nvPicPr>
+          <p:cNvPr id="15" name="Picture 2" descr="Make it True — Solve the Circuit - Apps on Google Play">
+            <a:extLst>
+              <a:ext uri="{FF2B5EF4-FFF2-40B4-BE49-F238E27FC236}">
+                <a16:creationId xmlns:a16="http://schemas.microsoft.com/office/drawing/2014/main" id="{82C0EFFB-D369-4D80-9306-933DFD08B8FC}"/>
+              </a:ext>
+            </a:extLst>
+          </p:cNvPr>
+          <p:cNvPicPr>
+            <a:picLocks noChangeAspect="1" noChangeArrowheads="1"/>
+          </p:cNvPicPr>
+          <p:nvPr/>
+        </p:nvPicPr>
+        <p:blipFill>
+          <a:blip r:embed="rId3">
+            <a:extLst>
+              <a:ext uri="{28A0092B-C50C-407E-A947-70E740481C1C}">
+                <a14:useLocalDpi xmlns:a14="http://schemas.microsoft.com/office/drawing/2010/main" val="0"/>
+              </a:ext>
+            </a:extLst>
+          </a:blip>
+          <a:srcRect/>
+          <a:stretch>
+            <a:fillRect/>
+          </a:stretch>
+        </p:blipFill>
+        <p:spPr bwMode="auto">
+          <a:xfrm>
+            <a:off x="4420976" y="685799"/>
+            <a:ext cx="3116302" cy="1409881"/>
+          </a:xfrm>
+          <a:prstGeom prst="rect">
+            <a:avLst/>
+          </a:prstGeom>
+          <a:noFill/>
+          <a:extLst>
+            <a:ext uri="{909E8E84-426E-40DD-AFC4-6F175D3DCCD1}">
+              <a14:hiddenFill xmlns:a14="http://schemas.microsoft.com/office/drawing/2010/main">
+                <a:solidFill>
+                  <a:srgbClr val="FFFFFF"/>
+                </a:solidFill>
+              </a14:hiddenFill>
+            </a:ext>
+          </a:extLst>
+        </p:spPr>
+      </p:pic>
+      <p:grpSp>
+        <p:nvGrpSpPr>
+          <p:cNvPr id="16" name="Группа 15">
+            <a:extLst>
+              <a:ext uri="{FF2B5EF4-FFF2-40B4-BE49-F238E27FC236}">
+                <a16:creationId xmlns:a16="http://schemas.microsoft.com/office/drawing/2014/main" id="{ADCD1B34-D77D-4B11-B688-8C7A34E7C3C3}"/>
+              </a:ext>
+            </a:extLst>
+          </p:cNvPr>
+          <p:cNvGrpSpPr/>
+          <p:nvPr/>
+        </p:nvGrpSpPr>
+        <p:grpSpPr>
+          <a:xfrm>
+            <a:off x="887507" y="2581725"/>
+            <a:ext cx="4102147" cy="3617369"/>
+            <a:chOff x="-802822" y="94221"/>
+            <a:chExt cx="7970947" cy="6840538"/>
+          </a:xfrm>
+        </p:grpSpPr>
+        <p:pic>
+          <p:nvPicPr>
+            <p:cNvPr id="17" name="Рисунок 16">
+              <a:extLst>
+                <a:ext uri="{FF2B5EF4-FFF2-40B4-BE49-F238E27FC236}">
+                  <a16:creationId xmlns:a16="http://schemas.microsoft.com/office/drawing/2014/main" id="{9FE8E0AF-80CE-42AB-AD54-A5AADAF9E1A6}"/>
+                </a:ext>
+              </a:extLst>
+            </p:cNvPr>
+            <p:cNvPicPr>
+              <a:picLocks noChangeAspect="1"/>
+            </p:cNvPicPr>
+            <p:nvPr/>
+          </p:nvPicPr>
+          <p:blipFill>
+            <a:blip r:embed="rId4"/>
+            <a:stretch>
+              <a:fillRect/>
+            </a:stretch>
+          </p:blipFill>
+          <p:spPr>
+            <a:xfrm>
+              <a:off x="3046866" y="94221"/>
+              <a:ext cx="4121259" cy="6840538"/>
+            </a:xfrm>
+            <a:prstGeom prst="rect">
+              <a:avLst/>
+            </a:prstGeom>
+          </p:spPr>
+        </p:pic>
+        <p:pic>
+          <p:nvPicPr>
+            <p:cNvPr id="18" name="Picture 2" descr="Make it True — Solve the Circuit APK 2.10.2 Download for Android – Download Make  it True — Solve the Circuit XAPK (APK Bundle) Latest Version - APKFab.com">
+              <a:extLst>
+                <a:ext uri="{FF2B5EF4-FFF2-40B4-BE49-F238E27FC236}">
+                  <a16:creationId xmlns:a16="http://schemas.microsoft.com/office/drawing/2014/main" id="{70AA6427-8D4E-43CB-904B-36919F0B4879}"/>
+                </a:ext>
+              </a:extLst>
+            </p:cNvPr>
+            <p:cNvPicPr>
+              <a:picLocks noChangeAspect="1" noChangeArrowheads="1"/>
+            </p:cNvPicPr>
+            <p:nvPr/>
+          </p:nvPicPr>
+          <p:blipFill>
+            <a:blip r:embed="rId5">
+              <a:extLst>
+                <a:ext uri="{28A0092B-C50C-407E-A947-70E740481C1C}">
+                  <a14:useLocalDpi xmlns:a14="http://schemas.microsoft.com/office/drawing/2010/main" val="0"/>
+                </a:ext>
+              </a:extLst>
+            </a:blip>
+            <a:srcRect/>
+            <a:stretch>
+              <a:fillRect/>
+            </a:stretch>
+          </p:blipFill>
+          <p:spPr bwMode="auto">
+            <a:xfrm>
+              <a:off x="-802822" y="94221"/>
+              <a:ext cx="3849688" cy="6840538"/>
+            </a:xfrm>
+            <a:prstGeom prst="rect">
+              <a:avLst/>
+            </a:prstGeom>
+            <a:noFill/>
+            <a:extLst>
+              <a:ext uri="{909E8E84-426E-40DD-AFC4-6F175D3DCCD1}">
+                <a14:hiddenFill xmlns:a14="http://schemas.microsoft.com/office/drawing/2010/main">
+                  <a:solidFill>
+                    <a:srgbClr val="FFFFFF"/>
+                  </a:solidFill>
+                </a14:hiddenFill>
+              </a:ext>
+            </a:extLst>
+          </p:spPr>
+        </p:pic>
+        <p:cxnSp>
+          <p:nvCxnSpPr>
+            <p:cNvPr id="19" name="Прямая соединительная линия 18">
+              <a:extLst>
+                <a:ext uri="{FF2B5EF4-FFF2-40B4-BE49-F238E27FC236}">
+                  <a16:creationId xmlns:a16="http://schemas.microsoft.com/office/drawing/2014/main" id="{454EBAFC-17A2-4152-A8FD-B97F98BB331F}"/>
+                </a:ext>
+              </a:extLst>
+            </p:cNvPr>
+            <p:cNvCxnSpPr/>
+            <p:nvPr/>
+          </p:nvCxnSpPr>
+          <p:spPr>
+            <a:xfrm>
+              <a:off x="3046866" y="94221"/>
+              <a:ext cx="20224" cy="6840538"/>
+            </a:xfrm>
+            <a:prstGeom prst="line">
+              <a:avLst/>
+            </a:prstGeom>
+            <a:ln w="76200">
+              <a:solidFill>
+                <a:schemeClr val="accent2"/>
+              </a:solidFill>
+            </a:ln>
+          </p:spPr>
+          <p:style>
+            <a:lnRef idx="1">
+              <a:schemeClr val="accent1"/>
+            </a:lnRef>
+            <a:fillRef idx="0">
+              <a:schemeClr val="accent1"/>
+            </a:fillRef>
+            <a:effectRef idx="0">
+              <a:schemeClr val="accent1"/>
+            </a:effectRef>
+            <a:fontRef idx="minor">
+              <a:schemeClr val="tx1"/>
+            </a:fontRef>
+          </p:style>
+        </p:cxnSp>
+      </p:grpSp>
+      <p:grpSp>
+        <p:nvGrpSpPr>
+          <p:cNvPr id="20" name="Группа 19">
+            <a:extLst>
+              <a:ext uri="{FF2B5EF4-FFF2-40B4-BE49-F238E27FC236}">
+                <a16:creationId xmlns:a16="http://schemas.microsoft.com/office/drawing/2014/main" id="{41A223F5-2B01-4C44-972A-46B7FB0CE977}"/>
+              </a:ext>
+            </a:extLst>
+          </p:cNvPr>
+          <p:cNvGrpSpPr/>
+          <p:nvPr/>
+        </p:nvGrpSpPr>
+        <p:grpSpPr>
+          <a:xfrm>
+            <a:off x="7287512" y="2598432"/>
+            <a:ext cx="4102147" cy="3550764"/>
+            <a:chOff x="-802822" y="94221"/>
+            <a:chExt cx="7970947" cy="6840538"/>
+          </a:xfrm>
+        </p:grpSpPr>
+        <p:pic>
+          <p:nvPicPr>
+            <p:cNvPr id="21" name="Рисунок 20">
+              <a:extLst>
+                <a:ext uri="{FF2B5EF4-FFF2-40B4-BE49-F238E27FC236}">
+                  <a16:creationId xmlns:a16="http://schemas.microsoft.com/office/drawing/2014/main" id="{29D29E5F-5346-4832-9259-EC90568BD916}"/>
+                </a:ext>
+              </a:extLst>
+            </p:cNvPr>
+            <p:cNvPicPr>
+              <a:picLocks noChangeAspect="1"/>
+            </p:cNvPicPr>
+            <p:nvPr/>
+          </p:nvPicPr>
+          <p:blipFill>
+            <a:blip r:embed="rId4"/>
+            <a:stretch>
+              <a:fillRect/>
+            </a:stretch>
+          </p:blipFill>
+          <p:spPr>
+            <a:xfrm>
+              <a:off x="3046866" y="94221"/>
+              <a:ext cx="4121259" cy="6840538"/>
+            </a:xfrm>
+            <a:prstGeom prst="rect">
+              <a:avLst/>
+            </a:prstGeom>
+          </p:spPr>
+        </p:pic>
+        <p:pic>
+          <p:nvPicPr>
+            <p:cNvPr id="22" name="Picture 2" descr="Make it True — Solve the Circuit APK 2.10.2 Download for Android – Download Make  it True — Solve the Circuit XAPK (APK Bundle) Latest Version - APKFab.com">
+              <a:extLst>
+                <a:ext uri="{FF2B5EF4-FFF2-40B4-BE49-F238E27FC236}">
+                  <a16:creationId xmlns:a16="http://schemas.microsoft.com/office/drawing/2014/main" id="{F3B72A6C-05DC-4132-A3C7-0C29D76C768C}"/>
+                </a:ext>
+              </a:extLst>
+            </p:cNvPr>
+            <p:cNvPicPr>
+              <a:picLocks noChangeAspect="1" noChangeArrowheads="1"/>
+            </p:cNvPicPr>
+            <p:nvPr/>
+          </p:nvPicPr>
+          <p:blipFill>
+            <a:blip r:embed="rId5">
+              <a:extLst>
+                <a:ext uri="{28A0092B-C50C-407E-A947-70E740481C1C}">
+                  <a14:useLocalDpi xmlns:a14="http://schemas.microsoft.com/office/drawing/2010/main" val="0"/>
+                </a:ext>
+              </a:extLst>
+            </a:blip>
+            <a:srcRect/>
+            <a:stretch>
+              <a:fillRect/>
+            </a:stretch>
+          </p:blipFill>
+          <p:spPr bwMode="auto">
+            <a:xfrm>
+              <a:off x="-802822" y="94221"/>
+              <a:ext cx="3849688" cy="6840538"/>
+            </a:xfrm>
+            <a:prstGeom prst="rect">
+              <a:avLst/>
+            </a:prstGeom>
+            <a:noFill/>
+            <a:extLst>
+              <a:ext uri="{909E8E84-426E-40DD-AFC4-6F175D3DCCD1}">
+                <a14:hiddenFill xmlns:a14="http://schemas.microsoft.com/office/drawing/2010/main">
+                  <a:solidFill>
+                    <a:srgbClr val="FFFFFF"/>
+                  </a:solidFill>
+                </a14:hiddenFill>
+              </a:ext>
+            </a:extLst>
+          </p:spPr>
+        </p:pic>
+        <p:cxnSp>
+          <p:nvCxnSpPr>
+            <p:cNvPr id="23" name="Прямая соединительная линия 22">
+              <a:extLst>
+                <a:ext uri="{FF2B5EF4-FFF2-40B4-BE49-F238E27FC236}">
+                  <a16:creationId xmlns:a16="http://schemas.microsoft.com/office/drawing/2014/main" id="{774939BA-7031-4106-9ED2-54EA86727C6A}"/>
+                </a:ext>
+              </a:extLst>
+            </p:cNvPr>
+            <p:cNvCxnSpPr/>
+            <p:nvPr/>
+          </p:nvCxnSpPr>
+          <p:spPr>
+            <a:xfrm>
+              <a:off x="3046866" y="94221"/>
+              <a:ext cx="20224" cy="6840538"/>
+            </a:xfrm>
+            <a:prstGeom prst="line">
+              <a:avLst/>
+            </a:prstGeom>
+            <a:ln w="76200">
+              <a:solidFill>
+                <a:schemeClr val="accent2"/>
+              </a:solidFill>
+            </a:ln>
+          </p:spPr>
+          <p:style>
+            <a:lnRef idx="1">
+              <a:schemeClr val="accent1"/>
+            </a:lnRef>
+            <a:fillRef idx="0">
+              <a:schemeClr val="accent1"/>
+            </a:fillRef>
+            <a:effectRef idx="0">
+              <a:schemeClr val="accent1"/>
+            </a:effectRef>
+            <a:fontRef idx="minor">
+              <a:schemeClr val="tx1"/>
+            </a:fontRef>
+          </p:style>
+        </p:cxnSp>
+      </p:grpSp>
+      <p:cxnSp>
+        <p:nvCxnSpPr>
+          <p:cNvPr id="24" name="Прямая со стрелкой 23">
+            <a:extLst>
+              <a:ext uri="{FF2B5EF4-FFF2-40B4-BE49-F238E27FC236}">
+                <a16:creationId xmlns:a16="http://schemas.microsoft.com/office/drawing/2014/main" id="{219FE68E-8417-4EDA-94BD-CB5C4AEAB049}"/>
+              </a:ext>
+            </a:extLst>
+          </p:cNvPr>
+          <p:cNvCxnSpPr>
+            <a:cxnSpLocks/>
+          </p:cNvCxnSpPr>
+          <p:nvPr/>
+        </p:nvCxnSpPr>
+        <p:spPr>
+          <a:xfrm>
+            <a:off x="7526870" y="3105843"/>
+            <a:ext cx="515348" cy="280344"/>
+          </a:xfrm>
+          <a:prstGeom prst="straightConnector1">
+            <a:avLst/>
+          </a:prstGeom>
+          <a:ln w="76200">
+            <a:solidFill>
+              <a:schemeClr val="accent2"/>
+            </a:solidFill>
+            <a:tailEnd type="triangle"/>
+          </a:ln>
+        </p:spPr>
+        <p:style>
+          <a:lnRef idx="1">
+            <a:schemeClr val="accent1"/>
+          </a:lnRef>
+          <a:fillRef idx="0">
+            <a:schemeClr val="accent1"/>
+          </a:fillRef>
+          <a:effectRef idx="0">
+            <a:schemeClr val="accent1"/>
+          </a:effectRef>
+          <a:fontRef idx="minor">
+            <a:schemeClr val="tx1"/>
+          </a:fontRef>
+        </p:style>
+      </p:cxnSp>
+      <p:cxnSp>
+        <p:nvCxnSpPr>
+          <p:cNvPr id="25" name="Прямая со стрелкой 24">
+            <a:extLst>
+              <a:ext uri="{FF2B5EF4-FFF2-40B4-BE49-F238E27FC236}">
+                <a16:creationId xmlns:a16="http://schemas.microsoft.com/office/drawing/2014/main" id="{EBABC7C1-C971-41A4-BF9F-7C0A4FCCD154}"/>
+              </a:ext>
+            </a:extLst>
+          </p:cNvPr>
+          <p:cNvCxnSpPr>
+            <a:cxnSpLocks/>
+          </p:cNvCxnSpPr>
+          <p:nvPr/>
+        </p:nvCxnSpPr>
+        <p:spPr>
+          <a:xfrm>
+            <a:off x="10211503" y="3386187"/>
+            <a:ext cx="335494" cy="548801"/>
+          </a:xfrm>
+          <a:prstGeom prst="straightConnector1">
+            <a:avLst/>
+          </a:prstGeom>
+          <a:ln w="76200">
+            <a:solidFill>
+              <a:schemeClr val="accent2"/>
+            </a:solidFill>
+            <a:tailEnd type="triangle"/>
+          </a:ln>
+        </p:spPr>
+        <p:style>
+          <a:lnRef idx="1">
+            <a:schemeClr val="accent1"/>
+          </a:lnRef>
+          <a:fillRef idx="0">
+            <a:schemeClr val="accent1"/>
+          </a:fillRef>
+          <a:effectRef idx="0">
+            <a:schemeClr val="accent1"/>
+          </a:effectRef>
+          <a:fontRef idx="minor">
+            <a:schemeClr val="tx1"/>
+          </a:fontRef>
+        </p:style>
+      </p:cxnSp>
+      <p:cxnSp>
+        <p:nvCxnSpPr>
+          <p:cNvPr id="26" name="Прямая со стрелкой 25">
+            <a:extLst>
+              <a:ext uri="{FF2B5EF4-FFF2-40B4-BE49-F238E27FC236}">
+                <a16:creationId xmlns:a16="http://schemas.microsoft.com/office/drawing/2014/main" id="{4BEB73B6-281F-4D31-99B7-8CC1A4BCBFD4}"/>
+              </a:ext>
+            </a:extLst>
+          </p:cNvPr>
+          <p:cNvCxnSpPr>
+            <a:cxnSpLocks/>
+          </p:cNvCxnSpPr>
+          <p:nvPr/>
+        </p:nvCxnSpPr>
+        <p:spPr>
+          <a:xfrm>
+            <a:off x="7537278" y="2954216"/>
+            <a:ext cx="496106" cy="0"/>
+          </a:xfrm>
+          <a:prstGeom prst="straightConnector1">
+            <a:avLst/>
+          </a:prstGeom>
+          <a:ln w="76200">
+            <a:solidFill>
+              <a:schemeClr val="accent2"/>
+            </a:solidFill>
+            <a:tailEnd type="triangle"/>
+          </a:ln>
+        </p:spPr>
+        <p:style>
+          <a:lnRef idx="1">
+            <a:schemeClr val="accent1"/>
+          </a:lnRef>
+          <a:fillRef idx="0">
+            <a:schemeClr val="accent1"/>
+          </a:fillRef>
+          <a:effectRef idx="0">
+            <a:schemeClr val="accent1"/>
+          </a:effectRef>
+          <a:fontRef idx="minor">
+            <a:schemeClr val="tx1"/>
+          </a:fontRef>
+        </p:style>
+      </p:cxnSp>
+      <p:cxnSp>
+        <p:nvCxnSpPr>
+          <p:cNvPr id="27" name="Прямая со стрелкой 26">
+            <a:extLst>
+              <a:ext uri="{FF2B5EF4-FFF2-40B4-BE49-F238E27FC236}">
+                <a16:creationId xmlns:a16="http://schemas.microsoft.com/office/drawing/2014/main" id="{35AE0FB8-3D5D-4218-AAEC-62FCE3CD00BE}"/>
+              </a:ext>
+            </a:extLst>
+          </p:cNvPr>
+          <p:cNvCxnSpPr>
+            <a:cxnSpLocks/>
+          </p:cNvCxnSpPr>
+          <p:nvPr/>
+        </p:nvCxnSpPr>
+        <p:spPr>
+          <a:xfrm>
+            <a:off x="10329182" y="2742417"/>
+            <a:ext cx="356730" cy="198039"/>
+          </a:xfrm>
+          <a:prstGeom prst="straightConnector1">
+            <a:avLst/>
+          </a:prstGeom>
+          <a:ln w="76200">
+            <a:solidFill>
+              <a:schemeClr val="accent2"/>
+            </a:solidFill>
+            <a:tailEnd type="triangle"/>
+          </a:ln>
+        </p:spPr>
+        <p:style>
+          <a:lnRef idx="1">
+            <a:schemeClr val="accent1"/>
+          </a:lnRef>
+          <a:fillRef idx="0">
+            <a:schemeClr val="accent1"/>
+          </a:fillRef>
+          <a:effectRef idx="0">
+            <a:schemeClr val="accent1"/>
+          </a:effectRef>
+          <a:fontRef idx="minor">
+            <a:schemeClr val="tx1"/>
+          </a:fontRef>
+        </p:style>
+      </p:cxnSp>
+      <p:cxnSp>
+        <p:nvCxnSpPr>
+          <p:cNvPr id="28" name="Прямая со стрелкой 27">
+            <a:extLst>
+              <a:ext uri="{FF2B5EF4-FFF2-40B4-BE49-F238E27FC236}">
+                <a16:creationId xmlns:a16="http://schemas.microsoft.com/office/drawing/2014/main" id="{3082E149-F457-42AA-98B0-3C15DA3A757E}"/>
+              </a:ext>
+            </a:extLst>
+          </p:cNvPr>
+          <p:cNvCxnSpPr>
+            <a:cxnSpLocks/>
+          </p:cNvCxnSpPr>
+          <p:nvPr/>
+        </p:nvCxnSpPr>
+        <p:spPr>
+          <a:xfrm flipH="1">
+            <a:off x="9971606" y="2721511"/>
+            <a:ext cx="273353" cy="218945"/>
+          </a:xfrm>
+          <a:prstGeom prst="straightConnector1">
+            <a:avLst/>
+          </a:prstGeom>
+          <a:ln w="76200">
+            <a:solidFill>
+              <a:schemeClr val="accent2"/>
+            </a:solidFill>
+            <a:tailEnd type="triangle"/>
+          </a:ln>
+        </p:spPr>
+        <p:style>
+          <a:lnRef idx="1">
+            <a:schemeClr val="accent1"/>
+          </a:lnRef>
+          <a:fillRef idx="0">
+            <a:schemeClr val="accent1"/>
+          </a:fillRef>
+          <a:effectRef idx="0">
+            <a:schemeClr val="accent1"/>
+          </a:effectRef>
+          <a:fontRef idx="minor">
+            <a:schemeClr val="tx1"/>
+          </a:fontRef>
+        </p:style>
+      </p:cxnSp>
+      <p:grpSp>
+        <p:nvGrpSpPr>
+          <p:cNvPr id="29" name="Группа 28">
+            <a:extLst>
+              <a:ext uri="{FF2B5EF4-FFF2-40B4-BE49-F238E27FC236}">
+                <a16:creationId xmlns:a16="http://schemas.microsoft.com/office/drawing/2014/main" id="{A74975EE-5580-4A52-95B9-7C3EB921FBA5}"/>
+              </a:ext>
+            </a:extLst>
+          </p:cNvPr>
+          <p:cNvGrpSpPr/>
+          <p:nvPr/>
+        </p:nvGrpSpPr>
+        <p:grpSpPr>
+          <a:xfrm>
+            <a:off x="765912" y="2531828"/>
+            <a:ext cx="5771913" cy="3617368"/>
+            <a:chOff x="3384383" y="-76467"/>
+            <a:chExt cx="12173791" cy="6882801"/>
+          </a:xfrm>
+        </p:grpSpPr>
+        <p:pic>
+          <p:nvPicPr>
+            <p:cNvPr id="30" name="Рисунок 29">
+              <a:extLst>
+                <a:ext uri="{FF2B5EF4-FFF2-40B4-BE49-F238E27FC236}">
+                  <a16:creationId xmlns:a16="http://schemas.microsoft.com/office/drawing/2014/main" id="{2AED60D1-6559-4699-91CF-A058F54FF5BC}"/>
+                </a:ext>
+              </a:extLst>
+            </p:cNvPr>
+            <p:cNvPicPr>
+              <a:picLocks noChangeAspect="1"/>
+            </p:cNvPicPr>
+            <p:nvPr/>
+          </p:nvPicPr>
+          <p:blipFill>
+            <a:blip r:embed="rId6"/>
+            <a:stretch>
+              <a:fillRect/>
+            </a:stretch>
+          </p:blipFill>
+          <p:spPr>
+            <a:xfrm>
+              <a:off x="6880489" y="-34203"/>
+              <a:ext cx="8677685" cy="6840537"/>
+            </a:xfrm>
+            <a:prstGeom prst="rect">
+              <a:avLst/>
+            </a:prstGeom>
+          </p:spPr>
+        </p:pic>
+        <p:pic>
+          <p:nvPicPr>
+            <p:cNvPr id="31" name="Picture 2" descr="Make it True для Андроид - скачать APK">
+              <a:extLst>
+                <a:ext uri="{FF2B5EF4-FFF2-40B4-BE49-F238E27FC236}">
+                  <a16:creationId xmlns:a16="http://schemas.microsoft.com/office/drawing/2014/main" id="{E1CB4107-8B78-457C-BFCB-FE620CB6B771}"/>
+                </a:ext>
+              </a:extLst>
+            </p:cNvPr>
+            <p:cNvPicPr>
+              <a:picLocks noChangeAspect="1" noChangeArrowheads="1"/>
+            </p:cNvPicPr>
+            <p:nvPr/>
+          </p:nvPicPr>
+          <p:blipFill>
+            <a:blip r:embed="rId7">
+              <a:extLst>
+                <a:ext uri="{28A0092B-C50C-407E-A947-70E740481C1C}">
+                  <a14:useLocalDpi xmlns:a14="http://schemas.microsoft.com/office/drawing/2010/main" val="0"/>
+                </a:ext>
+              </a:extLst>
+            </a:blip>
+            <a:srcRect/>
+            <a:stretch>
+              <a:fillRect/>
+            </a:stretch>
+          </p:blipFill>
+          <p:spPr bwMode="auto">
+            <a:xfrm>
+              <a:off x="3384383" y="-34204"/>
+              <a:ext cx="3415185" cy="6840538"/>
+            </a:xfrm>
+            <a:prstGeom prst="rect">
+              <a:avLst/>
+            </a:prstGeom>
+            <a:noFill/>
+            <a:extLst>
+              <a:ext uri="{909E8E84-426E-40DD-AFC4-6F175D3DCCD1}">
+                <a14:hiddenFill xmlns:a14="http://schemas.microsoft.com/office/drawing/2010/main">
+                  <a:solidFill>
+                    <a:srgbClr val="FFFFFF"/>
+                  </a:solidFill>
+                </a14:hiddenFill>
+              </a:ext>
+            </a:extLst>
+          </p:spPr>
+        </p:pic>
+        <p:cxnSp>
+          <p:nvCxnSpPr>
+            <p:cNvPr id="32" name="Прямая соединительная линия 31">
+              <a:extLst>
+                <a:ext uri="{FF2B5EF4-FFF2-40B4-BE49-F238E27FC236}">
+                  <a16:creationId xmlns:a16="http://schemas.microsoft.com/office/drawing/2014/main" id="{866C4BCD-13EF-4841-AE88-50186A4791B5}"/>
+                </a:ext>
+              </a:extLst>
+            </p:cNvPr>
+            <p:cNvCxnSpPr>
+              <a:cxnSpLocks/>
+            </p:cNvCxnSpPr>
+            <p:nvPr/>
+          </p:nvCxnSpPr>
+          <p:spPr>
+            <a:xfrm flipH="1">
+              <a:off x="6880489" y="-76467"/>
+              <a:ext cx="8458" cy="6882801"/>
+            </a:xfrm>
+            <a:prstGeom prst="line">
+              <a:avLst/>
+            </a:prstGeom>
+            <a:ln w="76200">
+              <a:solidFill>
+                <a:schemeClr val="accent2"/>
+              </a:solidFill>
+            </a:ln>
+          </p:spPr>
+          <p:style>
+            <a:lnRef idx="1">
+              <a:schemeClr val="accent1"/>
+            </a:lnRef>
+            <a:fillRef idx="0">
+              <a:schemeClr val="accent1"/>
+            </a:fillRef>
+            <a:effectRef idx="0">
+              <a:schemeClr val="accent1"/>
+            </a:effectRef>
+            <a:fontRef idx="minor">
+              <a:schemeClr val="tx1"/>
+            </a:fontRef>
+          </p:style>
+        </p:cxnSp>
+      </p:grpSp>
+    </p:spTree>
+    <p:extLst>
+      <p:ext uri="{BB962C8B-B14F-4D97-AF65-F5344CB8AC3E}">
+        <p14:creationId xmlns:p14="http://schemas.microsoft.com/office/powerpoint/2010/main" val="3526349449"/>
+      </p:ext>
+    </p:extLst>
+  </p:cSld>
+  <p:clrMapOvr>
+    <a:masterClrMapping/>
+  </p:clrMapOvr>
+  <p:timing>
+    <p:tnLst>
+      <p:par>
+        <p:cTn id="1" dur="indefinite" restart="never" nodeType="tmRoot">
+          <p:childTnLst>
+            <p:seq concurrent="1" nextAc="seek">
+              <p:cTn id="2" dur="indefinite" nodeType="mainSeq">
+                <p:childTnLst>
+                  <p:par>
+                    <p:cTn id="3" fill="hold">
+                      <p:stCondLst>
+                        <p:cond delay="indefinite"/>
+                      </p:stCondLst>
+                      <p:childTnLst>
+                        <p:par>
+                          <p:cTn id="4" fill="hold">
+                            <p:stCondLst>
+                              <p:cond delay="0"/>
+                            </p:stCondLst>
+                            <p:childTnLst>
+                              <p:par>
+                                <p:cTn id="5" presetID="42" presetClass="entr" presetSubtype="0" fill="hold" nodeType="clickEffect">
+                                  <p:stCondLst>
+                                    <p:cond delay="0"/>
+                                  </p:stCondLst>
+                                  <p:childTnLst>
+                                    <p:set>
+                                      <p:cBhvr>
+                                        <p:cTn id="6" dur="1" fill="hold">
+                                          <p:stCondLst>
+                                            <p:cond delay="0"/>
+                                          </p:stCondLst>
+                                        </p:cTn>
+                                        <p:tgtEl>
+                                          <p:spTgt spid="11"/>
+                                        </p:tgtEl>
+                                        <p:attrNameLst>
+                                          <p:attrName>style.visibility</p:attrName>
+                                        </p:attrNameLst>
+                                      </p:cBhvr>
+                                      <p:to>
+                                        <p:strVal val="visible"/>
+                                      </p:to>
+                                    </p:set>
+                                    <p:animEffect transition="in" filter="fade">
+                                      <p:cBhvr>
+                                        <p:cTn id="7" dur="1000"/>
+                                        <p:tgtEl>
+                                          <p:spTgt spid="11"/>
+                                        </p:tgtEl>
+                                      </p:cBhvr>
+                                    </p:animEffect>
+                                    <p:anim calcmode="lin" valueType="num">
+                                      <p:cBhvr>
+                                        <p:cTn id="8" dur="1000" fill="hold"/>
+                                        <p:tgtEl>
+                                          <p:spTgt spid="11"/>
+                                        </p:tgtEl>
+                                        <p:attrNameLst>
+                                          <p:attrName>ppt_x</p:attrName>
+                                        </p:attrNameLst>
+                                      </p:cBhvr>
+                                      <p:tavLst>
+                                        <p:tav tm="0">
+                                          <p:val>
+                                            <p:strVal val="#ppt_x"/>
+                                          </p:val>
+                                        </p:tav>
+                                        <p:tav tm="100000">
+                                          <p:val>
+                                            <p:strVal val="#ppt_x"/>
+                                          </p:val>
+                                        </p:tav>
+                                      </p:tavLst>
+                                    </p:anim>
+                                    <p:anim calcmode="lin" valueType="num">
+                                      <p:cBhvr>
+                                        <p:cTn id="9" dur="1000" fill="hold"/>
+                                        <p:tgtEl>
+                                          <p:spTgt spid="11"/>
+                                        </p:tgtEl>
+                                        <p:attrNameLst>
+                                          <p:attrName>ppt_y</p:attrName>
+                                        </p:attrNameLst>
+                                      </p:cBhvr>
+                                      <p:tavLst>
+                                        <p:tav tm="0">
+                                          <p:val>
+                                            <p:strVal val="#ppt_y+.1"/>
+                                          </p:val>
+                                        </p:tav>
+                                        <p:tav tm="100000">
+                                          <p:val>
+                                            <p:strVal val="#ppt_y"/>
+                                          </p:val>
+                                        </p:tav>
+                                      </p:tavLst>
+                                    </p:anim>
+                                  </p:childTnLst>
+                                </p:cTn>
+                              </p:par>
+                            </p:childTnLst>
+                          </p:cTn>
+                        </p:par>
+                      </p:childTnLst>
+                    </p:cTn>
+                  </p:par>
+                  <p:par>
+                    <p:cTn id="10" fill="hold">
+                      <p:stCondLst>
+                        <p:cond delay="indefinite"/>
+                      </p:stCondLst>
+                      <p:childTnLst>
+                        <p:par>
+                          <p:cTn id="11" fill="hold">
+                            <p:stCondLst>
+                              <p:cond delay="0"/>
+                            </p:stCondLst>
+                            <p:childTnLst>
+                              <p:par>
+                                <p:cTn id="12" presetID="10" presetClass="entr" presetSubtype="0" fill="hold" nodeType="clickEffect">
+                                  <p:stCondLst>
+                                    <p:cond delay="0"/>
+                                  </p:stCondLst>
+                                  <p:childTnLst>
+                                    <p:set>
+                                      <p:cBhvr>
+                                        <p:cTn id="13" dur="1" fill="hold">
+                                          <p:stCondLst>
+                                            <p:cond delay="0"/>
+                                          </p:stCondLst>
+                                        </p:cTn>
+                                        <p:tgtEl>
+                                          <p:spTgt spid="16"/>
+                                        </p:tgtEl>
+                                        <p:attrNameLst>
+                                          <p:attrName>style.visibility</p:attrName>
+                                        </p:attrNameLst>
+                                      </p:cBhvr>
+                                      <p:to>
+                                        <p:strVal val="visible"/>
+                                      </p:to>
+                                    </p:set>
+                                    <p:animEffect transition="in" filter="fade">
+                                      <p:cBhvr>
+                                        <p:cTn id="14" dur="500"/>
+                                        <p:tgtEl>
+                                          <p:spTgt spid="16"/>
+                                        </p:tgtEl>
+                                      </p:cBhvr>
+                                    </p:animEffect>
+                                  </p:childTnLst>
+                                </p:cTn>
+                              </p:par>
+                              <p:par>
+                                <p:cTn id="15" presetID="10" presetClass="entr" presetSubtype="0" fill="hold" nodeType="withEffect">
+                                  <p:stCondLst>
+                                    <p:cond delay="0"/>
+                                  </p:stCondLst>
+                                  <p:childTnLst>
+                                    <p:set>
+                                      <p:cBhvr>
+                                        <p:cTn id="16" dur="1" fill="hold">
+                                          <p:stCondLst>
+                                            <p:cond delay="0"/>
+                                          </p:stCondLst>
+                                        </p:cTn>
+                                        <p:tgtEl>
+                                          <p:spTgt spid="20"/>
+                                        </p:tgtEl>
+                                        <p:attrNameLst>
+                                          <p:attrName>style.visibility</p:attrName>
+                                        </p:attrNameLst>
+                                      </p:cBhvr>
+                                      <p:to>
+                                        <p:strVal val="visible"/>
+                                      </p:to>
+                                    </p:set>
+                                    <p:animEffect transition="in" filter="fade">
+                                      <p:cBhvr>
+                                        <p:cTn id="17" dur="500"/>
+                                        <p:tgtEl>
+                                          <p:spTgt spid="20"/>
+                                        </p:tgtEl>
+                                      </p:cBhvr>
+                                    </p:animEffect>
+                                  </p:childTnLst>
+                                </p:cTn>
+                              </p:par>
+                              <p:par>
+                                <p:cTn id="18" presetID="10" presetClass="entr" presetSubtype="0" fill="hold" nodeType="withEffect">
+                                  <p:stCondLst>
+                                    <p:cond delay="0"/>
+                                  </p:stCondLst>
+                                  <p:childTnLst>
+                                    <p:set>
+                                      <p:cBhvr>
+                                        <p:cTn id="19" dur="1" fill="hold">
+                                          <p:stCondLst>
+                                            <p:cond delay="0"/>
+                                          </p:stCondLst>
+                                        </p:cTn>
+                                        <p:tgtEl>
+                                          <p:spTgt spid="24"/>
+                                        </p:tgtEl>
+                                        <p:attrNameLst>
+                                          <p:attrName>style.visibility</p:attrName>
+                                        </p:attrNameLst>
+                                      </p:cBhvr>
+                                      <p:to>
+                                        <p:strVal val="visible"/>
+                                      </p:to>
+                                    </p:set>
+                                    <p:animEffect transition="in" filter="fade">
+                                      <p:cBhvr>
+                                        <p:cTn id="20" dur="500"/>
+                                        <p:tgtEl>
+                                          <p:spTgt spid="24"/>
+                                        </p:tgtEl>
+                                      </p:cBhvr>
+                                    </p:animEffect>
+                                  </p:childTnLst>
+                                </p:cTn>
+                              </p:par>
+                              <p:par>
+                                <p:cTn id="21" presetID="10" presetClass="entr" presetSubtype="0" fill="hold" nodeType="withEffect">
+                                  <p:stCondLst>
+                                    <p:cond delay="0"/>
+                                  </p:stCondLst>
+                                  <p:childTnLst>
+                                    <p:set>
+                                      <p:cBhvr>
+                                        <p:cTn id="22" dur="1" fill="hold">
+                                          <p:stCondLst>
+                                            <p:cond delay="0"/>
+                                          </p:stCondLst>
+                                        </p:cTn>
+                                        <p:tgtEl>
+                                          <p:spTgt spid="25"/>
+                                        </p:tgtEl>
+                                        <p:attrNameLst>
+                                          <p:attrName>style.visibility</p:attrName>
+                                        </p:attrNameLst>
+                                      </p:cBhvr>
+                                      <p:to>
+                                        <p:strVal val="visible"/>
+                                      </p:to>
+                                    </p:set>
+                                    <p:animEffect transition="in" filter="fade">
+                                      <p:cBhvr>
+                                        <p:cTn id="23" dur="500"/>
+                                        <p:tgtEl>
+                                          <p:spTgt spid="25"/>
+                                        </p:tgtEl>
+                                      </p:cBhvr>
+                                    </p:animEffect>
+                                  </p:childTnLst>
+                                </p:cTn>
+                              </p:par>
+                            </p:childTnLst>
+                          </p:cTn>
+                        </p:par>
+                      </p:childTnLst>
+                    </p:cTn>
+                  </p:par>
+                  <p:par>
+                    <p:cTn id="24" fill="hold">
+                      <p:stCondLst>
+                        <p:cond delay="indefinite"/>
+                      </p:stCondLst>
+                      <p:childTnLst>
+                        <p:par>
+                          <p:cTn id="25" fill="hold">
+                            <p:stCondLst>
+                              <p:cond delay="0"/>
+                            </p:stCondLst>
+                            <p:childTnLst>
+                              <p:par>
+                                <p:cTn id="26" presetID="10" presetClass="exit" presetSubtype="0" fill="hold" nodeType="clickEffect">
+                                  <p:stCondLst>
+                                    <p:cond delay="0"/>
+                                  </p:stCondLst>
+                                  <p:childTnLst>
+                                    <p:animEffect transition="out" filter="fade">
+                                      <p:cBhvr>
+                                        <p:cTn id="27" dur="500"/>
+                                        <p:tgtEl>
+                                          <p:spTgt spid="24"/>
+                                        </p:tgtEl>
+                                      </p:cBhvr>
+                                    </p:animEffect>
+                                    <p:set>
+                                      <p:cBhvr>
+                                        <p:cTn id="28" dur="1" fill="hold">
+                                          <p:stCondLst>
+                                            <p:cond delay="499"/>
+                                          </p:stCondLst>
+                                        </p:cTn>
+                                        <p:tgtEl>
+                                          <p:spTgt spid="24"/>
+                                        </p:tgtEl>
+                                        <p:attrNameLst>
+                                          <p:attrName>style.visibility</p:attrName>
+                                        </p:attrNameLst>
+                                      </p:cBhvr>
+                                      <p:to>
+                                        <p:strVal val="hidden"/>
+                                      </p:to>
+                                    </p:set>
+                                  </p:childTnLst>
+                                </p:cTn>
+                              </p:par>
+                              <p:par>
+                                <p:cTn id="29" presetID="10" presetClass="exit" presetSubtype="0" fill="hold" nodeType="withEffect">
+                                  <p:stCondLst>
+                                    <p:cond delay="0"/>
+                                  </p:stCondLst>
+                                  <p:childTnLst>
+                                    <p:animEffect transition="out" filter="fade">
+                                      <p:cBhvr>
+                                        <p:cTn id="30" dur="500"/>
+                                        <p:tgtEl>
+                                          <p:spTgt spid="25"/>
+                                        </p:tgtEl>
+                                      </p:cBhvr>
+                                    </p:animEffect>
+                                    <p:set>
+                                      <p:cBhvr>
+                                        <p:cTn id="31" dur="1" fill="hold">
+                                          <p:stCondLst>
+                                            <p:cond delay="499"/>
+                                          </p:stCondLst>
+                                        </p:cTn>
+                                        <p:tgtEl>
+                                          <p:spTgt spid="25"/>
+                                        </p:tgtEl>
+                                        <p:attrNameLst>
+                                          <p:attrName>style.visibility</p:attrName>
+                                        </p:attrNameLst>
+                                      </p:cBhvr>
+                                      <p:to>
+                                        <p:strVal val="hidden"/>
+                                      </p:to>
+                                    </p:set>
+                                  </p:childTnLst>
+                                </p:cTn>
+                              </p:par>
+                              <p:par>
+                                <p:cTn id="32" presetID="10" presetClass="entr" presetSubtype="0" fill="hold" nodeType="withEffect">
+                                  <p:stCondLst>
+                                    <p:cond delay="0"/>
+                                  </p:stCondLst>
+                                  <p:childTnLst>
+                                    <p:set>
+                                      <p:cBhvr>
+                                        <p:cTn id="33" dur="1" fill="hold">
+                                          <p:stCondLst>
+                                            <p:cond delay="0"/>
+                                          </p:stCondLst>
+                                        </p:cTn>
+                                        <p:tgtEl>
+                                          <p:spTgt spid="29"/>
+                                        </p:tgtEl>
+                                        <p:attrNameLst>
+                                          <p:attrName>style.visibility</p:attrName>
+                                        </p:attrNameLst>
+                                      </p:cBhvr>
+                                      <p:to>
+                                        <p:strVal val="visible"/>
+                                      </p:to>
+                                    </p:set>
+                                    <p:animEffect transition="in" filter="fade">
+                                      <p:cBhvr>
+                                        <p:cTn id="34" dur="500"/>
+                                        <p:tgtEl>
+                                          <p:spTgt spid="29"/>
+                                        </p:tgtEl>
+                                      </p:cBhvr>
+                                    </p:animEffect>
+                                  </p:childTnLst>
+                                </p:cTn>
+                              </p:par>
+                              <p:par>
+                                <p:cTn id="35" presetID="10" presetClass="entr" presetSubtype="0" fill="hold" nodeType="withEffect">
+                                  <p:stCondLst>
+                                    <p:cond delay="0"/>
+                                  </p:stCondLst>
+                                  <p:childTnLst>
+                                    <p:set>
+                                      <p:cBhvr>
+                                        <p:cTn id="36" dur="1" fill="hold">
+                                          <p:stCondLst>
+                                            <p:cond delay="0"/>
+                                          </p:stCondLst>
+                                        </p:cTn>
+                                        <p:tgtEl>
+                                          <p:spTgt spid="26"/>
+                                        </p:tgtEl>
+                                        <p:attrNameLst>
+                                          <p:attrName>style.visibility</p:attrName>
+                                        </p:attrNameLst>
+                                      </p:cBhvr>
+                                      <p:to>
+                                        <p:strVal val="visible"/>
+                                      </p:to>
+                                    </p:set>
+                                    <p:animEffect transition="in" filter="fade">
+                                      <p:cBhvr>
+                                        <p:cTn id="37" dur="500"/>
+                                        <p:tgtEl>
+                                          <p:spTgt spid="26"/>
+                                        </p:tgtEl>
+                                      </p:cBhvr>
+                                    </p:animEffect>
+                                  </p:childTnLst>
+                                </p:cTn>
+                              </p:par>
+                              <p:par>
+                                <p:cTn id="38" presetID="10" presetClass="entr" presetSubtype="0" fill="hold" nodeType="withEffect">
+                                  <p:stCondLst>
+                                    <p:cond delay="0"/>
+                                  </p:stCondLst>
+                                  <p:childTnLst>
+                                    <p:set>
+                                      <p:cBhvr>
+                                        <p:cTn id="39" dur="1" fill="hold">
+                                          <p:stCondLst>
+                                            <p:cond delay="0"/>
+                                          </p:stCondLst>
+                                        </p:cTn>
+                                        <p:tgtEl>
+                                          <p:spTgt spid="28"/>
+                                        </p:tgtEl>
+                                        <p:attrNameLst>
+                                          <p:attrName>style.visibility</p:attrName>
+                                        </p:attrNameLst>
+                                      </p:cBhvr>
+                                      <p:to>
+                                        <p:strVal val="visible"/>
+                                      </p:to>
+                                    </p:set>
+                                    <p:animEffect transition="in" filter="fade">
+                                      <p:cBhvr>
+                                        <p:cTn id="40" dur="500"/>
+                                        <p:tgtEl>
+                                          <p:spTgt spid="28"/>
+                                        </p:tgtEl>
+                                      </p:cBhvr>
+                                    </p:animEffect>
+                                  </p:childTnLst>
+                                </p:cTn>
+                              </p:par>
+                              <p:par>
+                                <p:cTn id="41" presetID="10" presetClass="entr" presetSubtype="0" fill="hold" nodeType="withEffect">
+                                  <p:stCondLst>
+                                    <p:cond delay="0"/>
+                                  </p:stCondLst>
+                                  <p:childTnLst>
+                                    <p:set>
+                                      <p:cBhvr>
+                                        <p:cTn id="42" dur="1" fill="hold">
+                                          <p:stCondLst>
+                                            <p:cond delay="0"/>
+                                          </p:stCondLst>
+                                        </p:cTn>
+                                        <p:tgtEl>
+                                          <p:spTgt spid="27"/>
+                                        </p:tgtEl>
+                                        <p:attrNameLst>
+                                          <p:attrName>style.visibility</p:attrName>
+                                        </p:attrNameLst>
+                                      </p:cBhvr>
+                                      <p:to>
+                                        <p:strVal val="visible"/>
+                                      </p:to>
+                                    </p:set>
+                                    <p:animEffect transition="in" filter="fade">
+                                      <p:cBhvr>
+                                        <p:cTn id="43" dur="500"/>
+                                        <p:tgtEl>
+                                          <p:spTgt spid="27"/>
+                                        </p:tgtEl>
+                                      </p:cBhvr>
+                                    </p:animEffect>
+                                  </p:childTnLst>
+                                </p:cTn>
+                              </p:par>
+                            </p:childTnLst>
+                          </p:cTn>
+                        </p:par>
+                      </p:childTnLst>
+                    </p:cTn>
+                  </p:par>
+                </p:childTnLst>
+              </p:cTn>
+              <p:prevCondLst>
+                <p:cond evt="onPrev" delay="0">
+                  <p:tgtEl>
+                    <p:sldTgt/>
+                  </p:tgtEl>
+                </p:cond>
+              </p:prevCondLst>
+              <p:nextCondLst>
+                <p:cond evt="onNext" delay="0">
+                  <p:tgtEl>
+                    <p:sldTgt/>
+                  </p:tgtEl>
+                </p:cond>
+              </p:nextCondLst>
+            </p:seq>
+          </p:childTnLst>
+        </p:cTn>
+      </p:par>
+    </p:tnLst>
+  </p:timing>
+</p:sld>
+</file>
+
+<file path=ppt/slides/slide14.xml><?xml version="1.0" encoding="utf-8"?>
 <p:sld xmlns:a="http://schemas.openxmlformats.org/drawingml/2006/main" xmlns:r="http://schemas.openxmlformats.org/officeDocument/2006/relationships" xmlns:p="http://schemas.openxmlformats.org/presentationml/2006/main">
   <p:cSld>
     <p:spTree>
@@ -4031,13 +10766,6 @@
   <p:clrMapOvr>
     <a:masterClrMapping/>
   </p:clrMapOvr>
-  <p:timing>
-    <p:tnLst>
-      <p:par>
-        <p:cTn id="1" dur="indefinite" restart="never" nodeType="tmRoot"/>
-      </p:par>
-    </p:tnLst>
-  </p:timing>
 </p:sld>
 </file>
 
@@ -4116,13 +10844,6 @@
   <p:clrMapOvr>
     <a:masterClrMapping/>
   </p:clrMapOvr>
-  <p:timing>
-    <p:tnLst>
-      <p:par>
-        <p:cTn id="1" dur="indefinite" restart="never" nodeType="tmRoot"/>
-      </p:par>
-    </p:tnLst>
-  </p:timing>
 </p:sld>
 </file>
 
@@ -4242,7 +10963,7 @@
           <a:p>
             <a:pPr algn="ctr"/>
             <a:r>
-              <a:rPr lang="ru-RU" sz="4400" dirty="0" smtClean="0">
+              <a:rPr lang="ru-RU" sz="4400" dirty="0">
                 <a:solidFill>
                   <a:srgbClr val="77F531"/>
                 </a:solidFill>
@@ -4251,13 +10972,6 @@
               </a:rPr>
               <a:t>БАЗОВЫЕ БЛОКИ</a:t>
             </a:r>
-            <a:endParaRPr lang="ru-RU" sz="4400" dirty="0">
-              <a:solidFill>
-                <a:srgbClr val="77F531"/>
-              </a:solidFill>
-              <a:latin typeface="RodchenkoCTT" pitchFamily="2" charset="0"/>
-              <a:cs typeface="Courier New" panose="02070309020205020404" pitchFamily="49" charset="0"/>
-            </a:endParaRPr>
           </a:p>
         </p:txBody>
       </p:sp>
@@ -4569,10 +11283,9 @@
           </a:lstStyle>
           <a:p>
             <a:r>
-              <a:rPr lang="ru-RU" sz="2800" dirty="0" smtClean="0"/>
+              <a:rPr lang="ru-RU" sz="2800" dirty="0"/>
               <a:t>инвертор</a:t>
             </a:r>
-            <a:endParaRPr lang="ru-RU" sz="2800" dirty="0"/>
           </a:p>
         </p:txBody>
       </p:sp>
@@ -4616,7 +11329,7 @@
           </a:lstStyle>
           <a:p>
             <a:r>
-              <a:rPr lang="ru-RU" sz="2800" dirty="0" err="1" smtClean="0"/>
+              <a:rPr lang="ru-RU" sz="2800" dirty="0" err="1"/>
               <a:t>конъюнктор</a:t>
             </a:r>
             <a:endParaRPr lang="ru-RU" sz="2800" dirty="0"/>
@@ -4704,7 +11417,7 @@
               </a:spcBef>
             </a:pPr>
             <a:r>
-              <a:rPr lang="ru-RU" sz="2400" dirty="0" smtClean="0">
+              <a:rPr lang="ru-RU" sz="2400" dirty="0">
                 <a:solidFill>
                   <a:srgbClr val="77F531"/>
                 </a:solidFill>
@@ -4715,7 +11428,7 @@
               <a:t>инверсный </a:t>
             </a:r>
             <a:r>
-              <a:rPr lang="ru-RU" sz="2400" dirty="0" err="1" smtClean="0">
+              <a:rPr lang="ru-RU" sz="2400" dirty="0" err="1">
                 <a:solidFill>
                   <a:srgbClr val="77F531"/>
                 </a:solidFill>
@@ -4766,7 +11479,7 @@
               </a:spcBef>
             </a:pPr>
             <a:r>
-              <a:rPr lang="ru-RU" sz="2400" dirty="0" smtClean="0">
+              <a:rPr lang="ru-RU" sz="2400" dirty="0">
                 <a:solidFill>
                   <a:srgbClr val="77F531"/>
                 </a:solidFill>
@@ -4777,7 +11490,7 @@
               <a:t>инверсный </a:t>
             </a:r>
             <a:r>
-              <a:rPr lang="ru-RU" sz="2400" dirty="0" err="1" smtClean="0">
+              <a:rPr lang="ru-RU" sz="2400" dirty="0" err="1">
                 <a:solidFill>
                   <a:srgbClr val="77F531"/>
                 </a:solidFill>
@@ -4828,7 +11541,7 @@
               </a:spcBef>
             </a:pPr>
             <a:r>
-              <a:rPr lang="ru-RU" sz="2400" dirty="0" smtClean="0">
+              <a:rPr lang="ru-RU" sz="2400" dirty="0">
                 <a:solidFill>
                   <a:srgbClr val="77F531"/>
                 </a:solidFill>
@@ -4838,14 +11551,6 @@
               </a:rPr>
               <a:t>сумматор по модулю 2</a:t>
             </a:r>
-            <a:endParaRPr lang="ru-RU" sz="2400" dirty="0">
-              <a:solidFill>
-                <a:srgbClr val="77F531"/>
-              </a:solidFill>
-              <a:latin typeface="RodchenkoCTT" pitchFamily="2" charset="0"/>
-              <a:ea typeface="+mj-ea"/>
-              <a:cs typeface="Courier New" panose="02070309020205020404" pitchFamily="49" charset="0"/>
-            </a:endParaRPr>
           </a:p>
         </p:txBody>
       </p:sp>
@@ -4879,7 +11584,7 @@
               </a:spcBef>
             </a:pPr>
             <a:r>
-              <a:rPr lang="ru-RU" sz="2400" dirty="0" smtClean="0">
+              <a:rPr lang="ru-RU" sz="2400" dirty="0">
                 <a:solidFill>
                   <a:srgbClr val="77F531"/>
                 </a:solidFill>
@@ -4889,14 +11594,6 @@
               </a:rPr>
               <a:t>инверсный сумматор по модулю 2</a:t>
             </a:r>
-            <a:endParaRPr lang="ru-RU" sz="2400" dirty="0">
-              <a:solidFill>
-                <a:srgbClr val="77F531"/>
-              </a:solidFill>
-              <a:latin typeface="RodchenkoCTT" pitchFamily="2" charset="0"/>
-              <a:ea typeface="+mj-ea"/>
-              <a:cs typeface="Courier New" panose="02070309020205020404" pitchFamily="49" charset="0"/>
-            </a:endParaRPr>
           </a:p>
         </p:txBody>
       </p:sp>
@@ -4910,13 +11607,6 @@
   <p:clrMapOvr>
     <a:masterClrMapping/>
   </p:clrMapOvr>
-  <p:timing>
-    <p:tnLst>
-      <p:par>
-        <p:cTn id="1" dur="indefinite" restart="never" nodeType="tmRoot"/>
-      </p:par>
-    </p:tnLst>
-  </p:timing>
 </p:sld>
 </file>
 
@@ -5036,7 +11726,7 @@
           <a:p>
             <a:pPr algn="ctr"/>
             <a:r>
-              <a:rPr lang="ru-RU" sz="4400" dirty="0" smtClean="0">
+              <a:rPr lang="ru-RU" sz="4400" dirty="0">
                 <a:solidFill>
                   <a:srgbClr val="77F531"/>
                 </a:solidFill>
@@ -5045,13 +11735,6 @@
               </a:rPr>
               <a:t>ДРУГИЕ ЭЛЕМЕНТЫ</a:t>
             </a:r>
-            <a:endParaRPr lang="ru-RU" sz="4400" dirty="0">
-              <a:solidFill>
-                <a:srgbClr val="77F531"/>
-              </a:solidFill>
-              <a:latin typeface="RodchenkoCTT" pitchFamily="2" charset="0"/>
-              <a:cs typeface="Courier New" panose="02070309020205020404" pitchFamily="49" charset="0"/>
-            </a:endParaRPr>
           </a:p>
         </p:txBody>
       </p:sp>
@@ -5106,7 +11789,7 @@
               <a:buAutoNum type="arabicParenR"/>
             </a:pPr>
             <a:r>
-              <a:rPr lang="ru-RU" sz="4400" dirty="0" smtClean="0">
+              <a:rPr lang="ru-RU" sz="4400" dirty="0">
                 <a:solidFill>
                   <a:srgbClr val="77F531"/>
                 </a:solidFill>
@@ -5121,7 +11804,7 @@
               <a:buAutoNum type="arabicParenR"/>
             </a:pPr>
             <a:r>
-              <a:rPr lang="ru-RU" sz="4400" dirty="0" smtClean="0">
+              <a:rPr lang="ru-RU" sz="4400" dirty="0">
                 <a:solidFill>
                   <a:srgbClr val="77F531"/>
                 </a:solidFill>
@@ -5137,7 +11820,7 @@
               <a:buAutoNum type="arabicParenR"/>
             </a:pPr>
             <a:r>
-              <a:rPr lang="ru-RU" sz="4400" dirty="0" smtClean="0">
+              <a:rPr lang="ru-RU" sz="4400" dirty="0">
                 <a:solidFill>
                   <a:srgbClr val="77F531"/>
                 </a:solidFill>
@@ -5147,7 +11830,7 @@
               <a:t>Кнопки </a:t>
             </a:r>
             <a:r>
-              <a:rPr lang="en-US" sz="4400" dirty="0" smtClean="0">
+              <a:rPr lang="en-US" sz="4400" dirty="0">
                 <a:solidFill>
                   <a:srgbClr val="77F531"/>
                 </a:solidFill>
@@ -5157,7 +11840,7 @@
               <a:t>“</a:t>
             </a:r>
             <a:r>
-              <a:rPr lang="ru-RU" sz="4400" dirty="0" smtClean="0">
+              <a:rPr lang="ru-RU" sz="4400" dirty="0">
                 <a:solidFill>
                   <a:srgbClr val="77F531"/>
                 </a:solidFill>
@@ -5167,7 +11850,7 @@
               <a:t>Назад</a:t>
             </a:r>
             <a:r>
-              <a:rPr lang="en-US" sz="4400" dirty="0" smtClean="0">
+              <a:rPr lang="en-US" sz="4400" dirty="0">
                 <a:solidFill>
                   <a:srgbClr val="77F531"/>
                 </a:solidFill>
@@ -5177,7 +11860,7 @@
               <a:t>”</a:t>
             </a:r>
             <a:r>
-              <a:rPr lang="ru-RU" sz="4400" dirty="0" smtClean="0">
+              <a:rPr lang="ru-RU" sz="4400" dirty="0">
                 <a:solidFill>
                   <a:srgbClr val="77F531"/>
                 </a:solidFill>
@@ -5187,7 +11870,7 @@
               <a:t>, </a:t>
             </a:r>
             <a:r>
-              <a:rPr lang="en-US" sz="4400" dirty="0" smtClean="0">
+              <a:rPr lang="en-US" sz="4400" dirty="0">
                 <a:solidFill>
                   <a:srgbClr val="77F531"/>
                 </a:solidFill>
@@ -5197,7 +11880,7 @@
               <a:t>“</a:t>
             </a:r>
             <a:r>
-              <a:rPr lang="ru-RU" sz="4400" dirty="0" smtClean="0">
+              <a:rPr lang="ru-RU" sz="4400" dirty="0">
                 <a:solidFill>
                   <a:srgbClr val="77F531"/>
                 </a:solidFill>
@@ -5207,7 +11890,7 @@
               <a:t>Сохранить</a:t>
             </a:r>
             <a:r>
-              <a:rPr lang="en-US" sz="4400" dirty="0" smtClean="0">
+              <a:rPr lang="en-US" sz="4400" dirty="0">
                 <a:solidFill>
                   <a:srgbClr val="77F531"/>
                 </a:solidFill>
@@ -5217,7 +11900,7 @@
               <a:t>”</a:t>
             </a:r>
             <a:r>
-              <a:rPr lang="ru-RU" sz="4400" dirty="0" smtClean="0">
+              <a:rPr lang="ru-RU" sz="4400" dirty="0">
                 <a:solidFill>
                   <a:srgbClr val="77F531"/>
                 </a:solidFill>
@@ -5227,7 +11910,7 @@
               <a:t>, </a:t>
             </a:r>
             <a:r>
-              <a:rPr lang="en-US" sz="4400" dirty="0" smtClean="0">
+              <a:rPr lang="en-US" sz="4400" dirty="0">
                 <a:solidFill>
                   <a:srgbClr val="77F531"/>
                 </a:solidFill>
@@ -5237,7 +11920,7 @@
               <a:t>“</a:t>
             </a:r>
             <a:r>
-              <a:rPr lang="ru-RU" sz="4400" dirty="0" smtClean="0">
+              <a:rPr lang="ru-RU" sz="4400" dirty="0">
                 <a:solidFill>
                   <a:srgbClr val="77F531"/>
                 </a:solidFill>
@@ -5247,7 +11930,7 @@
               <a:t>Проверить</a:t>
             </a:r>
             <a:r>
-              <a:rPr lang="en-US" sz="4400" dirty="0" smtClean="0">
+              <a:rPr lang="en-US" sz="4400" dirty="0">
                 <a:solidFill>
                   <a:srgbClr val="77F531"/>
                 </a:solidFill>
@@ -5264,47 +11947,7 @@
                 <a:latin typeface="RodchenkoCTT" pitchFamily="2" charset="0"/>
                 <a:cs typeface="Courier New" panose="02070309020205020404" pitchFamily="49" charset="0"/>
               </a:rPr>
-              <a:t> </a:t>
-            </a:r>
-            <a:r>
-              <a:rPr lang="ru-RU" sz="4400" smtClean="0">
-                <a:solidFill>
-                  <a:srgbClr val="77F531"/>
-                </a:solidFill>
-                <a:latin typeface="RodchenkoCTT" pitchFamily="2" charset="0"/>
-                <a:cs typeface="Courier New" panose="02070309020205020404" pitchFamily="49" charset="0"/>
-              </a:rPr>
-              <a:t>(</a:t>
-            </a:r>
-            <a:r>
-              <a:rPr lang="ru-RU" sz="4400">
-                <a:solidFill>
-                  <a:srgbClr val="77F531"/>
-                </a:solidFill>
-                <a:latin typeface="RodchenkoCTT" pitchFamily="2" charset="0"/>
-                <a:cs typeface="Courier New" panose="02070309020205020404" pitchFamily="49" charset="0"/>
-              </a:rPr>
-              <a:t>левая </a:t>
-            </a:r>
-            <a:r>
-              <a:rPr lang="ru-RU" sz="4400">
-                <a:solidFill>
-                  <a:srgbClr val="77F531"/>
-                </a:solidFill>
-                <a:latin typeface="RodchenkoCTT" pitchFamily="2" charset="0"/>
-                <a:cs typeface="Courier New" panose="02070309020205020404" pitchFamily="49" charset="0"/>
-              </a:rPr>
-              <a:t>панель</a:t>
-            </a:r>
-            <a:r>
-              <a:rPr lang="ru-RU" sz="4400" smtClean="0">
-                <a:solidFill>
-                  <a:srgbClr val="77F531"/>
-                </a:solidFill>
-                <a:latin typeface="RodchenkoCTT" pitchFamily="2" charset="0"/>
-                <a:cs typeface="Courier New" panose="02070309020205020404" pitchFamily="49" charset="0"/>
-              </a:rPr>
-              <a:t>)</a:t>
+              <a:t> (левая панель)</a:t>
             </a:r>
           </a:p>
           <a:p>
@@ -5337,7 +11980,7 @@
             <a:pPr marL="742950" indent="-742950" algn="just">
               <a:buAutoNum type="arabicParenR"/>
             </a:pPr>
-            <a:endParaRPr lang="ru-RU" sz="4400" dirty="0" smtClean="0">
+            <a:endParaRPr lang="ru-RU" sz="4400" dirty="0">
               <a:solidFill>
                 <a:srgbClr val="77F531"/>
               </a:solidFill>
@@ -5369,13 +12012,6 @@
   <p:clrMapOvr>
     <a:overrideClrMapping bg1="lt1" tx1="dk1" bg2="lt2" tx2="dk2" accent1="accent1" accent2="accent2" accent3="accent3" accent4="accent4" accent5="accent5" accent6="accent6" hlink="hlink" folHlink="folHlink"/>
   </p:clrMapOvr>
-  <p:timing>
-    <p:tnLst>
-      <p:par>
-        <p:cTn id="1" dur="indefinite" restart="never" nodeType="tmRoot"/>
-      </p:par>
-    </p:tnLst>
-  </p:timing>
 </p:sld>
 </file>
 
@@ -5495,7 +12131,7 @@
           <a:p>
             <a:pPr algn="ctr"/>
             <a:r>
-              <a:rPr lang="ru-RU" sz="4400" dirty="0" smtClean="0">
+              <a:rPr lang="ru-RU" sz="4400" dirty="0">
                 <a:solidFill>
                   <a:srgbClr val="77F531"/>
                 </a:solidFill>
@@ -5504,13 +12140,6 @@
               </a:rPr>
               <a:t>ПОДСЧЁТ ОЧКОВ</a:t>
             </a:r>
-            <a:endParaRPr lang="ru-RU" sz="4400" dirty="0">
-              <a:solidFill>
-                <a:srgbClr val="77F531"/>
-              </a:solidFill>
-              <a:latin typeface="RodchenkoCTT" pitchFamily="2" charset="0"/>
-              <a:cs typeface="Courier New" panose="02070309020205020404" pitchFamily="49" charset="0"/>
-            </a:endParaRPr>
           </a:p>
         </p:txBody>
       </p:sp>
@@ -5563,7 +12192,7 @@
           <a:p>
             <a:pPr algn="just"/>
             <a:r>
-              <a:rPr lang="ru-RU" sz="4400" dirty="0" smtClean="0">
+              <a:rPr lang="ru-RU" sz="4400" dirty="0">
                 <a:solidFill>
                   <a:srgbClr val="77F531"/>
                 </a:solidFill>
@@ -5578,7 +12207,7 @@
               <a:buAutoNum type="arabicParenR"/>
             </a:pPr>
             <a:r>
-              <a:rPr lang="ru-RU" sz="4400" dirty="0" smtClean="0">
+              <a:rPr lang="ru-RU" sz="4400" dirty="0">
                 <a:solidFill>
                   <a:srgbClr val="77F531"/>
                 </a:solidFill>
@@ -5593,7 +12222,7 @@
               <a:buAutoNum type="arabicParenR"/>
             </a:pPr>
             <a:r>
-              <a:rPr lang="ru-RU" sz="4400" dirty="0" smtClean="0">
+              <a:rPr lang="ru-RU" sz="4400" dirty="0">
                 <a:solidFill>
                   <a:srgbClr val="77F531"/>
                 </a:solidFill>
@@ -5602,13 +12231,6 @@
               </a:rPr>
               <a:t>Максимальное количество пройденных тестов. Вычисляется процент пройденных тестов от общего количества, а потом применяется к максимальному количеству очков. Результат этих вычислений (с округлением в пользу игрока) – это текущие очки за уровень.</a:t>
             </a:r>
-            <a:endParaRPr lang="ru-RU" sz="4400" dirty="0">
-              <a:solidFill>
-                <a:srgbClr val="77F531"/>
-              </a:solidFill>
-              <a:latin typeface="RodchenkoCTT" pitchFamily="2" charset="0"/>
-              <a:cs typeface="Courier New" panose="02070309020205020404" pitchFamily="49" charset="0"/>
-            </a:endParaRPr>
           </a:p>
         </p:txBody>
       </p:sp>
@@ -5622,13 +12244,6 @@
   <p:clrMapOvr>
     <a:overrideClrMapping bg1="lt1" tx1="dk1" bg2="lt2" tx2="dk2" accent1="accent1" accent2="accent2" accent3="accent3" accent4="accent4" accent5="accent5" accent6="accent6" hlink="hlink" folHlink="folHlink"/>
   </p:clrMapOvr>
-  <p:timing>
-    <p:tnLst>
-      <p:par>
-        <p:cTn id="1" dur="indefinite" restart="never" nodeType="tmRoot"/>
-      </p:par>
-    </p:tnLst>
-  </p:timing>
 </p:sld>
 </file>
 
@@ -5748,7 +12363,7 @@
           <a:p>
             <a:pPr algn="ctr"/>
             <a:r>
-              <a:rPr lang="ru-RU" sz="4400" dirty="0" smtClean="0">
+              <a:rPr lang="ru-RU" sz="4400" dirty="0">
                 <a:solidFill>
                   <a:srgbClr val="77F531"/>
                 </a:solidFill>
@@ -5757,13 +12372,6 @@
               </a:rPr>
               <a:t>ПЕСОЧНИЦА</a:t>
             </a:r>
-            <a:endParaRPr lang="ru-RU" sz="4400" dirty="0">
-              <a:solidFill>
-                <a:srgbClr val="77F531"/>
-              </a:solidFill>
-              <a:latin typeface="RodchenkoCTT" pitchFamily="2" charset="0"/>
-              <a:cs typeface="Courier New" panose="02070309020205020404" pitchFamily="49" charset="0"/>
-            </a:endParaRPr>
           </a:p>
         </p:txBody>
       </p:sp>
@@ -5816,7 +12424,7 @@
           <a:p>
             <a:pPr algn="just"/>
             <a:r>
-              <a:rPr lang="ru-RU" sz="4400" dirty="0" smtClean="0">
+              <a:rPr lang="ru-RU" sz="4400" dirty="0">
                 <a:solidFill>
                   <a:srgbClr val="77F531"/>
                 </a:solidFill>
@@ -5826,7 +12434,7 @@
               <a:t>Песочница (</a:t>
             </a:r>
             <a:r>
-              <a:rPr lang="en-US" sz="4400" dirty="0" smtClean="0">
+              <a:rPr lang="en-US" sz="4400" dirty="0">
                 <a:solidFill>
                   <a:srgbClr val="77F531"/>
                 </a:solidFill>
@@ -5836,7 +12444,7 @@
               <a:t>sandbox, </a:t>
             </a:r>
             <a:r>
-              <a:rPr lang="ru-RU" sz="4400" dirty="0" smtClean="0">
+              <a:rPr lang="ru-RU" sz="4400" dirty="0">
                 <a:solidFill>
                   <a:srgbClr val="77F531"/>
                 </a:solidFill>
@@ -5845,13 +12453,6 @@
               </a:rPr>
               <a:t>иначе - конструктор) – создана для того, что бы пользователь мог создавать свои собственные блоки из базовых.   </a:t>
             </a:r>
-            <a:endParaRPr lang="ru-RU" sz="4400" dirty="0">
-              <a:solidFill>
-                <a:srgbClr val="77F531"/>
-              </a:solidFill>
-              <a:latin typeface="RodchenkoCTT" pitchFamily="2" charset="0"/>
-              <a:cs typeface="Courier New" panose="02070309020205020404" pitchFamily="49" charset="0"/>
-            </a:endParaRPr>
           </a:p>
         </p:txBody>
       </p:sp>
@@ -5865,13 +12466,6 @@
   <p:clrMapOvr>
     <a:overrideClrMapping bg1="lt1" tx1="dk1" bg2="lt2" tx2="dk2" accent1="accent1" accent2="accent2" accent3="accent3" accent4="accent4" accent5="accent5" accent6="accent6" hlink="hlink" folHlink="folHlink"/>
   </p:clrMapOvr>
-  <p:timing>
-    <p:tnLst>
-      <p:par>
-        <p:cTn id="1" dur="indefinite" restart="never" nodeType="tmRoot"/>
-      </p:par>
-    </p:tnLst>
-  </p:timing>
 </p:sld>
 </file>
 
@@ -5892,12 +12486,108 @@
           <a:chExt cx="0" cy="0"/>
         </a:xfrm>
       </p:grpSpPr>
+      <p:pic>
+        <p:nvPicPr>
+          <p:cNvPr id="5" name="Рисунок 4">
+            <a:extLst>
+              <a:ext uri="{FF2B5EF4-FFF2-40B4-BE49-F238E27FC236}">
+                <a16:creationId xmlns:a16="http://schemas.microsoft.com/office/drawing/2014/main" id="{73447839-84A2-43C8-BDE2-D6B27D9EB0AD}"/>
+              </a:ext>
+            </a:extLst>
+          </p:cNvPr>
+          <p:cNvPicPr>
+            <a:picLocks noChangeAspect="1"/>
+          </p:cNvPicPr>
+          <p:nvPr/>
+        </p:nvPicPr>
+        <p:blipFill rotWithShape="1">
+          <a:blip r:embed="rId2">
+            <a:extLst>
+              <a:ext uri="{28A0092B-C50C-407E-A947-70E740481C1C}">
+                <a14:useLocalDpi xmlns:a14="http://schemas.microsoft.com/office/drawing/2010/main" val="0"/>
+              </a:ext>
+            </a:extLst>
+          </a:blip>
+          <a:srcRect l="8698" t="5123" r="11628" b="4507"/>
+          <a:stretch/>
+        </p:blipFill>
+        <p:spPr>
+          <a:xfrm>
+            <a:off x="0" y="0"/>
+            <a:ext cx="12239622" cy="6840537"/>
+          </a:xfrm>
+          <a:prstGeom prst="rect">
+            <a:avLst/>
+          </a:prstGeom>
+        </p:spPr>
+      </p:pic>
       <p:sp>
         <p:nvSpPr>
-          <p:cNvPr id="2" name="Заголовок 1">
+          <p:cNvPr id="6" name="Прямоугольник 5">
             <a:extLst>
               <a:ext uri="{FF2B5EF4-FFF2-40B4-BE49-F238E27FC236}">
-                <a16:creationId xmlns:a16="http://schemas.microsoft.com/office/drawing/2014/main" id="{6D8728E5-634E-46B1-9637-28E8C9DBD738}"/>
+                <a16:creationId xmlns:a16="http://schemas.microsoft.com/office/drawing/2014/main" id="{7DB59E56-82C1-4295-B6B3-DA24EFAA8613}"/>
+              </a:ext>
+            </a:extLst>
+          </p:cNvPr>
+          <p:cNvSpPr/>
+          <p:nvPr/>
+        </p:nvSpPr>
+        <p:spPr>
+          <a:xfrm>
+            <a:off x="539811" y="540269"/>
+            <a:ext cx="11160000" cy="5760000"/>
+          </a:xfrm>
+          <a:prstGeom prst="rect">
+            <a:avLst/>
+          </a:prstGeom>
+          <a:solidFill>
+            <a:schemeClr val="tx1"/>
+          </a:solidFill>
+          <a:ln w="63500">
+            <a:solidFill>
+              <a:schemeClr val="accent6">
+                <a:lumMod val="75000"/>
+              </a:schemeClr>
+            </a:solidFill>
+          </a:ln>
+        </p:spPr>
+        <p:style>
+          <a:lnRef idx="2">
+            <a:schemeClr val="accent1">
+              <a:shade val="50000"/>
+            </a:schemeClr>
+          </a:lnRef>
+          <a:fillRef idx="1">
+            <a:schemeClr val="accent1"/>
+          </a:fillRef>
+          <a:effectRef idx="0">
+            <a:schemeClr val="accent1"/>
+          </a:effectRef>
+          <a:fontRef idx="minor">
+            <a:schemeClr val="lt1"/>
+          </a:fontRef>
+        </p:style>
+        <p:txBody>
+          <a:bodyPr rot="0" spcFirstLastPara="0" vertOverflow="overflow" horzOverflow="overflow" vert="horz" wrap="square" lIns="91797" tIns="45899" rIns="91797" bIns="45899" numCol="1" spcCol="0" rtlCol="0" fromWordArt="0" anchor="ctr" anchorCtr="0" forceAA="0" compatLnSpc="1">
+            <a:prstTxWarp prst="textNoShape">
+              <a:avLst/>
+            </a:prstTxWarp>
+            <a:noAutofit/>
+          </a:bodyPr>
+          <a:lstStyle/>
+          <a:p>
+            <a:pPr algn="ctr"/>
+            <a:endParaRPr lang="ru-RU" sz="1807" dirty="0"/>
+          </a:p>
+        </p:txBody>
+      </p:sp>
+      <p:sp>
+        <p:nvSpPr>
+          <p:cNvPr id="7" name="Заголовок 1">
+            <a:extLst>
+              <a:ext uri="{FF2B5EF4-FFF2-40B4-BE49-F238E27FC236}">
+                <a16:creationId xmlns:a16="http://schemas.microsoft.com/office/drawing/2014/main" id="{EE4F905B-142E-4D5A-B85D-46ABA8620ACE}"/>
               </a:ext>
             </a:extLst>
           </p:cNvPr>
@@ -5910,8 +12600,8 @@
         </p:nvSpPr>
         <p:spPr>
           <a:xfrm>
-            <a:off x="4694541" y="-22125"/>
-            <a:ext cx="2850545" cy="1330741"/>
+            <a:off x="4694538" y="540270"/>
+            <a:ext cx="2850545" cy="879456"/>
           </a:xfrm>
         </p:spPr>
         <p:txBody>
@@ -5921,12 +12611,191 @@
           <a:lstStyle/>
           <a:p>
             <a:r>
-              <a:rPr lang="ru-RU" dirty="0"/>
+              <a:rPr lang="ru-RU" dirty="0">
+                <a:solidFill>
+                  <a:srgbClr val="5ECA8C"/>
+                </a:solidFill>
+                <a:latin typeface="RodchenkoCTT" pitchFamily="2" charset="0"/>
+              </a:rPr>
               <a:t>Обучение</a:t>
             </a:r>
           </a:p>
         </p:txBody>
       </p:sp>
+      <p:grpSp>
+        <p:nvGrpSpPr>
+          <p:cNvPr id="8" name="Группа 7">
+            <a:extLst>
+              <a:ext uri="{FF2B5EF4-FFF2-40B4-BE49-F238E27FC236}">
+                <a16:creationId xmlns:a16="http://schemas.microsoft.com/office/drawing/2014/main" id="{74602885-AE40-4F36-84CD-CF2445E28584}"/>
+              </a:ext>
+            </a:extLst>
+          </p:cNvPr>
+          <p:cNvGrpSpPr/>
+          <p:nvPr/>
+        </p:nvGrpSpPr>
+        <p:grpSpPr>
+          <a:xfrm>
+            <a:off x="3104443" y="1579803"/>
+            <a:ext cx="5837853" cy="3574646"/>
+            <a:chOff x="3104443" y="1579803"/>
+            <a:chExt cx="5837853" cy="3574646"/>
+          </a:xfrm>
+        </p:grpSpPr>
+        <p:pic>
+          <p:nvPicPr>
+            <p:cNvPr id="9" name="Рисунок 8">
+              <a:extLst>
+                <a:ext uri="{FF2B5EF4-FFF2-40B4-BE49-F238E27FC236}">
+                  <a16:creationId xmlns:a16="http://schemas.microsoft.com/office/drawing/2014/main" id="{8B40C3D9-4DF8-415E-8C53-4DC7C608A14A}"/>
+                </a:ext>
+              </a:extLst>
+            </p:cNvPr>
+            <p:cNvPicPr>
+              <a:picLocks noChangeAspect="1"/>
+            </p:cNvPicPr>
+            <p:nvPr/>
+          </p:nvPicPr>
+          <p:blipFill>
+            <a:blip r:embed="rId3"/>
+            <a:stretch>
+              <a:fillRect/>
+            </a:stretch>
+          </p:blipFill>
+          <p:spPr>
+            <a:xfrm>
+              <a:off x="3104443" y="2005051"/>
+              <a:ext cx="1914525" cy="2724150"/>
+            </a:xfrm>
+            <a:prstGeom prst="rect">
+              <a:avLst/>
+            </a:prstGeom>
+          </p:spPr>
+        </p:pic>
+        <p:pic>
+          <p:nvPicPr>
+            <p:cNvPr id="10" name="Рисунок 9">
+              <a:extLst>
+                <a:ext uri="{FF2B5EF4-FFF2-40B4-BE49-F238E27FC236}">
+                  <a16:creationId xmlns:a16="http://schemas.microsoft.com/office/drawing/2014/main" id="{20F6E3E0-9F3A-47C9-AB1A-C2B4B352CDA5}"/>
+                </a:ext>
+              </a:extLst>
+            </p:cNvPr>
+            <p:cNvPicPr>
+              <a:picLocks noChangeAspect="1"/>
+            </p:cNvPicPr>
+            <p:nvPr/>
+          </p:nvPicPr>
+          <p:blipFill>
+            <a:blip r:embed="rId4"/>
+            <a:stretch>
+              <a:fillRect/>
+            </a:stretch>
+          </p:blipFill>
+          <p:spPr>
+            <a:xfrm>
+              <a:off x="7220658" y="1579803"/>
+              <a:ext cx="1721638" cy="3574646"/>
+            </a:xfrm>
+            <a:prstGeom prst="rect">
+              <a:avLst/>
+            </a:prstGeom>
+          </p:spPr>
+        </p:pic>
+        <p:sp>
+          <p:nvSpPr>
+            <p:cNvPr id="11" name="TextBox 10">
+              <a:extLst>
+                <a:ext uri="{FF2B5EF4-FFF2-40B4-BE49-F238E27FC236}">
+                  <a16:creationId xmlns:a16="http://schemas.microsoft.com/office/drawing/2014/main" id="{AD9A20AA-E3D3-44B2-B018-6A4063948BB7}"/>
+                </a:ext>
+              </a:extLst>
+            </p:cNvPr>
+            <p:cNvSpPr txBox="1"/>
+            <p:nvPr/>
+          </p:nvSpPr>
+          <p:spPr>
+            <a:xfrm>
+              <a:off x="5742748" y="2770095"/>
+              <a:ext cx="1169039" cy="1015663"/>
+            </a:xfrm>
+            <a:prstGeom prst="rect">
+              <a:avLst/>
+            </a:prstGeom>
+            <a:noFill/>
+          </p:spPr>
+          <p:txBody>
+            <a:bodyPr wrap="square" rtlCol="0">
+              <a:spAutoFit/>
+            </a:bodyPr>
+            <a:lstStyle/>
+            <a:p>
+              <a:r>
+                <a:rPr lang="en-US" sz="6000" dirty="0">
+                  <a:solidFill>
+                    <a:srgbClr val="5ECA8C"/>
+                  </a:solidFill>
+                  <a:latin typeface="RodchenkoCTT" pitchFamily="2" charset="0"/>
+                </a:rPr>
+                <a:t>VS</a:t>
+              </a:r>
+              <a:endParaRPr lang="ru-RU" sz="6000" dirty="0">
+                <a:solidFill>
+                  <a:srgbClr val="5ECA8C"/>
+                </a:solidFill>
+                <a:latin typeface="RodchenkoCTT" pitchFamily="2" charset="0"/>
+              </a:endParaRPr>
+            </a:p>
+          </p:txBody>
+        </p:sp>
+      </p:grpSp>
+      <p:pic>
+        <p:nvPicPr>
+          <p:cNvPr id="12" name="Picture 2" descr="[animate output image]">
+            <a:extLst>
+              <a:ext uri="{FF2B5EF4-FFF2-40B4-BE49-F238E27FC236}">
+                <a16:creationId xmlns:a16="http://schemas.microsoft.com/office/drawing/2014/main" id="{248D79AE-79C5-4F11-ABC4-25853B64FE29}"/>
+              </a:ext>
+            </a:extLst>
+          </p:cNvPr>
+          <p:cNvPicPr>
+            <a:picLocks noChangeAspect="1" noChangeArrowheads="1" noCrop="1"/>
+          </p:cNvPicPr>
+          <p:nvPr/>
+        </p:nvPicPr>
+        <p:blipFill>
+          <a:blip r:embed="rId5">
+            <a:extLst>
+              <a:ext uri="{28A0092B-C50C-407E-A947-70E740481C1C}">
+                <a14:useLocalDpi xmlns:a14="http://schemas.microsoft.com/office/drawing/2010/main" val="0"/>
+              </a:ext>
+            </a:extLst>
+          </a:blip>
+          <a:srcRect/>
+          <a:stretch>
+            <a:fillRect/>
+          </a:stretch>
+        </p:blipFill>
+        <p:spPr bwMode="auto">
+          <a:xfrm rot="16200000">
+            <a:off x="5246195" y="3671360"/>
+            <a:ext cx="2055999" cy="2055999"/>
+          </a:xfrm>
+          <a:prstGeom prst="rect">
+            <a:avLst/>
+          </a:prstGeom>
+          <a:noFill/>
+          <a:extLst>
+            <a:ext uri="{909E8E84-426E-40DD-AFC4-6F175D3DCCD1}">
+              <a14:hiddenFill xmlns:a14="http://schemas.microsoft.com/office/drawing/2010/main">
+                <a:solidFill>
+                  <a:srgbClr val="FFFFFF"/>
+                </a:solidFill>
+              </a14:hiddenFill>
+            </a:ext>
+          </a:extLst>
+        </p:spPr>
+      </p:pic>
     </p:spTree>
     <p:extLst>
       <p:ext uri="{BB962C8B-B14F-4D97-AF65-F5344CB8AC3E}">
@@ -5940,7 +12809,83 @@
   <p:timing>
     <p:tnLst>
       <p:par>
-        <p:cTn id="1" dur="indefinite" restart="never" nodeType="tmRoot"/>
+        <p:cTn id="1" dur="indefinite" restart="never" nodeType="tmRoot">
+          <p:childTnLst>
+            <p:seq concurrent="1" nextAc="seek">
+              <p:cTn id="2" dur="indefinite" nodeType="mainSeq">
+                <p:childTnLst>
+                  <p:par>
+                    <p:cTn id="3" fill="hold">
+                      <p:stCondLst>
+                        <p:cond delay="indefinite"/>
+                      </p:stCondLst>
+                      <p:childTnLst>
+                        <p:par>
+                          <p:cTn id="4" fill="hold">
+                            <p:stCondLst>
+                              <p:cond delay="0"/>
+                            </p:stCondLst>
+                            <p:childTnLst>
+                              <p:par>
+                                <p:cTn id="5" presetID="10" presetClass="entr" presetSubtype="0" fill="hold" nodeType="clickEffect">
+                                  <p:stCondLst>
+                                    <p:cond delay="0"/>
+                                  </p:stCondLst>
+                                  <p:childTnLst>
+                                    <p:set>
+                                      <p:cBhvr>
+                                        <p:cTn id="6" dur="1" fill="hold">
+                                          <p:stCondLst>
+                                            <p:cond delay="0"/>
+                                          </p:stCondLst>
+                                        </p:cTn>
+                                        <p:tgtEl>
+                                          <p:spTgt spid="12"/>
+                                        </p:tgtEl>
+                                        <p:attrNameLst>
+                                          <p:attrName>style.visibility</p:attrName>
+                                        </p:attrNameLst>
+                                      </p:cBhvr>
+                                      <p:to>
+                                        <p:strVal val="visible"/>
+                                      </p:to>
+                                    </p:set>
+                                    <p:animEffect transition="in" filter="fade">
+                                      <p:cBhvr>
+                                        <p:cTn id="7" dur="500"/>
+                                        <p:tgtEl>
+                                          <p:spTgt spid="12"/>
+                                        </p:tgtEl>
+                                      </p:cBhvr>
+                                    </p:animEffect>
+                                  </p:childTnLst>
+                                </p:cTn>
+                              </p:par>
+                            </p:childTnLst>
+                          </p:cTn>
+                        </p:par>
+                      </p:childTnLst>
+                    </p:cTn>
+                  </p:par>
+                </p:childTnLst>
+              </p:cTn>
+              <p:prevCondLst>
+                <p:cond evt="onPrev" delay="0">
+                  <p:tgtEl>
+                    <p:sldTgt/>
+                  </p:tgtEl>
+                </p:cond>
+              </p:prevCondLst>
+              <p:nextCondLst>
+                <p:cond evt="onNext" delay="0">
+                  <p:tgtEl>
+                    <p:sldTgt/>
+                  </p:tgtEl>
+                </p:cond>
+              </p:nextCondLst>
+            </p:seq>
+          </p:childTnLst>
+        </p:cTn>
       </p:par>
     </p:tnLst>
   </p:timing>
@@ -5964,12 +12909,108 @@
           <a:chExt cx="0" cy="0"/>
         </a:xfrm>
       </p:grpSpPr>
+      <p:pic>
+        <p:nvPicPr>
+          <p:cNvPr id="5" name="Рисунок 4">
+            <a:extLst>
+              <a:ext uri="{FF2B5EF4-FFF2-40B4-BE49-F238E27FC236}">
+                <a16:creationId xmlns:a16="http://schemas.microsoft.com/office/drawing/2014/main" id="{A6895B01-2AEB-410E-B090-4F7433DD67DC}"/>
+              </a:ext>
+            </a:extLst>
+          </p:cNvPr>
+          <p:cNvPicPr>
+            <a:picLocks noChangeAspect="1"/>
+          </p:cNvPicPr>
+          <p:nvPr/>
+        </p:nvPicPr>
+        <p:blipFill rotWithShape="1">
+          <a:blip r:embed="rId2">
+            <a:extLst>
+              <a:ext uri="{28A0092B-C50C-407E-A947-70E740481C1C}">
+                <a14:useLocalDpi xmlns:a14="http://schemas.microsoft.com/office/drawing/2010/main" val="0"/>
+              </a:ext>
+            </a:extLst>
+          </a:blip>
+          <a:srcRect l="8698" t="5123" r="11628" b="4507"/>
+          <a:stretch/>
+        </p:blipFill>
+        <p:spPr>
+          <a:xfrm>
+            <a:off x="0" y="0"/>
+            <a:ext cx="12239622" cy="6840537"/>
+          </a:xfrm>
+          <a:prstGeom prst="rect">
+            <a:avLst/>
+          </a:prstGeom>
+        </p:spPr>
+      </p:pic>
       <p:sp>
         <p:nvSpPr>
-          <p:cNvPr id="2" name="Заголовок 1">
+          <p:cNvPr id="6" name="Прямоугольник 5">
             <a:extLst>
               <a:ext uri="{FF2B5EF4-FFF2-40B4-BE49-F238E27FC236}">
-                <a16:creationId xmlns:a16="http://schemas.microsoft.com/office/drawing/2014/main" id="{6D8728E5-634E-46B1-9637-28E8C9DBD738}"/>
+                <a16:creationId xmlns:a16="http://schemas.microsoft.com/office/drawing/2014/main" id="{EF38DA01-13AB-4E8A-A699-196E3014E9B1}"/>
+              </a:ext>
+            </a:extLst>
+          </p:cNvPr>
+          <p:cNvSpPr/>
+          <p:nvPr/>
+        </p:nvSpPr>
+        <p:spPr>
+          <a:xfrm>
+            <a:off x="539811" y="540269"/>
+            <a:ext cx="11160000" cy="5760000"/>
+          </a:xfrm>
+          <a:prstGeom prst="rect">
+            <a:avLst/>
+          </a:prstGeom>
+          <a:solidFill>
+            <a:schemeClr val="tx1"/>
+          </a:solidFill>
+          <a:ln w="63500">
+            <a:solidFill>
+              <a:schemeClr val="accent6">
+                <a:lumMod val="75000"/>
+              </a:schemeClr>
+            </a:solidFill>
+          </a:ln>
+        </p:spPr>
+        <p:style>
+          <a:lnRef idx="2">
+            <a:schemeClr val="accent1">
+              <a:shade val="50000"/>
+            </a:schemeClr>
+          </a:lnRef>
+          <a:fillRef idx="1">
+            <a:schemeClr val="accent1"/>
+          </a:fillRef>
+          <a:effectRef idx="0">
+            <a:schemeClr val="accent1"/>
+          </a:effectRef>
+          <a:fontRef idx="minor">
+            <a:schemeClr val="lt1"/>
+          </a:fontRef>
+        </p:style>
+        <p:txBody>
+          <a:bodyPr rot="0" spcFirstLastPara="0" vertOverflow="overflow" horzOverflow="overflow" vert="horz" wrap="square" lIns="91797" tIns="45899" rIns="91797" bIns="45899" numCol="1" spcCol="0" rtlCol="0" fromWordArt="0" anchor="ctr" anchorCtr="0" forceAA="0" compatLnSpc="1">
+            <a:prstTxWarp prst="textNoShape">
+              <a:avLst/>
+            </a:prstTxWarp>
+            <a:noAutofit/>
+          </a:bodyPr>
+          <a:lstStyle/>
+          <a:p>
+            <a:pPr algn="ctr"/>
+            <a:endParaRPr lang="ru-RU" sz="1807"/>
+          </a:p>
+        </p:txBody>
+      </p:sp>
+      <p:sp>
+        <p:nvSpPr>
+          <p:cNvPr id="7" name="Заголовок 1">
+            <a:extLst>
+              <a:ext uri="{FF2B5EF4-FFF2-40B4-BE49-F238E27FC236}">
+                <a16:creationId xmlns:a16="http://schemas.microsoft.com/office/drawing/2014/main" id="{3DF0B568-FAB0-454D-AD1D-4859A112D8B8}"/>
               </a:ext>
             </a:extLst>
           </p:cNvPr>
@@ -5982,8 +13023,8 @@
         </p:nvSpPr>
         <p:spPr>
           <a:xfrm>
-            <a:off x="3710137" y="-22125"/>
-            <a:ext cx="4819353" cy="1330741"/>
+            <a:off x="3887823" y="540269"/>
+            <a:ext cx="4463976" cy="879456"/>
           </a:xfrm>
         </p:spPr>
         <p:txBody>
@@ -5993,12 +13034,290 @@
           <a:lstStyle/>
           <a:p>
             <a:r>
-              <a:rPr lang="ru-RU" dirty="0"/>
-              <a:t>Зум/Приближение</a:t>
+              <a:rPr lang="ru-RU" sz="4000" dirty="0">
+                <a:solidFill>
+                  <a:srgbClr val="5ECA8C"/>
+                </a:solidFill>
+                <a:latin typeface="RodchenkoCTT" pitchFamily="2" charset="0"/>
+              </a:rPr>
+              <a:t>Приближение/Зум</a:t>
             </a:r>
           </a:p>
         </p:txBody>
       </p:sp>
+      <p:grpSp>
+        <p:nvGrpSpPr>
+          <p:cNvPr id="8" name="Группа 7">
+            <a:extLst>
+              <a:ext uri="{FF2B5EF4-FFF2-40B4-BE49-F238E27FC236}">
+                <a16:creationId xmlns:a16="http://schemas.microsoft.com/office/drawing/2014/main" id="{72BD0421-8295-4779-8310-4CBB2DE845A0}"/>
+              </a:ext>
+            </a:extLst>
+          </p:cNvPr>
+          <p:cNvGrpSpPr/>
+          <p:nvPr/>
+        </p:nvGrpSpPr>
+        <p:grpSpPr>
+          <a:xfrm>
+            <a:off x="778475" y="1203153"/>
+            <a:ext cx="10784017" cy="5005137"/>
+            <a:chOff x="778475" y="1203153"/>
+            <a:chExt cx="10784017" cy="5005137"/>
+          </a:xfrm>
+        </p:grpSpPr>
+        <p:pic>
+          <p:nvPicPr>
+            <p:cNvPr id="9" name="Рисунок 8">
+              <a:extLst>
+                <a:ext uri="{FF2B5EF4-FFF2-40B4-BE49-F238E27FC236}">
+                  <a16:creationId xmlns:a16="http://schemas.microsoft.com/office/drawing/2014/main" id="{207EE98E-E2F2-4C1F-B1CF-BF5AB2C2A6CD}"/>
+                </a:ext>
+              </a:extLst>
+            </p:cNvPr>
+            <p:cNvPicPr>
+              <a:picLocks noChangeAspect="1"/>
+            </p:cNvPicPr>
+            <p:nvPr/>
+          </p:nvPicPr>
+          <p:blipFill>
+            <a:blip r:embed="rId3"/>
+            <a:stretch>
+              <a:fillRect/>
+            </a:stretch>
+          </p:blipFill>
+          <p:spPr>
+            <a:xfrm>
+              <a:off x="778475" y="3162118"/>
+              <a:ext cx="896026" cy="1087215"/>
+            </a:xfrm>
+            <a:prstGeom prst="rect">
+              <a:avLst/>
+            </a:prstGeom>
+          </p:spPr>
+        </p:pic>
+        <p:pic>
+          <p:nvPicPr>
+            <p:cNvPr id="10" name="Рисунок 9">
+              <a:extLst>
+                <a:ext uri="{FF2B5EF4-FFF2-40B4-BE49-F238E27FC236}">
+                  <a16:creationId xmlns:a16="http://schemas.microsoft.com/office/drawing/2014/main" id="{2A7BD4C6-FC03-4EEA-ACC6-22D268B91519}"/>
+                </a:ext>
+              </a:extLst>
+            </p:cNvPr>
+            <p:cNvPicPr>
+              <a:picLocks noChangeAspect="1"/>
+            </p:cNvPicPr>
+            <p:nvPr/>
+          </p:nvPicPr>
+          <p:blipFill>
+            <a:blip r:embed="rId4"/>
+            <a:stretch>
+              <a:fillRect/>
+            </a:stretch>
+          </p:blipFill>
+          <p:spPr>
+            <a:xfrm>
+              <a:off x="1674501" y="2719564"/>
+              <a:ext cx="1651248" cy="1972319"/>
+            </a:xfrm>
+            <a:prstGeom prst="rect">
+              <a:avLst/>
+            </a:prstGeom>
+          </p:spPr>
+        </p:pic>
+        <p:pic>
+          <p:nvPicPr>
+            <p:cNvPr id="11" name="Рисунок 10">
+              <a:extLst>
+                <a:ext uri="{FF2B5EF4-FFF2-40B4-BE49-F238E27FC236}">
+                  <a16:creationId xmlns:a16="http://schemas.microsoft.com/office/drawing/2014/main" id="{261E3FBA-DF14-4998-A249-AC6A374004D7}"/>
+                </a:ext>
+              </a:extLst>
+            </p:cNvPr>
+            <p:cNvPicPr>
+              <a:picLocks noChangeAspect="1"/>
+            </p:cNvPicPr>
+            <p:nvPr/>
+          </p:nvPicPr>
+          <p:blipFill>
+            <a:blip r:embed="rId5"/>
+            <a:stretch>
+              <a:fillRect/>
+            </a:stretch>
+          </p:blipFill>
+          <p:spPr>
+            <a:xfrm>
+              <a:off x="3325749" y="1876275"/>
+              <a:ext cx="3065690" cy="3658895"/>
+            </a:xfrm>
+            <a:prstGeom prst="rect">
+              <a:avLst/>
+            </a:prstGeom>
+          </p:spPr>
+        </p:pic>
+        <p:pic>
+          <p:nvPicPr>
+            <p:cNvPr id="12" name="Рисунок 11">
+              <a:extLst>
+                <a:ext uri="{FF2B5EF4-FFF2-40B4-BE49-F238E27FC236}">
+                  <a16:creationId xmlns:a16="http://schemas.microsoft.com/office/drawing/2014/main" id="{5512D7AF-610B-46D7-B56E-93FD2FF211F9}"/>
+                </a:ext>
+              </a:extLst>
+            </p:cNvPr>
+            <p:cNvPicPr>
+              <a:picLocks noChangeAspect="1"/>
+            </p:cNvPicPr>
+            <p:nvPr/>
+          </p:nvPicPr>
+          <p:blipFill>
+            <a:blip r:embed="rId6"/>
+            <a:stretch>
+              <a:fillRect/>
+            </a:stretch>
+          </p:blipFill>
+          <p:spPr>
+            <a:xfrm>
+              <a:off x="6220728" y="1203153"/>
+              <a:ext cx="5341764" cy="5005137"/>
+            </a:xfrm>
+            <a:prstGeom prst="rect">
+              <a:avLst/>
+            </a:prstGeom>
+          </p:spPr>
+        </p:pic>
+        <p:cxnSp>
+          <p:nvCxnSpPr>
+            <p:cNvPr id="13" name="Прямая со стрелкой 12">
+              <a:extLst>
+                <a:ext uri="{FF2B5EF4-FFF2-40B4-BE49-F238E27FC236}">
+                  <a16:creationId xmlns:a16="http://schemas.microsoft.com/office/drawing/2014/main" id="{442A0FCA-A11B-48EA-ABD9-2D62BEFAA81A}"/>
+                </a:ext>
+              </a:extLst>
+            </p:cNvPr>
+            <p:cNvCxnSpPr>
+              <a:cxnSpLocks/>
+            </p:cNvCxnSpPr>
+            <p:nvPr/>
+          </p:nvCxnSpPr>
+          <p:spPr>
+            <a:xfrm>
+              <a:off x="1473958" y="3671248"/>
+              <a:ext cx="614150" cy="0"/>
+            </a:xfrm>
+            <a:prstGeom prst="straightConnector1">
+              <a:avLst/>
+            </a:prstGeom>
+            <a:ln w="76200">
+              <a:solidFill>
+                <a:srgbClr val="5ECA8C"/>
+              </a:solidFill>
+              <a:tailEnd type="triangle"/>
+            </a:ln>
+          </p:spPr>
+          <p:style>
+            <a:lnRef idx="1">
+              <a:schemeClr val="accent1"/>
+            </a:lnRef>
+            <a:fillRef idx="0">
+              <a:schemeClr val="accent1"/>
+            </a:fillRef>
+            <a:effectRef idx="0">
+              <a:schemeClr val="accent1"/>
+            </a:effectRef>
+            <a:fontRef idx="minor">
+              <a:schemeClr val="tx1"/>
+            </a:fontRef>
+          </p:style>
+        </p:cxnSp>
+        <p:cxnSp>
+          <p:nvCxnSpPr>
+            <p:cNvPr id="14" name="Прямая со стрелкой 13">
+              <a:extLst>
+                <a:ext uri="{FF2B5EF4-FFF2-40B4-BE49-F238E27FC236}">
+                  <a16:creationId xmlns:a16="http://schemas.microsoft.com/office/drawing/2014/main" id="{61B7F93F-029E-4521-BC15-BEB5EC089268}"/>
+                </a:ext>
+              </a:extLst>
+            </p:cNvPr>
+            <p:cNvCxnSpPr>
+              <a:cxnSpLocks/>
+            </p:cNvCxnSpPr>
+            <p:nvPr/>
+          </p:nvCxnSpPr>
+          <p:spPr>
+            <a:xfrm>
+              <a:off x="3018674" y="3671248"/>
+              <a:ext cx="869149" cy="0"/>
+            </a:xfrm>
+            <a:prstGeom prst="straightConnector1">
+              <a:avLst/>
+            </a:prstGeom>
+            <a:ln w="76200">
+              <a:solidFill>
+                <a:srgbClr val="5ECA8C"/>
+              </a:solidFill>
+              <a:tailEnd type="triangle"/>
+            </a:ln>
+          </p:spPr>
+          <p:style>
+            <a:lnRef idx="1">
+              <a:schemeClr val="accent1"/>
+            </a:lnRef>
+            <a:fillRef idx="0">
+              <a:schemeClr val="accent1"/>
+            </a:fillRef>
+            <a:effectRef idx="0">
+              <a:schemeClr val="accent1"/>
+            </a:effectRef>
+            <a:fontRef idx="minor">
+              <a:schemeClr val="tx1"/>
+            </a:fontRef>
+          </p:style>
+        </p:cxnSp>
+        <p:cxnSp>
+          <p:nvCxnSpPr>
+            <p:cNvPr id="15" name="Прямая со стрелкой 14">
+              <a:extLst>
+                <a:ext uri="{FF2B5EF4-FFF2-40B4-BE49-F238E27FC236}">
+                  <a16:creationId xmlns:a16="http://schemas.microsoft.com/office/drawing/2014/main" id="{A46A0FB7-74D9-4EAB-8FAC-6D87480D9B30}"/>
+                </a:ext>
+              </a:extLst>
+            </p:cNvPr>
+            <p:cNvCxnSpPr>
+              <a:cxnSpLocks/>
+            </p:cNvCxnSpPr>
+            <p:nvPr/>
+          </p:nvCxnSpPr>
+          <p:spPr>
+            <a:xfrm>
+              <a:off x="5505662" y="3673523"/>
+              <a:ext cx="1618469" cy="0"/>
+            </a:xfrm>
+            <a:prstGeom prst="straightConnector1">
+              <a:avLst/>
+            </a:prstGeom>
+            <a:ln w="76200">
+              <a:solidFill>
+                <a:srgbClr val="5ECA8C"/>
+              </a:solidFill>
+              <a:tailEnd type="triangle"/>
+            </a:ln>
+          </p:spPr>
+          <p:style>
+            <a:lnRef idx="1">
+              <a:schemeClr val="accent1"/>
+            </a:lnRef>
+            <a:fillRef idx="0">
+              <a:schemeClr val="accent1"/>
+            </a:fillRef>
+            <a:effectRef idx="0">
+              <a:schemeClr val="accent1"/>
+            </a:effectRef>
+            <a:fontRef idx="minor">
+              <a:schemeClr val="tx1"/>
+            </a:fontRef>
+          </p:style>
+        </p:cxnSp>
+      </p:grpSp>
     </p:spTree>
     <p:extLst>
       <p:ext uri="{BB962C8B-B14F-4D97-AF65-F5344CB8AC3E}">
@@ -6009,6 +13328,92 @@
   <p:clrMapOvr>
     <a:masterClrMapping/>
   </p:clrMapOvr>
+  <p:timing>
+    <p:tnLst>
+      <p:par>
+        <p:cTn id="1" dur="indefinite" restart="never" nodeType="tmRoot">
+          <p:childTnLst>
+            <p:seq concurrent="1" nextAc="seek">
+              <p:cTn id="2" dur="indefinite" nodeType="mainSeq">
+                <p:childTnLst>
+                  <p:par>
+                    <p:cTn id="3" fill="hold">
+                      <p:stCondLst>
+                        <p:cond delay="indefinite"/>
+                        <p:cond evt="onBegin" delay="0">
+                          <p:tn val="2"/>
+                        </p:cond>
+                      </p:stCondLst>
+                      <p:childTnLst>
+                        <p:par>
+                          <p:cTn id="4" fill="hold">
+                            <p:stCondLst>
+                              <p:cond delay="0"/>
+                            </p:stCondLst>
+                            <p:childTnLst>
+                              <p:par>
+                                <p:cTn id="5" presetID="22" presetClass="entr" presetSubtype="8" fill="hold" nodeType="withEffect">
+                                  <p:stCondLst>
+                                    <p:cond delay="0"/>
+                                  </p:stCondLst>
+                                  <p:childTnLst>
+                                    <p:set>
+                                      <p:cBhvr>
+                                        <p:cTn id="6" dur="1" fill="hold">
+                                          <p:stCondLst>
+                                            <p:cond delay="0"/>
+                                          </p:stCondLst>
+                                        </p:cTn>
+                                        <p:tgtEl>
+                                          <p:spTgt spid="8"/>
+                                        </p:tgtEl>
+                                        <p:attrNameLst>
+                                          <p:attrName>style.visibility</p:attrName>
+                                        </p:attrNameLst>
+                                      </p:cBhvr>
+                                      <p:to>
+                                        <p:strVal val="visible"/>
+                                      </p:to>
+                                    </p:set>
+                                    <p:animEffect transition="in" filter="wipe(left)">
+                                      <p:cBhvr>
+                                        <p:cTn id="7" dur="10000"/>
+                                        <p:tgtEl>
+                                          <p:spTgt spid="8"/>
+                                        </p:tgtEl>
+                                      </p:cBhvr>
+                                    </p:animEffect>
+                                  </p:childTnLst>
+                                </p:cTn>
+                              </p:par>
+                            </p:childTnLst>
+                          </p:cTn>
+                        </p:par>
+                      </p:childTnLst>
+                    </p:cTn>
+                  </p:par>
+                </p:childTnLst>
+              </p:cTn>
+              <p:prevCondLst>
+                <p:cond evt="onPrev" delay="0">
+                  <p:tgtEl>
+                    <p:sldTgt/>
+                  </p:tgtEl>
+                </p:cond>
+              </p:prevCondLst>
+              <p:nextCondLst>
+                <p:cond evt="onNext" delay="0">
+                  <p:tgtEl>
+                    <p:sldTgt/>
+                  </p:tgtEl>
+                </p:cond>
+              </p:nextCondLst>
+            </p:seq>
+          </p:childTnLst>
+        </p:cTn>
+      </p:par>
+    </p:tnLst>
+  </p:timing>
 </p:sld>
 </file>
 

--- a/presentation.pptx
+++ b/presentation.pptx
@@ -7,18 +7,19 @@
   <p:sldIdLst>
     <p:sldId id="256" r:id="rId2"/>
     <p:sldId id="257" r:id="rId3"/>
-    <p:sldId id="259" r:id="rId4"/>
-    <p:sldId id="260" r:id="rId5"/>
+    <p:sldId id="260" r:id="rId4"/>
+    <p:sldId id="274" r:id="rId5"/>
     <p:sldId id="269" r:id="rId6"/>
     <p:sldId id="270" r:id="rId7"/>
     <p:sldId id="271" r:id="rId8"/>
     <p:sldId id="266" r:id="rId9"/>
-    <p:sldId id="262" r:id="rId10"/>
-    <p:sldId id="265" r:id="rId11"/>
-    <p:sldId id="268" r:id="rId12"/>
-    <p:sldId id="272" r:id="rId13"/>
-    <p:sldId id="267" r:id="rId14"/>
-    <p:sldId id="258" r:id="rId15"/>
+    <p:sldId id="273" r:id="rId10"/>
+    <p:sldId id="262" r:id="rId11"/>
+    <p:sldId id="265" r:id="rId12"/>
+    <p:sldId id="268" r:id="rId13"/>
+    <p:sldId id="272" r:id="rId14"/>
+    <p:sldId id="267" r:id="rId15"/>
+    <p:sldId id="258" r:id="rId16"/>
   </p:sldIdLst>
   <p:sldSz cx="12239625" cy="6840538"/>
   <p:notesSz cx="6858000" cy="9144000"/>
@@ -128,8 +129,8 @@
         </p14:section>
         <p14:section name="Механики" id="{A393419E-EA50-4CCA-8D41-F0CCF1C77C8E}">
           <p14:sldIdLst>
-            <p14:sldId id="259"/>
             <p14:sldId id="260"/>
+            <p14:sldId id="274"/>
             <p14:sldId id="269"/>
             <p14:sldId id="270"/>
             <p14:sldId id="271"/>
@@ -138,6 +139,7 @@
         <p14:section name="Уровень-обучение" id="{21E96361-2ECB-4823-AA28-FD0D6A78B50F}">
           <p14:sldIdLst>
             <p14:sldId id="266"/>
+            <p14:sldId id="273"/>
           </p14:sldIdLst>
         </p14:section>
         <p14:section name="Проблемы" id="{25DADB07-96F6-40FF-A70D-0EB297D6D2FC}">
@@ -298,7 +300,7 @@
           <a:p>
             <a:fld id="{07504AD1-F626-4EEE-A1F0-4F98A55EE3A4}" type="datetimeFigureOut">
               <a:rPr lang="ru-RU" smtClean="0"/>
-              <a:t>20.01.2022</a:t>
+              <a:t>21.01.2022</a:t>
             </a:fld>
             <a:endParaRPr lang="ru-RU"/>
           </a:p>
@@ -468,7 +470,7 @@
           <a:p>
             <a:fld id="{07504AD1-F626-4EEE-A1F0-4F98A55EE3A4}" type="datetimeFigureOut">
               <a:rPr lang="ru-RU" smtClean="0"/>
-              <a:t>20.01.2022</a:t>
+              <a:t>21.01.2022</a:t>
             </a:fld>
             <a:endParaRPr lang="ru-RU"/>
           </a:p>
@@ -648,7 +650,7 @@
           <a:p>
             <a:fld id="{07504AD1-F626-4EEE-A1F0-4F98A55EE3A4}" type="datetimeFigureOut">
               <a:rPr lang="ru-RU" smtClean="0"/>
-              <a:t>20.01.2022</a:t>
+              <a:t>21.01.2022</a:t>
             </a:fld>
             <a:endParaRPr lang="ru-RU"/>
           </a:p>
@@ -818,7 +820,7 @@
           <a:p>
             <a:fld id="{07504AD1-F626-4EEE-A1F0-4F98A55EE3A4}" type="datetimeFigureOut">
               <a:rPr lang="ru-RU" smtClean="0"/>
-              <a:t>20.01.2022</a:t>
+              <a:t>21.01.2022</a:t>
             </a:fld>
             <a:endParaRPr lang="ru-RU"/>
           </a:p>
@@ -1064,7 +1066,7 @@
           <a:p>
             <a:fld id="{07504AD1-F626-4EEE-A1F0-4F98A55EE3A4}" type="datetimeFigureOut">
               <a:rPr lang="ru-RU" smtClean="0"/>
-              <a:t>20.01.2022</a:t>
+              <a:t>21.01.2022</a:t>
             </a:fld>
             <a:endParaRPr lang="ru-RU"/>
           </a:p>
@@ -1296,7 +1298,7 @@
           <a:p>
             <a:fld id="{07504AD1-F626-4EEE-A1F0-4F98A55EE3A4}" type="datetimeFigureOut">
               <a:rPr lang="ru-RU" smtClean="0"/>
-              <a:t>20.01.2022</a:t>
+              <a:t>21.01.2022</a:t>
             </a:fld>
             <a:endParaRPr lang="ru-RU"/>
           </a:p>
@@ -1663,7 +1665,7 @@
           <a:p>
             <a:fld id="{07504AD1-F626-4EEE-A1F0-4F98A55EE3A4}" type="datetimeFigureOut">
               <a:rPr lang="ru-RU" smtClean="0"/>
-              <a:t>20.01.2022</a:t>
+              <a:t>21.01.2022</a:t>
             </a:fld>
             <a:endParaRPr lang="ru-RU"/>
           </a:p>
@@ -1781,7 +1783,7 @@
           <a:p>
             <a:fld id="{07504AD1-F626-4EEE-A1F0-4F98A55EE3A4}" type="datetimeFigureOut">
               <a:rPr lang="ru-RU" smtClean="0"/>
-              <a:t>20.01.2022</a:t>
+              <a:t>21.01.2022</a:t>
             </a:fld>
             <a:endParaRPr lang="ru-RU"/>
           </a:p>
@@ -1876,7 +1878,7 @@
           <a:p>
             <a:fld id="{07504AD1-F626-4EEE-A1F0-4F98A55EE3A4}" type="datetimeFigureOut">
               <a:rPr lang="ru-RU" smtClean="0"/>
-              <a:t>20.01.2022</a:t>
+              <a:t>21.01.2022</a:t>
             </a:fld>
             <a:endParaRPr lang="ru-RU"/>
           </a:p>
@@ -2153,7 +2155,7 @@
           <a:p>
             <a:fld id="{07504AD1-F626-4EEE-A1F0-4F98A55EE3A4}" type="datetimeFigureOut">
               <a:rPr lang="ru-RU" smtClean="0"/>
-              <a:t>20.01.2022</a:t>
+              <a:t>21.01.2022</a:t>
             </a:fld>
             <a:endParaRPr lang="ru-RU"/>
           </a:p>
@@ -2410,7 +2412,7 @@
           <a:p>
             <a:fld id="{07504AD1-F626-4EEE-A1F0-4F98A55EE3A4}" type="datetimeFigureOut">
               <a:rPr lang="ru-RU" smtClean="0"/>
-              <a:t>20.01.2022</a:t>
+              <a:t>21.01.2022</a:t>
             </a:fld>
             <a:endParaRPr lang="ru-RU"/>
           </a:p>
@@ -2623,7 +2625,7 @@
           <a:p>
             <a:fld id="{07504AD1-F626-4EEE-A1F0-4F98A55EE3A4}" type="datetimeFigureOut">
               <a:rPr lang="ru-RU" smtClean="0"/>
-              <a:t>20.01.2022</a:t>
+              <a:t>21.01.2022</a:t>
             </a:fld>
             <a:endParaRPr lang="ru-RU"/>
           </a:p>
@@ -3136,6 +3138,531 @@
 </file>
 
 <file path=ppt/slides/slide10.xml><?xml version="1.0" encoding="utf-8"?>
+<p:sld xmlns:a="http://schemas.openxmlformats.org/drawingml/2006/main" xmlns:r="http://schemas.openxmlformats.org/officeDocument/2006/relationships" xmlns:p="http://schemas.openxmlformats.org/presentationml/2006/main">
+  <p:cSld>
+    <p:spTree>
+      <p:nvGrpSpPr>
+        <p:cNvPr id="1" name=""/>
+        <p:cNvGrpSpPr/>
+        <p:nvPr/>
+      </p:nvGrpSpPr>
+      <p:grpSpPr>
+        <a:xfrm>
+          <a:off x="0" y="0"/>
+          <a:ext cx="0" cy="0"/>
+          <a:chOff x="0" y="0"/>
+          <a:chExt cx="0" cy="0"/>
+        </a:xfrm>
+      </p:grpSpPr>
+      <p:pic>
+        <p:nvPicPr>
+          <p:cNvPr id="5" name="Рисунок 4">
+            <a:extLst>
+              <a:ext uri="{FF2B5EF4-FFF2-40B4-BE49-F238E27FC236}">
+                <a16:creationId xmlns:a16="http://schemas.microsoft.com/office/drawing/2014/main" id="{A6895B01-2AEB-410E-B090-4F7433DD67DC}"/>
+              </a:ext>
+            </a:extLst>
+          </p:cNvPr>
+          <p:cNvPicPr>
+            <a:picLocks noChangeAspect="1"/>
+          </p:cNvPicPr>
+          <p:nvPr/>
+        </p:nvPicPr>
+        <p:blipFill rotWithShape="1">
+          <a:blip r:embed="rId2">
+            <a:extLst>
+              <a:ext uri="{28A0092B-C50C-407E-A947-70E740481C1C}">
+                <a14:useLocalDpi xmlns:a14="http://schemas.microsoft.com/office/drawing/2010/main" val="0"/>
+              </a:ext>
+            </a:extLst>
+          </a:blip>
+          <a:srcRect l="8698" t="5123" r="11628" b="4507"/>
+          <a:stretch/>
+        </p:blipFill>
+        <p:spPr>
+          <a:xfrm>
+            <a:off x="0" y="0"/>
+            <a:ext cx="12239622" cy="6840537"/>
+          </a:xfrm>
+          <a:prstGeom prst="rect">
+            <a:avLst/>
+          </a:prstGeom>
+        </p:spPr>
+      </p:pic>
+      <p:sp>
+        <p:nvSpPr>
+          <p:cNvPr id="6" name="Прямоугольник 5">
+            <a:extLst>
+              <a:ext uri="{FF2B5EF4-FFF2-40B4-BE49-F238E27FC236}">
+                <a16:creationId xmlns:a16="http://schemas.microsoft.com/office/drawing/2014/main" id="{EF38DA01-13AB-4E8A-A699-196E3014E9B1}"/>
+              </a:ext>
+            </a:extLst>
+          </p:cNvPr>
+          <p:cNvSpPr/>
+          <p:nvPr/>
+        </p:nvSpPr>
+        <p:spPr>
+          <a:xfrm>
+            <a:off x="539811" y="540269"/>
+            <a:ext cx="11160000" cy="5760000"/>
+          </a:xfrm>
+          <a:prstGeom prst="rect">
+            <a:avLst/>
+          </a:prstGeom>
+          <a:solidFill>
+            <a:schemeClr val="tx1"/>
+          </a:solidFill>
+          <a:ln w="63500">
+            <a:solidFill>
+              <a:schemeClr val="accent6">
+                <a:lumMod val="75000"/>
+              </a:schemeClr>
+            </a:solidFill>
+          </a:ln>
+        </p:spPr>
+        <p:style>
+          <a:lnRef idx="2">
+            <a:schemeClr val="accent1">
+              <a:shade val="50000"/>
+            </a:schemeClr>
+          </a:lnRef>
+          <a:fillRef idx="1">
+            <a:schemeClr val="accent1"/>
+          </a:fillRef>
+          <a:effectRef idx="0">
+            <a:schemeClr val="accent1"/>
+          </a:effectRef>
+          <a:fontRef idx="minor">
+            <a:schemeClr val="lt1"/>
+          </a:fontRef>
+        </p:style>
+        <p:txBody>
+          <a:bodyPr rot="0" spcFirstLastPara="0" vertOverflow="overflow" horzOverflow="overflow" vert="horz" wrap="square" lIns="91797" tIns="45899" rIns="91797" bIns="45899" numCol="1" spcCol="0" rtlCol="0" fromWordArt="0" anchor="ctr" anchorCtr="0" forceAA="0" compatLnSpc="1">
+            <a:prstTxWarp prst="textNoShape">
+              <a:avLst/>
+            </a:prstTxWarp>
+            <a:noAutofit/>
+          </a:bodyPr>
+          <a:lstStyle/>
+          <a:p>
+            <a:pPr algn="ctr"/>
+            <a:endParaRPr lang="ru-RU" sz="1807"/>
+          </a:p>
+        </p:txBody>
+      </p:sp>
+      <p:sp>
+        <p:nvSpPr>
+          <p:cNvPr id="7" name="Заголовок 1">
+            <a:extLst>
+              <a:ext uri="{FF2B5EF4-FFF2-40B4-BE49-F238E27FC236}">
+                <a16:creationId xmlns:a16="http://schemas.microsoft.com/office/drawing/2014/main" id="{3DF0B568-FAB0-454D-AD1D-4859A112D8B8}"/>
+              </a:ext>
+            </a:extLst>
+          </p:cNvPr>
+          <p:cNvSpPr>
+            <a:spLocks noGrp="1"/>
+          </p:cNvSpPr>
+          <p:nvPr>
+            <p:ph type="title"/>
+          </p:nvPr>
+        </p:nvSpPr>
+        <p:spPr>
+          <a:xfrm>
+            <a:off x="3887823" y="540269"/>
+            <a:ext cx="4463976" cy="879456"/>
+          </a:xfrm>
+        </p:spPr>
+        <p:txBody>
+          <a:bodyPr>
+            <a:normAutofit/>
+          </a:bodyPr>
+          <a:lstStyle/>
+          <a:p>
+            <a:r>
+              <a:rPr lang="ru-RU" sz="4000" dirty="0">
+                <a:solidFill>
+                  <a:srgbClr val="5ECA8C"/>
+                </a:solidFill>
+                <a:latin typeface="RodchenkoCTT" pitchFamily="2" charset="0"/>
+              </a:rPr>
+              <a:t>Приближение/Зум</a:t>
+            </a:r>
+          </a:p>
+        </p:txBody>
+      </p:sp>
+      <p:grpSp>
+        <p:nvGrpSpPr>
+          <p:cNvPr id="8" name="Группа 7">
+            <a:extLst>
+              <a:ext uri="{FF2B5EF4-FFF2-40B4-BE49-F238E27FC236}">
+                <a16:creationId xmlns:a16="http://schemas.microsoft.com/office/drawing/2014/main" id="{72BD0421-8295-4779-8310-4CBB2DE845A0}"/>
+              </a:ext>
+            </a:extLst>
+          </p:cNvPr>
+          <p:cNvGrpSpPr/>
+          <p:nvPr/>
+        </p:nvGrpSpPr>
+        <p:grpSpPr>
+          <a:xfrm>
+            <a:off x="778475" y="1203153"/>
+            <a:ext cx="10784017" cy="5005137"/>
+            <a:chOff x="778475" y="1203153"/>
+            <a:chExt cx="10784017" cy="5005137"/>
+          </a:xfrm>
+        </p:grpSpPr>
+        <p:pic>
+          <p:nvPicPr>
+            <p:cNvPr id="9" name="Рисунок 8">
+              <a:extLst>
+                <a:ext uri="{FF2B5EF4-FFF2-40B4-BE49-F238E27FC236}">
+                  <a16:creationId xmlns:a16="http://schemas.microsoft.com/office/drawing/2014/main" id="{207EE98E-E2F2-4C1F-B1CF-BF5AB2C2A6CD}"/>
+                </a:ext>
+              </a:extLst>
+            </p:cNvPr>
+            <p:cNvPicPr>
+              <a:picLocks noChangeAspect="1"/>
+            </p:cNvPicPr>
+            <p:nvPr/>
+          </p:nvPicPr>
+          <p:blipFill>
+            <a:blip r:embed="rId3"/>
+            <a:stretch>
+              <a:fillRect/>
+            </a:stretch>
+          </p:blipFill>
+          <p:spPr>
+            <a:xfrm>
+              <a:off x="778475" y="3162118"/>
+              <a:ext cx="896026" cy="1087215"/>
+            </a:xfrm>
+            <a:prstGeom prst="rect">
+              <a:avLst/>
+            </a:prstGeom>
+          </p:spPr>
+        </p:pic>
+        <p:pic>
+          <p:nvPicPr>
+            <p:cNvPr id="10" name="Рисунок 9">
+              <a:extLst>
+                <a:ext uri="{FF2B5EF4-FFF2-40B4-BE49-F238E27FC236}">
+                  <a16:creationId xmlns:a16="http://schemas.microsoft.com/office/drawing/2014/main" id="{2A7BD4C6-FC03-4EEA-ACC6-22D268B91519}"/>
+                </a:ext>
+              </a:extLst>
+            </p:cNvPr>
+            <p:cNvPicPr>
+              <a:picLocks noChangeAspect="1"/>
+            </p:cNvPicPr>
+            <p:nvPr/>
+          </p:nvPicPr>
+          <p:blipFill>
+            <a:blip r:embed="rId4"/>
+            <a:stretch>
+              <a:fillRect/>
+            </a:stretch>
+          </p:blipFill>
+          <p:spPr>
+            <a:xfrm>
+              <a:off x="1674501" y="2719564"/>
+              <a:ext cx="1651248" cy="1972319"/>
+            </a:xfrm>
+            <a:prstGeom prst="rect">
+              <a:avLst/>
+            </a:prstGeom>
+          </p:spPr>
+        </p:pic>
+        <p:pic>
+          <p:nvPicPr>
+            <p:cNvPr id="11" name="Рисунок 10">
+              <a:extLst>
+                <a:ext uri="{FF2B5EF4-FFF2-40B4-BE49-F238E27FC236}">
+                  <a16:creationId xmlns:a16="http://schemas.microsoft.com/office/drawing/2014/main" id="{261E3FBA-DF14-4998-A249-AC6A374004D7}"/>
+                </a:ext>
+              </a:extLst>
+            </p:cNvPr>
+            <p:cNvPicPr>
+              <a:picLocks noChangeAspect="1"/>
+            </p:cNvPicPr>
+            <p:nvPr/>
+          </p:nvPicPr>
+          <p:blipFill>
+            <a:blip r:embed="rId5"/>
+            <a:stretch>
+              <a:fillRect/>
+            </a:stretch>
+          </p:blipFill>
+          <p:spPr>
+            <a:xfrm>
+              <a:off x="3325749" y="1876275"/>
+              <a:ext cx="3065690" cy="3658895"/>
+            </a:xfrm>
+            <a:prstGeom prst="rect">
+              <a:avLst/>
+            </a:prstGeom>
+          </p:spPr>
+        </p:pic>
+        <p:pic>
+          <p:nvPicPr>
+            <p:cNvPr id="12" name="Рисунок 11">
+              <a:extLst>
+                <a:ext uri="{FF2B5EF4-FFF2-40B4-BE49-F238E27FC236}">
+                  <a16:creationId xmlns:a16="http://schemas.microsoft.com/office/drawing/2014/main" id="{5512D7AF-610B-46D7-B56E-93FD2FF211F9}"/>
+                </a:ext>
+              </a:extLst>
+            </p:cNvPr>
+            <p:cNvPicPr>
+              <a:picLocks noChangeAspect="1"/>
+            </p:cNvPicPr>
+            <p:nvPr/>
+          </p:nvPicPr>
+          <p:blipFill>
+            <a:blip r:embed="rId6"/>
+            <a:stretch>
+              <a:fillRect/>
+            </a:stretch>
+          </p:blipFill>
+          <p:spPr>
+            <a:xfrm>
+              <a:off x="6220728" y="1203153"/>
+              <a:ext cx="5341764" cy="5005137"/>
+            </a:xfrm>
+            <a:prstGeom prst="rect">
+              <a:avLst/>
+            </a:prstGeom>
+          </p:spPr>
+        </p:pic>
+        <p:cxnSp>
+          <p:nvCxnSpPr>
+            <p:cNvPr id="13" name="Прямая со стрелкой 12">
+              <a:extLst>
+                <a:ext uri="{FF2B5EF4-FFF2-40B4-BE49-F238E27FC236}">
+                  <a16:creationId xmlns:a16="http://schemas.microsoft.com/office/drawing/2014/main" id="{442A0FCA-A11B-48EA-ABD9-2D62BEFAA81A}"/>
+                </a:ext>
+              </a:extLst>
+            </p:cNvPr>
+            <p:cNvCxnSpPr>
+              <a:cxnSpLocks/>
+            </p:cNvCxnSpPr>
+            <p:nvPr/>
+          </p:nvCxnSpPr>
+          <p:spPr>
+            <a:xfrm>
+              <a:off x="1473958" y="3671248"/>
+              <a:ext cx="614150" cy="0"/>
+            </a:xfrm>
+            <a:prstGeom prst="straightConnector1">
+              <a:avLst/>
+            </a:prstGeom>
+            <a:ln w="76200">
+              <a:solidFill>
+                <a:srgbClr val="5ECA8C"/>
+              </a:solidFill>
+              <a:tailEnd type="triangle"/>
+            </a:ln>
+          </p:spPr>
+          <p:style>
+            <a:lnRef idx="1">
+              <a:schemeClr val="accent1"/>
+            </a:lnRef>
+            <a:fillRef idx="0">
+              <a:schemeClr val="accent1"/>
+            </a:fillRef>
+            <a:effectRef idx="0">
+              <a:schemeClr val="accent1"/>
+            </a:effectRef>
+            <a:fontRef idx="minor">
+              <a:schemeClr val="tx1"/>
+            </a:fontRef>
+          </p:style>
+        </p:cxnSp>
+        <p:cxnSp>
+          <p:nvCxnSpPr>
+            <p:cNvPr id="14" name="Прямая со стрелкой 13">
+              <a:extLst>
+                <a:ext uri="{FF2B5EF4-FFF2-40B4-BE49-F238E27FC236}">
+                  <a16:creationId xmlns:a16="http://schemas.microsoft.com/office/drawing/2014/main" id="{61B7F93F-029E-4521-BC15-BEB5EC089268}"/>
+                </a:ext>
+              </a:extLst>
+            </p:cNvPr>
+            <p:cNvCxnSpPr>
+              <a:cxnSpLocks/>
+            </p:cNvCxnSpPr>
+            <p:nvPr/>
+          </p:nvCxnSpPr>
+          <p:spPr>
+            <a:xfrm>
+              <a:off x="3018674" y="3671248"/>
+              <a:ext cx="869149" cy="0"/>
+            </a:xfrm>
+            <a:prstGeom prst="straightConnector1">
+              <a:avLst/>
+            </a:prstGeom>
+            <a:ln w="76200">
+              <a:solidFill>
+                <a:srgbClr val="5ECA8C"/>
+              </a:solidFill>
+              <a:tailEnd type="triangle"/>
+            </a:ln>
+          </p:spPr>
+          <p:style>
+            <a:lnRef idx="1">
+              <a:schemeClr val="accent1"/>
+            </a:lnRef>
+            <a:fillRef idx="0">
+              <a:schemeClr val="accent1"/>
+            </a:fillRef>
+            <a:effectRef idx="0">
+              <a:schemeClr val="accent1"/>
+            </a:effectRef>
+            <a:fontRef idx="minor">
+              <a:schemeClr val="tx1"/>
+            </a:fontRef>
+          </p:style>
+        </p:cxnSp>
+        <p:cxnSp>
+          <p:nvCxnSpPr>
+            <p:cNvPr id="15" name="Прямая со стрелкой 14">
+              <a:extLst>
+                <a:ext uri="{FF2B5EF4-FFF2-40B4-BE49-F238E27FC236}">
+                  <a16:creationId xmlns:a16="http://schemas.microsoft.com/office/drawing/2014/main" id="{A46A0FB7-74D9-4EAB-8FAC-6D87480D9B30}"/>
+                </a:ext>
+              </a:extLst>
+            </p:cNvPr>
+            <p:cNvCxnSpPr>
+              <a:cxnSpLocks/>
+            </p:cNvCxnSpPr>
+            <p:nvPr/>
+          </p:nvCxnSpPr>
+          <p:spPr>
+            <a:xfrm>
+              <a:off x="5505662" y="3673523"/>
+              <a:ext cx="1618469" cy="0"/>
+            </a:xfrm>
+            <a:prstGeom prst="straightConnector1">
+              <a:avLst/>
+            </a:prstGeom>
+            <a:ln w="76200">
+              <a:solidFill>
+                <a:srgbClr val="5ECA8C"/>
+              </a:solidFill>
+              <a:tailEnd type="triangle"/>
+            </a:ln>
+          </p:spPr>
+          <p:style>
+            <a:lnRef idx="1">
+              <a:schemeClr val="accent1"/>
+            </a:lnRef>
+            <a:fillRef idx="0">
+              <a:schemeClr val="accent1"/>
+            </a:fillRef>
+            <a:effectRef idx="0">
+              <a:schemeClr val="accent1"/>
+            </a:effectRef>
+            <a:fontRef idx="minor">
+              <a:schemeClr val="tx1"/>
+            </a:fontRef>
+          </p:style>
+        </p:cxnSp>
+      </p:grpSp>
+    </p:spTree>
+    <p:extLst>
+      <p:ext uri="{BB962C8B-B14F-4D97-AF65-F5344CB8AC3E}">
+        <p14:creationId xmlns:p14="http://schemas.microsoft.com/office/powerpoint/2010/main" val="3859425921"/>
+      </p:ext>
+    </p:extLst>
+  </p:cSld>
+  <p:clrMapOvr>
+    <a:masterClrMapping/>
+  </p:clrMapOvr>
+  <p:timing>
+    <p:tnLst>
+      <p:par>
+        <p:cTn id="1" dur="indefinite" restart="never" nodeType="tmRoot">
+          <p:childTnLst>
+            <p:seq concurrent="1" nextAc="seek">
+              <p:cTn id="2" dur="indefinite" nodeType="mainSeq">
+                <p:childTnLst>
+                  <p:par>
+                    <p:cTn id="3" fill="hold">
+                      <p:stCondLst>
+                        <p:cond delay="indefinite"/>
+                        <p:cond evt="onBegin" delay="0">
+                          <p:tn val="2"/>
+                        </p:cond>
+                      </p:stCondLst>
+                      <p:childTnLst>
+                        <p:par>
+                          <p:cTn id="4" fill="hold">
+                            <p:stCondLst>
+                              <p:cond delay="0"/>
+                            </p:stCondLst>
+                            <p:childTnLst>
+                              <p:par>
+                                <p:cTn id="5" presetID="22" presetClass="entr" presetSubtype="8" fill="hold" nodeType="withEffect">
+                                  <p:stCondLst>
+                                    <p:cond delay="0"/>
+                                  </p:stCondLst>
+                                  <p:childTnLst>
+                                    <p:set>
+                                      <p:cBhvr>
+                                        <p:cTn id="6" dur="1" fill="hold">
+                                          <p:stCondLst>
+                                            <p:cond delay="0"/>
+                                          </p:stCondLst>
+                                        </p:cTn>
+                                        <p:tgtEl>
+                                          <p:spTgt spid="8"/>
+                                        </p:tgtEl>
+                                        <p:attrNameLst>
+                                          <p:attrName>style.visibility</p:attrName>
+                                        </p:attrNameLst>
+                                      </p:cBhvr>
+                                      <p:to>
+                                        <p:strVal val="visible"/>
+                                      </p:to>
+                                    </p:set>
+                                    <p:animEffect transition="in" filter="wipe(left)">
+                                      <p:cBhvr>
+                                        <p:cTn id="7" dur="10000"/>
+                                        <p:tgtEl>
+                                          <p:spTgt spid="8"/>
+                                        </p:tgtEl>
+                                      </p:cBhvr>
+                                    </p:animEffect>
+                                  </p:childTnLst>
+                                </p:cTn>
+                              </p:par>
+                            </p:childTnLst>
+                          </p:cTn>
+                        </p:par>
+                      </p:childTnLst>
+                    </p:cTn>
+                  </p:par>
+                </p:childTnLst>
+              </p:cTn>
+              <p:prevCondLst>
+                <p:cond evt="onPrev" delay="0">
+                  <p:tgtEl>
+                    <p:sldTgt/>
+                  </p:tgtEl>
+                </p:cond>
+              </p:prevCondLst>
+              <p:nextCondLst>
+                <p:cond evt="onNext" delay="0">
+                  <p:tgtEl>
+                    <p:sldTgt/>
+                  </p:tgtEl>
+                </p:cond>
+              </p:nextCondLst>
+            </p:seq>
+          </p:childTnLst>
+        </p:cTn>
+      </p:par>
+    </p:tnLst>
+  </p:timing>
+</p:sld>
+</file>
+
+<file path=ppt/slides/slide11.xml><?xml version="1.0" encoding="utf-8"?>
 <p:sld xmlns:a="http://schemas.openxmlformats.org/drawingml/2006/main" xmlns:r="http://schemas.openxmlformats.org/officeDocument/2006/relationships" xmlns:p="http://schemas.openxmlformats.org/presentationml/2006/main">
   <p:cSld>
     <p:spTree>
@@ -4364,7 +4891,7 @@
 </p:sld>
 </file>
 
-<file path=ppt/slides/slide11.xml><?xml version="1.0" encoding="utf-8"?>
+<file path=ppt/slides/slide12.xml><?xml version="1.0" encoding="utf-8"?>
 <p:sld xmlns:a="http://schemas.openxmlformats.org/drawingml/2006/main" xmlns:r="http://schemas.openxmlformats.org/officeDocument/2006/relationships" xmlns:p="http://schemas.openxmlformats.org/presentationml/2006/main">
   <p:cSld>
     <p:spTree>
@@ -6416,7 +6943,7 @@
 </p:sld>
 </file>
 
-<file path=ppt/slides/slide12.xml><?xml version="1.0" encoding="utf-8"?>
+<file path=ppt/slides/slide13.xml><?xml version="1.0" encoding="utf-8"?>
 <p:sld xmlns:a="http://schemas.openxmlformats.org/drawingml/2006/main" xmlns:r="http://schemas.openxmlformats.org/officeDocument/2006/relationships" xmlns:p="http://schemas.openxmlformats.org/presentationml/2006/main">
   <p:cSld>
     <p:spTree>
@@ -8929,7 +9456,7 @@
 </p:sld>
 </file>
 
-<file path=ppt/slides/slide13.xml><?xml version="1.0" encoding="utf-8"?>
+<file path=ppt/slides/slide14.xml><?xml version="1.0" encoding="utf-8"?>
 <p:sld xmlns:a="http://schemas.openxmlformats.org/drawingml/2006/main" xmlns:r="http://schemas.openxmlformats.org/officeDocument/2006/relationships" xmlns:p="http://schemas.openxmlformats.org/presentationml/2006/main">
   <p:cSld>
     <p:spTree>
@@ -10456,9 +10983,17 @@
 </p:sld>
 </file>
 
-<file path=ppt/slides/slide14.xml><?xml version="1.0" encoding="utf-8"?>
+<file path=ppt/slides/slide15.xml><?xml version="1.0" encoding="utf-8"?>
 <p:sld xmlns:a="http://schemas.openxmlformats.org/drawingml/2006/main" xmlns:r="http://schemas.openxmlformats.org/officeDocument/2006/relationships" xmlns:p="http://schemas.openxmlformats.org/presentationml/2006/main">
   <p:cSld>
+    <p:bg>
+      <p:bgPr>
+        <a:solidFill>
+          <a:schemeClr val="bg1"/>
+        </a:solidFill>
+        <a:effectLst/>
+      </p:bgPr>
+    </p:bg>
     <p:spTree>
       <p:nvGrpSpPr>
         <p:cNvPr id="1" name=""/>
@@ -10491,8 +11026,8 @@
         </p:nvSpPr>
         <p:spPr>
           <a:xfrm>
-            <a:off x="2385520" y="2754900"/>
-            <a:ext cx="7468587" cy="1330741"/>
+            <a:off x="3263459" y="2775999"/>
+            <a:ext cx="5929274" cy="1081040"/>
           </a:xfrm>
         </p:spPr>
         <p:txBody>
@@ -10500,8 +11035,10 @@
           <a:lstStyle/>
           <a:p>
             <a:r>
-              <a:rPr lang="ru-RU" dirty="0"/>
-              <a:t>БЛАГОДАРИМ ЗА ВНИМАНИЕ!</a:t>
+              <a:rPr lang="ru-RU" dirty="0">
+                <a:latin typeface="RodchenkoCTT" pitchFamily="2" charset="0"/>
+              </a:rPr>
+              <a:t>СПАСИБО ЗА ВНИМАНИЕ!</a:t>
             </a:r>
           </a:p>
         </p:txBody>
@@ -10526,7 +11063,7 @@
       <p:bgPr>
         <a:blipFill dpi="0" rotWithShape="1">
           <a:blip r:embed="rId2">
-            <a:alphaModFix amt="10000"/>
+            <a:alphaModFix amt="15000"/>
             <a:lum/>
           </a:blip>
           <a:srcRect/>
@@ -10770,84 +11307,6 @@
 </file>
 
 <file path=ppt/slides/slide3.xml><?xml version="1.0" encoding="utf-8"?>
-<p:sld xmlns:a="http://schemas.openxmlformats.org/drawingml/2006/main" xmlns:r="http://schemas.openxmlformats.org/officeDocument/2006/relationships" xmlns:p="http://schemas.openxmlformats.org/presentationml/2006/main">
-  <p:cSld>
-    <p:bg>
-      <p:bgPr>
-        <a:blipFill dpi="0" rotWithShape="1">
-          <a:blip r:embed="rId2">
-            <a:alphaModFix amt="10000"/>
-            <a:lum/>
-          </a:blip>
-          <a:srcRect/>
-          <a:stretch>
-            <a:fillRect/>
-          </a:stretch>
-        </a:blipFill>
-        <a:effectLst/>
-      </p:bgPr>
-    </p:bg>
-    <p:spTree>
-      <p:nvGrpSpPr>
-        <p:cNvPr id="1" name=""/>
-        <p:cNvGrpSpPr/>
-        <p:nvPr/>
-      </p:nvGrpSpPr>
-      <p:grpSpPr>
-        <a:xfrm>
-          <a:off x="0" y="0"/>
-          <a:ext cx="0" cy="0"/>
-          <a:chOff x="0" y="0"/>
-          <a:chExt cx="0" cy="0"/>
-        </a:xfrm>
-      </p:grpSpPr>
-      <p:sp>
-        <p:nvSpPr>
-          <p:cNvPr id="2" name="Заголовок 1">
-            <a:extLst>
-              <a:ext uri="{FF2B5EF4-FFF2-40B4-BE49-F238E27FC236}">
-                <a16:creationId xmlns:a16="http://schemas.microsoft.com/office/drawing/2014/main" id="{6D8728E5-634E-46B1-9637-28E8C9DBD738}"/>
-              </a:ext>
-            </a:extLst>
-          </p:cNvPr>
-          <p:cNvSpPr>
-            <a:spLocks noGrp="1"/>
-          </p:cNvSpPr>
-          <p:nvPr>
-            <p:ph type="title"/>
-          </p:nvPr>
-        </p:nvSpPr>
-        <p:spPr>
-          <a:xfrm>
-            <a:off x="2403636" y="-22125"/>
-            <a:ext cx="7432352" cy="1330741"/>
-          </a:xfrm>
-        </p:spPr>
-        <p:txBody>
-          <a:bodyPr/>
-          <a:lstStyle/>
-          <a:p>
-            <a:r>
-              <a:rPr lang="ru-RU" dirty="0"/>
-              <a:t>Входные и выходные сигналы</a:t>
-            </a:r>
-          </a:p>
-        </p:txBody>
-      </p:sp>
-    </p:spTree>
-    <p:extLst>
-      <p:ext uri="{BB962C8B-B14F-4D97-AF65-F5344CB8AC3E}">
-        <p14:creationId xmlns:p14="http://schemas.microsoft.com/office/powerpoint/2010/main" val="2794451238"/>
-      </p:ext>
-    </p:extLst>
-  </p:cSld>
-  <p:clrMapOvr>
-    <a:masterClrMapping/>
-  </p:clrMapOvr>
-</p:sld>
-</file>
-
-<file path=ppt/slides/slide4.xml><?xml version="1.0" encoding="utf-8"?>
 <p:sld xmlns:a="http://schemas.openxmlformats.org/drawingml/2006/main" xmlns:r="http://schemas.openxmlformats.org/officeDocument/2006/relationships" xmlns:p="http://schemas.openxmlformats.org/presentationml/2006/main">
   <p:cSld>
     <p:bg>
@@ -11610,6 +12069,314 @@
 </p:sld>
 </file>
 
+<file path=ppt/slides/slide4.xml><?xml version="1.0" encoding="utf-8"?>
+<p:sld xmlns:a="http://schemas.openxmlformats.org/drawingml/2006/main" xmlns:r="http://schemas.openxmlformats.org/officeDocument/2006/relationships" xmlns:p="http://schemas.openxmlformats.org/presentationml/2006/main">
+  <p:cSld>
+    <p:bg>
+      <p:bgPr>
+        <a:blipFill dpi="0" rotWithShape="1">
+          <a:blip r:embed="rId3">
+            <a:lum/>
+          </a:blip>
+          <a:srcRect/>
+          <a:stretch>
+            <a:fillRect t="-20000" b="-20000"/>
+          </a:stretch>
+        </a:blipFill>
+        <a:effectLst/>
+      </p:bgPr>
+    </p:bg>
+    <p:spTree>
+      <p:nvGrpSpPr>
+        <p:cNvPr id="1" name=""/>
+        <p:cNvGrpSpPr/>
+        <p:nvPr/>
+      </p:nvGrpSpPr>
+      <p:grpSpPr>
+        <a:xfrm>
+          <a:off x="0" y="0"/>
+          <a:ext cx="0" cy="0"/>
+          <a:chOff x="0" y="0"/>
+          <a:chExt cx="0" cy="0"/>
+        </a:xfrm>
+      </p:grpSpPr>
+      <p:sp>
+        <p:nvSpPr>
+          <p:cNvPr id="4" name="Прямоугольник 3"/>
+          <p:cNvSpPr/>
+          <p:nvPr/>
+        </p:nvSpPr>
+        <p:spPr>
+          <a:xfrm>
+            <a:off x="539813" y="540269"/>
+            <a:ext cx="11160000" cy="5760000"/>
+          </a:xfrm>
+          <a:prstGeom prst="rect">
+            <a:avLst/>
+          </a:prstGeom>
+          <a:solidFill>
+            <a:schemeClr val="tx1"/>
+          </a:solidFill>
+          <a:ln w="63500">
+            <a:solidFill>
+              <a:schemeClr val="accent6">
+                <a:lumMod val="75000"/>
+              </a:schemeClr>
+            </a:solidFill>
+          </a:ln>
+        </p:spPr>
+        <p:style>
+          <a:lnRef idx="2">
+            <a:schemeClr val="accent1">
+              <a:shade val="50000"/>
+            </a:schemeClr>
+          </a:lnRef>
+          <a:fillRef idx="1">
+            <a:schemeClr val="accent1"/>
+          </a:fillRef>
+          <a:effectRef idx="0">
+            <a:schemeClr val="accent1"/>
+          </a:effectRef>
+          <a:fontRef idx="minor">
+            <a:schemeClr val="lt1"/>
+          </a:fontRef>
+        </p:style>
+        <p:txBody>
+          <a:bodyPr rot="0" spcFirstLastPara="0" vertOverflow="overflow" horzOverflow="overflow" vert="horz" wrap="square" lIns="91797" tIns="45899" rIns="91797" bIns="45899" numCol="1" spcCol="0" rtlCol="0" fromWordArt="0" anchor="ctr" anchorCtr="0" forceAA="0" compatLnSpc="1">
+            <a:prstTxWarp prst="textNoShape">
+              <a:avLst/>
+            </a:prstTxWarp>
+            <a:noAutofit/>
+          </a:bodyPr>
+          <a:lstStyle/>
+          <a:p>
+            <a:pPr algn="ctr"/>
+            <a:endParaRPr lang="ru-RU" sz="1807"/>
+          </a:p>
+        </p:txBody>
+      </p:sp>
+      <p:sp>
+        <p:nvSpPr>
+          <p:cNvPr id="5" name="Заголовок 1">
+            <a:extLst>
+              <a:ext uri="{FF2B5EF4-FFF2-40B4-BE49-F238E27FC236}">
+                <a16:creationId xmlns:a16="http://schemas.microsoft.com/office/drawing/2014/main" id="{6D8728E5-634E-46B1-9637-28E8C9DBD738}"/>
+              </a:ext>
+            </a:extLst>
+          </p:cNvPr>
+          <p:cNvSpPr>
+            <a:spLocks noGrp="1"/>
+          </p:cNvSpPr>
+          <p:nvPr>
+            <p:ph type="title"/>
+          </p:nvPr>
+        </p:nvSpPr>
+        <p:spPr>
+          <a:xfrm>
+            <a:off x="1988243" y="540269"/>
+            <a:ext cx="8263137" cy="1080000"/>
+          </a:xfrm>
+        </p:spPr>
+        <p:txBody>
+          <a:bodyPr>
+            <a:noAutofit/>
+          </a:bodyPr>
+          <a:lstStyle/>
+          <a:p>
+            <a:pPr algn="ctr"/>
+            <a:r>
+              <a:rPr lang="ru-RU" sz="4400" dirty="0">
+                <a:solidFill>
+                  <a:srgbClr val="77F531"/>
+                </a:solidFill>
+                <a:latin typeface="RodchenkoCTT" pitchFamily="2" charset="0"/>
+                <a:cs typeface="Courier New" panose="02070309020205020404" pitchFamily="49" charset="0"/>
+              </a:rPr>
+              <a:t>ВХОДНЫЕ И ВЫХОДНЫЕ СИГНАЛЫ</a:t>
+            </a:r>
+          </a:p>
+        </p:txBody>
+      </p:sp>
+      <p:sp>
+        <p:nvSpPr>
+          <p:cNvPr id="7" name="Заголовок 1">
+            <a:extLst>
+              <a:ext uri="{FF2B5EF4-FFF2-40B4-BE49-F238E27FC236}">
+                <a16:creationId xmlns:a16="http://schemas.microsoft.com/office/drawing/2014/main" id="{AFAC081E-CB10-4A47-AD74-44CF49ABABAE}"/>
+              </a:ext>
+            </a:extLst>
+          </p:cNvPr>
+          <p:cNvSpPr txBox="1">
+            <a:spLocks/>
+          </p:cNvSpPr>
+          <p:nvPr/>
+        </p:nvSpPr>
+        <p:spPr>
+          <a:xfrm>
+            <a:off x="1021037" y="1441904"/>
+            <a:ext cx="10197547" cy="1405077"/>
+          </a:xfrm>
+          <a:prstGeom prst="rect">
+            <a:avLst/>
+          </a:prstGeom>
+        </p:spPr>
+        <p:txBody>
+          <a:bodyPr vert="horz" lIns="91440" tIns="45720" rIns="91440" bIns="45720" rtlCol="0" anchor="t">
+            <a:noAutofit/>
+          </a:bodyPr>
+          <a:lstStyle>
+            <a:lvl1pPr algn="l" defTabSz="912114" rtl="0" eaLnBrk="1" latinLnBrk="0" hangingPunct="1">
+              <a:lnSpc>
+                <a:spcPct val="90000"/>
+              </a:lnSpc>
+              <a:spcBef>
+                <a:spcPct val="0"/>
+              </a:spcBef>
+              <a:buNone/>
+              <a:defRPr sz="4389" kern="1200">
+                <a:solidFill>
+                  <a:schemeClr val="tx1"/>
+                </a:solidFill>
+                <a:latin typeface="+mj-lt"/>
+                <a:ea typeface="+mj-ea"/>
+                <a:cs typeface="+mj-cs"/>
+              </a:defRPr>
+            </a:lvl1pPr>
+          </a:lstStyle>
+          <a:p>
+            <a:pPr algn="just"/>
+            <a:r>
+              <a:rPr lang="ru-RU" sz="3000" dirty="0">
+                <a:solidFill>
+                  <a:srgbClr val="77F531"/>
+                </a:solidFill>
+                <a:latin typeface="RodchenkoCTT" pitchFamily="2" charset="0"/>
+                <a:cs typeface="Courier New" panose="02070309020205020404" pitchFamily="49" charset="0"/>
+              </a:rPr>
+              <a:t>Входные и выходные сигналы (иначе - коннекторы) – нужны для того, чтобы пользователь мог соединять блоки между собой</a:t>
+            </a:r>
+          </a:p>
+        </p:txBody>
+      </p:sp>
+      <p:sp>
+        <p:nvSpPr>
+          <p:cNvPr id="8" name="Заголовок 1">
+            <a:extLst>
+              <a:ext uri="{FF2B5EF4-FFF2-40B4-BE49-F238E27FC236}">
+                <a16:creationId xmlns:a16="http://schemas.microsoft.com/office/drawing/2014/main" id="{084CA6BD-A3D1-44F2-8945-BBC64699F4DD}"/>
+              </a:ext>
+            </a:extLst>
+          </p:cNvPr>
+          <p:cNvSpPr txBox="1">
+            <a:spLocks/>
+          </p:cNvSpPr>
+          <p:nvPr/>
+        </p:nvSpPr>
+        <p:spPr>
+          <a:xfrm>
+            <a:off x="1021036" y="2726665"/>
+            <a:ext cx="10197547" cy="3453288"/>
+          </a:xfrm>
+          <a:prstGeom prst="rect">
+            <a:avLst/>
+          </a:prstGeom>
+        </p:spPr>
+        <p:txBody>
+          <a:bodyPr vert="horz" lIns="91440" tIns="45720" rIns="91440" bIns="45720" rtlCol="0" anchor="t">
+            <a:noAutofit/>
+          </a:bodyPr>
+          <a:lstStyle>
+            <a:lvl1pPr algn="l" defTabSz="912114" rtl="0" eaLnBrk="1" latinLnBrk="0" hangingPunct="1">
+              <a:lnSpc>
+                <a:spcPct val="90000"/>
+              </a:lnSpc>
+              <a:spcBef>
+                <a:spcPct val="0"/>
+              </a:spcBef>
+              <a:buNone/>
+              <a:defRPr sz="4389" kern="1200">
+                <a:solidFill>
+                  <a:schemeClr val="tx1"/>
+                </a:solidFill>
+                <a:latin typeface="+mj-lt"/>
+                <a:ea typeface="+mj-ea"/>
+                <a:cs typeface="+mj-cs"/>
+              </a:defRPr>
+            </a:lvl1pPr>
+          </a:lstStyle>
+          <a:p>
+            <a:pPr algn="just"/>
+            <a:r>
+              <a:rPr lang="ru-RU" sz="3000" dirty="0">
+                <a:solidFill>
+                  <a:srgbClr val="77F531"/>
+                </a:solidFill>
+                <a:latin typeface="RodchenkoCTT" pitchFamily="2" charset="0"/>
+                <a:cs typeface="Courier New" panose="02070309020205020404" pitchFamily="49" charset="0"/>
+              </a:rPr>
+              <a:t>Возможности и ограничения соединений:</a:t>
+            </a:r>
+          </a:p>
+          <a:p>
+            <a:pPr marL="742950" indent="-742950" algn="just">
+              <a:buAutoNum type="arabicParenR"/>
+            </a:pPr>
+            <a:r>
+              <a:rPr lang="ru-RU" sz="3000" dirty="0">
+                <a:solidFill>
+                  <a:srgbClr val="77F531"/>
+                </a:solidFill>
+                <a:latin typeface="RodchenkoCTT" pitchFamily="2" charset="0"/>
+                <a:cs typeface="Courier New" panose="02070309020205020404" pitchFamily="49" charset="0"/>
+              </a:rPr>
+              <a:t>Входной сигнал можно соединять только с одним выходным.</a:t>
+            </a:r>
+          </a:p>
+          <a:p>
+            <a:pPr marL="742950" indent="-742950" algn="just">
+              <a:buAutoNum type="arabicParenR"/>
+            </a:pPr>
+            <a:r>
+              <a:rPr lang="ru-RU" sz="3000" dirty="0">
+                <a:solidFill>
+                  <a:srgbClr val="77F531"/>
+                </a:solidFill>
+                <a:latin typeface="RodchenkoCTT" pitchFamily="2" charset="0"/>
+                <a:cs typeface="Courier New" panose="02070309020205020404" pitchFamily="49" charset="0"/>
+              </a:rPr>
+              <a:t>Выходной сигнал можно соединять с неограниченным количеством входных</a:t>
+            </a:r>
+          </a:p>
+          <a:p>
+            <a:pPr marL="742950" indent="-742950" algn="just">
+              <a:buAutoNum type="arabicParenR"/>
+            </a:pPr>
+            <a:r>
+              <a:rPr lang="ru-RU" sz="3000" dirty="0">
+                <a:solidFill>
+                  <a:srgbClr val="77F531"/>
+                </a:solidFill>
+                <a:latin typeface="RodchenkoCTT" pitchFamily="2" charset="0"/>
+                <a:cs typeface="Courier New" panose="02070309020205020404" pitchFamily="49" charset="0"/>
+              </a:rPr>
+              <a:t>Нельзя соединять коннектор с каким-либо другим коннектором, если в итоге путь сигнала станет зацикленным.</a:t>
+            </a:r>
+          </a:p>
+        </p:txBody>
+      </p:sp>
+    </p:spTree>
+    <p:extLst>
+      <p:ext uri="{BB962C8B-B14F-4D97-AF65-F5344CB8AC3E}">
+        <p14:creationId xmlns:p14="http://schemas.microsoft.com/office/powerpoint/2010/main" val="1181086272"/>
+      </p:ext>
+    </p:extLst>
+  </p:cSld>
+  <p:clrMapOvr>
+    <a:overrideClrMapping bg1="lt1" tx1="dk1" bg2="lt2" tx2="dk2" accent1="accent1" accent2="accent2" accent3="accent3" accent4="accent4" accent5="accent5" accent6="accent6" hlink="hlink" folHlink="folHlink"/>
+  </p:clrMapOvr>
+</p:sld>
+</file>
+
 <file path=ppt/slides/slide5.xml><?xml version="1.0" encoding="utf-8"?>
 <p:sld xmlns:a="http://schemas.openxmlformats.org/drawingml/2006/main" xmlns:r="http://schemas.openxmlformats.org/officeDocument/2006/relationships" xmlns:p="http://schemas.openxmlformats.org/presentationml/2006/main">
   <p:cSld>
@@ -12451,7 +13218,7 @@
                 <a:latin typeface="RodchenkoCTT" pitchFamily="2" charset="0"/>
                 <a:cs typeface="Courier New" panose="02070309020205020404" pitchFamily="49" charset="0"/>
               </a:rPr>
-              <a:t>иначе - конструктор) – создана для того, что бы пользователь мог создавать свои собственные блоки из базовых.   </a:t>
+              <a:t>иначе - конструктор) – создана для того, чтобы пользователь мог создавать свои собственные блоки из базовых.</a:t>
             </a:r>
           </a:p>
         </p:txBody>
@@ -12513,7 +13280,7 @@
         </p:blipFill>
         <p:spPr>
           <a:xfrm>
-            <a:off x="0" y="0"/>
+            <a:off x="3" y="0"/>
             <a:ext cx="12239622" cy="6840537"/>
           </a:xfrm>
           <a:prstGeom prst="rect">
@@ -12749,53 +13516,6 @@
           </p:txBody>
         </p:sp>
       </p:grpSp>
-      <p:pic>
-        <p:nvPicPr>
-          <p:cNvPr id="12" name="Picture 2" descr="[animate output image]">
-            <a:extLst>
-              <a:ext uri="{FF2B5EF4-FFF2-40B4-BE49-F238E27FC236}">
-                <a16:creationId xmlns:a16="http://schemas.microsoft.com/office/drawing/2014/main" id="{248D79AE-79C5-4F11-ABC4-25853B64FE29}"/>
-              </a:ext>
-            </a:extLst>
-          </p:cNvPr>
-          <p:cNvPicPr>
-            <a:picLocks noChangeAspect="1" noChangeArrowheads="1" noCrop="1"/>
-          </p:cNvPicPr>
-          <p:nvPr/>
-        </p:nvPicPr>
-        <p:blipFill>
-          <a:blip r:embed="rId5">
-            <a:extLst>
-              <a:ext uri="{28A0092B-C50C-407E-A947-70E740481C1C}">
-                <a14:useLocalDpi xmlns:a14="http://schemas.microsoft.com/office/drawing/2010/main" val="0"/>
-              </a:ext>
-            </a:extLst>
-          </a:blip>
-          <a:srcRect/>
-          <a:stretch>
-            <a:fillRect/>
-          </a:stretch>
-        </p:blipFill>
-        <p:spPr bwMode="auto">
-          <a:xfrm rot="16200000">
-            <a:off x="5246195" y="3671360"/>
-            <a:ext cx="2055999" cy="2055999"/>
-          </a:xfrm>
-          <a:prstGeom prst="rect">
-            <a:avLst/>
-          </a:prstGeom>
-          <a:noFill/>
-          <a:extLst>
-            <a:ext uri="{909E8E84-426E-40DD-AFC4-6F175D3DCCD1}">
-              <a14:hiddenFill xmlns:a14="http://schemas.microsoft.com/office/drawing/2010/main">
-                <a:solidFill>
-                  <a:srgbClr val="FFFFFF"/>
-                </a:solidFill>
-              </a14:hiddenFill>
-            </a:ext>
-          </a:extLst>
-        </p:spPr>
-      </p:pic>
     </p:spTree>
     <p:extLst>
       <p:ext uri="{BB962C8B-B14F-4D97-AF65-F5344CB8AC3E}">
@@ -12806,89 +13526,6 @@
   <p:clrMapOvr>
     <a:masterClrMapping/>
   </p:clrMapOvr>
-  <p:timing>
-    <p:tnLst>
-      <p:par>
-        <p:cTn id="1" dur="indefinite" restart="never" nodeType="tmRoot">
-          <p:childTnLst>
-            <p:seq concurrent="1" nextAc="seek">
-              <p:cTn id="2" dur="indefinite" nodeType="mainSeq">
-                <p:childTnLst>
-                  <p:par>
-                    <p:cTn id="3" fill="hold">
-                      <p:stCondLst>
-                        <p:cond delay="indefinite"/>
-                      </p:stCondLst>
-                      <p:childTnLst>
-                        <p:par>
-                          <p:cTn id="4" fill="hold">
-                            <p:stCondLst>
-                              <p:cond delay="0"/>
-                            </p:stCondLst>
-                            <p:childTnLst>
-                              <p:par>
-                                <p:cTn id="5" presetID="10" presetClass="entr" presetSubtype="0" fill="hold" nodeType="clickEffect">
-                                  <p:stCondLst>
-                                    <p:cond delay="0"/>
-                                  </p:stCondLst>
-                                  <p:childTnLst>
-                                    <p:set>
-                                      <p:cBhvr>
-                                        <p:cTn id="6" dur="1" fill="hold">
-                                          <p:stCondLst>
-                                            <p:cond delay="0"/>
-                                          </p:stCondLst>
-                                        </p:cTn>
-                                        <p:tgtEl>
-                                          <p:spTgt spid="12"/>
-                                        </p:tgtEl>
-                                        <p:attrNameLst>
-                                          <p:attrName>style.visibility</p:attrName>
-                                        </p:attrNameLst>
-                                      </p:cBhvr>
-                                      <p:to>
-                                        <p:strVal val="visible"/>
-                                      </p:to>
-                                    </p:set>
-                                    <p:animEffect transition="in" filter="fade">
-                                      <p:cBhvr>
-                                        <p:cTn id="7" dur="500"/>
-                                        <p:tgtEl>
-                                          <p:spTgt spid="12"/>
-                                        </p:tgtEl>
-                                      </p:cBhvr>
-                                    </p:animEffect>
-                                  </p:childTnLst>
-                                </p:cTn>
-                              </p:par>
-                            </p:childTnLst>
-                          </p:cTn>
-                        </p:par>
-                      </p:childTnLst>
-                    </p:cTn>
-                  </p:par>
-                </p:childTnLst>
-              </p:cTn>
-              <p:prevCondLst>
-                <p:cond evt="onPrev" delay="0">
-                  <p:tgtEl>
-                    <p:sldTgt/>
-                  </p:tgtEl>
-                </p:cond>
-              </p:prevCondLst>
-              <p:nextCondLst>
-                <p:cond evt="onNext" delay="0">
-                  <p:tgtEl>
-                    <p:sldTgt/>
-                  </p:tgtEl>
-                </p:cond>
-              </p:nextCondLst>
-            </p:seq>
-          </p:childTnLst>
-        </p:cTn>
-      </p:par>
-    </p:tnLst>
-  </p:timing>
 </p:sld>
 </file>
 
@@ -12914,7 +13551,7 @@
           <p:cNvPr id="5" name="Рисунок 4">
             <a:extLst>
               <a:ext uri="{FF2B5EF4-FFF2-40B4-BE49-F238E27FC236}">
-                <a16:creationId xmlns:a16="http://schemas.microsoft.com/office/drawing/2014/main" id="{A6895B01-2AEB-410E-B090-4F7433DD67DC}"/>
+                <a16:creationId xmlns:a16="http://schemas.microsoft.com/office/drawing/2014/main" id="{73447839-84A2-43C8-BDE2-D6B27D9EB0AD}"/>
               </a:ext>
             </a:extLst>
           </p:cNvPr>
@@ -12949,7 +13586,7 @@
           <p:cNvPr id="6" name="Прямоугольник 5">
             <a:extLst>
               <a:ext uri="{FF2B5EF4-FFF2-40B4-BE49-F238E27FC236}">
-                <a16:creationId xmlns:a16="http://schemas.microsoft.com/office/drawing/2014/main" id="{EF38DA01-13AB-4E8A-A699-196E3014E9B1}"/>
+                <a16:creationId xmlns:a16="http://schemas.microsoft.com/office/drawing/2014/main" id="{7DB59E56-82C1-4295-B6B3-DA24EFAA8613}"/>
               </a:ext>
             </a:extLst>
           </p:cNvPr>
@@ -13001,7 +13638,7 @@
           <a:lstStyle/>
           <a:p>
             <a:pPr algn="ctr"/>
-            <a:endParaRPr lang="ru-RU" sz="1807"/>
+            <a:endParaRPr lang="ru-RU" sz="1807" dirty="0"/>
           </a:p>
         </p:txBody>
       </p:sp>
@@ -13010,7 +13647,7 @@
           <p:cNvPr id="7" name="Заголовок 1">
             <a:extLst>
               <a:ext uri="{FF2B5EF4-FFF2-40B4-BE49-F238E27FC236}">
-                <a16:creationId xmlns:a16="http://schemas.microsoft.com/office/drawing/2014/main" id="{3DF0B568-FAB0-454D-AD1D-4859A112D8B8}"/>
+                <a16:creationId xmlns:a16="http://schemas.microsoft.com/office/drawing/2014/main" id="{EE4F905B-142E-4D5A-B85D-46ABA8620ACE}"/>
               </a:ext>
             </a:extLst>
           </p:cNvPr>
@@ -13023,8 +13660,8 @@
         </p:nvSpPr>
         <p:spPr>
           <a:xfrm>
-            <a:off x="3887823" y="540269"/>
-            <a:ext cx="4463976" cy="879456"/>
+            <a:off x="4694538" y="540270"/>
+            <a:ext cx="2850545" cy="879456"/>
           </a:xfrm>
         </p:spPr>
         <p:txBody>
@@ -13034,294 +13671,126 @@
           <a:lstStyle/>
           <a:p>
             <a:r>
-              <a:rPr lang="ru-RU" sz="4000" dirty="0">
+              <a:rPr lang="ru-RU" dirty="0">
                 <a:solidFill>
                   <a:srgbClr val="5ECA8C"/>
                 </a:solidFill>
                 <a:latin typeface="RodchenkoCTT" pitchFamily="2" charset="0"/>
               </a:rPr>
-              <a:t>Приближение/Зум</a:t>
+              <a:t>Обучение</a:t>
             </a:r>
           </a:p>
         </p:txBody>
       </p:sp>
-      <p:grpSp>
-        <p:nvGrpSpPr>
-          <p:cNvPr id="8" name="Группа 7">
+      <p:pic>
+        <p:nvPicPr>
+          <p:cNvPr id="15" name="Рисунок 14">
             <a:extLst>
               <a:ext uri="{FF2B5EF4-FFF2-40B4-BE49-F238E27FC236}">
-                <a16:creationId xmlns:a16="http://schemas.microsoft.com/office/drawing/2014/main" id="{72BD0421-8295-4779-8310-4CBB2DE845A0}"/>
+                <a16:creationId xmlns:a16="http://schemas.microsoft.com/office/drawing/2014/main" id="{D3683214-ABD4-401B-BDAB-66048E1846EC}"/>
               </a:ext>
             </a:extLst>
           </p:cNvPr>
-          <p:cNvGrpSpPr/>
+          <p:cNvPicPr>
+            <a:picLocks noChangeAspect="1"/>
+          </p:cNvPicPr>
           <p:nvPr/>
-        </p:nvGrpSpPr>
-        <p:grpSpPr>
+        </p:nvPicPr>
+        <p:blipFill rotWithShape="1">
+          <a:blip r:embed="rId3"/>
+          <a:srcRect l="27379" r="27803" b="65702"/>
+          <a:stretch/>
+        </p:blipFill>
+        <p:spPr>
           <a:xfrm>
-            <a:off x="778475" y="1203153"/>
-            <a:ext cx="10784017" cy="5005137"/>
-            <a:chOff x="778475" y="1203153"/>
-            <a:chExt cx="10784017" cy="5005137"/>
+            <a:off x="669506" y="1738561"/>
+            <a:ext cx="5450305" cy="2346158"/>
           </a:xfrm>
-        </p:grpSpPr>
-        <p:pic>
-          <p:nvPicPr>
-            <p:cNvPr id="9" name="Рисунок 8">
-              <a:extLst>
-                <a:ext uri="{FF2B5EF4-FFF2-40B4-BE49-F238E27FC236}">
-                  <a16:creationId xmlns:a16="http://schemas.microsoft.com/office/drawing/2014/main" id="{207EE98E-E2F2-4C1F-B1CF-BF5AB2C2A6CD}"/>
-                </a:ext>
-              </a:extLst>
-            </p:cNvPr>
-            <p:cNvPicPr>
-              <a:picLocks noChangeAspect="1"/>
-            </p:cNvPicPr>
-            <p:nvPr/>
-          </p:nvPicPr>
-          <p:blipFill>
-            <a:blip r:embed="rId3"/>
-            <a:stretch>
-              <a:fillRect/>
-            </a:stretch>
-          </p:blipFill>
-          <p:spPr>
-            <a:xfrm>
-              <a:off x="778475" y="3162118"/>
-              <a:ext cx="896026" cy="1087215"/>
-            </a:xfrm>
-            <a:prstGeom prst="rect">
-              <a:avLst/>
-            </a:prstGeom>
-          </p:spPr>
-        </p:pic>
-        <p:pic>
-          <p:nvPicPr>
-            <p:cNvPr id="10" name="Рисунок 9">
-              <a:extLst>
-                <a:ext uri="{FF2B5EF4-FFF2-40B4-BE49-F238E27FC236}">
-                  <a16:creationId xmlns:a16="http://schemas.microsoft.com/office/drawing/2014/main" id="{2A7BD4C6-FC03-4EEA-ACC6-22D268B91519}"/>
-                </a:ext>
-              </a:extLst>
-            </p:cNvPr>
-            <p:cNvPicPr>
-              <a:picLocks noChangeAspect="1"/>
-            </p:cNvPicPr>
-            <p:nvPr/>
-          </p:nvPicPr>
-          <p:blipFill>
-            <a:blip r:embed="rId4"/>
-            <a:stretch>
-              <a:fillRect/>
-            </a:stretch>
-          </p:blipFill>
-          <p:spPr>
-            <a:xfrm>
-              <a:off x="1674501" y="2719564"/>
-              <a:ext cx="1651248" cy="1972319"/>
-            </a:xfrm>
-            <a:prstGeom prst="rect">
-              <a:avLst/>
-            </a:prstGeom>
-          </p:spPr>
-        </p:pic>
-        <p:pic>
-          <p:nvPicPr>
-            <p:cNvPr id="11" name="Рисунок 10">
-              <a:extLst>
-                <a:ext uri="{FF2B5EF4-FFF2-40B4-BE49-F238E27FC236}">
-                  <a16:creationId xmlns:a16="http://schemas.microsoft.com/office/drawing/2014/main" id="{261E3FBA-DF14-4998-A249-AC6A374004D7}"/>
-                </a:ext>
-              </a:extLst>
-            </p:cNvPr>
-            <p:cNvPicPr>
-              <a:picLocks noChangeAspect="1"/>
-            </p:cNvPicPr>
-            <p:nvPr/>
-          </p:nvPicPr>
-          <p:blipFill>
-            <a:blip r:embed="rId5"/>
-            <a:stretch>
-              <a:fillRect/>
-            </a:stretch>
-          </p:blipFill>
-          <p:spPr>
-            <a:xfrm>
-              <a:off x="3325749" y="1876275"/>
-              <a:ext cx="3065690" cy="3658895"/>
-            </a:xfrm>
-            <a:prstGeom prst="rect">
-              <a:avLst/>
-            </a:prstGeom>
-          </p:spPr>
-        </p:pic>
-        <p:pic>
-          <p:nvPicPr>
-            <p:cNvPr id="12" name="Рисунок 11">
-              <a:extLst>
-                <a:ext uri="{FF2B5EF4-FFF2-40B4-BE49-F238E27FC236}">
-                  <a16:creationId xmlns:a16="http://schemas.microsoft.com/office/drawing/2014/main" id="{5512D7AF-610B-46D7-B56E-93FD2FF211F9}"/>
-                </a:ext>
-              </a:extLst>
-            </p:cNvPr>
-            <p:cNvPicPr>
-              <a:picLocks noChangeAspect="1"/>
-            </p:cNvPicPr>
-            <p:nvPr/>
-          </p:nvPicPr>
-          <p:blipFill>
-            <a:blip r:embed="rId6"/>
-            <a:stretch>
-              <a:fillRect/>
-            </a:stretch>
-          </p:blipFill>
-          <p:spPr>
-            <a:xfrm>
-              <a:off x="6220728" y="1203153"/>
-              <a:ext cx="5341764" cy="5005137"/>
-            </a:xfrm>
-            <a:prstGeom prst="rect">
-              <a:avLst/>
-            </a:prstGeom>
-          </p:spPr>
-        </p:pic>
-        <p:cxnSp>
-          <p:nvCxnSpPr>
-            <p:cNvPr id="13" name="Прямая со стрелкой 12">
-              <a:extLst>
-                <a:ext uri="{FF2B5EF4-FFF2-40B4-BE49-F238E27FC236}">
-                  <a16:creationId xmlns:a16="http://schemas.microsoft.com/office/drawing/2014/main" id="{442A0FCA-A11B-48EA-ABD9-2D62BEFAA81A}"/>
-                </a:ext>
-              </a:extLst>
-            </p:cNvPr>
-            <p:cNvCxnSpPr>
-              <a:cxnSpLocks/>
-            </p:cNvCxnSpPr>
-            <p:nvPr/>
-          </p:nvCxnSpPr>
-          <p:spPr>
-            <a:xfrm>
-              <a:off x="1473958" y="3671248"/>
-              <a:ext cx="614150" cy="0"/>
-            </a:xfrm>
-            <a:prstGeom prst="straightConnector1">
-              <a:avLst/>
-            </a:prstGeom>
-            <a:ln w="76200">
-              <a:solidFill>
-                <a:srgbClr val="5ECA8C"/>
-              </a:solidFill>
-              <a:tailEnd type="triangle"/>
-            </a:ln>
-          </p:spPr>
-          <p:style>
-            <a:lnRef idx="1">
-              <a:schemeClr val="accent1"/>
-            </a:lnRef>
-            <a:fillRef idx="0">
-              <a:schemeClr val="accent1"/>
-            </a:fillRef>
-            <a:effectRef idx="0">
-              <a:schemeClr val="accent1"/>
-            </a:effectRef>
-            <a:fontRef idx="minor">
-              <a:schemeClr val="tx1"/>
-            </a:fontRef>
-          </p:style>
-        </p:cxnSp>
-        <p:cxnSp>
-          <p:nvCxnSpPr>
-            <p:cNvPr id="14" name="Прямая со стрелкой 13">
-              <a:extLst>
-                <a:ext uri="{FF2B5EF4-FFF2-40B4-BE49-F238E27FC236}">
-                  <a16:creationId xmlns:a16="http://schemas.microsoft.com/office/drawing/2014/main" id="{61B7F93F-029E-4521-BC15-BEB5EC089268}"/>
-                </a:ext>
-              </a:extLst>
-            </p:cNvPr>
-            <p:cNvCxnSpPr>
-              <a:cxnSpLocks/>
-            </p:cNvCxnSpPr>
-            <p:nvPr/>
-          </p:nvCxnSpPr>
-          <p:spPr>
-            <a:xfrm>
-              <a:off x="3018674" y="3671248"/>
-              <a:ext cx="869149" cy="0"/>
-            </a:xfrm>
-            <a:prstGeom prst="straightConnector1">
-              <a:avLst/>
-            </a:prstGeom>
-            <a:ln w="76200">
-              <a:solidFill>
-                <a:srgbClr val="5ECA8C"/>
-              </a:solidFill>
-              <a:tailEnd type="triangle"/>
-            </a:ln>
-          </p:spPr>
-          <p:style>
-            <a:lnRef idx="1">
-              <a:schemeClr val="accent1"/>
-            </a:lnRef>
-            <a:fillRef idx="0">
-              <a:schemeClr val="accent1"/>
-            </a:fillRef>
-            <a:effectRef idx="0">
-              <a:schemeClr val="accent1"/>
-            </a:effectRef>
-            <a:fontRef idx="minor">
-              <a:schemeClr val="tx1"/>
-            </a:fontRef>
-          </p:style>
-        </p:cxnSp>
-        <p:cxnSp>
-          <p:nvCxnSpPr>
-            <p:cNvPr id="15" name="Прямая со стрелкой 14">
-              <a:extLst>
-                <a:ext uri="{FF2B5EF4-FFF2-40B4-BE49-F238E27FC236}">
-                  <a16:creationId xmlns:a16="http://schemas.microsoft.com/office/drawing/2014/main" id="{A46A0FB7-74D9-4EAB-8FAC-6D87480D9B30}"/>
-                </a:ext>
-              </a:extLst>
-            </p:cNvPr>
-            <p:cNvCxnSpPr>
-              <a:cxnSpLocks/>
-            </p:cNvCxnSpPr>
-            <p:nvPr/>
-          </p:nvCxnSpPr>
-          <p:spPr>
-            <a:xfrm>
-              <a:off x="5505662" y="3673523"/>
-              <a:ext cx="1618469" cy="0"/>
-            </a:xfrm>
-            <a:prstGeom prst="straightConnector1">
-              <a:avLst/>
-            </a:prstGeom>
-            <a:ln w="76200">
-              <a:solidFill>
-                <a:srgbClr val="5ECA8C"/>
-              </a:solidFill>
-              <a:tailEnd type="triangle"/>
-            </a:ln>
-          </p:spPr>
-          <p:style>
-            <a:lnRef idx="1">
-              <a:schemeClr val="accent1"/>
-            </a:lnRef>
-            <a:fillRef idx="0">
-              <a:schemeClr val="accent1"/>
-            </a:fillRef>
-            <a:effectRef idx="0">
-              <a:schemeClr val="accent1"/>
-            </a:effectRef>
-            <a:fontRef idx="minor">
-              <a:schemeClr val="tx1"/>
-            </a:fontRef>
-          </p:style>
-        </p:cxnSp>
-      </p:grpSp>
+          <a:prstGeom prst="rect">
+            <a:avLst/>
+          </a:prstGeom>
+        </p:spPr>
+      </p:pic>
+      <p:pic>
+        <p:nvPicPr>
+          <p:cNvPr id="17" name="Рисунок 16">
+            <a:extLst>
+              <a:ext uri="{FF2B5EF4-FFF2-40B4-BE49-F238E27FC236}">
+                <a16:creationId xmlns:a16="http://schemas.microsoft.com/office/drawing/2014/main" id="{700D4F72-6B99-4DBE-956A-0175CD64E3B8}"/>
+              </a:ext>
+            </a:extLst>
+          </p:cNvPr>
+          <p:cNvPicPr>
+            <a:picLocks noChangeAspect="1"/>
+          </p:cNvPicPr>
+          <p:nvPr/>
+        </p:nvPicPr>
+        <p:blipFill rotWithShape="1">
+          <a:blip r:embed="rId3"/>
+          <a:srcRect l="27378" r="26814" b="65702"/>
+          <a:stretch/>
+        </p:blipFill>
+        <p:spPr>
+          <a:xfrm>
+            <a:off x="6119812" y="1684420"/>
+            <a:ext cx="5570621" cy="2346158"/>
+          </a:xfrm>
+          <a:prstGeom prst="rect">
+            <a:avLst/>
+          </a:prstGeom>
+        </p:spPr>
+      </p:pic>
+      <p:pic>
+        <p:nvPicPr>
+          <p:cNvPr id="18" name="Picture 2" descr="[animate output image]">
+            <a:extLst>
+              <a:ext uri="{FF2B5EF4-FFF2-40B4-BE49-F238E27FC236}">
+                <a16:creationId xmlns:a16="http://schemas.microsoft.com/office/drawing/2014/main" id="{6F369B8A-928A-46AA-8322-E513DD8097E0}"/>
+              </a:ext>
+            </a:extLst>
+          </p:cNvPr>
+          <p:cNvPicPr>
+            <a:picLocks noChangeAspect="1" noChangeArrowheads="1" noCrop="1"/>
+          </p:cNvPicPr>
+          <p:nvPr/>
+        </p:nvPicPr>
+        <p:blipFill>
+          <a:blip r:embed="rId4">
+            <a:extLst>
+              <a:ext uri="{28A0092B-C50C-407E-A947-70E740481C1C}">
+                <a14:useLocalDpi xmlns:a14="http://schemas.microsoft.com/office/drawing/2010/main" val="0"/>
+              </a:ext>
+            </a:extLst>
+          </a:blip>
+          <a:srcRect/>
+          <a:stretch>
+            <a:fillRect/>
+          </a:stretch>
+        </p:blipFill>
+        <p:spPr bwMode="auto">
+          <a:xfrm rot="16200000">
+            <a:off x="5082434" y="2568989"/>
+            <a:ext cx="2055999" cy="2055999"/>
+          </a:xfrm>
+          <a:prstGeom prst="rect">
+            <a:avLst/>
+          </a:prstGeom>
+          <a:noFill/>
+          <a:extLst>
+            <a:ext uri="{909E8E84-426E-40DD-AFC4-6F175D3DCCD1}">
+              <a14:hiddenFill xmlns:a14="http://schemas.microsoft.com/office/drawing/2010/main">
+                <a:solidFill>
+                  <a:srgbClr val="FFFFFF"/>
+                </a:solidFill>
+              </a14:hiddenFill>
+            </a:ext>
+          </a:extLst>
+        </p:spPr>
+      </p:pic>
     </p:spTree>
     <p:extLst>
       <p:ext uri="{BB962C8B-B14F-4D97-AF65-F5344CB8AC3E}">
-        <p14:creationId xmlns:p14="http://schemas.microsoft.com/office/powerpoint/2010/main" val="3859425921"/>
+        <p14:creationId xmlns:p14="http://schemas.microsoft.com/office/powerpoint/2010/main" val="2272474398"/>
       </p:ext>
     </p:extLst>
   </p:cSld>
@@ -13340,9 +13809,6 @@
                     <p:cTn id="3" fill="hold">
                       <p:stCondLst>
                         <p:cond delay="indefinite"/>
-                        <p:cond evt="onBegin" delay="0">
-                          <p:tn val="2"/>
-                        </p:cond>
                       </p:stCondLst>
                       <p:childTnLst>
                         <p:par>
@@ -13352,7 +13818,7 @@
                             </p:stCondLst>
                             <p:childTnLst>
                               <p:par>
-                                <p:cTn id="5" presetID="22" presetClass="entr" presetSubtype="8" fill="hold" nodeType="withEffect">
+                                <p:cTn id="5" presetID="10" presetClass="entr" presetSubtype="0" fill="hold" nodeType="clickEffect">
                                   <p:stCondLst>
                                     <p:cond delay="0"/>
                                   </p:stCondLst>
@@ -13365,7 +13831,7 @@
                                           </p:stCondLst>
                                         </p:cTn>
                                         <p:tgtEl>
-                                          <p:spTgt spid="8"/>
+                                          <p:spTgt spid="18"/>
                                         </p:tgtEl>
                                         <p:attrNameLst>
                                           <p:attrName>style.visibility</p:attrName>
@@ -13375,11 +13841,11 @@
                                         <p:strVal val="visible"/>
                                       </p:to>
                                     </p:set>
-                                    <p:animEffect transition="in" filter="wipe(left)">
+                                    <p:animEffect transition="in" filter="fade">
                                       <p:cBhvr>
-                                        <p:cTn id="7" dur="10000"/>
+                                        <p:cTn id="7" dur="500"/>
                                         <p:tgtEl>
-                                          <p:spTgt spid="8"/>
+                                          <p:spTgt spid="18"/>
                                         </p:tgtEl>
                                       </p:cBhvr>
                                     </p:animEffect>
@@ -13805,4 +14271,47 @@
     </a:folHlink>
   </a:clrScheme>
 </a:themeOverride>
+</file>
+
+<file path=ppt/theme/themeOverride4.xml><?xml version="1.0" encoding="utf-8"?>
+<a:themeOverride xmlns:a="http://schemas.openxmlformats.org/drawingml/2006/main">
+  <a:clrScheme name="Тема Office">
+    <a:dk1>
+      <a:sysClr val="windowText" lastClr="000000"/>
+    </a:dk1>
+    <a:lt1>
+      <a:sysClr val="window" lastClr="FFFFFF"/>
+    </a:lt1>
+    <a:dk2>
+      <a:srgbClr val="44546A"/>
+    </a:dk2>
+    <a:lt2>
+      <a:srgbClr val="E7E6E6"/>
+    </a:lt2>
+    <a:accent1>
+      <a:srgbClr val="5B9BD5"/>
+    </a:accent1>
+    <a:accent2>
+      <a:srgbClr val="ED7D31"/>
+    </a:accent2>
+    <a:accent3>
+      <a:srgbClr val="A5A5A5"/>
+    </a:accent3>
+    <a:accent4>
+      <a:srgbClr val="FFC000"/>
+    </a:accent4>
+    <a:accent5>
+      <a:srgbClr val="4472C4"/>
+    </a:accent5>
+    <a:accent6>
+      <a:srgbClr val="70AD47"/>
+    </a:accent6>
+    <a:hlink>
+      <a:srgbClr val="0563C1"/>
+    </a:hlink>
+    <a:folHlink>
+      <a:srgbClr val="954F72"/>
+    </a:folHlink>
+  </a:clrScheme>
+</a:themeOverride>
 </file>
--- a/presentation.pptx
+++ b/presentation.pptx
@@ -7,8 +7,8 @@
   <p:sldIdLst>
     <p:sldId id="256" r:id="rId2"/>
     <p:sldId id="257" r:id="rId3"/>
-    <p:sldId id="260" r:id="rId4"/>
-    <p:sldId id="274" r:id="rId5"/>
+    <p:sldId id="274" r:id="rId4"/>
+    <p:sldId id="260" r:id="rId5"/>
     <p:sldId id="269" r:id="rId6"/>
     <p:sldId id="270" r:id="rId7"/>
     <p:sldId id="271" r:id="rId8"/>
@@ -19,7 +19,7 @@
     <p:sldId id="268" r:id="rId13"/>
     <p:sldId id="272" r:id="rId14"/>
     <p:sldId id="267" r:id="rId15"/>
-    <p:sldId id="258" r:id="rId16"/>
+    <p:sldId id="275" r:id="rId16"/>
   </p:sldIdLst>
   <p:sldSz cx="12239625" cy="6840538"/>
   <p:notesSz cx="6858000" cy="9144000"/>
@@ -129,8 +129,8 @@
         </p14:section>
         <p14:section name="Механики" id="{A393419E-EA50-4CCA-8D41-F0CCF1C77C8E}">
           <p14:sldIdLst>
+            <p14:sldId id="274"/>
             <p14:sldId id="260"/>
-            <p14:sldId id="274"/>
             <p14:sldId id="269"/>
             <p14:sldId id="270"/>
             <p14:sldId id="271"/>
@@ -157,7 +157,7 @@
         </p14:section>
         <p14:section name="Благодарение" id="{B797DD09-EBBF-4DFD-8055-741D0C2E6705}">
           <p14:sldIdLst>
-            <p14:sldId id="258"/>
+            <p14:sldId id="275"/>
           </p14:sldIdLst>
         </p14:section>
       </p14:sectionLst>
@@ -3063,30 +3063,30 @@
         </p:nvSpPr>
         <p:spPr>
           <a:xfrm>
-            <a:off x="2277315" y="2635161"/>
-            <a:ext cx="7684997" cy="1570216"/>
+            <a:off x="359813" y="2340269"/>
+            <a:ext cx="11520000" cy="2160000"/>
           </a:xfrm>
         </p:spPr>
         <p:txBody>
-          <a:bodyPr>
+          <a:bodyPr anchor="ctr">
             <a:noAutofit/>
           </a:bodyPr>
           <a:lstStyle/>
           <a:p>
             <a:r>
-              <a:rPr lang="ru-RU" dirty="0"/>
-              <a:t>Проект </a:t>
+              <a:rPr lang="ru-RU" dirty="0" smtClean="0"/>
+              <a:t>Компьютерная игра</a:t>
+            </a:r>
+            <a:br>
+              <a:rPr lang="ru-RU" dirty="0" smtClean="0"/>
+            </a:br>
+            <a:r>
+              <a:rPr lang="ru-RU" dirty="0" smtClean="0"/>
+              <a:t>«Логические </a:t>
             </a:r>
             <a:r>
-              <a:rPr lang="en-US" dirty="0" err="1"/>
-              <a:t>pygame</a:t>
-            </a:r>
-            <a:br>
-              <a:rPr lang="en-US" dirty="0"/>
-            </a:br>
-            <a:r>
               <a:rPr lang="ru-RU" dirty="0"/>
-              <a:t>«Логические функции»</a:t>
+              <a:t>функции»</a:t>
             </a:r>
           </a:p>
         </p:txBody>
@@ -3124,6 +3124,69 @@
           </a:p>
         </p:txBody>
       </p:sp>
+      <p:sp>
+        <p:nvSpPr>
+          <p:cNvPr id="4" name="Заголовок 1">
+            <a:extLst>
+              <a:ext uri="{FF2B5EF4-FFF2-40B4-BE49-F238E27FC236}">
+                <a16:creationId xmlns:a16="http://schemas.microsoft.com/office/drawing/2014/main" id="{7D5AD255-2E5B-49E0-AC97-94A3C31A92E7}"/>
+              </a:ext>
+            </a:extLst>
+          </p:cNvPr>
+          <p:cNvSpPr txBox="1">
+            <a:spLocks/>
+          </p:cNvSpPr>
+          <p:nvPr/>
+        </p:nvSpPr>
+        <p:spPr>
+          <a:xfrm>
+            <a:off x="1799813" y="1620269"/>
+            <a:ext cx="8640000" cy="720000"/>
+          </a:xfrm>
+          <a:prstGeom prst="rect">
+            <a:avLst/>
+          </a:prstGeom>
+        </p:spPr>
+        <p:txBody>
+          <a:bodyPr vert="horz" lIns="91440" tIns="45720" rIns="91440" bIns="45720" rtlCol="0" anchor="ctr">
+            <a:noAutofit/>
+          </a:bodyPr>
+          <a:lstStyle>
+            <a:lvl1pPr algn="ctr" defTabSz="912114" rtl="0" eaLnBrk="1" latinLnBrk="0" hangingPunct="1">
+              <a:lnSpc>
+                <a:spcPct val="90000"/>
+              </a:lnSpc>
+              <a:spcBef>
+                <a:spcPct val="0"/>
+              </a:spcBef>
+              <a:buNone/>
+              <a:defRPr sz="5985" kern="1200">
+                <a:solidFill>
+                  <a:schemeClr val="tx1"/>
+                </a:solidFill>
+                <a:latin typeface="+mj-lt"/>
+                <a:ea typeface="+mj-ea"/>
+                <a:cs typeface="+mj-cs"/>
+              </a:defRPr>
+            </a:lvl1pPr>
+          </a:lstStyle>
+          <a:p>
+            <a:r>
+              <a:rPr lang="ru-RU" sz="4000" dirty="0" smtClean="0"/>
+              <a:t>Проектная работа по модулю "</a:t>
+            </a:r>
+            <a:r>
+              <a:rPr lang="en-US" sz="4000" dirty="0" err="1" smtClean="0"/>
+              <a:t>pygame</a:t>
+            </a:r>
+            <a:r>
+              <a:rPr lang="ru-RU" sz="4000" dirty="0" smtClean="0"/>
+              <a:t>"</a:t>
+            </a:r>
+            <a:endParaRPr lang="ru-RU" sz="4000" dirty="0"/>
+          </a:p>
+        </p:txBody>
+      </p:sp>
     </p:spTree>
     <p:extLst>
       <p:ext uri="{BB962C8B-B14F-4D97-AF65-F5344CB8AC3E}">
@@ -3134,6 +3197,13 @@
   <p:clrMapOvr>
     <a:masterClrMapping/>
   </p:clrMapOvr>
+  <p:timing>
+    <p:tnLst>
+      <p:par>
+        <p:cTn id="1" dur="indefinite" restart="never" nodeType="tmRoot"/>
+      </p:par>
+    </p:tnLst>
+  </p:timing>
 </p:sld>
 </file>
 
@@ -10379,7 +10449,7 @@
             <p:nvPr/>
           </p:nvPicPr>
           <p:blipFill>
-            <a:blip r:embed="rId7">
+            <a:blip r:embed="rId7" cstate="hqprint">
               <a:extLst>
                 <a:ext uri="{28A0092B-C50C-407E-A947-70E740481C1C}">
                   <a14:useLocalDpi xmlns:a14="http://schemas.microsoft.com/office/drawing/2010/main" val="0"/>
@@ -10988,9 +11058,15 @@
   <p:cSld>
     <p:bg>
       <p:bgPr>
-        <a:solidFill>
-          <a:schemeClr val="bg1"/>
-        </a:solidFill>
+        <a:blipFill dpi="0" rotWithShape="1">
+          <a:blip r:embed="rId3">
+            <a:lum/>
+          </a:blip>
+          <a:srcRect/>
+          <a:stretch>
+            <a:fillRect t="-20000" b="-20000"/>
+          </a:stretch>
+        </a:blipFill>
         <a:effectLst/>
       </p:bgPr>
     </p:bg>
@@ -11010,13 +11086,62 @@
       </p:grpSpPr>
       <p:sp>
         <p:nvSpPr>
-          <p:cNvPr id="2" name="Заголовок 1">
-            <a:extLst>
-              <a:ext uri="{FF2B5EF4-FFF2-40B4-BE49-F238E27FC236}">
-                <a16:creationId xmlns:a16="http://schemas.microsoft.com/office/drawing/2014/main" id="{BFF231EF-1BF6-4E60-BC11-A19C422D0C9A}"/>
-              </a:ext>
-            </a:extLst>
-          </p:cNvPr>
+          <p:cNvPr id="4" name="Прямоугольник 3"/>
+          <p:cNvSpPr/>
+          <p:nvPr/>
+        </p:nvSpPr>
+        <p:spPr>
+          <a:xfrm>
+            <a:off x="539812" y="540268"/>
+            <a:ext cx="11160000" cy="5760000"/>
+          </a:xfrm>
+          <a:prstGeom prst="rect">
+            <a:avLst/>
+          </a:prstGeom>
+          <a:solidFill>
+            <a:schemeClr val="tx1"/>
+          </a:solidFill>
+          <a:ln w="63500">
+            <a:solidFill>
+              <a:schemeClr val="accent6">
+                <a:lumMod val="75000"/>
+              </a:schemeClr>
+            </a:solidFill>
+          </a:ln>
+        </p:spPr>
+        <p:style>
+          <a:lnRef idx="2">
+            <a:schemeClr val="accent1">
+              <a:shade val="50000"/>
+            </a:schemeClr>
+          </a:lnRef>
+          <a:fillRef idx="1">
+            <a:schemeClr val="accent1"/>
+          </a:fillRef>
+          <a:effectRef idx="0">
+            <a:schemeClr val="accent1"/>
+          </a:effectRef>
+          <a:fontRef idx="minor">
+            <a:schemeClr val="lt1"/>
+          </a:fontRef>
+        </p:style>
+        <p:txBody>
+          <a:bodyPr rot="0" spcFirstLastPara="0" vertOverflow="overflow" horzOverflow="overflow" vert="horz" wrap="square" lIns="91797" tIns="45899" rIns="91797" bIns="45899" numCol="1" spcCol="0" rtlCol="0" fromWordArt="0" anchor="ctr" anchorCtr="0" forceAA="0" compatLnSpc="1">
+            <a:prstTxWarp prst="textNoShape">
+              <a:avLst/>
+            </a:prstTxWarp>
+            <a:noAutofit/>
+          </a:bodyPr>
+          <a:lstStyle/>
+          <a:p>
+            <a:pPr algn="ctr"/>
+            <a:endParaRPr lang="ru-RU" sz="1807" dirty="0"/>
+          </a:p>
+        </p:txBody>
+      </p:sp>
+      <p:sp>
+        <p:nvSpPr>
+          <p:cNvPr id="2" name="Заголовок 1"/>
           <p:cNvSpPr>
             <a:spLocks noGrp="1"/>
           </p:cNvSpPr>
@@ -11026,33 +11151,54 @@
         </p:nvSpPr>
         <p:spPr>
           <a:xfrm>
-            <a:off x="3263459" y="2775999"/>
-            <a:ext cx="5929274" cy="1081040"/>
+            <a:off x="841474" y="2759174"/>
+            <a:ext cx="10556677" cy="1322188"/>
           </a:xfrm>
         </p:spPr>
         <p:txBody>
-          <a:bodyPr/>
+          <a:bodyPr vert="horz" lIns="91440" tIns="45720" rIns="91440" bIns="45720" rtlCol="0" anchor="ctr">
+            <a:normAutofit/>
+          </a:bodyPr>
           <a:lstStyle/>
           <a:p>
+            <a:pPr algn="ctr"/>
             <a:r>
-              <a:rPr lang="ru-RU" dirty="0">
+              <a:rPr lang="ru-RU" sz="7200" dirty="0" smtClean="0">
+                <a:solidFill>
+                  <a:srgbClr val="77F531"/>
+                </a:solidFill>
                 <a:latin typeface="RodchenkoCTT" pitchFamily="2" charset="0"/>
+                <a:cs typeface="Courier New" panose="02070309020205020404" pitchFamily="49" charset="0"/>
               </a:rPr>
-              <a:t>СПАСИБО ЗА ВНИМАНИЕ!</a:t>
+              <a:t>СПАСИБО ЗА ВНИМАНИЕ</a:t>
             </a:r>
+            <a:endParaRPr lang="ru-RU" sz="7200" dirty="0">
+              <a:solidFill>
+                <a:srgbClr val="77F531"/>
+              </a:solidFill>
+              <a:latin typeface="RodchenkoCTT" pitchFamily="2" charset="0"/>
+              <a:cs typeface="Courier New" panose="02070309020205020404" pitchFamily="49" charset="0"/>
+            </a:endParaRPr>
           </a:p>
         </p:txBody>
       </p:sp>
     </p:spTree>
     <p:extLst>
       <p:ext uri="{BB962C8B-B14F-4D97-AF65-F5344CB8AC3E}">
-        <p14:creationId xmlns:p14="http://schemas.microsoft.com/office/powerpoint/2010/main" val="2798486509"/>
+        <p14:creationId xmlns:p14="http://schemas.microsoft.com/office/powerpoint/2010/main" val="3328635156"/>
       </p:ext>
     </p:extLst>
   </p:cSld>
   <p:clrMapOvr>
-    <a:masterClrMapping/>
+    <a:overrideClrMapping bg1="lt1" tx1="dk1" bg2="lt2" tx2="dk2" accent1="accent1" accent2="accent2" accent3="accent3" accent4="accent4" accent5="accent5" accent6="accent6" hlink="hlink" folHlink="folHlink"/>
   </p:clrMapOvr>
+  <p:timing>
+    <p:tnLst>
+      <p:par>
+        <p:cTn id="1" dur="indefinite" restart="never" nodeType="tmRoot"/>
+      </p:par>
+    </p:tnLst>
+  </p:timing>
 </p:sld>
 </file>
 
@@ -11303,10 +11449,1131 @@
   <p:clrMapOvr>
     <a:masterClrMapping/>
   </p:clrMapOvr>
+  <p:timing>
+    <p:tnLst>
+      <p:par>
+        <p:cTn id="1" dur="indefinite" restart="never" nodeType="tmRoot"/>
+      </p:par>
+    </p:tnLst>
+  </p:timing>
 </p:sld>
 </file>
 
 <file path=ppt/slides/slide3.xml><?xml version="1.0" encoding="utf-8"?>
+<p:sld xmlns:a="http://schemas.openxmlformats.org/drawingml/2006/main" xmlns:r="http://schemas.openxmlformats.org/officeDocument/2006/relationships" xmlns:p="http://schemas.openxmlformats.org/presentationml/2006/main">
+  <p:cSld>
+    <p:bg>
+      <p:bgPr>
+        <a:blipFill dpi="0" rotWithShape="1">
+          <a:blip r:embed="rId3">
+            <a:lum/>
+          </a:blip>
+          <a:srcRect/>
+          <a:stretch>
+            <a:fillRect t="-20000" b="-20000"/>
+          </a:stretch>
+        </a:blipFill>
+        <a:effectLst/>
+      </p:bgPr>
+    </p:bg>
+    <p:spTree>
+      <p:nvGrpSpPr>
+        <p:cNvPr id="1" name=""/>
+        <p:cNvGrpSpPr/>
+        <p:nvPr/>
+      </p:nvGrpSpPr>
+      <p:grpSpPr>
+        <a:xfrm>
+          <a:off x="0" y="0"/>
+          <a:ext cx="0" cy="0"/>
+          <a:chOff x="0" y="0"/>
+          <a:chExt cx="0" cy="0"/>
+        </a:xfrm>
+      </p:grpSpPr>
+      <p:sp>
+        <p:nvSpPr>
+          <p:cNvPr id="4" name="Прямоугольник 3"/>
+          <p:cNvSpPr/>
+          <p:nvPr/>
+        </p:nvSpPr>
+        <p:spPr>
+          <a:xfrm>
+            <a:off x="539813" y="540269"/>
+            <a:ext cx="11160000" cy="5760000"/>
+          </a:xfrm>
+          <a:prstGeom prst="rect">
+            <a:avLst/>
+          </a:prstGeom>
+          <a:solidFill>
+            <a:schemeClr val="tx1"/>
+          </a:solidFill>
+          <a:ln w="63500">
+            <a:solidFill>
+              <a:schemeClr val="accent6">
+                <a:lumMod val="75000"/>
+              </a:schemeClr>
+            </a:solidFill>
+          </a:ln>
+        </p:spPr>
+        <p:style>
+          <a:lnRef idx="2">
+            <a:schemeClr val="accent1">
+              <a:shade val="50000"/>
+            </a:schemeClr>
+          </a:lnRef>
+          <a:fillRef idx="1">
+            <a:schemeClr val="accent1"/>
+          </a:fillRef>
+          <a:effectRef idx="0">
+            <a:schemeClr val="accent1"/>
+          </a:effectRef>
+          <a:fontRef idx="minor">
+            <a:schemeClr val="lt1"/>
+          </a:fontRef>
+        </p:style>
+        <p:txBody>
+          <a:bodyPr rot="0" spcFirstLastPara="0" vertOverflow="overflow" horzOverflow="overflow" vert="horz" wrap="square" lIns="91797" tIns="45899" rIns="91797" bIns="45899" numCol="1" spcCol="0" rtlCol="0" fromWordArt="0" anchor="ctr" anchorCtr="0" forceAA="0" compatLnSpc="1">
+            <a:prstTxWarp prst="textNoShape">
+              <a:avLst/>
+            </a:prstTxWarp>
+            <a:noAutofit/>
+          </a:bodyPr>
+          <a:lstStyle/>
+          <a:p>
+            <a:pPr algn="ctr"/>
+            <a:endParaRPr lang="ru-RU" sz="1807"/>
+          </a:p>
+        </p:txBody>
+      </p:sp>
+      <p:pic>
+        <p:nvPicPr>
+          <p:cNvPr id="18" name="Рисунок 17"/>
+          <p:cNvPicPr>
+            <a:picLocks noChangeAspect="1"/>
+          </p:cNvPicPr>
+          <p:nvPr/>
+        </p:nvPicPr>
+        <p:blipFill rotWithShape="1">
+          <a:blip r:embed="rId4"/>
+          <a:srcRect l="39969" t="14548" r="24907" b="11230"/>
+          <a:stretch/>
+        </p:blipFill>
+        <p:spPr>
+          <a:xfrm>
+            <a:off x="5548861" y="2256182"/>
+            <a:ext cx="3209925" cy="3815356"/>
+          </a:xfrm>
+          <a:prstGeom prst="rect">
+            <a:avLst/>
+          </a:prstGeom>
+        </p:spPr>
+      </p:pic>
+      <p:sp>
+        <p:nvSpPr>
+          <p:cNvPr id="5" name="Заголовок 1">
+            <a:extLst>
+              <a:ext uri="{FF2B5EF4-FFF2-40B4-BE49-F238E27FC236}">
+                <a16:creationId xmlns:a16="http://schemas.microsoft.com/office/drawing/2014/main" id="{6D8728E5-634E-46B1-9637-28E8C9DBD738}"/>
+              </a:ext>
+            </a:extLst>
+          </p:cNvPr>
+          <p:cNvSpPr>
+            <a:spLocks noGrp="1"/>
+          </p:cNvSpPr>
+          <p:nvPr>
+            <p:ph type="title"/>
+          </p:nvPr>
+        </p:nvSpPr>
+        <p:spPr>
+          <a:xfrm>
+            <a:off x="1988243" y="540269"/>
+            <a:ext cx="8263137" cy="1080000"/>
+          </a:xfrm>
+        </p:spPr>
+        <p:txBody>
+          <a:bodyPr>
+            <a:noAutofit/>
+          </a:bodyPr>
+          <a:lstStyle/>
+          <a:p>
+            <a:pPr algn="ctr"/>
+            <a:r>
+              <a:rPr lang="ru-RU" sz="4400" dirty="0">
+                <a:solidFill>
+                  <a:srgbClr val="77F531"/>
+                </a:solidFill>
+                <a:latin typeface="RodchenkoCTT" pitchFamily="2" charset="0"/>
+                <a:cs typeface="Courier New" panose="02070309020205020404" pitchFamily="49" charset="0"/>
+              </a:rPr>
+              <a:t>ВХОДНЫЕ И ВЫХОДНЫЕ СИГНАЛЫ</a:t>
+            </a:r>
+          </a:p>
+        </p:txBody>
+      </p:sp>
+      <p:sp>
+        <p:nvSpPr>
+          <p:cNvPr id="7" name="Заголовок 1">
+            <a:extLst>
+              <a:ext uri="{FF2B5EF4-FFF2-40B4-BE49-F238E27FC236}">
+                <a16:creationId xmlns:a16="http://schemas.microsoft.com/office/drawing/2014/main" id="{AFAC081E-CB10-4A47-AD74-44CF49ABABAE}"/>
+              </a:ext>
+            </a:extLst>
+          </p:cNvPr>
+          <p:cNvSpPr txBox="1">
+            <a:spLocks/>
+          </p:cNvSpPr>
+          <p:nvPr/>
+        </p:nvSpPr>
+        <p:spPr>
+          <a:xfrm>
+            <a:off x="1021037" y="1441904"/>
+            <a:ext cx="10197547" cy="814279"/>
+          </a:xfrm>
+          <a:prstGeom prst="rect">
+            <a:avLst/>
+          </a:prstGeom>
+        </p:spPr>
+        <p:txBody>
+          <a:bodyPr vert="horz" lIns="91440" tIns="45720" rIns="91440" bIns="45720" rtlCol="0" anchor="t">
+            <a:noAutofit/>
+          </a:bodyPr>
+          <a:lstStyle>
+            <a:lvl1pPr algn="l" defTabSz="912114" rtl="0" eaLnBrk="1" latinLnBrk="0" hangingPunct="1">
+              <a:lnSpc>
+                <a:spcPct val="90000"/>
+              </a:lnSpc>
+              <a:spcBef>
+                <a:spcPct val="0"/>
+              </a:spcBef>
+              <a:buNone/>
+              <a:defRPr sz="4389" kern="1200">
+                <a:solidFill>
+                  <a:schemeClr val="tx1"/>
+                </a:solidFill>
+                <a:latin typeface="+mj-lt"/>
+                <a:ea typeface="+mj-ea"/>
+                <a:cs typeface="+mj-cs"/>
+              </a:defRPr>
+            </a:lvl1pPr>
+          </a:lstStyle>
+          <a:p>
+            <a:pPr algn="just"/>
+            <a:r>
+              <a:rPr lang="ru-RU" sz="2400" dirty="0" smtClean="0">
+                <a:solidFill>
+                  <a:srgbClr val="77F531"/>
+                </a:solidFill>
+                <a:latin typeface="RodchenkoCTT" pitchFamily="2" charset="0"/>
+                <a:cs typeface="Courier New" panose="02070309020205020404" pitchFamily="49" charset="0"/>
+              </a:rPr>
+              <a:t>Входные </a:t>
+            </a:r>
+            <a:r>
+              <a:rPr lang="ru-RU" sz="2400" dirty="0">
+                <a:solidFill>
+                  <a:srgbClr val="77F531"/>
+                </a:solidFill>
+                <a:latin typeface="RodchenkoCTT" pitchFamily="2" charset="0"/>
+                <a:cs typeface="Courier New" panose="02070309020205020404" pitchFamily="49" charset="0"/>
+              </a:rPr>
+              <a:t>и выходные сигналы (иначе - коннекторы) – </a:t>
+            </a:r>
+            <a:r>
+              <a:rPr lang="ru-RU" sz="2400" dirty="0" smtClean="0">
+                <a:solidFill>
+                  <a:srgbClr val="77F531"/>
+                </a:solidFill>
+                <a:latin typeface="RodchenkoCTT" pitchFamily="2" charset="0"/>
+                <a:cs typeface="Courier New" panose="02070309020205020404" pitchFamily="49" charset="0"/>
+              </a:rPr>
+              <a:t>связывают блоки, моделируют входы и выходы с подсоединенными проводами. Ограничения:</a:t>
+            </a:r>
+            <a:endParaRPr lang="ru-RU" sz="2400" dirty="0">
+              <a:solidFill>
+                <a:srgbClr val="77F531"/>
+              </a:solidFill>
+              <a:latin typeface="RodchenkoCTT" pitchFamily="2" charset="0"/>
+              <a:cs typeface="Courier New" panose="02070309020205020404" pitchFamily="49" charset="0"/>
+            </a:endParaRPr>
+          </a:p>
+        </p:txBody>
+      </p:sp>
+      <p:sp>
+        <p:nvSpPr>
+          <p:cNvPr id="8" name="Заголовок 1">
+            <a:extLst>
+              <a:ext uri="{FF2B5EF4-FFF2-40B4-BE49-F238E27FC236}">
+                <a16:creationId xmlns:a16="http://schemas.microsoft.com/office/drawing/2014/main" id="{084CA6BD-A3D1-44F2-8945-BBC64699F4DD}"/>
+              </a:ext>
+            </a:extLst>
+          </p:cNvPr>
+          <p:cNvSpPr txBox="1">
+            <a:spLocks/>
+          </p:cNvSpPr>
+          <p:nvPr/>
+        </p:nvSpPr>
+        <p:spPr>
+          <a:xfrm>
+            <a:off x="1021036" y="2256182"/>
+            <a:ext cx="4398689" cy="2896843"/>
+          </a:xfrm>
+          <a:prstGeom prst="rect">
+            <a:avLst/>
+          </a:prstGeom>
+        </p:spPr>
+        <p:txBody>
+          <a:bodyPr vert="horz" lIns="91440" tIns="45720" rIns="91440" bIns="45720" rtlCol="0" anchor="t">
+            <a:noAutofit/>
+          </a:bodyPr>
+          <a:lstStyle>
+            <a:lvl1pPr algn="l" defTabSz="912114" rtl="0" eaLnBrk="1" latinLnBrk="0" hangingPunct="1">
+              <a:lnSpc>
+                <a:spcPct val="90000"/>
+              </a:lnSpc>
+              <a:spcBef>
+                <a:spcPct val="0"/>
+              </a:spcBef>
+              <a:buNone/>
+              <a:defRPr sz="4389" kern="1200">
+                <a:solidFill>
+                  <a:schemeClr val="tx1"/>
+                </a:solidFill>
+                <a:latin typeface="+mj-lt"/>
+                <a:ea typeface="+mj-ea"/>
+                <a:cs typeface="+mj-cs"/>
+              </a:defRPr>
+            </a:lvl1pPr>
+          </a:lstStyle>
+          <a:p>
+            <a:pPr marL="447675" indent="-447675">
+              <a:buAutoNum type="arabicParenR"/>
+            </a:pPr>
+            <a:r>
+              <a:rPr lang="ru-RU" sz="2400" dirty="0" smtClean="0">
+                <a:solidFill>
+                  <a:srgbClr val="77F531"/>
+                </a:solidFill>
+                <a:latin typeface="RodchenkoCTT" pitchFamily="2" charset="0"/>
+                <a:cs typeface="Courier New" panose="02070309020205020404" pitchFamily="49" charset="0"/>
+              </a:rPr>
+              <a:t>Входной коннектор можно </a:t>
+            </a:r>
+            <a:r>
+              <a:rPr lang="ru-RU" sz="2400" dirty="0">
+                <a:solidFill>
+                  <a:srgbClr val="77F531"/>
+                </a:solidFill>
+                <a:latin typeface="RodchenkoCTT" pitchFamily="2" charset="0"/>
+                <a:cs typeface="Courier New" panose="02070309020205020404" pitchFamily="49" charset="0"/>
+              </a:rPr>
+              <a:t>соединять только с одним выходным.</a:t>
+            </a:r>
+          </a:p>
+          <a:p>
+            <a:pPr marL="447675" indent="-447675">
+              <a:buAutoNum type="arabicParenR"/>
+            </a:pPr>
+            <a:r>
+              <a:rPr lang="ru-RU" sz="2400" dirty="0">
+                <a:solidFill>
+                  <a:srgbClr val="77F531"/>
+                </a:solidFill>
+                <a:latin typeface="RodchenkoCTT" pitchFamily="2" charset="0"/>
+                <a:cs typeface="Courier New" panose="02070309020205020404" pitchFamily="49" charset="0"/>
+              </a:rPr>
+              <a:t>Выходной </a:t>
+            </a:r>
+            <a:r>
+              <a:rPr lang="ru-RU" sz="2400" dirty="0" smtClean="0">
+                <a:solidFill>
+                  <a:srgbClr val="77F531"/>
+                </a:solidFill>
+                <a:latin typeface="RodchenkoCTT" pitchFamily="2" charset="0"/>
+                <a:cs typeface="Courier New" panose="02070309020205020404" pitchFamily="49" charset="0"/>
+              </a:rPr>
+              <a:t>коннектор </a:t>
+            </a:r>
+            <a:r>
+              <a:rPr lang="ru-RU" sz="2400" dirty="0">
+                <a:solidFill>
+                  <a:srgbClr val="77F531"/>
+                </a:solidFill>
+                <a:latin typeface="RodchenkoCTT" pitchFamily="2" charset="0"/>
+                <a:cs typeface="Courier New" panose="02070309020205020404" pitchFamily="49" charset="0"/>
+              </a:rPr>
+              <a:t>можно соединять с неограниченным количеством </a:t>
+            </a:r>
+            <a:r>
+              <a:rPr lang="ru-RU" sz="2400" dirty="0" smtClean="0">
+                <a:solidFill>
+                  <a:srgbClr val="77F531"/>
+                </a:solidFill>
+                <a:latin typeface="RodchenkoCTT" pitchFamily="2" charset="0"/>
+                <a:cs typeface="Courier New" panose="02070309020205020404" pitchFamily="49" charset="0"/>
+              </a:rPr>
+              <a:t>входных</a:t>
+            </a:r>
+            <a:r>
+              <a:rPr lang="en-US" sz="2400" dirty="0">
+                <a:solidFill>
+                  <a:srgbClr val="77F531"/>
+                </a:solidFill>
+                <a:latin typeface="RodchenkoCTT" pitchFamily="2" charset="0"/>
+                <a:cs typeface="Courier New" panose="02070309020205020404" pitchFamily="49" charset="0"/>
+              </a:rPr>
+              <a:t>.</a:t>
+            </a:r>
+            <a:endParaRPr lang="ru-RU" sz="2400" dirty="0" smtClean="0">
+              <a:solidFill>
+                <a:srgbClr val="77F531"/>
+              </a:solidFill>
+              <a:latin typeface="RodchenkoCTT" pitchFamily="2" charset="0"/>
+              <a:cs typeface="Courier New" panose="02070309020205020404" pitchFamily="49" charset="0"/>
+            </a:endParaRPr>
+          </a:p>
+          <a:p>
+            <a:pPr marL="447675" indent="-447675">
+              <a:buAutoNum type="arabicParenR"/>
+            </a:pPr>
+            <a:r>
+              <a:rPr lang="ru-RU" sz="2400" dirty="0" smtClean="0">
+                <a:solidFill>
+                  <a:srgbClr val="77F531"/>
+                </a:solidFill>
+                <a:latin typeface="RodchenkoCTT" pitchFamily="2" charset="0"/>
+                <a:cs typeface="Courier New" panose="02070309020205020404" pitchFamily="49" charset="0"/>
+              </a:rPr>
+              <a:t>Нельзя создавать зацикленные соединения.</a:t>
+            </a:r>
+            <a:endParaRPr lang="ru-RU" sz="2400" dirty="0" smtClean="0">
+              <a:solidFill>
+                <a:srgbClr val="77F531"/>
+              </a:solidFill>
+              <a:latin typeface="RodchenkoCTT" pitchFamily="2" charset="0"/>
+              <a:cs typeface="Courier New" panose="02070309020205020404" pitchFamily="49" charset="0"/>
+            </a:endParaRPr>
+          </a:p>
+        </p:txBody>
+      </p:sp>
+      <p:cxnSp>
+        <p:nvCxnSpPr>
+          <p:cNvPr id="11" name="Прямая со стрелкой 10">
+            <a:extLst>
+              <a:ext uri="{FF2B5EF4-FFF2-40B4-BE49-F238E27FC236}">
+                <a16:creationId xmlns:a16="http://schemas.microsoft.com/office/drawing/2014/main" id="{D7AAF4D6-A861-455E-8794-09A34A320E83}"/>
+              </a:ext>
+            </a:extLst>
+          </p:cNvPr>
+          <p:cNvCxnSpPr/>
+          <p:nvPr/>
+        </p:nvCxnSpPr>
+        <p:spPr>
+          <a:xfrm flipV="1">
+            <a:off x="6725999" y="4919798"/>
+            <a:ext cx="329346" cy="906629"/>
+          </a:xfrm>
+          <a:prstGeom prst="straightConnector1">
+            <a:avLst/>
+          </a:prstGeom>
+          <a:ln w="38100">
+            <a:solidFill>
+              <a:srgbClr val="77F531"/>
+            </a:solidFill>
+            <a:tailEnd type="triangle"/>
+          </a:ln>
+        </p:spPr>
+        <p:style>
+          <a:lnRef idx="1">
+            <a:schemeClr val="accent1"/>
+          </a:lnRef>
+          <a:fillRef idx="0">
+            <a:schemeClr val="accent1"/>
+          </a:fillRef>
+          <a:effectRef idx="0">
+            <a:schemeClr val="accent1"/>
+          </a:effectRef>
+          <a:fontRef idx="minor">
+            <a:schemeClr val="tx1"/>
+          </a:fontRef>
+        </p:style>
+      </p:cxnSp>
+      <p:pic>
+        <p:nvPicPr>
+          <p:cNvPr id="28" name="Рисунок 27"/>
+          <p:cNvPicPr>
+            <a:picLocks noChangeAspect="1"/>
+          </p:cNvPicPr>
+          <p:nvPr/>
+        </p:nvPicPr>
+        <p:blipFill rotWithShape="1">
+          <a:blip r:embed="rId5"/>
+          <a:srcRect l="44844" t="55583" r="46323" b="29157"/>
+          <a:stretch/>
+        </p:blipFill>
+        <p:spPr>
+          <a:xfrm>
+            <a:off x="8758786" y="3490078"/>
+            <a:ext cx="2502418" cy="2431597"/>
+          </a:xfrm>
+          <a:prstGeom prst="rect">
+            <a:avLst/>
+          </a:prstGeom>
+        </p:spPr>
+      </p:pic>
+      <p:cxnSp>
+        <p:nvCxnSpPr>
+          <p:cNvPr id="19" name="Прямая со стрелкой 18">
+            <a:extLst>
+              <a:ext uri="{FF2B5EF4-FFF2-40B4-BE49-F238E27FC236}">
+                <a16:creationId xmlns:a16="http://schemas.microsoft.com/office/drawing/2014/main" id="{D7AAF4D6-A861-455E-8794-09A34A320E83}"/>
+              </a:ext>
+            </a:extLst>
+          </p:cNvPr>
+          <p:cNvCxnSpPr/>
+          <p:nvPr/>
+        </p:nvCxnSpPr>
+        <p:spPr>
+          <a:xfrm>
+            <a:off x="6252156" y="3124345"/>
+            <a:ext cx="770862" cy="247921"/>
+          </a:xfrm>
+          <a:prstGeom prst="straightConnector1">
+            <a:avLst/>
+          </a:prstGeom>
+          <a:ln w="38100">
+            <a:solidFill>
+              <a:srgbClr val="77F531"/>
+            </a:solidFill>
+            <a:tailEnd type="triangle"/>
+          </a:ln>
+        </p:spPr>
+        <p:style>
+          <a:lnRef idx="1">
+            <a:schemeClr val="accent1"/>
+          </a:lnRef>
+          <a:fillRef idx="0">
+            <a:schemeClr val="accent1"/>
+          </a:fillRef>
+          <a:effectRef idx="0">
+            <a:schemeClr val="accent1"/>
+          </a:effectRef>
+          <a:fontRef idx="minor">
+            <a:schemeClr val="tx1"/>
+          </a:fontRef>
+        </p:style>
+      </p:cxnSp>
+      <p:cxnSp>
+        <p:nvCxnSpPr>
+          <p:cNvPr id="22" name="Прямая со стрелкой 21">
+            <a:extLst>
+              <a:ext uri="{FF2B5EF4-FFF2-40B4-BE49-F238E27FC236}">
+                <a16:creationId xmlns:a16="http://schemas.microsoft.com/office/drawing/2014/main" id="{D7AAF4D6-A861-455E-8794-09A34A320E83}"/>
+              </a:ext>
+            </a:extLst>
+          </p:cNvPr>
+          <p:cNvCxnSpPr/>
+          <p:nvPr/>
+        </p:nvCxnSpPr>
+        <p:spPr>
+          <a:xfrm>
+            <a:off x="5419725" y="4514850"/>
+            <a:ext cx="832431" cy="270537"/>
+          </a:xfrm>
+          <a:prstGeom prst="straightConnector1">
+            <a:avLst/>
+          </a:prstGeom>
+          <a:ln w="38100">
+            <a:solidFill>
+              <a:srgbClr val="77F531"/>
+            </a:solidFill>
+            <a:tailEnd type="triangle"/>
+          </a:ln>
+        </p:spPr>
+        <p:style>
+          <a:lnRef idx="1">
+            <a:schemeClr val="accent1"/>
+          </a:lnRef>
+          <a:fillRef idx="0">
+            <a:schemeClr val="accent1"/>
+          </a:fillRef>
+          <a:effectRef idx="0">
+            <a:schemeClr val="accent1"/>
+          </a:effectRef>
+          <a:fontRef idx="minor">
+            <a:schemeClr val="tx1"/>
+          </a:fontRef>
+        </p:style>
+      </p:cxnSp>
+      <p:cxnSp>
+        <p:nvCxnSpPr>
+          <p:cNvPr id="15" name="Прямая со стрелкой 14">
+            <a:extLst>
+              <a:ext uri="{FF2B5EF4-FFF2-40B4-BE49-F238E27FC236}">
+                <a16:creationId xmlns:a16="http://schemas.microsoft.com/office/drawing/2014/main" id="{D7AAF4D6-A861-455E-8794-09A34A320E83}"/>
+              </a:ext>
+            </a:extLst>
+          </p:cNvPr>
+          <p:cNvCxnSpPr/>
+          <p:nvPr/>
+        </p:nvCxnSpPr>
+        <p:spPr>
+          <a:xfrm flipH="1">
+            <a:off x="8026213" y="3124345"/>
+            <a:ext cx="832037" cy="252819"/>
+          </a:xfrm>
+          <a:prstGeom prst="straightConnector1">
+            <a:avLst/>
+          </a:prstGeom>
+          <a:ln w="38100">
+            <a:solidFill>
+              <a:srgbClr val="77F531"/>
+            </a:solidFill>
+            <a:tailEnd type="triangle"/>
+          </a:ln>
+        </p:spPr>
+        <p:style>
+          <a:lnRef idx="1">
+            <a:schemeClr val="accent1"/>
+          </a:lnRef>
+          <a:fillRef idx="0">
+            <a:schemeClr val="accent1"/>
+          </a:fillRef>
+          <a:effectRef idx="0">
+            <a:schemeClr val="accent1"/>
+          </a:effectRef>
+          <a:fontRef idx="minor">
+            <a:schemeClr val="tx1"/>
+          </a:fontRef>
+        </p:style>
+      </p:cxnSp>
+      <p:cxnSp>
+        <p:nvCxnSpPr>
+          <p:cNvPr id="20" name="Прямая со стрелкой 19">
+            <a:extLst>
+              <a:ext uri="{FF2B5EF4-FFF2-40B4-BE49-F238E27FC236}">
+                <a16:creationId xmlns:a16="http://schemas.microsoft.com/office/drawing/2014/main" id="{D7AAF4D6-A861-455E-8794-09A34A320E83}"/>
+              </a:ext>
+            </a:extLst>
+          </p:cNvPr>
+          <p:cNvCxnSpPr/>
+          <p:nvPr/>
+        </p:nvCxnSpPr>
+        <p:spPr>
+          <a:xfrm flipH="1" flipV="1">
+            <a:off x="7959538" y="4919798"/>
+            <a:ext cx="799248" cy="233227"/>
+          </a:xfrm>
+          <a:prstGeom prst="straightConnector1">
+            <a:avLst/>
+          </a:prstGeom>
+          <a:ln w="38100">
+            <a:solidFill>
+              <a:srgbClr val="77F531"/>
+            </a:solidFill>
+            <a:tailEnd type="triangle"/>
+          </a:ln>
+        </p:spPr>
+        <p:style>
+          <a:lnRef idx="1">
+            <a:schemeClr val="accent1"/>
+          </a:lnRef>
+          <a:fillRef idx="0">
+            <a:schemeClr val="accent1"/>
+          </a:fillRef>
+          <a:effectRef idx="0">
+            <a:schemeClr val="accent1"/>
+          </a:effectRef>
+          <a:fontRef idx="minor">
+            <a:schemeClr val="tx1"/>
+          </a:fontRef>
+        </p:style>
+      </p:cxnSp>
+      <p:sp>
+        <p:nvSpPr>
+          <p:cNvPr id="31" name="Овал 30"/>
+          <p:cNvSpPr/>
+          <p:nvPr/>
+        </p:nvSpPr>
+        <p:spPr>
+          <a:xfrm>
+            <a:off x="9846857" y="3426660"/>
+            <a:ext cx="348703" cy="348703"/>
+          </a:xfrm>
+          <a:prstGeom prst="ellipse">
+            <a:avLst/>
+          </a:prstGeom>
+          <a:noFill/>
+          <a:ln w="63500">
+            <a:solidFill>
+              <a:srgbClr val="77F531"/>
+            </a:solidFill>
+          </a:ln>
+        </p:spPr>
+        <p:style>
+          <a:lnRef idx="2">
+            <a:schemeClr val="accent1">
+              <a:shade val="50000"/>
+            </a:schemeClr>
+          </a:lnRef>
+          <a:fillRef idx="1">
+            <a:schemeClr val="accent1"/>
+          </a:fillRef>
+          <a:effectRef idx="0">
+            <a:schemeClr val="accent1"/>
+          </a:effectRef>
+          <a:fontRef idx="minor">
+            <a:schemeClr val="lt1"/>
+          </a:fontRef>
+        </p:style>
+        <p:txBody>
+          <a:bodyPr rtlCol="0" anchor="ctr"/>
+          <a:lstStyle/>
+          <a:p>
+            <a:pPr algn="ctr"/>
+            <a:endParaRPr lang="ru-RU"/>
+          </a:p>
+        </p:txBody>
+      </p:sp>
+      <p:sp>
+        <p:nvSpPr>
+          <p:cNvPr id="32" name="Овал 31"/>
+          <p:cNvSpPr/>
+          <p:nvPr/>
+        </p:nvSpPr>
+        <p:spPr>
+          <a:xfrm>
+            <a:off x="9846857" y="5582668"/>
+            <a:ext cx="348703" cy="348704"/>
+          </a:xfrm>
+          <a:prstGeom prst="ellipse">
+            <a:avLst/>
+          </a:prstGeom>
+          <a:noFill/>
+          <a:ln w="63500">
+            <a:solidFill>
+              <a:srgbClr val="77F531"/>
+            </a:solidFill>
+          </a:ln>
+        </p:spPr>
+        <p:style>
+          <a:lnRef idx="2">
+            <a:schemeClr val="accent1">
+              <a:shade val="50000"/>
+            </a:schemeClr>
+          </a:lnRef>
+          <a:fillRef idx="1">
+            <a:schemeClr val="accent1"/>
+          </a:fillRef>
+          <a:effectRef idx="0">
+            <a:schemeClr val="accent1"/>
+          </a:effectRef>
+          <a:fontRef idx="minor">
+            <a:schemeClr val="lt1"/>
+          </a:fontRef>
+        </p:style>
+        <p:txBody>
+          <a:bodyPr rtlCol="0" anchor="ctr"/>
+          <a:lstStyle/>
+          <a:p>
+            <a:pPr algn="ctr"/>
+            <a:endParaRPr lang="ru-RU"/>
+          </a:p>
+        </p:txBody>
+      </p:sp>
+      <p:cxnSp>
+        <p:nvCxnSpPr>
+          <p:cNvPr id="33" name="Прямая со стрелкой 32">
+            <a:extLst>
+              <a:ext uri="{FF2B5EF4-FFF2-40B4-BE49-F238E27FC236}">
+                <a16:creationId xmlns:a16="http://schemas.microsoft.com/office/drawing/2014/main" id="{D7AAF4D6-A861-455E-8794-09A34A320E83}"/>
+              </a:ext>
+            </a:extLst>
+          </p:cNvPr>
+          <p:cNvCxnSpPr/>
+          <p:nvPr/>
+        </p:nvCxnSpPr>
+        <p:spPr>
+          <a:xfrm flipH="1">
+            <a:off x="10195560" y="2749923"/>
+            <a:ext cx="437727" cy="596285"/>
+          </a:xfrm>
+          <a:prstGeom prst="straightConnector1">
+            <a:avLst/>
+          </a:prstGeom>
+          <a:ln w="38100">
+            <a:solidFill>
+              <a:srgbClr val="77F531"/>
+            </a:solidFill>
+            <a:tailEnd type="triangle"/>
+          </a:ln>
+        </p:spPr>
+        <p:style>
+          <a:lnRef idx="1">
+            <a:schemeClr val="accent1"/>
+          </a:lnRef>
+          <a:fillRef idx="0">
+            <a:schemeClr val="accent1"/>
+          </a:fillRef>
+          <a:effectRef idx="0">
+            <a:schemeClr val="accent1"/>
+          </a:effectRef>
+          <a:fontRef idx="minor">
+            <a:schemeClr val="tx1"/>
+          </a:fontRef>
+        </p:style>
+      </p:cxnSp>
+      <p:cxnSp>
+        <p:nvCxnSpPr>
+          <p:cNvPr id="35" name="Прямая со стрелкой 34">
+            <a:extLst>
+              <a:ext uri="{FF2B5EF4-FFF2-40B4-BE49-F238E27FC236}">
+                <a16:creationId xmlns:a16="http://schemas.microsoft.com/office/drawing/2014/main" id="{D7AAF4D6-A861-455E-8794-09A34A320E83}"/>
+              </a:ext>
+            </a:extLst>
+          </p:cNvPr>
+          <p:cNvCxnSpPr/>
+          <p:nvPr/>
+        </p:nvCxnSpPr>
+        <p:spPr>
+          <a:xfrm flipV="1">
+            <a:off x="8945217" y="5917017"/>
+            <a:ext cx="857410" cy="235305"/>
+          </a:xfrm>
+          <a:prstGeom prst="straightConnector1">
+            <a:avLst/>
+          </a:prstGeom>
+          <a:ln w="38100">
+            <a:solidFill>
+              <a:srgbClr val="77F531"/>
+            </a:solidFill>
+            <a:tailEnd type="triangle"/>
+          </a:ln>
+        </p:spPr>
+        <p:style>
+          <a:lnRef idx="1">
+            <a:schemeClr val="accent1"/>
+          </a:lnRef>
+          <a:fillRef idx="0">
+            <a:schemeClr val="accent1"/>
+          </a:fillRef>
+          <a:effectRef idx="0">
+            <a:schemeClr val="accent1"/>
+          </a:effectRef>
+          <a:fontRef idx="minor">
+            <a:schemeClr val="tx1"/>
+          </a:fontRef>
+        </p:style>
+      </p:cxnSp>
+    </p:spTree>
+    <p:extLst>
+      <p:ext uri="{BB962C8B-B14F-4D97-AF65-F5344CB8AC3E}">
+        <p14:creationId xmlns:p14="http://schemas.microsoft.com/office/powerpoint/2010/main" val="1181086272"/>
+      </p:ext>
+    </p:extLst>
+  </p:cSld>
+  <p:clrMapOvr>
+    <a:overrideClrMapping bg1="lt1" tx1="dk1" bg2="lt2" tx2="dk2" accent1="accent1" accent2="accent2" accent3="accent3" accent4="accent4" accent5="accent5" accent6="accent6" hlink="hlink" folHlink="folHlink"/>
+  </p:clrMapOvr>
+  <p:timing>
+    <p:tnLst>
+      <p:par>
+        <p:cTn id="1" dur="indefinite" restart="never" nodeType="tmRoot">
+          <p:childTnLst>
+            <p:seq concurrent="1" nextAc="seek">
+              <p:cTn id="2" dur="indefinite" nodeType="mainSeq">
+                <p:childTnLst>
+                  <p:par>
+                    <p:cTn id="3" fill="hold">
+                      <p:stCondLst>
+                        <p:cond delay="indefinite"/>
+                        <p:cond evt="onBegin" delay="0">
+                          <p:tn val="2"/>
+                        </p:cond>
+                      </p:stCondLst>
+                      <p:childTnLst>
+                        <p:par>
+                          <p:cTn id="4" fill="hold">
+                            <p:stCondLst>
+                              <p:cond delay="0"/>
+                            </p:stCondLst>
+                            <p:childTnLst>
+                              <p:par>
+                                <p:cTn id="5" presetID="10" presetClass="entr" presetSubtype="0" fill="hold" nodeType="withEffect">
+                                  <p:stCondLst>
+                                    <p:cond delay="0"/>
+                                  </p:stCondLst>
+                                  <p:childTnLst>
+                                    <p:set>
+                                      <p:cBhvr>
+                                        <p:cTn id="6" dur="1" fill="hold">
+                                          <p:stCondLst>
+                                            <p:cond delay="0"/>
+                                          </p:stCondLst>
+                                        </p:cTn>
+                                        <p:tgtEl>
+                                          <p:spTgt spid="11"/>
+                                        </p:tgtEl>
+                                        <p:attrNameLst>
+                                          <p:attrName>style.visibility</p:attrName>
+                                        </p:attrNameLst>
+                                      </p:cBhvr>
+                                      <p:to>
+                                        <p:strVal val="visible"/>
+                                      </p:to>
+                                    </p:set>
+                                    <p:animEffect transition="in" filter="fade">
+                                      <p:cBhvr>
+                                        <p:cTn id="7" dur="500"/>
+                                        <p:tgtEl>
+                                          <p:spTgt spid="11"/>
+                                        </p:tgtEl>
+                                      </p:cBhvr>
+                                    </p:animEffect>
+                                  </p:childTnLst>
+                                </p:cTn>
+                              </p:par>
+                              <p:par>
+                                <p:cTn id="8" presetID="10" presetClass="entr" presetSubtype="0" fill="hold" nodeType="withEffect">
+                                  <p:stCondLst>
+                                    <p:cond delay="0"/>
+                                  </p:stCondLst>
+                                  <p:childTnLst>
+                                    <p:set>
+                                      <p:cBhvr>
+                                        <p:cTn id="9" dur="1" fill="hold">
+                                          <p:stCondLst>
+                                            <p:cond delay="0"/>
+                                          </p:stCondLst>
+                                        </p:cTn>
+                                        <p:tgtEl>
+                                          <p:spTgt spid="15"/>
+                                        </p:tgtEl>
+                                        <p:attrNameLst>
+                                          <p:attrName>style.visibility</p:attrName>
+                                        </p:attrNameLst>
+                                      </p:cBhvr>
+                                      <p:to>
+                                        <p:strVal val="visible"/>
+                                      </p:to>
+                                    </p:set>
+                                    <p:animEffect transition="in" filter="fade">
+                                      <p:cBhvr>
+                                        <p:cTn id="10" dur="500"/>
+                                        <p:tgtEl>
+                                          <p:spTgt spid="15"/>
+                                        </p:tgtEl>
+                                      </p:cBhvr>
+                                    </p:animEffect>
+                                  </p:childTnLst>
+                                </p:cTn>
+                              </p:par>
+                              <p:par>
+                                <p:cTn id="11" presetID="10" presetClass="entr" presetSubtype="0" fill="hold" nodeType="withEffect">
+                                  <p:stCondLst>
+                                    <p:cond delay="0"/>
+                                  </p:stCondLst>
+                                  <p:childTnLst>
+                                    <p:set>
+                                      <p:cBhvr>
+                                        <p:cTn id="12" dur="1" fill="hold">
+                                          <p:stCondLst>
+                                            <p:cond delay="0"/>
+                                          </p:stCondLst>
+                                        </p:cTn>
+                                        <p:tgtEl>
+                                          <p:spTgt spid="19"/>
+                                        </p:tgtEl>
+                                        <p:attrNameLst>
+                                          <p:attrName>style.visibility</p:attrName>
+                                        </p:attrNameLst>
+                                      </p:cBhvr>
+                                      <p:to>
+                                        <p:strVal val="visible"/>
+                                      </p:to>
+                                    </p:set>
+                                    <p:animEffect transition="in" filter="fade">
+                                      <p:cBhvr>
+                                        <p:cTn id="13" dur="500"/>
+                                        <p:tgtEl>
+                                          <p:spTgt spid="19"/>
+                                        </p:tgtEl>
+                                      </p:cBhvr>
+                                    </p:animEffect>
+                                  </p:childTnLst>
+                                </p:cTn>
+                              </p:par>
+                              <p:par>
+                                <p:cTn id="14" presetID="10" presetClass="entr" presetSubtype="0" fill="hold" nodeType="withEffect">
+                                  <p:stCondLst>
+                                    <p:cond delay="0"/>
+                                  </p:stCondLst>
+                                  <p:childTnLst>
+                                    <p:set>
+                                      <p:cBhvr>
+                                        <p:cTn id="15" dur="1" fill="hold">
+                                          <p:stCondLst>
+                                            <p:cond delay="0"/>
+                                          </p:stCondLst>
+                                        </p:cTn>
+                                        <p:tgtEl>
+                                          <p:spTgt spid="20"/>
+                                        </p:tgtEl>
+                                        <p:attrNameLst>
+                                          <p:attrName>style.visibility</p:attrName>
+                                        </p:attrNameLst>
+                                      </p:cBhvr>
+                                      <p:to>
+                                        <p:strVal val="visible"/>
+                                      </p:to>
+                                    </p:set>
+                                    <p:animEffect transition="in" filter="fade">
+                                      <p:cBhvr>
+                                        <p:cTn id="16" dur="500"/>
+                                        <p:tgtEl>
+                                          <p:spTgt spid="20"/>
+                                        </p:tgtEl>
+                                      </p:cBhvr>
+                                    </p:animEffect>
+                                  </p:childTnLst>
+                                </p:cTn>
+                              </p:par>
+                              <p:par>
+                                <p:cTn id="17" presetID="10" presetClass="entr" presetSubtype="0" fill="hold" nodeType="withEffect">
+                                  <p:stCondLst>
+                                    <p:cond delay="0"/>
+                                  </p:stCondLst>
+                                  <p:childTnLst>
+                                    <p:set>
+                                      <p:cBhvr>
+                                        <p:cTn id="18" dur="1" fill="hold">
+                                          <p:stCondLst>
+                                            <p:cond delay="0"/>
+                                          </p:stCondLst>
+                                        </p:cTn>
+                                        <p:tgtEl>
+                                          <p:spTgt spid="22"/>
+                                        </p:tgtEl>
+                                        <p:attrNameLst>
+                                          <p:attrName>style.visibility</p:attrName>
+                                        </p:attrNameLst>
+                                      </p:cBhvr>
+                                      <p:to>
+                                        <p:strVal val="visible"/>
+                                      </p:to>
+                                    </p:set>
+                                    <p:animEffect transition="in" filter="fade">
+                                      <p:cBhvr>
+                                        <p:cTn id="19" dur="500"/>
+                                        <p:tgtEl>
+                                          <p:spTgt spid="22"/>
+                                        </p:tgtEl>
+                                      </p:cBhvr>
+                                    </p:animEffect>
+                                  </p:childTnLst>
+                                </p:cTn>
+                              </p:par>
+                              <p:par>
+                                <p:cTn id="20" presetID="10" presetClass="entr" presetSubtype="0" fill="hold" nodeType="withEffect">
+                                  <p:stCondLst>
+                                    <p:cond delay="0"/>
+                                  </p:stCondLst>
+                                  <p:childTnLst>
+                                    <p:set>
+                                      <p:cBhvr>
+                                        <p:cTn id="21" dur="1" fill="hold">
+                                          <p:stCondLst>
+                                            <p:cond delay="0"/>
+                                          </p:stCondLst>
+                                        </p:cTn>
+                                        <p:tgtEl>
+                                          <p:spTgt spid="33"/>
+                                        </p:tgtEl>
+                                        <p:attrNameLst>
+                                          <p:attrName>style.visibility</p:attrName>
+                                        </p:attrNameLst>
+                                      </p:cBhvr>
+                                      <p:to>
+                                        <p:strVal val="visible"/>
+                                      </p:to>
+                                    </p:set>
+                                    <p:animEffect transition="in" filter="fade">
+                                      <p:cBhvr>
+                                        <p:cTn id="22" dur="500"/>
+                                        <p:tgtEl>
+                                          <p:spTgt spid="33"/>
+                                        </p:tgtEl>
+                                      </p:cBhvr>
+                                    </p:animEffect>
+                                  </p:childTnLst>
+                                </p:cTn>
+                              </p:par>
+                              <p:par>
+                                <p:cTn id="23" presetID="10" presetClass="entr" presetSubtype="0" fill="hold" nodeType="withEffect">
+                                  <p:stCondLst>
+                                    <p:cond delay="0"/>
+                                  </p:stCondLst>
+                                  <p:childTnLst>
+                                    <p:set>
+                                      <p:cBhvr>
+                                        <p:cTn id="24" dur="1" fill="hold">
+                                          <p:stCondLst>
+                                            <p:cond delay="0"/>
+                                          </p:stCondLst>
+                                        </p:cTn>
+                                        <p:tgtEl>
+                                          <p:spTgt spid="35"/>
+                                        </p:tgtEl>
+                                        <p:attrNameLst>
+                                          <p:attrName>style.visibility</p:attrName>
+                                        </p:attrNameLst>
+                                      </p:cBhvr>
+                                      <p:to>
+                                        <p:strVal val="visible"/>
+                                      </p:to>
+                                    </p:set>
+                                    <p:animEffect transition="in" filter="fade">
+                                      <p:cBhvr>
+                                        <p:cTn id="25" dur="500"/>
+                                        <p:tgtEl>
+                                          <p:spTgt spid="35"/>
+                                        </p:tgtEl>
+                                      </p:cBhvr>
+                                    </p:animEffect>
+                                  </p:childTnLst>
+                                </p:cTn>
+                              </p:par>
+                            </p:childTnLst>
+                          </p:cTn>
+                        </p:par>
+                      </p:childTnLst>
+                    </p:cTn>
+                  </p:par>
+                </p:childTnLst>
+              </p:cTn>
+              <p:prevCondLst>
+                <p:cond evt="onPrev" delay="0">
+                  <p:tgtEl>
+                    <p:sldTgt/>
+                  </p:tgtEl>
+                </p:cond>
+              </p:prevCondLst>
+              <p:nextCondLst>
+                <p:cond evt="onNext" delay="0">
+                  <p:tgtEl>
+                    <p:sldTgt/>
+                  </p:tgtEl>
+                </p:cond>
+              </p:nextCondLst>
+            </p:seq>
+          </p:childTnLst>
+        </p:cTn>
+      </p:par>
+    </p:tnLst>
+  </p:timing>
+</p:sld>
+</file>
+
+<file path=ppt/slides/slide4.xml><?xml version="1.0" encoding="utf-8"?>
 <p:sld xmlns:a="http://schemas.openxmlformats.org/drawingml/2006/main" xmlns:r="http://schemas.openxmlformats.org/officeDocument/2006/relationships" xmlns:p="http://schemas.openxmlformats.org/presentationml/2006/main">
   <p:cSld>
     <p:bg>
@@ -12066,314 +13333,13 @@
   <p:clrMapOvr>
     <a:masterClrMapping/>
   </p:clrMapOvr>
-</p:sld>
-</file>
-
-<file path=ppt/slides/slide4.xml><?xml version="1.0" encoding="utf-8"?>
-<p:sld xmlns:a="http://schemas.openxmlformats.org/drawingml/2006/main" xmlns:r="http://schemas.openxmlformats.org/officeDocument/2006/relationships" xmlns:p="http://schemas.openxmlformats.org/presentationml/2006/main">
-  <p:cSld>
-    <p:bg>
-      <p:bgPr>
-        <a:blipFill dpi="0" rotWithShape="1">
-          <a:blip r:embed="rId3">
-            <a:lum/>
-          </a:blip>
-          <a:srcRect/>
-          <a:stretch>
-            <a:fillRect t="-20000" b="-20000"/>
-          </a:stretch>
-        </a:blipFill>
-        <a:effectLst/>
-      </p:bgPr>
-    </p:bg>
-    <p:spTree>
-      <p:nvGrpSpPr>
-        <p:cNvPr id="1" name=""/>
-        <p:cNvGrpSpPr/>
-        <p:nvPr/>
-      </p:nvGrpSpPr>
-      <p:grpSpPr>
-        <a:xfrm>
-          <a:off x="0" y="0"/>
-          <a:ext cx="0" cy="0"/>
-          <a:chOff x="0" y="0"/>
-          <a:chExt cx="0" cy="0"/>
-        </a:xfrm>
-      </p:grpSpPr>
-      <p:sp>
-        <p:nvSpPr>
-          <p:cNvPr id="4" name="Прямоугольник 3"/>
-          <p:cNvSpPr/>
-          <p:nvPr/>
-        </p:nvSpPr>
-        <p:spPr>
-          <a:xfrm>
-            <a:off x="539813" y="540269"/>
-            <a:ext cx="11160000" cy="5760000"/>
-          </a:xfrm>
-          <a:prstGeom prst="rect">
-            <a:avLst/>
-          </a:prstGeom>
-          <a:solidFill>
-            <a:schemeClr val="tx1"/>
-          </a:solidFill>
-          <a:ln w="63500">
-            <a:solidFill>
-              <a:schemeClr val="accent6">
-                <a:lumMod val="75000"/>
-              </a:schemeClr>
-            </a:solidFill>
-          </a:ln>
-        </p:spPr>
-        <p:style>
-          <a:lnRef idx="2">
-            <a:schemeClr val="accent1">
-              <a:shade val="50000"/>
-            </a:schemeClr>
-          </a:lnRef>
-          <a:fillRef idx="1">
-            <a:schemeClr val="accent1"/>
-          </a:fillRef>
-          <a:effectRef idx="0">
-            <a:schemeClr val="accent1"/>
-          </a:effectRef>
-          <a:fontRef idx="minor">
-            <a:schemeClr val="lt1"/>
-          </a:fontRef>
-        </p:style>
-        <p:txBody>
-          <a:bodyPr rot="0" spcFirstLastPara="0" vertOverflow="overflow" horzOverflow="overflow" vert="horz" wrap="square" lIns="91797" tIns="45899" rIns="91797" bIns="45899" numCol="1" spcCol="0" rtlCol="0" fromWordArt="0" anchor="ctr" anchorCtr="0" forceAA="0" compatLnSpc="1">
-            <a:prstTxWarp prst="textNoShape">
-              <a:avLst/>
-            </a:prstTxWarp>
-            <a:noAutofit/>
-          </a:bodyPr>
-          <a:lstStyle/>
-          <a:p>
-            <a:pPr algn="ctr"/>
-            <a:endParaRPr lang="ru-RU" sz="1807"/>
-          </a:p>
-        </p:txBody>
-      </p:sp>
-      <p:sp>
-        <p:nvSpPr>
-          <p:cNvPr id="5" name="Заголовок 1">
-            <a:extLst>
-              <a:ext uri="{FF2B5EF4-FFF2-40B4-BE49-F238E27FC236}">
-                <a16:creationId xmlns:a16="http://schemas.microsoft.com/office/drawing/2014/main" id="{6D8728E5-634E-46B1-9637-28E8C9DBD738}"/>
-              </a:ext>
-            </a:extLst>
-          </p:cNvPr>
-          <p:cNvSpPr>
-            <a:spLocks noGrp="1"/>
-          </p:cNvSpPr>
-          <p:nvPr>
-            <p:ph type="title"/>
-          </p:nvPr>
-        </p:nvSpPr>
-        <p:spPr>
-          <a:xfrm>
-            <a:off x="1988243" y="540269"/>
-            <a:ext cx="8263137" cy="1080000"/>
-          </a:xfrm>
-        </p:spPr>
-        <p:txBody>
-          <a:bodyPr>
-            <a:noAutofit/>
-          </a:bodyPr>
-          <a:lstStyle/>
-          <a:p>
-            <a:pPr algn="ctr"/>
-            <a:r>
-              <a:rPr lang="ru-RU" sz="4400" dirty="0">
-                <a:solidFill>
-                  <a:srgbClr val="77F531"/>
-                </a:solidFill>
-                <a:latin typeface="RodchenkoCTT" pitchFamily="2" charset="0"/>
-                <a:cs typeface="Courier New" panose="02070309020205020404" pitchFamily="49" charset="0"/>
-              </a:rPr>
-              <a:t>ВХОДНЫЕ И ВЫХОДНЫЕ СИГНАЛЫ</a:t>
-            </a:r>
-          </a:p>
-        </p:txBody>
-      </p:sp>
-      <p:sp>
-        <p:nvSpPr>
-          <p:cNvPr id="7" name="Заголовок 1">
-            <a:extLst>
-              <a:ext uri="{FF2B5EF4-FFF2-40B4-BE49-F238E27FC236}">
-                <a16:creationId xmlns:a16="http://schemas.microsoft.com/office/drawing/2014/main" id="{AFAC081E-CB10-4A47-AD74-44CF49ABABAE}"/>
-              </a:ext>
-            </a:extLst>
-          </p:cNvPr>
-          <p:cNvSpPr txBox="1">
-            <a:spLocks/>
-          </p:cNvSpPr>
-          <p:nvPr/>
-        </p:nvSpPr>
-        <p:spPr>
-          <a:xfrm>
-            <a:off x="1021037" y="1441904"/>
-            <a:ext cx="10197547" cy="1405077"/>
-          </a:xfrm>
-          <a:prstGeom prst="rect">
-            <a:avLst/>
-          </a:prstGeom>
-        </p:spPr>
-        <p:txBody>
-          <a:bodyPr vert="horz" lIns="91440" tIns="45720" rIns="91440" bIns="45720" rtlCol="0" anchor="t">
-            <a:noAutofit/>
-          </a:bodyPr>
-          <a:lstStyle>
-            <a:lvl1pPr algn="l" defTabSz="912114" rtl="0" eaLnBrk="1" latinLnBrk="0" hangingPunct="1">
-              <a:lnSpc>
-                <a:spcPct val="90000"/>
-              </a:lnSpc>
-              <a:spcBef>
-                <a:spcPct val="0"/>
-              </a:spcBef>
-              <a:buNone/>
-              <a:defRPr sz="4389" kern="1200">
-                <a:solidFill>
-                  <a:schemeClr val="tx1"/>
-                </a:solidFill>
-                <a:latin typeface="+mj-lt"/>
-                <a:ea typeface="+mj-ea"/>
-                <a:cs typeface="+mj-cs"/>
-              </a:defRPr>
-            </a:lvl1pPr>
-          </a:lstStyle>
-          <a:p>
-            <a:pPr algn="just"/>
-            <a:r>
-              <a:rPr lang="ru-RU" sz="3000" dirty="0">
-                <a:solidFill>
-                  <a:srgbClr val="77F531"/>
-                </a:solidFill>
-                <a:latin typeface="RodchenkoCTT" pitchFamily="2" charset="0"/>
-                <a:cs typeface="Courier New" panose="02070309020205020404" pitchFamily="49" charset="0"/>
-              </a:rPr>
-              <a:t>Входные и выходные сигналы (иначе - коннекторы) – нужны для того, чтобы пользователь мог соединять блоки между собой</a:t>
-            </a:r>
-          </a:p>
-        </p:txBody>
-      </p:sp>
-      <p:sp>
-        <p:nvSpPr>
-          <p:cNvPr id="8" name="Заголовок 1">
-            <a:extLst>
-              <a:ext uri="{FF2B5EF4-FFF2-40B4-BE49-F238E27FC236}">
-                <a16:creationId xmlns:a16="http://schemas.microsoft.com/office/drawing/2014/main" id="{084CA6BD-A3D1-44F2-8945-BBC64699F4DD}"/>
-              </a:ext>
-            </a:extLst>
-          </p:cNvPr>
-          <p:cNvSpPr txBox="1">
-            <a:spLocks/>
-          </p:cNvSpPr>
-          <p:nvPr/>
-        </p:nvSpPr>
-        <p:spPr>
-          <a:xfrm>
-            <a:off x="1021036" y="2726665"/>
-            <a:ext cx="10197547" cy="3453288"/>
-          </a:xfrm>
-          <a:prstGeom prst="rect">
-            <a:avLst/>
-          </a:prstGeom>
-        </p:spPr>
-        <p:txBody>
-          <a:bodyPr vert="horz" lIns="91440" tIns="45720" rIns="91440" bIns="45720" rtlCol="0" anchor="t">
-            <a:noAutofit/>
-          </a:bodyPr>
-          <a:lstStyle>
-            <a:lvl1pPr algn="l" defTabSz="912114" rtl="0" eaLnBrk="1" latinLnBrk="0" hangingPunct="1">
-              <a:lnSpc>
-                <a:spcPct val="90000"/>
-              </a:lnSpc>
-              <a:spcBef>
-                <a:spcPct val="0"/>
-              </a:spcBef>
-              <a:buNone/>
-              <a:defRPr sz="4389" kern="1200">
-                <a:solidFill>
-                  <a:schemeClr val="tx1"/>
-                </a:solidFill>
-                <a:latin typeface="+mj-lt"/>
-                <a:ea typeface="+mj-ea"/>
-                <a:cs typeface="+mj-cs"/>
-              </a:defRPr>
-            </a:lvl1pPr>
-          </a:lstStyle>
-          <a:p>
-            <a:pPr algn="just"/>
-            <a:r>
-              <a:rPr lang="ru-RU" sz="3000" dirty="0">
-                <a:solidFill>
-                  <a:srgbClr val="77F531"/>
-                </a:solidFill>
-                <a:latin typeface="RodchenkoCTT" pitchFamily="2" charset="0"/>
-                <a:cs typeface="Courier New" panose="02070309020205020404" pitchFamily="49" charset="0"/>
-              </a:rPr>
-              <a:t>Возможности и ограничения соединений:</a:t>
-            </a:r>
-          </a:p>
-          <a:p>
-            <a:pPr marL="742950" indent="-742950" algn="just">
-              <a:buAutoNum type="arabicParenR"/>
-            </a:pPr>
-            <a:r>
-              <a:rPr lang="ru-RU" sz="3000" dirty="0">
-                <a:solidFill>
-                  <a:srgbClr val="77F531"/>
-                </a:solidFill>
-                <a:latin typeface="RodchenkoCTT" pitchFamily="2" charset="0"/>
-                <a:cs typeface="Courier New" panose="02070309020205020404" pitchFamily="49" charset="0"/>
-              </a:rPr>
-              <a:t>Входной сигнал можно соединять только с одним выходным.</a:t>
-            </a:r>
-          </a:p>
-          <a:p>
-            <a:pPr marL="742950" indent="-742950" algn="just">
-              <a:buAutoNum type="arabicParenR"/>
-            </a:pPr>
-            <a:r>
-              <a:rPr lang="ru-RU" sz="3000" dirty="0">
-                <a:solidFill>
-                  <a:srgbClr val="77F531"/>
-                </a:solidFill>
-                <a:latin typeface="RodchenkoCTT" pitchFamily="2" charset="0"/>
-                <a:cs typeface="Courier New" panose="02070309020205020404" pitchFamily="49" charset="0"/>
-              </a:rPr>
-              <a:t>Выходной сигнал можно соединять с неограниченным количеством входных</a:t>
-            </a:r>
-          </a:p>
-          <a:p>
-            <a:pPr marL="742950" indent="-742950" algn="just">
-              <a:buAutoNum type="arabicParenR"/>
-            </a:pPr>
-            <a:r>
-              <a:rPr lang="ru-RU" sz="3000" dirty="0">
-                <a:solidFill>
-                  <a:srgbClr val="77F531"/>
-                </a:solidFill>
-                <a:latin typeface="RodchenkoCTT" pitchFamily="2" charset="0"/>
-                <a:cs typeface="Courier New" panose="02070309020205020404" pitchFamily="49" charset="0"/>
-              </a:rPr>
-              <a:t>Нельзя соединять коннектор с каким-либо другим коннектором, если в итоге путь сигнала станет зацикленным.</a:t>
-            </a:r>
-          </a:p>
-        </p:txBody>
-      </p:sp>
-    </p:spTree>
-    <p:extLst>
-      <p:ext uri="{BB962C8B-B14F-4D97-AF65-F5344CB8AC3E}">
-        <p14:creationId xmlns:p14="http://schemas.microsoft.com/office/powerpoint/2010/main" val="1181086272"/>
-      </p:ext>
-    </p:extLst>
-  </p:cSld>
-  <p:clrMapOvr>
-    <a:overrideClrMapping bg1="lt1" tx1="dk1" bg2="lt2" tx2="dk2" accent1="accent1" accent2="accent2" accent3="accent3" accent4="accent4" accent5="accent5" accent6="accent6" hlink="hlink" folHlink="folHlink"/>
-  </p:clrMapOvr>
+  <p:timing>
+    <p:tnLst>
+      <p:par>
+        <p:cTn id="1" dur="indefinite" restart="never" nodeType="tmRoot"/>
+      </p:par>
+    </p:tnLst>
+  </p:timing>
 </p:sld>
 </file>
 
@@ -12779,6 +13745,13 @@
   <p:clrMapOvr>
     <a:overrideClrMapping bg1="lt1" tx1="dk1" bg2="lt2" tx2="dk2" accent1="accent1" accent2="accent2" accent3="accent3" accent4="accent4" accent5="accent5" accent6="accent6" hlink="hlink" folHlink="folHlink"/>
   </p:clrMapOvr>
+  <p:timing>
+    <p:tnLst>
+      <p:par>
+        <p:cTn id="1" dur="indefinite" restart="never" nodeType="tmRoot"/>
+      </p:par>
+    </p:tnLst>
+  </p:timing>
 </p:sld>
 </file>
 
@@ -13011,6 +13984,13 @@
   <p:clrMapOvr>
     <a:overrideClrMapping bg1="lt1" tx1="dk1" bg2="lt2" tx2="dk2" accent1="accent1" accent2="accent2" accent3="accent3" accent4="accent4" accent5="accent5" accent6="accent6" hlink="hlink" folHlink="folHlink"/>
   </p:clrMapOvr>
+  <p:timing>
+    <p:tnLst>
+      <p:par>
+        <p:cTn id="1" dur="indefinite" restart="never" nodeType="tmRoot"/>
+      </p:par>
+    </p:tnLst>
+  </p:timing>
 </p:sld>
 </file>
 
@@ -13233,6 +14213,13 @@
   <p:clrMapOvr>
     <a:overrideClrMapping bg1="lt1" tx1="dk1" bg2="lt2" tx2="dk2" accent1="accent1" accent2="accent2" accent3="accent3" accent4="accent4" accent5="accent5" accent6="accent6" hlink="hlink" folHlink="folHlink"/>
   </p:clrMapOvr>
+  <p:timing>
+    <p:tnLst>
+      <p:par>
+        <p:cTn id="1" dur="indefinite" restart="never" nodeType="tmRoot"/>
+      </p:par>
+    </p:tnLst>
+  </p:timing>
 </p:sld>
 </file>
 
@@ -13526,6 +14513,13 @@
   <p:clrMapOvr>
     <a:masterClrMapping/>
   </p:clrMapOvr>
+  <p:timing>
+    <p:tnLst>
+      <p:par>
+        <p:cTn id="1" dur="indefinite" restart="never" nodeType="tmRoot"/>
+      </p:par>
+    </p:tnLst>
+  </p:timing>
 </p:sld>
 </file>
 
@@ -14314,4 +15308,47 @@
     </a:folHlink>
   </a:clrScheme>
 </a:themeOverride>
+</file>
+
+<file path=ppt/theme/themeOverride5.xml><?xml version="1.0" encoding="utf-8"?>
+<a:themeOverride xmlns:a="http://schemas.openxmlformats.org/drawingml/2006/main">
+  <a:clrScheme name="Тема Office">
+    <a:dk1>
+      <a:sysClr val="windowText" lastClr="000000"/>
+    </a:dk1>
+    <a:lt1>
+      <a:sysClr val="window" lastClr="FFFFFF"/>
+    </a:lt1>
+    <a:dk2>
+      <a:srgbClr val="44546A"/>
+    </a:dk2>
+    <a:lt2>
+      <a:srgbClr val="E7E6E6"/>
+    </a:lt2>
+    <a:accent1>
+      <a:srgbClr val="5B9BD5"/>
+    </a:accent1>
+    <a:accent2>
+      <a:srgbClr val="ED7D31"/>
+    </a:accent2>
+    <a:accent3>
+      <a:srgbClr val="A5A5A5"/>
+    </a:accent3>
+    <a:accent4>
+      <a:srgbClr val="FFC000"/>
+    </a:accent4>
+    <a:accent5>
+      <a:srgbClr val="4472C4"/>
+    </a:accent5>
+    <a:accent6>
+      <a:srgbClr val="70AD47"/>
+    </a:accent6>
+    <a:hlink>
+      <a:srgbClr val="0563C1"/>
+    </a:hlink>
+    <a:folHlink>
+      <a:srgbClr val="954F72"/>
+    </a:folHlink>
+  </a:clrScheme>
+</a:themeOverride>
 </file>
--- a/presentation.pptx
+++ b/presentation.pptx
@@ -300,7 +300,7 @@
           <a:p>
             <a:fld id="{07504AD1-F626-4EEE-A1F0-4F98A55EE3A4}" type="datetimeFigureOut">
               <a:rPr lang="ru-RU" smtClean="0"/>
-              <a:t>21.01.2022</a:t>
+              <a:t>22.01.2022</a:t>
             </a:fld>
             <a:endParaRPr lang="ru-RU"/>
           </a:p>
@@ -470,7 +470,7 @@
           <a:p>
             <a:fld id="{07504AD1-F626-4EEE-A1F0-4F98A55EE3A4}" type="datetimeFigureOut">
               <a:rPr lang="ru-RU" smtClean="0"/>
-              <a:t>21.01.2022</a:t>
+              <a:t>22.01.2022</a:t>
             </a:fld>
             <a:endParaRPr lang="ru-RU"/>
           </a:p>
@@ -650,7 +650,7 @@
           <a:p>
             <a:fld id="{07504AD1-F626-4EEE-A1F0-4F98A55EE3A4}" type="datetimeFigureOut">
               <a:rPr lang="ru-RU" smtClean="0"/>
-              <a:t>21.01.2022</a:t>
+              <a:t>22.01.2022</a:t>
             </a:fld>
             <a:endParaRPr lang="ru-RU"/>
           </a:p>
@@ -820,7 +820,7 @@
           <a:p>
             <a:fld id="{07504AD1-F626-4EEE-A1F0-4F98A55EE3A4}" type="datetimeFigureOut">
               <a:rPr lang="ru-RU" smtClean="0"/>
-              <a:t>21.01.2022</a:t>
+              <a:t>22.01.2022</a:t>
             </a:fld>
             <a:endParaRPr lang="ru-RU"/>
           </a:p>
@@ -1066,7 +1066,7 @@
           <a:p>
             <a:fld id="{07504AD1-F626-4EEE-A1F0-4F98A55EE3A4}" type="datetimeFigureOut">
               <a:rPr lang="ru-RU" smtClean="0"/>
-              <a:t>21.01.2022</a:t>
+              <a:t>22.01.2022</a:t>
             </a:fld>
             <a:endParaRPr lang="ru-RU"/>
           </a:p>
@@ -1298,7 +1298,7 @@
           <a:p>
             <a:fld id="{07504AD1-F626-4EEE-A1F0-4F98A55EE3A4}" type="datetimeFigureOut">
               <a:rPr lang="ru-RU" smtClean="0"/>
-              <a:t>21.01.2022</a:t>
+              <a:t>22.01.2022</a:t>
             </a:fld>
             <a:endParaRPr lang="ru-RU"/>
           </a:p>
@@ -1665,7 +1665,7 @@
           <a:p>
             <a:fld id="{07504AD1-F626-4EEE-A1F0-4F98A55EE3A4}" type="datetimeFigureOut">
               <a:rPr lang="ru-RU" smtClean="0"/>
-              <a:t>21.01.2022</a:t>
+              <a:t>22.01.2022</a:t>
             </a:fld>
             <a:endParaRPr lang="ru-RU"/>
           </a:p>
@@ -1783,7 +1783,7 @@
           <a:p>
             <a:fld id="{07504AD1-F626-4EEE-A1F0-4F98A55EE3A4}" type="datetimeFigureOut">
               <a:rPr lang="ru-RU" smtClean="0"/>
-              <a:t>21.01.2022</a:t>
+              <a:t>22.01.2022</a:t>
             </a:fld>
             <a:endParaRPr lang="ru-RU"/>
           </a:p>
@@ -1878,7 +1878,7 @@
           <a:p>
             <a:fld id="{07504AD1-F626-4EEE-A1F0-4F98A55EE3A4}" type="datetimeFigureOut">
               <a:rPr lang="ru-RU" smtClean="0"/>
-              <a:t>21.01.2022</a:t>
+              <a:t>22.01.2022</a:t>
             </a:fld>
             <a:endParaRPr lang="ru-RU"/>
           </a:p>
@@ -2155,7 +2155,7 @@
           <a:p>
             <a:fld id="{07504AD1-F626-4EEE-A1F0-4F98A55EE3A4}" type="datetimeFigureOut">
               <a:rPr lang="ru-RU" smtClean="0"/>
-              <a:t>21.01.2022</a:t>
+              <a:t>22.01.2022</a:t>
             </a:fld>
             <a:endParaRPr lang="ru-RU"/>
           </a:p>
@@ -2412,7 +2412,7 @@
           <a:p>
             <a:fld id="{07504AD1-F626-4EEE-A1F0-4F98A55EE3A4}" type="datetimeFigureOut">
               <a:rPr lang="ru-RU" smtClean="0"/>
-              <a:t>21.01.2022</a:t>
+              <a:t>22.01.2022</a:t>
             </a:fld>
             <a:endParaRPr lang="ru-RU"/>
           </a:p>
@@ -2625,7 +2625,7 @@
           <a:p>
             <a:fld id="{07504AD1-F626-4EEE-A1F0-4F98A55EE3A4}" type="datetimeFigureOut">
               <a:rPr lang="ru-RU" smtClean="0"/>
-              <a:t>21.01.2022</a:t>
+              <a:t>22.01.2022</a:t>
             </a:fld>
             <a:endParaRPr lang="ru-RU"/>
           </a:p>
@@ -3140,8 +3140,8 @@
         </p:nvSpPr>
         <p:spPr>
           <a:xfrm>
-            <a:off x="1799813" y="1620269"/>
-            <a:ext cx="8640000" cy="720000"/>
+            <a:off x="1439813" y="1620269"/>
+            <a:ext cx="9360000" cy="720000"/>
           </a:xfrm>
           <a:prstGeom prst="rect">
             <a:avLst/>
@@ -3173,7 +3173,7 @@
           <a:p>
             <a:r>
               <a:rPr lang="ru-RU" sz="4000" dirty="0" smtClean="0"/>
-              <a:t>Проектная работа по модулю "</a:t>
+              <a:t>Проектная работа по модулю «</a:t>
             </a:r>
             <a:r>
               <a:rPr lang="en-US" sz="4000" dirty="0" err="1" smtClean="0"/>
@@ -3181,7 +3181,7 @@
             </a:r>
             <a:r>
               <a:rPr lang="ru-RU" sz="4000" dirty="0" smtClean="0"/>
-              <a:t>"</a:t>
+              <a:t>»</a:t>
             </a:r>
             <a:endParaRPr lang="ru-RU" sz="4000" dirty="0"/>
           </a:p>
@@ -11287,42 +11287,64 @@
         </p:nvSpPr>
         <p:spPr>
           <a:xfrm>
-            <a:off x="2599315" y="3770108"/>
-            <a:ext cx="7040997" cy="2477665"/>
+            <a:off x="450014" y="3770108"/>
+            <a:ext cx="11339598" cy="2775835"/>
           </a:xfrm>
         </p:spPr>
         <p:txBody>
-          <a:bodyPr/>
+          <a:bodyPr>
+            <a:normAutofit/>
+          </a:bodyPr>
           <a:lstStyle/>
           <a:p>
-            <a:r>
-              <a:rPr lang="ru-RU" dirty="0"/>
+            <a:pPr marL="1074738" indent="-1074738">
+              <a:buBlip>
+                <a:blip r:embed="rId3"/>
+              </a:buBlip>
+            </a:pPr>
+            <a:r>
+              <a:rPr lang="ru-RU" sz="3200" dirty="0"/>
               <a:t>Реализовать базовые механики и базовые блоки</a:t>
             </a:r>
           </a:p>
           <a:p>
-            <a:r>
-              <a:rPr lang="ru-RU" dirty="0"/>
+            <a:pPr marL="1074738" indent="-1074738">
+              <a:buBlip>
+                <a:blip r:embed="rId3"/>
+              </a:buBlip>
+            </a:pPr>
+            <a:r>
+              <a:rPr lang="ru-RU" sz="3200" dirty="0"/>
               <a:t>Придумать уровни</a:t>
             </a:r>
           </a:p>
           <a:p>
-            <a:r>
-              <a:rPr lang="ru-RU" dirty="0"/>
-              <a:t>Создать редактор </a:t>
-            </a:r>
-            <a:r>
-              <a:rPr lang="ru-RU" dirty="0" err="1"/>
+            <a:pPr marL="1074738" indent="-1074738">
+              <a:buBlip>
+                <a:blip r:embed="rId3"/>
+              </a:buBlip>
+            </a:pPr>
+            <a:r>
+              <a:rPr lang="ru-RU" sz="3200" dirty="0"/>
+              <a:t>Создать редактор пользовательских (</a:t>
+            </a:r>
+            <a:r>
+              <a:rPr lang="ru-RU" sz="3200" dirty="0" err="1"/>
               <a:t>кастомных</a:t>
             </a:r>
             <a:r>
-              <a:rPr lang="ru-RU" dirty="0"/>
-              <a:t> блоков</a:t>
-            </a:r>
-          </a:p>
-          <a:p>
-            <a:r>
-              <a:rPr lang="ru-RU" dirty="0"/>
+              <a:rPr lang="ru-RU" sz="3200" dirty="0"/>
+              <a:t>) блоков</a:t>
+            </a:r>
+          </a:p>
+          <a:p>
+            <a:pPr marL="1074738" indent="-1074738">
+              <a:buBlip>
+                <a:blip r:embed="rId3"/>
+              </a:buBlip>
+            </a:pPr>
+            <a:r>
+              <a:rPr lang="ru-RU" sz="3200" dirty="0"/>
               <a:t>Добавить обучение</a:t>
             </a:r>
           </a:p>
@@ -11377,8 +11399,8 @@
         </p:nvSpPr>
         <p:spPr>
           <a:xfrm>
-            <a:off x="2061795" y="1779584"/>
-            <a:ext cx="8116037" cy="957834"/>
+            <a:off x="178469" y="1779584"/>
+            <a:ext cx="11611144" cy="957442"/>
           </a:xfrm>
           <a:prstGeom prst="rect">
             <a:avLst/>
@@ -11386,21 +11408,44 @@
           <a:noFill/>
         </p:spPr>
         <p:txBody>
-          <a:bodyPr wrap="none" rtlCol="0">
+          <a:bodyPr wrap="square" rtlCol="0">
             <a:spAutoFit/>
           </a:bodyPr>
           <a:lstStyle/>
           <a:p>
+            <a:pPr algn="ctr"/>
             <a:r>
               <a:rPr lang="ru-RU" sz="2811" dirty="0"/>
               <a:t>Реализовать игру, основанную на двоичной логике </a:t>
             </a:r>
-          </a:p>
-          <a:p>
+            <a:r>
+              <a:rPr lang="ru-RU" sz="2811" dirty="0" smtClean="0"/>
+              <a:t>и </a:t>
+            </a:r>
             <a:r>
               <a:rPr lang="ru-RU" sz="2811" dirty="0"/>
-              <a:t>и построении блок-схем на простейших операция</a:t>
-            </a:r>
+              <a:t>построении </a:t>
+            </a:r>
+            <a:r>
+              <a:rPr lang="ru-RU" sz="2811" dirty="0" smtClean="0"/>
+              <a:t/>
+            </a:r>
+            <a:br>
+              <a:rPr lang="ru-RU" sz="2811" dirty="0" smtClean="0"/>
+            </a:br>
+            <a:r>
+              <a:rPr lang="ru-RU" sz="2811" dirty="0" smtClean="0"/>
+              <a:t>блок-схем </a:t>
+            </a:r>
+            <a:r>
+              <a:rPr lang="ru-RU" sz="2811" dirty="0"/>
+              <a:t>на простейших </a:t>
+            </a:r>
+            <a:r>
+              <a:rPr lang="ru-RU" sz="2811" dirty="0" smtClean="0"/>
+              <a:t>операциях</a:t>
+            </a:r>
+            <a:endParaRPr lang="ru-RU" sz="2811" dirty="0"/>
           </a:p>
         </p:txBody>
       </p:sp>
@@ -11845,13 +11890,6 @@
               </a:rPr>
               <a:t>Нельзя создавать зацикленные соединения.</a:t>
             </a:r>
-            <a:endParaRPr lang="ru-RU" sz="2400" dirty="0" smtClean="0">
-              <a:solidFill>
-                <a:srgbClr val="77F531"/>
-              </a:solidFill>
-              <a:latin typeface="RodchenkoCTT" pitchFamily="2" charset="0"/>
-              <a:cs typeface="Courier New" panose="02070309020205020404" pitchFamily="49" charset="0"/>
-            </a:endParaRPr>
           </a:p>
         </p:txBody>
       </p:sp>
@@ -13841,6 +13879,29 @@
           </a:p>
         </p:txBody>
       </p:sp>
+      <p:pic>
+        <p:nvPicPr>
+          <p:cNvPr id="18" name="Рисунок 17"/>
+          <p:cNvPicPr>
+            <a:picLocks noChangeAspect="1"/>
+          </p:cNvPicPr>
+          <p:nvPr/>
+        </p:nvPicPr>
+        <p:blipFill rotWithShape="1">
+          <a:blip r:embed="rId4"/>
+          <a:srcRect t="67767" r="69786" b="1741"/>
+          <a:stretch/>
+        </p:blipFill>
+        <p:spPr>
+          <a:xfrm>
+            <a:off x="7467441" y="1614484"/>
+            <a:ext cx="4035490" cy="2290958"/>
+          </a:xfrm>
+          <a:prstGeom prst="rect">
+            <a:avLst/>
+          </a:prstGeom>
+        </p:spPr>
+      </p:pic>
       <p:sp>
         <p:nvSpPr>
           <p:cNvPr id="5" name="Заголовок 1">
@@ -13899,8 +13960,8 @@
         </p:nvSpPr>
         <p:spPr>
           <a:xfrm>
-            <a:off x="1033670" y="1530627"/>
-            <a:ext cx="10197547" cy="3021495"/>
+            <a:off x="786390" y="1530628"/>
+            <a:ext cx="6605009" cy="3584298"/>
           </a:xfrm>
           <a:prstGeom prst="rect">
             <a:avLst/>
@@ -13908,7 +13969,7 @@
         </p:spPr>
         <p:txBody>
           <a:bodyPr vert="horz" lIns="91440" tIns="45720" rIns="91440" bIns="45720" rtlCol="0" anchor="t">
-            <a:normAutofit fontScale="62500" lnSpcReduction="20000"/>
+            <a:noAutofit/>
           </a:bodyPr>
           <a:lstStyle>
             <a:lvl1pPr algn="l" defTabSz="912114" rtl="0" eaLnBrk="1" latinLnBrk="0" hangingPunct="1">
@@ -13932,7 +13993,7 @@
           <a:p>
             <a:pPr algn="just"/>
             <a:r>
-              <a:rPr lang="ru-RU" sz="4400" dirty="0">
+              <a:rPr lang="ru-RU" sz="2300" dirty="0">
                 <a:solidFill>
                   <a:srgbClr val="77F531"/>
                 </a:solidFill>
@@ -13943,11 +14004,11 @@
             </a:r>
           </a:p>
           <a:p>
-            <a:pPr marL="742950" indent="-742950" algn="just">
+            <a:pPr marL="361950" indent="-361950" algn="just">
               <a:buAutoNum type="arabicParenR"/>
             </a:pPr>
             <a:r>
-              <a:rPr lang="ru-RU" sz="4400" dirty="0">
+              <a:rPr lang="ru-RU" sz="2300" dirty="0">
                 <a:solidFill>
                   <a:srgbClr val="77F531"/>
                 </a:solidFill>
@@ -13958,19 +14019,209 @@
             </a:r>
           </a:p>
           <a:p>
-            <a:pPr marL="742950" indent="-742950" algn="just">
+            <a:pPr marL="361950" indent="-361950" algn="just">
               <a:buAutoNum type="arabicParenR"/>
             </a:pPr>
             <a:r>
-              <a:rPr lang="ru-RU" sz="4400" dirty="0">
+              <a:rPr lang="ru-RU" sz="2300" dirty="0">
                 <a:solidFill>
                   <a:srgbClr val="77F531"/>
                 </a:solidFill>
                 <a:latin typeface="RodchenkoCTT" pitchFamily="2" charset="0"/>
                 <a:cs typeface="Courier New" panose="02070309020205020404" pitchFamily="49" charset="0"/>
               </a:rPr>
-              <a:t>Максимальное количество пройденных тестов. Вычисляется процент пройденных тестов от общего количества, а потом применяется к максимальному количеству очков. Результат этих вычислений (с округлением в пользу игрока) – это текущие очки за уровень.</a:t>
-            </a:r>
+              <a:t>Максимальное количество пройденных тестов. </a:t>
+            </a:r>
+            <a:r>
+              <a:rPr lang="ru-RU" sz="2300" dirty="0" smtClean="0">
+                <a:solidFill>
+                  <a:srgbClr val="77F531"/>
+                </a:solidFill>
+                <a:latin typeface="RodchenkoCTT" pitchFamily="2" charset="0"/>
+                <a:cs typeface="Courier New" panose="02070309020205020404" pitchFamily="49" charset="0"/>
+              </a:rPr>
+              <a:t>Количество очков пропорционально количеству пройденных тестов.</a:t>
+            </a:r>
+          </a:p>
+          <a:p>
+            <a:pPr algn="just"/>
+            <a:r>
+              <a:rPr lang="ru-RU" sz="2300" dirty="0">
+                <a:solidFill>
+                  <a:srgbClr val="77F531"/>
+                </a:solidFill>
+                <a:latin typeface="RodchenkoCTT" pitchFamily="2" charset="0"/>
+                <a:cs typeface="Courier New" panose="02070309020205020404" pitchFamily="49" charset="0"/>
+              </a:rPr>
+              <a:t>Пользователь может увидеть свои очки находясь на уровне и в меню уровней, суммарное количество очков показывается и в главном меню</a:t>
+            </a:r>
+            <a:r>
+              <a:rPr lang="ru-RU" sz="2300" dirty="0" smtClean="0">
+                <a:solidFill>
+                  <a:srgbClr val="77F531"/>
+                </a:solidFill>
+                <a:latin typeface="RodchenkoCTT" pitchFamily="2" charset="0"/>
+                <a:cs typeface="Courier New" panose="02070309020205020404" pitchFamily="49" charset="0"/>
+              </a:rPr>
+              <a:t>.</a:t>
+            </a:r>
+            <a:endParaRPr lang="ru-RU" sz="2300" dirty="0">
+              <a:solidFill>
+                <a:srgbClr val="77F531"/>
+              </a:solidFill>
+              <a:latin typeface="RodchenkoCTT" pitchFamily="2" charset="0"/>
+              <a:cs typeface="Courier New" panose="02070309020205020404" pitchFamily="49" charset="0"/>
+            </a:endParaRPr>
+          </a:p>
+        </p:txBody>
+      </p:sp>
+      <p:pic>
+        <p:nvPicPr>
+          <p:cNvPr id="2" name="Рисунок 1"/>
+          <p:cNvPicPr>
+            <a:picLocks noChangeAspect="1"/>
+          </p:cNvPicPr>
+          <p:nvPr/>
+        </p:nvPicPr>
+        <p:blipFill rotWithShape="1">
+          <a:blip r:embed="rId5"/>
+          <a:srcRect t="17551" r="11561" b="70935"/>
+          <a:stretch/>
+        </p:blipFill>
+        <p:spPr>
+          <a:xfrm>
+            <a:off x="609601" y="5372100"/>
+            <a:ext cx="11042587" cy="808622"/>
+          </a:xfrm>
+          <a:prstGeom prst="rect">
+            <a:avLst/>
+          </a:prstGeom>
+        </p:spPr>
+      </p:pic>
+      <p:sp>
+        <p:nvSpPr>
+          <p:cNvPr id="6" name="Овал 5"/>
+          <p:cNvSpPr/>
+          <p:nvPr/>
+        </p:nvSpPr>
+        <p:spPr>
+          <a:xfrm>
+            <a:off x="10998508" y="5525180"/>
+            <a:ext cx="502462" cy="502462"/>
+          </a:xfrm>
+          <a:prstGeom prst="ellipse">
+            <a:avLst/>
+          </a:prstGeom>
+          <a:noFill/>
+          <a:ln w="63500">
+            <a:solidFill>
+              <a:srgbClr val="77F531"/>
+            </a:solidFill>
+          </a:ln>
+        </p:spPr>
+        <p:style>
+          <a:lnRef idx="2">
+            <a:schemeClr val="accent1">
+              <a:shade val="50000"/>
+            </a:schemeClr>
+          </a:lnRef>
+          <a:fillRef idx="1">
+            <a:schemeClr val="accent1"/>
+          </a:fillRef>
+          <a:effectRef idx="0">
+            <a:schemeClr val="accent1"/>
+          </a:effectRef>
+          <a:fontRef idx="minor">
+            <a:schemeClr val="lt1"/>
+          </a:fontRef>
+        </p:style>
+        <p:txBody>
+          <a:bodyPr rtlCol="0" anchor="ctr"/>
+          <a:lstStyle/>
+          <a:p>
+            <a:pPr algn="ctr"/>
+            <a:endParaRPr lang="ru-RU"/>
+          </a:p>
+        </p:txBody>
+      </p:sp>
+      <p:pic>
+        <p:nvPicPr>
+          <p:cNvPr id="14" name="Рисунок 13"/>
+          <p:cNvPicPr>
+            <a:picLocks noChangeAspect="1"/>
+          </p:cNvPicPr>
+          <p:nvPr/>
+        </p:nvPicPr>
+        <p:blipFill rotWithShape="1">
+          <a:blip r:embed="rId6">
+            <a:extLst>
+              <a:ext uri="{28A0092B-C50C-407E-A947-70E740481C1C}">
+                <a14:useLocalDpi xmlns:a14="http://schemas.microsoft.com/office/drawing/2010/main" val="0"/>
+              </a:ext>
+            </a:extLst>
+          </a:blip>
+          <a:srcRect r="87983" b="93136"/>
+          <a:stretch/>
+        </p:blipFill>
+        <p:spPr>
+          <a:xfrm>
+            <a:off x="7796870" y="4143375"/>
+            <a:ext cx="2693463" cy="865370"/>
+          </a:xfrm>
+          <a:prstGeom prst="rect">
+            <a:avLst/>
+          </a:prstGeom>
+          <a:ln w="63500">
+            <a:solidFill>
+              <a:srgbClr val="77F531"/>
+            </a:solidFill>
+          </a:ln>
+        </p:spPr>
+      </p:pic>
+      <p:sp>
+        <p:nvSpPr>
+          <p:cNvPr id="17" name="Прямоугольник 16"/>
+          <p:cNvSpPr/>
+          <p:nvPr/>
+        </p:nvSpPr>
+        <p:spPr>
+          <a:xfrm>
+            <a:off x="7467440" y="3091066"/>
+            <a:ext cx="1457897" cy="688953"/>
+          </a:xfrm>
+          <a:prstGeom prst="rect">
+            <a:avLst/>
+          </a:prstGeom>
+          <a:noFill/>
+          <a:ln w="63500" cap="rnd">
+            <a:solidFill>
+              <a:srgbClr val="77F531"/>
+            </a:solidFill>
+            <a:round/>
+          </a:ln>
+        </p:spPr>
+        <p:style>
+          <a:lnRef idx="2">
+            <a:schemeClr val="accent1">
+              <a:shade val="50000"/>
+            </a:schemeClr>
+          </a:lnRef>
+          <a:fillRef idx="1">
+            <a:schemeClr val="accent1"/>
+          </a:fillRef>
+          <a:effectRef idx="0">
+            <a:schemeClr val="accent1"/>
+          </a:effectRef>
+          <a:fontRef idx="minor">
+            <a:schemeClr val="lt1"/>
+          </a:fontRef>
+        </p:style>
+        <p:txBody>
+          <a:bodyPr rtlCol="0" anchor="ctr"/>
+          <a:lstStyle/>
+          <a:p>
+            <a:pPr algn="ctr"/>
+            <a:endParaRPr lang="ru-RU"/>
           </a:p>
         </p:txBody>
       </p:sp>
@@ -14200,6 +14451,136 @@
               </a:rPr>
               <a:t>иначе - конструктор) – создана для того, чтобы пользователь мог создавать свои собственные блоки из базовых.</a:t>
             </a:r>
+          </a:p>
+        </p:txBody>
+      </p:sp>
+      <p:pic>
+        <p:nvPicPr>
+          <p:cNvPr id="2" name="Рисунок 1"/>
+          <p:cNvPicPr>
+            <a:picLocks noChangeAspect="1"/>
+          </p:cNvPicPr>
+          <p:nvPr/>
+        </p:nvPicPr>
+        <p:blipFill rotWithShape="1">
+          <a:blip r:embed="rId4"/>
+          <a:srcRect l="38224" t="27541" r="42061" b="32332"/>
+          <a:stretch/>
+        </p:blipFill>
+        <p:spPr>
+          <a:xfrm>
+            <a:off x="7558056" y="2610627"/>
+            <a:ext cx="2630974" cy="3012275"/>
+          </a:xfrm>
+          <a:prstGeom prst="rect">
+            <a:avLst/>
+          </a:prstGeom>
+          <a:ln w="63500">
+            <a:solidFill>
+              <a:srgbClr val="77F531"/>
+            </a:solidFill>
+          </a:ln>
+        </p:spPr>
+      </p:pic>
+      <p:pic>
+        <p:nvPicPr>
+          <p:cNvPr id="3" name="Рисунок 2"/>
+          <p:cNvPicPr>
+            <a:picLocks noChangeAspect="1"/>
+          </p:cNvPicPr>
+          <p:nvPr/>
+        </p:nvPicPr>
+        <p:blipFill rotWithShape="1">
+          <a:blip r:embed="rId5">
+            <a:extLst>
+              <a:ext uri="{28A0092B-C50C-407E-A947-70E740481C1C}">
+                <a14:useLocalDpi xmlns:a14="http://schemas.microsoft.com/office/drawing/2010/main" val="0"/>
+              </a:ext>
+            </a:extLst>
+          </a:blip>
+          <a:srcRect l="24383" t="32039" r="64637" b="50350"/>
+          <a:stretch/>
+        </p:blipFill>
+        <p:spPr>
+          <a:xfrm>
+            <a:off x="2046514" y="2815771"/>
+            <a:ext cx="2520180" cy="2273643"/>
+          </a:xfrm>
+          <a:prstGeom prst="rect">
+            <a:avLst/>
+          </a:prstGeom>
+          <a:ln w="63500">
+            <a:solidFill>
+              <a:srgbClr val="77F531"/>
+            </a:solidFill>
+          </a:ln>
+        </p:spPr>
+      </p:pic>
+      <p:sp>
+        <p:nvSpPr>
+          <p:cNvPr id="7" name="Заголовок 1">
+            <a:extLst>
+              <a:ext uri="{FF2B5EF4-FFF2-40B4-BE49-F238E27FC236}">
+                <a16:creationId xmlns:a16="http://schemas.microsoft.com/office/drawing/2014/main" id="{6D8728E5-634E-46B1-9637-28E8C9DBD738}"/>
+              </a:ext>
+            </a:extLst>
+          </p:cNvPr>
+          <p:cNvSpPr txBox="1">
+            <a:spLocks/>
+          </p:cNvSpPr>
+          <p:nvPr/>
+        </p:nvSpPr>
+        <p:spPr>
+          <a:xfrm>
+            <a:off x="5625199" y="3213928"/>
+            <a:ext cx="743721" cy="1477328"/>
+          </a:xfrm>
+          <a:prstGeom prst="rect">
+            <a:avLst/>
+          </a:prstGeom>
+        </p:spPr>
+        <p:txBody>
+          <a:bodyPr vert="horz" wrap="square" lIns="91440" tIns="45720" rIns="91440" bIns="45720" rtlCol="0" anchor="t">
+            <a:spAutoFit/>
+          </a:bodyPr>
+          <a:lstStyle>
+            <a:lvl1pPr algn="l" defTabSz="912114" rtl="0" eaLnBrk="1" latinLnBrk="0" hangingPunct="1">
+              <a:lnSpc>
+                <a:spcPct val="90000"/>
+              </a:lnSpc>
+              <a:spcBef>
+                <a:spcPct val="0"/>
+              </a:spcBef>
+              <a:buNone/>
+              <a:defRPr sz="4389" kern="1200">
+                <a:solidFill>
+                  <a:schemeClr val="tx1"/>
+                </a:solidFill>
+                <a:latin typeface="+mj-lt"/>
+                <a:ea typeface="+mj-ea"/>
+                <a:cs typeface="+mj-cs"/>
+              </a:defRPr>
+            </a:lvl1pPr>
+          </a:lstStyle>
+          <a:p>
+            <a:pPr algn="just"/>
+            <a:r>
+              <a:rPr lang="en-US" sz="10000" dirty="0" smtClean="0">
+                <a:solidFill>
+                  <a:srgbClr val="77F531"/>
+                </a:solidFill>
+                <a:latin typeface="RodchenkoCTT" pitchFamily="2" charset="0"/>
+                <a:cs typeface="Courier New" panose="02070309020205020404" pitchFamily="49" charset="0"/>
+              </a:rPr>
+              <a:t>=</a:t>
+            </a:r>
+            <a:endParaRPr lang="ru-RU" sz="10000" dirty="0">
+              <a:solidFill>
+                <a:srgbClr val="77F531"/>
+              </a:solidFill>
+              <a:latin typeface="RodchenkoCTT" pitchFamily="2" charset="0"/>
+              <a:cs typeface="Courier New" panose="02070309020205020404" pitchFamily="49" charset="0"/>
+            </a:endParaRPr>
           </a:p>
         </p:txBody>
       </p:sp>

--- a/presentation.pptx
+++ b/presentation.pptx
@@ -300,7 +300,7 @@
           <a:p>
             <a:fld id="{07504AD1-F626-4EEE-A1F0-4F98A55EE3A4}" type="datetimeFigureOut">
               <a:rPr lang="ru-RU" smtClean="0"/>
-              <a:t>22.01.2022</a:t>
+              <a:t>26.01.2022</a:t>
             </a:fld>
             <a:endParaRPr lang="ru-RU"/>
           </a:p>
@@ -470,7 +470,7 @@
           <a:p>
             <a:fld id="{07504AD1-F626-4EEE-A1F0-4F98A55EE3A4}" type="datetimeFigureOut">
               <a:rPr lang="ru-RU" smtClean="0"/>
-              <a:t>22.01.2022</a:t>
+              <a:t>26.01.2022</a:t>
             </a:fld>
             <a:endParaRPr lang="ru-RU"/>
           </a:p>
@@ -650,7 +650,7 @@
           <a:p>
             <a:fld id="{07504AD1-F626-4EEE-A1F0-4F98A55EE3A4}" type="datetimeFigureOut">
               <a:rPr lang="ru-RU" smtClean="0"/>
-              <a:t>22.01.2022</a:t>
+              <a:t>26.01.2022</a:t>
             </a:fld>
             <a:endParaRPr lang="ru-RU"/>
           </a:p>
@@ -820,7 +820,7 @@
           <a:p>
             <a:fld id="{07504AD1-F626-4EEE-A1F0-4F98A55EE3A4}" type="datetimeFigureOut">
               <a:rPr lang="ru-RU" smtClean="0"/>
-              <a:t>22.01.2022</a:t>
+              <a:t>26.01.2022</a:t>
             </a:fld>
             <a:endParaRPr lang="ru-RU"/>
           </a:p>
@@ -1066,7 +1066,7 @@
           <a:p>
             <a:fld id="{07504AD1-F626-4EEE-A1F0-4F98A55EE3A4}" type="datetimeFigureOut">
               <a:rPr lang="ru-RU" smtClean="0"/>
-              <a:t>22.01.2022</a:t>
+              <a:t>26.01.2022</a:t>
             </a:fld>
             <a:endParaRPr lang="ru-RU"/>
           </a:p>
@@ -1298,7 +1298,7 @@
           <a:p>
             <a:fld id="{07504AD1-F626-4EEE-A1F0-4F98A55EE3A4}" type="datetimeFigureOut">
               <a:rPr lang="ru-RU" smtClean="0"/>
-              <a:t>22.01.2022</a:t>
+              <a:t>26.01.2022</a:t>
             </a:fld>
             <a:endParaRPr lang="ru-RU"/>
           </a:p>
@@ -1665,7 +1665,7 @@
           <a:p>
             <a:fld id="{07504AD1-F626-4EEE-A1F0-4F98A55EE3A4}" type="datetimeFigureOut">
               <a:rPr lang="ru-RU" smtClean="0"/>
-              <a:t>22.01.2022</a:t>
+              <a:t>26.01.2022</a:t>
             </a:fld>
             <a:endParaRPr lang="ru-RU"/>
           </a:p>
@@ -1783,7 +1783,7 @@
           <a:p>
             <a:fld id="{07504AD1-F626-4EEE-A1F0-4F98A55EE3A4}" type="datetimeFigureOut">
               <a:rPr lang="ru-RU" smtClean="0"/>
-              <a:t>22.01.2022</a:t>
+              <a:t>26.01.2022</a:t>
             </a:fld>
             <a:endParaRPr lang="ru-RU"/>
           </a:p>
@@ -1878,7 +1878,7 @@
           <a:p>
             <a:fld id="{07504AD1-F626-4EEE-A1F0-4F98A55EE3A4}" type="datetimeFigureOut">
               <a:rPr lang="ru-RU" smtClean="0"/>
-              <a:t>22.01.2022</a:t>
+              <a:t>26.01.2022</a:t>
             </a:fld>
             <a:endParaRPr lang="ru-RU"/>
           </a:p>
@@ -2155,7 +2155,7 @@
           <a:p>
             <a:fld id="{07504AD1-F626-4EEE-A1F0-4F98A55EE3A4}" type="datetimeFigureOut">
               <a:rPr lang="ru-RU" smtClean="0"/>
-              <a:t>22.01.2022</a:t>
+              <a:t>26.01.2022</a:t>
             </a:fld>
             <a:endParaRPr lang="ru-RU"/>
           </a:p>
@@ -2412,7 +2412,7 @@
           <a:p>
             <a:fld id="{07504AD1-F626-4EEE-A1F0-4F98A55EE3A4}" type="datetimeFigureOut">
               <a:rPr lang="ru-RU" smtClean="0"/>
-              <a:t>22.01.2022</a:t>
+              <a:t>26.01.2022</a:t>
             </a:fld>
             <a:endParaRPr lang="ru-RU"/>
           </a:p>
@@ -2625,7 +2625,7 @@
           <a:p>
             <a:fld id="{07504AD1-F626-4EEE-A1F0-4F98A55EE3A4}" type="datetimeFigureOut">
               <a:rPr lang="ru-RU" smtClean="0"/>
-              <a:t>22.01.2022</a:t>
+              <a:t>26.01.2022</a:t>
             </a:fld>
             <a:endParaRPr lang="ru-RU"/>
           </a:p>
@@ -3074,19 +3074,15 @@
           <a:lstStyle/>
           <a:p>
             <a:r>
-              <a:rPr lang="ru-RU" dirty="0" smtClean="0"/>
+              <a:rPr lang="ru-RU" dirty="0"/>
               <a:t>Компьютерная игра</a:t>
             </a:r>
             <a:br>
-              <a:rPr lang="ru-RU" dirty="0" smtClean="0"/>
+              <a:rPr lang="ru-RU" dirty="0"/>
             </a:br>
             <a:r>
-              <a:rPr lang="ru-RU" dirty="0" smtClean="0"/>
-              <a:t>«Логические </a:t>
-            </a:r>
-            <a:r>
               <a:rPr lang="ru-RU" dirty="0"/>
-              <a:t>функции»</a:t>
+              <a:t>«Логические функции»</a:t>
             </a:r>
           </a:p>
         </p:txBody>
@@ -3172,18 +3168,17 @@
           </a:lstStyle>
           <a:p>
             <a:r>
-              <a:rPr lang="ru-RU" sz="4000" dirty="0" smtClean="0"/>
+              <a:rPr lang="ru-RU" sz="4000" dirty="0"/>
               <a:t>Проектная работа по модулю «</a:t>
             </a:r>
             <a:r>
-              <a:rPr lang="en-US" sz="4000" dirty="0" err="1" smtClean="0"/>
+              <a:rPr lang="en-US" sz="4000" dirty="0" err="1"/>
               <a:t>pygame</a:t>
             </a:r>
             <a:r>
-              <a:rPr lang="ru-RU" sz="4000" dirty="0" smtClean="0"/>
+              <a:rPr lang="ru-RU" sz="4000" dirty="0"/>
               <a:t>»</a:t>
             </a:r>
-            <a:endParaRPr lang="ru-RU" sz="4000" dirty="0"/>
           </a:p>
         </p:txBody>
       </p:sp>
@@ -3197,13 +3192,6 @@
   <p:clrMapOvr>
     <a:masterClrMapping/>
   </p:clrMapOvr>
-  <p:timing>
-    <p:tnLst>
-      <p:par>
-        <p:cTn id="1" dur="indefinite" restart="never" nodeType="tmRoot"/>
-      </p:par>
-    </p:tnLst>
-  </p:timing>
 </p:sld>
 </file>
 
@@ -11163,7 +11151,7 @@
           <a:p>
             <a:pPr algn="ctr"/>
             <a:r>
-              <a:rPr lang="ru-RU" sz="7200" dirty="0" smtClean="0">
+              <a:rPr lang="ru-RU" sz="7200" dirty="0">
                 <a:solidFill>
                   <a:srgbClr val="77F531"/>
                 </a:solidFill>
@@ -11172,13 +11160,6 @@
               </a:rPr>
               <a:t>СПАСИБО ЗА ВНИМАНИЕ</a:t>
             </a:r>
-            <a:endParaRPr lang="ru-RU" sz="7200" dirty="0">
-              <a:solidFill>
-                <a:srgbClr val="77F531"/>
-              </a:solidFill>
-              <a:latin typeface="RodchenkoCTT" pitchFamily="2" charset="0"/>
-              <a:cs typeface="Courier New" panose="02070309020205020404" pitchFamily="49" charset="0"/>
-            </a:endParaRPr>
           </a:p>
         </p:txBody>
       </p:sp>
@@ -11192,13 +11173,6 @@
   <p:clrMapOvr>
     <a:overrideClrMapping bg1="lt1" tx1="dk1" bg2="lt2" tx2="dk2" accent1="accent1" accent2="accent2" accent3="accent3" accent4="accent4" accent5="accent5" accent6="accent6" hlink="hlink" folHlink="folHlink"/>
   </p:clrMapOvr>
-  <p:timing>
-    <p:tnLst>
-      <p:par>
-        <p:cTn id="1" dur="indefinite" restart="never" nodeType="tmRoot"/>
-      </p:par>
-    </p:tnLst>
-  </p:timing>
 </p:sld>
 </file>
 
@@ -11416,36 +11390,15 @@
             <a:pPr algn="ctr"/>
             <a:r>
               <a:rPr lang="ru-RU" sz="2811" dirty="0"/>
-              <a:t>Реализовать игру, основанную на двоичной логике </a:t>
+              <a:t>Реализовать игру, основанную на двоичной логике и построении </a:t>
             </a:r>
-            <a:r>
-              <a:rPr lang="ru-RU" sz="2811" dirty="0" smtClean="0"/>
-              <a:t>и </a:t>
-            </a:r>
+            <a:br>
+              <a:rPr lang="ru-RU" sz="2811" dirty="0"/>
+            </a:br>
             <a:r>
               <a:rPr lang="ru-RU" sz="2811" dirty="0"/>
-              <a:t>построении </a:t>
+              <a:t>блок-схем на простейших операциях</a:t>
             </a:r>
-            <a:r>
-              <a:rPr lang="ru-RU" sz="2811" dirty="0" smtClean="0"/>
-              <a:t/>
-            </a:r>
-            <a:br>
-              <a:rPr lang="ru-RU" sz="2811" dirty="0" smtClean="0"/>
-            </a:br>
-            <a:r>
-              <a:rPr lang="ru-RU" sz="2811" dirty="0" smtClean="0"/>
-              <a:t>блок-схем </a:t>
-            </a:r>
-            <a:r>
-              <a:rPr lang="ru-RU" sz="2811" dirty="0"/>
-              <a:t>на простейших </a:t>
-            </a:r>
-            <a:r>
-              <a:rPr lang="ru-RU" sz="2811" dirty="0" smtClean="0"/>
-              <a:t>операциях</a:t>
-            </a:r>
-            <a:endParaRPr lang="ru-RU" sz="2811" dirty="0"/>
           </a:p>
         </p:txBody>
       </p:sp>
@@ -11494,13 +11447,6 @@
   <p:clrMapOvr>
     <a:masterClrMapping/>
   </p:clrMapOvr>
-  <p:timing>
-    <p:tnLst>
-      <p:par>
-        <p:cTn id="1" dur="indefinite" restart="never" nodeType="tmRoot"/>
-      </p:par>
-    </p:tnLst>
-  </p:timing>
 </p:sld>
 </file>
 
@@ -11704,16 +11650,6 @@
           <a:p>
             <a:pPr algn="just"/>
             <a:r>
-              <a:rPr lang="ru-RU" sz="2400" dirty="0" smtClean="0">
-                <a:solidFill>
-                  <a:srgbClr val="77F531"/>
-                </a:solidFill>
-                <a:latin typeface="RodchenkoCTT" pitchFamily="2" charset="0"/>
-                <a:cs typeface="Courier New" panose="02070309020205020404" pitchFamily="49" charset="0"/>
-              </a:rPr>
-              <a:t>Входные </a:t>
-            </a:r>
-            <a:r>
               <a:rPr lang="ru-RU" sz="2400" dirty="0">
                 <a:solidFill>
                   <a:srgbClr val="77F531"/>
@@ -11721,25 +11657,8 @@
                 <a:latin typeface="RodchenkoCTT" pitchFamily="2" charset="0"/>
                 <a:cs typeface="Courier New" panose="02070309020205020404" pitchFamily="49" charset="0"/>
               </a:rPr>
-              <a:t>и выходные сигналы (иначе - коннекторы) – </a:t>
+              <a:t>Входные и выходные сигналы (иначе - коннекторы) – связывают блоки, моделируют входы и выходы с подсоединенными проводами. Ограничения:</a:t>
             </a:r>
-            <a:r>
-              <a:rPr lang="ru-RU" sz="2400" dirty="0" smtClean="0">
-                <a:solidFill>
-                  <a:srgbClr val="77F531"/>
-                </a:solidFill>
-                <a:latin typeface="RodchenkoCTT" pitchFamily="2" charset="0"/>
-                <a:cs typeface="Courier New" panose="02070309020205020404" pitchFamily="49" charset="0"/>
-              </a:rPr>
-              <a:t>связывают блоки, моделируют входы и выходы с подсоединенными проводами. Ограничения:</a:t>
-            </a:r>
-            <a:endParaRPr lang="ru-RU" sz="2400" dirty="0">
-              <a:solidFill>
-                <a:srgbClr val="77F531"/>
-              </a:solidFill>
-              <a:latin typeface="RodchenkoCTT" pitchFamily="2" charset="0"/>
-              <a:cs typeface="Courier New" panose="02070309020205020404" pitchFamily="49" charset="0"/>
-            </a:endParaRPr>
           </a:p>
         </p:txBody>
       </p:sp>
@@ -11794,16 +11713,6 @@
               <a:buAutoNum type="arabicParenR"/>
             </a:pPr>
             <a:r>
-              <a:rPr lang="ru-RU" sz="2400" dirty="0" smtClean="0">
-                <a:solidFill>
-                  <a:srgbClr val="77F531"/>
-                </a:solidFill>
-                <a:latin typeface="RodchenkoCTT" pitchFamily="2" charset="0"/>
-                <a:cs typeface="Courier New" panose="02070309020205020404" pitchFamily="49" charset="0"/>
-              </a:rPr>
-              <a:t>Входной коннектор можно </a:t>
-            </a:r>
-            <a:r>
               <a:rPr lang="ru-RU" sz="2400" dirty="0">
                 <a:solidFill>
                   <a:srgbClr val="77F531"/>
@@ -11811,7 +11720,7 @@
                 <a:latin typeface="RodchenkoCTT" pitchFamily="2" charset="0"/>
                 <a:cs typeface="Courier New" panose="02070309020205020404" pitchFamily="49" charset="0"/>
               </a:rPr>
-              <a:t>соединять только с одним выходным.</a:t>
+              <a:t>Входной коннектор можно соединять только с одним выходным.</a:t>
             </a:r>
           </a:p>
           <a:p>
@@ -11826,37 +11735,7 @@
                 <a:latin typeface="RodchenkoCTT" pitchFamily="2" charset="0"/>
                 <a:cs typeface="Courier New" panose="02070309020205020404" pitchFamily="49" charset="0"/>
               </a:rPr>
-              <a:t>Выходной </a:t>
-            </a:r>
-            <a:r>
-              <a:rPr lang="ru-RU" sz="2400" dirty="0" smtClean="0">
-                <a:solidFill>
-                  <a:srgbClr val="77F531"/>
-                </a:solidFill>
-                <a:latin typeface="RodchenkoCTT" pitchFamily="2" charset="0"/>
-                <a:cs typeface="Courier New" panose="02070309020205020404" pitchFamily="49" charset="0"/>
-              </a:rPr>
-              <a:t>коннектор </a:t>
-            </a:r>
-            <a:r>
-              <a:rPr lang="ru-RU" sz="2400" dirty="0">
-                <a:solidFill>
-                  <a:srgbClr val="77F531"/>
-                </a:solidFill>
-                <a:latin typeface="RodchenkoCTT" pitchFamily="2" charset="0"/>
-                <a:cs typeface="Courier New" panose="02070309020205020404" pitchFamily="49" charset="0"/>
-              </a:rPr>
-              <a:t>можно соединять с неограниченным количеством </a:t>
-            </a:r>
-            <a:r>
-              <a:rPr lang="ru-RU" sz="2400" dirty="0" smtClean="0">
-                <a:solidFill>
-                  <a:srgbClr val="77F531"/>
-                </a:solidFill>
-                <a:latin typeface="RodchenkoCTT" pitchFamily="2" charset="0"/>
-                <a:cs typeface="Courier New" panose="02070309020205020404" pitchFamily="49" charset="0"/>
-              </a:rPr>
-              <a:t>входных</a:t>
+              <a:t>Выходной коннектор можно соединять с неограниченным количеством входных</a:t>
             </a:r>
             <a:r>
               <a:rPr lang="en-US" sz="2400" dirty="0">
@@ -11868,7 +11747,7 @@
               </a:rPr>
               <a:t>.</a:t>
             </a:r>
-            <a:endParaRPr lang="ru-RU" sz="2400" dirty="0" smtClean="0">
+            <a:endParaRPr lang="ru-RU" sz="2400" dirty="0">
               <a:solidFill>
                 <a:srgbClr val="77F531"/>
               </a:solidFill>
@@ -11881,7 +11760,7 @@
               <a:buAutoNum type="arabicParenR"/>
             </a:pPr>
             <a:r>
-              <a:rPr lang="ru-RU" sz="2400" dirty="0" smtClean="0">
+              <a:rPr lang="ru-RU" sz="2400" dirty="0">
                 <a:solidFill>
                   <a:srgbClr val="77F531"/>
                 </a:solidFill>
@@ -13371,13 +13250,6 @@
   <p:clrMapOvr>
     <a:masterClrMapping/>
   </p:clrMapOvr>
-  <p:timing>
-    <p:tnLst>
-      <p:par>
-        <p:cTn id="1" dur="indefinite" restart="never" nodeType="tmRoot"/>
-      </p:par>
-    </p:tnLst>
-  </p:timing>
 </p:sld>
 </file>
 
@@ -13783,13 +13655,6 @@
   <p:clrMapOvr>
     <a:overrideClrMapping bg1="lt1" tx1="dk1" bg2="lt2" tx2="dk2" accent1="accent1" accent2="accent2" accent3="accent3" accent4="accent4" accent5="accent5" accent6="accent6" hlink="hlink" folHlink="folHlink"/>
   </p:clrMapOvr>
-  <p:timing>
-    <p:tnLst>
-      <p:par>
-        <p:cTn id="1" dur="indefinite" restart="never" nodeType="tmRoot"/>
-      </p:par>
-    </p:tnLst>
-  </p:timing>
 </p:sld>
 </file>
 
@@ -14030,17 +13895,7 @@
                 <a:latin typeface="RodchenkoCTT" pitchFamily="2" charset="0"/>
                 <a:cs typeface="Courier New" panose="02070309020205020404" pitchFamily="49" charset="0"/>
               </a:rPr>
-              <a:t>Максимальное количество пройденных тестов. </a:t>
-            </a:r>
-            <a:r>
-              <a:rPr lang="ru-RU" sz="2300" dirty="0" smtClean="0">
-                <a:solidFill>
-                  <a:srgbClr val="77F531"/>
-                </a:solidFill>
-                <a:latin typeface="RodchenkoCTT" pitchFamily="2" charset="0"/>
-                <a:cs typeface="Courier New" panose="02070309020205020404" pitchFamily="49" charset="0"/>
-              </a:rPr>
-              <a:t>Количество очков пропорционально количеству пройденных тестов.</a:t>
+              <a:t>Максимальное количество пройденных тестов. Количество очков пропорционально количеству пройденных тестов.</a:t>
             </a:r>
           </a:p>
           <a:p>
@@ -14053,25 +13908,8 @@
                 <a:latin typeface="RodchenkoCTT" pitchFamily="2" charset="0"/>
                 <a:cs typeface="Courier New" panose="02070309020205020404" pitchFamily="49" charset="0"/>
               </a:rPr>
-              <a:t>Пользователь может увидеть свои очки находясь на уровне и в меню уровней, суммарное количество очков показывается и в главном меню</a:t>
+              <a:t>Пользователь может увидеть свои очки находясь на уровне и в меню уровней, суммарное количество очков показывается и в главном меню.</a:t>
             </a:r>
-            <a:r>
-              <a:rPr lang="ru-RU" sz="2300" dirty="0" smtClean="0">
-                <a:solidFill>
-                  <a:srgbClr val="77F531"/>
-                </a:solidFill>
-                <a:latin typeface="RodchenkoCTT" pitchFamily="2" charset="0"/>
-                <a:cs typeface="Courier New" panose="02070309020205020404" pitchFamily="49" charset="0"/>
-              </a:rPr>
-              <a:t>.</a:t>
-            </a:r>
-            <a:endParaRPr lang="ru-RU" sz="2300" dirty="0">
-              <a:solidFill>
-                <a:srgbClr val="77F531"/>
-              </a:solidFill>
-              <a:latin typeface="RodchenkoCTT" pitchFamily="2" charset="0"/>
-              <a:cs typeface="Courier New" panose="02070309020205020404" pitchFamily="49" charset="0"/>
-            </a:endParaRPr>
           </a:p>
         </p:txBody>
       </p:sp>
@@ -14235,13 +14073,6 @@
   <p:clrMapOvr>
     <a:overrideClrMapping bg1="lt1" tx1="dk1" bg2="lt2" tx2="dk2" accent1="accent1" accent2="accent2" accent3="accent3" accent4="accent4" accent5="accent5" accent6="accent6" hlink="hlink" folHlink="folHlink"/>
   </p:clrMapOvr>
-  <p:timing>
-    <p:tnLst>
-      <p:par>
-        <p:cTn id="1" dur="indefinite" restart="never" nodeType="tmRoot"/>
-      </p:par>
-    </p:tnLst>
-  </p:timing>
 </p:sld>
 </file>
 
@@ -14565,7 +14396,7 @@
           <a:p>
             <a:pPr algn="just"/>
             <a:r>
-              <a:rPr lang="en-US" sz="10000" dirty="0" smtClean="0">
+              <a:rPr lang="en-US" sz="10000" dirty="0">
                 <a:solidFill>
                   <a:srgbClr val="77F531"/>
                 </a:solidFill>
@@ -14594,13 +14425,6 @@
   <p:clrMapOvr>
     <a:overrideClrMapping bg1="lt1" tx1="dk1" bg2="lt2" tx2="dk2" accent1="accent1" accent2="accent2" accent3="accent3" accent4="accent4" accent5="accent5" accent6="accent6" hlink="hlink" folHlink="folHlink"/>
   </p:clrMapOvr>
-  <p:timing>
-    <p:tnLst>
-      <p:par>
-        <p:cTn id="1" dur="indefinite" restart="never" nodeType="tmRoot"/>
-      </p:par>
-    </p:tnLst>
-  </p:timing>
 </p:sld>
 </file>
 
@@ -14894,13 +14718,6 @@
   <p:clrMapOvr>
     <a:masterClrMapping/>
   </p:clrMapOvr>
-  <p:timing>
-    <p:tnLst>
-      <p:par>
-        <p:cTn id="1" dur="indefinite" restart="never" nodeType="tmRoot"/>
-      </p:par>
-    </p:tnLst>
-  </p:timing>
 </p:sld>
 </file>
 
@@ -15088,35 +14905,6 @@
       </p:pic>
       <p:pic>
         <p:nvPicPr>
-          <p:cNvPr id="17" name="Рисунок 16">
-            <a:extLst>
-              <a:ext uri="{FF2B5EF4-FFF2-40B4-BE49-F238E27FC236}">
-                <a16:creationId xmlns:a16="http://schemas.microsoft.com/office/drawing/2014/main" id="{700D4F72-6B99-4DBE-956A-0175CD64E3B8}"/>
-              </a:ext>
-            </a:extLst>
-          </p:cNvPr>
-          <p:cNvPicPr>
-            <a:picLocks noChangeAspect="1"/>
-          </p:cNvPicPr>
-          <p:nvPr/>
-        </p:nvPicPr>
-        <p:blipFill rotWithShape="1">
-          <a:blip r:embed="rId3"/>
-          <a:srcRect l="27378" r="26814" b="65702"/>
-          <a:stretch/>
-        </p:blipFill>
-        <p:spPr>
-          <a:xfrm>
-            <a:off x="6119812" y="1684420"/>
-            <a:ext cx="5570621" cy="2346158"/>
-          </a:xfrm>
-          <a:prstGeom prst="rect">
-            <a:avLst/>
-          </a:prstGeom>
-        </p:spPr>
-      </p:pic>
-      <p:pic>
-        <p:nvPicPr>
           <p:cNvPr id="18" name="Picture 2" descr="[animate output image]">
             <a:extLst>
               <a:ext uri="{FF2B5EF4-FFF2-40B4-BE49-F238E27FC236}">
@@ -15160,6 +14948,36 @@
               </a14:hiddenFill>
             </a:ext>
           </a:extLst>
+        </p:spPr>
+      </p:pic>
+      <p:pic>
+        <p:nvPicPr>
+          <p:cNvPr id="3" name="Рисунок 2">
+            <a:extLst>
+              <a:ext uri="{FF2B5EF4-FFF2-40B4-BE49-F238E27FC236}">
+                <a16:creationId xmlns:a16="http://schemas.microsoft.com/office/drawing/2014/main" id="{97DA9227-A582-4431-966F-8708E800398A}"/>
+              </a:ext>
+            </a:extLst>
+          </p:cNvPr>
+          <p:cNvPicPr>
+            <a:picLocks noChangeAspect="1"/>
+          </p:cNvPicPr>
+          <p:nvPr/>
+        </p:nvPicPr>
+        <p:blipFill>
+          <a:blip r:embed="rId5"/>
+          <a:stretch>
+            <a:fillRect/>
+          </a:stretch>
+        </p:blipFill>
+        <p:spPr>
+          <a:xfrm>
+            <a:off x="6659622" y="1833849"/>
+            <a:ext cx="4891739" cy="2414187"/>
+          </a:xfrm>
+          <a:prstGeom prst="rect">
+            <a:avLst/>
+          </a:prstGeom>
         </p:spPr>
       </p:pic>
     </p:spTree>

--- a/presentation.pptx
+++ b/presentation.pptx
@@ -300,7 +300,7 @@
           <a:p>
             <a:fld id="{07504AD1-F626-4EEE-A1F0-4F98A55EE3A4}" type="datetimeFigureOut">
               <a:rPr lang="ru-RU" smtClean="0"/>
-              <a:t>26.01.2022</a:t>
+              <a:t>27.01.2022</a:t>
             </a:fld>
             <a:endParaRPr lang="ru-RU"/>
           </a:p>
@@ -470,7 +470,7 @@
           <a:p>
             <a:fld id="{07504AD1-F626-4EEE-A1F0-4F98A55EE3A4}" type="datetimeFigureOut">
               <a:rPr lang="ru-RU" smtClean="0"/>
-              <a:t>26.01.2022</a:t>
+              <a:t>27.01.2022</a:t>
             </a:fld>
             <a:endParaRPr lang="ru-RU"/>
           </a:p>
@@ -650,7 +650,7 @@
           <a:p>
             <a:fld id="{07504AD1-F626-4EEE-A1F0-4F98A55EE3A4}" type="datetimeFigureOut">
               <a:rPr lang="ru-RU" smtClean="0"/>
-              <a:t>26.01.2022</a:t>
+              <a:t>27.01.2022</a:t>
             </a:fld>
             <a:endParaRPr lang="ru-RU"/>
           </a:p>
@@ -820,7 +820,7 @@
           <a:p>
             <a:fld id="{07504AD1-F626-4EEE-A1F0-4F98A55EE3A4}" type="datetimeFigureOut">
               <a:rPr lang="ru-RU" smtClean="0"/>
-              <a:t>26.01.2022</a:t>
+              <a:t>27.01.2022</a:t>
             </a:fld>
             <a:endParaRPr lang="ru-RU"/>
           </a:p>
@@ -1066,7 +1066,7 @@
           <a:p>
             <a:fld id="{07504AD1-F626-4EEE-A1F0-4F98A55EE3A4}" type="datetimeFigureOut">
               <a:rPr lang="ru-RU" smtClean="0"/>
-              <a:t>26.01.2022</a:t>
+              <a:t>27.01.2022</a:t>
             </a:fld>
             <a:endParaRPr lang="ru-RU"/>
           </a:p>
@@ -1298,7 +1298,7 @@
           <a:p>
             <a:fld id="{07504AD1-F626-4EEE-A1F0-4F98A55EE3A4}" type="datetimeFigureOut">
               <a:rPr lang="ru-RU" smtClean="0"/>
-              <a:t>26.01.2022</a:t>
+              <a:t>27.01.2022</a:t>
             </a:fld>
             <a:endParaRPr lang="ru-RU"/>
           </a:p>
@@ -1665,7 +1665,7 @@
           <a:p>
             <a:fld id="{07504AD1-F626-4EEE-A1F0-4F98A55EE3A4}" type="datetimeFigureOut">
               <a:rPr lang="ru-RU" smtClean="0"/>
-              <a:t>26.01.2022</a:t>
+              <a:t>27.01.2022</a:t>
             </a:fld>
             <a:endParaRPr lang="ru-RU"/>
           </a:p>
@@ -1783,7 +1783,7 @@
           <a:p>
             <a:fld id="{07504AD1-F626-4EEE-A1F0-4F98A55EE3A4}" type="datetimeFigureOut">
               <a:rPr lang="ru-RU" smtClean="0"/>
-              <a:t>26.01.2022</a:t>
+              <a:t>27.01.2022</a:t>
             </a:fld>
             <a:endParaRPr lang="ru-RU"/>
           </a:p>
@@ -1878,7 +1878,7 @@
           <a:p>
             <a:fld id="{07504AD1-F626-4EEE-A1F0-4F98A55EE3A4}" type="datetimeFigureOut">
               <a:rPr lang="ru-RU" smtClean="0"/>
-              <a:t>26.01.2022</a:t>
+              <a:t>27.01.2022</a:t>
             </a:fld>
             <a:endParaRPr lang="ru-RU"/>
           </a:p>
@@ -2155,7 +2155,7 @@
           <a:p>
             <a:fld id="{07504AD1-F626-4EEE-A1F0-4F98A55EE3A4}" type="datetimeFigureOut">
               <a:rPr lang="ru-RU" smtClean="0"/>
-              <a:t>26.01.2022</a:t>
+              <a:t>27.01.2022</a:t>
             </a:fld>
             <a:endParaRPr lang="ru-RU"/>
           </a:p>
@@ -2412,7 +2412,7 @@
           <a:p>
             <a:fld id="{07504AD1-F626-4EEE-A1F0-4F98A55EE3A4}" type="datetimeFigureOut">
               <a:rPr lang="ru-RU" smtClean="0"/>
-              <a:t>26.01.2022</a:t>
+              <a:t>27.01.2022</a:t>
             </a:fld>
             <a:endParaRPr lang="ru-RU"/>
           </a:p>
@@ -2625,7 +2625,7 @@
           <a:p>
             <a:fld id="{07504AD1-F626-4EEE-A1F0-4F98A55EE3A4}" type="datetimeFigureOut">
               <a:rPr lang="ru-RU" smtClean="0"/>
-              <a:t>26.01.2022</a:t>
+              <a:t>27.01.2022</a:t>
             </a:fld>
             <a:endParaRPr lang="ru-RU"/>
           </a:p>
@@ -3192,6 +3192,13 @@
   <p:clrMapOvr>
     <a:masterClrMapping/>
   </p:clrMapOvr>
+  <p:timing>
+    <p:tnLst>
+      <p:par>
+        <p:cTn id="1" dur="indefinite" restart="never" nodeType="tmRoot"/>
+      </p:par>
+    </p:tnLst>
+  </p:timing>
 </p:sld>
 </file>
 
@@ -11173,6 +11180,13 @@
   <p:clrMapOvr>
     <a:overrideClrMapping bg1="lt1" tx1="dk1" bg2="lt2" tx2="dk2" accent1="accent1" accent2="accent2" accent3="accent3" accent4="accent4" accent5="accent5" accent6="accent6" hlink="hlink" folHlink="folHlink"/>
   </p:clrMapOvr>
+  <p:timing>
+    <p:tnLst>
+      <p:par>
+        <p:cTn id="1" dur="indefinite" restart="never" nodeType="tmRoot"/>
+      </p:par>
+    </p:tnLst>
+  </p:timing>
 </p:sld>
 </file>
 
@@ -11447,6 +11461,13 @@
   <p:clrMapOvr>
     <a:masterClrMapping/>
   </p:clrMapOvr>
+  <p:timing>
+    <p:tnLst>
+      <p:par>
+        <p:cTn id="1" dur="indefinite" restart="never" nodeType="tmRoot"/>
+      </p:par>
+    </p:tnLst>
+  </p:timing>
 </p:sld>
 </file>
 
@@ -12656,7 +12677,7 @@
         </p:blipFill>
         <p:spPr>
           <a:xfrm>
-            <a:off x="1799813" y="1800000"/>
+            <a:off x="2339813" y="1800000"/>
             <a:ext cx="1080000" cy="1080000"/>
           </a:xfrm>
           <a:prstGeom prst="rect">
@@ -12693,7 +12714,7 @@
         </p:blipFill>
         <p:spPr>
           <a:xfrm>
-            <a:off x="4319813" y="1800000"/>
+            <a:off x="4500000" y="1800000"/>
             <a:ext cx="1080000" cy="1080000"/>
           </a:xfrm>
           <a:prstGeom prst="rect">
@@ -12730,7 +12751,7 @@
         </p:blipFill>
         <p:spPr>
           <a:xfrm>
-            <a:off x="9359813" y="1800000"/>
+            <a:off x="8820000" y="1800000"/>
             <a:ext cx="1080000" cy="1080000"/>
           </a:xfrm>
           <a:prstGeom prst="rect">
@@ -12767,7 +12788,7 @@
         </p:blipFill>
         <p:spPr>
           <a:xfrm>
-            <a:off x="6839813" y="1800000"/>
+            <a:off x="6660000" y="1800000"/>
             <a:ext cx="1080000" cy="1080000"/>
           </a:xfrm>
           <a:prstGeom prst="rect">
@@ -12804,7 +12825,7 @@
         </p:blipFill>
         <p:spPr>
           <a:xfrm>
-            <a:off x="8099813" y="3960000"/>
+            <a:off x="7739626" y="4142344"/>
             <a:ext cx="1080000" cy="1080000"/>
           </a:xfrm>
           <a:prstGeom prst="rect">
@@ -12841,7 +12862,7 @@
         </p:blipFill>
         <p:spPr>
           <a:xfrm>
-            <a:off x="5579813" y="3960000"/>
+            <a:off x="5579813" y="4142880"/>
             <a:ext cx="1080000" cy="1080000"/>
           </a:xfrm>
           <a:prstGeom prst="rect">
@@ -12878,7 +12899,7 @@
         </p:blipFill>
         <p:spPr>
           <a:xfrm>
-            <a:off x="3059813" y="3960000"/>
+            <a:off x="3419813" y="4142880"/>
             <a:ext cx="1080000" cy="1080000"/>
           </a:xfrm>
           <a:prstGeom prst="rect">
@@ -12894,8 +12915,8 @@
         </p:nvSpPr>
         <p:spPr>
           <a:xfrm>
-            <a:off x="1439813" y="2880000"/>
-            <a:ext cx="1800000" cy="360000"/>
+            <a:off x="1980000" y="2880000"/>
+            <a:ext cx="1800000" cy="424732"/>
           </a:xfrm>
           <a:prstGeom prst="rect">
             <a:avLst/>
@@ -12903,7 +12924,55 @@
         </p:spPr>
         <p:txBody>
           <a:bodyPr vert="horz" lIns="91440" tIns="45720" rIns="91440" bIns="45720" rtlCol="0" anchor="ctr">
-            <a:normAutofit fontScale="85000" lnSpcReduction="20000"/>
+            <a:spAutoFit/>
+          </a:bodyPr>
+          <a:lstStyle>
+            <a:defPPr>
+              <a:defRPr lang="en-US"/>
+            </a:defPPr>
+            <a:lvl1pPr algn="ctr" defTabSz="912114">
+              <a:lnSpc>
+                <a:spcPct val="90000"/>
+              </a:lnSpc>
+              <a:spcBef>
+                <a:spcPct val="0"/>
+              </a:spcBef>
+              <a:defRPr sz="2400">
+                <a:solidFill>
+                  <a:srgbClr val="77F531"/>
+                </a:solidFill>
+                <a:latin typeface="RodchenkoCTT" pitchFamily="2" charset="0"/>
+                <a:ea typeface="+mj-ea"/>
+                <a:cs typeface="Courier New" panose="02070309020205020404" pitchFamily="49" charset="0"/>
+              </a:defRPr>
+            </a:lvl1pPr>
+          </a:lstStyle>
+          <a:p>
+            <a:r>
+              <a:rPr lang="ru-RU" dirty="0"/>
+              <a:t>инвертор</a:t>
+            </a:r>
+          </a:p>
+        </p:txBody>
+      </p:sp>
+      <p:sp>
+        <p:nvSpPr>
+          <p:cNvPr id="14" name="TextBox 13"/>
+          <p:cNvSpPr txBox="1"/>
+          <p:nvPr/>
+        </p:nvSpPr>
+        <p:spPr>
+          <a:xfrm>
+            <a:off x="3059065" y="5222880"/>
+            <a:ext cx="1800000" cy="360000"/>
+          </a:xfrm>
+          <a:prstGeom prst="rect">
+            <a:avLst/>
+          </a:prstGeom>
+        </p:spPr>
+        <p:txBody>
+          <a:bodyPr vert="horz" lIns="91440" tIns="45720" rIns="91440" bIns="45720" rtlCol="0" anchor="ctr">
+            <a:noAutofit/>
           </a:bodyPr>
           <a:lstStyle>
             <a:lvl1pPr algn="ctr" defTabSz="912114">
@@ -12926,56 +12995,10 @@
           </a:lstStyle>
           <a:p>
             <a:r>
-              <a:rPr lang="ru-RU" sz="2800" dirty="0"/>
-              <a:t>инвертор</a:t>
-            </a:r>
-          </a:p>
-        </p:txBody>
-      </p:sp>
-      <p:sp>
-        <p:nvSpPr>
-          <p:cNvPr id="14" name="TextBox 13"/>
-          <p:cNvSpPr txBox="1"/>
-          <p:nvPr/>
-        </p:nvSpPr>
-        <p:spPr>
-          <a:xfrm>
-            <a:off x="2699813" y="5040000"/>
-            <a:ext cx="1800000" cy="360000"/>
-          </a:xfrm>
-          <a:prstGeom prst="rect">
-            <a:avLst/>
-          </a:prstGeom>
-        </p:spPr>
-        <p:txBody>
-          <a:bodyPr vert="horz" lIns="91440" tIns="45720" rIns="91440" bIns="45720" rtlCol="0" anchor="ctr">
-            <a:normAutofit fontScale="85000" lnSpcReduction="20000"/>
-          </a:bodyPr>
-          <a:lstStyle>
-            <a:lvl1pPr algn="ctr" defTabSz="912114">
-              <a:lnSpc>
-                <a:spcPct val="90000"/>
-              </a:lnSpc>
-              <a:spcBef>
-                <a:spcPct val="0"/>
-              </a:spcBef>
-              <a:buNone/>
-              <a:defRPr sz="4400">
-                <a:solidFill>
-                  <a:srgbClr val="77F531"/>
-                </a:solidFill>
-                <a:latin typeface="RodchenkoCTT" pitchFamily="2" charset="0"/>
-                <a:ea typeface="+mj-ea"/>
-                <a:cs typeface="Courier New" panose="02070309020205020404" pitchFamily="49" charset="0"/>
-              </a:defRPr>
-            </a:lvl1pPr>
-          </a:lstStyle>
-          <a:p>
-            <a:r>
-              <a:rPr lang="ru-RU" sz="2800" dirty="0" err="1"/>
+              <a:rPr lang="ru-RU" sz="2400" dirty="0" err="1"/>
               <a:t>конъюнктор</a:t>
             </a:r>
-            <a:endParaRPr lang="ru-RU" sz="2800" dirty="0"/>
+            <a:endParaRPr lang="ru-RU" sz="2400" dirty="0"/>
           </a:p>
         </p:txBody>
       </p:sp>
@@ -12987,7 +13010,7 @@
         </p:nvSpPr>
         <p:spPr>
           <a:xfrm>
-            <a:off x="5219813" y="5039732"/>
+            <a:off x="5218691" y="5222880"/>
             <a:ext cx="1800000" cy="360000"/>
           </a:xfrm>
           <a:prstGeom prst="rect">
@@ -13038,7 +13061,7 @@
         </p:nvSpPr>
         <p:spPr>
           <a:xfrm>
-            <a:off x="3960000" y="2879464"/>
+            <a:off x="4140000" y="2880000"/>
             <a:ext cx="1800000" cy="757130"/>
           </a:xfrm>
           <a:prstGeom prst="rect">
@@ -13100,7 +13123,7 @@
         </p:nvSpPr>
         <p:spPr>
           <a:xfrm>
-            <a:off x="6480000" y="2879464"/>
+            <a:off x="6299813" y="2880000"/>
             <a:ext cx="1800000" cy="757130"/>
           </a:xfrm>
           <a:prstGeom prst="rect">
@@ -13162,7 +13185,7 @@
         </p:nvSpPr>
         <p:spPr>
           <a:xfrm>
-            <a:off x="7739813" y="5039732"/>
+            <a:off x="7378317" y="5222880"/>
             <a:ext cx="1800000" cy="757130"/>
           </a:xfrm>
           <a:prstGeom prst="rect">
@@ -13192,7 +13215,18 @@
                 <a:ea typeface="+mj-ea"/>
                 <a:cs typeface="Courier New" panose="02070309020205020404" pitchFamily="49" charset="0"/>
               </a:rPr>
-              <a:t>сумматор по модулю 2</a:t>
+              <a:t>сумматор</a:t>
+            </a:r>
+            <a:r>
+              <a:rPr lang="ru-RU" sz="2400" dirty="0">
+                <a:solidFill>
+                  <a:srgbClr val="77F531"/>
+                </a:solidFill>
+                <a:latin typeface="RodchenkoCTT" pitchFamily="2" charset="0"/>
+                <a:ea typeface="+mj-ea"/>
+                <a:cs typeface="Courier New" panose="02070309020205020404" pitchFamily="49" charset="0"/>
+              </a:rPr>
+              <a:t> по модулю 2</a:t>
             </a:r>
           </a:p>
         </p:txBody>
@@ -13205,7 +13239,7 @@
         </p:nvSpPr>
         <p:spPr>
           <a:xfrm>
-            <a:off x="8999813" y="2880000"/>
+            <a:off x="8460000" y="2865832"/>
             <a:ext cx="1800000" cy="1080000"/>
           </a:xfrm>
           <a:prstGeom prst="rect">
@@ -13240,6 +13274,176 @@
           </a:p>
         </p:txBody>
       </p:sp>
+      <p:pic>
+        <p:nvPicPr>
+          <p:cNvPr id="2" name="Рисунок 1"/>
+          <p:cNvPicPr>
+            <a:picLocks noChangeAspect="1"/>
+          </p:cNvPicPr>
+          <p:nvPr/>
+        </p:nvPicPr>
+        <p:blipFill>
+          <a:blip r:embed="rId11" cstate="hqprint">
+            <a:duotone>
+              <a:prstClr val="black"/>
+              <a:schemeClr val="accent6">
+                <a:tint val="45000"/>
+                <a:satMod val="400000"/>
+              </a:schemeClr>
+            </a:duotone>
+            <a:extLst>
+              <a:ext uri="{28A0092B-C50C-407E-A947-70E740481C1C}">
+                <a14:useLocalDpi xmlns:a14="http://schemas.microsoft.com/office/drawing/2010/main" val="0"/>
+              </a:ext>
+            </a:extLst>
+          </a:blip>
+          <a:stretch>
+            <a:fillRect/>
+          </a:stretch>
+        </p:blipFill>
+        <p:spPr>
+          <a:xfrm>
+            <a:off x="9899439" y="4142344"/>
+            <a:ext cx="1080000" cy="1080000"/>
+          </a:xfrm>
+          <a:prstGeom prst="rect">
+            <a:avLst/>
+          </a:prstGeom>
+        </p:spPr>
+      </p:pic>
+      <p:pic>
+        <p:nvPicPr>
+          <p:cNvPr id="3" name="Рисунок 2"/>
+          <p:cNvPicPr>
+            <a:picLocks noChangeAspect="1"/>
+          </p:cNvPicPr>
+          <p:nvPr/>
+        </p:nvPicPr>
+        <p:blipFill>
+          <a:blip r:embed="rId12" cstate="hqprint">
+            <a:duotone>
+              <a:prstClr val="black"/>
+              <a:schemeClr val="accent6">
+                <a:tint val="45000"/>
+                <a:satMod val="400000"/>
+              </a:schemeClr>
+            </a:duotone>
+            <a:extLst>
+              <a:ext uri="{28A0092B-C50C-407E-A947-70E740481C1C}">
+                <a14:useLocalDpi xmlns:a14="http://schemas.microsoft.com/office/drawing/2010/main" val="0"/>
+              </a:ext>
+            </a:extLst>
+          </a:blip>
+          <a:stretch>
+            <a:fillRect/>
+          </a:stretch>
+        </p:blipFill>
+        <p:spPr>
+          <a:xfrm>
+            <a:off x="1259720" y="4142344"/>
+            <a:ext cx="1080000" cy="1080000"/>
+          </a:xfrm>
+          <a:prstGeom prst="rect">
+            <a:avLst/>
+          </a:prstGeom>
+        </p:spPr>
+      </p:pic>
+      <p:sp>
+        <p:nvSpPr>
+          <p:cNvPr id="23" name="TextBox 22"/>
+          <p:cNvSpPr txBox="1"/>
+          <p:nvPr/>
+        </p:nvSpPr>
+        <p:spPr>
+          <a:xfrm>
+            <a:off x="899439" y="5222880"/>
+            <a:ext cx="1800000" cy="424732"/>
+          </a:xfrm>
+          <a:prstGeom prst="rect">
+            <a:avLst/>
+          </a:prstGeom>
+        </p:spPr>
+        <p:txBody>
+          <a:bodyPr vert="horz" lIns="91440" tIns="45720" rIns="91440" bIns="45720" rtlCol="0" anchor="ctr">
+            <a:spAutoFit/>
+          </a:bodyPr>
+          <a:lstStyle>
+            <a:defPPr>
+              <a:defRPr lang="en-US"/>
+            </a:defPPr>
+            <a:lvl1pPr algn="ctr" defTabSz="912114">
+              <a:lnSpc>
+                <a:spcPct val="90000"/>
+              </a:lnSpc>
+              <a:spcBef>
+                <a:spcPct val="0"/>
+              </a:spcBef>
+              <a:defRPr sz="2400">
+                <a:solidFill>
+                  <a:srgbClr val="77F531"/>
+                </a:solidFill>
+                <a:latin typeface="RodchenkoCTT" pitchFamily="2" charset="0"/>
+                <a:ea typeface="+mj-ea"/>
+                <a:cs typeface="Courier New" panose="02070309020205020404" pitchFamily="49" charset="0"/>
+              </a:defRPr>
+            </a:lvl1pPr>
+          </a:lstStyle>
+          <a:p>
+            <a:r>
+              <a:rPr lang="ru-RU" dirty="0"/>
+              <a:t>ввод</a:t>
+            </a:r>
+            <a:endParaRPr lang="ru-RU" dirty="0"/>
+          </a:p>
+        </p:txBody>
+      </p:sp>
+      <p:sp>
+        <p:nvSpPr>
+          <p:cNvPr id="24" name="TextBox 23"/>
+          <p:cNvSpPr txBox="1"/>
+          <p:nvPr/>
+        </p:nvSpPr>
+        <p:spPr>
+          <a:xfrm>
+            <a:off x="9539439" y="5222880"/>
+            <a:ext cx="1800000" cy="360000"/>
+          </a:xfrm>
+          <a:prstGeom prst="rect">
+            <a:avLst/>
+          </a:prstGeom>
+        </p:spPr>
+        <p:txBody>
+          <a:bodyPr vert="horz" lIns="91440" tIns="45720" rIns="91440" bIns="45720" rtlCol="0" anchor="ctr">
+            <a:normAutofit fontScale="85000" lnSpcReduction="20000"/>
+          </a:bodyPr>
+          <a:lstStyle>
+            <a:lvl1pPr algn="ctr" defTabSz="912114">
+              <a:lnSpc>
+                <a:spcPct val="90000"/>
+              </a:lnSpc>
+              <a:spcBef>
+                <a:spcPct val="0"/>
+              </a:spcBef>
+              <a:buNone/>
+              <a:defRPr sz="4400">
+                <a:solidFill>
+                  <a:srgbClr val="77F531"/>
+                </a:solidFill>
+                <a:latin typeface="RodchenkoCTT" pitchFamily="2" charset="0"/>
+                <a:ea typeface="+mj-ea"/>
+                <a:cs typeface="Courier New" panose="02070309020205020404" pitchFamily="49" charset="0"/>
+              </a:defRPr>
+            </a:lvl1pPr>
+          </a:lstStyle>
+          <a:p>
+            <a:r>
+              <a:rPr lang="ru-RU" sz="2800" dirty="0" smtClean="0"/>
+              <a:t>вывод</a:t>
+            </a:r>
+            <a:endParaRPr lang="ru-RU" sz="2800" dirty="0"/>
+          </a:p>
+        </p:txBody>
+      </p:sp>
     </p:spTree>
     <p:extLst>
       <p:ext uri="{BB962C8B-B14F-4D97-AF65-F5344CB8AC3E}">
@@ -13250,6 +13454,13 @@
   <p:clrMapOvr>
     <a:masterClrMapping/>
   </p:clrMapOvr>
+  <p:timing>
+    <p:tnLst>
+      <p:par>
+        <p:cTn id="1" dur="indefinite" restart="never" nodeType="tmRoot"/>
+      </p:par>
+    </p:tnLst>
+  </p:timing>
 </p:sld>
 </file>
 
@@ -13655,6 +13866,13 @@
   <p:clrMapOvr>
     <a:overrideClrMapping bg1="lt1" tx1="dk1" bg2="lt2" tx2="dk2" accent1="accent1" accent2="accent2" accent3="accent3" accent4="accent4" accent5="accent5" accent6="accent6" hlink="hlink" folHlink="folHlink"/>
   </p:clrMapOvr>
+  <p:timing>
+    <p:tnLst>
+      <p:par>
+        <p:cTn id="1" dur="indefinite" restart="never" nodeType="tmRoot"/>
+      </p:par>
+    </p:tnLst>
+  </p:timing>
 </p:sld>
 </file>
 
@@ -14073,6 +14291,13 @@
   <p:clrMapOvr>
     <a:overrideClrMapping bg1="lt1" tx1="dk1" bg2="lt2" tx2="dk2" accent1="accent1" accent2="accent2" accent3="accent3" accent4="accent4" accent5="accent5" accent6="accent6" hlink="hlink" folHlink="folHlink"/>
   </p:clrMapOvr>
+  <p:timing>
+    <p:tnLst>
+      <p:par>
+        <p:cTn id="1" dur="indefinite" restart="never" nodeType="tmRoot"/>
+      </p:par>
+    </p:tnLst>
+  </p:timing>
 </p:sld>
 </file>
 
@@ -14425,6 +14650,13 @@
   <p:clrMapOvr>
     <a:overrideClrMapping bg1="lt1" tx1="dk1" bg2="lt2" tx2="dk2" accent1="accent1" accent2="accent2" accent3="accent3" accent4="accent4" accent5="accent5" accent6="accent6" hlink="hlink" folHlink="folHlink"/>
   </p:clrMapOvr>
+  <p:timing>
+    <p:tnLst>
+      <p:par>
+        <p:cTn id="1" dur="indefinite" restart="never" nodeType="tmRoot"/>
+      </p:par>
+    </p:tnLst>
+  </p:timing>
 </p:sld>
 </file>
 
@@ -14718,6 +14950,13 @@
   <p:clrMapOvr>
     <a:masterClrMapping/>
   </p:clrMapOvr>
+  <p:timing>
+    <p:tnLst>
+      <p:par>
+        <p:cTn id="1" dur="indefinite" restart="never" nodeType="tmRoot"/>
+      </p:par>
+    </p:tnLst>
+  </p:timing>
 </p:sld>
 </file>
 

--- a/presentation.pptx
+++ b/presentation.pptx
@@ -11183,9 +11183,129 @@
   <p:timing>
     <p:tnLst>
       <p:par>
-        <p:cTn id="1" dur="indefinite" restart="never" nodeType="tmRoot"/>
+        <p:cTn id="1" dur="indefinite" restart="never" nodeType="tmRoot">
+          <p:childTnLst>
+            <p:seq concurrent="1" nextAc="seek">
+              <p:cTn id="2" dur="indefinite" nodeType="mainSeq">
+                <p:childTnLst>
+                  <p:par>
+                    <p:cTn id="3" fill="hold">
+                      <p:stCondLst>
+                        <p:cond delay="indefinite"/>
+                        <p:cond evt="onBegin" delay="0">
+                          <p:tn val="2"/>
+                        </p:cond>
+                      </p:stCondLst>
+                      <p:childTnLst>
+                        <p:par>
+                          <p:cTn id="4" fill="hold">
+                            <p:stCondLst>
+                              <p:cond delay="0"/>
+                            </p:stCondLst>
+                            <p:childTnLst>
+                              <p:par>
+                                <p:cTn id="5" presetID="23" presetClass="entr" presetSubtype="16" fill="hold" grpId="0" nodeType="afterEffect">
+                                  <p:stCondLst>
+                                    <p:cond delay="1000"/>
+                                  </p:stCondLst>
+                                  <p:childTnLst>
+                                    <p:set>
+                                      <p:cBhvr>
+                                        <p:cTn id="6" dur="1" fill="hold">
+                                          <p:stCondLst>
+                                            <p:cond delay="0"/>
+                                          </p:stCondLst>
+                                        </p:cTn>
+                                        <p:tgtEl>
+                                          <p:spTgt spid="2"/>
+                                        </p:tgtEl>
+                                        <p:attrNameLst>
+                                          <p:attrName>style.visibility</p:attrName>
+                                        </p:attrNameLst>
+                                      </p:cBhvr>
+                                      <p:to>
+                                        <p:strVal val="visible"/>
+                                      </p:to>
+                                    </p:set>
+                                    <p:anim calcmode="lin" valueType="num">
+                                      <p:cBhvr>
+                                        <p:cTn id="7" dur="1000" fill="hold"/>
+                                        <p:tgtEl>
+                                          <p:spTgt spid="2"/>
+                                        </p:tgtEl>
+                                        <p:attrNameLst>
+                                          <p:attrName>ppt_w</p:attrName>
+                                        </p:attrNameLst>
+                                      </p:cBhvr>
+                                      <p:tavLst>
+                                        <p:tav tm="0">
+                                          <p:val>
+                                            <p:fltVal val="0"/>
+                                          </p:val>
+                                        </p:tav>
+                                        <p:tav tm="100000">
+                                          <p:val>
+                                            <p:strVal val="#ppt_w"/>
+                                          </p:val>
+                                        </p:tav>
+                                      </p:tavLst>
+                                    </p:anim>
+                                    <p:anim calcmode="lin" valueType="num">
+                                      <p:cBhvr>
+                                        <p:cTn id="8" dur="1000" fill="hold"/>
+                                        <p:tgtEl>
+                                          <p:spTgt spid="2"/>
+                                        </p:tgtEl>
+                                        <p:attrNameLst>
+                                          <p:attrName>ppt_h</p:attrName>
+                                        </p:attrNameLst>
+                                      </p:cBhvr>
+                                      <p:tavLst>
+                                        <p:tav tm="0">
+                                          <p:val>
+                                            <p:fltVal val="0"/>
+                                          </p:val>
+                                        </p:tav>
+                                        <p:tav tm="100000">
+                                          <p:val>
+                                            <p:strVal val="#ppt_h"/>
+                                          </p:val>
+                                        </p:tav>
+                                      </p:tavLst>
+                                    </p:anim>
+                                  </p:childTnLst>
+                                </p:cTn>
+                              </p:par>
+                            </p:childTnLst>
+                          </p:cTn>
+                        </p:par>
+                      </p:childTnLst>
+                    </p:cTn>
+                  </p:par>
+                </p:childTnLst>
+              </p:cTn>
+              <p:prevCondLst>
+                <p:cond evt="onPrev" delay="0">
+                  <p:tgtEl>
+                    <p:sldTgt/>
+                  </p:tgtEl>
+                </p:cond>
+              </p:prevCondLst>
+              <p:nextCondLst>
+                <p:cond evt="onNext" delay="0">
+                  <p:tgtEl>
+                    <p:sldTgt/>
+                  </p:tgtEl>
+                </p:cond>
+              </p:nextCondLst>
+            </p:seq>
+          </p:childTnLst>
+        </p:cTn>
       </p:par>
     </p:tnLst>
+    <p:bldLst>
+      <p:bldP spid="2" grpId="0"/>
+    </p:bldLst>
   </p:timing>
 </p:sld>
 </file>
@@ -11464,9 +11584,441 @@
   <p:timing>
     <p:tnLst>
       <p:par>
-        <p:cTn id="1" dur="indefinite" restart="never" nodeType="tmRoot"/>
+        <p:cTn id="1" dur="indefinite" restart="never" nodeType="tmRoot">
+          <p:childTnLst>
+            <p:seq concurrent="1" nextAc="seek">
+              <p:cTn id="2" dur="indefinite" nodeType="mainSeq">
+                <p:childTnLst>
+                  <p:par>
+                    <p:cTn id="3" fill="hold">
+                      <p:stCondLst>
+                        <p:cond delay="indefinite"/>
+                      </p:stCondLst>
+                      <p:childTnLst>
+                        <p:par>
+                          <p:cTn id="4" fill="hold">
+                            <p:stCondLst>
+                              <p:cond delay="0"/>
+                            </p:stCondLst>
+                            <p:childTnLst>
+                              <p:par>
+                                <p:cTn id="5" presetID="10" presetClass="entr" presetSubtype="0" fill="hold" grpId="0" nodeType="clickEffect">
+                                  <p:stCondLst>
+                                    <p:cond delay="0"/>
+                                  </p:stCondLst>
+                                  <p:childTnLst>
+                                    <p:set>
+                                      <p:cBhvr>
+                                        <p:cTn id="6" dur="1" fill="hold">
+                                          <p:stCondLst>
+                                            <p:cond delay="0"/>
+                                          </p:stCondLst>
+                                        </p:cTn>
+                                        <p:tgtEl>
+                                          <p:spTgt spid="4"/>
+                                        </p:tgtEl>
+                                        <p:attrNameLst>
+                                          <p:attrName>style.visibility</p:attrName>
+                                        </p:attrNameLst>
+                                      </p:cBhvr>
+                                      <p:to>
+                                        <p:strVal val="visible"/>
+                                      </p:to>
+                                    </p:set>
+                                    <p:animEffect transition="in" filter="fade">
+                                      <p:cBhvr>
+                                        <p:cTn id="7" dur="500"/>
+                                        <p:tgtEl>
+                                          <p:spTgt spid="4"/>
+                                        </p:tgtEl>
+                                      </p:cBhvr>
+                                    </p:animEffect>
+                                  </p:childTnLst>
+                                </p:cTn>
+                              </p:par>
+                            </p:childTnLst>
+                          </p:cTn>
+                        </p:par>
+                      </p:childTnLst>
+                    </p:cTn>
+                  </p:par>
+                  <p:par>
+                    <p:cTn id="8" fill="hold">
+                      <p:stCondLst>
+                        <p:cond delay="indefinite"/>
+                      </p:stCondLst>
+                      <p:childTnLst>
+                        <p:par>
+                          <p:cTn id="9" fill="hold">
+                            <p:stCondLst>
+                              <p:cond delay="0"/>
+                            </p:stCondLst>
+                            <p:childTnLst>
+                              <p:par>
+                                <p:cTn id="10" presetID="10" presetClass="entr" presetSubtype="0" fill="hold" grpId="0" nodeType="clickEffect">
+                                  <p:stCondLst>
+                                    <p:cond delay="0"/>
+                                  </p:stCondLst>
+                                  <p:childTnLst>
+                                    <p:set>
+                                      <p:cBhvr>
+                                        <p:cTn id="11" dur="1" fill="hold">
+                                          <p:stCondLst>
+                                            <p:cond delay="0"/>
+                                          </p:stCondLst>
+                                        </p:cTn>
+                                        <p:tgtEl>
+                                          <p:spTgt spid="5"/>
+                                        </p:tgtEl>
+                                        <p:attrNameLst>
+                                          <p:attrName>style.visibility</p:attrName>
+                                        </p:attrNameLst>
+                                      </p:cBhvr>
+                                      <p:to>
+                                        <p:strVal val="visible"/>
+                                      </p:to>
+                                    </p:set>
+                                    <p:animEffect transition="in" filter="fade">
+                                      <p:cBhvr>
+                                        <p:cTn id="12" dur="500"/>
+                                        <p:tgtEl>
+                                          <p:spTgt spid="5"/>
+                                        </p:tgtEl>
+                                      </p:cBhvr>
+                                    </p:animEffect>
+                                  </p:childTnLst>
+                                </p:cTn>
+                              </p:par>
+                            </p:childTnLst>
+                          </p:cTn>
+                        </p:par>
+                      </p:childTnLst>
+                    </p:cTn>
+                  </p:par>
+                  <p:par>
+                    <p:cTn id="13" fill="hold">
+                      <p:stCondLst>
+                        <p:cond delay="indefinite"/>
+                      </p:stCondLst>
+                      <p:childTnLst>
+                        <p:par>
+                          <p:cTn id="14" fill="hold">
+                            <p:stCondLst>
+                              <p:cond delay="0"/>
+                            </p:stCondLst>
+                            <p:childTnLst>
+                              <p:par>
+                                <p:cTn id="15" presetID="10" presetClass="entr" presetSubtype="0" fill="hold" grpId="0" nodeType="clickEffect">
+                                  <p:stCondLst>
+                                    <p:cond delay="0"/>
+                                  </p:stCondLst>
+                                  <p:childTnLst>
+                                    <p:set>
+                                      <p:cBhvr>
+                                        <p:cTn id="16" dur="1" fill="hold">
+                                          <p:stCondLst>
+                                            <p:cond delay="0"/>
+                                          </p:stCondLst>
+                                        </p:cTn>
+                                        <p:tgtEl>
+                                          <p:spTgt spid="6"/>
+                                        </p:tgtEl>
+                                        <p:attrNameLst>
+                                          <p:attrName>style.visibility</p:attrName>
+                                        </p:attrNameLst>
+                                      </p:cBhvr>
+                                      <p:to>
+                                        <p:strVal val="visible"/>
+                                      </p:to>
+                                    </p:set>
+                                    <p:animEffect transition="in" filter="fade">
+                                      <p:cBhvr>
+                                        <p:cTn id="17" dur="500"/>
+                                        <p:tgtEl>
+                                          <p:spTgt spid="6"/>
+                                        </p:tgtEl>
+                                      </p:cBhvr>
+                                    </p:animEffect>
+                                  </p:childTnLst>
+                                </p:cTn>
+                              </p:par>
+                            </p:childTnLst>
+                          </p:cTn>
+                        </p:par>
+                      </p:childTnLst>
+                    </p:cTn>
+                  </p:par>
+                  <p:par>
+                    <p:cTn id="18" fill="hold">
+                      <p:stCondLst>
+                        <p:cond delay="indefinite"/>
+                      </p:stCondLst>
+                      <p:childTnLst>
+                        <p:par>
+                          <p:cTn id="19" fill="hold">
+                            <p:stCondLst>
+                              <p:cond delay="0"/>
+                            </p:stCondLst>
+                            <p:childTnLst>
+                              <p:par>
+                                <p:cTn id="20" presetID="10" presetClass="entr" presetSubtype="0" fill="hold" grpId="0" nodeType="clickEffect">
+                                  <p:stCondLst>
+                                    <p:cond delay="0"/>
+                                  </p:stCondLst>
+                                  <p:childTnLst>
+                                    <p:set>
+                                      <p:cBhvr>
+                                        <p:cTn id="21" dur="1" fill="hold">
+                                          <p:stCondLst>
+                                            <p:cond delay="0"/>
+                                          </p:stCondLst>
+                                        </p:cTn>
+                                        <p:tgtEl>
+                                          <p:spTgt spid="3">
+                                            <p:txEl>
+                                              <p:pRg st="0" end="0"/>
+                                            </p:txEl>
+                                          </p:spTgt>
+                                        </p:tgtEl>
+                                        <p:attrNameLst>
+                                          <p:attrName>style.visibility</p:attrName>
+                                        </p:attrNameLst>
+                                      </p:cBhvr>
+                                      <p:to>
+                                        <p:strVal val="visible"/>
+                                      </p:to>
+                                    </p:set>
+                                    <p:animEffect transition="in" filter="fade">
+                                      <p:cBhvr>
+                                        <p:cTn id="22" dur="500"/>
+                                        <p:tgtEl>
+                                          <p:spTgt spid="3">
+                                            <p:txEl>
+                                              <p:pRg st="0" end="0"/>
+                                            </p:txEl>
+                                          </p:spTgt>
+                                        </p:tgtEl>
+                                      </p:cBhvr>
+                                    </p:animEffect>
+                                  </p:childTnLst>
+                                </p:cTn>
+                              </p:par>
+                            </p:childTnLst>
+                          </p:cTn>
+                        </p:par>
+                      </p:childTnLst>
+                    </p:cTn>
+                  </p:par>
+                  <p:par>
+                    <p:cTn id="23" fill="hold">
+                      <p:stCondLst>
+                        <p:cond delay="indefinite"/>
+                      </p:stCondLst>
+                      <p:childTnLst>
+                        <p:par>
+                          <p:cTn id="24" fill="hold">
+                            <p:stCondLst>
+                              <p:cond delay="0"/>
+                            </p:stCondLst>
+                            <p:childTnLst>
+                              <p:par>
+                                <p:cTn id="25" presetID="10" presetClass="entr" presetSubtype="0" fill="hold" grpId="0" nodeType="clickEffect">
+                                  <p:stCondLst>
+                                    <p:cond delay="0"/>
+                                  </p:stCondLst>
+                                  <p:childTnLst>
+                                    <p:set>
+                                      <p:cBhvr>
+                                        <p:cTn id="26" dur="1" fill="hold">
+                                          <p:stCondLst>
+                                            <p:cond delay="0"/>
+                                          </p:stCondLst>
+                                        </p:cTn>
+                                        <p:tgtEl>
+                                          <p:spTgt spid="3">
+                                            <p:txEl>
+                                              <p:pRg st="1" end="1"/>
+                                            </p:txEl>
+                                          </p:spTgt>
+                                        </p:tgtEl>
+                                        <p:attrNameLst>
+                                          <p:attrName>style.visibility</p:attrName>
+                                        </p:attrNameLst>
+                                      </p:cBhvr>
+                                      <p:to>
+                                        <p:strVal val="visible"/>
+                                      </p:to>
+                                    </p:set>
+                                    <p:animEffect transition="in" filter="fade">
+                                      <p:cBhvr>
+                                        <p:cTn id="27" dur="500"/>
+                                        <p:tgtEl>
+                                          <p:spTgt spid="3">
+                                            <p:txEl>
+                                              <p:pRg st="1" end="1"/>
+                                            </p:txEl>
+                                          </p:spTgt>
+                                        </p:tgtEl>
+                                      </p:cBhvr>
+                                    </p:animEffect>
+                                  </p:childTnLst>
+                                </p:cTn>
+                              </p:par>
+                            </p:childTnLst>
+                          </p:cTn>
+                        </p:par>
+                      </p:childTnLst>
+                    </p:cTn>
+                  </p:par>
+                  <p:par>
+                    <p:cTn id="28" fill="hold">
+                      <p:stCondLst>
+                        <p:cond delay="indefinite"/>
+                      </p:stCondLst>
+                      <p:childTnLst>
+                        <p:par>
+                          <p:cTn id="29" fill="hold">
+                            <p:stCondLst>
+                              <p:cond delay="0"/>
+                            </p:stCondLst>
+                            <p:childTnLst>
+                              <p:par>
+                                <p:cTn id="30" presetID="10" presetClass="entr" presetSubtype="0" fill="hold" grpId="0" nodeType="clickEffect">
+                                  <p:stCondLst>
+                                    <p:cond delay="0"/>
+                                  </p:stCondLst>
+                                  <p:childTnLst>
+                                    <p:set>
+                                      <p:cBhvr>
+                                        <p:cTn id="31" dur="1" fill="hold">
+                                          <p:stCondLst>
+                                            <p:cond delay="0"/>
+                                          </p:stCondLst>
+                                        </p:cTn>
+                                        <p:tgtEl>
+                                          <p:spTgt spid="3">
+                                            <p:txEl>
+                                              <p:pRg st="2" end="2"/>
+                                            </p:txEl>
+                                          </p:spTgt>
+                                        </p:tgtEl>
+                                        <p:attrNameLst>
+                                          <p:attrName>style.visibility</p:attrName>
+                                        </p:attrNameLst>
+                                      </p:cBhvr>
+                                      <p:to>
+                                        <p:strVal val="visible"/>
+                                      </p:to>
+                                    </p:set>
+                                    <p:animEffect transition="in" filter="fade">
+                                      <p:cBhvr>
+                                        <p:cTn id="32" dur="500"/>
+                                        <p:tgtEl>
+                                          <p:spTgt spid="3">
+                                            <p:txEl>
+                                              <p:pRg st="2" end="2"/>
+                                            </p:txEl>
+                                          </p:spTgt>
+                                        </p:tgtEl>
+                                      </p:cBhvr>
+                                    </p:animEffect>
+                                  </p:childTnLst>
+                                </p:cTn>
+                              </p:par>
+                            </p:childTnLst>
+                          </p:cTn>
+                        </p:par>
+                      </p:childTnLst>
+                    </p:cTn>
+                  </p:par>
+                  <p:par>
+                    <p:cTn id="33" fill="hold">
+                      <p:stCondLst>
+                        <p:cond delay="indefinite"/>
+                      </p:stCondLst>
+                      <p:childTnLst>
+                        <p:par>
+                          <p:cTn id="34" fill="hold">
+                            <p:stCondLst>
+                              <p:cond delay="0"/>
+                            </p:stCondLst>
+                            <p:childTnLst>
+                              <p:par>
+                                <p:cTn id="35" presetID="10" presetClass="entr" presetSubtype="0" fill="hold" grpId="0" nodeType="clickEffect">
+                                  <p:stCondLst>
+                                    <p:cond delay="0"/>
+                                  </p:stCondLst>
+                                  <p:childTnLst>
+                                    <p:set>
+                                      <p:cBhvr>
+                                        <p:cTn id="36" dur="1" fill="hold">
+                                          <p:stCondLst>
+                                            <p:cond delay="0"/>
+                                          </p:stCondLst>
+                                        </p:cTn>
+                                        <p:tgtEl>
+                                          <p:spTgt spid="3">
+                                            <p:txEl>
+                                              <p:pRg st="3" end="3"/>
+                                            </p:txEl>
+                                          </p:spTgt>
+                                        </p:tgtEl>
+                                        <p:attrNameLst>
+                                          <p:attrName>style.visibility</p:attrName>
+                                        </p:attrNameLst>
+                                      </p:cBhvr>
+                                      <p:to>
+                                        <p:strVal val="visible"/>
+                                      </p:to>
+                                    </p:set>
+                                    <p:animEffect transition="in" filter="fade">
+                                      <p:cBhvr>
+                                        <p:cTn id="37" dur="500"/>
+                                        <p:tgtEl>
+                                          <p:spTgt spid="3">
+                                            <p:txEl>
+                                              <p:pRg st="3" end="3"/>
+                                            </p:txEl>
+                                          </p:spTgt>
+                                        </p:tgtEl>
+                                      </p:cBhvr>
+                                    </p:animEffect>
+                                  </p:childTnLst>
+                                </p:cTn>
+                              </p:par>
+                            </p:childTnLst>
+                          </p:cTn>
+                        </p:par>
+                      </p:childTnLst>
+                    </p:cTn>
+                  </p:par>
+                </p:childTnLst>
+              </p:cTn>
+              <p:prevCondLst>
+                <p:cond evt="onPrev" delay="0">
+                  <p:tgtEl>
+                    <p:sldTgt/>
+                  </p:tgtEl>
+                </p:cond>
+              </p:prevCondLst>
+              <p:nextCondLst>
+                <p:cond evt="onNext" delay="0">
+                  <p:tgtEl>
+                    <p:sldTgt/>
+                  </p:tgtEl>
+                </p:cond>
+              </p:nextCondLst>
+            </p:seq>
+          </p:childTnLst>
+        </p:cTn>
       </p:par>
     </p:tnLst>
+    <p:bldLst>
+      <p:bldP spid="3" grpId="0" build="p"/>
+      <p:bldP spid="4" grpId="0"/>
+      <p:bldP spid="5" grpId="0"/>
+      <p:bldP spid="6" grpId="0"/>
+    </p:bldLst>
   </p:timing>
 </p:sld>
 </file>
@@ -12224,9 +12776,6 @@
                     <p:cTn id="3" fill="hold">
                       <p:stCondLst>
                         <p:cond delay="indefinite"/>
-                        <p:cond evt="onBegin" delay="0">
-                          <p:tn val="2"/>
-                        </p:cond>
                       </p:stCondLst>
                       <p:childTnLst>
                         <p:par>
@@ -12236,7 +12785,7 @@
                             </p:stCondLst>
                             <p:childTnLst>
                               <p:par>
-                                <p:cTn id="5" presetID="10" presetClass="entr" presetSubtype="0" fill="hold" nodeType="withEffect">
+                                <p:cTn id="5" presetID="10" presetClass="entr" presetSubtype="0" fill="hold" grpId="0" nodeType="clickEffect">
                                   <p:stCondLst>
                                     <p:cond delay="0"/>
                                   </p:stCondLst>
@@ -12249,7 +12798,7 @@
                                           </p:stCondLst>
                                         </p:cTn>
                                         <p:tgtEl>
-                                          <p:spTgt spid="11"/>
+                                          <p:spTgt spid="8"/>
                                         </p:tgtEl>
                                         <p:attrNameLst>
                                           <p:attrName>style.visibility</p:attrName>
@@ -12263,6 +12812,59 @@
                                       <p:cBhvr>
                                         <p:cTn id="7" dur="500"/>
                                         <p:tgtEl>
+                                          <p:spTgt spid="8"/>
+                                        </p:tgtEl>
+                                      </p:cBhvr>
+                                    </p:animEffect>
+                                  </p:childTnLst>
+                                </p:cTn>
+                              </p:par>
+                            </p:childTnLst>
+                          </p:cTn>
+                        </p:par>
+                      </p:childTnLst>
+                    </p:cTn>
+                  </p:par>
+                  <p:par>
+                    <p:cTn id="8" fill="hold">
+                      <p:stCondLst>
+                        <p:cond delay="indefinite"/>
+                      </p:stCondLst>
+                      <p:childTnLst>
+                        <p:par>
+                          <p:cTn id="9" fill="hold">
+                            <p:stCondLst>
+                              <p:cond delay="0"/>
+                            </p:stCondLst>
+                            <p:childTnLst>
+                              <p:par>
+                                <p:cTn id="10" presetID="10" presetClass="entr" presetSubtype="0" fill="hold" nodeType="clickEffect">
+                                  <p:stCondLst>
+                                    <p:cond delay="0"/>
+                                  </p:stCondLst>
+                                  <p:childTnLst>
+                                    <p:set>
+                                      <p:cBhvr>
+                                        <p:cTn id="11" dur="1" fill="hold">
+                                          <p:stCondLst>
+                                            <p:cond delay="0"/>
+                                          </p:stCondLst>
+                                        </p:cTn>
+                                        <p:tgtEl>
+                                          <p:spTgt spid="11"/>
+                                        </p:tgtEl>
+                                        <p:attrNameLst>
+                                          <p:attrName>style.visibility</p:attrName>
+                                        </p:attrNameLst>
+                                      </p:cBhvr>
+                                      <p:to>
+                                        <p:strVal val="visible"/>
+                                      </p:to>
+                                    </p:set>
+                                    <p:animEffect transition="in" filter="fade">
+                                      <p:cBhvr>
+                                        <p:cTn id="12" dur="500"/>
+                                        <p:tgtEl>
                                           <p:spTgt spid="11"/>
                                         </p:tgtEl>
                                       </p:cBhvr>
@@ -12271,14 +12873,14 @@
                                 </p:cTn>
                               </p:par>
                               <p:par>
-                                <p:cTn id="8" presetID="10" presetClass="entr" presetSubtype="0" fill="hold" nodeType="withEffect">
+                                <p:cTn id="13" presetID="10" presetClass="entr" presetSubtype="0" fill="hold" nodeType="withEffect">
                                   <p:stCondLst>
                                     <p:cond delay="0"/>
                                   </p:stCondLst>
                                   <p:childTnLst>
                                     <p:set>
                                       <p:cBhvr>
-                                        <p:cTn id="9" dur="1" fill="hold">
+                                        <p:cTn id="14" dur="1" fill="hold">
                                           <p:stCondLst>
                                             <p:cond delay="0"/>
                                           </p:stCondLst>
@@ -12296,7 +12898,7 @@
                                     </p:set>
                                     <p:animEffect transition="in" filter="fade">
                                       <p:cBhvr>
-                                        <p:cTn id="10" dur="500"/>
+                                        <p:cTn id="15" dur="500"/>
                                         <p:tgtEl>
                                           <p:spTgt spid="15"/>
                                         </p:tgtEl>
@@ -12306,14 +12908,14 @@
                                 </p:cTn>
                               </p:par>
                               <p:par>
-                                <p:cTn id="11" presetID="10" presetClass="entr" presetSubtype="0" fill="hold" nodeType="withEffect">
+                                <p:cTn id="16" presetID="10" presetClass="entr" presetSubtype="0" fill="hold" nodeType="withEffect">
                                   <p:stCondLst>
                                     <p:cond delay="0"/>
                                   </p:stCondLst>
                                   <p:childTnLst>
                                     <p:set>
                                       <p:cBhvr>
-                                        <p:cTn id="12" dur="1" fill="hold">
+                                        <p:cTn id="17" dur="1" fill="hold">
                                           <p:stCondLst>
                                             <p:cond delay="0"/>
                                           </p:stCondLst>
@@ -12331,7 +12933,7 @@
                                     </p:set>
                                     <p:animEffect transition="in" filter="fade">
                                       <p:cBhvr>
-                                        <p:cTn id="13" dur="500"/>
+                                        <p:cTn id="18" dur="500"/>
                                         <p:tgtEl>
                                           <p:spTgt spid="19"/>
                                         </p:tgtEl>
@@ -12341,14 +12943,14 @@
                                 </p:cTn>
                               </p:par>
                               <p:par>
-                                <p:cTn id="14" presetID="10" presetClass="entr" presetSubtype="0" fill="hold" nodeType="withEffect">
+                                <p:cTn id="19" presetID="10" presetClass="entr" presetSubtype="0" fill="hold" nodeType="withEffect">
                                   <p:stCondLst>
                                     <p:cond delay="0"/>
                                   </p:stCondLst>
                                   <p:childTnLst>
                                     <p:set>
                                       <p:cBhvr>
-                                        <p:cTn id="15" dur="1" fill="hold">
+                                        <p:cTn id="20" dur="1" fill="hold">
                                           <p:stCondLst>
                                             <p:cond delay="0"/>
                                           </p:stCondLst>
@@ -12366,7 +12968,7 @@
                                     </p:set>
                                     <p:animEffect transition="in" filter="fade">
                                       <p:cBhvr>
-                                        <p:cTn id="16" dur="500"/>
+                                        <p:cTn id="21" dur="500"/>
                                         <p:tgtEl>
                                           <p:spTgt spid="20"/>
                                         </p:tgtEl>
@@ -12376,14 +12978,14 @@
                                 </p:cTn>
                               </p:par>
                               <p:par>
-                                <p:cTn id="17" presetID="10" presetClass="entr" presetSubtype="0" fill="hold" nodeType="withEffect">
+                                <p:cTn id="22" presetID="10" presetClass="entr" presetSubtype="0" fill="hold" nodeType="withEffect">
                                   <p:stCondLst>
                                     <p:cond delay="0"/>
                                   </p:stCondLst>
                                   <p:childTnLst>
                                     <p:set>
                                       <p:cBhvr>
-                                        <p:cTn id="18" dur="1" fill="hold">
+                                        <p:cTn id="23" dur="1" fill="hold">
                                           <p:stCondLst>
                                             <p:cond delay="0"/>
                                           </p:stCondLst>
@@ -12401,7 +13003,7 @@
                                     </p:set>
                                     <p:animEffect transition="in" filter="fade">
                                       <p:cBhvr>
-                                        <p:cTn id="19" dur="500"/>
+                                        <p:cTn id="24" dur="500"/>
                                         <p:tgtEl>
                                           <p:spTgt spid="22"/>
                                         </p:tgtEl>
@@ -12411,14 +13013,14 @@
                                 </p:cTn>
                               </p:par>
                               <p:par>
-                                <p:cTn id="20" presetID="10" presetClass="entr" presetSubtype="0" fill="hold" nodeType="withEffect">
+                                <p:cTn id="25" presetID="10" presetClass="entr" presetSubtype="0" fill="hold" nodeType="withEffect">
                                   <p:stCondLst>
                                     <p:cond delay="0"/>
                                   </p:stCondLst>
                                   <p:childTnLst>
                                     <p:set>
                                       <p:cBhvr>
-                                        <p:cTn id="21" dur="1" fill="hold">
+                                        <p:cTn id="26" dur="1" fill="hold">
                                           <p:stCondLst>
                                             <p:cond delay="0"/>
                                           </p:stCondLst>
@@ -12436,7 +13038,7 @@
                                     </p:set>
                                     <p:animEffect transition="in" filter="fade">
                                       <p:cBhvr>
-                                        <p:cTn id="22" dur="500"/>
+                                        <p:cTn id="27" dur="500"/>
                                         <p:tgtEl>
                                           <p:spTgt spid="33"/>
                                         </p:tgtEl>
@@ -12446,14 +13048,14 @@
                                 </p:cTn>
                               </p:par>
                               <p:par>
-                                <p:cTn id="23" presetID="10" presetClass="entr" presetSubtype="0" fill="hold" nodeType="withEffect">
+                                <p:cTn id="28" presetID="10" presetClass="entr" presetSubtype="0" fill="hold" nodeType="withEffect">
                                   <p:stCondLst>
                                     <p:cond delay="0"/>
                                   </p:stCondLst>
                                   <p:childTnLst>
                                     <p:set>
                                       <p:cBhvr>
-                                        <p:cTn id="24" dur="1" fill="hold">
+                                        <p:cTn id="29" dur="1" fill="hold">
                                           <p:stCondLst>
                                             <p:cond delay="0"/>
                                           </p:stCondLst>
@@ -12471,9 +13073,79 @@
                                     </p:set>
                                     <p:animEffect transition="in" filter="fade">
                                       <p:cBhvr>
-                                        <p:cTn id="25" dur="500"/>
+                                        <p:cTn id="30" dur="500"/>
                                         <p:tgtEl>
                                           <p:spTgt spid="35"/>
+                                        </p:tgtEl>
+                                      </p:cBhvr>
+                                    </p:animEffect>
+                                  </p:childTnLst>
+                                </p:cTn>
+                              </p:par>
+                              <p:par>
+                                <p:cTn id="31" presetID="10" presetClass="entr" presetSubtype="0" fill="hold" grpId="0" nodeType="withEffect">
+                                  <p:stCondLst>
+                                    <p:cond delay="0"/>
+                                  </p:stCondLst>
+                                  <p:childTnLst>
+                                    <p:set>
+                                      <p:cBhvr>
+                                        <p:cTn id="32" dur="1" fill="hold">
+                                          <p:stCondLst>
+                                            <p:cond delay="0"/>
+                                          </p:stCondLst>
+                                        </p:cTn>
+                                        <p:tgtEl>
+                                          <p:spTgt spid="31"/>
+                                        </p:tgtEl>
+                                        <p:attrNameLst>
+                                          <p:attrName>style.visibility</p:attrName>
+                                        </p:attrNameLst>
+                                      </p:cBhvr>
+                                      <p:to>
+                                        <p:strVal val="visible"/>
+                                      </p:to>
+                                    </p:set>
+                                    <p:animEffect transition="in" filter="fade">
+                                      <p:cBhvr>
+                                        <p:cTn id="33" dur="500"/>
+                                        <p:tgtEl>
+                                          <p:spTgt spid="31"/>
+                                        </p:tgtEl>
+                                      </p:cBhvr>
+                                    </p:animEffect>
+                                  </p:childTnLst>
+                                </p:cTn>
+                              </p:par>
+                              <p:par>
+                                <p:cTn id="34" presetID="10" presetClass="entr" presetSubtype="0" fill="hold" grpId="0" nodeType="withEffect">
+                                  <p:stCondLst>
+                                    <p:cond delay="0"/>
+                                  </p:stCondLst>
+                                  <p:childTnLst>
+                                    <p:set>
+                                      <p:cBhvr>
+                                        <p:cTn id="35" dur="1" fill="hold">
+                                          <p:stCondLst>
+                                            <p:cond delay="0"/>
+                                          </p:stCondLst>
+                                        </p:cTn>
+                                        <p:tgtEl>
+                                          <p:spTgt spid="32"/>
+                                        </p:tgtEl>
+                                        <p:attrNameLst>
+                                          <p:attrName>style.visibility</p:attrName>
+                                        </p:attrNameLst>
+                                      </p:cBhvr>
+                                      <p:to>
+                                        <p:strVal val="visible"/>
+                                      </p:to>
+                                    </p:set>
+                                    <p:animEffect transition="in" filter="fade">
+                                      <p:cBhvr>
+                                        <p:cTn id="36" dur="500"/>
+                                        <p:tgtEl>
+                                          <p:spTgt spid="32"/>
                                         </p:tgtEl>
                                       </p:cBhvr>
                                     </p:animEffect>
@@ -12507,6 +13179,11 @@
         </p:cTn>
       </p:par>
     </p:tnLst>
+    <p:bldLst>
+      <p:bldP spid="8" grpId="0"/>
+      <p:bldP spid="31" grpId="0" animBg="1"/>
+      <p:bldP spid="32" grpId="0" animBg="1"/>
+    </p:bldLst>
   </p:timing>
 </p:sld>
 </file>
@@ -13153,10 +13830,10 @@
                 <a:ea typeface="+mj-ea"/>
                 <a:cs typeface="Courier New" panose="02070309020205020404" pitchFamily="49" charset="0"/>
               </a:rPr>
-              <a:t>инверсный </a:t>
+              <a:t>и</a:t>
             </a:r>
             <a:r>
-              <a:rPr lang="ru-RU" sz="2400" dirty="0" err="1">
+              <a:rPr lang="ru-RU" sz="2400" dirty="0" smtClean="0">
                 <a:solidFill>
                   <a:srgbClr val="77F531"/>
                 </a:solidFill>
@@ -13164,7 +13841,36 @@
                 <a:ea typeface="+mj-ea"/>
                 <a:cs typeface="Courier New" panose="02070309020205020404" pitchFamily="49" charset="0"/>
               </a:rPr>
-              <a:t>конъюнктор</a:t>
+              <a:t>нверсный</a:t>
+            </a:r>
+            <a:endParaRPr lang="en-US" sz="2400" dirty="0" smtClean="0">
+              <a:solidFill>
+                <a:srgbClr val="77F531"/>
+              </a:solidFill>
+              <a:latin typeface="RodchenkoCTT" pitchFamily="2" charset="0"/>
+              <a:ea typeface="+mj-ea"/>
+              <a:cs typeface="Courier New" panose="02070309020205020404" pitchFamily="49" charset="0"/>
+            </a:endParaRPr>
+          </a:p>
+          <a:p>
+            <a:pPr algn="ctr" defTabSz="912114">
+              <a:lnSpc>
+                <a:spcPct val="90000"/>
+              </a:lnSpc>
+              <a:spcBef>
+                <a:spcPct val="0"/>
+              </a:spcBef>
+            </a:pPr>
+            <a:r>
+              <a:rPr lang="ru-RU" sz="2400" dirty="0" err="1" smtClean="0">
+                <a:solidFill>
+                  <a:srgbClr val="77F531"/>
+                </a:solidFill>
+                <a:latin typeface="RodchenkoCTT" pitchFamily="2" charset="0"/>
+                <a:ea typeface="+mj-ea"/>
+                <a:cs typeface="Courier New" panose="02070309020205020404" pitchFamily="49" charset="0"/>
+              </a:rPr>
+              <a:t>дизъюнктор</a:t>
             </a:r>
             <a:endParaRPr lang="ru-RU" sz="2400" dirty="0">
               <a:solidFill>
@@ -13457,9 +14163,763 @@
   <p:timing>
     <p:tnLst>
       <p:par>
-        <p:cTn id="1" dur="indefinite" restart="never" nodeType="tmRoot"/>
+        <p:cTn id="1" dur="indefinite" restart="never" nodeType="tmRoot">
+          <p:childTnLst>
+            <p:seq concurrent="1" nextAc="seek">
+              <p:cTn id="2" dur="indefinite" nodeType="mainSeq">
+                <p:childTnLst>
+                  <p:par>
+                    <p:cTn id="3" fill="hold">
+                      <p:stCondLst>
+                        <p:cond delay="indefinite"/>
+                      </p:stCondLst>
+                      <p:childTnLst>
+                        <p:par>
+                          <p:cTn id="4" fill="hold">
+                            <p:stCondLst>
+                              <p:cond delay="0"/>
+                            </p:stCondLst>
+                            <p:childTnLst>
+                              <p:par>
+                                <p:cTn id="5" presetID="10" presetClass="entr" presetSubtype="0" fill="hold" grpId="0" nodeType="clickEffect">
+                                  <p:stCondLst>
+                                    <p:cond delay="0"/>
+                                  </p:stCondLst>
+                                  <p:childTnLst>
+                                    <p:set>
+                                      <p:cBhvr>
+                                        <p:cTn id="6" dur="1" fill="hold">
+                                          <p:stCondLst>
+                                            <p:cond delay="0"/>
+                                          </p:stCondLst>
+                                        </p:cTn>
+                                        <p:tgtEl>
+                                          <p:spTgt spid="13"/>
+                                        </p:tgtEl>
+                                        <p:attrNameLst>
+                                          <p:attrName>style.visibility</p:attrName>
+                                        </p:attrNameLst>
+                                      </p:cBhvr>
+                                      <p:to>
+                                        <p:strVal val="visible"/>
+                                      </p:to>
+                                    </p:set>
+                                    <p:animEffect transition="in" filter="fade">
+                                      <p:cBhvr>
+                                        <p:cTn id="7" dur="500"/>
+                                        <p:tgtEl>
+                                          <p:spTgt spid="13"/>
+                                        </p:tgtEl>
+                                      </p:cBhvr>
+                                    </p:animEffect>
+                                  </p:childTnLst>
+                                </p:cTn>
+                              </p:par>
+                              <p:par>
+                                <p:cTn id="8" presetID="10" presetClass="entr" presetSubtype="0" fill="hold" nodeType="withEffect">
+                                  <p:stCondLst>
+                                    <p:cond delay="0"/>
+                                  </p:stCondLst>
+                                  <p:childTnLst>
+                                    <p:set>
+                                      <p:cBhvr>
+                                        <p:cTn id="9" dur="1" fill="hold">
+                                          <p:stCondLst>
+                                            <p:cond delay="0"/>
+                                          </p:stCondLst>
+                                        </p:cTn>
+                                        <p:tgtEl>
+                                          <p:spTgt spid="6"/>
+                                        </p:tgtEl>
+                                        <p:attrNameLst>
+                                          <p:attrName>style.visibility</p:attrName>
+                                        </p:attrNameLst>
+                                      </p:cBhvr>
+                                      <p:to>
+                                        <p:strVal val="visible"/>
+                                      </p:to>
+                                    </p:set>
+                                    <p:animEffect transition="in" filter="fade">
+                                      <p:cBhvr>
+                                        <p:cTn id="10" dur="500"/>
+                                        <p:tgtEl>
+                                          <p:spTgt spid="6"/>
+                                        </p:tgtEl>
+                                      </p:cBhvr>
+                                    </p:animEffect>
+                                  </p:childTnLst>
+                                </p:cTn>
+                              </p:par>
+                            </p:childTnLst>
+                          </p:cTn>
+                        </p:par>
+                      </p:childTnLst>
+                    </p:cTn>
+                  </p:par>
+                  <p:par>
+                    <p:cTn id="11" fill="hold">
+                      <p:stCondLst>
+                        <p:cond delay="indefinite"/>
+                      </p:stCondLst>
+                      <p:childTnLst>
+                        <p:par>
+                          <p:cTn id="12" fill="hold">
+                            <p:stCondLst>
+                              <p:cond delay="0"/>
+                            </p:stCondLst>
+                            <p:childTnLst>
+                              <p:par>
+                                <p:cTn id="13" presetID="10" presetClass="entr" presetSubtype="0" fill="hold" nodeType="clickEffect">
+                                  <p:stCondLst>
+                                    <p:cond delay="0"/>
+                                  </p:stCondLst>
+                                  <p:childTnLst>
+                                    <p:set>
+                                      <p:cBhvr>
+                                        <p:cTn id="14" dur="1" fill="hold">
+                                          <p:stCondLst>
+                                            <p:cond delay="0"/>
+                                          </p:stCondLst>
+                                        </p:cTn>
+                                        <p:tgtEl>
+                                          <p:spTgt spid="7"/>
+                                        </p:tgtEl>
+                                        <p:attrNameLst>
+                                          <p:attrName>style.visibility</p:attrName>
+                                        </p:attrNameLst>
+                                      </p:cBhvr>
+                                      <p:to>
+                                        <p:strVal val="visible"/>
+                                      </p:to>
+                                    </p:set>
+                                    <p:animEffect transition="in" filter="fade">
+                                      <p:cBhvr>
+                                        <p:cTn id="15" dur="500"/>
+                                        <p:tgtEl>
+                                          <p:spTgt spid="7"/>
+                                        </p:tgtEl>
+                                      </p:cBhvr>
+                                    </p:animEffect>
+                                  </p:childTnLst>
+                                </p:cTn>
+                              </p:par>
+                              <p:par>
+                                <p:cTn id="16" presetID="10" presetClass="entr" presetSubtype="0" fill="hold" grpId="0" nodeType="withEffect">
+                                  <p:stCondLst>
+                                    <p:cond delay="0"/>
+                                  </p:stCondLst>
+                                  <p:childTnLst>
+                                    <p:set>
+                                      <p:cBhvr>
+                                        <p:cTn id="17" dur="1" fill="hold">
+                                          <p:stCondLst>
+                                            <p:cond delay="0"/>
+                                          </p:stCondLst>
+                                        </p:cTn>
+                                        <p:tgtEl>
+                                          <p:spTgt spid="18"/>
+                                        </p:tgtEl>
+                                        <p:attrNameLst>
+                                          <p:attrName>style.visibility</p:attrName>
+                                        </p:attrNameLst>
+                                      </p:cBhvr>
+                                      <p:to>
+                                        <p:strVal val="visible"/>
+                                      </p:to>
+                                    </p:set>
+                                    <p:animEffect transition="in" filter="fade">
+                                      <p:cBhvr>
+                                        <p:cTn id="18" dur="500"/>
+                                        <p:tgtEl>
+                                          <p:spTgt spid="18"/>
+                                        </p:tgtEl>
+                                      </p:cBhvr>
+                                    </p:animEffect>
+                                  </p:childTnLst>
+                                </p:cTn>
+                              </p:par>
+                              <p:par>
+                                <p:cTn id="19" presetID="10" presetClass="entr" presetSubtype="0" fill="hold" nodeType="withEffect">
+                                  <p:stCondLst>
+                                    <p:cond delay="0"/>
+                                  </p:stCondLst>
+                                  <p:childTnLst>
+                                    <p:set>
+                                      <p:cBhvr>
+                                        <p:cTn id="20" dur="1" fill="hold">
+                                          <p:stCondLst>
+                                            <p:cond delay="0"/>
+                                          </p:stCondLst>
+                                        </p:cTn>
+                                        <p:tgtEl>
+                                          <p:spTgt spid="12"/>
+                                        </p:tgtEl>
+                                        <p:attrNameLst>
+                                          <p:attrName>style.visibility</p:attrName>
+                                        </p:attrNameLst>
+                                      </p:cBhvr>
+                                      <p:to>
+                                        <p:strVal val="visible"/>
+                                      </p:to>
+                                    </p:set>
+                                    <p:animEffect transition="in" filter="fade">
+                                      <p:cBhvr>
+                                        <p:cTn id="21" dur="500"/>
+                                        <p:tgtEl>
+                                          <p:spTgt spid="12"/>
+                                        </p:tgtEl>
+                                      </p:cBhvr>
+                                    </p:animEffect>
+                                  </p:childTnLst>
+                                </p:cTn>
+                              </p:par>
+                              <p:par>
+                                <p:cTn id="22" presetID="10" presetClass="entr" presetSubtype="0" fill="hold" grpId="0" nodeType="withEffect">
+                                  <p:stCondLst>
+                                    <p:cond delay="0"/>
+                                  </p:stCondLst>
+                                  <p:childTnLst>
+                                    <p:set>
+                                      <p:cBhvr>
+                                        <p:cTn id="23" dur="1" fill="hold">
+                                          <p:stCondLst>
+                                            <p:cond delay="0"/>
+                                          </p:stCondLst>
+                                        </p:cTn>
+                                        <p:tgtEl>
+                                          <p:spTgt spid="14"/>
+                                        </p:tgtEl>
+                                        <p:attrNameLst>
+                                          <p:attrName>style.visibility</p:attrName>
+                                        </p:attrNameLst>
+                                      </p:cBhvr>
+                                      <p:to>
+                                        <p:strVal val="visible"/>
+                                      </p:to>
+                                    </p:set>
+                                    <p:animEffect transition="in" filter="fade">
+                                      <p:cBhvr>
+                                        <p:cTn id="24" dur="500"/>
+                                        <p:tgtEl>
+                                          <p:spTgt spid="14"/>
+                                        </p:tgtEl>
+                                      </p:cBhvr>
+                                    </p:animEffect>
+                                  </p:childTnLst>
+                                </p:cTn>
+                              </p:par>
+                            </p:childTnLst>
+                          </p:cTn>
+                        </p:par>
+                      </p:childTnLst>
+                    </p:cTn>
+                  </p:par>
+                  <p:par>
+                    <p:cTn id="25" fill="hold">
+                      <p:stCondLst>
+                        <p:cond delay="indefinite"/>
+                      </p:stCondLst>
+                      <p:childTnLst>
+                        <p:par>
+                          <p:cTn id="26" fill="hold">
+                            <p:stCondLst>
+                              <p:cond delay="0"/>
+                            </p:stCondLst>
+                            <p:childTnLst>
+                              <p:par>
+                                <p:cTn id="27" presetID="10" presetClass="entr" presetSubtype="0" fill="hold" nodeType="clickEffect">
+                                  <p:stCondLst>
+                                    <p:cond delay="0"/>
+                                  </p:stCondLst>
+                                  <p:childTnLst>
+                                    <p:set>
+                                      <p:cBhvr>
+                                        <p:cTn id="28" dur="1" fill="hold">
+                                          <p:stCondLst>
+                                            <p:cond delay="0"/>
+                                          </p:stCondLst>
+                                        </p:cTn>
+                                        <p:tgtEl>
+                                          <p:spTgt spid="9"/>
+                                        </p:tgtEl>
+                                        <p:attrNameLst>
+                                          <p:attrName>style.visibility</p:attrName>
+                                        </p:attrNameLst>
+                                      </p:cBhvr>
+                                      <p:to>
+                                        <p:strVal val="visible"/>
+                                      </p:to>
+                                    </p:set>
+                                    <p:animEffect transition="in" filter="fade">
+                                      <p:cBhvr>
+                                        <p:cTn id="29" dur="500"/>
+                                        <p:tgtEl>
+                                          <p:spTgt spid="9"/>
+                                        </p:tgtEl>
+                                      </p:cBhvr>
+                                    </p:animEffect>
+                                  </p:childTnLst>
+                                </p:cTn>
+                              </p:par>
+                              <p:par>
+                                <p:cTn id="30" presetID="10" presetClass="entr" presetSubtype="0" fill="hold" grpId="0" nodeType="withEffect">
+                                  <p:stCondLst>
+                                    <p:cond delay="0"/>
+                                  </p:stCondLst>
+                                  <p:childTnLst>
+                                    <p:set>
+                                      <p:cBhvr>
+                                        <p:cTn id="31" dur="1" fill="hold">
+                                          <p:stCondLst>
+                                            <p:cond delay="0"/>
+                                          </p:stCondLst>
+                                        </p:cTn>
+                                        <p:tgtEl>
+                                          <p:spTgt spid="20"/>
+                                        </p:tgtEl>
+                                        <p:attrNameLst>
+                                          <p:attrName>style.visibility</p:attrName>
+                                        </p:attrNameLst>
+                                      </p:cBhvr>
+                                      <p:to>
+                                        <p:strVal val="visible"/>
+                                      </p:to>
+                                    </p:set>
+                                    <p:animEffect transition="in" filter="fade">
+                                      <p:cBhvr>
+                                        <p:cTn id="32" dur="500"/>
+                                        <p:tgtEl>
+                                          <p:spTgt spid="20"/>
+                                        </p:tgtEl>
+                                      </p:cBhvr>
+                                    </p:animEffect>
+                                  </p:childTnLst>
+                                </p:cTn>
+                              </p:par>
+                              <p:par>
+                                <p:cTn id="33" presetID="10" presetClass="entr" presetSubtype="0" fill="hold" nodeType="withEffect">
+                                  <p:stCondLst>
+                                    <p:cond delay="0"/>
+                                  </p:stCondLst>
+                                  <p:childTnLst>
+                                    <p:set>
+                                      <p:cBhvr>
+                                        <p:cTn id="34" dur="1" fill="hold">
+                                          <p:stCondLst>
+                                            <p:cond delay="0"/>
+                                          </p:stCondLst>
+                                        </p:cTn>
+                                        <p:tgtEl>
+                                          <p:spTgt spid="11"/>
+                                        </p:tgtEl>
+                                        <p:attrNameLst>
+                                          <p:attrName>style.visibility</p:attrName>
+                                        </p:attrNameLst>
+                                      </p:cBhvr>
+                                      <p:to>
+                                        <p:strVal val="visible"/>
+                                      </p:to>
+                                    </p:set>
+                                    <p:animEffect transition="in" filter="fade">
+                                      <p:cBhvr>
+                                        <p:cTn id="35" dur="500"/>
+                                        <p:tgtEl>
+                                          <p:spTgt spid="11"/>
+                                        </p:tgtEl>
+                                      </p:cBhvr>
+                                    </p:animEffect>
+                                  </p:childTnLst>
+                                </p:cTn>
+                              </p:par>
+                              <p:par>
+                                <p:cTn id="36" presetID="10" presetClass="entr" presetSubtype="0" fill="hold" grpId="0" nodeType="withEffect">
+                                  <p:stCondLst>
+                                    <p:cond delay="0"/>
+                                  </p:stCondLst>
+                                  <p:childTnLst>
+                                    <p:set>
+                                      <p:cBhvr>
+                                        <p:cTn id="37" dur="1" fill="hold">
+                                          <p:stCondLst>
+                                            <p:cond delay="0"/>
+                                          </p:stCondLst>
+                                        </p:cTn>
+                                        <p:tgtEl>
+                                          <p:spTgt spid="15"/>
+                                        </p:tgtEl>
+                                        <p:attrNameLst>
+                                          <p:attrName>style.visibility</p:attrName>
+                                        </p:attrNameLst>
+                                      </p:cBhvr>
+                                      <p:to>
+                                        <p:strVal val="visible"/>
+                                      </p:to>
+                                    </p:set>
+                                    <p:animEffect transition="in" filter="fade">
+                                      <p:cBhvr>
+                                        <p:cTn id="38" dur="500"/>
+                                        <p:tgtEl>
+                                          <p:spTgt spid="15"/>
+                                        </p:tgtEl>
+                                      </p:cBhvr>
+                                    </p:animEffect>
+                                  </p:childTnLst>
+                                </p:cTn>
+                              </p:par>
+                            </p:childTnLst>
+                          </p:cTn>
+                        </p:par>
+                      </p:childTnLst>
+                    </p:cTn>
+                  </p:par>
+                  <p:par>
+                    <p:cTn id="39" fill="hold">
+                      <p:stCondLst>
+                        <p:cond delay="indefinite"/>
+                      </p:stCondLst>
+                      <p:childTnLst>
+                        <p:par>
+                          <p:cTn id="40" fill="hold">
+                            <p:stCondLst>
+                              <p:cond delay="0"/>
+                            </p:stCondLst>
+                            <p:childTnLst>
+                              <p:par>
+                                <p:cTn id="41" presetID="10" presetClass="entr" presetSubtype="0" fill="hold" nodeType="clickEffect">
+                                  <p:stCondLst>
+                                    <p:cond delay="0"/>
+                                  </p:stCondLst>
+                                  <p:childTnLst>
+                                    <p:set>
+                                      <p:cBhvr>
+                                        <p:cTn id="42" dur="1" fill="hold">
+                                          <p:stCondLst>
+                                            <p:cond delay="0"/>
+                                          </p:stCondLst>
+                                        </p:cTn>
+                                        <p:tgtEl>
+                                          <p:spTgt spid="8"/>
+                                        </p:tgtEl>
+                                        <p:attrNameLst>
+                                          <p:attrName>style.visibility</p:attrName>
+                                        </p:attrNameLst>
+                                      </p:cBhvr>
+                                      <p:to>
+                                        <p:strVal val="visible"/>
+                                      </p:to>
+                                    </p:set>
+                                    <p:animEffect transition="in" filter="fade">
+                                      <p:cBhvr>
+                                        <p:cTn id="43" dur="500"/>
+                                        <p:tgtEl>
+                                          <p:spTgt spid="8"/>
+                                        </p:tgtEl>
+                                      </p:cBhvr>
+                                    </p:animEffect>
+                                  </p:childTnLst>
+                                </p:cTn>
+                              </p:par>
+                              <p:par>
+                                <p:cTn id="44" presetID="10" presetClass="entr" presetSubtype="0" fill="hold" grpId="0" nodeType="withEffect">
+                                  <p:stCondLst>
+                                    <p:cond delay="0"/>
+                                  </p:stCondLst>
+                                  <p:childTnLst>
+                                    <p:set>
+                                      <p:cBhvr>
+                                        <p:cTn id="45" dur="1" fill="hold">
+                                          <p:stCondLst>
+                                            <p:cond delay="0"/>
+                                          </p:stCondLst>
+                                        </p:cTn>
+                                        <p:tgtEl>
+                                          <p:spTgt spid="22"/>
+                                        </p:tgtEl>
+                                        <p:attrNameLst>
+                                          <p:attrName>style.visibility</p:attrName>
+                                        </p:attrNameLst>
+                                      </p:cBhvr>
+                                      <p:to>
+                                        <p:strVal val="visible"/>
+                                      </p:to>
+                                    </p:set>
+                                    <p:animEffect transition="in" filter="fade">
+                                      <p:cBhvr>
+                                        <p:cTn id="46" dur="500"/>
+                                        <p:tgtEl>
+                                          <p:spTgt spid="22"/>
+                                        </p:tgtEl>
+                                      </p:cBhvr>
+                                    </p:animEffect>
+                                  </p:childTnLst>
+                                </p:cTn>
+                              </p:par>
+                              <p:par>
+                                <p:cTn id="47" presetID="10" presetClass="entr" presetSubtype="0" fill="hold" nodeType="withEffect">
+                                  <p:stCondLst>
+                                    <p:cond delay="0"/>
+                                  </p:stCondLst>
+                                  <p:childTnLst>
+                                    <p:set>
+                                      <p:cBhvr>
+                                        <p:cTn id="48" dur="1" fill="hold">
+                                          <p:stCondLst>
+                                            <p:cond delay="0"/>
+                                          </p:stCondLst>
+                                        </p:cTn>
+                                        <p:tgtEl>
+                                          <p:spTgt spid="10"/>
+                                        </p:tgtEl>
+                                        <p:attrNameLst>
+                                          <p:attrName>style.visibility</p:attrName>
+                                        </p:attrNameLst>
+                                      </p:cBhvr>
+                                      <p:to>
+                                        <p:strVal val="visible"/>
+                                      </p:to>
+                                    </p:set>
+                                    <p:animEffect transition="in" filter="fade">
+                                      <p:cBhvr>
+                                        <p:cTn id="49" dur="500"/>
+                                        <p:tgtEl>
+                                          <p:spTgt spid="10"/>
+                                        </p:tgtEl>
+                                      </p:cBhvr>
+                                    </p:animEffect>
+                                  </p:childTnLst>
+                                </p:cTn>
+                              </p:par>
+                              <p:par>
+                                <p:cTn id="50" presetID="10" presetClass="entr" presetSubtype="0" fill="hold" grpId="0" nodeType="withEffect">
+                                  <p:stCondLst>
+                                    <p:cond delay="0"/>
+                                  </p:stCondLst>
+                                  <p:childTnLst>
+                                    <p:set>
+                                      <p:cBhvr>
+                                        <p:cTn id="51" dur="1" fill="hold">
+                                          <p:stCondLst>
+                                            <p:cond delay="0"/>
+                                          </p:stCondLst>
+                                        </p:cTn>
+                                        <p:tgtEl>
+                                          <p:spTgt spid="21"/>
+                                        </p:tgtEl>
+                                        <p:attrNameLst>
+                                          <p:attrName>style.visibility</p:attrName>
+                                        </p:attrNameLst>
+                                      </p:cBhvr>
+                                      <p:to>
+                                        <p:strVal val="visible"/>
+                                      </p:to>
+                                    </p:set>
+                                    <p:animEffect transition="in" filter="fade">
+                                      <p:cBhvr>
+                                        <p:cTn id="52" dur="500"/>
+                                        <p:tgtEl>
+                                          <p:spTgt spid="21"/>
+                                        </p:tgtEl>
+                                      </p:cBhvr>
+                                    </p:animEffect>
+                                  </p:childTnLst>
+                                </p:cTn>
+                              </p:par>
+                            </p:childTnLst>
+                          </p:cTn>
+                        </p:par>
+                      </p:childTnLst>
+                    </p:cTn>
+                  </p:par>
+                  <p:par>
+                    <p:cTn id="53" fill="hold">
+                      <p:stCondLst>
+                        <p:cond delay="indefinite"/>
+                      </p:stCondLst>
+                      <p:childTnLst>
+                        <p:par>
+                          <p:cTn id="54" fill="hold">
+                            <p:stCondLst>
+                              <p:cond delay="0"/>
+                            </p:stCondLst>
+                            <p:childTnLst>
+                              <p:par>
+                                <p:cTn id="55" presetID="10" presetClass="entr" presetSubtype="0" fill="hold" nodeType="clickEffect">
+                                  <p:stCondLst>
+                                    <p:cond delay="0"/>
+                                  </p:stCondLst>
+                                  <p:childTnLst>
+                                    <p:set>
+                                      <p:cBhvr>
+                                        <p:cTn id="56" dur="1" fill="hold">
+                                          <p:stCondLst>
+                                            <p:cond delay="0"/>
+                                          </p:stCondLst>
+                                        </p:cTn>
+                                        <p:tgtEl>
+                                          <p:spTgt spid="3"/>
+                                        </p:tgtEl>
+                                        <p:attrNameLst>
+                                          <p:attrName>style.visibility</p:attrName>
+                                        </p:attrNameLst>
+                                      </p:cBhvr>
+                                      <p:to>
+                                        <p:strVal val="visible"/>
+                                      </p:to>
+                                    </p:set>
+                                    <p:animEffect transition="in" filter="fade">
+                                      <p:cBhvr>
+                                        <p:cTn id="57" dur="500"/>
+                                        <p:tgtEl>
+                                          <p:spTgt spid="3"/>
+                                        </p:tgtEl>
+                                      </p:cBhvr>
+                                    </p:animEffect>
+                                  </p:childTnLst>
+                                </p:cTn>
+                              </p:par>
+                              <p:par>
+                                <p:cTn id="58" presetID="10" presetClass="entr" presetSubtype="0" fill="hold" grpId="0" nodeType="withEffect">
+                                  <p:stCondLst>
+                                    <p:cond delay="0"/>
+                                  </p:stCondLst>
+                                  <p:childTnLst>
+                                    <p:set>
+                                      <p:cBhvr>
+                                        <p:cTn id="59" dur="1" fill="hold">
+                                          <p:stCondLst>
+                                            <p:cond delay="0"/>
+                                          </p:stCondLst>
+                                        </p:cTn>
+                                        <p:tgtEl>
+                                          <p:spTgt spid="23"/>
+                                        </p:tgtEl>
+                                        <p:attrNameLst>
+                                          <p:attrName>style.visibility</p:attrName>
+                                        </p:attrNameLst>
+                                      </p:cBhvr>
+                                      <p:to>
+                                        <p:strVal val="visible"/>
+                                      </p:to>
+                                    </p:set>
+                                    <p:animEffect transition="in" filter="fade">
+                                      <p:cBhvr>
+                                        <p:cTn id="60" dur="500"/>
+                                        <p:tgtEl>
+                                          <p:spTgt spid="23"/>
+                                        </p:tgtEl>
+                                      </p:cBhvr>
+                                    </p:animEffect>
+                                  </p:childTnLst>
+                                </p:cTn>
+                              </p:par>
+                              <p:par>
+                                <p:cTn id="61" presetID="10" presetClass="entr" presetSubtype="0" fill="hold" nodeType="withEffect">
+                                  <p:stCondLst>
+                                    <p:cond delay="0"/>
+                                  </p:stCondLst>
+                                  <p:childTnLst>
+                                    <p:set>
+                                      <p:cBhvr>
+                                        <p:cTn id="62" dur="1" fill="hold">
+                                          <p:stCondLst>
+                                            <p:cond delay="0"/>
+                                          </p:stCondLst>
+                                        </p:cTn>
+                                        <p:tgtEl>
+                                          <p:spTgt spid="2"/>
+                                        </p:tgtEl>
+                                        <p:attrNameLst>
+                                          <p:attrName>style.visibility</p:attrName>
+                                        </p:attrNameLst>
+                                      </p:cBhvr>
+                                      <p:to>
+                                        <p:strVal val="visible"/>
+                                      </p:to>
+                                    </p:set>
+                                    <p:animEffect transition="in" filter="fade">
+                                      <p:cBhvr>
+                                        <p:cTn id="63" dur="500"/>
+                                        <p:tgtEl>
+                                          <p:spTgt spid="2"/>
+                                        </p:tgtEl>
+                                      </p:cBhvr>
+                                    </p:animEffect>
+                                  </p:childTnLst>
+                                </p:cTn>
+                              </p:par>
+                              <p:par>
+                                <p:cTn id="64" presetID="10" presetClass="entr" presetSubtype="0" fill="hold" grpId="0" nodeType="withEffect">
+                                  <p:stCondLst>
+                                    <p:cond delay="0"/>
+                                  </p:stCondLst>
+                                  <p:childTnLst>
+                                    <p:set>
+                                      <p:cBhvr>
+                                        <p:cTn id="65" dur="1" fill="hold">
+                                          <p:stCondLst>
+                                            <p:cond delay="0"/>
+                                          </p:stCondLst>
+                                        </p:cTn>
+                                        <p:tgtEl>
+                                          <p:spTgt spid="24"/>
+                                        </p:tgtEl>
+                                        <p:attrNameLst>
+                                          <p:attrName>style.visibility</p:attrName>
+                                        </p:attrNameLst>
+                                      </p:cBhvr>
+                                      <p:to>
+                                        <p:strVal val="visible"/>
+                                      </p:to>
+                                    </p:set>
+                                    <p:animEffect transition="in" filter="fade">
+                                      <p:cBhvr>
+                                        <p:cTn id="66" dur="500"/>
+                                        <p:tgtEl>
+                                          <p:spTgt spid="24"/>
+                                        </p:tgtEl>
+                                      </p:cBhvr>
+                                    </p:animEffect>
+                                  </p:childTnLst>
+                                </p:cTn>
+                              </p:par>
+                            </p:childTnLst>
+                          </p:cTn>
+                        </p:par>
+                      </p:childTnLst>
+                    </p:cTn>
+                  </p:par>
+                </p:childTnLst>
+              </p:cTn>
+              <p:prevCondLst>
+                <p:cond evt="onPrev" delay="0">
+                  <p:tgtEl>
+                    <p:sldTgt/>
+                  </p:tgtEl>
+                </p:cond>
+              </p:prevCondLst>
+              <p:nextCondLst>
+                <p:cond evt="onNext" delay="0">
+                  <p:tgtEl>
+                    <p:sldTgt/>
+                  </p:tgtEl>
+                </p:cond>
+              </p:nextCondLst>
+            </p:seq>
+          </p:childTnLst>
+        </p:cTn>
       </p:par>
     </p:tnLst>
+    <p:bldLst>
+      <p:bldP spid="13" grpId="0"/>
+      <p:bldP spid="14" grpId="0"/>
+      <p:bldP spid="15" grpId="0"/>
+      <p:bldP spid="18" grpId="0"/>
+      <p:bldP spid="20" grpId="0"/>
+      <p:bldP spid="21" grpId="0"/>
+      <p:bldP spid="22" grpId="0"/>
+      <p:bldP spid="23" grpId="0"/>
+      <p:bldP spid="24" grpId="0"/>
+    </p:bldLst>
   </p:timing>
 </p:sld>
 </file>
@@ -13794,7 +15254,7 @@
               <a:t>”</a:t>
             </a:r>
             <a:r>
-              <a:rPr lang="ru-RU" sz="4400">
+              <a:rPr lang="ru-RU" sz="4400" dirty="0">
                 <a:solidFill>
                   <a:srgbClr val="77F531"/>
                 </a:solidFill>
@@ -13869,9 +15329,88 @@
   <p:timing>
     <p:tnLst>
       <p:par>
-        <p:cTn id="1" dur="indefinite" restart="never" nodeType="tmRoot"/>
+        <p:cTn id="1" dur="indefinite" restart="never" nodeType="tmRoot">
+          <p:childTnLst>
+            <p:seq concurrent="1" nextAc="seek">
+              <p:cTn id="2" dur="indefinite" nodeType="mainSeq">
+                <p:childTnLst>
+                  <p:par>
+                    <p:cTn id="3" fill="hold">
+                      <p:stCondLst>
+                        <p:cond delay="indefinite"/>
+                      </p:stCondLst>
+                      <p:childTnLst>
+                        <p:par>
+                          <p:cTn id="4" fill="hold">
+                            <p:stCondLst>
+                              <p:cond delay="0"/>
+                            </p:stCondLst>
+                            <p:childTnLst>
+                              <p:par>
+                                <p:cTn id="5" presetID="10" presetClass="entr" presetSubtype="0" fill="hold" grpId="0" nodeType="clickEffect">
+                                  <p:stCondLst>
+                                    <p:cond delay="0"/>
+                                  </p:stCondLst>
+                                  <p:childTnLst>
+                                    <p:set>
+                                      <p:cBhvr>
+                                        <p:cTn id="6" dur="1" fill="hold">
+                                          <p:stCondLst>
+                                            <p:cond delay="0"/>
+                                          </p:stCondLst>
+                                        </p:cTn>
+                                        <p:tgtEl>
+                                          <p:spTgt spid="6"/>
+                                        </p:tgtEl>
+                                        <p:attrNameLst>
+                                          <p:attrName>style.visibility</p:attrName>
+                                        </p:attrNameLst>
+                                      </p:cBhvr>
+                                      <p:to>
+                                        <p:strVal val="visible"/>
+                                      </p:to>
+                                    </p:set>
+                                    <p:animEffect transition="in" filter="fade">
+                                      <p:cBhvr>
+                                        <p:cTn id="7" dur="500"/>
+                                        <p:tgtEl>
+                                          <p:spTgt spid="6"/>
+                                        </p:tgtEl>
+                                      </p:cBhvr>
+                                    </p:animEffect>
+                                  </p:childTnLst>
+                                </p:cTn>
+                              </p:par>
+                            </p:childTnLst>
+                          </p:cTn>
+                        </p:par>
+                      </p:childTnLst>
+                    </p:cTn>
+                  </p:par>
+                </p:childTnLst>
+              </p:cTn>
+              <p:prevCondLst>
+                <p:cond evt="onPrev" delay="0">
+                  <p:tgtEl>
+                    <p:sldTgt/>
+                  </p:tgtEl>
+                </p:cond>
+              </p:prevCondLst>
+              <p:nextCondLst>
+                <p:cond evt="onNext" delay="0">
+                  <p:tgtEl>
+                    <p:sldTgt/>
+                  </p:tgtEl>
+                </p:cond>
+              </p:nextCondLst>
+            </p:seq>
+          </p:childTnLst>
+        </p:cTn>
       </p:par>
     </p:tnLst>
+    <p:bldLst>
+      <p:bldP spid="6" grpId="0"/>
+    </p:bldLst>
   </p:timing>
 </p:sld>
 </file>
@@ -14294,9 +15833,283 @@
   <p:timing>
     <p:tnLst>
       <p:par>
-        <p:cTn id="1" dur="indefinite" restart="never" nodeType="tmRoot"/>
+        <p:cTn id="1" dur="indefinite" restart="never" nodeType="tmRoot">
+          <p:childTnLst>
+            <p:seq concurrent="1" nextAc="seek">
+              <p:cTn id="2" dur="indefinite" nodeType="mainSeq">
+                <p:childTnLst>
+                  <p:par>
+                    <p:cTn id="3" fill="hold">
+                      <p:stCondLst>
+                        <p:cond delay="indefinite"/>
+                      </p:stCondLst>
+                      <p:childTnLst>
+                        <p:par>
+                          <p:cTn id="4" fill="hold">
+                            <p:stCondLst>
+                              <p:cond delay="0"/>
+                            </p:stCondLst>
+                            <p:childTnLst>
+                              <p:par>
+                                <p:cTn id="5" presetID="10" presetClass="entr" presetSubtype="0" fill="hold" grpId="0" nodeType="clickEffect">
+                                  <p:stCondLst>
+                                    <p:cond delay="0"/>
+                                  </p:stCondLst>
+                                  <p:childTnLst>
+                                    <p:set>
+                                      <p:cBhvr>
+                                        <p:cTn id="6" dur="1" fill="hold">
+                                          <p:stCondLst>
+                                            <p:cond delay="0"/>
+                                          </p:stCondLst>
+                                        </p:cTn>
+                                        <p:tgtEl>
+                                          <p:spTgt spid="7"/>
+                                        </p:tgtEl>
+                                        <p:attrNameLst>
+                                          <p:attrName>style.visibility</p:attrName>
+                                        </p:attrNameLst>
+                                      </p:cBhvr>
+                                      <p:to>
+                                        <p:strVal val="visible"/>
+                                      </p:to>
+                                    </p:set>
+                                    <p:animEffect transition="in" filter="fade">
+                                      <p:cBhvr>
+                                        <p:cTn id="7" dur="500"/>
+                                        <p:tgtEl>
+                                          <p:spTgt spid="7"/>
+                                        </p:tgtEl>
+                                      </p:cBhvr>
+                                    </p:animEffect>
+                                  </p:childTnLst>
+                                </p:cTn>
+                              </p:par>
+                            </p:childTnLst>
+                          </p:cTn>
+                        </p:par>
+                      </p:childTnLst>
+                    </p:cTn>
+                  </p:par>
+                  <p:par>
+                    <p:cTn id="8" fill="hold">
+                      <p:stCondLst>
+                        <p:cond delay="indefinite"/>
+                      </p:stCondLst>
+                      <p:childTnLst>
+                        <p:par>
+                          <p:cTn id="9" fill="hold">
+                            <p:stCondLst>
+                              <p:cond delay="0"/>
+                            </p:stCondLst>
+                            <p:childTnLst>
+                              <p:par>
+                                <p:cTn id="10" presetID="10" presetClass="entr" presetSubtype="0" fill="hold" nodeType="clickEffect">
+                                  <p:stCondLst>
+                                    <p:cond delay="0"/>
+                                  </p:stCondLst>
+                                  <p:childTnLst>
+                                    <p:set>
+                                      <p:cBhvr>
+                                        <p:cTn id="11" dur="1" fill="hold">
+                                          <p:stCondLst>
+                                            <p:cond delay="0"/>
+                                          </p:stCondLst>
+                                        </p:cTn>
+                                        <p:tgtEl>
+                                          <p:spTgt spid="18"/>
+                                        </p:tgtEl>
+                                        <p:attrNameLst>
+                                          <p:attrName>style.visibility</p:attrName>
+                                        </p:attrNameLst>
+                                      </p:cBhvr>
+                                      <p:to>
+                                        <p:strVal val="visible"/>
+                                      </p:to>
+                                    </p:set>
+                                    <p:animEffect transition="in" filter="fade">
+                                      <p:cBhvr>
+                                        <p:cTn id="12" dur="500"/>
+                                        <p:tgtEl>
+                                          <p:spTgt spid="18"/>
+                                        </p:tgtEl>
+                                      </p:cBhvr>
+                                    </p:animEffect>
+                                  </p:childTnLst>
+                                </p:cTn>
+                              </p:par>
+                              <p:par>
+                                <p:cTn id="13" presetID="10" presetClass="entr" presetSubtype="0" fill="hold" grpId="0" nodeType="withEffect">
+                                  <p:stCondLst>
+                                    <p:cond delay="0"/>
+                                  </p:stCondLst>
+                                  <p:childTnLst>
+                                    <p:set>
+                                      <p:cBhvr>
+                                        <p:cTn id="14" dur="1" fill="hold">
+                                          <p:stCondLst>
+                                            <p:cond delay="0"/>
+                                          </p:stCondLst>
+                                        </p:cTn>
+                                        <p:tgtEl>
+                                          <p:spTgt spid="17"/>
+                                        </p:tgtEl>
+                                        <p:attrNameLst>
+                                          <p:attrName>style.visibility</p:attrName>
+                                        </p:attrNameLst>
+                                      </p:cBhvr>
+                                      <p:to>
+                                        <p:strVal val="visible"/>
+                                      </p:to>
+                                    </p:set>
+                                    <p:animEffect transition="in" filter="fade">
+                                      <p:cBhvr>
+                                        <p:cTn id="15" dur="500"/>
+                                        <p:tgtEl>
+                                          <p:spTgt spid="17"/>
+                                        </p:tgtEl>
+                                      </p:cBhvr>
+                                    </p:animEffect>
+                                  </p:childTnLst>
+                                </p:cTn>
+                              </p:par>
+                              <p:par>
+                                <p:cTn id="16" presetID="10" presetClass="entr" presetSubtype="0" fill="hold" nodeType="withEffect">
+                                  <p:stCondLst>
+                                    <p:cond delay="0"/>
+                                  </p:stCondLst>
+                                  <p:childTnLst>
+                                    <p:set>
+                                      <p:cBhvr>
+                                        <p:cTn id="17" dur="1" fill="hold">
+                                          <p:stCondLst>
+                                            <p:cond delay="0"/>
+                                          </p:stCondLst>
+                                        </p:cTn>
+                                        <p:tgtEl>
+                                          <p:spTgt spid="14"/>
+                                        </p:tgtEl>
+                                        <p:attrNameLst>
+                                          <p:attrName>style.visibility</p:attrName>
+                                        </p:attrNameLst>
+                                      </p:cBhvr>
+                                      <p:to>
+                                        <p:strVal val="visible"/>
+                                      </p:to>
+                                    </p:set>
+                                    <p:animEffect transition="in" filter="fade">
+                                      <p:cBhvr>
+                                        <p:cTn id="18" dur="500"/>
+                                        <p:tgtEl>
+                                          <p:spTgt spid="14"/>
+                                        </p:tgtEl>
+                                      </p:cBhvr>
+                                    </p:animEffect>
+                                  </p:childTnLst>
+                                </p:cTn>
+                              </p:par>
+                              <p:par>
+                                <p:cTn id="19" presetID="10" presetClass="entr" presetSubtype="0" fill="hold" nodeType="withEffect">
+                                  <p:stCondLst>
+                                    <p:cond delay="0"/>
+                                  </p:stCondLst>
+                                  <p:childTnLst>
+                                    <p:set>
+                                      <p:cBhvr>
+                                        <p:cTn id="20" dur="1" fill="hold">
+                                          <p:stCondLst>
+                                            <p:cond delay="0"/>
+                                          </p:stCondLst>
+                                        </p:cTn>
+                                        <p:tgtEl>
+                                          <p:spTgt spid="2"/>
+                                        </p:tgtEl>
+                                        <p:attrNameLst>
+                                          <p:attrName>style.visibility</p:attrName>
+                                        </p:attrNameLst>
+                                      </p:cBhvr>
+                                      <p:to>
+                                        <p:strVal val="visible"/>
+                                      </p:to>
+                                    </p:set>
+                                    <p:animEffect transition="in" filter="fade">
+                                      <p:cBhvr>
+                                        <p:cTn id="21" dur="500"/>
+                                        <p:tgtEl>
+                                          <p:spTgt spid="2"/>
+                                        </p:tgtEl>
+                                      </p:cBhvr>
+                                    </p:animEffect>
+                                  </p:childTnLst>
+                                </p:cTn>
+                              </p:par>
+                              <p:par>
+                                <p:cTn id="22" presetID="10" presetClass="entr" presetSubtype="0" fill="hold" grpId="0" nodeType="withEffect">
+                                  <p:stCondLst>
+                                    <p:cond delay="0"/>
+                                  </p:stCondLst>
+                                  <p:childTnLst>
+                                    <p:set>
+                                      <p:cBhvr>
+                                        <p:cTn id="23" dur="1" fill="hold">
+                                          <p:stCondLst>
+                                            <p:cond delay="0"/>
+                                          </p:stCondLst>
+                                        </p:cTn>
+                                        <p:tgtEl>
+                                          <p:spTgt spid="6"/>
+                                        </p:tgtEl>
+                                        <p:attrNameLst>
+                                          <p:attrName>style.visibility</p:attrName>
+                                        </p:attrNameLst>
+                                      </p:cBhvr>
+                                      <p:to>
+                                        <p:strVal val="visible"/>
+                                      </p:to>
+                                    </p:set>
+                                    <p:animEffect transition="in" filter="fade">
+                                      <p:cBhvr>
+                                        <p:cTn id="24" dur="500"/>
+                                        <p:tgtEl>
+                                          <p:spTgt spid="6"/>
+                                        </p:tgtEl>
+                                      </p:cBhvr>
+                                    </p:animEffect>
+                                  </p:childTnLst>
+                                </p:cTn>
+                              </p:par>
+                            </p:childTnLst>
+                          </p:cTn>
+                        </p:par>
+                      </p:childTnLst>
+                    </p:cTn>
+                  </p:par>
+                </p:childTnLst>
+              </p:cTn>
+              <p:prevCondLst>
+                <p:cond evt="onPrev" delay="0">
+                  <p:tgtEl>
+                    <p:sldTgt/>
+                  </p:tgtEl>
+                </p:cond>
+              </p:prevCondLst>
+              <p:nextCondLst>
+                <p:cond evt="onNext" delay="0">
+                  <p:tgtEl>
+                    <p:sldTgt/>
+                  </p:tgtEl>
+                </p:cond>
+              </p:nextCondLst>
+            </p:seq>
+          </p:childTnLst>
+        </p:cTn>
       </p:par>
     </p:tnLst>
+    <p:bldLst>
+      <p:bldP spid="7" grpId="0"/>
+      <p:bldP spid="6" grpId="0" animBg="1"/>
+      <p:bldP spid="17" grpId="0" animBg="1"/>
+    </p:bldLst>
   </p:timing>
 </p:sld>
 </file>
@@ -14653,9 +16466,212 @@
   <p:timing>
     <p:tnLst>
       <p:par>
-        <p:cTn id="1" dur="indefinite" restart="never" nodeType="tmRoot"/>
+        <p:cTn id="1" dur="indefinite" restart="never" nodeType="tmRoot">
+          <p:childTnLst>
+            <p:seq concurrent="1" nextAc="seek">
+              <p:cTn id="2" dur="indefinite" nodeType="mainSeq">
+                <p:childTnLst>
+                  <p:par>
+                    <p:cTn id="3" fill="hold">
+                      <p:stCondLst>
+                        <p:cond delay="indefinite"/>
+                      </p:stCondLst>
+                      <p:childTnLst>
+                        <p:par>
+                          <p:cTn id="4" fill="hold">
+                            <p:stCondLst>
+                              <p:cond delay="0"/>
+                            </p:stCondLst>
+                            <p:childTnLst>
+                              <p:par>
+                                <p:cTn id="5" presetID="10" presetClass="entr" presetSubtype="0" fill="hold" grpId="0" nodeType="clickEffect">
+                                  <p:stCondLst>
+                                    <p:cond delay="0"/>
+                                  </p:stCondLst>
+                                  <p:childTnLst>
+                                    <p:set>
+                                      <p:cBhvr>
+                                        <p:cTn id="6" dur="1" fill="hold">
+                                          <p:stCondLst>
+                                            <p:cond delay="0"/>
+                                          </p:stCondLst>
+                                        </p:cTn>
+                                        <p:tgtEl>
+                                          <p:spTgt spid="6"/>
+                                        </p:tgtEl>
+                                        <p:attrNameLst>
+                                          <p:attrName>style.visibility</p:attrName>
+                                        </p:attrNameLst>
+                                      </p:cBhvr>
+                                      <p:to>
+                                        <p:strVal val="visible"/>
+                                      </p:to>
+                                    </p:set>
+                                    <p:animEffect transition="in" filter="fade">
+                                      <p:cBhvr>
+                                        <p:cTn id="7" dur="500"/>
+                                        <p:tgtEl>
+                                          <p:spTgt spid="6"/>
+                                        </p:tgtEl>
+                                      </p:cBhvr>
+                                    </p:animEffect>
+                                  </p:childTnLst>
+                                </p:cTn>
+                              </p:par>
+                            </p:childTnLst>
+                          </p:cTn>
+                        </p:par>
+                      </p:childTnLst>
+                    </p:cTn>
+                  </p:par>
+                  <p:par>
+                    <p:cTn id="8" fill="hold">
+                      <p:stCondLst>
+                        <p:cond delay="indefinite"/>
+                      </p:stCondLst>
+                      <p:childTnLst>
+                        <p:par>
+                          <p:cTn id="9" fill="hold">
+                            <p:stCondLst>
+                              <p:cond delay="0"/>
+                            </p:stCondLst>
+                            <p:childTnLst>
+                              <p:par>
+                                <p:cTn id="10" presetID="10" presetClass="entr" presetSubtype="0" fill="hold" grpId="0" nodeType="clickEffect">
+                                  <p:stCondLst>
+                                    <p:cond delay="0"/>
+                                  </p:stCondLst>
+                                  <p:childTnLst>
+                                    <p:set>
+                                      <p:cBhvr>
+                                        <p:cTn id="11" dur="1" fill="hold">
+                                          <p:stCondLst>
+                                            <p:cond delay="0"/>
+                                          </p:stCondLst>
+                                        </p:cTn>
+                                        <p:tgtEl>
+                                          <p:spTgt spid="7"/>
+                                        </p:tgtEl>
+                                        <p:attrNameLst>
+                                          <p:attrName>style.visibility</p:attrName>
+                                        </p:attrNameLst>
+                                      </p:cBhvr>
+                                      <p:to>
+                                        <p:strVal val="visible"/>
+                                      </p:to>
+                                    </p:set>
+                                    <p:animEffect transition="in" filter="fade">
+                                      <p:cBhvr>
+                                        <p:cTn id="12" dur="500"/>
+                                        <p:tgtEl>
+                                          <p:spTgt spid="7"/>
+                                        </p:tgtEl>
+                                      </p:cBhvr>
+                                    </p:animEffect>
+                                  </p:childTnLst>
+                                </p:cTn>
+                              </p:par>
+                              <p:par>
+                                <p:cTn id="13" presetID="10" presetClass="entr" presetSubtype="0" fill="hold" nodeType="withEffect">
+                                  <p:stCondLst>
+                                    <p:cond delay="0"/>
+                                  </p:stCondLst>
+                                  <p:childTnLst>
+                                    <p:set>
+                                      <p:cBhvr>
+                                        <p:cTn id="14" dur="1" fill="hold">
+                                          <p:stCondLst>
+                                            <p:cond delay="0"/>
+                                          </p:stCondLst>
+                                        </p:cTn>
+                                        <p:tgtEl>
+                                          <p:spTgt spid="3"/>
+                                        </p:tgtEl>
+                                        <p:attrNameLst>
+                                          <p:attrName>style.visibility</p:attrName>
+                                        </p:attrNameLst>
+                                      </p:cBhvr>
+                                      <p:to>
+                                        <p:strVal val="visible"/>
+                                      </p:to>
+                                    </p:set>
+                                    <p:animEffect transition="in" filter="fade">
+                                      <p:cBhvr>
+                                        <p:cTn id="15" dur="500"/>
+                                        <p:tgtEl>
+                                          <p:spTgt spid="3"/>
+                                        </p:tgtEl>
+                                      </p:cBhvr>
+                                    </p:animEffect>
+                                  </p:childTnLst>
+                                </p:cTn>
+                              </p:par>
+                              <p:par>
+                                <p:cTn id="16" presetID="10" presetClass="entr" presetSubtype="0" fill="hold" nodeType="withEffect">
+                                  <p:stCondLst>
+                                    <p:cond delay="0"/>
+                                  </p:stCondLst>
+                                  <p:childTnLst>
+                                    <p:set>
+                                      <p:cBhvr>
+                                        <p:cTn id="17" dur="1" fill="hold">
+                                          <p:stCondLst>
+                                            <p:cond delay="0"/>
+                                          </p:stCondLst>
+                                        </p:cTn>
+                                        <p:tgtEl>
+                                          <p:spTgt spid="2"/>
+                                        </p:tgtEl>
+                                        <p:attrNameLst>
+                                          <p:attrName>style.visibility</p:attrName>
+                                        </p:attrNameLst>
+                                      </p:cBhvr>
+                                      <p:to>
+                                        <p:strVal val="visible"/>
+                                      </p:to>
+                                    </p:set>
+                                    <p:animEffect transition="in" filter="fade">
+                                      <p:cBhvr>
+                                        <p:cTn id="18" dur="500"/>
+                                        <p:tgtEl>
+                                          <p:spTgt spid="2"/>
+                                        </p:tgtEl>
+                                      </p:cBhvr>
+                                    </p:animEffect>
+                                  </p:childTnLst>
+                                </p:cTn>
+                              </p:par>
+                            </p:childTnLst>
+                          </p:cTn>
+                        </p:par>
+                      </p:childTnLst>
+                    </p:cTn>
+                  </p:par>
+                </p:childTnLst>
+              </p:cTn>
+              <p:prevCondLst>
+                <p:cond evt="onPrev" delay="0">
+                  <p:tgtEl>
+                    <p:sldTgt/>
+                  </p:tgtEl>
+                </p:cond>
+              </p:prevCondLst>
+              <p:nextCondLst>
+                <p:cond evt="onNext" delay="0">
+                  <p:tgtEl>
+                    <p:sldTgt/>
+                  </p:tgtEl>
+                </p:cond>
+              </p:nextCondLst>
+            </p:seq>
+          </p:childTnLst>
+        </p:cTn>
       </p:par>
     </p:tnLst>
+    <p:bldLst>
+      <p:bldP spid="6" grpId="0"/>
+      <p:bldP spid="7" grpId="0"/>
+    </p:bldLst>
   </p:timing>
 </p:sld>
 </file>
